--- a/presentation/gtdb-final-presentation.pptx
+++ b/presentation/gtdb-final-presentation.pptx
@@ -4,18 +4,22 @@
   <p:sldMasterIdLst>
     <p:sldMasterId id="2147483803" r:id="rId1"/>
   </p:sldMasterIdLst>
+  <p:notesMasterIdLst>
+    <p:notesMasterId r:id="rId14"/>
+  </p:notesMasterIdLst>
   <p:sldIdLst>
     <p:sldId id="256" r:id="rId2"/>
     <p:sldId id="261" r:id="rId3"/>
     <p:sldId id="262" r:id="rId4"/>
     <p:sldId id="266" r:id="rId5"/>
     <p:sldId id="267" r:id="rId6"/>
-    <p:sldId id="263" r:id="rId7"/>
-    <p:sldId id="264" r:id="rId8"/>
-    <p:sldId id="257" r:id="rId9"/>
-    <p:sldId id="258" r:id="rId10"/>
-    <p:sldId id="259" r:id="rId11"/>
-    <p:sldId id="265" r:id="rId12"/>
+    <p:sldId id="268" r:id="rId7"/>
+    <p:sldId id="263" r:id="rId8"/>
+    <p:sldId id="264" r:id="rId9"/>
+    <p:sldId id="257" r:id="rId10"/>
+    <p:sldId id="258" r:id="rId11"/>
+    <p:sldId id="259" r:id="rId12"/>
+    <p:sldId id="265" r:id="rId13"/>
   </p:sldIdLst>
   <p:sldSz cx="9144000" cy="6858000" type="screen4x3"/>
   <p:notesSz cx="6858000" cy="9144000"/>
@@ -124,6 +128,7 @@
             <p14:sldId id="262"/>
             <p14:sldId id="266"/>
             <p14:sldId id="267"/>
+            <p14:sldId id="268"/>
             <p14:sldId id="263"/>
             <p14:sldId id="264"/>
           </p14:sldIdLst>
@@ -166,6 +171,529 @@
     </p:ext>
   </p:extLst>
 </p:presentation>
+</file>
+
+<file path=ppt/notesMasters/notesMaster1.xml><?xml version="1.0" encoding="utf-8"?>
+<p:notesMaster xmlns:a="http://schemas.openxmlformats.org/drawingml/2006/main" xmlns:r="http://schemas.openxmlformats.org/officeDocument/2006/relationships" xmlns:p="http://schemas.openxmlformats.org/presentationml/2006/main">
+  <p:cSld>
+    <p:bg>
+      <p:bgRef idx="1001">
+        <a:schemeClr val="bg1"/>
+      </p:bgRef>
+    </p:bg>
+    <p:spTree>
+      <p:nvGrpSpPr>
+        <p:cNvPr id="1" name=""/>
+        <p:cNvGrpSpPr/>
+        <p:nvPr/>
+      </p:nvGrpSpPr>
+      <p:grpSpPr>
+        <a:xfrm>
+          <a:off x="0" y="0"/>
+          <a:ext cx="0" cy="0"/>
+          <a:chOff x="0" y="0"/>
+          <a:chExt cx="0" cy="0"/>
+        </a:xfrm>
+      </p:grpSpPr>
+      <p:sp>
+        <p:nvSpPr>
+          <p:cNvPr id="2" name="Header Placeholder 1"/>
+          <p:cNvSpPr>
+            <a:spLocks noGrp="1"/>
+          </p:cNvSpPr>
+          <p:nvPr>
+            <p:ph type="hdr" sz="quarter"/>
+          </p:nvPr>
+        </p:nvSpPr>
+        <p:spPr>
+          <a:xfrm>
+            <a:off x="0" y="0"/>
+            <a:ext cx="2971800" cy="458788"/>
+          </a:xfrm>
+          <a:prstGeom prst="rect">
+            <a:avLst/>
+          </a:prstGeom>
+        </p:spPr>
+        <p:txBody>
+          <a:bodyPr vert="horz" lIns="91440" tIns="45720" rIns="91440" bIns="45720" rtlCol="0"/>
+          <a:lstStyle>
+            <a:lvl1pPr algn="l">
+              <a:defRPr sz="1200"/>
+            </a:lvl1pPr>
+          </a:lstStyle>
+          <a:p>
+            <a:endParaRPr lang="en-US"/>
+          </a:p>
+        </p:txBody>
+      </p:sp>
+      <p:sp>
+        <p:nvSpPr>
+          <p:cNvPr id="3" name="Date Placeholder 2"/>
+          <p:cNvSpPr>
+            <a:spLocks noGrp="1"/>
+          </p:cNvSpPr>
+          <p:nvPr>
+            <p:ph type="dt" idx="1"/>
+          </p:nvPr>
+        </p:nvSpPr>
+        <p:spPr>
+          <a:xfrm>
+            <a:off x="3884613" y="0"/>
+            <a:ext cx="2971800" cy="458788"/>
+          </a:xfrm>
+          <a:prstGeom prst="rect">
+            <a:avLst/>
+          </a:prstGeom>
+        </p:spPr>
+        <p:txBody>
+          <a:bodyPr vert="horz" lIns="91440" tIns="45720" rIns="91440" bIns="45720" rtlCol="0"/>
+          <a:lstStyle>
+            <a:lvl1pPr algn="r">
+              <a:defRPr sz="1200"/>
+            </a:lvl1pPr>
+          </a:lstStyle>
+          <a:p>
+            <a:fld id="{5FFFC3A9-8065-47C2-8225-E4C63BB2D22D}" type="datetimeFigureOut">
+              <a:rPr lang="en-US" smtClean="0"/>
+              <a:t>11/16/2019</a:t>
+            </a:fld>
+            <a:endParaRPr lang="en-US"/>
+          </a:p>
+        </p:txBody>
+      </p:sp>
+      <p:sp>
+        <p:nvSpPr>
+          <p:cNvPr id="4" name="Slide Image Placeholder 3"/>
+          <p:cNvSpPr>
+            <a:spLocks noGrp="1" noRot="1" noChangeAspect="1"/>
+          </p:cNvSpPr>
+          <p:nvPr>
+            <p:ph type="sldImg" idx="2"/>
+          </p:nvPr>
+        </p:nvSpPr>
+        <p:spPr>
+          <a:xfrm>
+            <a:off x="1371600" y="1143000"/>
+            <a:ext cx="4114800" cy="3086100"/>
+          </a:xfrm>
+          <a:prstGeom prst="rect">
+            <a:avLst/>
+          </a:prstGeom>
+          <a:noFill/>
+          <a:ln w="12700">
+            <a:solidFill>
+              <a:prstClr val="black"/>
+            </a:solidFill>
+          </a:ln>
+        </p:spPr>
+        <p:txBody>
+          <a:bodyPr vert="horz" lIns="91440" tIns="45720" rIns="91440" bIns="45720" rtlCol="0" anchor="ctr"/>
+          <a:lstStyle/>
+          <a:p>
+            <a:endParaRPr lang="en-US"/>
+          </a:p>
+        </p:txBody>
+      </p:sp>
+      <p:sp>
+        <p:nvSpPr>
+          <p:cNvPr id="5" name="Notes Placeholder 4"/>
+          <p:cNvSpPr>
+            <a:spLocks noGrp="1"/>
+          </p:cNvSpPr>
+          <p:nvPr>
+            <p:ph type="body" sz="quarter" idx="3"/>
+          </p:nvPr>
+        </p:nvSpPr>
+        <p:spPr>
+          <a:xfrm>
+            <a:off x="685800" y="4400550"/>
+            <a:ext cx="5486400" cy="3600450"/>
+          </a:xfrm>
+          <a:prstGeom prst="rect">
+            <a:avLst/>
+          </a:prstGeom>
+        </p:spPr>
+        <p:txBody>
+          <a:bodyPr vert="horz" lIns="91440" tIns="45720" rIns="91440" bIns="45720" rtlCol="0"/>
+          <a:lstStyle/>
+          <a:p>
+            <a:pPr lvl="0"/>
+            <a:r>
+              <a:rPr lang="en-US"/>
+              <a:t>Click to edit Master text styles</a:t>
+            </a:r>
+          </a:p>
+          <a:p>
+            <a:pPr lvl="1"/>
+            <a:r>
+              <a:rPr lang="en-US"/>
+              <a:t>Second level</a:t>
+            </a:r>
+          </a:p>
+          <a:p>
+            <a:pPr lvl="2"/>
+            <a:r>
+              <a:rPr lang="en-US"/>
+              <a:t>Third level</a:t>
+            </a:r>
+          </a:p>
+          <a:p>
+            <a:pPr lvl="3"/>
+            <a:r>
+              <a:rPr lang="en-US"/>
+              <a:t>Fourth level</a:t>
+            </a:r>
+          </a:p>
+          <a:p>
+            <a:pPr lvl="4"/>
+            <a:r>
+              <a:rPr lang="en-US"/>
+              <a:t>Fifth level</a:t>
+            </a:r>
+          </a:p>
+        </p:txBody>
+      </p:sp>
+      <p:sp>
+        <p:nvSpPr>
+          <p:cNvPr id="6" name="Footer Placeholder 5"/>
+          <p:cNvSpPr>
+            <a:spLocks noGrp="1"/>
+          </p:cNvSpPr>
+          <p:nvPr>
+            <p:ph type="ftr" sz="quarter" idx="4"/>
+          </p:nvPr>
+        </p:nvSpPr>
+        <p:spPr>
+          <a:xfrm>
+            <a:off x="0" y="8685213"/>
+            <a:ext cx="2971800" cy="458787"/>
+          </a:xfrm>
+          <a:prstGeom prst="rect">
+            <a:avLst/>
+          </a:prstGeom>
+        </p:spPr>
+        <p:txBody>
+          <a:bodyPr vert="horz" lIns="91440" tIns="45720" rIns="91440" bIns="45720" rtlCol="0" anchor="b"/>
+          <a:lstStyle>
+            <a:lvl1pPr algn="l">
+              <a:defRPr sz="1200"/>
+            </a:lvl1pPr>
+          </a:lstStyle>
+          <a:p>
+            <a:endParaRPr lang="en-US"/>
+          </a:p>
+        </p:txBody>
+      </p:sp>
+      <p:sp>
+        <p:nvSpPr>
+          <p:cNvPr id="7" name="Slide Number Placeholder 6"/>
+          <p:cNvSpPr>
+            <a:spLocks noGrp="1"/>
+          </p:cNvSpPr>
+          <p:nvPr>
+            <p:ph type="sldNum" sz="quarter" idx="5"/>
+          </p:nvPr>
+        </p:nvSpPr>
+        <p:spPr>
+          <a:xfrm>
+            <a:off x="3884613" y="8685213"/>
+            <a:ext cx="2971800" cy="458787"/>
+          </a:xfrm>
+          <a:prstGeom prst="rect">
+            <a:avLst/>
+          </a:prstGeom>
+        </p:spPr>
+        <p:txBody>
+          <a:bodyPr vert="horz" lIns="91440" tIns="45720" rIns="91440" bIns="45720" rtlCol="0" anchor="b"/>
+          <a:lstStyle>
+            <a:lvl1pPr algn="r">
+              <a:defRPr sz="1200"/>
+            </a:lvl1pPr>
+          </a:lstStyle>
+          <a:p>
+            <a:fld id="{58F5E0F1-AB47-4A7A-BA35-9463FCF91331}" type="slidenum">
+              <a:rPr lang="en-US" smtClean="0"/>
+              <a:t>‹#›</a:t>
+            </a:fld>
+            <a:endParaRPr lang="en-US"/>
+          </a:p>
+        </p:txBody>
+      </p:sp>
+    </p:spTree>
+    <p:extLst>
+      <p:ext uri="{BB962C8B-B14F-4D97-AF65-F5344CB8AC3E}">
+        <p14:creationId xmlns:p14="http://schemas.microsoft.com/office/powerpoint/2010/main" val="3324263584"/>
+      </p:ext>
+    </p:extLst>
+  </p:cSld>
+  <p:clrMap bg1="lt1" tx1="dk1" bg2="lt2" tx2="dk2" accent1="accent1" accent2="accent2" accent3="accent3" accent4="accent4" accent5="accent5" accent6="accent6" hlink="hlink" folHlink="folHlink"/>
+  <p:notesStyle>
+    <a:lvl1pPr marL="0" algn="l" defTabSz="914400" rtl="0" eaLnBrk="1" latinLnBrk="0" hangingPunct="1">
+      <a:defRPr sz="1200" kern="1200">
+        <a:solidFill>
+          <a:schemeClr val="tx1"/>
+        </a:solidFill>
+        <a:latin typeface="+mn-lt"/>
+        <a:ea typeface="+mn-ea"/>
+        <a:cs typeface="+mn-cs"/>
+      </a:defRPr>
+    </a:lvl1pPr>
+    <a:lvl2pPr marL="457200" algn="l" defTabSz="914400" rtl="0" eaLnBrk="1" latinLnBrk="0" hangingPunct="1">
+      <a:defRPr sz="1200" kern="1200">
+        <a:solidFill>
+          <a:schemeClr val="tx1"/>
+        </a:solidFill>
+        <a:latin typeface="+mn-lt"/>
+        <a:ea typeface="+mn-ea"/>
+        <a:cs typeface="+mn-cs"/>
+      </a:defRPr>
+    </a:lvl2pPr>
+    <a:lvl3pPr marL="914400" algn="l" defTabSz="914400" rtl="0" eaLnBrk="1" latinLnBrk="0" hangingPunct="1">
+      <a:defRPr sz="1200" kern="1200">
+        <a:solidFill>
+          <a:schemeClr val="tx1"/>
+        </a:solidFill>
+        <a:latin typeface="+mn-lt"/>
+        <a:ea typeface="+mn-ea"/>
+        <a:cs typeface="+mn-cs"/>
+      </a:defRPr>
+    </a:lvl3pPr>
+    <a:lvl4pPr marL="1371600" algn="l" defTabSz="914400" rtl="0" eaLnBrk="1" latinLnBrk="0" hangingPunct="1">
+      <a:defRPr sz="1200" kern="1200">
+        <a:solidFill>
+          <a:schemeClr val="tx1"/>
+        </a:solidFill>
+        <a:latin typeface="+mn-lt"/>
+        <a:ea typeface="+mn-ea"/>
+        <a:cs typeface="+mn-cs"/>
+      </a:defRPr>
+    </a:lvl4pPr>
+    <a:lvl5pPr marL="1828800" algn="l" defTabSz="914400" rtl="0" eaLnBrk="1" latinLnBrk="0" hangingPunct="1">
+      <a:defRPr sz="1200" kern="1200">
+        <a:solidFill>
+          <a:schemeClr val="tx1"/>
+        </a:solidFill>
+        <a:latin typeface="+mn-lt"/>
+        <a:ea typeface="+mn-ea"/>
+        <a:cs typeface="+mn-cs"/>
+      </a:defRPr>
+    </a:lvl5pPr>
+    <a:lvl6pPr marL="2286000" algn="l" defTabSz="914400" rtl="0" eaLnBrk="1" latinLnBrk="0" hangingPunct="1">
+      <a:defRPr sz="1200" kern="1200">
+        <a:solidFill>
+          <a:schemeClr val="tx1"/>
+        </a:solidFill>
+        <a:latin typeface="+mn-lt"/>
+        <a:ea typeface="+mn-ea"/>
+        <a:cs typeface="+mn-cs"/>
+      </a:defRPr>
+    </a:lvl6pPr>
+    <a:lvl7pPr marL="2743200" algn="l" defTabSz="914400" rtl="0" eaLnBrk="1" latinLnBrk="0" hangingPunct="1">
+      <a:defRPr sz="1200" kern="1200">
+        <a:solidFill>
+          <a:schemeClr val="tx1"/>
+        </a:solidFill>
+        <a:latin typeface="+mn-lt"/>
+        <a:ea typeface="+mn-ea"/>
+        <a:cs typeface="+mn-cs"/>
+      </a:defRPr>
+    </a:lvl7pPr>
+    <a:lvl8pPr marL="3200400" algn="l" defTabSz="914400" rtl="0" eaLnBrk="1" latinLnBrk="0" hangingPunct="1">
+      <a:defRPr sz="1200" kern="1200">
+        <a:solidFill>
+          <a:schemeClr val="tx1"/>
+        </a:solidFill>
+        <a:latin typeface="+mn-lt"/>
+        <a:ea typeface="+mn-ea"/>
+        <a:cs typeface="+mn-cs"/>
+      </a:defRPr>
+    </a:lvl8pPr>
+    <a:lvl9pPr marL="3657600" algn="l" defTabSz="914400" rtl="0" eaLnBrk="1" latinLnBrk="0" hangingPunct="1">
+      <a:defRPr sz="1200" kern="1200">
+        <a:solidFill>
+          <a:schemeClr val="tx1"/>
+        </a:solidFill>
+        <a:latin typeface="+mn-lt"/>
+        <a:ea typeface="+mn-ea"/>
+        <a:cs typeface="+mn-cs"/>
+      </a:defRPr>
+    </a:lvl9pPr>
+  </p:notesStyle>
+</p:notesMaster>
+</file>
+
+<file path=ppt/notesSlides/notesSlide1.xml><?xml version="1.0" encoding="utf-8"?>
+<p:notes xmlns:a="http://schemas.openxmlformats.org/drawingml/2006/main" xmlns:r="http://schemas.openxmlformats.org/officeDocument/2006/relationships" xmlns:p="http://schemas.openxmlformats.org/presentationml/2006/main">
+  <p:cSld>
+    <p:spTree>
+      <p:nvGrpSpPr>
+        <p:cNvPr id="1" name=""/>
+        <p:cNvGrpSpPr/>
+        <p:nvPr/>
+      </p:nvGrpSpPr>
+      <p:grpSpPr>
+        <a:xfrm>
+          <a:off x="0" y="0"/>
+          <a:ext cx="0" cy="0"/>
+          <a:chOff x="0" y="0"/>
+          <a:chExt cx="0" cy="0"/>
+        </a:xfrm>
+      </p:grpSpPr>
+      <p:sp>
+        <p:nvSpPr>
+          <p:cNvPr id="2" name="Slide Image Placeholder 1"/>
+          <p:cNvSpPr>
+            <a:spLocks noGrp="1" noRot="1" noChangeAspect="1"/>
+          </p:cNvSpPr>
+          <p:nvPr>
+            <p:ph type="sldImg"/>
+          </p:nvPr>
+        </p:nvSpPr>
+        <p:spPr/>
+      </p:sp>
+      <p:sp>
+        <p:nvSpPr>
+          <p:cNvPr id="3" name="Notes Placeholder 2"/>
+          <p:cNvSpPr>
+            <a:spLocks noGrp="1"/>
+          </p:cNvSpPr>
+          <p:nvPr>
+            <p:ph type="body" idx="1"/>
+          </p:nvPr>
+        </p:nvSpPr>
+        <p:spPr/>
+        <p:txBody>
+          <a:bodyPr/>
+          <a:lstStyle/>
+          <a:p>
+            <a:r>
+              <a:rPr lang="en-US" dirty="0"/>
+              <a:t>Random plot of 20,000 incidents</a:t>
+            </a:r>
+          </a:p>
+        </p:txBody>
+      </p:sp>
+      <p:sp>
+        <p:nvSpPr>
+          <p:cNvPr id="4" name="Slide Number Placeholder 3"/>
+          <p:cNvSpPr>
+            <a:spLocks noGrp="1"/>
+          </p:cNvSpPr>
+          <p:nvPr>
+            <p:ph type="sldNum" sz="quarter" idx="5"/>
+          </p:nvPr>
+        </p:nvSpPr>
+        <p:spPr/>
+        <p:txBody>
+          <a:bodyPr/>
+          <a:lstStyle/>
+          <a:p>
+            <a:fld id="{58F5E0F1-AB47-4A7A-BA35-9463FCF91331}" type="slidenum">
+              <a:rPr lang="en-US" smtClean="0"/>
+              <a:t>5</a:t>
+            </a:fld>
+            <a:endParaRPr lang="en-US"/>
+          </a:p>
+        </p:txBody>
+      </p:sp>
+    </p:spTree>
+    <p:extLst>
+      <p:ext uri="{BB962C8B-B14F-4D97-AF65-F5344CB8AC3E}">
+        <p14:creationId xmlns:p14="http://schemas.microsoft.com/office/powerpoint/2010/main" val="4054851122"/>
+      </p:ext>
+    </p:extLst>
+  </p:cSld>
+  <p:clrMapOvr>
+    <a:masterClrMapping/>
+  </p:clrMapOvr>
+</p:notes>
+</file>
+
+<file path=ppt/notesSlides/notesSlide2.xml><?xml version="1.0" encoding="utf-8"?>
+<p:notes xmlns:a="http://schemas.openxmlformats.org/drawingml/2006/main" xmlns:r="http://schemas.openxmlformats.org/officeDocument/2006/relationships" xmlns:p="http://schemas.openxmlformats.org/presentationml/2006/main">
+  <p:cSld>
+    <p:spTree>
+      <p:nvGrpSpPr>
+        <p:cNvPr id="1" name=""/>
+        <p:cNvGrpSpPr/>
+        <p:nvPr/>
+      </p:nvGrpSpPr>
+      <p:grpSpPr>
+        <a:xfrm>
+          <a:off x="0" y="0"/>
+          <a:ext cx="0" cy="0"/>
+          <a:chOff x="0" y="0"/>
+          <a:chExt cx="0" cy="0"/>
+        </a:xfrm>
+      </p:grpSpPr>
+      <p:sp>
+        <p:nvSpPr>
+          <p:cNvPr id="2" name="Slide Image Placeholder 1"/>
+          <p:cNvSpPr>
+            <a:spLocks noGrp="1" noRot="1" noChangeAspect="1"/>
+          </p:cNvSpPr>
+          <p:nvPr>
+            <p:ph type="sldImg"/>
+          </p:nvPr>
+        </p:nvSpPr>
+        <p:spPr/>
+      </p:sp>
+      <p:sp>
+        <p:nvSpPr>
+          <p:cNvPr id="3" name="Notes Placeholder 2"/>
+          <p:cNvSpPr>
+            <a:spLocks noGrp="1"/>
+          </p:cNvSpPr>
+          <p:nvPr>
+            <p:ph type="body" idx="1"/>
+          </p:nvPr>
+        </p:nvSpPr>
+        <p:spPr/>
+        <p:txBody>
+          <a:bodyPr/>
+          <a:lstStyle/>
+          <a:p>
+            <a:r>
+              <a:rPr lang="en-US" dirty="0"/>
+              <a:t>Densities based on random plot of 20,000 incidents</a:t>
+            </a:r>
+          </a:p>
+        </p:txBody>
+      </p:sp>
+      <p:sp>
+        <p:nvSpPr>
+          <p:cNvPr id="4" name="Slide Number Placeholder 3"/>
+          <p:cNvSpPr>
+            <a:spLocks noGrp="1"/>
+          </p:cNvSpPr>
+          <p:nvPr>
+            <p:ph type="sldNum" sz="quarter" idx="5"/>
+          </p:nvPr>
+        </p:nvSpPr>
+        <p:spPr/>
+        <p:txBody>
+          <a:bodyPr/>
+          <a:lstStyle/>
+          <a:p>
+            <a:fld id="{58F5E0F1-AB47-4A7A-BA35-9463FCF91331}" type="slidenum">
+              <a:rPr lang="en-US" smtClean="0"/>
+              <a:t>6</a:t>
+            </a:fld>
+            <a:endParaRPr lang="en-US"/>
+          </a:p>
+        </p:txBody>
+      </p:sp>
+    </p:spTree>
+    <p:extLst>
+      <p:ext uri="{BB962C8B-B14F-4D97-AF65-F5344CB8AC3E}">
+        <p14:creationId xmlns:p14="http://schemas.microsoft.com/office/powerpoint/2010/main" val="2759362589"/>
+      </p:ext>
+    </p:extLst>
+  </p:cSld>
+  <p:clrMapOvr>
+    <a:masterClrMapping/>
+  </p:clrMapOvr>
+</p:notes>
 </file>
 
 <file path=ppt/slideLayouts/slideLayout1.xml><?xml version="1.0" encoding="utf-8"?>
@@ -4302,6 +4830,86 @@
     </p:spTree>
     <p:extLst>
       <p:ext uri="{BB962C8B-B14F-4D97-AF65-F5344CB8AC3E}">
+        <p14:creationId xmlns:p14="http://schemas.microsoft.com/office/powerpoint/2010/main" val="1956369432"/>
+      </p:ext>
+    </p:extLst>
+  </p:cSld>
+  <p:clrMapOvr>
+    <a:masterClrMapping/>
+  </p:clrMapOvr>
+</p:sld>
+</file>
+
+<file path=ppt/slides/slide11.xml><?xml version="1.0" encoding="utf-8"?>
+<p:sld xmlns:a="http://schemas.openxmlformats.org/drawingml/2006/main" xmlns:r="http://schemas.openxmlformats.org/officeDocument/2006/relationships" xmlns:p="http://schemas.openxmlformats.org/presentationml/2006/main">
+  <p:cSld>
+    <p:spTree>
+      <p:nvGrpSpPr>
+        <p:cNvPr id="1" name=""/>
+        <p:cNvGrpSpPr/>
+        <p:nvPr/>
+      </p:nvGrpSpPr>
+      <p:grpSpPr>
+        <a:xfrm>
+          <a:off x="0" y="0"/>
+          <a:ext cx="0" cy="0"/>
+          <a:chOff x="0" y="0"/>
+          <a:chExt cx="0" cy="0"/>
+        </a:xfrm>
+      </p:grpSpPr>
+      <p:sp>
+        <p:nvSpPr>
+          <p:cNvPr id="2" name="Title 1">
+            <a:extLst>
+              <a:ext uri="{FF2B5EF4-FFF2-40B4-BE49-F238E27FC236}">
+                <a16:creationId xmlns:a16="http://schemas.microsoft.com/office/drawing/2014/main" id="{68036183-F8B1-4928-A184-069233BF2AE7}"/>
+              </a:ext>
+            </a:extLst>
+          </p:cNvPr>
+          <p:cNvSpPr>
+            <a:spLocks noGrp="1"/>
+          </p:cNvSpPr>
+          <p:nvPr>
+            <p:ph type="title"/>
+          </p:nvPr>
+        </p:nvSpPr>
+        <p:spPr/>
+        <p:txBody>
+          <a:bodyPr/>
+          <a:lstStyle/>
+          <a:p>
+            <a:endParaRPr lang="en-US"/>
+          </a:p>
+        </p:txBody>
+      </p:sp>
+      <p:sp>
+        <p:nvSpPr>
+          <p:cNvPr id="3" name="Content Placeholder 2">
+            <a:extLst>
+              <a:ext uri="{FF2B5EF4-FFF2-40B4-BE49-F238E27FC236}">
+                <a16:creationId xmlns:a16="http://schemas.microsoft.com/office/drawing/2014/main" id="{7CA6673B-21BE-406F-BE8D-8A7E80804C8F}"/>
+              </a:ext>
+            </a:extLst>
+          </p:cNvPr>
+          <p:cNvSpPr>
+            <a:spLocks noGrp="1"/>
+          </p:cNvSpPr>
+          <p:nvPr>
+            <p:ph idx="1"/>
+          </p:nvPr>
+        </p:nvSpPr>
+        <p:spPr/>
+        <p:txBody>
+          <a:bodyPr/>
+          <a:lstStyle/>
+          <a:p>
+            <a:endParaRPr lang="en-US"/>
+          </a:p>
+        </p:txBody>
+      </p:sp>
+    </p:spTree>
+    <p:extLst>
+      <p:ext uri="{BB962C8B-B14F-4D97-AF65-F5344CB8AC3E}">
         <p14:creationId xmlns:p14="http://schemas.microsoft.com/office/powerpoint/2010/main" val="3123317090"/>
       </p:ext>
     </p:extLst>
@@ -4312,7 +4920,7 @@
 </p:sld>
 </file>
 
-<file path=ppt/slides/slide11.xml><?xml version="1.0" encoding="utf-8"?>
+<file path=ppt/slides/slide12.xml><?xml version="1.0" encoding="utf-8"?>
 <p:sld xmlns:a="http://schemas.openxmlformats.org/drawingml/2006/main" xmlns:r="http://schemas.openxmlformats.org/officeDocument/2006/relationships" xmlns:p="http://schemas.openxmlformats.org/presentationml/2006/main">
   <p:cSld>
     <p:spTree>
@@ -4444,8 +5052,8 @@
           </a:p>
         </p:txBody>
       </p:sp>
-      <mc:AlternateContent xmlns:mc="http://schemas.openxmlformats.org/markup-compatibility/2006">
-        <mc:Choice xmlns:a14="http://schemas.microsoft.com/office/drawing/2010/main" Requires="a14">
+      <mc:AlternateContent xmlns:mc="http://schemas.openxmlformats.org/markup-compatibility/2006" xmlns:a14="http://schemas.microsoft.com/office/drawing/2010/main">
+        <mc:Choice Requires="a14">
           <p:sp>
             <p:nvSpPr>
               <p:cNvPr id="3" name="Content Placeholder 2">
@@ -4635,7 +5243,7 @@
             </p:txBody>
           </p:sp>
         </mc:Choice>
-        <mc:Fallback>
+        <mc:Fallback xmlns="">
           <p:sp>
             <p:nvSpPr>
               <p:cNvPr id="3" name="Content Placeholder 2">
@@ -4949,7 +5557,11 @@
               <a:buNone/>
             </a:pPr>
             <a:r>
-              <a:rPr lang="en-US" sz="2400" b="1" dirty="0"/>
+              <a:rPr lang="en-US" sz="2400" b="1" dirty="0">
+                <a:solidFill>
+                  <a:schemeClr val="tx1"/>
+                </a:solidFill>
+              </a:rPr>
               <a:t>Date Variables </a:t>
             </a:r>
             <a:r>
@@ -4980,7 +5592,11 @@
               <a:buNone/>
             </a:pPr>
             <a:r>
-              <a:rPr lang="en-US" sz="2400" b="1" dirty="0"/>
+              <a:rPr lang="en-US" sz="2400" b="1" dirty="0">
+                <a:solidFill>
+                  <a:schemeClr val="tx1"/>
+                </a:solidFill>
+              </a:rPr>
               <a:t>Geospatial/Geopolitical Variables </a:t>
             </a:r>
             <a:r>
@@ -5011,7 +5627,11 @@
               <a:buNone/>
             </a:pPr>
             <a:r>
-              <a:rPr lang="en-US" sz="2400" b="1" dirty="0"/>
+              <a:rPr lang="en-US" sz="2400" b="1" dirty="0">
+                <a:solidFill>
+                  <a:schemeClr val="tx1"/>
+                </a:solidFill>
+              </a:rPr>
               <a:t>Incident Descriptive Variables </a:t>
             </a:r>
             <a:r>
@@ -5042,7 +5662,11 @@
               <a:buNone/>
             </a:pPr>
             <a:r>
-              <a:rPr lang="en-US" sz="2400" b="1" dirty="0"/>
+              <a:rPr lang="en-US" sz="2400" b="1" dirty="0">
+                <a:solidFill>
+                  <a:schemeClr val="tx1"/>
+                </a:solidFill>
+              </a:rPr>
               <a:t>Perpetrator Descriptive Variables </a:t>
             </a:r>
             <a:r>
@@ -5060,7 +5684,11 @@
               </a:spcBef>
               <a:buNone/>
             </a:pPr>
-            <a:endParaRPr lang="en-US" sz="1100" dirty="0"/>
+            <a:endParaRPr lang="en-US" sz="1100" dirty="0">
+              <a:solidFill>
+                <a:schemeClr val="tx1"/>
+              </a:solidFill>
+            </a:endParaRPr>
           </a:p>
           <a:p>
             <a:pPr marL="0" indent="0">
@@ -5073,7 +5701,11 @@
               <a:buNone/>
             </a:pPr>
             <a:r>
-              <a:rPr lang="en-US" sz="2400" b="1" dirty="0"/>
+              <a:rPr lang="en-US" sz="2400" b="1" dirty="0">
+                <a:solidFill>
+                  <a:schemeClr val="tx1"/>
+                </a:solidFill>
+              </a:rPr>
               <a:t>Casualty and Damage Variables </a:t>
             </a:r>
             <a:r>
@@ -5342,7 +5974,7 @@
         <p:spPr>
           <a:xfrm>
             <a:off x="1219200" y="1524000"/>
-            <a:ext cx="4495800" cy="461665"/>
+            <a:ext cx="5867400" cy="461665"/>
           </a:xfrm>
           <a:prstGeom prst="rect">
             <a:avLst/>
@@ -5357,107 +5989,53 @@
           <a:p>
             <a:r>
               <a:rPr lang="en-US" sz="2400" b="1" dirty="0"/>
-              <a:t>Incidents by Latitude / Longitude</a:t>
-            </a:r>
-          </a:p>
-        </p:txBody>
-      </p:sp>
-      <p:sp>
-        <p:nvSpPr>
-          <p:cNvPr id="4" name="Content Placeholder 3">
+              <a:t>Incidents / Density by Location (Lat. Long.)</a:t>
+            </a:r>
+          </a:p>
+        </p:txBody>
+      </p:sp>
+      <p:pic>
+        <p:nvPicPr>
+          <p:cNvPr id="5" name="Picture 4" descr="A close up of a map&#10;&#10;Description automatically generated">
             <a:extLst>
               <a:ext uri="{FF2B5EF4-FFF2-40B4-BE49-F238E27FC236}">
-                <a16:creationId xmlns:a16="http://schemas.microsoft.com/office/drawing/2014/main" id="{88967A9D-B22F-4B70-AA20-42A3AE98B6F1}"/>
+                <a16:creationId xmlns:a16="http://schemas.microsoft.com/office/drawing/2014/main" id="{B7F05EA4-ECAF-4F3F-8F9C-735CA0550607}"/>
               </a:ext>
             </a:extLst>
           </p:cNvPr>
-          <p:cNvSpPr>
-            <a:spLocks noGrp="1"/>
-          </p:cNvSpPr>
-          <p:nvPr>
-            <p:ph idx="1"/>
-          </p:nvPr>
-        </p:nvSpPr>
-        <p:spPr/>
-        <p:txBody>
-          <a:bodyPr/>
-          <a:lstStyle/>
-          <a:p>
-            <a:endParaRPr lang="en-US"/>
-          </a:p>
-        </p:txBody>
-      </p:sp>
-    </p:spTree>
-    <p:extLst>
-      <p:ext uri="{BB962C8B-B14F-4D97-AF65-F5344CB8AC3E}">
-        <p14:creationId xmlns:p14="http://schemas.microsoft.com/office/powerpoint/2010/main" val="2730196593"/>
-      </p:ext>
-    </p:extLst>
-  </p:cSld>
-  <p:clrMapOvr>
-    <a:masterClrMapping/>
-  </p:clrMapOvr>
-</p:sld>
-</file>
-
-<file path=ppt/slides/slide6.xml><?xml version="1.0" encoding="utf-8"?>
-<p:sld xmlns:a="http://schemas.openxmlformats.org/drawingml/2006/main" xmlns:r="http://schemas.openxmlformats.org/officeDocument/2006/relationships" xmlns:p="http://schemas.openxmlformats.org/presentationml/2006/main">
-  <p:cSld>
-    <p:spTree>
-      <p:nvGrpSpPr>
-        <p:cNvPr id="1" name=""/>
-        <p:cNvGrpSpPr/>
-        <p:nvPr/>
-      </p:nvGrpSpPr>
-      <p:grpSpPr>
-        <a:xfrm>
-          <a:off x="0" y="0"/>
-          <a:ext cx="0" cy="0"/>
-          <a:chOff x="0" y="0"/>
-          <a:chExt cx="0" cy="0"/>
-        </a:xfrm>
-      </p:grpSpPr>
-      <p:sp>
-        <p:nvSpPr>
-          <p:cNvPr id="2" name="Title 1">
+          <p:cNvPicPr>
+            <a:picLocks noChangeAspect="1"/>
+          </p:cNvPicPr>
+          <p:nvPr/>
+        </p:nvPicPr>
+        <p:blipFill>
+          <a:blip r:embed="rId3">
+            <a:extLst>
+              <a:ext uri="{28A0092B-C50C-407E-A947-70E740481C1C}">
+                <a14:useLocalDpi xmlns:a14="http://schemas.microsoft.com/office/drawing/2010/main" val="0"/>
+              </a:ext>
+            </a:extLst>
+          </a:blip>
+          <a:stretch>
+            <a:fillRect/>
+          </a:stretch>
+        </p:blipFill>
+        <p:spPr>
+          <a:xfrm>
+            <a:off x="2590800" y="3200400"/>
+            <a:ext cx="4419598" cy="2651759"/>
+          </a:xfrm>
+          <a:prstGeom prst="rect">
+            <a:avLst/>
+          </a:prstGeom>
+        </p:spPr>
+      </p:pic>
+      <p:pic>
+        <p:nvPicPr>
+          <p:cNvPr id="7" name="Picture 6" descr="A close up of a map&#10;&#10;Description automatically generated">
             <a:extLst>
               <a:ext uri="{FF2B5EF4-FFF2-40B4-BE49-F238E27FC236}">
-                <a16:creationId xmlns:a16="http://schemas.microsoft.com/office/drawing/2014/main" id="{9BB04737-5B5E-4061-9F4E-F1DEB1C647DE}"/>
-              </a:ext>
-            </a:extLst>
-          </p:cNvPr>
-          <p:cNvSpPr>
-            <a:spLocks noGrp="1"/>
-          </p:cNvSpPr>
-          <p:nvPr>
-            <p:ph type="title"/>
-          </p:nvPr>
-        </p:nvSpPr>
-        <p:spPr>
-          <a:xfrm>
-            <a:off x="1028700" y="685800"/>
-            <a:ext cx="7200900" cy="685800"/>
-          </a:xfrm>
-        </p:spPr>
-        <p:txBody>
-          <a:bodyPr>
-            <a:normAutofit/>
-          </a:bodyPr>
-          <a:lstStyle/>
-          <a:p>
-            <a:r>
-              <a:rPr lang="en-US" sz="3600" dirty="0"/>
-              <a:t>Observations (Summary)</a:t>
-            </a:r>
-          </a:p>
-        </p:txBody>
-      </p:sp>
-      <p:pic>
-        <p:nvPicPr>
-          <p:cNvPr id="10" name="Picture 9" descr="A close up of a map&#10;&#10;Description automatically generated">
-            <a:extLst>
-              <a:ext uri="{FF2B5EF4-FFF2-40B4-BE49-F238E27FC236}">
-                <a16:creationId xmlns:a16="http://schemas.microsoft.com/office/drawing/2014/main" id="{CC1A4140-F4C3-4EC1-8A6F-784197D81A1B}"/>
+                <a16:creationId xmlns:a16="http://schemas.microsoft.com/office/drawing/2014/main" id="{3D6AB0F5-14CA-4C48-BFF7-D12F894D5DF6}"/>
               </a:ext>
             </a:extLst>
           </p:cNvPr>
@@ -5466,20 +6044,21 @@
           </p:cNvPicPr>
           <p:nvPr/>
         </p:nvPicPr>
-        <p:blipFill rotWithShape="1">
-          <a:blip r:embed="rId2">
+        <p:blipFill>
+          <a:blip r:embed="rId4">
             <a:extLst>
               <a:ext uri="{28A0092B-C50C-407E-A947-70E740481C1C}">
                 <a14:useLocalDpi xmlns:a14="http://schemas.microsoft.com/office/drawing/2010/main" val="0"/>
               </a:ext>
             </a:extLst>
           </a:blip>
-          <a:srcRect l="30833" t="6779" b="15625"/>
-          <a:stretch/>
+          <a:stretch>
+            <a:fillRect/>
+          </a:stretch>
         </p:blipFill>
         <p:spPr>
           <a:xfrm>
-            <a:off x="1371600" y="2054520"/>
+            <a:off x="1371600" y="2057400"/>
             <a:ext cx="7616952" cy="4572000"/>
           </a:xfrm>
           <a:prstGeom prst="rect">
@@ -5517,12 +6096,77 @@
           </a:sp3d>
         </p:spPr>
       </p:pic>
-      <p:sp>
-        <p:nvSpPr>
-          <p:cNvPr id="11" name="TextBox 10">
+    </p:spTree>
+    <p:extLst>
+      <p:ext uri="{BB962C8B-B14F-4D97-AF65-F5344CB8AC3E}">
+        <p14:creationId xmlns:p14="http://schemas.microsoft.com/office/powerpoint/2010/main" val="2730196593"/>
+      </p:ext>
+    </p:extLst>
+  </p:cSld>
+  <p:clrMapOvr>
+    <a:masterClrMapping/>
+  </p:clrMapOvr>
+</p:sld>
+</file>
+
+<file path=ppt/slides/slide6.xml><?xml version="1.0" encoding="utf-8"?>
+<p:sld xmlns:a="http://schemas.openxmlformats.org/drawingml/2006/main" xmlns:r="http://schemas.openxmlformats.org/officeDocument/2006/relationships" xmlns:p="http://schemas.openxmlformats.org/presentationml/2006/main">
+  <p:cSld>
+    <p:spTree>
+      <p:nvGrpSpPr>
+        <p:cNvPr id="1" name=""/>
+        <p:cNvGrpSpPr/>
+        <p:nvPr/>
+      </p:nvGrpSpPr>
+      <p:grpSpPr>
+        <a:xfrm>
+          <a:off x="0" y="0"/>
+          <a:ext cx="0" cy="0"/>
+          <a:chOff x="0" y="0"/>
+          <a:chExt cx="0" cy="0"/>
+        </a:xfrm>
+      </p:grpSpPr>
+      <p:sp>
+        <p:nvSpPr>
+          <p:cNvPr id="2" name="Title 1">
             <a:extLst>
               <a:ext uri="{FF2B5EF4-FFF2-40B4-BE49-F238E27FC236}">
-                <a16:creationId xmlns:a16="http://schemas.microsoft.com/office/drawing/2014/main" id="{E61925C7-D817-43EA-8456-CDBEF70E3EAF}"/>
+                <a16:creationId xmlns:a16="http://schemas.microsoft.com/office/drawing/2014/main" id="{9684921B-6BBA-4BD5-ADA2-EBA7683B0D39}"/>
+              </a:ext>
+            </a:extLst>
+          </p:cNvPr>
+          <p:cNvSpPr>
+            <a:spLocks noGrp="1"/>
+          </p:cNvSpPr>
+          <p:nvPr>
+            <p:ph type="title"/>
+          </p:nvPr>
+        </p:nvSpPr>
+        <p:spPr>
+          <a:xfrm>
+            <a:off x="1028700" y="685801"/>
+            <a:ext cx="7200900" cy="533399"/>
+          </a:xfrm>
+        </p:spPr>
+        <p:txBody>
+          <a:bodyPr>
+            <a:noAutofit/>
+          </a:bodyPr>
+          <a:lstStyle/>
+          <a:p>
+            <a:r>
+              <a:rPr lang="en-US" sz="3600" dirty="0"/>
+              <a:t>Observations (Summary)</a:t>
+            </a:r>
+          </a:p>
+        </p:txBody>
+      </p:sp>
+      <p:sp>
+        <p:nvSpPr>
+          <p:cNvPr id="18" name="TextBox 17">
+            <a:extLst>
+              <a:ext uri="{FF2B5EF4-FFF2-40B4-BE49-F238E27FC236}">
+                <a16:creationId xmlns:a16="http://schemas.microsoft.com/office/drawing/2014/main" id="{F697F01C-ABF7-41A2-A8EF-3F0EC2579FCC}"/>
               </a:ext>
             </a:extLst>
           </p:cNvPr>
@@ -5532,7 +6176,7 @@
         <p:spPr>
           <a:xfrm>
             <a:off x="1219200" y="1524000"/>
-            <a:ext cx="3009900" cy="461665"/>
+            <a:ext cx="5867400" cy="461665"/>
           </a:xfrm>
           <a:prstGeom prst="rect">
             <a:avLst/>
@@ -5547,15 +6191,81 @@
           <a:p>
             <a:r>
               <a:rPr lang="en-US" sz="2400" b="1" dirty="0"/>
-              <a:t>Incidents by Region</a:t>
-            </a:r>
-          </a:p>
-        </p:txBody>
-      </p:sp>
+              <a:t>Incidents / Density by Location (Lat. Long.)</a:t>
+            </a:r>
+          </a:p>
+        </p:txBody>
+      </p:sp>
+      <p:pic>
+        <p:nvPicPr>
+          <p:cNvPr id="5" name="Picture 4" descr="A close up of a map&#10;&#10;Description automatically generated">
+            <a:extLst>
+              <a:ext uri="{FF2B5EF4-FFF2-40B4-BE49-F238E27FC236}">
+                <a16:creationId xmlns:a16="http://schemas.microsoft.com/office/drawing/2014/main" id="{B7F05EA4-ECAF-4F3F-8F9C-735CA0550607}"/>
+              </a:ext>
+            </a:extLst>
+          </p:cNvPr>
+          <p:cNvPicPr>
+            <a:picLocks/>
+          </p:cNvPicPr>
+          <p:nvPr/>
+        </p:nvPicPr>
+        <p:blipFill>
+          <a:blip r:embed="rId3">
+            <a:extLst>
+              <a:ext uri="{28A0092B-C50C-407E-A947-70E740481C1C}">
+                <a14:useLocalDpi xmlns:a14="http://schemas.microsoft.com/office/drawing/2010/main" val="0"/>
+              </a:ext>
+            </a:extLst>
+          </a:blip>
+          <a:stretch>
+            <a:fillRect/>
+          </a:stretch>
+        </p:blipFill>
+        <p:spPr>
+          <a:xfrm>
+            <a:off x="1371600" y="2057400"/>
+            <a:ext cx="7616952" cy="4572000"/>
+          </a:xfrm>
+          <a:prstGeom prst="rect">
+            <a:avLst/>
+          </a:prstGeom>
+          <a:solidFill>
+            <a:srgbClr val="FFFFFF">
+              <a:shade val="85000"/>
+            </a:srgbClr>
+          </a:solidFill>
+          <a:ln w="88900" cap="sq">
+            <a:solidFill>
+              <a:srgbClr val="FFFFFF"/>
+            </a:solidFill>
+            <a:miter lim="800000"/>
+          </a:ln>
+          <a:effectLst>
+            <a:outerShdw blurRad="55000" dist="18000" dir="5400000" algn="tl" rotWithShape="0">
+              <a:srgbClr val="000000">
+                <a:alpha val="40000"/>
+              </a:srgbClr>
+            </a:outerShdw>
+          </a:effectLst>
+          <a:scene3d>
+            <a:camera prst="orthographicFront"/>
+            <a:lightRig rig="twoPt" dir="t">
+              <a:rot lat="0" lon="0" rev="7200000"/>
+            </a:lightRig>
+          </a:scene3d>
+          <a:sp3d>
+            <a:bevelT w="25400" h="19050"/>
+            <a:contourClr>
+              <a:srgbClr val="FFFFFF"/>
+            </a:contourClr>
+          </a:sp3d>
+        </p:spPr>
+      </p:pic>
     </p:spTree>
     <p:extLst>
       <p:ext uri="{BB962C8B-B14F-4D97-AF65-F5344CB8AC3E}">
-        <p14:creationId xmlns:p14="http://schemas.microsoft.com/office/powerpoint/2010/main" val="3382637159"/>
+        <p14:creationId xmlns:p14="http://schemas.microsoft.com/office/powerpoint/2010/main" val="533367708"/>
       </p:ext>
     </p:extLst>
   </p:cSld>
@@ -5587,7 +6297,7 @@
           <p:cNvPr id="2" name="Title 1">
             <a:extLst>
               <a:ext uri="{FF2B5EF4-FFF2-40B4-BE49-F238E27FC236}">
-                <a16:creationId xmlns:a16="http://schemas.microsoft.com/office/drawing/2014/main" id="{B4C10FE4-B15D-44FC-A9F3-C12AA44DFBC9}"/>
+                <a16:creationId xmlns:a16="http://schemas.microsoft.com/office/drawing/2014/main" id="{9BB04737-5B5E-4061-9F4E-F1DEB1C647DE}"/>
               </a:ext>
             </a:extLst>
           </p:cNvPr>
@@ -5601,146 +6311,118 @@
         <p:spPr>
           <a:xfrm>
             <a:off x="1028700" y="685800"/>
-            <a:ext cx="7200900" cy="609600"/>
+            <a:ext cx="7200900" cy="685800"/>
           </a:xfrm>
         </p:spPr>
         <p:txBody>
           <a:bodyPr>
-            <a:normAutofit fontScale="90000"/>
+            <a:normAutofit/>
           </a:bodyPr>
           <a:lstStyle/>
           <a:p>
             <a:r>
               <a:rPr lang="en-US" sz="3600" dirty="0"/>
-              <a:t>Research Questions and Assignments</a:t>
-            </a:r>
-          </a:p>
-        </p:txBody>
-      </p:sp>
-      <p:sp>
-        <p:nvSpPr>
-          <p:cNvPr id="3" name="Content Placeholder 2">
+              <a:t>Observations (Summary)</a:t>
+            </a:r>
+          </a:p>
+        </p:txBody>
+      </p:sp>
+      <p:pic>
+        <p:nvPicPr>
+          <p:cNvPr id="10" name="Picture 9" descr="A close up of a map&#10;&#10;Description automatically generated">
             <a:extLst>
               <a:ext uri="{FF2B5EF4-FFF2-40B4-BE49-F238E27FC236}">
-                <a16:creationId xmlns:a16="http://schemas.microsoft.com/office/drawing/2014/main" id="{F6F941C1-C7E5-433B-8C09-E5187F5163A3}"/>
+                <a16:creationId xmlns:a16="http://schemas.microsoft.com/office/drawing/2014/main" id="{CC1A4140-F4C3-4EC1-8A6F-784197D81A1B}"/>
               </a:ext>
             </a:extLst>
           </p:cNvPr>
-          <p:cNvSpPr>
-            <a:spLocks noGrp="1"/>
-          </p:cNvSpPr>
-          <p:nvPr>
-            <p:ph idx="1"/>
-          </p:nvPr>
-        </p:nvSpPr>
+          <p:cNvPicPr>
+            <a:picLocks/>
+          </p:cNvPicPr>
+          <p:nvPr/>
+        </p:nvPicPr>
+        <p:blipFill rotWithShape="1">
+          <a:blip r:embed="rId2">
+            <a:extLst>
+              <a:ext uri="{28A0092B-C50C-407E-A947-70E740481C1C}">
+                <a14:useLocalDpi xmlns:a14="http://schemas.microsoft.com/office/drawing/2010/main" val="0"/>
+              </a:ext>
+            </a:extLst>
+          </a:blip>
+          <a:srcRect l="30833" t="6779" b="15625"/>
+          <a:stretch/>
+        </p:blipFill>
         <p:spPr>
           <a:xfrm>
-            <a:off x="1028700" y="1447800"/>
-            <a:ext cx="7200900" cy="5105400"/>
-          </a:xfrm>
+            <a:off x="1371600" y="2054520"/>
+            <a:ext cx="7616952" cy="4572000"/>
+          </a:xfrm>
+          <a:prstGeom prst="rect">
+            <a:avLst/>
+          </a:prstGeom>
+          <a:solidFill>
+            <a:srgbClr val="FFFFFF">
+              <a:shade val="85000"/>
+            </a:srgbClr>
+          </a:solidFill>
+          <a:ln w="88900" cap="sq">
+            <a:solidFill>
+              <a:srgbClr val="FFFFFF"/>
+            </a:solidFill>
+            <a:miter lim="800000"/>
+          </a:ln>
+          <a:effectLst>
+            <a:outerShdw blurRad="55000" dist="18000" dir="5400000" algn="tl" rotWithShape="0">
+              <a:srgbClr val="000000">
+                <a:alpha val="40000"/>
+              </a:srgbClr>
+            </a:outerShdw>
+          </a:effectLst>
+          <a:scene3d>
+            <a:camera prst="orthographicFront"/>
+            <a:lightRig rig="twoPt" dir="t">
+              <a:rot lat="0" lon="0" rev="7200000"/>
+            </a:lightRig>
+          </a:scene3d>
+          <a:sp3d>
+            <a:bevelT w="25400" h="19050"/>
+            <a:contourClr>
+              <a:srgbClr val="FFFFFF"/>
+            </a:contourClr>
+          </a:sp3d>
         </p:spPr>
-        <p:txBody>
-          <a:bodyPr>
-            <a:normAutofit fontScale="92500" lnSpcReduction="10000"/>
+      </p:pic>
+      <p:sp>
+        <p:nvSpPr>
+          <p:cNvPr id="11" name="TextBox 10">
+            <a:extLst>
+              <a:ext uri="{FF2B5EF4-FFF2-40B4-BE49-F238E27FC236}">
+                <a16:creationId xmlns:a16="http://schemas.microsoft.com/office/drawing/2014/main" id="{E61925C7-D817-43EA-8456-CDBEF70E3EAF}"/>
+              </a:ext>
+            </a:extLst>
+          </p:cNvPr>
+          <p:cNvSpPr txBox="1"/>
+          <p:nvPr/>
+        </p:nvSpPr>
+        <p:spPr>
+          <a:xfrm>
+            <a:off x="1219200" y="1524000"/>
+            <a:ext cx="3009900" cy="461665"/>
+          </a:xfrm>
+          <a:prstGeom prst="rect">
+            <a:avLst/>
+          </a:prstGeom>
+          <a:noFill/>
+        </p:spPr>
+        <p:txBody>
+          <a:bodyPr wrap="square" rtlCol="0">
+            <a:spAutoFit/>
           </a:bodyPr>
           <a:lstStyle/>
           <a:p>
-            <a:pPr marL="0" indent="0">
-              <a:buNone/>
-            </a:pPr>
-            <a:r>
-              <a:rPr lang="en-US" b="1" dirty="0"/>
-              <a:t>James </a:t>
-            </a:r>
-            <a:r>
-              <a:rPr lang="en-US" b="1" dirty="0" err="1"/>
-              <a:t>Willson</a:t>
-            </a:r>
-            <a:r>
-              <a:rPr lang="en-US" b="1" dirty="0"/>
-              <a:t> (Data Scientist)</a:t>
-            </a:r>
-          </a:p>
-          <a:p>
-            <a:pPr marL="457200" indent="-457200">
-              <a:buFont typeface="+mj-lt"/>
-              <a:buAutoNum type="arabicPeriod"/>
-            </a:pPr>
-            <a:r>
-              <a:rPr lang="en-US" dirty="0"/>
-              <a:t>Predict if an attack will be successful based on a variety of different factors.</a:t>
-            </a:r>
-          </a:p>
-          <a:p>
-            <a:pPr marL="457200" indent="-457200">
-              <a:buFont typeface="+mj-lt"/>
-              <a:buAutoNum type="arabicPeriod"/>
-            </a:pPr>
-            <a:r>
-              <a:rPr lang="en-US" dirty="0"/>
-              <a:t>Estimate the number of casualties in a successful terrorist attack</a:t>
-            </a:r>
-          </a:p>
-          <a:p>
-            <a:pPr marL="0" indent="0">
-              <a:buNone/>
-            </a:pPr>
-            <a:r>
-              <a:rPr lang="en-US" b="1" dirty="0" err="1"/>
-              <a:t>Kun</a:t>
-            </a:r>
-            <a:r>
-              <a:rPr lang="en-US" b="1" dirty="0"/>
-              <a:t> Li (Data Scientist)</a:t>
-            </a:r>
-          </a:p>
-          <a:p>
-            <a:pPr marL="457200" indent="-457200">
-              <a:buFont typeface="+mj-lt"/>
-              <a:buAutoNum type="arabicPeriod"/>
-            </a:pPr>
-            <a:r>
-              <a:rPr lang="en-US" dirty="0"/>
-              <a:t>Predict the extent/dollar-amount of property damage from any given attack</a:t>
-            </a:r>
-          </a:p>
-          <a:p>
-            <a:pPr marL="457200" indent="-457200">
-              <a:buFont typeface="+mj-lt"/>
-              <a:buAutoNum type="arabicPeriod"/>
-            </a:pPr>
-            <a:r>
-              <a:rPr lang="en-US" dirty="0"/>
-              <a:t>Identify factors that could predict the target/victim type in an attack</a:t>
-            </a:r>
-          </a:p>
-          <a:p>
-            <a:pPr marL="0" indent="0">
-              <a:buNone/>
-            </a:pPr>
-            <a:r>
-              <a:rPr lang="en-US" b="1" dirty="0"/>
-              <a:t>Sean Kugele (Data Scientist / Team Lead)</a:t>
-            </a:r>
-          </a:p>
-          <a:p>
-            <a:pPr marL="457200" indent="-457200">
-              <a:buFont typeface="+mj-lt"/>
-              <a:buAutoNum type="arabicPeriod"/>
-            </a:pPr>
-            <a:r>
-              <a:rPr lang="en-US" dirty="0"/>
-              <a:t>Predict the terrorist group responsible for perpetrating a terrorist attack</a:t>
-            </a:r>
-          </a:p>
-          <a:p>
-            <a:pPr marL="457200" indent="-457200">
-              <a:buFont typeface="+mj-lt"/>
-              <a:buAutoNum type="arabicPeriod"/>
-            </a:pPr>
-            <a:r>
-              <a:rPr lang="en-US" dirty="0"/>
-              <a:t>Estimate the probability of an attack based on temporal and geo-spatial variables</a:t>
+            <a:r>
+              <a:rPr lang="en-US" sz="2400" b="1" dirty="0"/>
+              <a:t>Incidents by Region</a:t>
             </a:r>
           </a:p>
         </p:txBody>
@@ -5748,7 +6430,7 @@
     </p:spTree>
     <p:extLst>
       <p:ext uri="{BB962C8B-B14F-4D97-AF65-F5344CB8AC3E}">
-        <p14:creationId xmlns:p14="http://schemas.microsoft.com/office/powerpoint/2010/main" val="2179402491"/>
+        <p14:creationId xmlns:p14="http://schemas.microsoft.com/office/powerpoint/2010/main" val="3382637159"/>
       </p:ext>
     </p:extLst>
   </p:cSld>
@@ -5780,7 +6462,7 @@
           <p:cNvPr id="2" name="Title 1">
             <a:extLst>
               <a:ext uri="{FF2B5EF4-FFF2-40B4-BE49-F238E27FC236}">
-                <a16:creationId xmlns:a16="http://schemas.microsoft.com/office/drawing/2014/main" id="{A6BC0C61-EB17-457A-9B6C-10566010700A}"/>
+                <a16:creationId xmlns:a16="http://schemas.microsoft.com/office/drawing/2014/main" id="{B4C10FE4-B15D-44FC-A9F3-C12AA44DFBC9}"/>
               </a:ext>
             </a:extLst>
           </p:cNvPr>
@@ -5791,12 +6473,22 @@
             <p:ph type="title"/>
           </p:nvPr>
         </p:nvSpPr>
-        <p:spPr/>
-        <p:txBody>
-          <a:bodyPr/>
+        <p:spPr>
+          <a:xfrm>
+            <a:off x="1028700" y="685800"/>
+            <a:ext cx="7200900" cy="609600"/>
+          </a:xfrm>
+        </p:spPr>
+        <p:txBody>
+          <a:bodyPr>
+            <a:normAutofit fontScale="90000"/>
+          </a:bodyPr>
           <a:lstStyle/>
           <a:p>
-            <a:endParaRPr lang="en-US" dirty="0"/>
+            <a:r>
+              <a:rPr lang="en-US" sz="3600" dirty="0"/>
+              <a:t>Research Questions and Assignments</a:t>
+            </a:r>
           </a:p>
         </p:txBody>
       </p:sp>
@@ -5805,7 +6497,7 @@
           <p:cNvPr id="3" name="Content Placeholder 2">
             <a:extLst>
               <a:ext uri="{FF2B5EF4-FFF2-40B4-BE49-F238E27FC236}">
-                <a16:creationId xmlns:a16="http://schemas.microsoft.com/office/drawing/2014/main" id="{1853A7BF-D4DF-4F30-8B41-EB08C3AC2379}"/>
+                <a16:creationId xmlns:a16="http://schemas.microsoft.com/office/drawing/2014/main" id="{F6F941C1-C7E5-433B-8C09-E5187F5163A3}"/>
               </a:ext>
             </a:extLst>
           </p:cNvPr>
@@ -5816,19 +6508,122 @@
             <p:ph idx="1"/>
           </p:nvPr>
         </p:nvSpPr>
-        <p:spPr/>
-        <p:txBody>
-          <a:bodyPr/>
+        <p:spPr>
+          <a:xfrm>
+            <a:off x="1028700" y="1447800"/>
+            <a:ext cx="7200900" cy="5105400"/>
+          </a:xfrm>
+        </p:spPr>
+        <p:txBody>
+          <a:bodyPr>
+            <a:normAutofit fontScale="92500" lnSpcReduction="10000"/>
+          </a:bodyPr>
           <a:lstStyle/>
           <a:p>
-            <a:endParaRPr lang="en-US" dirty="0"/>
+            <a:pPr marL="0" indent="0">
+              <a:buNone/>
+            </a:pPr>
+            <a:r>
+              <a:rPr lang="en-US" b="1" dirty="0"/>
+              <a:t>James </a:t>
+            </a:r>
+            <a:r>
+              <a:rPr lang="en-US" b="1" dirty="0" err="1"/>
+              <a:t>Willson</a:t>
+            </a:r>
+            <a:r>
+              <a:rPr lang="en-US" b="1" dirty="0"/>
+              <a:t> (Data Scientist)</a:t>
+            </a:r>
+          </a:p>
+          <a:p>
+            <a:pPr marL="457200" indent="-457200">
+              <a:buFont typeface="+mj-lt"/>
+              <a:buAutoNum type="arabicPeriod"/>
+            </a:pPr>
+            <a:r>
+              <a:rPr lang="en-US" dirty="0"/>
+              <a:t>Predict if an attack will be successful based on a variety of different factors.</a:t>
+            </a:r>
+          </a:p>
+          <a:p>
+            <a:pPr marL="457200" indent="-457200">
+              <a:buFont typeface="+mj-lt"/>
+              <a:buAutoNum type="arabicPeriod"/>
+            </a:pPr>
+            <a:r>
+              <a:rPr lang="en-US" dirty="0"/>
+              <a:t>Estimate the number of casualties in a successful terrorist attack</a:t>
+            </a:r>
+          </a:p>
+          <a:p>
+            <a:pPr marL="0" indent="0">
+              <a:buNone/>
+            </a:pPr>
+            <a:r>
+              <a:rPr lang="en-US" b="1" dirty="0" err="1"/>
+              <a:t>Kun</a:t>
+            </a:r>
+            <a:r>
+              <a:rPr lang="en-US" b="1" dirty="0"/>
+              <a:t> Li (Data Scientist)</a:t>
+            </a:r>
+          </a:p>
+          <a:p>
+            <a:pPr marL="457200" indent="-457200">
+              <a:buFont typeface="+mj-lt"/>
+              <a:buAutoNum type="arabicPeriod"/>
+            </a:pPr>
+            <a:r>
+              <a:rPr lang="en-US" dirty="0"/>
+              <a:t>Predict the extent/dollar-amount of property damage from any given attack</a:t>
+            </a:r>
+          </a:p>
+          <a:p>
+            <a:pPr marL="457200" indent="-457200">
+              <a:buFont typeface="+mj-lt"/>
+              <a:buAutoNum type="arabicPeriod"/>
+            </a:pPr>
+            <a:r>
+              <a:rPr lang="en-US" dirty="0"/>
+              <a:t>Identify factors that could predict the target/victim type in an attack</a:t>
+            </a:r>
+          </a:p>
+          <a:p>
+            <a:pPr marL="0" indent="0">
+              <a:buNone/>
+            </a:pPr>
+            <a:r>
+              <a:rPr lang="en-US" b="1" dirty="0"/>
+              <a:t>Sean Kugele (Data Scientist / Team Lead)</a:t>
+            </a:r>
+          </a:p>
+          <a:p>
+            <a:pPr marL="457200" indent="-457200">
+              <a:buFont typeface="+mj-lt"/>
+              <a:buAutoNum type="arabicPeriod"/>
+            </a:pPr>
+            <a:r>
+              <a:rPr lang="en-US" dirty="0"/>
+              <a:t>Predict the terrorist group responsible for perpetrating a terrorist attack</a:t>
+            </a:r>
+          </a:p>
+          <a:p>
+            <a:pPr marL="457200" indent="-457200">
+              <a:buFont typeface="+mj-lt"/>
+              <a:buAutoNum type="arabicPeriod"/>
+            </a:pPr>
+            <a:r>
+              <a:rPr lang="en-US" dirty="0"/>
+              <a:t>Estimate the probability of an attack based on temporal and geo-spatial variables</a:t>
+            </a:r>
           </a:p>
         </p:txBody>
       </p:sp>
     </p:spTree>
     <p:extLst>
       <p:ext uri="{BB962C8B-B14F-4D97-AF65-F5344CB8AC3E}">
-        <p14:creationId xmlns:p14="http://schemas.microsoft.com/office/powerpoint/2010/main" val="2044090292"/>
+        <p14:creationId xmlns:p14="http://schemas.microsoft.com/office/powerpoint/2010/main" val="2179402491"/>
       </p:ext>
     </p:extLst>
   </p:cSld>
@@ -5860,7 +6655,7 @@
           <p:cNvPr id="2" name="Title 1">
             <a:extLst>
               <a:ext uri="{FF2B5EF4-FFF2-40B4-BE49-F238E27FC236}">
-                <a16:creationId xmlns:a16="http://schemas.microsoft.com/office/drawing/2014/main" id="{68036183-F8B1-4928-A184-069233BF2AE7}"/>
+                <a16:creationId xmlns:a16="http://schemas.microsoft.com/office/drawing/2014/main" id="{A6BC0C61-EB17-457A-9B6C-10566010700A}"/>
               </a:ext>
             </a:extLst>
           </p:cNvPr>
@@ -5876,7 +6671,7 @@
           <a:bodyPr/>
           <a:lstStyle/>
           <a:p>
-            <a:endParaRPr lang="en-US"/>
+            <a:endParaRPr lang="en-US" dirty="0"/>
           </a:p>
         </p:txBody>
       </p:sp>
@@ -5885,7 +6680,7 @@
           <p:cNvPr id="3" name="Content Placeholder 2">
             <a:extLst>
               <a:ext uri="{FF2B5EF4-FFF2-40B4-BE49-F238E27FC236}">
-                <a16:creationId xmlns:a16="http://schemas.microsoft.com/office/drawing/2014/main" id="{7CA6673B-21BE-406F-BE8D-8A7E80804C8F}"/>
+                <a16:creationId xmlns:a16="http://schemas.microsoft.com/office/drawing/2014/main" id="{1853A7BF-D4DF-4F30-8B41-EB08C3AC2379}"/>
               </a:ext>
             </a:extLst>
           </p:cNvPr>
@@ -5901,14 +6696,14 @@
           <a:bodyPr/>
           <a:lstStyle/>
           <a:p>
-            <a:endParaRPr lang="en-US"/>
+            <a:endParaRPr lang="en-US" dirty="0"/>
           </a:p>
         </p:txBody>
       </p:sp>
     </p:spTree>
     <p:extLst>
       <p:ext uri="{BB962C8B-B14F-4D97-AF65-F5344CB8AC3E}">
-        <p14:creationId xmlns:p14="http://schemas.microsoft.com/office/powerpoint/2010/main" val="1956369432"/>
+        <p14:creationId xmlns:p14="http://schemas.microsoft.com/office/powerpoint/2010/main" val="2044090292"/>
       </p:ext>
     </p:extLst>
   </p:cSld>
@@ -6174,4 +6969,299 @@
     </a:ext>
   </a:extLst>
 </a:theme>
+</file>
+
+<file path=ppt/theme/theme2.xml><?xml version="1.0" encoding="utf-8"?>
+<a:theme xmlns:a="http://schemas.openxmlformats.org/drawingml/2006/main" name="Office Theme">
+  <a:themeElements>
+    <a:clrScheme name="Office">
+      <a:dk1>
+        <a:sysClr val="windowText" lastClr="000000"/>
+      </a:dk1>
+      <a:lt1>
+        <a:sysClr val="window" lastClr="FFFFFF"/>
+      </a:lt1>
+      <a:dk2>
+        <a:srgbClr val="44546A"/>
+      </a:dk2>
+      <a:lt2>
+        <a:srgbClr val="E7E6E6"/>
+      </a:lt2>
+      <a:accent1>
+        <a:srgbClr val="4472C4"/>
+      </a:accent1>
+      <a:accent2>
+        <a:srgbClr val="ED7D31"/>
+      </a:accent2>
+      <a:accent3>
+        <a:srgbClr val="A5A5A5"/>
+      </a:accent3>
+      <a:accent4>
+        <a:srgbClr val="FFC000"/>
+      </a:accent4>
+      <a:accent5>
+        <a:srgbClr val="5B9BD5"/>
+      </a:accent5>
+      <a:accent6>
+        <a:srgbClr val="70AD47"/>
+      </a:accent6>
+      <a:hlink>
+        <a:srgbClr val="0563C1"/>
+      </a:hlink>
+      <a:folHlink>
+        <a:srgbClr val="954F72"/>
+      </a:folHlink>
+    </a:clrScheme>
+    <a:fontScheme name="Office">
+      <a:majorFont>
+        <a:latin typeface="Calibri Light" panose="020F0302020204030204"/>
+        <a:ea typeface=""/>
+        <a:cs typeface=""/>
+        <a:font script="Jpan" typeface="游ゴシック Light"/>
+        <a:font script="Hang" typeface="맑은 고딕"/>
+        <a:font script="Hans" typeface="等线 Light"/>
+        <a:font script="Hant" typeface="新細明體"/>
+        <a:font script="Arab" typeface="Times New Roman"/>
+        <a:font script="Hebr" typeface="Times New Roman"/>
+        <a:font script="Thai" typeface="Angsana New"/>
+        <a:font script="Ethi" typeface="Nyala"/>
+        <a:font script="Beng" typeface="Vrinda"/>
+        <a:font script="Gujr" typeface="Shruti"/>
+        <a:font script="Khmr" typeface="MoolBoran"/>
+        <a:font script="Knda" typeface="Tunga"/>
+        <a:font script="Guru" typeface="Raavi"/>
+        <a:font script="Cans" typeface="Euphemia"/>
+        <a:font script="Cher" typeface="Plantagenet Cherokee"/>
+        <a:font script="Yiii" typeface="Microsoft Yi Baiti"/>
+        <a:font script="Tibt" typeface="Microsoft Himalaya"/>
+        <a:font script="Thaa" typeface="MV Boli"/>
+        <a:font script="Deva" typeface="Mangal"/>
+        <a:font script="Telu" typeface="Gautami"/>
+        <a:font script="Taml" typeface="Latha"/>
+        <a:font script="Syrc" typeface="Estrangelo Edessa"/>
+        <a:font script="Orya" typeface="Kalinga"/>
+        <a:font script="Mlym" typeface="Kartika"/>
+        <a:font script="Laoo" typeface="DokChampa"/>
+        <a:font script="Sinh" typeface="Iskoola Pota"/>
+        <a:font script="Mong" typeface="Mongolian Baiti"/>
+        <a:font script="Viet" typeface="Times New Roman"/>
+        <a:font script="Uigh" typeface="Microsoft Uighur"/>
+        <a:font script="Geor" typeface="Sylfaen"/>
+        <a:font script="Armn" typeface="Arial"/>
+        <a:font script="Bugi" typeface="Leelawadee UI"/>
+        <a:font script="Bopo" typeface="Microsoft JhengHei"/>
+        <a:font script="Java" typeface="Javanese Text"/>
+        <a:font script="Lisu" typeface="Segoe UI"/>
+        <a:font script="Mymr" typeface="Myanmar Text"/>
+        <a:font script="Nkoo" typeface="Ebrima"/>
+        <a:font script="Olck" typeface="Nirmala UI"/>
+        <a:font script="Osma" typeface="Ebrima"/>
+        <a:font script="Phag" typeface="Phagspa"/>
+        <a:font script="Syrn" typeface="Estrangelo Edessa"/>
+        <a:font script="Syrj" typeface="Estrangelo Edessa"/>
+        <a:font script="Syre" typeface="Estrangelo Edessa"/>
+        <a:font script="Sora" typeface="Nirmala UI"/>
+        <a:font script="Tale" typeface="Microsoft Tai Le"/>
+        <a:font script="Talu" typeface="Microsoft New Tai Lue"/>
+        <a:font script="Tfng" typeface="Ebrima"/>
+      </a:majorFont>
+      <a:minorFont>
+        <a:latin typeface="Calibri" panose="020F0502020204030204"/>
+        <a:ea typeface=""/>
+        <a:cs typeface=""/>
+        <a:font script="Jpan" typeface="游ゴシック"/>
+        <a:font script="Hang" typeface="맑은 고딕"/>
+        <a:font script="Hans" typeface="等线"/>
+        <a:font script="Hant" typeface="新細明體"/>
+        <a:font script="Arab" typeface="Arial"/>
+        <a:font script="Hebr" typeface="Arial"/>
+        <a:font script="Thai" typeface="Cordia New"/>
+        <a:font script="Ethi" typeface="Nyala"/>
+        <a:font script="Beng" typeface="Vrinda"/>
+        <a:font script="Gujr" typeface="Shruti"/>
+        <a:font script="Khmr" typeface="DaunPenh"/>
+        <a:font script="Knda" typeface="Tunga"/>
+        <a:font script="Guru" typeface="Raavi"/>
+        <a:font script="Cans" typeface="Euphemia"/>
+        <a:font script="Cher" typeface="Plantagenet Cherokee"/>
+        <a:font script="Yiii" typeface="Microsoft Yi Baiti"/>
+        <a:font script="Tibt" typeface="Microsoft Himalaya"/>
+        <a:font script="Thaa" typeface="MV Boli"/>
+        <a:font script="Deva" typeface="Mangal"/>
+        <a:font script="Telu" typeface="Gautami"/>
+        <a:font script="Taml" typeface="Latha"/>
+        <a:font script="Syrc" typeface="Estrangelo Edessa"/>
+        <a:font script="Orya" typeface="Kalinga"/>
+        <a:font script="Mlym" typeface="Kartika"/>
+        <a:font script="Laoo" typeface="DokChampa"/>
+        <a:font script="Sinh" typeface="Iskoola Pota"/>
+        <a:font script="Mong" typeface="Mongolian Baiti"/>
+        <a:font script="Viet" typeface="Arial"/>
+        <a:font script="Uigh" typeface="Microsoft Uighur"/>
+        <a:font script="Geor" typeface="Sylfaen"/>
+        <a:font script="Armn" typeface="Arial"/>
+        <a:font script="Bugi" typeface="Leelawadee UI"/>
+        <a:font script="Bopo" typeface="Microsoft JhengHei"/>
+        <a:font script="Java" typeface="Javanese Text"/>
+        <a:font script="Lisu" typeface="Segoe UI"/>
+        <a:font script="Mymr" typeface="Myanmar Text"/>
+        <a:font script="Nkoo" typeface="Ebrima"/>
+        <a:font script="Olck" typeface="Nirmala UI"/>
+        <a:font script="Osma" typeface="Ebrima"/>
+        <a:font script="Phag" typeface="Phagspa"/>
+        <a:font script="Syrn" typeface="Estrangelo Edessa"/>
+        <a:font script="Syrj" typeface="Estrangelo Edessa"/>
+        <a:font script="Syre" typeface="Estrangelo Edessa"/>
+        <a:font script="Sora" typeface="Nirmala UI"/>
+        <a:font script="Tale" typeface="Microsoft Tai Le"/>
+        <a:font script="Talu" typeface="Microsoft New Tai Lue"/>
+        <a:font script="Tfng" typeface="Ebrima"/>
+      </a:minorFont>
+    </a:fontScheme>
+    <a:fmtScheme name="Office">
+      <a:fillStyleLst>
+        <a:solidFill>
+          <a:schemeClr val="phClr"/>
+        </a:solidFill>
+        <a:gradFill rotWithShape="1">
+          <a:gsLst>
+            <a:gs pos="0">
+              <a:schemeClr val="phClr">
+                <a:lumMod val="110000"/>
+                <a:satMod val="105000"/>
+                <a:tint val="67000"/>
+              </a:schemeClr>
+            </a:gs>
+            <a:gs pos="50000">
+              <a:schemeClr val="phClr">
+                <a:lumMod val="105000"/>
+                <a:satMod val="103000"/>
+                <a:tint val="73000"/>
+              </a:schemeClr>
+            </a:gs>
+            <a:gs pos="100000">
+              <a:schemeClr val="phClr">
+                <a:lumMod val="105000"/>
+                <a:satMod val="109000"/>
+                <a:tint val="81000"/>
+              </a:schemeClr>
+            </a:gs>
+          </a:gsLst>
+          <a:lin ang="5400000" scaled="0"/>
+        </a:gradFill>
+        <a:gradFill rotWithShape="1">
+          <a:gsLst>
+            <a:gs pos="0">
+              <a:schemeClr val="phClr">
+                <a:satMod val="103000"/>
+                <a:lumMod val="102000"/>
+                <a:tint val="94000"/>
+              </a:schemeClr>
+            </a:gs>
+            <a:gs pos="50000">
+              <a:schemeClr val="phClr">
+                <a:satMod val="110000"/>
+                <a:lumMod val="100000"/>
+                <a:shade val="100000"/>
+              </a:schemeClr>
+            </a:gs>
+            <a:gs pos="100000">
+              <a:schemeClr val="phClr">
+                <a:lumMod val="99000"/>
+                <a:satMod val="120000"/>
+                <a:shade val="78000"/>
+              </a:schemeClr>
+            </a:gs>
+          </a:gsLst>
+          <a:lin ang="5400000" scaled="0"/>
+        </a:gradFill>
+      </a:fillStyleLst>
+      <a:lnStyleLst>
+        <a:ln w="6350" cap="flat" cmpd="sng" algn="ctr">
+          <a:solidFill>
+            <a:schemeClr val="phClr"/>
+          </a:solidFill>
+          <a:prstDash val="solid"/>
+          <a:miter lim="800000"/>
+        </a:ln>
+        <a:ln w="12700" cap="flat" cmpd="sng" algn="ctr">
+          <a:solidFill>
+            <a:schemeClr val="phClr"/>
+          </a:solidFill>
+          <a:prstDash val="solid"/>
+          <a:miter lim="800000"/>
+        </a:ln>
+        <a:ln w="19050" cap="flat" cmpd="sng" algn="ctr">
+          <a:solidFill>
+            <a:schemeClr val="phClr"/>
+          </a:solidFill>
+          <a:prstDash val="solid"/>
+          <a:miter lim="800000"/>
+        </a:ln>
+      </a:lnStyleLst>
+      <a:effectStyleLst>
+        <a:effectStyle>
+          <a:effectLst/>
+        </a:effectStyle>
+        <a:effectStyle>
+          <a:effectLst/>
+        </a:effectStyle>
+        <a:effectStyle>
+          <a:effectLst>
+            <a:outerShdw blurRad="57150" dist="19050" dir="5400000" algn="ctr" rotWithShape="0">
+              <a:srgbClr val="000000">
+                <a:alpha val="63000"/>
+              </a:srgbClr>
+            </a:outerShdw>
+          </a:effectLst>
+        </a:effectStyle>
+      </a:effectStyleLst>
+      <a:bgFillStyleLst>
+        <a:solidFill>
+          <a:schemeClr val="phClr"/>
+        </a:solidFill>
+        <a:solidFill>
+          <a:schemeClr val="phClr">
+            <a:tint val="95000"/>
+            <a:satMod val="170000"/>
+          </a:schemeClr>
+        </a:solidFill>
+        <a:gradFill rotWithShape="1">
+          <a:gsLst>
+            <a:gs pos="0">
+              <a:schemeClr val="phClr">
+                <a:tint val="93000"/>
+                <a:satMod val="150000"/>
+                <a:shade val="98000"/>
+                <a:lumMod val="102000"/>
+              </a:schemeClr>
+            </a:gs>
+            <a:gs pos="50000">
+              <a:schemeClr val="phClr">
+                <a:tint val="98000"/>
+                <a:satMod val="130000"/>
+                <a:shade val="90000"/>
+                <a:lumMod val="103000"/>
+              </a:schemeClr>
+            </a:gs>
+            <a:gs pos="100000">
+              <a:schemeClr val="phClr">
+                <a:shade val="63000"/>
+                <a:satMod val="120000"/>
+              </a:schemeClr>
+            </a:gs>
+          </a:gsLst>
+          <a:lin ang="5400000" scaled="0"/>
+        </a:gradFill>
+      </a:bgFillStyleLst>
+    </a:fmtScheme>
+  </a:themeElements>
+  <a:objectDefaults/>
+  <a:extraClrSchemeLst/>
+  <a:extLst>
+    <a:ext uri="{05A4C25C-085E-4340-85A3-A5531E510DB2}">
+      <thm15:themeFamily xmlns:thm15="http://schemas.microsoft.com/office/thememl/2012/main" name="Office Theme" id="{62F939B6-93AF-4DB8-9C6B-D6C7DFDC589F}" vid="{4A3C46E8-61CC-4603-A589-7422A47A8E4A}"/>
+    </a:ext>
+  </a:extLst>
+</a:theme>
 </file>
--- a/presentation/gtdb-final-presentation.pptx
+++ b/presentation/gtdb-final-presentation.pptx
@@ -5,21 +5,22 @@
     <p:sldMasterId id="2147483803" r:id="rId1"/>
   </p:sldMasterIdLst>
   <p:notesMasterIdLst>
-    <p:notesMasterId r:id="rId14"/>
+    <p:notesMasterId r:id="rId15"/>
   </p:notesMasterIdLst>
   <p:sldIdLst>
     <p:sldId id="256" r:id="rId2"/>
     <p:sldId id="261" r:id="rId3"/>
     <p:sldId id="262" r:id="rId4"/>
     <p:sldId id="266" r:id="rId5"/>
-    <p:sldId id="267" r:id="rId6"/>
+    <p:sldId id="263" r:id="rId6"/>
     <p:sldId id="268" r:id="rId7"/>
-    <p:sldId id="263" r:id="rId8"/>
-    <p:sldId id="264" r:id="rId9"/>
-    <p:sldId id="257" r:id="rId10"/>
-    <p:sldId id="258" r:id="rId11"/>
-    <p:sldId id="259" r:id="rId12"/>
-    <p:sldId id="265" r:id="rId13"/>
+    <p:sldId id="270" r:id="rId8"/>
+    <p:sldId id="271" r:id="rId9"/>
+    <p:sldId id="264" r:id="rId10"/>
+    <p:sldId id="257" r:id="rId11"/>
+    <p:sldId id="258" r:id="rId12"/>
+    <p:sldId id="259" r:id="rId13"/>
+    <p:sldId id="265" r:id="rId14"/>
   </p:sldIdLst>
   <p:sldSz cx="9144000" cy="6858000" type="screen4x3"/>
   <p:notesSz cx="6858000" cy="9144000"/>
@@ -127,9 +128,10 @@
             <p14:sldId id="261"/>
             <p14:sldId id="262"/>
             <p14:sldId id="266"/>
-            <p14:sldId id="267"/>
+            <p14:sldId id="263"/>
             <p14:sldId id="268"/>
-            <p14:sldId id="263"/>
+            <p14:sldId id="270"/>
+            <p14:sldId id="271"/>
             <p14:sldId id="264"/>
           </p14:sldIdLst>
         </p14:section>
@@ -255,7 +257,7 @@
           <a:p>
             <a:fld id="{5FFFC3A9-8065-47C2-8225-E4C63BB2D22D}" type="datetimeFigureOut">
               <a:rPr lang="en-US" smtClean="0"/>
-              <a:t>11/16/2019</a:t>
+              <a:t>11/19/2019</a:t>
             </a:fld>
             <a:endParaRPr lang="en-US"/>
           </a:p>
@@ -568,7 +570,7 @@
           <a:p>
             <a:r>
               <a:rPr lang="en-US" dirty="0"/>
-              <a:t>Random plot of 20,000 incidents</a:t>
+              <a:t>Densities based on random plot of 20,000 incidents</a:t>
             </a:r>
           </a:p>
         </p:txBody>
@@ -590,7 +592,7 @@
           <a:p>
             <a:fld id="{58F5E0F1-AB47-4A7A-BA35-9463FCF91331}" type="slidenum">
               <a:rPr lang="en-US" smtClean="0"/>
-              <a:t>5</a:t>
+              <a:t>6</a:t>
             </a:fld>
             <a:endParaRPr lang="en-US"/>
           </a:p>
@@ -599,7 +601,7 @@
     </p:spTree>
     <p:extLst>
       <p:ext uri="{BB962C8B-B14F-4D97-AF65-F5344CB8AC3E}">
-        <p14:creationId xmlns:p14="http://schemas.microsoft.com/office/powerpoint/2010/main" val="4054851122"/>
+        <p14:creationId xmlns:p14="http://schemas.microsoft.com/office/powerpoint/2010/main" val="2759362589"/>
       </p:ext>
     </p:extLst>
   </p:cSld>
@@ -653,10 +655,723 @@
           <a:bodyPr/>
           <a:lstStyle/>
           <a:p>
-            <a:r>
-              <a:rPr lang="en-US" dirty="0"/>
-              <a:t>Densities based on random plot of 20,000 incidents</a:t>
-            </a:r>
+            <a:pPr marL="0" algn="r" rtl="0" eaLnBrk="1" fontAlgn="ctr" latinLnBrk="0" hangingPunct="1">
+              <a:spcBef>
+                <a:spcPts val="0"/>
+              </a:spcBef>
+              <a:spcAft>
+                <a:spcPts val="0"/>
+              </a:spcAft>
+            </a:pPr>
+            <a:r>
+              <a:rPr lang="en-US" sz="1200" b="1" i="0" u="none" strike="noStrike" kern="1200" dirty="0">
+                <a:solidFill>
+                  <a:srgbClr val="000000"/>
+                </a:solidFill>
+                <a:effectLst/>
+                <a:latin typeface="Franklin Gothic Book" panose="020B0503020102020204" pitchFamily="34" charset="0"/>
+              </a:rPr>
+              <a:t>1</a:t>
+            </a:r>
+            <a:endParaRPr lang="en-US" sz="1600" b="0" i="0" u="none" strike="noStrike" dirty="0">
+              <a:effectLst/>
+              <a:latin typeface="Arial" panose="020B0604020202020204" pitchFamily="34" charset="0"/>
+            </a:endParaRPr>
+          </a:p>
+          <a:p>
+            <a:pPr marL="0" algn="l" defTabSz="914400" rtl="0" eaLnBrk="1" fontAlgn="ctr" latinLnBrk="0" hangingPunct="1">
+              <a:spcBef>
+                <a:spcPts val="0"/>
+              </a:spcBef>
+              <a:spcAft>
+                <a:spcPts val="0"/>
+              </a:spcAft>
+            </a:pPr>
+            <a:r>
+              <a:rPr lang="en-US" sz="1200" b="0" i="0" u="none" strike="noStrike" kern="1200" dirty="0">
+                <a:solidFill>
+                  <a:srgbClr val="000000"/>
+                </a:solidFill>
+                <a:effectLst/>
+                <a:latin typeface="Franklin Gothic Book" panose="020B0503020102020204" pitchFamily="34" charset="0"/>
+                <a:ea typeface="+mn-ea"/>
+                <a:cs typeface="+mn-cs"/>
+              </a:rPr>
+              <a:t>Iraq</a:t>
+            </a:r>
+          </a:p>
+          <a:p>
+            <a:pPr marL="0" algn="l" defTabSz="914400" rtl="0" eaLnBrk="1" fontAlgn="ctr" latinLnBrk="0" hangingPunct="1">
+              <a:spcBef>
+                <a:spcPts val="0"/>
+              </a:spcBef>
+              <a:spcAft>
+                <a:spcPts val="0"/>
+              </a:spcAft>
+            </a:pPr>
+            <a:r>
+              <a:rPr lang="en-US" sz="1200" b="0" i="0" u="none" strike="noStrike" kern="1200" dirty="0">
+                <a:solidFill>
+                  <a:srgbClr val="000000"/>
+                </a:solidFill>
+                <a:effectLst/>
+                <a:latin typeface="Franklin Gothic Book" panose="020B0503020102020204" pitchFamily="34" charset="0"/>
+                <a:ea typeface="+mn-ea"/>
+                <a:cs typeface="+mn-cs"/>
+              </a:rPr>
+              <a:t>24636</a:t>
+            </a:r>
+          </a:p>
+          <a:p>
+            <a:pPr marL="0" algn="r" rtl="0" eaLnBrk="1" fontAlgn="ctr" latinLnBrk="0" hangingPunct="1">
+              <a:spcBef>
+                <a:spcPts val="0"/>
+              </a:spcBef>
+              <a:spcAft>
+                <a:spcPts val="0"/>
+              </a:spcAft>
+            </a:pPr>
+            <a:r>
+              <a:rPr lang="en-US" sz="1200" b="1" i="0" u="none" strike="noStrike" kern="1200" dirty="0">
+                <a:solidFill>
+                  <a:srgbClr val="000000"/>
+                </a:solidFill>
+                <a:effectLst/>
+                <a:latin typeface="Franklin Gothic Book" panose="020B0503020102020204" pitchFamily="34" charset="0"/>
+              </a:rPr>
+              <a:t>2</a:t>
+            </a:r>
+            <a:endParaRPr lang="en-US" sz="1600" b="0" i="0" u="none" strike="noStrike" dirty="0">
+              <a:effectLst/>
+              <a:latin typeface="Arial" panose="020B0604020202020204" pitchFamily="34" charset="0"/>
+            </a:endParaRPr>
+          </a:p>
+          <a:p>
+            <a:pPr marL="0" algn="l" rtl="0" eaLnBrk="1" fontAlgn="ctr" latinLnBrk="0" hangingPunct="1">
+              <a:spcBef>
+                <a:spcPts val="0"/>
+              </a:spcBef>
+              <a:spcAft>
+                <a:spcPts val="0"/>
+              </a:spcAft>
+            </a:pPr>
+            <a:r>
+              <a:rPr lang="en-US" sz="1200" b="0" i="0" u="none" strike="noStrike" kern="1200" dirty="0">
+                <a:solidFill>
+                  <a:srgbClr val="000000"/>
+                </a:solidFill>
+                <a:effectLst/>
+                <a:latin typeface="Franklin Gothic Book" panose="020B0503020102020204" pitchFamily="34" charset="0"/>
+              </a:rPr>
+              <a:t>Pakistan</a:t>
+            </a:r>
+            <a:endParaRPr lang="en-US" sz="1600" b="0" i="0" u="none" strike="noStrike" dirty="0">
+              <a:effectLst/>
+              <a:latin typeface="Arial" panose="020B0604020202020204" pitchFamily="34" charset="0"/>
+            </a:endParaRPr>
+          </a:p>
+          <a:p>
+            <a:pPr marL="0" algn="l" rtl="0" eaLnBrk="1" fontAlgn="ctr" latinLnBrk="0" hangingPunct="1">
+              <a:spcBef>
+                <a:spcPts val="0"/>
+              </a:spcBef>
+              <a:spcAft>
+                <a:spcPts val="0"/>
+              </a:spcAft>
+            </a:pPr>
+            <a:r>
+              <a:rPr lang="en-US" sz="1200" b="0" i="0" u="none" strike="noStrike" kern="1200" dirty="0">
+                <a:solidFill>
+                  <a:srgbClr val="000000"/>
+                </a:solidFill>
+                <a:effectLst/>
+                <a:latin typeface="Franklin Gothic Book" panose="020B0503020102020204" pitchFamily="34" charset="0"/>
+              </a:rPr>
+              <a:t>14368</a:t>
+            </a:r>
+            <a:endParaRPr lang="en-US" sz="1600" b="0" i="0" u="none" strike="noStrike" dirty="0">
+              <a:effectLst/>
+              <a:latin typeface="Arial" panose="020B0604020202020204" pitchFamily="34" charset="0"/>
+            </a:endParaRPr>
+          </a:p>
+          <a:p>
+            <a:pPr marL="0" algn="r" rtl="0" eaLnBrk="1" fontAlgn="ctr" latinLnBrk="0" hangingPunct="1">
+              <a:spcBef>
+                <a:spcPts val="0"/>
+              </a:spcBef>
+              <a:spcAft>
+                <a:spcPts val="0"/>
+              </a:spcAft>
+            </a:pPr>
+            <a:r>
+              <a:rPr lang="en-US" sz="1200" b="1" i="0" u="none" strike="noStrike" kern="1200" dirty="0">
+                <a:solidFill>
+                  <a:srgbClr val="000000"/>
+                </a:solidFill>
+                <a:effectLst/>
+                <a:latin typeface="Franklin Gothic Book" panose="020B0503020102020204" pitchFamily="34" charset="0"/>
+              </a:rPr>
+              <a:t>3</a:t>
+            </a:r>
+            <a:endParaRPr lang="en-US" sz="1600" b="0" i="0" u="none" strike="noStrike" dirty="0">
+              <a:effectLst/>
+              <a:latin typeface="Arial" panose="020B0604020202020204" pitchFamily="34" charset="0"/>
+            </a:endParaRPr>
+          </a:p>
+          <a:p>
+            <a:pPr marL="0" algn="l" rtl="0" eaLnBrk="1" fontAlgn="ctr" latinLnBrk="0" hangingPunct="1">
+              <a:spcBef>
+                <a:spcPts val="0"/>
+              </a:spcBef>
+              <a:spcAft>
+                <a:spcPts val="0"/>
+              </a:spcAft>
+            </a:pPr>
+            <a:r>
+              <a:rPr lang="en-US" sz="1200" b="0" i="0" u="none" strike="noStrike" kern="1200" dirty="0">
+                <a:solidFill>
+                  <a:srgbClr val="000000"/>
+                </a:solidFill>
+                <a:effectLst/>
+                <a:latin typeface="Franklin Gothic Book" panose="020B0503020102020204" pitchFamily="34" charset="0"/>
+              </a:rPr>
+              <a:t>Afghanistan</a:t>
+            </a:r>
+            <a:endParaRPr lang="en-US" sz="1600" b="0" i="0" u="none" strike="noStrike" dirty="0">
+              <a:effectLst/>
+              <a:latin typeface="Arial" panose="020B0604020202020204" pitchFamily="34" charset="0"/>
+            </a:endParaRPr>
+          </a:p>
+          <a:p>
+            <a:pPr marL="0" algn="l" rtl="0" eaLnBrk="1" fontAlgn="ctr" latinLnBrk="0" hangingPunct="1">
+              <a:spcBef>
+                <a:spcPts val="0"/>
+              </a:spcBef>
+              <a:spcAft>
+                <a:spcPts val="0"/>
+              </a:spcAft>
+            </a:pPr>
+            <a:r>
+              <a:rPr lang="en-US" sz="1200" b="0" i="0" u="none" strike="noStrike" kern="1200" dirty="0">
+                <a:solidFill>
+                  <a:srgbClr val="000000"/>
+                </a:solidFill>
+                <a:effectLst/>
+                <a:latin typeface="Franklin Gothic Book" panose="020B0503020102020204" pitchFamily="34" charset="0"/>
+              </a:rPr>
+              <a:t>12731</a:t>
+            </a:r>
+            <a:endParaRPr lang="en-US" sz="1600" b="0" i="0" u="none" strike="noStrike" dirty="0">
+              <a:effectLst/>
+              <a:latin typeface="Arial" panose="020B0604020202020204" pitchFamily="34" charset="0"/>
+            </a:endParaRPr>
+          </a:p>
+          <a:p>
+            <a:pPr marL="0" algn="r" rtl="0" eaLnBrk="1" fontAlgn="ctr" latinLnBrk="0" hangingPunct="1">
+              <a:spcBef>
+                <a:spcPts val="0"/>
+              </a:spcBef>
+              <a:spcAft>
+                <a:spcPts val="0"/>
+              </a:spcAft>
+            </a:pPr>
+            <a:r>
+              <a:rPr lang="en-US" sz="1200" b="1" i="0" u="none" strike="noStrike" kern="1200" dirty="0">
+                <a:solidFill>
+                  <a:srgbClr val="000000"/>
+                </a:solidFill>
+                <a:effectLst/>
+                <a:latin typeface="Franklin Gothic Book" panose="020B0503020102020204" pitchFamily="34" charset="0"/>
+              </a:rPr>
+              <a:t>4</a:t>
+            </a:r>
+            <a:endParaRPr lang="en-US" sz="1600" b="0" i="0" u="none" strike="noStrike" dirty="0">
+              <a:effectLst/>
+              <a:latin typeface="Arial" panose="020B0604020202020204" pitchFamily="34" charset="0"/>
+            </a:endParaRPr>
+          </a:p>
+          <a:p>
+            <a:pPr marL="0" algn="l" rtl="0" eaLnBrk="1" fontAlgn="ctr" latinLnBrk="0" hangingPunct="1">
+              <a:spcBef>
+                <a:spcPts val="0"/>
+              </a:spcBef>
+              <a:spcAft>
+                <a:spcPts val="0"/>
+              </a:spcAft>
+            </a:pPr>
+            <a:r>
+              <a:rPr lang="en-US" sz="1200" b="0" i="0" u="none" strike="noStrike" kern="1200" dirty="0">
+                <a:solidFill>
+                  <a:srgbClr val="000000"/>
+                </a:solidFill>
+                <a:effectLst/>
+                <a:latin typeface="Franklin Gothic Book" panose="020B0503020102020204" pitchFamily="34" charset="0"/>
+              </a:rPr>
+              <a:t>India</a:t>
+            </a:r>
+            <a:endParaRPr lang="en-US" sz="1600" b="0" i="0" u="none" strike="noStrike" dirty="0">
+              <a:effectLst/>
+              <a:latin typeface="Arial" panose="020B0604020202020204" pitchFamily="34" charset="0"/>
+            </a:endParaRPr>
+          </a:p>
+          <a:p>
+            <a:pPr marL="0" algn="l" rtl="0" eaLnBrk="1" fontAlgn="ctr" latinLnBrk="0" hangingPunct="1">
+              <a:spcBef>
+                <a:spcPts val="0"/>
+              </a:spcBef>
+              <a:spcAft>
+                <a:spcPts val="0"/>
+              </a:spcAft>
+            </a:pPr>
+            <a:r>
+              <a:rPr lang="en-US" sz="1200" b="0" i="0" u="none" strike="noStrike" kern="1200" dirty="0">
+                <a:solidFill>
+                  <a:srgbClr val="000000"/>
+                </a:solidFill>
+                <a:effectLst/>
+                <a:latin typeface="Franklin Gothic Book" panose="020B0503020102020204" pitchFamily="34" charset="0"/>
+              </a:rPr>
+              <a:t>11960</a:t>
+            </a:r>
+            <a:endParaRPr lang="en-US" sz="1600" b="0" i="0" u="none" strike="noStrike" dirty="0">
+              <a:effectLst/>
+              <a:latin typeface="Arial" panose="020B0604020202020204" pitchFamily="34" charset="0"/>
+            </a:endParaRPr>
+          </a:p>
+          <a:p>
+            <a:pPr marL="0" algn="r" rtl="0" eaLnBrk="1" fontAlgn="ctr" latinLnBrk="0" hangingPunct="1">
+              <a:spcBef>
+                <a:spcPts val="0"/>
+              </a:spcBef>
+              <a:spcAft>
+                <a:spcPts val="0"/>
+              </a:spcAft>
+            </a:pPr>
+            <a:r>
+              <a:rPr lang="en-US" sz="1200" b="1" i="0" u="none" strike="noStrike" kern="1200" dirty="0">
+                <a:solidFill>
+                  <a:srgbClr val="000000"/>
+                </a:solidFill>
+                <a:effectLst/>
+                <a:latin typeface="Franklin Gothic Book" panose="020B0503020102020204" pitchFamily="34" charset="0"/>
+              </a:rPr>
+              <a:t>5</a:t>
+            </a:r>
+            <a:endParaRPr lang="en-US" sz="1600" b="0" i="0" u="none" strike="noStrike" dirty="0">
+              <a:effectLst/>
+              <a:latin typeface="Arial" panose="020B0604020202020204" pitchFamily="34" charset="0"/>
+            </a:endParaRPr>
+          </a:p>
+          <a:p>
+            <a:pPr marL="0" algn="l" rtl="0" eaLnBrk="1" fontAlgn="ctr" latinLnBrk="0" hangingPunct="1">
+              <a:spcBef>
+                <a:spcPts val="0"/>
+              </a:spcBef>
+              <a:spcAft>
+                <a:spcPts val="0"/>
+              </a:spcAft>
+            </a:pPr>
+            <a:r>
+              <a:rPr lang="en-US" sz="1200" b="0" i="0" u="none" strike="noStrike" kern="1200" dirty="0">
+                <a:solidFill>
+                  <a:srgbClr val="000000"/>
+                </a:solidFill>
+                <a:effectLst/>
+                <a:latin typeface="Franklin Gothic Book" panose="020B0503020102020204" pitchFamily="34" charset="0"/>
+              </a:rPr>
+              <a:t>Colombia</a:t>
+            </a:r>
+            <a:endParaRPr lang="en-US" sz="1600" b="0" i="0" u="none" strike="noStrike" dirty="0">
+              <a:effectLst/>
+              <a:latin typeface="Arial" panose="020B0604020202020204" pitchFamily="34" charset="0"/>
+            </a:endParaRPr>
+          </a:p>
+          <a:p>
+            <a:pPr marL="0" algn="l" rtl="0" eaLnBrk="1" fontAlgn="ctr" latinLnBrk="0" hangingPunct="1">
+              <a:spcBef>
+                <a:spcPts val="0"/>
+              </a:spcBef>
+              <a:spcAft>
+                <a:spcPts val="0"/>
+              </a:spcAft>
+            </a:pPr>
+            <a:r>
+              <a:rPr lang="en-US" sz="1200" b="0" i="0" u="none" strike="noStrike" kern="1200" dirty="0">
+                <a:solidFill>
+                  <a:srgbClr val="000000"/>
+                </a:solidFill>
+                <a:effectLst/>
+                <a:latin typeface="Franklin Gothic Book" panose="020B0503020102020204" pitchFamily="34" charset="0"/>
+              </a:rPr>
+              <a:t>8306</a:t>
+            </a:r>
+            <a:endParaRPr lang="en-US" sz="1600" b="0" i="0" u="none" strike="noStrike" dirty="0">
+              <a:effectLst/>
+              <a:latin typeface="Arial" panose="020B0604020202020204" pitchFamily="34" charset="0"/>
+            </a:endParaRPr>
+          </a:p>
+          <a:p>
+            <a:pPr marL="0" algn="r" rtl="0" eaLnBrk="1" fontAlgn="ctr" latinLnBrk="0" hangingPunct="1">
+              <a:spcBef>
+                <a:spcPts val="0"/>
+              </a:spcBef>
+              <a:spcAft>
+                <a:spcPts val="0"/>
+              </a:spcAft>
+            </a:pPr>
+            <a:r>
+              <a:rPr lang="en-US" sz="1200" b="1" i="0" u="none" strike="noStrike" kern="1200" dirty="0">
+                <a:solidFill>
+                  <a:srgbClr val="000000"/>
+                </a:solidFill>
+                <a:effectLst/>
+                <a:latin typeface="Franklin Gothic Book" panose="020B0503020102020204" pitchFamily="34" charset="0"/>
+              </a:rPr>
+              <a:t>6</a:t>
+            </a:r>
+            <a:endParaRPr lang="en-US" sz="1600" b="0" i="0" u="none" strike="noStrike" dirty="0">
+              <a:effectLst/>
+              <a:latin typeface="Arial" panose="020B0604020202020204" pitchFamily="34" charset="0"/>
+            </a:endParaRPr>
+          </a:p>
+          <a:p>
+            <a:pPr marL="0" algn="l" rtl="0" eaLnBrk="1" fontAlgn="ctr" latinLnBrk="0" hangingPunct="1">
+              <a:spcBef>
+                <a:spcPts val="0"/>
+              </a:spcBef>
+              <a:spcAft>
+                <a:spcPts val="0"/>
+              </a:spcAft>
+            </a:pPr>
+            <a:r>
+              <a:rPr lang="en-US" sz="1200" b="0" i="0" u="none" strike="noStrike" kern="1200" dirty="0">
+                <a:solidFill>
+                  <a:srgbClr val="000000"/>
+                </a:solidFill>
+                <a:effectLst/>
+                <a:latin typeface="Franklin Gothic Book" panose="020B0503020102020204" pitchFamily="34" charset="0"/>
+              </a:rPr>
+              <a:t>Philippines</a:t>
+            </a:r>
+            <a:endParaRPr lang="en-US" sz="1600" b="0" i="0" u="none" strike="noStrike" dirty="0">
+              <a:effectLst/>
+              <a:latin typeface="Arial" panose="020B0604020202020204" pitchFamily="34" charset="0"/>
+            </a:endParaRPr>
+          </a:p>
+          <a:p>
+            <a:pPr marL="0" algn="l" rtl="0" eaLnBrk="1" fontAlgn="ctr" latinLnBrk="0" hangingPunct="1">
+              <a:spcBef>
+                <a:spcPts val="0"/>
+              </a:spcBef>
+              <a:spcAft>
+                <a:spcPts val="0"/>
+              </a:spcAft>
+            </a:pPr>
+            <a:r>
+              <a:rPr lang="en-US" sz="1200" b="0" i="0" u="none" strike="noStrike" kern="1200" dirty="0">
+                <a:solidFill>
+                  <a:srgbClr val="000000"/>
+                </a:solidFill>
+                <a:effectLst/>
+                <a:latin typeface="Franklin Gothic Book" panose="020B0503020102020204" pitchFamily="34" charset="0"/>
+              </a:rPr>
+              <a:t>6908</a:t>
+            </a:r>
+            <a:endParaRPr lang="en-US" sz="1600" b="0" i="0" u="none" strike="noStrike" dirty="0">
+              <a:effectLst/>
+              <a:latin typeface="Arial" panose="020B0604020202020204" pitchFamily="34" charset="0"/>
+            </a:endParaRPr>
+          </a:p>
+          <a:p>
+            <a:pPr marL="0" algn="r" rtl="0" eaLnBrk="1" fontAlgn="ctr" latinLnBrk="0" hangingPunct="1">
+              <a:spcBef>
+                <a:spcPts val="0"/>
+              </a:spcBef>
+              <a:spcAft>
+                <a:spcPts val="0"/>
+              </a:spcAft>
+            </a:pPr>
+            <a:r>
+              <a:rPr lang="en-US" sz="1200" b="1" i="0" u="none" strike="noStrike" kern="1200" dirty="0">
+                <a:solidFill>
+                  <a:srgbClr val="000000"/>
+                </a:solidFill>
+                <a:effectLst/>
+                <a:latin typeface="Franklin Gothic Book" panose="020B0503020102020204" pitchFamily="34" charset="0"/>
+              </a:rPr>
+              <a:t>7</a:t>
+            </a:r>
+            <a:endParaRPr lang="en-US" sz="1600" b="0" i="0" u="none" strike="noStrike" dirty="0">
+              <a:effectLst/>
+              <a:latin typeface="Arial" panose="020B0604020202020204" pitchFamily="34" charset="0"/>
+            </a:endParaRPr>
+          </a:p>
+          <a:p>
+            <a:pPr marL="0" algn="l" rtl="0" eaLnBrk="1" fontAlgn="ctr" latinLnBrk="0" hangingPunct="1">
+              <a:spcBef>
+                <a:spcPts val="0"/>
+              </a:spcBef>
+              <a:spcAft>
+                <a:spcPts val="0"/>
+              </a:spcAft>
+            </a:pPr>
+            <a:r>
+              <a:rPr lang="en-US" sz="1200" b="0" i="0" u="none" strike="noStrike" kern="1200" dirty="0">
+                <a:solidFill>
+                  <a:srgbClr val="000000"/>
+                </a:solidFill>
+                <a:effectLst/>
+                <a:latin typeface="Franklin Gothic Book" panose="020B0503020102020204" pitchFamily="34" charset="0"/>
+              </a:rPr>
+              <a:t>Peru</a:t>
+            </a:r>
+            <a:endParaRPr lang="en-US" sz="1600" b="0" i="0" u="none" strike="noStrike" dirty="0">
+              <a:effectLst/>
+              <a:latin typeface="Arial" panose="020B0604020202020204" pitchFamily="34" charset="0"/>
+            </a:endParaRPr>
+          </a:p>
+          <a:p>
+            <a:pPr marL="0" algn="l" rtl="0" eaLnBrk="1" fontAlgn="ctr" latinLnBrk="0" hangingPunct="1">
+              <a:spcBef>
+                <a:spcPts val="0"/>
+              </a:spcBef>
+              <a:spcAft>
+                <a:spcPts val="0"/>
+              </a:spcAft>
+            </a:pPr>
+            <a:r>
+              <a:rPr lang="en-US" sz="1200" b="0" i="0" u="none" strike="noStrike" kern="1200" dirty="0">
+                <a:solidFill>
+                  <a:srgbClr val="000000"/>
+                </a:solidFill>
+                <a:effectLst/>
+                <a:latin typeface="Franklin Gothic Book" panose="020B0503020102020204" pitchFamily="34" charset="0"/>
+              </a:rPr>
+              <a:t>6096</a:t>
+            </a:r>
+            <a:endParaRPr lang="en-US" sz="1600" b="0" i="0" u="none" strike="noStrike" dirty="0">
+              <a:effectLst/>
+              <a:latin typeface="Arial" panose="020B0604020202020204" pitchFamily="34" charset="0"/>
+            </a:endParaRPr>
+          </a:p>
+          <a:p>
+            <a:pPr marL="0" algn="r" rtl="0" eaLnBrk="1" fontAlgn="ctr" latinLnBrk="0" hangingPunct="1">
+              <a:spcBef>
+                <a:spcPts val="0"/>
+              </a:spcBef>
+              <a:spcAft>
+                <a:spcPts val="0"/>
+              </a:spcAft>
+            </a:pPr>
+            <a:r>
+              <a:rPr lang="en-US" sz="1200" b="1" i="0" u="none" strike="noStrike" kern="1200" dirty="0">
+                <a:solidFill>
+                  <a:srgbClr val="000000"/>
+                </a:solidFill>
+                <a:effectLst/>
+                <a:latin typeface="Franklin Gothic Book" panose="020B0503020102020204" pitchFamily="34" charset="0"/>
+              </a:rPr>
+              <a:t>8</a:t>
+            </a:r>
+            <a:endParaRPr lang="en-US" sz="1600" b="0" i="0" u="none" strike="noStrike" dirty="0">
+              <a:effectLst/>
+              <a:latin typeface="Arial" panose="020B0604020202020204" pitchFamily="34" charset="0"/>
+            </a:endParaRPr>
+          </a:p>
+          <a:p>
+            <a:pPr marL="0" algn="l" rtl="0" eaLnBrk="1" fontAlgn="ctr" latinLnBrk="0" hangingPunct="1">
+              <a:spcBef>
+                <a:spcPts val="0"/>
+              </a:spcBef>
+              <a:spcAft>
+                <a:spcPts val="0"/>
+              </a:spcAft>
+            </a:pPr>
+            <a:r>
+              <a:rPr lang="en-US" sz="1200" b="0" i="0" u="none" strike="noStrike" kern="1200" dirty="0">
+                <a:solidFill>
+                  <a:srgbClr val="000000"/>
+                </a:solidFill>
+                <a:effectLst/>
+                <a:latin typeface="Franklin Gothic Book" panose="020B0503020102020204" pitchFamily="34" charset="0"/>
+              </a:rPr>
+              <a:t>El Salvador</a:t>
+            </a:r>
+            <a:endParaRPr lang="en-US" sz="1600" b="0" i="0" u="none" strike="noStrike" dirty="0">
+              <a:effectLst/>
+              <a:latin typeface="Arial" panose="020B0604020202020204" pitchFamily="34" charset="0"/>
+            </a:endParaRPr>
+          </a:p>
+          <a:p>
+            <a:pPr marL="0" algn="l" rtl="0" eaLnBrk="1" fontAlgn="ctr" latinLnBrk="0" hangingPunct="1">
+              <a:spcBef>
+                <a:spcPts val="0"/>
+              </a:spcBef>
+              <a:spcAft>
+                <a:spcPts val="0"/>
+              </a:spcAft>
+            </a:pPr>
+            <a:r>
+              <a:rPr lang="en-US" sz="1200" b="0" i="0" u="none" strike="noStrike" kern="1200" dirty="0">
+                <a:solidFill>
+                  <a:srgbClr val="000000"/>
+                </a:solidFill>
+                <a:effectLst/>
+                <a:latin typeface="Franklin Gothic Book" panose="020B0503020102020204" pitchFamily="34" charset="0"/>
+              </a:rPr>
+              <a:t>5320</a:t>
+            </a:r>
+            <a:endParaRPr lang="en-US" sz="1600" b="0" i="0" u="none" strike="noStrike" dirty="0">
+              <a:effectLst/>
+              <a:latin typeface="Arial" panose="020B0604020202020204" pitchFamily="34" charset="0"/>
+            </a:endParaRPr>
+          </a:p>
+          <a:p>
+            <a:pPr marL="0" algn="r" rtl="0" eaLnBrk="1" fontAlgn="ctr" latinLnBrk="0" hangingPunct="1">
+              <a:spcBef>
+                <a:spcPts val="0"/>
+              </a:spcBef>
+              <a:spcAft>
+                <a:spcPts val="0"/>
+              </a:spcAft>
+            </a:pPr>
+            <a:r>
+              <a:rPr lang="en-US" sz="1200" b="1" i="0" u="none" strike="noStrike" kern="1200" dirty="0">
+                <a:solidFill>
+                  <a:srgbClr val="000000"/>
+                </a:solidFill>
+                <a:effectLst/>
+                <a:latin typeface="Franklin Gothic Book" panose="020B0503020102020204" pitchFamily="34" charset="0"/>
+              </a:rPr>
+              <a:t>9</a:t>
+            </a:r>
+            <a:endParaRPr lang="en-US" sz="1600" b="0" i="0" u="none" strike="noStrike" dirty="0">
+              <a:effectLst/>
+              <a:latin typeface="Arial" panose="020B0604020202020204" pitchFamily="34" charset="0"/>
+            </a:endParaRPr>
+          </a:p>
+          <a:p>
+            <a:pPr marL="0" algn="l" rtl="0" eaLnBrk="1" fontAlgn="ctr" latinLnBrk="0" hangingPunct="1">
+              <a:spcBef>
+                <a:spcPts val="0"/>
+              </a:spcBef>
+              <a:spcAft>
+                <a:spcPts val="0"/>
+              </a:spcAft>
+            </a:pPr>
+            <a:r>
+              <a:rPr lang="en-US" sz="1200" b="0" i="0" u="none" strike="noStrike" kern="1200" dirty="0">
+                <a:solidFill>
+                  <a:srgbClr val="000000"/>
+                </a:solidFill>
+                <a:effectLst/>
+                <a:latin typeface="Franklin Gothic Book" panose="020B0503020102020204" pitchFamily="34" charset="0"/>
+              </a:rPr>
+              <a:t>United Kingdom</a:t>
+            </a:r>
+            <a:endParaRPr lang="en-US" sz="1600" b="0" i="0" u="none" strike="noStrike" dirty="0">
+              <a:effectLst/>
+              <a:latin typeface="Arial" panose="020B0604020202020204" pitchFamily="34" charset="0"/>
+            </a:endParaRPr>
+          </a:p>
+          <a:p>
+            <a:pPr marL="0" algn="l" rtl="0" eaLnBrk="1" fontAlgn="ctr" latinLnBrk="0" hangingPunct="1">
+              <a:spcBef>
+                <a:spcPts val="0"/>
+              </a:spcBef>
+              <a:spcAft>
+                <a:spcPts val="0"/>
+              </a:spcAft>
+            </a:pPr>
+            <a:r>
+              <a:rPr lang="en-US" sz="1200" b="0" i="0" u="none" strike="noStrike" kern="1200" dirty="0">
+                <a:solidFill>
+                  <a:srgbClr val="000000"/>
+                </a:solidFill>
+                <a:effectLst/>
+                <a:latin typeface="Franklin Gothic Book" panose="020B0503020102020204" pitchFamily="34" charset="0"/>
+              </a:rPr>
+              <a:t>5235</a:t>
+            </a:r>
+            <a:endParaRPr lang="en-US" sz="1600" b="0" i="0" u="none" strike="noStrike" dirty="0">
+              <a:effectLst/>
+              <a:latin typeface="Arial" panose="020B0604020202020204" pitchFamily="34" charset="0"/>
+            </a:endParaRPr>
+          </a:p>
+          <a:p>
+            <a:pPr marL="0" algn="r" rtl="0" eaLnBrk="1" fontAlgn="ctr" latinLnBrk="0" hangingPunct="1">
+              <a:spcBef>
+                <a:spcPts val="0"/>
+              </a:spcBef>
+              <a:spcAft>
+                <a:spcPts val="0"/>
+              </a:spcAft>
+            </a:pPr>
+            <a:r>
+              <a:rPr lang="en-US" sz="1200" b="1" i="0" u="none" strike="noStrike" kern="1200" dirty="0">
+                <a:solidFill>
+                  <a:srgbClr val="000000"/>
+                </a:solidFill>
+                <a:effectLst/>
+                <a:latin typeface="Franklin Gothic Book" panose="020B0503020102020204" pitchFamily="34" charset="0"/>
+              </a:rPr>
+              <a:t>10</a:t>
+            </a:r>
+            <a:endParaRPr lang="en-US" sz="1600" b="0" i="0" u="none" strike="noStrike" dirty="0">
+              <a:effectLst/>
+              <a:latin typeface="Arial" panose="020B0604020202020204" pitchFamily="34" charset="0"/>
+            </a:endParaRPr>
+          </a:p>
+          <a:p>
+            <a:pPr marL="0" algn="l" rtl="0" eaLnBrk="1" fontAlgn="ctr" latinLnBrk="0" hangingPunct="1">
+              <a:spcBef>
+                <a:spcPts val="0"/>
+              </a:spcBef>
+              <a:spcAft>
+                <a:spcPts val="0"/>
+              </a:spcAft>
+            </a:pPr>
+            <a:r>
+              <a:rPr lang="en-US" sz="1200" b="0" i="0" u="none" strike="noStrike" kern="1200" dirty="0">
+                <a:solidFill>
+                  <a:srgbClr val="000000"/>
+                </a:solidFill>
+                <a:effectLst/>
+                <a:latin typeface="Franklin Gothic Book" panose="020B0503020102020204" pitchFamily="34" charset="0"/>
+              </a:rPr>
+              <a:t>Turkey</a:t>
+            </a:r>
+            <a:endParaRPr lang="en-US" sz="1600" b="0" i="0" u="none" strike="noStrike" dirty="0">
+              <a:effectLst/>
+              <a:latin typeface="Arial" panose="020B0604020202020204" pitchFamily="34" charset="0"/>
+            </a:endParaRPr>
+          </a:p>
+          <a:p>
+            <a:pPr marL="0" algn="l" rtl="0" eaLnBrk="1" fontAlgn="ctr" latinLnBrk="0" hangingPunct="1">
+              <a:spcBef>
+                <a:spcPts val="0"/>
+              </a:spcBef>
+              <a:spcAft>
+                <a:spcPts val="0"/>
+              </a:spcAft>
+            </a:pPr>
+            <a:r>
+              <a:rPr lang="en-US" sz="1200" b="0" i="0" u="none" strike="noStrike" kern="1200" dirty="0">
+                <a:solidFill>
+                  <a:srgbClr val="000000"/>
+                </a:solidFill>
+                <a:effectLst/>
+                <a:latin typeface="Franklin Gothic Book" panose="020B0503020102020204" pitchFamily="34" charset="0"/>
+              </a:rPr>
+              <a:t>4292</a:t>
+            </a:r>
+            <a:endParaRPr lang="en-US" sz="1600" b="0" i="0" u="none" strike="noStrike" dirty="0">
+              <a:effectLst/>
+              <a:latin typeface="Arial" panose="020B0604020202020204" pitchFamily="34" charset="0"/>
+            </a:endParaRPr>
+          </a:p>
+          <a:p>
+            <a:endParaRPr lang="en-US" dirty="0"/>
           </a:p>
         </p:txBody>
       </p:sp>
@@ -677,7 +1392,7 @@
           <a:p>
             <a:fld id="{58F5E0F1-AB47-4A7A-BA35-9463FCF91331}" type="slidenum">
               <a:rPr lang="en-US" smtClean="0"/>
-              <a:t>6</a:t>
+              <a:t>7</a:t>
             </a:fld>
             <a:endParaRPr lang="en-US"/>
           </a:p>
@@ -686,7 +1401,7 @@
     </p:spTree>
     <p:extLst>
       <p:ext uri="{BB962C8B-B14F-4D97-AF65-F5344CB8AC3E}">
-        <p14:creationId xmlns:p14="http://schemas.microsoft.com/office/powerpoint/2010/main" val="2759362589"/>
+        <p14:creationId xmlns:p14="http://schemas.microsoft.com/office/powerpoint/2010/main" val="3508771164"/>
       </p:ext>
     </p:extLst>
   </p:cSld>
@@ -866,7 +1581,7 @@
             <a:fld id="{1D8BD707-D9CF-40AE-B4C6-C98DA3205C09}" type="datetimeFigureOut">
               <a:rPr lang="en-US" smtClean="0"/>
               <a:pPr/>
-              <a:t>11/16/2019</a:t>
+              <a:t>11/19/2019</a:t>
             </a:fld>
             <a:endParaRPr lang="en-US"/>
           </a:p>
@@ -1203,7 +1918,7 @@
             <a:fld id="{1D8BD707-D9CF-40AE-B4C6-C98DA3205C09}" type="datetimeFigureOut">
               <a:rPr lang="en-US" smtClean="0"/>
               <a:pPr/>
-              <a:t>11/16/2019</a:t>
+              <a:t>11/19/2019</a:t>
             </a:fld>
             <a:endParaRPr lang="en-US"/>
           </a:p>
@@ -1385,7 +2100,7 @@
             <a:fld id="{1D8BD707-D9CF-40AE-B4C6-C98DA3205C09}" type="datetimeFigureOut">
               <a:rPr lang="en-US" smtClean="0"/>
               <a:pPr/>
-              <a:t>11/16/2019</a:t>
+              <a:t>11/19/2019</a:t>
             </a:fld>
             <a:endParaRPr lang="en-US"/>
           </a:p>
@@ -1557,7 +2272,7 @@
             <a:fld id="{1D8BD707-D9CF-40AE-B4C6-C98DA3205C09}" type="datetimeFigureOut">
               <a:rPr lang="en-US" smtClean="0"/>
               <a:pPr/>
-              <a:t>11/16/2019</a:t>
+              <a:t>11/19/2019</a:t>
             </a:fld>
             <a:endParaRPr lang="en-US"/>
           </a:p>
@@ -1836,7 +2551,7 @@
             <a:fld id="{1D8BD707-D9CF-40AE-B4C6-C98DA3205C09}" type="datetimeFigureOut">
               <a:rPr lang="en-US" smtClean="0"/>
               <a:pPr/>
-              <a:t>11/16/2019</a:t>
+              <a:t>11/19/2019</a:t>
             </a:fld>
             <a:endParaRPr lang="en-US"/>
           </a:p>
@@ -2288,7 +3003,7 @@
             <a:fld id="{1D8BD707-D9CF-40AE-B4C6-C98DA3205C09}" type="datetimeFigureOut">
               <a:rPr lang="en-US" smtClean="0"/>
               <a:pPr/>
-              <a:t>11/16/2019</a:t>
+              <a:t>11/19/2019</a:t>
             </a:fld>
             <a:endParaRPr lang="en-US"/>
           </a:p>
@@ -2767,7 +3482,7 @@
             <a:fld id="{1D8BD707-D9CF-40AE-B4C6-C98DA3205C09}" type="datetimeFigureOut">
               <a:rPr lang="en-US" smtClean="0"/>
               <a:pPr/>
-              <a:t>11/16/2019</a:t>
+              <a:t>11/19/2019</a:t>
             </a:fld>
             <a:endParaRPr lang="en-US"/>
           </a:p>
@@ -2887,7 +3602,7 @@
             <a:fld id="{1D8BD707-D9CF-40AE-B4C6-C98DA3205C09}" type="datetimeFigureOut">
               <a:rPr lang="en-US" smtClean="0"/>
               <a:pPr/>
-              <a:t>11/16/2019</a:t>
+              <a:t>11/19/2019</a:t>
             </a:fld>
             <a:endParaRPr lang="en-US"/>
           </a:p>
@@ -2984,7 +3699,7 @@
             <a:fld id="{1D8BD707-D9CF-40AE-B4C6-C98DA3205C09}" type="datetimeFigureOut">
               <a:rPr lang="en-US" smtClean="0"/>
               <a:pPr/>
-              <a:t>11/16/2019</a:t>
+              <a:t>11/19/2019</a:t>
             </a:fld>
             <a:endParaRPr lang="en-US"/>
           </a:p>
@@ -3339,7 +4054,7 @@
             <a:fld id="{1D8BD707-D9CF-40AE-B4C6-C98DA3205C09}" type="datetimeFigureOut">
               <a:rPr lang="en-US" smtClean="0"/>
               <a:pPr/>
-              <a:t>11/16/2019</a:t>
+              <a:t>11/19/2019</a:t>
             </a:fld>
             <a:endParaRPr lang="en-US"/>
           </a:p>
@@ -3769,7 +4484,7 @@
             <a:fld id="{1D8BD707-D9CF-40AE-B4C6-C98DA3205C09}" type="datetimeFigureOut">
               <a:rPr lang="en-US" smtClean="0"/>
               <a:pPr/>
-              <a:t>11/16/2019</a:t>
+              <a:t>11/19/2019</a:t>
             </a:fld>
             <a:endParaRPr lang="en-US"/>
           </a:p>
@@ -4087,7 +4802,7 @@
             <a:fld id="{1D8BD707-D9CF-40AE-B4C6-C98DA3205C09}" type="datetimeFigureOut">
               <a:rPr lang="en-US" smtClean="0"/>
               <a:pPr/>
-              <a:t>11/16/2019</a:t>
+              <a:t>11/19/2019</a:t>
             </a:fld>
             <a:endParaRPr lang="en-US"/>
           </a:p>
@@ -4782,7 +5497,7 @@
           <p:cNvPr id="2" name="Title 1">
             <a:extLst>
               <a:ext uri="{FF2B5EF4-FFF2-40B4-BE49-F238E27FC236}">
-                <a16:creationId xmlns:a16="http://schemas.microsoft.com/office/drawing/2014/main" id="{68036183-F8B1-4928-A184-069233BF2AE7}"/>
+                <a16:creationId xmlns:a16="http://schemas.microsoft.com/office/drawing/2014/main" id="{A6BC0C61-EB17-457A-9B6C-10566010700A}"/>
               </a:ext>
             </a:extLst>
           </p:cNvPr>
@@ -4798,7 +5513,7 @@
           <a:bodyPr/>
           <a:lstStyle/>
           <a:p>
-            <a:endParaRPr lang="en-US"/>
+            <a:endParaRPr lang="en-US" dirty="0"/>
           </a:p>
         </p:txBody>
       </p:sp>
@@ -4807,7 +5522,7 @@
           <p:cNvPr id="3" name="Content Placeholder 2">
             <a:extLst>
               <a:ext uri="{FF2B5EF4-FFF2-40B4-BE49-F238E27FC236}">
-                <a16:creationId xmlns:a16="http://schemas.microsoft.com/office/drawing/2014/main" id="{7CA6673B-21BE-406F-BE8D-8A7E80804C8F}"/>
+                <a16:creationId xmlns:a16="http://schemas.microsoft.com/office/drawing/2014/main" id="{1853A7BF-D4DF-4F30-8B41-EB08C3AC2379}"/>
               </a:ext>
             </a:extLst>
           </p:cNvPr>
@@ -4823,14 +5538,14 @@
           <a:bodyPr/>
           <a:lstStyle/>
           <a:p>
-            <a:endParaRPr lang="en-US"/>
+            <a:endParaRPr lang="en-US" dirty="0"/>
           </a:p>
         </p:txBody>
       </p:sp>
     </p:spTree>
     <p:extLst>
       <p:ext uri="{BB962C8B-B14F-4D97-AF65-F5344CB8AC3E}">
-        <p14:creationId xmlns:p14="http://schemas.microsoft.com/office/powerpoint/2010/main" val="1956369432"/>
+        <p14:creationId xmlns:p14="http://schemas.microsoft.com/office/powerpoint/2010/main" val="2044090292"/>
       </p:ext>
     </p:extLst>
   </p:cSld>
@@ -4910,6 +5625,86 @@
     </p:spTree>
     <p:extLst>
       <p:ext uri="{BB962C8B-B14F-4D97-AF65-F5344CB8AC3E}">
+        <p14:creationId xmlns:p14="http://schemas.microsoft.com/office/powerpoint/2010/main" val="1956369432"/>
+      </p:ext>
+    </p:extLst>
+  </p:cSld>
+  <p:clrMapOvr>
+    <a:masterClrMapping/>
+  </p:clrMapOvr>
+</p:sld>
+</file>
+
+<file path=ppt/slides/slide12.xml><?xml version="1.0" encoding="utf-8"?>
+<p:sld xmlns:a="http://schemas.openxmlformats.org/drawingml/2006/main" xmlns:r="http://schemas.openxmlformats.org/officeDocument/2006/relationships" xmlns:p="http://schemas.openxmlformats.org/presentationml/2006/main">
+  <p:cSld>
+    <p:spTree>
+      <p:nvGrpSpPr>
+        <p:cNvPr id="1" name=""/>
+        <p:cNvGrpSpPr/>
+        <p:nvPr/>
+      </p:nvGrpSpPr>
+      <p:grpSpPr>
+        <a:xfrm>
+          <a:off x="0" y="0"/>
+          <a:ext cx="0" cy="0"/>
+          <a:chOff x="0" y="0"/>
+          <a:chExt cx="0" cy="0"/>
+        </a:xfrm>
+      </p:grpSpPr>
+      <p:sp>
+        <p:nvSpPr>
+          <p:cNvPr id="2" name="Title 1">
+            <a:extLst>
+              <a:ext uri="{FF2B5EF4-FFF2-40B4-BE49-F238E27FC236}">
+                <a16:creationId xmlns:a16="http://schemas.microsoft.com/office/drawing/2014/main" id="{68036183-F8B1-4928-A184-069233BF2AE7}"/>
+              </a:ext>
+            </a:extLst>
+          </p:cNvPr>
+          <p:cNvSpPr>
+            <a:spLocks noGrp="1"/>
+          </p:cNvSpPr>
+          <p:nvPr>
+            <p:ph type="title"/>
+          </p:nvPr>
+        </p:nvSpPr>
+        <p:spPr/>
+        <p:txBody>
+          <a:bodyPr/>
+          <a:lstStyle/>
+          <a:p>
+            <a:endParaRPr lang="en-US"/>
+          </a:p>
+        </p:txBody>
+      </p:sp>
+      <p:sp>
+        <p:nvSpPr>
+          <p:cNvPr id="3" name="Content Placeholder 2">
+            <a:extLst>
+              <a:ext uri="{FF2B5EF4-FFF2-40B4-BE49-F238E27FC236}">
+                <a16:creationId xmlns:a16="http://schemas.microsoft.com/office/drawing/2014/main" id="{7CA6673B-21BE-406F-BE8D-8A7E80804C8F}"/>
+              </a:ext>
+            </a:extLst>
+          </p:cNvPr>
+          <p:cNvSpPr>
+            <a:spLocks noGrp="1"/>
+          </p:cNvSpPr>
+          <p:nvPr>
+            <p:ph idx="1"/>
+          </p:nvPr>
+        </p:nvSpPr>
+        <p:spPr/>
+        <p:txBody>
+          <a:bodyPr/>
+          <a:lstStyle/>
+          <a:p>
+            <a:endParaRPr lang="en-US"/>
+          </a:p>
+        </p:txBody>
+      </p:sp>
+    </p:spTree>
+    <p:extLst>
+      <p:ext uri="{BB962C8B-B14F-4D97-AF65-F5344CB8AC3E}">
         <p14:creationId xmlns:p14="http://schemas.microsoft.com/office/powerpoint/2010/main" val="3123317090"/>
       </p:ext>
     </p:extLst>
@@ -4920,7 +5715,7 @@
 </p:sld>
 </file>
 
-<file path=ppt/slides/slide12.xml><?xml version="1.0" encoding="utf-8"?>
+<file path=ppt/slides/slide13.xml><?xml version="1.0" encoding="utf-8"?>
 <p:sld xmlns:a="http://schemas.openxmlformats.org/drawingml/2006/main" xmlns:r="http://schemas.openxmlformats.org/officeDocument/2006/relationships" xmlns:p="http://schemas.openxmlformats.org/presentationml/2006/main">
   <p:cSld>
     <p:spTree>
@@ -5929,7 +6724,7 @@
           <p:cNvPr id="2" name="Title 1">
             <a:extLst>
               <a:ext uri="{FF2B5EF4-FFF2-40B4-BE49-F238E27FC236}">
-                <a16:creationId xmlns:a16="http://schemas.microsoft.com/office/drawing/2014/main" id="{9684921B-6BBA-4BD5-ADA2-EBA7683B0D39}"/>
+                <a16:creationId xmlns:a16="http://schemas.microsoft.com/office/drawing/2014/main" id="{9BB04737-5B5E-4061-9F4E-F1DEB1C647DE}"/>
               </a:ext>
             </a:extLst>
           </p:cNvPr>
@@ -5942,13 +6737,13 @@
         </p:nvSpPr>
         <p:spPr>
           <a:xfrm>
-            <a:off x="1028700" y="685801"/>
-            <a:ext cx="7200900" cy="533399"/>
+            <a:off x="1028700" y="685800"/>
+            <a:ext cx="7200900" cy="685800"/>
           </a:xfrm>
         </p:spPr>
         <p:txBody>
           <a:bodyPr>
-            <a:noAutofit/>
+            <a:normAutofit/>
           </a:bodyPr>
           <a:lstStyle/>
           <a:p>
@@ -5959,83 +6754,12 @@
           </a:p>
         </p:txBody>
       </p:sp>
-      <p:sp>
-        <p:nvSpPr>
-          <p:cNvPr id="18" name="TextBox 17">
+      <p:pic>
+        <p:nvPicPr>
+          <p:cNvPr id="10" name="Picture 9" descr="A close up of a map&#10;&#10;Description automatically generated">
             <a:extLst>
               <a:ext uri="{FF2B5EF4-FFF2-40B4-BE49-F238E27FC236}">
-                <a16:creationId xmlns:a16="http://schemas.microsoft.com/office/drawing/2014/main" id="{F697F01C-ABF7-41A2-A8EF-3F0EC2579FCC}"/>
-              </a:ext>
-            </a:extLst>
-          </p:cNvPr>
-          <p:cNvSpPr txBox="1"/>
-          <p:nvPr/>
-        </p:nvSpPr>
-        <p:spPr>
-          <a:xfrm>
-            <a:off x="1219200" y="1524000"/>
-            <a:ext cx="5867400" cy="461665"/>
-          </a:xfrm>
-          <a:prstGeom prst="rect">
-            <a:avLst/>
-          </a:prstGeom>
-          <a:noFill/>
-        </p:spPr>
-        <p:txBody>
-          <a:bodyPr wrap="square" rtlCol="0">
-            <a:spAutoFit/>
-          </a:bodyPr>
-          <a:lstStyle/>
-          <a:p>
-            <a:r>
-              <a:rPr lang="en-US" sz="2400" b="1" dirty="0"/>
-              <a:t>Incidents / Density by Location (Lat. Long.)</a:t>
-            </a:r>
-          </a:p>
-        </p:txBody>
-      </p:sp>
-      <p:pic>
-        <p:nvPicPr>
-          <p:cNvPr id="5" name="Picture 4" descr="A close up of a map&#10;&#10;Description automatically generated">
-            <a:extLst>
-              <a:ext uri="{FF2B5EF4-FFF2-40B4-BE49-F238E27FC236}">
-                <a16:creationId xmlns:a16="http://schemas.microsoft.com/office/drawing/2014/main" id="{B7F05EA4-ECAF-4F3F-8F9C-735CA0550607}"/>
-              </a:ext>
-            </a:extLst>
-          </p:cNvPr>
-          <p:cNvPicPr>
-            <a:picLocks noChangeAspect="1"/>
-          </p:cNvPicPr>
-          <p:nvPr/>
-        </p:nvPicPr>
-        <p:blipFill>
-          <a:blip r:embed="rId3">
-            <a:extLst>
-              <a:ext uri="{28A0092B-C50C-407E-A947-70E740481C1C}">
-                <a14:useLocalDpi xmlns:a14="http://schemas.microsoft.com/office/drawing/2010/main" val="0"/>
-              </a:ext>
-            </a:extLst>
-          </a:blip>
-          <a:stretch>
-            <a:fillRect/>
-          </a:stretch>
-        </p:blipFill>
-        <p:spPr>
-          <a:xfrm>
-            <a:off x="2590800" y="3200400"/>
-            <a:ext cx="4419598" cy="2651759"/>
-          </a:xfrm>
-          <a:prstGeom prst="rect">
-            <a:avLst/>
-          </a:prstGeom>
-        </p:spPr>
-      </p:pic>
-      <p:pic>
-        <p:nvPicPr>
-          <p:cNvPr id="7" name="Picture 6" descr="A close up of a map&#10;&#10;Description automatically generated">
-            <a:extLst>
-              <a:ext uri="{FF2B5EF4-FFF2-40B4-BE49-F238E27FC236}">
-                <a16:creationId xmlns:a16="http://schemas.microsoft.com/office/drawing/2014/main" id="{3D6AB0F5-14CA-4C48-BFF7-D12F894D5DF6}"/>
+                <a16:creationId xmlns:a16="http://schemas.microsoft.com/office/drawing/2014/main" id="{CC1A4140-F4C3-4EC1-8A6F-784197D81A1B}"/>
               </a:ext>
             </a:extLst>
           </p:cNvPr>
@@ -6044,21 +6768,20 @@
           </p:cNvPicPr>
           <p:nvPr/>
         </p:nvPicPr>
-        <p:blipFill>
-          <a:blip r:embed="rId4">
+        <p:blipFill rotWithShape="1">
+          <a:blip r:embed="rId2">
             <a:extLst>
               <a:ext uri="{28A0092B-C50C-407E-A947-70E740481C1C}">
                 <a14:useLocalDpi xmlns:a14="http://schemas.microsoft.com/office/drawing/2010/main" val="0"/>
               </a:ext>
             </a:extLst>
           </a:blip>
-          <a:stretch>
-            <a:fillRect/>
-          </a:stretch>
+          <a:srcRect l="30833" t="6779" b="15625"/>
+          <a:stretch/>
         </p:blipFill>
         <p:spPr>
           <a:xfrm>
-            <a:off x="1371600" y="2057400"/>
+            <a:off x="1371600" y="2054520"/>
             <a:ext cx="7616952" cy="4572000"/>
           </a:xfrm>
           <a:prstGeom prst="rect">
@@ -6096,10 +6819,45 @@
           </a:sp3d>
         </p:spPr>
       </p:pic>
+      <p:sp>
+        <p:nvSpPr>
+          <p:cNvPr id="11" name="TextBox 10">
+            <a:extLst>
+              <a:ext uri="{FF2B5EF4-FFF2-40B4-BE49-F238E27FC236}">
+                <a16:creationId xmlns:a16="http://schemas.microsoft.com/office/drawing/2014/main" id="{E61925C7-D817-43EA-8456-CDBEF70E3EAF}"/>
+              </a:ext>
+            </a:extLst>
+          </p:cNvPr>
+          <p:cNvSpPr txBox="1"/>
+          <p:nvPr/>
+        </p:nvSpPr>
+        <p:spPr>
+          <a:xfrm>
+            <a:off x="1219200" y="1524000"/>
+            <a:ext cx="3009900" cy="461665"/>
+          </a:xfrm>
+          <a:prstGeom prst="rect">
+            <a:avLst/>
+          </a:prstGeom>
+          <a:noFill/>
+        </p:spPr>
+        <p:txBody>
+          <a:bodyPr wrap="square" rtlCol="0">
+            <a:spAutoFit/>
+          </a:bodyPr>
+          <a:lstStyle/>
+          <a:p>
+            <a:r>
+              <a:rPr lang="en-US" sz="2400" b="1" dirty="0"/>
+              <a:t>Incidents by Region</a:t>
+            </a:r>
+          </a:p>
+        </p:txBody>
+      </p:sp>
     </p:spTree>
     <p:extLst>
       <p:ext uri="{BB962C8B-B14F-4D97-AF65-F5344CB8AC3E}">
-        <p14:creationId xmlns:p14="http://schemas.microsoft.com/office/powerpoint/2010/main" val="2730196593"/>
+        <p14:creationId xmlns:p14="http://schemas.microsoft.com/office/powerpoint/2010/main" val="3382637159"/>
       </p:ext>
     </p:extLst>
   </p:cSld>
@@ -6190,18 +6948,19 @@
           <a:lstStyle/>
           <a:p>
             <a:r>
-              <a:rPr lang="en-US" sz="2400" b="1" dirty="0"/>
-              <a:t>Incidents / Density by Location (Lat. Long.)</a:t>
-            </a:r>
+              <a:rPr lang="en-US" sz="2400" b="1"/>
+              <a:t>Terrorism Incidents (Density Plot)</a:t>
+            </a:r>
+            <a:endParaRPr lang="en-US" sz="2400" b="1" dirty="0"/>
           </a:p>
         </p:txBody>
       </p:sp>
       <p:pic>
         <p:nvPicPr>
-          <p:cNvPr id="5" name="Picture 4" descr="A close up of a map&#10;&#10;Description automatically generated">
+          <p:cNvPr id="4" name="Picture 3" descr="A close up of a map&#10;&#10;Description automatically generated">
             <a:extLst>
               <a:ext uri="{FF2B5EF4-FFF2-40B4-BE49-F238E27FC236}">
-                <a16:creationId xmlns:a16="http://schemas.microsoft.com/office/drawing/2014/main" id="{B7F05EA4-ECAF-4F3F-8F9C-735CA0550607}"/>
+                <a16:creationId xmlns:a16="http://schemas.microsoft.com/office/drawing/2014/main" id="{A804E226-F267-4EE5-A60E-DED17B638BB0}"/>
               </a:ext>
             </a:extLst>
           </p:cNvPr>
@@ -6211,7 +6970,7 @@
           <p:nvPr/>
         </p:nvPicPr>
         <p:blipFill>
-          <a:blip r:embed="rId3">
+          <a:blip r:embed="rId3" cstate="print">
             <a:extLst>
               <a:ext uri="{28A0092B-C50C-407E-A947-70E740481C1C}">
                 <a14:useLocalDpi xmlns:a14="http://schemas.microsoft.com/office/drawing/2010/main" val="0"/>
@@ -6297,7 +7056,7 @@
           <p:cNvPr id="2" name="Title 1">
             <a:extLst>
               <a:ext uri="{FF2B5EF4-FFF2-40B4-BE49-F238E27FC236}">
-                <a16:creationId xmlns:a16="http://schemas.microsoft.com/office/drawing/2014/main" id="{9BB04737-5B5E-4061-9F4E-F1DEB1C647DE}"/>
+                <a16:creationId xmlns:a16="http://schemas.microsoft.com/office/drawing/2014/main" id="{9684921B-6BBA-4BD5-ADA2-EBA7683B0D39}"/>
               </a:ext>
             </a:extLst>
           </p:cNvPr>
@@ -6310,13 +7069,13 @@
         </p:nvSpPr>
         <p:spPr>
           <a:xfrm>
-            <a:off x="1028700" y="685800"/>
-            <a:ext cx="7200900" cy="685800"/>
+            <a:off x="1028700" y="685801"/>
+            <a:ext cx="7200900" cy="533399"/>
           </a:xfrm>
         </p:spPr>
         <p:txBody>
           <a:bodyPr>
-            <a:normAutofit/>
+            <a:noAutofit/>
           </a:bodyPr>
           <a:lstStyle/>
           <a:p>
@@ -6327,12 +7086,47 @@
           </a:p>
         </p:txBody>
       </p:sp>
+      <p:sp>
+        <p:nvSpPr>
+          <p:cNvPr id="18" name="TextBox 17">
+            <a:extLst>
+              <a:ext uri="{FF2B5EF4-FFF2-40B4-BE49-F238E27FC236}">
+                <a16:creationId xmlns:a16="http://schemas.microsoft.com/office/drawing/2014/main" id="{F697F01C-ABF7-41A2-A8EF-3F0EC2579FCC}"/>
+              </a:ext>
+            </a:extLst>
+          </p:cNvPr>
+          <p:cNvSpPr txBox="1"/>
+          <p:nvPr/>
+        </p:nvSpPr>
+        <p:spPr>
+          <a:xfrm>
+            <a:off x="1219200" y="1524000"/>
+            <a:ext cx="5867400" cy="461665"/>
+          </a:xfrm>
+          <a:prstGeom prst="rect">
+            <a:avLst/>
+          </a:prstGeom>
+          <a:noFill/>
+        </p:spPr>
+        <p:txBody>
+          <a:bodyPr wrap="square" rtlCol="0">
+            <a:spAutoFit/>
+          </a:bodyPr>
+          <a:lstStyle/>
+          <a:p>
+            <a:r>
+              <a:rPr lang="en-US" sz="2400" b="1" dirty="0"/>
+              <a:t>Number of Terrorist Incidents by Country</a:t>
+            </a:r>
+          </a:p>
+        </p:txBody>
+      </p:sp>
       <p:pic>
         <p:nvPicPr>
-          <p:cNvPr id="10" name="Picture 9" descr="A close up of a map&#10;&#10;Description automatically generated">
+          <p:cNvPr id="4" name="Picture 3" descr="A close up of a map&#10;&#10;Description automatically generated">
             <a:extLst>
               <a:ext uri="{FF2B5EF4-FFF2-40B4-BE49-F238E27FC236}">
-                <a16:creationId xmlns:a16="http://schemas.microsoft.com/office/drawing/2014/main" id="{CC1A4140-F4C3-4EC1-8A6F-784197D81A1B}"/>
+                <a16:creationId xmlns:a16="http://schemas.microsoft.com/office/drawing/2014/main" id="{5DF0AAA0-165F-42D1-A30B-768F5FED97F3}"/>
               </a:ext>
             </a:extLst>
           </p:cNvPr>
@@ -6341,20 +7135,21 @@
           </p:cNvPicPr>
           <p:nvPr/>
         </p:nvPicPr>
-        <p:blipFill rotWithShape="1">
-          <a:blip r:embed="rId2">
+        <p:blipFill>
+          <a:blip r:embed="rId3" cstate="print">
             <a:extLst>
               <a:ext uri="{28A0092B-C50C-407E-A947-70E740481C1C}">
                 <a14:useLocalDpi xmlns:a14="http://schemas.microsoft.com/office/drawing/2010/main" val="0"/>
               </a:ext>
             </a:extLst>
           </a:blip>
-          <a:srcRect l="30833" t="6779" b="15625"/>
-          <a:stretch/>
+          <a:stretch>
+            <a:fillRect/>
+          </a:stretch>
         </p:blipFill>
         <p:spPr>
           <a:xfrm>
-            <a:off x="1371600" y="2054520"/>
+            <a:off x="1371600" y="2057400"/>
             <a:ext cx="7616952" cy="4572000"/>
           </a:xfrm>
           <a:prstGeom prst="rect">
@@ -6392,45 +7187,10 @@
           </a:sp3d>
         </p:spPr>
       </p:pic>
-      <p:sp>
-        <p:nvSpPr>
-          <p:cNvPr id="11" name="TextBox 10">
-            <a:extLst>
-              <a:ext uri="{FF2B5EF4-FFF2-40B4-BE49-F238E27FC236}">
-                <a16:creationId xmlns:a16="http://schemas.microsoft.com/office/drawing/2014/main" id="{E61925C7-D817-43EA-8456-CDBEF70E3EAF}"/>
-              </a:ext>
-            </a:extLst>
-          </p:cNvPr>
-          <p:cNvSpPr txBox="1"/>
-          <p:nvPr/>
-        </p:nvSpPr>
-        <p:spPr>
-          <a:xfrm>
-            <a:off x="1219200" y="1524000"/>
-            <a:ext cx="3009900" cy="461665"/>
-          </a:xfrm>
-          <a:prstGeom prst="rect">
-            <a:avLst/>
-          </a:prstGeom>
-          <a:noFill/>
-        </p:spPr>
-        <p:txBody>
-          <a:bodyPr wrap="square" rtlCol="0">
-            <a:spAutoFit/>
-          </a:bodyPr>
-          <a:lstStyle/>
-          <a:p>
-            <a:r>
-              <a:rPr lang="en-US" sz="2400" b="1" dirty="0"/>
-              <a:t>Incidents by Region</a:t>
-            </a:r>
-          </a:p>
-        </p:txBody>
-      </p:sp>
     </p:spTree>
     <p:extLst>
       <p:ext uri="{BB962C8B-B14F-4D97-AF65-F5344CB8AC3E}">
-        <p14:creationId xmlns:p14="http://schemas.microsoft.com/office/powerpoint/2010/main" val="3382637159"/>
+        <p14:creationId xmlns:p14="http://schemas.microsoft.com/office/powerpoint/2010/main" val="2074726821"/>
       </p:ext>
     </p:extLst>
   </p:cSld>
@@ -6462,7 +7222,7 @@
           <p:cNvPr id="2" name="Title 1">
             <a:extLst>
               <a:ext uri="{FF2B5EF4-FFF2-40B4-BE49-F238E27FC236}">
-                <a16:creationId xmlns:a16="http://schemas.microsoft.com/office/drawing/2014/main" id="{B4C10FE4-B15D-44FC-A9F3-C12AA44DFBC9}"/>
+                <a16:creationId xmlns:a16="http://schemas.microsoft.com/office/drawing/2014/main" id="{F0726FFB-7146-41B2-B650-8B0988B42948}"/>
               </a:ext>
             </a:extLst>
           </p:cNvPr>
@@ -6476,7 +7236,7 @@
         <p:spPr>
           <a:xfrm>
             <a:off x="1028700" y="685800"/>
-            <a:ext cx="7200900" cy="609600"/>
+            <a:ext cx="7200900" cy="762000"/>
           </a:xfrm>
         </p:spPr>
         <p:txBody>
@@ -6486,8 +7246,8 @@
           <a:lstStyle/>
           <a:p>
             <a:r>
-              <a:rPr lang="en-US" sz="3600" dirty="0"/>
-              <a:t>Research Questions and Assignments</a:t>
+              <a:rPr lang="en-US" dirty="0"/>
+              <a:t>Data Quality and Characteristics</a:t>
             </a:r>
           </a:p>
         </p:txBody>
@@ -6497,7 +7257,7 @@
           <p:cNvPr id="3" name="Content Placeholder 2">
             <a:extLst>
               <a:ext uri="{FF2B5EF4-FFF2-40B4-BE49-F238E27FC236}">
-                <a16:creationId xmlns:a16="http://schemas.microsoft.com/office/drawing/2014/main" id="{F6F941C1-C7E5-433B-8C09-E5187F5163A3}"/>
+                <a16:creationId xmlns:a16="http://schemas.microsoft.com/office/drawing/2014/main" id="{06EC84B0-4634-409F-A92C-F15F5AF5C7FC}"/>
               </a:ext>
             </a:extLst>
           </p:cNvPr>
@@ -6510,120 +7270,104 @@
         </p:nvSpPr>
         <p:spPr>
           <a:xfrm>
-            <a:off x="1028700" y="1447800"/>
-            <a:ext cx="7200900" cy="5105400"/>
+            <a:off x="1028700" y="1524000"/>
+            <a:ext cx="7200900" cy="4343400"/>
           </a:xfrm>
         </p:spPr>
         <p:txBody>
-          <a:bodyPr>
-            <a:normAutofit fontScale="92500" lnSpcReduction="10000"/>
-          </a:bodyPr>
+          <a:bodyPr/>
           <a:lstStyle/>
+          <a:p>
+            <a:r>
+              <a:rPr lang="en-US" dirty="0"/>
+              <a:t>All columns </a:t>
+            </a:r>
+            <a:r>
+              <a:rPr lang="en-US" b="1" dirty="0"/>
+              <a:t>NA</a:t>
+            </a:r>
+            <a:r>
+              <a:rPr lang="en-US" dirty="0"/>
+              <a:t> values</a:t>
+            </a:r>
+          </a:p>
+          <a:p>
+            <a:pPr lvl="1"/>
+            <a:r>
+              <a:rPr lang="en-US" dirty="0" err="1"/>
+              <a:t>na.omit</a:t>
+            </a:r>
+            <a:r>
+              <a:rPr lang="en-US" dirty="0"/>
+              <a:t> results in zero observations!</a:t>
+            </a:r>
+          </a:p>
+          <a:p>
+            <a:r>
+              <a:rPr lang="en-US" dirty="0"/>
+              <a:t>Most variables are </a:t>
+            </a:r>
+            <a:r>
+              <a:rPr lang="en-US" b="1" i="1" dirty="0"/>
+              <a:t>categorical</a:t>
+            </a:r>
+            <a:r>
+              <a:rPr lang="en-US" i="1" dirty="0"/>
+              <a:t> (not numerical</a:t>
+            </a:r>
+            <a:r>
+              <a:rPr lang="en-US" dirty="0"/>
+              <a:t>)</a:t>
+            </a:r>
+          </a:p>
+          <a:p>
+            <a:pPr lvl="1"/>
+            <a:r>
+              <a:rPr lang="en-US" dirty="0"/>
+              <a:t>“unknown” common as a category value</a:t>
+            </a:r>
+          </a:p>
+          <a:p>
+            <a:r>
+              <a:rPr lang="en-US" dirty="0"/>
+              <a:t>Many redundant “description” variables </a:t>
+            </a:r>
+          </a:p>
+          <a:p>
+            <a:pPr lvl="1"/>
+            <a:r>
+              <a:rPr lang="en-US" i="0" dirty="0"/>
+              <a:t>for example, textual translations of categorical variables</a:t>
+            </a:r>
+          </a:p>
           <a:p>
             <a:pPr marL="0" indent="0">
               <a:buNone/>
             </a:pPr>
-            <a:r>
-              <a:rPr lang="en-US" b="1" dirty="0"/>
-              <a:t>James </a:t>
-            </a:r>
-            <a:r>
-              <a:rPr lang="en-US" b="1" dirty="0" err="1"/>
-              <a:t>Willson</a:t>
-            </a:r>
-            <a:r>
-              <a:rPr lang="en-US" b="1" dirty="0"/>
-              <a:t> (Data Scientist)</a:t>
-            </a:r>
-          </a:p>
-          <a:p>
-            <a:pPr marL="457200" indent="-457200">
-              <a:buFont typeface="+mj-lt"/>
-              <a:buAutoNum type="arabicPeriod"/>
-            </a:pPr>
-            <a:r>
-              <a:rPr lang="en-US" dirty="0"/>
-              <a:t>Predict if an attack will be successful based on a variety of different factors.</a:t>
-            </a:r>
-          </a:p>
-          <a:p>
-            <a:pPr marL="457200" indent="-457200">
-              <a:buFont typeface="+mj-lt"/>
-              <a:buAutoNum type="arabicPeriod"/>
-            </a:pPr>
-            <a:r>
-              <a:rPr lang="en-US" dirty="0"/>
-              <a:t>Estimate the number of casualties in a successful terrorist attack</a:t>
-            </a:r>
-          </a:p>
-          <a:p>
-            <a:pPr marL="0" indent="0">
+            <a:endParaRPr lang="en-US" b="1" i="1" dirty="0"/>
+          </a:p>
+          <a:p>
+            <a:pPr marL="0" indent="0" algn="ctr">
               <a:buNone/>
             </a:pPr>
             <a:r>
-              <a:rPr lang="en-US" b="1" dirty="0" err="1"/>
-              <a:t>Kun</a:t>
-            </a:r>
-            <a:r>
-              <a:rPr lang="en-US" b="1" dirty="0"/>
-              <a:t> Li (Data Scientist)</a:t>
-            </a:r>
-          </a:p>
-          <a:p>
-            <a:pPr marL="457200" indent="-457200">
-              <a:buFont typeface="+mj-lt"/>
-              <a:buAutoNum type="arabicPeriod"/>
-            </a:pPr>
-            <a:r>
-              <a:rPr lang="en-US" dirty="0"/>
-              <a:t>Predict the extent/dollar-amount of property damage from any given attack</a:t>
-            </a:r>
-          </a:p>
-          <a:p>
-            <a:pPr marL="457200" indent="-457200">
-              <a:buFont typeface="+mj-lt"/>
-              <a:buAutoNum type="arabicPeriod"/>
-            </a:pPr>
-            <a:r>
-              <a:rPr lang="en-US" dirty="0"/>
-              <a:t>Identify factors that could predict the target/victim type in an attack</a:t>
-            </a:r>
-          </a:p>
-          <a:p>
-            <a:pPr marL="0" indent="0">
-              <a:buNone/>
-            </a:pPr>
-            <a:r>
-              <a:rPr lang="en-US" b="1" dirty="0"/>
-              <a:t>Sean Kugele (Data Scientist / Team Lead)</a:t>
-            </a:r>
-          </a:p>
-          <a:p>
-            <a:pPr marL="457200" indent="-457200">
-              <a:buFont typeface="+mj-lt"/>
-              <a:buAutoNum type="arabicPeriod"/>
-            </a:pPr>
-            <a:r>
-              <a:rPr lang="en-US" dirty="0"/>
-              <a:t>Predict the terrorist group responsible for perpetrating a terrorist attack</a:t>
-            </a:r>
-          </a:p>
-          <a:p>
-            <a:pPr marL="457200" indent="-457200">
-              <a:buFont typeface="+mj-lt"/>
-              <a:buAutoNum type="arabicPeriod"/>
-            </a:pPr>
-            <a:r>
-              <a:rPr lang="en-US" dirty="0"/>
-              <a:t>Estimate the probability of an attack based on temporal and geo-spatial variables</a:t>
-            </a:r>
+              <a:rPr lang="en-US" sz="2400" b="1" i="1" dirty="0">
+                <a:solidFill>
+                  <a:srgbClr val="FF0000"/>
+                </a:solidFill>
+              </a:rPr>
+              <a:t>Large Data Cleansing Effort Needed!</a:t>
+            </a:r>
+          </a:p>
+          <a:p>
+            <a:endParaRPr lang="en-US" b="1" dirty="0"/>
           </a:p>
         </p:txBody>
       </p:sp>
     </p:spTree>
     <p:extLst>
       <p:ext uri="{BB962C8B-B14F-4D97-AF65-F5344CB8AC3E}">
-        <p14:creationId xmlns:p14="http://schemas.microsoft.com/office/powerpoint/2010/main" val="2179402491"/>
+        <p14:creationId xmlns:p14="http://schemas.microsoft.com/office/powerpoint/2010/main" val="4107628178"/>
       </p:ext>
     </p:extLst>
   </p:cSld>
@@ -6655,7 +7399,7 @@
           <p:cNvPr id="2" name="Title 1">
             <a:extLst>
               <a:ext uri="{FF2B5EF4-FFF2-40B4-BE49-F238E27FC236}">
-                <a16:creationId xmlns:a16="http://schemas.microsoft.com/office/drawing/2014/main" id="{A6BC0C61-EB17-457A-9B6C-10566010700A}"/>
+                <a16:creationId xmlns:a16="http://schemas.microsoft.com/office/drawing/2014/main" id="{B4C10FE4-B15D-44FC-A9F3-C12AA44DFBC9}"/>
               </a:ext>
             </a:extLst>
           </p:cNvPr>
@@ -6666,12 +7410,22 @@
             <p:ph type="title"/>
           </p:nvPr>
         </p:nvSpPr>
-        <p:spPr/>
-        <p:txBody>
-          <a:bodyPr/>
+        <p:spPr>
+          <a:xfrm>
+            <a:off x="1028700" y="685800"/>
+            <a:ext cx="7200900" cy="609600"/>
+          </a:xfrm>
+        </p:spPr>
+        <p:txBody>
+          <a:bodyPr>
+            <a:normAutofit fontScale="90000"/>
+          </a:bodyPr>
           <a:lstStyle/>
           <a:p>
-            <a:endParaRPr lang="en-US" dirty="0"/>
+            <a:r>
+              <a:rPr lang="en-US" sz="3600" dirty="0"/>
+              <a:t>Research Questions and Assignments</a:t>
+            </a:r>
           </a:p>
         </p:txBody>
       </p:sp>
@@ -6680,7 +7434,7 @@
           <p:cNvPr id="3" name="Content Placeholder 2">
             <a:extLst>
               <a:ext uri="{FF2B5EF4-FFF2-40B4-BE49-F238E27FC236}">
-                <a16:creationId xmlns:a16="http://schemas.microsoft.com/office/drawing/2014/main" id="{1853A7BF-D4DF-4F30-8B41-EB08C3AC2379}"/>
+                <a16:creationId xmlns:a16="http://schemas.microsoft.com/office/drawing/2014/main" id="{F6F941C1-C7E5-433B-8C09-E5187F5163A3}"/>
               </a:ext>
             </a:extLst>
           </p:cNvPr>
@@ -6691,19 +7445,122 @@
             <p:ph idx="1"/>
           </p:nvPr>
         </p:nvSpPr>
-        <p:spPr/>
-        <p:txBody>
-          <a:bodyPr/>
+        <p:spPr>
+          <a:xfrm>
+            <a:off x="1028700" y="1447800"/>
+            <a:ext cx="7200900" cy="5105400"/>
+          </a:xfrm>
+        </p:spPr>
+        <p:txBody>
+          <a:bodyPr>
+            <a:normAutofit fontScale="92500" lnSpcReduction="10000"/>
+          </a:bodyPr>
           <a:lstStyle/>
           <a:p>
-            <a:endParaRPr lang="en-US" dirty="0"/>
+            <a:pPr marL="0" indent="0">
+              <a:buNone/>
+            </a:pPr>
+            <a:r>
+              <a:rPr lang="en-US" b="1" dirty="0"/>
+              <a:t>James </a:t>
+            </a:r>
+            <a:r>
+              <a:rPr lang="en-US" b="1" dirty="0" err="1"/>
+              <a:t>Willson</a:t>
+            </a:r>
+            <a:r>
+              <a:rPr lang="en-US" b="1" dirty="0"/>
+              <a:t> (Data Scientist)</a:t>
+            </a:r>
+          </a:p>
+          <a:p>
+            <a:pPr marL="457200" indent="-457200">
+              <a:buFont typeface="+mj-lt"/>
+              <a:buAutoNum type="arabicPeriod"/>
+            </a:pPr>
+            <a:r>
+              <a:rPr lang="en-US" dirty="0"/>
+              <a:t>Predict if an attack will be successful based on a variety of different factors.</a:t>
+            </a:r>
+          </a:p>
+          <a:p>
+            <a:pPr marL="457200" indent="-457200">
+              <a:buFont typeface="+mj-lt"/>
+              <a:buAutoNum type="arabicPeriod"/>
+            </a:pPr>
+            <a:r>
+              <a:rPr lang="en-US" dirty="0"/>
+              <a:t>Estimate the number of casualties in a successful terrorist attack</a:t>
+            </a:r>
+          </a:p>
+          <a:p>
+            <a:pPr marL="0" indent="0">
+              <a:buNone/>
+            </a:pPr>
+            <a:r>
+              <a:rPr lang="en-US" b="1" dirty="0" err="1"/>
+              <a:t>Kun</a:t>
+            </a:r>
+            <a:r>
+              <a:rPr lang="en-US" b="1" dirty="0"/>
+              <a:t> Li (Data Scientist)</a:t>
+            </a:r>
+          </a:p>
+          <a:p>
+            <a:pPr marL="457200" indent="-457200">
+              <a:buFont typeface="+mj-lt"/>
+              <a:buAutoNum type="arabicPeriod"/>
+            </a:pPr>
+            <a:r>
+              <a:rPr lang="en-US" dirty="0"/>
+              <a:t>Predict the extent/dollar-amount of property damage from any given attack</a:t>
+            </a:r>
+          </a:p>
+          <a:p>
+            <a:pPr marL="457200" indent="-457200">
+              <a:buFont typeface="+mj-lt"/>
+              <a:buAutoNum type="arabicPeriod"/>
+            </a:pPr>
+            <a:r>
+              <a:rPr lang="en-US" dirty="0"/>
+              <a:t>Identify factors that could predict the target/victim type in an attack</a:t>
+            </a:r>
+          </a:p>
+          <a:p>
+            <a:pPr marL="0" indent="0">
+              <a:buNone/>
+            </a:pPr>
+            <a:r>
+              <a:rPr lang="en-US" b="1" dirty="0"/>
+              <a:t>Sean Kugele (Data Scientist / Team Lead)</a:t>
+            </a:r>
+          </a:p>
+          <a:p>
+            <a:pPr marL="457200" indent="-457200">
+              <a:buFont typeface="+mj-lt"/>
+              <a:buAutoNum type="arabicPeriod"/>
+            </a:pPr>
+            <a:r>
+              <a:rPr lang="en-US" dirty="0"/>
+              <a:t>Predict the terrorist group responsible for perpetrating a terrorist attack</a:t>
+            </a:r>
+          </a:p>
+          <a:p>
+            <a:pPr marL="457200" indent="-457200">
+              <a:buFont typeface="+mj-lt"/>
+              <a:buAutoNum type="arabicPeriod"/>
+            </a:pPr>
+            <a:r>
+              <a:rPr lang="en-US" dirty="0"/>
+              <a:t>Estimate the probability of an attack based on temporal and geo-spatial variables</a:t>
+            </a:r>
           </a:p>
         </p:txBody>
       </p:sp>
     </p:spTree>
     <p:extLst>
       <p:ext uri="{BB962C8B-B14F-4D97-AF65-F5344CB8AC3E}">
-        <p14:creationId xmlns:p14="http://schemas.microsoft.com/office/powerpoint/2010/main" val="2044090292"/>
+        <p14:creationId xmlns:p14="http://schemas.microsoft.com/office/powerpoint/2010/main" val="2179402491"/>
       </p:ext>
     </p:extLst>
   </p:cSld>

--- a/presentation/gtdb-final-presentation.pptx
+++ b/presentation/gtdb-final-presentation.pptx
@@ -5,7 +5,7 @@
     <p:sldMasterId id="2147483803" r:id="rId1"/>
   </p:sldMasterIdLst>
   <p:notesMasterIdLst>
-    <p:notesMasterId r:id="rId15"/>
+    <p:notesMasterId r:id="rId16"/>
   </p:notesMasterIdLst>
   <p:sldIdLst>
     <p:sldId id="256" r:id="rId2"/>
@@ -20,7 +20,8 @@
     <p:sldId id="257" r:id="rId11"/>
     <p:sldId id="258" r:id="rId12"/>
     <p:sldId id="259" r:id="rId13"/>
-    <p:sldId id="265" r:id="rId14"/>
+    <p:sldId id="272" r:id="rId14"/>
+    <p:sldId id="265" r:id="rId15"/>
   </p:sldIdLst>
   <p:sldSz cx="9144000" cy="6858000" type="screen4x3"/>
   <p:notesSz cx="6858000" cy="9144000"/>
@@ -148,6 +149,7 @@
         <p14:section name="Sean" id="{1C3D8192-CB26-499D-A6D8-E7F692D2D51F}">
           <p14:sldIdLst>
             <p14:sldId id="259"/>
+            <p14:sldId id="272"/>
           </p14:sldIdLst>
         </p14:section>
         <p14:section name="Summary and Conclusion" id="{A2B1DDA9-9FDD-4663-A154-79354B6BCDF3}">
@@ -1402,6 +1404,90 @@
     <p:extLst>
       <p:ext uri="{BB962C8B-B14F-4D97-AF65-F5344CB8AC3E}">
         <p14:creationId xmlns:p14="http://schemas.microsoft.com/office/powerpoint/2010/main" val="3508771164"/>
+      </p:ext>
+    </p:extLst>
+  </p:cSld>
+  <p:clrMapOvr>
+    <a:masterClrMapping/>
+  </p:clrMapOvr>
+</p:notes>
+</file>
+
+<file path=ppt/notesSlides/notesSlide3.xml><?xml version="1.0" encoding="utf-8"?>
+<p:notes xmlns:a="http://schemas.openxmlformats.org/drawingml/2006/main" xmlns:r="http://schemas.openxmlformats.org/officeDocument/2006/relationships" xmlns:p="http://schemas.openxmlformats.org/presentationml/2006/main">
+  <p:cSld>
+    <p:spTree>
+      <p:nvGrpSpPr>
+        <p:cNvPr id="1" name=""/>
+        <p:cNvGrpSpPr/>
+        <p:nvPr/>
+      </p:nvGrpSpPr>
+      <p:grpSpPr>
+        <a:xfrm>
+          <a:off x="0" y="0"/>
+          <a:ext cx="0" cy="0"/>
+          <a:chOff x="0" y="0"/>
+          <a:chExt cx="0" cy="0"/>
+        </a:xfrm>
+      </p:grpSpPr>
+      <p:sp>
+        <p:nvSpPr>
+          <p:cNvPr id="2" name="Slide Image Placeholder 1"/>
+          <p:cNvSpPr>
+            <a:spLocks noGrp="1" noRot="1" noChangeAspect="1"/>
+          </p:cNvSpPr>
+          <p:nvPr>
+            <p:ph type="sldImg"/>
+          </p:nvPr>
+        </p:nvSpPr>
+        <p:spPr/>
+      </p:sp>
+      <p:sp>
+        <p:nvSpPr>
+          <p:cNvPr id="3" name="Notes Placeholder 2"/>
+          <p:cNvSpPr>
+            <a:spLocks noGrp="1"/>
+          </p:cNvSpPr>
+          <p:nvPr>
+            <p:ph type="body" idx="1"/>
+          </p:nvPr>
+        </p:nvSpPr>
+        <p:spPr/>
+        <p:txBody>
+          <a:bodyPr/>
+          <a:lstStyle/>
+          <a:p>
+            <a:endParaRPr lang="en-US" dirty="0"/>
+          </a:p>
+        </p:txBody>
+      </p:sp>
+      <p:sp>
+        <p:nvSpPr>
+          <p:cNvPr id="4" name="Slide Number Placeholder 3"/>
+          <p:cNvSpPr>
+            <a:spLocks noGrp="1"/>
+          </p:cNvSpPr>
+          <p:nvPr>
+            <p:ph type="sldNum" sz="quarter" idx="5"/>
+          </p:nvPr>
+        </p:nvSpPr>
+        <p:spPr/>
+        <p:txBody>
+          <a:bodyPr/>
+          <a:lstStyle/>
+          <a:p>
+            <a:fld id="{58F5E0F1-AB47-4A7A-BA35-9463FCF91331}" type="slidenum">
+              <a:rPr lang="en-US" smtClean="0"/>
+              <a:t>13</a:t>
+            </a:fld>
+            <a:endParaRPr lang="en-US"/>
+          </a:p>
+        </p:txBody>
+      </p:sp>
+    </p:spTree>
+    <p:extLst>
+      <p:ext uri="{BB962C8B-B14F-4D97-AF65-F5344CB8AC3E}">
+        <p14:creationId xmlns:p14="http://schemas.microsoft.com/office/powerpoint/2010/main" val="3784740203"/>
       </p:ext>
     </p:extLst>
   </p:cSld>
@@ -5716,6 +5802,550 @@
 </file>
 
 <file path=ppt/slides/slide13.xml><?xml version="1.0" encoding="utf-8"?>
+<p:sld xmlns:a="http://schemas.openxmlformats.org/drawingml/2006/main" xmlns:r="http://schemas.openxmlformats.org/officeDocument/2006/relationships" xmlns:p="http://schemas.openxmlformats.org/presentationml/2006/main">
+  <p:cSld>
+    <p:bg>
+      <p:bgPr>
+        <a:solidFill>
+          <a:schemeClr val="bg2"/>
+        </a:solidFill>
+        <a:effectLst/>
+      </p:bgPr>
+    </p:bg>
+    <p:spTree>
+      <p:nvGrpSpPr>
+        <p:cNvPr id="1" name=""/>
+        <p:cNvGrpSpPr/>
+        <p:nvPr/>
+      </p:nvGrpSpPr>
+      <p:grpSpPr>
+        <a:xfrm>
+          <a:off x="0" y="0"/>
+          <a:ext cx="0" cy="0"/>
+          <a:chOff x="0" y="0"/>
+          <a:chExt cx="0" cy="0"/>
+        </a:xfrm>
+      </p:grpSpPr>
+      <p:sp>
+        <p:nvSpPr>
+          <p:cNvPr id="10" name="Rectangle 9">
+            <a:extLst>
+              <a:ext uri="{FF2B5EF4-FFF2-40B4-BE49-F238E27FC236}">
+                <a16:creationId xmlns:a16="http://schemas.microsoft.com/office/drawing/2014/main" id="{AA6EC888-B85F-410F-B430-06583E94BEEC}"/>
+              </a:ext>
+              <a:ext uri="{C183D7F6-B498-43B3-948B-1728B52AA6E4}">
+                <adec:decorative xmlns:adec="http://schemas.microsoft.com/office/drawing/2017/decorative" val="1"/>
+              </a:ext>
+            </a:extLst>
+          </p:cNvPr>
+          <p:cNvSpPr>
+            <a:spLocks noGrp="1" noRot="1" noChangeAspect="1" noMove="1" noResize="1" noEditPoints="1" noAdjustHandles="1" noChangeArrowheads="1" noChangeShapeType="1" noTextEdit="1"/>
+          </p:cNvSpPr>
+          <p:nvPr>
+            <p:extLst>
+              <p:ext uri="{386F3935-93C4-4BCD-93E2-E3B085C9AB24}">
+                <p16:designElem xmlns:p16="http://schemas.microsoft.com/office/powerpoint/2015/main" val="1"/>
+              </p:ext>
+            </p:extLst>
+          </p:nvPr>
+        </p:nvSpPr>
+        <p:spPr>
+          <a:xfrm>
+            <a:off x="358571" y="376"/>
+            <a:ext cx="171450" cy="6858000"/>
+          </a:xfrm>
+          <a:prstGeom prst="rect">
+            <a:avLst/>
+          </a:prstGeom>
+          <a:solidFill>
+            <a:schemeClr val="tx2"/>
+          </a:solidFill>
+          <a:ln>
+            <a:noFill/>
+          </a:ln>
+        </p:spPr>
+        <p:style>
+          <a:lnRef idx="2">
+            <a:schemeClr val="accent1">
+              <a:shade val="50000"/>
+            </a:schemeClr>
+          </a:lnRef>
+          <a:fillRef idx="1">
+            <a:schemeClr val="accent1"/>
+          </a:fillRef>
+          <a:effectRef idx="0">
+            <a:schemeClr val="accent1"/>
+          </a:effectRef>
+          <a:fontRef idx="minor">
+            <a:schemeClr val="lt1"/>
+          </a:fontRef>
+        </p:style>
+      </p:sp>
+      <p:sp>
+        <p:nvSpPr>
+          <p:cNvPr id="12" name="Rectangle 11">
+            <a:extLst>
+              <a:ext uri="{FF2B5EF4-FFF2-40B4-BE49-F238E27FC236}">
+                <a16:creationId xmlns:a16="http://schemas.microsoft.com/office/drawing/2014/main" id="{9485DA84-CB73-4E5E-9864-2460CE28055D}"/>
+              </a:ext>
+              <a:ext uri="{C183D7F6-B498-43B3-948B-1728B52AA6E4}">
+                <adec:decorative xmlns:adec="http://schemas.microsoft.com/office/drawing/2017/decorative" val="1"/>
+              </a:ext>
+            </a:extLst>
+          </p:cNvPr>
+          <p:cNvSpPr>
+            <a:spLocks noGrp="1" noRot="1" noChangeAspect="1" noMove="1" noResize="1" noEditPoints="1" noAdjustHandles="1" noChangeArrowheads="1" noChangeShapeType="1" noTextEdit="1"/>
+          </p:cNvSpPr>
+          <p:nvPr>
+            <p:extLst>
+              <p:ext uri="{386F3935-93C4-4BCD-93E2-E3B085C9AB24}">
+                <p16:designElem xmlns:p16="http://schemas.microsoft.com/office/powerpoint/2015/main" val="1"/>
+              </p:ext>
+            </p:extLst>
+          </p:nvPr>
+        </p:nvSpPr>
+        <p:spPr>
+          <a:xfrm>
+            <a:off x="0" y="0"/>
+            <a:ext cx="9144000" cy="6858000"/>
+          </a:xfrm>
+          <a:prstGeom prst="rect">
+            <a:avLst/>
+          </a:prstGeom>
+          <a:solidFill>
+            <a:schemeClr val="bg2"/>
+          </a:solidFill>
+          <a:ln>
+            <a:noFill/>
+          </a:ln>
+        </p:spPr>
+        <p:style>
+          <a:lnRef idx="2">
+            <a:schemeClr val="accent1">
+              <a:shade val="50000"/>
+            </a:schemeClr>
+          </a:lnRef>
+          <a:fillRef idx="1">
+            <a:schemeClr val="accent1"/>
+          </a:fillRef>
+          <a:effectRef idx="0">
+            <a:schemeClr val="accent1"/>
+          </a:effectRef>
+          <a:fontRef idx="minor">
+            <a:schemeClr val="lt1"/>
+          </a:fontRef>
+        </p:style>
+        <p:txBody>
+          <a:bodyPr rtlCol="0" anchor="ctr"/>
+          <a:lstStyle/>
+          <a:p>
+            <a:pPr algn="ctr"/>
+            <a:endParaRPr lang="en-US"/>
+          </a:p>
+        </p:txBody>
+      </p:sp>
+      <p:sp>
+        <p:nvSpPr>
+          <p:cNvPr id="14" name="Rectangle 13">
+            <a:extLst>
+              <a:ext uri="{FF2B5EF4-FFF2-40B4-BE49-F238E27FC236}">
+                <a16:creationId xmlns:a16="http://schemas.microsoft.com/office/drawing/2014/main" id="{7D49185E-361A-421B-8F2D-11C7FFC686F0}"/>
+              </a:ext>
+              <a:ext uri="{C183D7F6-B498-43B3-948B-1728B52AA6E4}">
+                <adec:decorative xmlns:adec="http://schemas.microsoft.com/office/drawing/2017/decorative" val="1"/>
+              </a:ext>
+            </a:extLst>
+          </p:cNvPr>
+          <p:cNvSpPr>
+            <a:spLocks noGrp="1" noRot="1" noChangeAspect="1" noMove="1" noResize="1" noEditPoints="1" noAdjustHandles="1" noChangeArrowheads="1" noChangeShapeType="1" noTextEdit="1"/>
+          </p:cNvSpPr>
+          <p:nvPr>
+            <p:extLst>
+              <p:ext uri="{386F3935-93C4-4BCD-93E2-E3B085C9AB24}">
+                <p16:designElem xmlns:p16="http://schemas.microsoft.com/office/powerpoint/2015/main" val="1"/>
+              </p:ext>
+            </p:extLst>
+          </p:nvPr>
+        </p:nvSpPr>
+        <p:spPr>
+          <a:xfrm>
+            <a:off x="0" y="0"/>
+            <a:ext cx="274320" cy="365760"/>
+          </a:xfrm>
+          <a:prstGeom prst="rect">
+            <a:avLst/>
+          </a:prstGeom>
+          <a:solidFill>
+            <a:schemeClr val="tx1"/>
+          </a:solidFill>
+          <a:ln>
+            <a:noFill/>
+          </a:ln>
+        </p:spPr>
+        <p:style>
+          <a:lnRef idx="2">
+            <a:schemeClr val="accent1">
+              <a:shade val="50000"/>
+            </a:schemeClr>
+          </a:lnRef>
+          <a:fillRef idx="1">
+            <a:schemeClr val="accent1"/>
+          </a:fillRef>
+          <a:effectRef idx="0">
+            <a:schemeClr val="accent1"/>
+          </a:effectRef>
+          <a:fontRef idx="minor">
+            <a:schemeClr val="lt1"/>
+          </a:fontRef>
+        </p:style>
+        <p:txBody>
+          <a:bodyPr rtlCol="0" anchor="ctr"/>
+          <a:lstStyle/>
+          <a:p>
+            <a:pPr algn="ctr"/>
+            <a:endParaRPr lang="en-US"/>
+          </a:p>
+        </p:txBody>
+      </p:sp>
+      <p:sp>
+        <p:nvSpPr>
+          <p:cNvPr id="16" name="Rectangle 15">
+            <a:extLst>
+              <a:ext uri="{FF2B5EF4-FFF2-40B4-BE49-F238E27FC236}">
+                <a16:creationId xmlns:a16="http://schemas.microsoft.com/office/drawing/2014/main" id="{14B85BAA-C37F-44B4-B427-B4F10EBB4183}"/>
+              </a:ext>
+              <a:ext uri="{C183D7F6-B498-43B3-948B-1728B52AA6E4}">
+                <adec:decorative xmlns:adec="http://schemas.microsoft.com/office/drawing/2017/decorative" val="1"/>
+              </a:ext>
+            </a:extLst>
+          </p:cNvPr>
+          <p:cNvSpPr>
+            <a:spLocks noGrp="1" noRot="1" noChangeAspect="1" noMove="1" noResize="1" noEditPoints="1" noAdjustHandles="1" noChangeArrowheads="1" noChangeShapeType="1" noTextEdit="1"/>
+          </p:cNvSpPr>
+          <p:nvPr>
+            <p:extLst>
+              <p:ext uri="{386F3935-93C4-4BCD-93E2-E3B085C9AB24}">
+                <p16:designElem xmlns:p16="http://schemas.microsoft.com/office/powerpoint/2015/main" val="1"/>
+              </p:ext>
+            </p:extLst>
+          </p:nvPr>
+        </p:nvSpPr>
+        <p:spPr>
+          <a:xfrm>
+            <a:off x="8869680" y="-4668"/>
+            <a:ext cx="274320" cy="365760"/>
+          </a:xfrm>
+          <a:prstGeom prst="rect">
+            <a:avLst/>
+          </a:prstGeom>
+          <a:solidFill>
+            <a:schemeClr val="tx1"/>
+          </a:solidFill>
+          <a:ln>
+            <a:noFill/>
+          </a:ln>
+        </p:spPr>
+        <p:style>
+          <a:lnRef idx="2">
+            <a:schemeClr val="accent1">
+              <a:shade val="50000"/>
+            </a:schemeClr>
+          </a:lnRef>
+          <a:fillRef idx="1">
+            <a:schemeClr val="accent1"/>
+          </a:fillRef>
+          <a:effectRef idx="0">
+            <a:schemeClr val="accent1"/>
+          </a:effectRef>
+          <a:fontRef idx="minor">
+            <a:schemeClr val="lt1"/>
+          </a:fontRef>
+        </p:style>
+        <p:txBody>
+          <a:bodyPr rtlCol="0" anchor="ctr"/>
+          <a:lstStyle/>
+          <a:p>
+            <a:pPr algn="ctr"/>
+            <a:endParaRPr lang="en-US"/>
+          </a:p>
+        </p:txBody>
+      </p:sp>
+      <p:sp>
+        <p:nvSpPr>
+          <p:cNvPr id="18" name="Rectangle 17">
+            <a:extLst>
+              <a:ext uri="{FF2B5EF4-FFF2-40B4-BE49-F238E27FC236}">
+                <a16:creationId xmlns:a16="http://schemas.microsoft.com/office/drawing/2014/main" id="{EDC4EE06-D7B4-4FAC-A561-38A1C380232A}"/>
+              </a:ext>
+              <a:ext uri="{C183D7F6-B498-43B3-948B-1728B52AA6E4}">
+                <adec:decorative xmlns:adec="http://schemas.microsoft.com/office/drawing/2017/decorative" val="1"/>
+              </a:ext>
+            </a:extLst>
+          </p:cNvPr>
+          <p:cNvSpPr>
+            <a:spLocks noGrp="1" noRot="1" noChangeAspect="1" noMove="1" noResize="1" noEditPoints="1" noAdjustHandles="1" noChangeArrowheads="1" noChangeShapeType="1" noTextEdit="1"/>
+          </p:cNvSpPr>
+          <p:nvPr>
+            <p:extLst>
+              <p:ext uri="{386F3935-93C4-4BCD-93E2-E3B085C9AB24}">
+                <p16:designElem xmlns:p16="http://schemas.microsoft.com/office/powerpoint/2015/main" val="1"/>
+              </p:ext>
+            </p:extLst>
+          </p:nvPr>
+        </p:nvSpPr>
+        <p:spPr>
+          <a:xfrm>
+            <a:off x="0" y="6494325"/>
+            <a:ext cx="274320" cy="365760"/>
+          </a:xfrm>
+          <a:prstGeom prst="rect">
+            <a:avLst/>
+          </a:prstGeom>
+          <a:solidFill>
+            <a:schemeClr val="tx1"/>
+          </a:solidFill>
+          <a:ln>
+            <a:noFill/>
+          </a:ln>
+        </p:spPr>
+        <p:style>
+          <a:lnRef idx="2">
+            <a:schemeClr val="accent1">
+              <a:shade val="50000"/>
+            </a:schemeClr>
+          </a:lnRef>
+          <a:fillRef idx="1">
+            <a:schemeClr val="accent1"/>
+          </a:fillRef>
+          <a:effectRef idx="0">
+            <a:schemeClr val="accent1"/>
+          </a:effectRef>
+          <a:fontRef idx="minor">
+            <a:schemeClr val="lt1"/>
+          </a:fontRef>
+        </p:style>
+        <p:txBody>
+          <a:bodyPr rtlCol="0" anchor="ctr"/>
+          <a:lstStyle/>
+          <a:p>
+            <a:pPr algn="ctr"/>
+            <a:endParaRPr lang="en-US"/>
+          </a:p>
+        </p:txBody>
+      </p:sp>
+      <p:sp>
+        <p:nvSpPr>
+          <p:cNvPr id="20" name="Rectangle 19">
+            <a:extLst>
+              <a:ext uri="{FF2B5EF4-FFF2-40B4-BE49-F238E27FC236}">
+                <a16:creationId xmlns:a16="http://schemas.microsoft.com/office/drawing/2014/main" id="{9018D83B-903C-4782-B1BB-A45164A71F60}"/>
+              </a:ext>
+              <a:ext uri="{C183D7F6-B498-43B3-948B-1728B52AA6E4}">
+                <adec:decorative xmlns:adec="http://schemas.microsoft.com/office/drawing/2017/decorative" val="1"/>
+              </a:ext>
+            </a:extLst>
+          </p:cNvPr>
+          <p:cNvSpPr>
+            <a:spLocks noGrp="1" noRot="1" noChangeAspect="1" noMove="1" noResize="1" noEditPoints="1" noAdjustHandles="1" noChangeArrowheads="1" noChangeShapeType="1" noTextEdit="1"/>
+          </p:cNvSpPr>
+          <p:nvPr>
+            <p:extLst>
+              <p:ext uri="{386F3935-93C4-4BCD-93E2-E3B085C9AB24}">
+                <p16:designElem xmlns:p16="http://schemas.microsoft.com/office/powerpoint/2015/main" val="1"/>
+              </p:ext>
+            </p:extLst>
+          </p:nvPr>
+        </p:nvSpPr>
+        <p:spPr>
+          <a:xfrm>
+            <a:off x="8869680" y="6494325"/>
+            <a:ext cx="274320" cy="365760"/>
+          </a:xfrm>
+          <a:prstGeom prst="rect">
+            <a:avLst/>
+          </a:prstGeom>
+          <a:solidFill>
+            <a:schemeClr val="tx1"/>
+          </a:solidFill>
+          <a:ln>
+            <a:noFill/>
+          </a:ln>
+        </p:spPr>
+        <p:style>
+          <a:lnRef idx="2">
+            <a:schemeClr val="accent1">
+              <a:shade val="50000"/>
+            </a:schemeClr>
+          </a:lnRef>
+          <a:fillRef idx="1">
+            <a:schemeClr val="accent1"/>
+          </a:fillRef>
+          <a:effectRef idx="0">
+            <a:schemeClr val="accent1"/>
+          </a:effectRef>
+          <a:fontRef idx="minor">
+            <a:schemeClr val="lt1"/>
+          </a:fontRef>
+        </p:style>
+        <p:txBody>
+          <a:bodyPr rtlCol="0" anchor="ctr"/>
+          <a:lstStyle/>
+          <a:p>
+            <a:pPr algn="ctr"/>
+            <a:endParaRPr lang="en-US"/>
+          </a:p>
+        </p:txBody>
+      </p:sp>
+      <p:sp>
+        <p:nvSpPr>
+          <p:cNvPr id="22" name="Rectangle 21">
+            <a:extLst>
+              <a:ext uri="{FF2B5EF4-FFF2-40B4-BE49-F238E27FC236}">
+                <a16:creationId xmlns:a16="http://schemas.microsoft.com/office/drawing/2014/main" id="{8785589A-A5AC-409A-B2A2-24D871B4CEF0}"/>
+              </a:ext>
+              <a:ext uri="{C183D7F6-B498-43B3-948B-1728B52AA6E4}">
+                <adec:decorative xmlns:adec="http://schemas.microsoft.com/office/drawing/2017/decorative" val="1"/>
+              </a:ext>
+            </a:extLst>
+          </p:cNvPr>
+          <p:cNvSpPr>
+            <a:spLocks noGrp="1" noRot="1" noChangeAspect="1" noMove="1" noResize="1" noEditPoints="1" noAdjustHandles="1" noChangeArrowheads="1" noChangeShapeType="1" noTextEdit="1"/>
+          </p:cNvSpPr>
+          <p:nvPr>
+            <p:extLst>
+              <p:ext uri="{386F3935-93C4-4BCD-93E2-E3B085C9AB24}">
+                <p16:designElem xmlns:p16="http://schemas.microsoft.com/office/powerpoint/2015/main" val="1"/>
+              </p:ext>
+            </p:extLst>
+          </p:nvPr>
+        </p:nvSpPr>
+        <p:spPr>
+          <a:xfrm>
+            <a:off x="120650" y="158782"/>
+            <a:ext cx="8902699" cy="6537850"/>
+          </a:xfrm>
+          <a:prstGeom prst="rect">
+            <a:avLst/>
+          </a:prstGeom>
+          <a:solidFill>
+            <a:srgbClr val="FFFFFF"/>
+          </a:solidFill>
+          <a:ln>
+            <a:noFill/>
+          </a:ln>
+        </p:spPr>
+        <p:style>
+          <a:lnRef idx="2">
+            <a:schemeClr val="accent1">
+              <a:shade val="50000"/>
+            </a:schemeClr>
+          </a:lnRef>
+          <a:fillRef idx="1">
+            <a:schemeClr val="accent1"/>
+          </a:fillRef>
+          <a:effectRef idx="0">
+            <a:schemeClr val="accent1"/>
+          </a:effectRef>
+          <a:fontRef idx="minor">
+            <a:schemeClr val="lt1"/>
+          </a:fontRef>
+        </p:style>
+        <p:txBody>
+          <a:bodyPr rtlCol="0" anchor="ctr"/>
+          <a:lstStyle/>
+          <a:p>
+            <a:pPr algn="ctr"/>
+            <a:endParaRPr lang="en-US"/>
+          </a:p>
+        </p:txBody>
+      </p:sp>
+      <p:pic>
+        <p:nvPicPr>
+          <p:cNvPr id="5" name="Content Placeholder 4" descr="A close up of a map&#10;&#10;Description automatically generated">
+            <a:extLst>
+              <a:ext uri="{FF2B5EF4-FFF2-40B4-BE49-F238E27FC236}">
+                <a16:creationId xmlns:a16="http://schemas.microsoft.com/office/drawing/2014/main" id="{8E038568-82E5-4972-941D-CAB1B7BF0DE5}"/>
+              </a:ext>
+            </a:extLst>
+          </p:cNvPr>
+          <p:cNvPicPr>
+            <a:picLocks noGrp="1" noChangeAspect="1"/>
+          </p:cNvPicPr>
+          <p:nvPr>
+            <p:ph idx="1"/>
+          </p:nvPr>
+        </p:nvPicPr>
+        <p:blipFill>
+          <a:blip r:embed="rId3" cstate="print">
+            <a:extLst>
+              <a:ext uri="{28A0092B-C50C-407E-A947-70E740481C1C}">
+                <a14:useLocalDpi xmlns:a14="http://schemas.microsoft.com/office/drawing/2010/main" val="0"/>
+              </a:ext>
+            </a:extLst>
+          </a:blip>
+          <a:stretch>
+            <a:fillRect/>
+          </a:stretch>
+        </p:blipFill>
+        <p:spPr>
+          <a:xfrm>
+            <a:off x="361950" y="900637"/>
+            <a:ext cx="8420099" cy="5500163"/>
+          </a:xfrm>
+          <a:prstGeom prst="rect">
+            <a:avLst/>
+          </a:prstGeom>
+        </p:spPr>
+      </p:pic>
+      <p:sp>
+        <p:nvSpPr>
+          <p:cNvPr id="23" name="Title 1">
+            <a:extLst>
+              <a:ext uri="{FF2B5EF4-FFF2-40B4-BE49-F238E27FC236}">
+                <a16:creationId xmlns:a16="http://schemas.microsoft.com/office/drawing/2014/main" id="{0FB2F5D6-7099-450C-9833-0F17F76AD88A}"/>
+              </a:ext>
+            </a:extLst>
+          </p:cNvPr>
+          <p:cNvSpPr>
+            <a:spLocks noGrp="1"/>
+          </p:cNvSpPr>
+          <p:nvPr>
+            <p:ph type="title"/>
+          </p:nvPr>
+        </p:nvSpPr>
+        <p:spPr>
+          <a:xfrm>
+            <a:off x="1028700" y="685800"/>
+            <a:ext cx="7200900" cy="762000"/>
+          </a:xfrm>
+        </p:spPr>
+        <p:txBody>
+          <a:bodyPr>
+            <a:normAutofit/>
+          </a:bodyPr>
+          <a:lstStyle/>
+          <a:p>
+            <a:r>
+              <a:rPr lang="en-US" dirty="0"/>
+              <a:t>Terrorist Attacks by Group</a:t>
+            </a:r>
+          </a:p>
+        </p:txBody>
+      </p:sp>
+    </p:spTree>
+    <p:extLst>
+      <p:ext uri="{BB962C8B-B14F-4D97-AF65-F5344CB8AC3E}">
+        <p14:creationId xmlns:p14="http://schemas.microsoft.com/office/powerpoint/2010/main" val="3430899876"/>
+      </p:ext>
+    </p:extLst>
+  </p:cSld>
+  <p:clrMapOvr>
+    <a:masterClrMapping/>
+  </p:clrMapOvr>
+</p:sld>
+</file>
+
+<file path=ppt/slides/slide14.xml><?xml version="1.0" encoding="utf-8"?>
 <p:sld xmlns:a="http://schemas.openxmlformats.org/drawingml/2006/main" xmlns:r="http://schemas.openxmlformats.org/officeDocument/2006/relationships" xmlns:p="http://schemas.openxmlformats.org/presentationml/2006/main">
   <p:cSld>
     <p:spTree>

--- a/presentation/gtdb-final-presentation.pptx
+++ b/presentation/gtdb-final-presentation.pptx
@@ -5754,40 +5754,619 @@
             <p:ph type="title"/>
           </p:nvPr>
         </p:nvSpPr>
-        <p:spPr/>
+        <p:spPr>
+          <a:xfrm>
+            <a:off x="685800" y="0"/>
+            <a:ext cx="8156448" cy="838200"/>
+          </a:xfrm>
+        </p:spPr>
         <p:txBody>
           <a:bodyPr/>
           <a:lstStyle/>
           <a:p>
-            <a:endParaRPr lang="en-US"/>
-          </a:p>
-        </p:txBody>
-      </p:sp>
-      <p:sp>
-        <p:nvSpPr>
-          <p:cNvPr id="3" name="Content Placeholder 2">
+            <a:r>
+              <a:rPr lang="en-US" dirty="0"/>
+              <a:t>Terrorist Groups</a:t>
+            </a:r>
+          </a:p>
+        </p:txBody>
+      </p:sp>
+      <p:graphicFrame>
+        <p:nvGraphicFramePr>
+          <p:cNvPr id="4" name="Content Placeholder 3">
             <a:extLst>
               <a:ext uri="{FF2B5EF4-FFF2-40B4-BE49-F238E27FC236}">
-                <a16:creationId xmlns:a16="http://schemas.microsoft.com/office/drawing/2014/main" id="{7CA6673B-21BE-406F-BE8D-8A7E80804C8F}"/>
+                <a16:creationId xmlns:a16="http://schemas.microsoft.com/office/drawing/2014/main" id="{FDF86962-8BE3-42D9-94C4-F9CFABB037E2}"/>
               </a:ext>
             </a:extLst>
           </p:cNvPr>
-          <p:cNvSpPr>
-            <a:spLocks noGrp="1"/>
-          </p:cNvSpPr>
+          <p:cNvGraphicFramePr>
+            <a:graphicFrameLocks noGrp="1"/>
+          </p:cNvGraphicFramePr>
           <p:nvPr>
             <p:ph idx="1"/>
-          </p:nvPr>
-        </p:nvSpPr>
-        <p:spPr/>
-        <p:txBody>
-          <a:bodyPr/>
-          <a:lstStyle/>
-          <a:p>
-            <a:endParaRPr lang="en-US"/>
-          </a:p>
-        </p:txBody>
-      </p:sp>
+            <p:extLst>
+              <p:ext uri="{D42A27DB-BD31-4B8C-83A1-F6EECF244321}">
+                <p14:modId xmlns:p14="http://schemas.microsoft.com/office/powerpoint/2010/main" val="3834051845"/>
+              </p:ext>
+            </p:extLst>
+          </p:nvPr>
+        </p:nvGraphicFramePr>
+        <p:xfrm>
+          <a:off x="835152" y="1183640"/>
+          <a:ext cx="8156448" cy="5217160"/>
+        </p:xfrm>
+        <a:graphic>
+          <a:graphicData uri="http://schemas.openxmlformats.org/drawingml/2006/table">
+            <a:tbl>
+              <a:tblPr firstRow="1" bandRow="1">
+                <a:tableStyleId>{5C22544A-7EE6-4342-B048-85BDC9FD1C3A}</a:tableStyleId>
+              </a:tblPr>
+              <a:tblGrid>
+                <a:gridCol w="4803648">
+                  <a:extLst>
+                    <a:ext uri="{9D8B030D-6E8A-4147-A177-3AD203B41FA5}">
+                      <a16:colId xmlns:a16="http://schemas.microsoft.com/office/drawing/2014/main" val="1251328461"/>
+                    </a:ext>
+                  </a:extLst>
+                </a:gridCol>
+                <a:gridCol w="3352800">
+                  <a:extLst>
+                    <a:ext uri="{9D8B030D-6E8A-4147-A177-3AD203B41FA5}">
+                      <a16:colId xmlns:a16="http://schemas.microsoft.com/office/drawing/2014/main" val="2069697519"/>
+                    </a:ext>
+                  </a:extLst>
+                </a:gridCol>
+              </a:tblGrid>
+              <a:tr h="370840">
+                <a:tc>
+                  <a:txBody>
+                    <a:bodyPr/>
+                    <a:lstStyle/>
+                    <a:p>
+                      <a:r>
+                        <a:rPr lang="en-US" sz="2000" b="1" dirty="0"/>
+                        <a:t>Terrorist Group</a:t>
+                      </a:r>
+                    </a:p>
+                  </a:txBody>
+                  <a:tcPr/>
+                </a:tc>
+                <a:tc>
+                  <a:txBody>
+                    <a:bodyPr/>
+                    <a:lstStyle/>
+                    <a:p>
+                      <a:r>
+                        <a:rPr lang="en-US" sz="2000" b="1" dirty="0"/>
+                        <a:t>Number of Known Attacks</a:t>
+                      </a:r>
+                    </a:p>
+                  </a:txBody>
+                  <a:tcPr/>
+                </a:tc>
+                <a:extLst>
+                  <a:ext uri="{0D108BD9-81ED-4DB2-BD59-A6C34878D82A}">
+                    <a16:rowId xmlns:a16="http://schemas.microsoft.com/office/drawing/2014/main" val="1009795437"/>
+                  </a:ext>
+                </a:extLst>
+              </a:tr>
+              <a:tr h="370840">
+                <a:tc>
+                  <a:txBody>
+                    <a:bodyPr/>
+                    <a:lstStyle/>
+                    <a:p>
+                      <a:r>
+                        <a:rPr lang="en-US" sz="1800" dirty="0">
+                          <a:effectLst/>
+                        </a:rPr>
+                        <a:t>Al-Qaida in Iraq</a:t>
+                      </a:r>
+                    </a:p>
+                  </a:txBody>
+                  <a:tcPr marL="38100" marR="38100" marT="30480" marB="30480" anchor="ctr"/>
+                </a:tc>
+                <a:tc>
+                  <a:txBody>
+                    <a:bodyPr/>
+                    <a:lstStyle/>
+                    <a:p>
+                      <a:pPr algn="r"/>
+                      <a:r>
+                        <a:rPr lang="en-US" sz="1800" dirty="0">
+                          <a:effectLst/>
+                        </a:rPr>
+                        <a:t>599</a:t>
+                      </a:r>
+                    </a:p>
+                  </a:txBody>
+                  <a:tcPr marL="38100" marR="38100" marT="30480" marB="30480" anchor="ctr"/>
+                </a:tc>
+                <a:extLst>
+                  <a:ext uri="{0D108BD9-81ED-4DB2-BD59-A6C34878D82A}">
+                    <a16:rowId xmlns:a16="http://schemas.microsoft.com/office/drawing/2014/main" val="1848061333"/>
+                  </a:ext>
+                </a:extLst>
+              </a:tr>
+              <a:tr h="370840">
+                <a:tc>
+                  <a:txBody>
+                    <a:bodyPr/>
+                    <a:lstStyle/>
+                    <a:p>
+                      <a:r>
+                        <a:rPr lang="it-IT" sz="1800">
+                          <a:effectLst/>
+                        </a:rPr>
+                        <a:t>Al-Qaida in the Arabian Peninsula (AQAP)</a:t>
+                      </a:r>
+                    </a:p>
+                  </a:txBody>
+                  <a:tcPr marL="38100" marR="38100" marT="30480" marB="30480" anchor="ctr"/>
+                </a:tc>
+                <a:tc>
+                  <a:txBody>
+                    <a:bodyPr/>
+                    <a:lstStyle/>
+                    <a:p>
+                      <a:pPr algn="r"/>
+                      <a:r>
+                        <a:rPr lang="en-US" sz="1800">
+                          <a:effectLst/>
+                        </a:rPr>
+                        <a:t>883</a:t>
+                      </a:r>
+                    </a:p>
+                  </a:txBody>
+                  <a:tcPr marL="38100" marR="38100" marT="30480" marB="30480" anchor="ctr"/>
+                </a:tc>
+                <a:extLst>
+                  <a:ext uri="{0D108BD9-81ED-4DB2-BD59-A6C34878D82A}">
+                    <a16:rowId xmlns:a16="http://schemas.microsoft.com/office/drawing/2014/main" val="189407758"/>
+                  </a:ext>
+                </a:extLst>
+              </a:tr>
+              <a:tr h="370840">
+                <a:tc>
+                  <a:txBody>
+                    <a:bodyPr/>
+                    <a:lstStyle/>
+                    <a:p>
+                      <a:r>
+                        <a:rPr lang="en-US" sz="1800" dirty="0">
+                          <a:effectLst/>
+                        </a:rPr>
+                        <a:t>Al-Qaida in the Islamic Maghreb (AQIM)</a:t>
+                      </a:r>
+                    </a:p>
+                  </a:txBody>
+                  <a:tcPr marL="38100" marR="38100" marT="30480" marB="30480" anchor="ctr"/>
+                </a:tc>
+                <a:tc>
+                  <a:txBody>
+                    <a:bodyPr/>
+                    <a:lstStyle/>
+                    <a:p>
+                      <a:pPr algn="r"/>
+                      <a:r>
+                        <a:rPr lang="en-US" sz="1800" dirty="0">
+                          <a:effectLst/>
+                        </a:rPr>
+                        <a:t>232</a:t>
+                      </a:r>
+                    </a:p>
+                  </a:txBody>
+                  <a:tcPr marL="38100" marR="38100" marT="30480" marB="30480" anchor="ctr"/>
+                </a:tc>
+                <a:extLst>
+                  <a:ext uri="{0D108BD9-81ED-4DB2-BD59-A6C34878D82A}">
+                    <a16:rowId xmlns:a16="http://schemas.microsoft.com/office/drawing/2014/main" val="3584528073"/>
+                  </a:ext>
+                </a:extLst>
+              </a:tr>
+              <a:tr h="370840">
+                <a:tc>
+                  <a:txBody>
+                    <a:bodyPr/>
+                    <a:lstStyle/>
+                    <a:p>
+                      <a:r>
+                        <a:rPr lang="en-US" sz="1800">
+                          <a:effectLst/>
+                        </a:rPr>
+                        <a:t>Hamas (Islamic Resistance Movement)</a:t>
+                      </a:r>
+                    </a:p>
+                  </a:txBody>
+                  <a:tcPr marL="38100" marR="38100" marT="30480" marB="30480" anchor="ctr"/>
+                </a:tc>
+                <a:tc>
+                  <a:txBody>
+                    <a:bodyPr/>
+                    <a:lstStyle/>
+                    <a:p>
+                      <a:pPr algn="r"/>
+                      <a:r>
+                        <a:rPr lang="en-US" sz="1800" dirty="0">
+                          <a:effectLst/>
+                        </a:rPr>
+                        <a:t>291</a:t>
+                      </a:r>
+                    </a:p>
+                  </a:txBody>
+                  <a:tcPr marL="38100" marR="38100" marT="30480" marB="30480" anchor="ctr"/>
+                </a:tc>
+                <a:extLst>
+                  <a:ext uri="{0D108BD9-81ED-4DB2-BD59-A6C34878D82A}">
+                    <a16:rowId xmlns:a16="http://schemas.microsoft.com/office/drawing/2014/main" val="2120915403"/>
+                  </a:ext>
+                </a:extLst>
+              </a:tr>
+              <a:tr h="370840">
+                <a:tc>
+                  <a:txBody>
+                    <a:bodyPr/>
+                    <a:lstStyle/>
+                    <a:p>
+                      <a:r>
+                        <a:rPr lang="en-US" sz="1800">
+                          <a:effectLst/>
+                        </a:rPr>
+                        <a:t>Hezbollah</a:t>
+                      </a:r>
+                    </a:p>
+                  </a:txBody>
+                  <a:tcPr marL="38100" marR="38100" marT="30480" marB="30480" anchor="ctr"/>
+                </a:tc>
+                <a:tc>
+                  <a:txBody>
+                    <a:bodyPr/>
+                    <a:lstStyle/>
+                    <a:p>
+                      <a:pPr algn="r"/>
+                      <a:r>
+                        <a:rPr lang="en-US" sz="1800" dirty="0">
+                          <a:effectLst/>
+                        </a:rPr>
+                        <a:t>111</a:t>
+                      </a:r>
+                    </a:p>
+                  </a:txBody>
+                  <a:tcPr marL="38100" marR="38100" marT="30480" marB="30480" anchor="ctr"/>
+                </a:tc>
+                <a:extLst>
+                  <a:ext uri="{0D108BD9-81ED-4DB2-BD59-A6C34878D82A}">
+                    <a16:rowId xmlns:a16="http://schemas.microsoft.com/office/drawing/2014/main" val="1245415448"/>
+                  </a:ext>
+                </a:extLst>
+              </a:tr>
+              <a:tr h="370840">
+                <a:tc>
+                  <a:txBody>
+                    <a:bodyPr/>
+                    <a:lstStyle/>
+                    <a:p>
+                      <a:r>
+                        <a:rPr lang="en-US" sz="1800" dirty="0">
+                          <a:effectLst/>
+                        </a:rPr>
+                        <a:t>Islamic State of Iraq and the Levant (ISIL)</a:t>
+                      </a:r>
+                    </a:p>
+                  </a:txBody>
+                  <a:tcPr marL="38100" marR="38100" marT="30480" marB="30480" anchor="ctr"/>
+                </a:tc>
+                <a:tc>
+                  <a:txBody>
+                    <a:bodyPr/>
+                    <a:lstStyle/>
+                    <a:p>
+                      <a:pPr algn="r"/>
+                      <a:r>
+                        <a:rPr lang="en-US" sz="1800" dirty="0">
+                          <a:effectLst/>
+                        </a:rPr>
+                        <a:t>4,286</a:t>
+                      </a:r>
+                    </a:p>
+                  </a:txBody>
+                  <a:tcPr marL="38100" marR="38100" marT="30480" marB="30480" anchor="ctr"/>
+                </a:tc>
+                <a:extLst>
+                  <a:ext uri="{0D108BD9-81ED-4DB2-BD59-A6C34878D82A}">
+                    <a16:rowId xmlns:a16="http://schemas.microsoft.com/office/drawing/2014/main" val="3798587476"/>
+                  </a:ext>
+                </a:extLst>
+              </a:tr>
+              <a:tr h="370840">
+                <a:tc>
+                  <a:txBody>
+                    <a:bodyPr/>
+                    <a:lstStyle/>
+                    <a:p>
+                      <a:r>
+                        <a:rPr lang="en-US" sz="1800">
+                          <a:effectLst/>
+                        </a:rPr>
+                        <a:t>Kurdistan Workers' Party (PKK)</a:t>
+                      </a:r>
+                    </a:p>
+                  </a:txBody>
+                  <a:tcPr marL="38100" marR="38100" marT="30480" marB="30480" anchor="ctr"/>
+                </a:tc>
+                <a:tc>
+                  <a:txBody>
+                    <a:bodyPr/>
+                    <a:lstStyle/>
+                    <a:p>
+                      <a:pPr algn="r"/>
+                      <a:r>
+                        <a:rPr lang="en-US" sz="1800" dirty="0">
+                          <a:effectLst/>
+                        </a:rPr>
+                        <a:t>1,080</a:t>
+                      </a:r>
+                    </a:p>
+                  </a:txBody>
+                  <a:tcPr marL="38100" marR="38100" marT="30480" marB="30480" anchor="ctr"/>
+                </a:tc>
+                <a:extLst>
+                  <a:ext uri="{0D108BD9-81ED-4DB2-BD59-A6C34878D82A}">
+                    <a16:rowId xmlns:a16="http://schemas.microsoft.com/office/drawing/2014/main" val="2598815013"/>
+                  </a:ext>
+                </a:extLst>
+              </a:tr>
+              <a:tr h="370840">
+                <a:tc>
+                  <a:txBody>
+                    <a:bodyPr/>
+                    <a:lstStyle/>
+                    <a:p>
+                      <a:r>
+                        <a:rPr lang="en-US" sz="1800">
+                          <a:effectLst/>
+                        </a:rPr>
+                        <a:t>Liberation Tigers of Tamil Eelam (LTTE)</a:t>
+                      </a:r>
+                    </a:p>
+                  </a:txBody>
+                  <a:tcPr marL="38100" marR="38100" marT="30480" marB="30480" anchor="ctr"/>
+                </a:tc>
+                <a:tc>
+                  <a:txBody>
+                    <a:bodyPr/>
+                    <a:lstStyle/>
+                    <a:p>
+                      <a:pPr algn="r"/>
+                      <a:r>
+                        <a:rPr lang="en-US" sz="1800" dirty="0">
+                          <a:effectLst/>
+                        </a:rPr>
+                        <a:t>591</a:t>
+                      </a:r>
+                    </a:p>
+                  </a:txBody>
+                  <a:tcPr marL="38100" marR="38100" marT="30480" marB="30480" anchor="ctr"/>
+                </a:tc>
+                <a:extLst>
+                  <a:ext uri="{0D108BD9-81ED-4DB2-BD59-A6C34878D82A}">
+                    <a16:rowId xmlns:a16="http://schemas.microsoft.com/office/drawing/2014/main" val="4158578469"/>
+                  </a:ext>
+                </a:extLst>
+              </a:tr>
+              <a:tr h="370840">
+                <a:tc>
+                  <a:txBody>
+                    <a:bodyPr/>
+                    <a:lstStyle/>
+                    <a:p>
+                      <a:r>
+                        <a:rPr lang="en-US" sz="1800">
+                          <a:effectLst/>
+                        </a:rPr>
+                        <a:t>New People's Army (NPA)</a:t>
+                      </a:r>
+                    </a:p>
+                  </a:txBody>
+                  <a:tcPr marL="38100" marR="38100" marT="30480" marB="30480" anchor="ctr"/>
+                </a:tc>
+                <a:tc>
+                  <a:txBody>
+                    <a:bodyPr/>
+                    <a:lstStyle/>
+                    <a:p>
+                      <a:pPr algn="r"/>
+                      <a:r>
+                        <a:rPr lang="en-US" sz="1800" dirty="0">
+                          <a:effectLst/>
+                        </a:rPr>
+                        <a:t>1,560</a:t>
+                      </a:r>
+                    </a:p>
+                  </a:txBody>
+                  <a:tcPr marL="38100" marR="38100" marT="30480" marB="30480" anchor="ctr"/>
+                </a:tc>
+                <a:extLst>
+                  <a:ext uri="{0D108BD9-81ED-4DB2-BD59-A6C34878D82A}">
+                    <a16:rowId xmlns:a16="http://schemas.microsoft.com/office/drawing/2014/main" val="3014755430"/>
+                  </a:ext>
+                </a:extLst>
+              </a:tr>
+              <a:tr h="370840">
+                <a:tc>
+                  <a:txBody>
+                    <a:bodyPr/>
+                    <a:lstStyle/>
+                    <a:p>
+                      <a:r>
+                        <a:rPr lang="en-US" sz="1800">
+                          <a:effectLst/>
+                        </a:rPr>
+                        <a:t>Revolutionary Armed Forces of Colombia (FARC)</a:t>
+                      </a:r>
+                    </a:p>
+                  </a:txBody>
+                  <a:tcPr marL="38100" marR="38100" marT="30480" marB="30480" anchor="ctr"/>
+                </a:tc>
+                <a:tc>
+                  <a:txBody>
+                    <a:bodyPr/>
+                    <a:lstStyle/>
+                    <a:p>
+                      <a:pPr algn="r"/>
+                      <a:r>
+                        <a:rPr lang="en-US" sz="1800">
+                          <a:effectLst/>
+                        </a:rPr>
+                        <a:t>1124</a:t>
+                      </a:r>
+                    </a:p>
+                  </a:txBody>
+                  <a:tcPr marL="38100" marR="38100" marT="30480" marB="30480" anchor="ctr"/>
+                </a:tc>
+                <a:extLst>
+                  <a:ext uri="{0D108BD9-81ED-4DB2-BD59-A6C34878D82A}">
+                    <a16:rowId xmlns:a16="http://schemas.microsoft.com/office/drawing/2014/main" val="240249486"/>
+                  </a:ext>
+                </a:extLst>
+              </a:tr>
+              <a:tr h="370840">
+                <a:tc>
+                  <a:txBody>
+                    <a:bodyPr/>
+                    <a:lstStyle/>
+                    <a:p>
+                      <a:r>
+                        <a:rPr lang="en-US" sz="1800">
+                          <a:effectLst/>
+                        </a:rPr>
+                        <a:t>Salafist Group for Preaching and Fighting (GSPC)</a:t>
+                      </a:r>
+                    </a:p>
+                  </a:txBody>
+                  <a:tcPr marL="38100" marR="38100" marT="30480" marB="30480" anchor="ctr"/>
+                </a:tc>
+                <a:tc>
+                  <a:txBody>
+                    <a:bodyPr/>
+                    <a:lstStyle/>
+                    <a:p>
+                      <a:pPr algn="r"/>
+                      <a:r>
+                        <a:rPr lang="en-US" sz="1800">
+                          <a:effectLst/>
+                        </a:rPr>
+                        <a:t>182</a:t>
+                      </a:r>
+                    </a:p>
+                  </a:txBody>
+                  <a:tcPr marL="38100" marR="38100" marT="30480" marB="30480" anchor="ctr"/>
+                </a:tc>
+                <a:extLst>
+                  <a:ext uri="{0D108BD9-81ED-4DB2-BD59-A6C34878D82A}">
+                    <a16:rowId xmlns:a16="http://schemas.microsoft.com/office/drawing/2014/main" val="2866686463"/>
+                  </a:ext>
+                </a:extLst>
+              </a:tr>
+              <a:tr h="370840">
+                <a:tc>
+                  <a:txBody>
+                    <a:bodyPr/>
+                    <a:lstStyle/>
+                    <a:p>
+                      <a:r>
+                        <a:rPr lang="en-US" sz="1800">
+                          <a:effectLst/>
+                        </a:rPr>
+                        <a:t>Taliban</a:t>
+                      </a:r>
+                    </a:p>
+                  </a:txBody>
+                  <a:tcPr marL="38100" marR="38100" marT="30480" marB="30480" anchor="ctr"/>
+                </a:tc>
+                <a:tc>
+                  <a:txBody>
+                    <a:bodyPr/>
+                    <a:lstStyle/>
+                    <a:p>
+                      <a:pPr algn="r"/>
+                      <a:r>
+                        <a:rPr lang="en-US" sz="1800" dirty="0">
+                          <a:effectLst/>
+                        </a:rPr>
+                        <a:t>5,877</a:t>
+                      </a:r>
+                    </a:p>
+                  </a:txBody>
+                  <a:tcPr marL="38100" marR="38100" marT="30480" marB="30480" anchor="ctr"/>
+                </a:tc>
+                <a:extLst>
+                  <a:ext uri="{0D108BD9-81ED-4DB2-BD59-A6C34878D82A}">
+                    <a16:rowId xmlns:a16="http://schemas.microsoft.com/office/drawing/2014/main" val="1624249066"/>
+                  </a:ext>
+                </a:extLst>
+              </a:tr>
+              <a:tr h="370840">
+                <a:tc>
+                  <a:txBody>
+                    <a:bodyPr/>
+                    <a:lstStyle/>
+                    <a:p>
+                      <a:r>
+                        <a:rPr lang="en-US" sz="1800" dirty="0" err="1">
+                          <a:effectLst/>
+                        </a:rPr>
+                        <a:t>Tehrik</a:t>
+                      </a:r>
+                      <a:r>
+                        <a:rPr lang="en-US" sz="1800" dirty="0">
+                          <a:effectLst/>
+                        </a:rPr>
+                        <a:t>-</a:t>
+                      </a:r>
+                      <a:r>
+                        <a:rPr lang="en-US" sz="1800" dirty="0" err="1">
+                          <a:effectLst/>
+                        </a:rPr>
+                        <a:t>i</a:t>
+                      </a:r>
+                      <a:r>
+                        <a:rPr lang="en-US" sz="1800" dirty="0">
+                          <a:effectLst/>
+                        </a:rPr>
+                        <a:t>-Taliban Pakistan (TTP)</a:t>
+                      </a:r>
+                    </a:p>
+                  </a:txBody>
+                  <a:tcPr marL="38100" marR="38100" marT="30480" marB="30480" anchor="ctr"/>
+                </a:tc>
+                <a:tc>
+                  <a:txBody>
+                    <a:bodyPr/>
+                    <a:lstStyle/>
+                    <a:p>
+                      <a:pPr algn="r"/>
+                      <a:r>
+                        <a:rPr lang="en-US" sz="1800" dirty="0">
+                          <a:effectLst/>
+                        </a:rPr>
+                        <a:t>1239</a:t>
+                      </a:r>
+                    </a:p>
+                  </a:txBody>
+                  <a:tcPr marL="38100" marR="38100" marT="30480" marB="30480" anchor="ctr"/>
+                </a:tc>
+                <a:extLst>
+                  <a:ext uri="{0D108BD9-81ED-4DB2-BD59-A6C34878D82A}">
+                    <a16:rowId xmlns:a16="http://schemas.microsoft.com/office/drawing/2014/main" val="3550190277"/>
+                  </a:ext>
+                </a:extLst>
+              </a:tr>
+            </a:tbl>
+          </a:graphicData>
+        </a:graphic>
+      </p:graphicFrame>
     </p:spTree>
     <p:extLst>
       <p:ext uri="{BB962C8B-B14F-4D97-AF65-F5344CB8AC3E}">

--- a/presentation/gtdb-final-presentation.pptx
+++ b/presentation/gtdb-final-presentation.pptx
@@ -5,7 +5,7 @@
     <p:sldMasterId id="2147483803" r:id="rId1"/>
   </p:sldMasterIdLst>
   <p:notesMasterIdLst>
-    <p:notesMasterId r:id="rId52"/>
+    <p:notesMasterId r:id="rId53"/>
   </p:notesMasterIdLst>
   <p:sldIdLst>
     <p:sldId id="256" r:id="rId2"/>
@@ -55,9 +55,10 @@
     <p:sldId id="315" r:id="rId46"/>
     <p:sldId id="316" r:id="rId47"/>
     <p:sldId id="319" r:id="rId48"/>
-    <p:sldId id="314" r:id="rId49"/>
-    <p:sldId id="265" r:id="rId50"/>
-    <p:sldId id="318" r:id="rId51"/>
+    <p:sldId id="320" r:id="rId49"/>
+    <p:sldId id="314" r:id="rId50"/>
+    <p:sldId id="265" r:id="rId51"/>
+    <p:sldId id="318" r:id="rId52"/>
   </p:sldIdLst>
   <p:sldSz cx="9144000" cy="6858000" type="screen4x3"/>
   <p:notesSz cx="6858000" cy="9144000"/>
@@ -216,6 +217,7 @@
             <p14:sldId id="315"/>
             <p14:sldId id="316"/>
             <p14:sldId id="319"/>
+            <p14:sldId id="320"/>
             <p14:sldId id="314"/>
           </p14:sldIdLst>
         </p14:section>
@@ -7491,7 +7493,7 @@
           <a:graphicData uri="http://schemas.openxmlformats.org/presentationml/2006/ole">
             <mc:AlternateContent xmlns:mc="http://schemas.openxmlformats.org/markup-compatibility/2006">
               <mc:Choice xmlns:v="urn:schemas-microsoft-com:vml" Requires="v">
-                <p:oleObj spid="_x0000_s2146" name="Worksheet" r:id="rId4" imgW="1923884" imgH="933476" progId="Excel.Sheet.12">
+                <p:oleObj spid="_x0000_s2155" name="Worksheet" r:id="rId4" imgW="1923884" imgH="933476" progId="Excel.Sheet.12">
                   <p:embed/>
                 </p:oleObj>
               </mc:Choice>
@@ -7915,7 +7917,7 @@
           <a:graphicData uri="http://schemas.openxmlformats.org/presentationml/2006/ole">
             <mc:AlternateContent xmlns:mc="http://schemas.openxmlformats.org/markup-compatibility/2006">
               <mc:Choice xmlns:v="urn:schemas-microsoft-com:vml" Requires="v">
-                <p:oleObj spid="_x0000_s1224" name="Worksheet" r:id="rId3" imgW="1466857" imgH="771525" progId="Excel.Sheet.12">
+                <p:oleObj spid="_x0000_s1242" name="Worksheet" r:id="rId3" imgW="1466857" imgH="771525" progId="Excel.Sheet.12">
                   <p:embed/>
                 </p:oleObj>
               </mc:Choice>
@@ -7978,7 +7980,7 @@
           <a:graphicData uri="http://schemas.openxmlformats.org/presentationml/2006/ole">
             <mc:AlternateContent xmlns:mc="http://schemas.openxmlformats.org/markup-compatibility/2006">
               <mc:Choice xmlns:v="urn:schemas-microsoft-com:vml" Requires="v">
-                <p:oleObj spid="_x0000_s1225" name="Worksheet" r:id="rId5" imgW="1466857" imgH="771525" progId="Excel.Sheet.12">
+                <p:oleObj spid="_x0000_s1243" name="Worksheet" r:id="rId5" imgW="1466857" imgH="771525" progId="Excel.Sheet.12">
                   <p:embed/>
                 </p:oleObj>
               </mc:Choice>
@@ -8678,7 +8680,7 @@
           <a:graphicData uri="http://schemas.openxmlformats.org/presentationml/2006/ole">
             <mc:AlternateContent xmlns:mc="http://schemas.openxmlformats.org/markup-compatibility/2006">
               <mc:Choice xmlns:v="urn:schemas-microsoft-com:vml" Requires="v">
-                <p:oleObj spid="_x0000_s3167" name="Worksheet" r:id="rId5" imgW="1923884" imgH="933476" progId="Excel.Sheet.12">
+                <p:oleObj spid="_x0000_s3176" name="Worksheet" r:id="rId5" imgW="1923884" imgH="933476" progId="Excel.Sheet.12">
                   <p:embed/>
                 </p:oleObj>
               </mc:Choice>
@@ -32802,10 +32804,10 @@
       </p:sp>
       <p:pic>
         <p:nvPicPr>
-          <p:cNvPr id="9" name="Content Placeholder 8" descr="A close up of a map&#10;&#10;Description automatically generated">
+          <p:cNvPr id="13" name="Content Placeholder 12" descr="A close up of a map&#10;&#10;Description automatically generated">
             <a:extLst>
               <a:ext uri="{FF2B5EF4-FFF2-40B4-BE49-F238E27FC236}">
-                <a16:creationId xmlns:a16="http://schemas.microsoft.com/office/drawing/2014/main" id="{B07A9827-4AE4-4874-BC67-80FEE7F8FAC2}"/>
+                <a16:creationId xmlns:a16="http://schemas.microsoft.com/office/drawing/2014/main" id="{05349F50-A4CA-44EE-A3A0-B4029551595A}"/>
               </a:ext>
             </a:extLst>
           </p:cNvPr>
@@ -32830,8 +32832,8 @@
         </p:blipFill>
         <p:spPr>
           <a:xfrm>
-            <a:off x="723900" y="965200"/>
-            <a:ext cx="8267700" cy="5511800"/>
+            <a:off x="619625" y="990600"/>
+            <a:ext cx="8458200" cy="5638800"/>
           </a:xfrm>
         </p:spPr>
       </p:pic>
@@ -32902,22 +32904,20 @@
       </p:sp>
       <p:pic>
         <p:nvPicPr>
-          <p:cNvPr id="5" name="Content Placeholder 4" descr="A close up of a map&#10;&#10;Description automatically generated">
+          <p:cNvPr id="10" name="Picture 9" descr="A screenshot of a cell phone&#10;&#10;Description automatically generated">
             <a:extLst>
               <a:ext uri="{FF2B5EF4-FFF2-40B4-BE49-F238E27FC236}">
-                <a16:creationId xmlns:a16="http://schemas.microsoft.com/office/drawing/2014/main" id="{35B7291A-A79E-4C24-810B-42A44B0A84C6}"/>
+                <a16:creationId xmlns:a16="http://schemas.microsoft.com/office/drawing/2014/main" id="{DAE8C101-5AC4-4E72-9F21-F972CB5E644A}"/>
               </a:ext>
             </a:extLst>
           </p:cNvPr>
           <p:cNvPicPr>
-            <a:picLocks noGrp="1" noChangeAspect="1"/>
+            <a:picLocks noChangeAspect="1"/>
           </p:cNvPicPr>
-          <p:nvPr>
-            <p:ph idx="1"/>
-          </p:nvPr>
+          <p:nvPr/>
         </p:nvPicPr>
-        <p:blipFill>
-          <a:blip r:embed="rId2" cstate="print">
+        <p:blipFill rotWithShape="1">
+          <a:blip r:embed="rId2">
             <a:clrChange>
               <a:clrFrom>
                 <a:srgbClr val="FFFFFF"/>
@@ -32934,23 +32934,25 @@
               </a:ext>
             </a:extLst>
           </a:blip>
-          <a:stretch>
-            <a:fillRect/>
-          </a:stretch>
+          <a:srcRect l="12667" t="28889" r="13555" b="30000"/>
+          <a:stretch/>
         </p:blipFill>
         <p:spPr>
           <a:xfrm>
-            <a:off x="1219200" y="1336123"/>
-            <a:ext cx="7391400" cy="5445677"/>
+            <a:off x="1214267" y="2133600"/>
+            <a:ext cx="7350211" cy="3276600"/>
           </a:xfrm>
+          <a:prstGeom prst="rect">
+            <a:avLst/>
+          </a:prstGeom>
         </p:spPr>
       </p:pic>
       <p:sp>
         <p:nvSpPr>
-          <p:cNvPr id="6" name="TextBox 5">
+          <p:cNvPr id="11" name="TextBox 10">
             <a:extLst>
               <a:ext uri="{FF2B5EF4-FFF2-40B4-BE49-F238E27FC236}">
-                <a16:creationId xmlns:a16="http://schemas.microsoft.com/office/drawing/2014/main" id="{097F2A16-D018-43C2-A8E1-EBF952D70D0F}"/>
+                <a16:creationId xmlns:a16="http://schemas.microsoft.com/office/drawing/2014/main" id="{4ACD9757-A057-408B-B6A3-661C9CC56CB3}"/>
               </a:ext>
             </a:extLst>
           </p:cNvPr>
@@ -32959,29 +32961,13 @@
         </p:nvSpPr>
         <p:spPr>
           <a:xfrm>
-            <a:off x="5486400" y="2819400"/>
-            <a:ext cx="2209800" cy="369332"/>
+            <a:off x="6799305" y="1563263"/>
+            <a:ext cx="1130428" cy="584775"/>
           </a:xfrm>
           <a:prstGeom prst="rect">
             <a:avLst/>
           </a:prstGeom>
-          <a:solidFill>
-            <a:schemeClr val="bg1">
-              <a:lumMod val="85000"/>
-            </a:schemeClr>
-          </a:solidFill>
-          <a:ln>
-            <a:solidFill>
-              <a:schemeClr val="tx1"/>
-            </a:solidFill>
-          </a:ln>
-          <a:effectLst>
-            <a:outerShdw blurRad="76200" dist="12700" dir="8100000" sy="-23000" kx="800400" algn="br" rotWithShape="0">
-              <a:prstClr val="black">
-                <a:alpha val="20000"/>
-              </a:prstClr>
-            </a:outerShdw>
-          </a:effectLst>
+          <a:noFill/>
         </p:spPr>
         <p:txBody>
           <a:bodyPr wrap="square" rtlCol="0">
@@ -32990,12 +32976,12 @@
           <a:lstStyle/>
           <a:p>
             <a:r>
-              <a:rPr lang="en-US" b="1" dirty="0">
+              <a:rPr lang="en-US" sz="3200" dirty="0">
                 <a:solidFill>
                   <a:srgbClr val="FF0000"/>
                 </a:solidFill>
               </a:rPr>
-              <a:t>Only Uses Cluster Id!</a:t>
+              <a:t>Yuck!</a:t>
             </a:r>
           </a:p>
         </p:txBody>
@@ -33125,6 +33111,322 @@
           <p:cNvPr id="2" name="Title 1">
             <a:extLst>
               <a:ext uri="{FF2B5EF4-FFF2-40B4-BE49-F238E27FC236}">
+                <a16:creationId xmlns:a16="http://schemas.microsoft.com/office/drawing/2014/main" id="{325ACEB5-C8FD-42CA-A5AD-4958821DA483}"/>
+              </a:ext>
+            </a:extLst>
+          </p:cNvPr>
+          <p:cNvSpPr>
+            <a:spLocks noGrp="1"/>
+          </p:cNvSpPr>
+          <p:nvPr>
+            <p:ph type="title"/>
+          </p:nvPr>
+        </p:nvSpPr>
+        <p:spPr/>
+        <p:txBody>
+          <a:bodyPr/>
+          <a:lstStyle/>
+          <a:p>
+            <a:r>
+              <a:rPr lang="en-US" dirty="0"/>
+              <a:t>LDA Results</a:t>
+            </a:r>
+          </a:p>
+        </p:txBody>
+      </p:sp>
+      <p:pic>
+        <p:nvPicPr>
+          <p:cNvPr id="5" name="Picture 4">
+            <a:extLst>
+              <a:ext uri="{FF2B5EF4-FFF2-40B4-BE49-F238E27FC236}">
+                <a16:creationId xmlns:a16="http://schemas.microsoft.com/office/drawing/2014/main" id="{0000F699-8FFA-4343-BEC1-014AB74CD93F}"/>
+              </a:ext>
+            </a:extLst>
+          </p:cNvPr>
+          <p:cNvPicPr>
+            <a:picLocks noChangeAspect="1"/>
+          </p:cNvPicPr>
+          <p:nvPr/>
+        </p:nvPicPr>
+        <p:blipFill>
+          <a:blip r:embed="rId2">
+            <a:extLst>
+              <a:ext uri="{BEBA8EAE-BF5A-486C-A8C5-ECC9F3942E4B}">
+                <a14:imgProps xmlns:a14="http://schemas.microsoft.com/office/drawing/2010/main">
+                  <a14:imgLayer r:embed="rId3">
+                    <a14:imgEffect>
+                      <a14:saturation sat="400000"/>
+                    </a14:imgEffect>
+                  </a14:imgLayer>
+                </a14:imgProps>
+              </a:ext>
+            </a:extLst>
+          </a:blip>
+          <a:stretch>
+            <a:fillRect/>
+          </a:stretch>
+        </p:blipFill>
+        <p:spPr>
+          <a:xfrm>
+            <a:off x="609600" y="1371600"/>
+            <a:ext cx="8458200" cy="2562507"/>
+          </a:xfrm>
+          <a:prstGeom prst="rect">
+            <a:avLst/>
+          </a:prstGeom>
+        </p:spPr>
+      </p:pic>
+      <p:sp>
+        <p:nvSpPr>
+          <p:cNvPr id="6" name="Rectangle 5">
+            <a:extLst>
+              <a:ext uri="{FF2B5EF4-FFF2-40B4-BE49-F238E27FC236}">
+                <a16:creationId xmlns:a16="http://schemas.microsoft.com/office/drawing/2014/main" id="{0B5B5843-4EA4-469D-9D10-EAFD070A0D43}"/>
+              </a:ext>
+            </a:extLst>
+          </p:cNvPr>
+          <p:cNvSpPr/>
+          <p:nvPr/>
+        </p:nvSpPr>
+        <p:spPr>
+          <a:xfrm>
+            <a:off x="7086600" y="3429001"/>
+            <a:ext cx="913197" cy="395148"/>
+          </a:xfrm>
+          <a:prstGeom prst="rect">
+            <a:avLst/>
+          </a:prstGeom>
+          <a:solidFill>
+            <a:srgbClr val="FFFF00">
+              <a:alpha val="25098"/>
+            </a:srgbClr>
+          </a:solidFill>
+          <a:ln>
+            <a:noFill/>
+          </a:ln>
+        </p:spPr>
+        <p:style>
+          <a:lnRef idx="2">
+            <a:schemeClr val="accent1">
+              <a:shade val="50000"/>
+            </a:schemeClr>
+          </a:lnRef>
+          <a:fillRef idx="1">
+            <a:schemeClr val="accent1"/>
+          </a:fillRef>
+          <a:effectRef idx="0">
+            <a:schemeClr val="accent1"/>
+          </a:effectRef>
+          <a:fontRef idx="minor">
+            <a:schemeClr val="lt1"/>
+          </a:fontRef>
+        </p:style>
+        <p:txBody>
+          <a:bodyPr rtlCol="0" anchor="ctr"/>
+          <a:lstStyle/>
+          <a:p>
+            <a:pPr algn="ctr"/>
+            <a:endParaRPr lang="en-US"/>
+          </a:p>
+        </p:txBody>
+      </p:sp>
+      <p:sp>
+        <p:nvSpPr>
+          <p:cNvPr id="7" name="Rectangle 6">
+            <a:extLst>
+              <a:ext uri="{FF2B5EF4-FFF2-40B4-BE49-F238E27FC236}">
+                <a16:creationId xmlns:a16="http://schemas.microsoft.com/office/drawing/2014/main" id="{5DB2B41F-F36E-4DFD-BA87-865DE4CE193B}"/>
+              </a:ext>
+            </a:extLst>
+          </p:cNvPr>
+          <p:cNvSpPr/>
+          <p:nvPr/>
+        </p:nvSpPr>
+        <p:spPr>
+          <a:xfrm>
+            <a:off x="8077200" y="3429001"/>
+            <a:ext cx="913197" cy="395148"/>
+          </a:xfrm>
+          <a:prstGeom prst="rect">
+            <a:avLst/>
+          </a:prstGeom>
+          <a:solidFill>
+            <a:srgbClr val="FFFF00">
+              <a:alpha val="25098"/>
+            </a:srgbClr>
+          </a:solidFill>
+          <a:ln>
+            <a:noFill/>
+          </a:ln>
+        </p:spPr>
+        <p:style>
+          <a:lnRef idx="2">
+            <a:schemeClr val="accent1">
+              <a:shade val="50000"/>
+            </a:schemeClr>
+          </a:lnRef>
+          <a:fillRef idx="1">
+            <a:schemeClr val="accent1"/>
+          </a:fillRef>
+          <a:effectRef idx="0">
+            <a:schemeClr val="accent1"/>
+          </a:effectRef>
+          <a:fontRef idx="minor">
+            <a:schemeClr val="lt1"/>
+          </a:fontRef>
+        </p:style>
+        <p:txBody>
+          <a:bodyPr rtlCol="0" anchor="ctr"/>
+          <a:lstStyle/>
+          <a:p>
+            <a:pPr algn="ctr"/>
+            <a:endParaRPr lang="en-US"/>
+          </a:p>
+        </p:txBody>
+      </p:sp>
+      <p:sp>
+        <p:nvSpPr>
+          <p:cNvPr id="8" name="Rectangle 7">
+            <a:extLst>
+              <a:ext uri="{FF2B5EF4-FFF2-40B4-BE49-F238E27FC236}">
+                <a16:creationId xmlns:a16="http://schemas.microsoft.com/office/drawing/2014/main" id="{EB7519C9-77C9-45D3-84E5-420E7521B7DB}"/>
+              </a:ext>
+            </a:extLst>
+          </p:cNvPr>
+          <p:cNvSpPr/>
+          <p:nvPr/>
+        </p:nvSpPr>
+        <p:spPr>
+          <a:xfrm>
+            <a:off x="8009422" y="2572351"/>
+            <a:ext cx="913197" cy="395148"/>
+          </a:xfrm>
+          <a:prstGeom prst="rect">
+            <a:avLst/>
+          </a:prstGeom>
+          <a:solidFill>
+            <a:srgbClr val="FFFF00">
+              <a:alpha val="25098"/>
+            </a:srgbClr>
+          </a:solidFill>
+          <a:ln>
+            <a:noFill/>
+          </a:ln>
+        </p:spPr>
+        <p:style>
+          <a:lnRef idx="2">
+            <a:schemeClr val="accent1">
+              <a:shade val="50000"/>
+            </a:schemeClr>
+          </a:lnRef>
+          <a:fillRef idx="1">
+            <a:schemeClr val="accent1"/>
+          </a:fillRef>
+          <a:effectRef idx="0">
+            <a:schemeClr val="accent1"/>
+          </a:effectRef>
+          <a:fontRef idx="minor">
+            <a:schemeClr val="lt1"/>
+          </a:fontRef>
+        </p:style>
+        <p:txBody>
+          <a:bodyPr rtlCol="0" anchor="ctr"/>
+          <a:lstStyle/>
+          <a:p>
+            <a:pPr algn="ctr"/>
+            <a:endParaRPr lang="en-US"/>
+          </a:p>
+        </p:txBody>
+      </p:sp>
+      <p:sp>
+        <p:nvSpPr>
+          <p:cNvPr id="9" name="Rectangle 8">
+            <a:extLst>
+              <a:ext uri="{FF2B5EF4-FFF2-40B4-BE49-F238E27FC236}">
+                <a16:creationId xmlns:a16="http://schemas.microsoft.com/office/drawing/2014/main" id="{7E3F4E9A-DA4E-42D5-9354-55CD7D484F0C}"/>
+              </a:ext>
+            </a:extLst>
+          </p:cNvPr>
+          <p:cNvSpPr/>
+          <p:nvPr/>
+        </p:nvSpPr>
+        <p:spPr>
+          <a:xfrm>
+            <a:off x="1028700" y="2585478"/>
+            <a:ext cx="913197" cy="395148"/>
+          </a:xfrm>
+          <a:prstGeom prst="rect">
+            <a:avLst/>
+          </a:prstGeom>
+          <a:solidFill>
+            <a:srgbClr val="FFFF00">
+              <a:alpha val="25098"/>
+            </a:srgbClr>
+          </a:solidFill>
+          <a:ln>
+            <a:noFill/>
+          </a:ln>
+        </p:spPr>
+        <p:style>
+          <a:lnRef idx="2">
+            <a:schemeClr val="accent1">
+              <a:shade val="50000"/>
+            </a:schemeClr>
+          </a:lnRef>
+          <a:fillRef idx="1">
+            <a:schemeClr val="accent1"/>
+          </a:fillRef>
+          <a:effectRef idx="0">
+            <a:schemeClr val="accent1"/>
+          </a:effectRef>
+          <a:fontRef idx="minor">
+            <a:schemeClr val="lt1"/>
+          </a:fontRef>
+        </p:style>
+        <p:txBody>
+          <a:bodyPr rtlCol="0" anchor="ctr"/>
+          <a:lstStyle/>
+          <a:p>
+            <a:pPr algn="ctr"/>
+            <a:endParaRPr lang="en-US"/>
+          </a:p>
+        </p:txBody>
+      </p:sp>
+    </p:spTree>
+    <p:extLst>
+      <p:ext uri="{BB962C8B-B14F-4D97-AF65-F5344CB8AC3E}">
+        <p14:creationId xmlns:p14="http://schemas.microsoft.com/office/powerpoint/2010/main" val="2576541705"/>
+      </p:ext>
+    </p:extLst>
+  </p:cSld>
+  <p:clrMapOvr>
+    <a:masterClrMapping/>
+  </p:clrMapOvr>
+</p:sld>
+</file>
+
+<file path=ppt/slides/slide49.xml><?xml version="1.0" encoding="utf-8"?>
+<p:sld xmlns:a="http://schemas.openxmlformats.org/drawingml/2006/main" xmlns:r="http://schemas.openxmlformats.org/officeDocument/2006/relationships" xmlns:p="http://schemas.openxmlformats.org/presentationml/2006/main">
+  <p:cSld>
+    <p:spTree>
+      <p:nvGrpSpPr>
+        <p:cNvPr id="1" name=""/>
+        <p:cNvGrpSpPr/>
+        <p:nvPr/>
+      </p:nvGrpSpPr>
+      <p:grpSpPr>
+        <a:xfrm>
+          <a:off x="0" y="0"/>
+          <a:ext cx="0" cy="0"/>
+          <a:chOff x="0" y="0"/>
+          <a:chExt cx="0" cy="0"/>
+        </a:xfrm>
+      </p:grpSpPr>
+      <p:sp>
+        <p:nvSpPr>
+          <p:cNvPr id="2" name="Title 1">
+            <a:extLst>
+              <a:ext uri="{FF2B5EF4-FFF2-40B4-BE49-F238E27FC236}">
                 <a16:creationId xmlns:a16="http://schemas.microsoft.com/office/drawing/2014/main" id="{E62E5D45-30DB-442B-9BA1-2117314EB5E5}"/>
               </a:ext>
             </a:extLst>
@@ -33148,8 +33450,8 @@
           </a:p>
         </p:txBody>
       </p:sp>
-      <mc:AlternateContent xmlns:mc="http://schemas.openxmlformats.org/markup-compatibility/2006" xmlns:a14="http://schemas.microsoft.com/office/drawing/2010/main">
-        <mc:Choice Requires="a14">
+      <mc:AlternateContent xmlns:mc="http://schemas.openxmlformats.org/markup-compatibility/2006">
+        <mc:Choice xmlns:a14="http://schemas.microsoft.com/office/drawing/2010/main" Requires="a14">
           <p:sp>
             <p:nvSpPr>
               <p:cNvPr id="3" name="Content Placeholder 2">
@@ -33177,6 +33479,12 @@
                 <a:normAutofit/>
               </a:bodyPr>
               <a:lstStyle/>
+              <a:p>
+                <a:r>
+                  <a:rPr lang="en-US" dirty="0"/>
+                  <a:t>QDA failed with “rank deficiency” error</a:t>
+                </a:r>
+              </a:p>
               <a:p>
                 <a:r>
                   <a:rPr lang="en-US" dirty="0"/>
@@ -33213,7 +33521,7 @@
             </p:txBody>
           </p:sp>
         </mc:Choice>
-        <mc:Fallback xmlns="">
+        <mc:Fallback>
           <p:sp>
             <p:nvSpPr>
               <p:cNvPr id="3" name="Content Placeholder 2">
@@ -33261,86 +33569,6 @@
     <p:extLst>
       <p:ext uri="{BB962C8B-B14F-4D97-AF65-F5344CB8AC3E}">
         <p14:creationId xmlns:p14="http://schemas.microsoft.com/office/powerpoint/2010/main" val="2546379718"/>
-      </p:ext>
-    </p:extLst>
-  </p:cSld>
-  <p:clrMapOvr>
-    <a:masterClrMapping/>
-  </p:clrMapOvr>
-</p:sld>
-</file>
-
-<file path=ppt/slides/slide49.xml><?xml version="1.0" encoding="utf-8"?>
-<p:sld xmlns:a="http://schemas.openxmlformats.org/drawingml/2006/main" xmlns:r="http://schemas.openxmlformats.org/officeDocument/2006/relationships" xmlns:p="http://schemas.openxmlformats.org/presentationml/2006/main">
-  <p:cSld>
-    <p:spTree>
-      <p:nvGrpSpPr>
-        <p:cNvPr id="1" name=""/>
-        <p:cNvGrpSpPr/>
-        <p:nvPr/>
-      </p:nvGrpSpPr>
-      <p:grpSpPr>
-        <a:xfrm>
-          <a:off x="0" y="0"/>
-          <a:ext cx="0" cy="0"/>
-          <a:chOff x="0" y="0"/>
-          <a:chExt cx="0" cy="0"/>
-        </a:xfrm>
-      </p:grpSpPr>
-      <p:sp>
-        <p:nvSpPr>
-          <p:cNvPr id="2" name="Title 1">
-            <a:extLst>
-              <a:ext uri="{FF2B5EF4-FFF2-40B4-BE49-F238E27FC236}">
-                <a16:creationId xmlns:a16="http://schemas.microsoft.com/office/drawing/2014/main" id="{68036183-F8B1-4928-A184-069233BF2AE7}"/>
-              </a:ext>
-            </a:extLst>
-          </p:cNvPr>
-          <p:cNvSpPr>
-            <a:spLocks noGrp="1"/>
-          </p:cNvSpPr>
-          <p:nvPr>
-            <p:ph type="title"/>
-          </p:nvPr>
-        </p:nvSpPr>
-        <p:spPr/>
-        <p:txBody>
-          <a:bodyPr/>
-          <a:lstStyle/>
-          <a:p>
-            <a:endParaRPr lang="en-US"/>
-          </a:p>
-        </p:txBody>
-      </p:sp>
-      <p:sp>
-        <p:nvSpPr>
-          <p:cNvPr id="3" name="Content Placeholder 2">
-            <a:extLst>
-              <a:ext uri="{FF2B5EF4-FFF2-40B4-BE49-F238E27FC236}">
-                <a16:creationId xmlns:a16="http://schemas.microsoft.com/office/drawing/2014/main" id="{7CA6673B-21BE-406F-BE8D-8A7E80804C8F}"/>
-              </a:ext>
-            </a:extLst>
-          </p:cNvPr>
-          <p:cNvSpPr>
-            <a:spLocks noGrp="1"/>
-          </p:cNvSpPr>
-          <p:nvPr>
-            <p:ph idx="1"/>
-          </p:nvPr>
-        </p:nvSpPr>
-        <p:spPr/>
-        <p:txBody>
-          <a:bodyPr/>
-          <a:lstStyle/>
-          <a:p>
-            <a:endParaRPr lang="en-US"/>
-          </a:p>
-        </p:txBody>
-      </p:sp>
-    </p:spTree>
-    <p:extLst>
-      <p:ext uri="{BB962C8B-B14F-4D97-AF65-F5344CB8AC3E}">
-        <p14:creationId xmlns:p14="http://schemas.microsoft.com/office/powerpoint/2010/main" val="3074269825"/>
       </p:ext>
     </p:extLst>
   </p:cSld>
@@ -33516,6 +33744,86 @@
 </file>
 
 <file path=ppt/slides/slide50.xml><?xml version="1.0" encoding="utf-8"?>
+<p:sld xmlns:a="http://schemas.openxmlformats.org/drawingml/2006/main" xmlns:r="http://schemas.openxmlformats.org/officeDocument/2006/relationships" xmlns:p="http://schemas.openxmlformats.org/presentationml/2006/main">
+  <p:cSld>
+    <p:spTree>
+      <p:nvGrpSpPr>
+        <p:cNvPr id="1" name=""/>
+        <p:cNvGrpSpPr/>
+        <p:nvPr/>
+      </p:nvGrpSpPr>
+      <p:grpSpPr>
+        <a:xfrm>
+          <a:off x="0" y="0"/>
+          <a:ext cx="0" cy="0"/>
+          <a:chOff x="0" y="0"/>
+          <a:chExt cx="0" cy="0"/>
+        </a:xfrm>
+      </p:grpSpPr>
+      <p:sp>
+        <p:nvSpPr>
+          <p:cNvPr id="2" name="Title 1">
+            <a:extLst>
+              <a:ext uri="{FF2B5EF4-FFF2-40B4-BE49-F238E27FC236}">
+                <a16:creationId xmlns:a16="http://schemas.microsoft.com/office/drawing/2014/main" id="{68036183-F8B1-4928-A184-069233BF2AE7}"/>
+              </a:ext>
+            </a:extLst>
+          </p:cNvPr>
+          <p:cNvSpPr>
+            <a:spLocks noGrp="1"/>
+          </p:cNvSpPr>
+          <p:nvPr>
+            <p:ph type="title"/>
+          </p:nvPr>
+        </p:nvSpPr>
+        <p:spPr/>
+        <p:txBody>
+          <a:bodyPr/>
+          <a:lstStyle/>
+          <a:p>
+            <a:endParaRPr lang="en-US"/>
+          </a:p>
+        </p:txBody>
+      </p:sp>
+      <p:sp>
+        <p:nvSpPr>
+          <p:cNvPr id="3" name="Content Placeholder 2">
+            <a:extLst>
+              <a:ext uri="{FF2B5EF4-FFF2-40B4-BE49-F238E27FC236}">
+                <a16:creationId xmlns:a16="http://schemas.microsoft.com/office/drawing/2014/main" id="{7CA6673B-21BE-406F-BE8D-8A7E80804C8F}"/>
+              </a:ext>
+            </a:extLst>
+          </p:cNvPr>
+          <p:cNvSpPr>
+            <a:spLocks noGrp="1"/>
+          </p:cNvSpPr>
+          <p:nvPr>
+            <p:ph idx="1"/>
+          </p:nvPr>
+        </p:nvSpPr>
+        <p:spPr/>
+        <p:txBody>
+          <a:bodyPr/>
+          <a:lstStyle/>
+          <a:p>
+            <a:endParaRPr lang="en-US"/>
+          </a:p>
+        </p:txBody>
+      </p:sp>
+    </p:spTree>
+    <p:extLst>
+      <p:ext uri="{BB962C8B-B14F-4D97-AF65-F5344CB8AC3E}">
+        <p14:creationId xmlns:p14="http://schemas.microsoft.com/office/powerpoint/2010/main" val="3074269825"/>
+      </p:ext>
+    </p:extLst>
+  </p:cSld>
+  <p:clrMapOvr>
+    <a:masterClrMapping/>
+  </p:clrMapOvr>
+</p:sld>
+</file>
+
+<file path=ppt/slides/slide51.xml><?xml version="1.0" encoding="utf-8"?>
 <p:sld xmlns:a="http://schemas.openxmlformats.org/drawingml/2006/main" xmlns:r="http://schemas.openxmlformats.org/officeDocument/2006/relationships" xmlns:p="http://schemas.openxmlformats.org/presentationml/2006/main">
   <p:cSld>
     <p:bg>

--- a/presentation/gtdb-final-presentation.pptx
+++ b/presentation/gtdb-final-presentation.pptx
@@ -5,7 +5,7 @@
     <p:sldMasterId id="2147483803" r:id="rId1"/>
   </p:sldMasterIdLst>
   <p:notesMasterIdLst>
-    <p:notesMasterId r:id="rId53"/>
+    <p:notesMasterId r:id="rId60"/>
   </p:notesMasterIdLst>
   <p:sldIdLst>
     <p:sldId id="256" r:id="rId2"/>
@@ -29,36 +29,43 @@
     <p:sldId id="298" r:id="rId20"/>
     <p:sldId id="299" r:id="rId21"/>
     <p:sldId id="300" r:id="rId22"/>
-    <p:sldId id="301" r:id="rId23"/>
-    <p:sldId id="302" r:id="rId24"/>
-    <p:sldId id="303" r:id="rId25"/>
-    <p:sldId id="276" r:id="rId26"/>
-    <p:sldId id="282" r:id="rId27"/>
-    <p:sldId id="279" r:id="rId28"/>
-    <p:sldId id="304" r:id="rId29"/>
-    <p:sldId id="284" r:id="rId30"/>
-    <p:sldId id="286" r:id="rId31"/>
-    <p:sldId id="272" r:id="rId32"/>
-    <p:sldId id="287" r:id="rId33"/>
-    <p:sldId id="288" r:id="rId34"/>
-    <p:sldId id="278" r:id="rId35"/>
-    <p:sldId id="283" r:id="rId36"/>
-    <p:sldId id="277" r:id="rId37"/>
-    <p:sldId id="281" r:id="rId38"/>
-    <p:sldId id="305" r:id="rId39"/>
-    <p:sldId id="317" r:id="rId40"/>
-    <p:sldId id="306" r:id="rId41"/>
-    <p:sldId id="308" r:id="rId42"/>
-    <p:sldId id="292" r:id="rId43"/>
-    <p:sldId id="312" r:id="rId44"/>
-    <p:sldId id="311" r:id="rId45"/>
-    <p:sldId id="315" r:id="rId46"/>
-    <p:sldId id="316" r:id="rId47"/>
-    <p:sldId id="319" r:id="rId48"/>
-    <p:sldId id="320" r:id="rId49"/>
-    <p:sldId id="314" r:id="rId50"/>
-    <p:sldId id="265" r:id="rId51"/>
-    <p:sldId id="318" r:id="rId52"/>
+    <p:sldId id="321" r:id="rId23"/>
+    <p:sldId id="322" r:id="rId24"/>
+    <p:sldId id="323" r:id="rId25"/>
+    <p:sldId id="324" r:id="rId26"/>
+    <p:sldId id="325" r:id="rId27"/>
+    <p:sldId id="326" r:id="rId28"/>
+    <p:sldId id="327" r:id="rId29"/>
+    <p:sldId id="301" r:id="rId30"/>
+    <p:sldId id="302" r:id="rId31"/>
+    <p:sldId id="303" r:id="rId32"/>
+    <p:sldId id="276" r:id="rId33"/>
+    <p:sldId id="282" r:id="rId34"/>
+    <p:sldId id="279" r:id="rId35"/>
+    <p:sldId id="304" r:id="rId36"/>
+    <p:sldId id="284" r:id="rId37"/>
+    <p:sldId id="286" r:id="rId38"/>
+    <p:sldId id="272" r:id="rId39"/>
+    <p:sldId id="287" r:id="rId40"/>
+    <p:sldId id="288" r:id="rId41"/>
+    <p:sldId id="278" r:id="rId42"/>
+    <p:sldId id="283" r:id="rId43"/>
+    <p:sldId id="277" r:id="rId44"/>
+    <p:sldId id="281" r:id="rId45"/>
+    <p:sldId id="305" r:id="rId46"/>
+    <p:sldId id="317" r:id="rId47"/>
+    <p:sldId id="306" r:id="rId48"/>
+    <p:sldId id="308" r:id="rId49"/>
+    <p:sldId id="292" r:id="rId50"/>
+    <p:sldId id="312" r:id="rId51"/>
+    <p:sldId id="311" r:id="rId52"/>
+    <p:sldId id="315" r:id="rId53"/>
+    <p:sldId id="316" r:id="rId54"/>
+    <p:sldId id="319" r:id="rId55"/>
+    <p:sldId id="320" r:id="rId56"/>
+    <p:sldId id="314" r:id="rId57"/>
+    <p:sldId id="265" r:id="rId58"/>
+    <p:sldId id="318" r:id="rId59"/>
   </p:sldIdLst>
   <p:sldSz cx="9144000" cy="6858000" type="screen4x3"/>
   <p:notesSz cx="6858000" cy="9144000"/>
@@ -187,6 +194,13 @@
             <p14:sldId id="298"/>
             <p14:sldId id="299"/>
             <p14:sldId id="300"/>
+            <p14:sldId id="321"/>
+            <p14:sldId id="322"/>
+            <p14:sldId id="323"/>
+            <p14:sldId id="324"/>
+            <p14:sldId id="325"/>
+            <p14:sldId id="326"/>
+            <p14:sldId id="327"/>
           </p14:sldIdLst>
         </p14:section>
         <p14:section name="Sean" id="{1C3D8192-CB26-499D-A6D8-E7F692D2D51F}">
@@ -755,7 +769,7 @@
           <a:p>
             <a:fld id="{58F5E0F1-AB47-4A7A-BA35-9463FCF91331}" type="slidenum">
               <a:rPr lang="en-US" smtClean="0"/>
-              <a:t>33</a:t>
+              <a:t>40</a:t>
             </a:fld>
             <a:endParaRPr lang="en-US"/>
           </a:p>
@@ -849,7 +863,7 @@
           <a:p>
             <a:fld id="{58F5E0F1-AB47-4A7A-BA35-9463FCF91331}" type="slidenum">
               <a:rPr lang="en-US" smtClean="0"/>
-              <a:t>34</a:t>
+              <a:t>41</a:t>
             </a:fld>
             <a:endParaRPr lang="en-US"/>
           </a:p>
@@ -1348,7 +1362,7 @@
           <a:p>
             <a:fld id="{58F5E0F1-AB47-4A7A-BA35-9463FCF91331}" type="slidenum">
               <a:rPr lang="en-US" smtClean="0"/>
-              <a:t>36</a:t>
+              <a:t>43</a:t>
             </a:fld>
             <a:endParaRPr lang="en-US"/>
           </a:p>
@@ -1435,7 +1449,7 @@
           <a:p>
             <a:fld id="{58F5E0F1-AB47-4A7A-BA35-9463FCF91331}" type="slidenum">
               <a:rPr lang="en-US" smtClean="0"/>
-              <a:t>40</a:t>
+              <a:t>47</a:t>
             </a:fld>
             <a:endParaRPr lang="en-US"/>
           </a:p>
@@ -2487,7 +2501,7 @@
           <a:p>
             <a:fld id="{58F5E0F1-AB47-4A7A-BA35-9463FCF91331}" type="slidenum">
               <a:rPr lang="en-US" smtClean="0"/>
-              <a:t>25</a:t>
+              <a:t>32</a:t>
             </a:fld>
             <a:endParaRPr lang="en-US"/>
           </a:p>
@@ -2571,7 +2585,7 @@
           <a:p>
             <a:fld id="{58F5E0F1-AB47-4A7A-BA35-9463FCF91331}" type="slidenum">
               <a:rPr lang="en-US" smtClean="0"/>
-              <a:t>26</a:t>
+              <a:t>33</a:t>
             </a:fld>
             <a:endParaRPr lang="en-US"/>
           </a:p>
@@ -2658,7 +2672,7 @@
           <a:p>
             <a:fld id="{58F5E0F1-AB47-4A7A-BA35-9463FCF91331}" type="slidenum">
               <a:rPr lang="en-US" smtClean="0"/>
-              <a:t>28</a:t>
+              <a:t>35</a:t>
             </a:fld>
             <a:endParaRPr lang="en-US"/>
           </a:p>
@@ -2742,7 +2756,7 @@
           <a:p>
             <a:fld id="{58F5E0F1-AB47-4A7A-BA35-9463FCF91331}" type="slidenum">
               <a:rPr lang="en-US" smtClean="0"/>
-              <a:t>31</a:t>
+              <a:t>38</a:t>
             </a:fld>
             <a:endParaRPr lang="en-US"/>
           </a:p>
@@ -2826,7 +2840,7 @@
           <a:p>
             <a:fld id="{58F5E0F1-AB47-4A7A-BA35-9463FCF91331}" type="slidenum">
               <a:rPr lang="en-US" smtClean="0"/>
-              <a:t>32</a:t>
+              <a:t>39</a:t>
             </a:fld>
             <a:endParaRPr lang="en-US"/>
           </a:p>
@@ -6945,14 +6959,26 @@
               <a:rPr lang="en-US" dirty="0"/>
             </a:br>
             <a:r>
-              <a:rPr lang="en-US" dirty="0"/>
+              <a:rPr lang="en-US" dirty="0">
+                <a:solidFill>
+                  <a:srgbClr val="FF0000"/>
+                </a:solidFill>
+              </a:rPr>
               <a:t>successful</a:t>
             </a:r>
             <a:br>
-              <a:rPr lang="en-US" dirty="0"/>
+              <a:rPr lang="en-US" dirty="0">
+                <a:solidFill>
+                  <a:srgbClr val="FF0000"/>
+                </a:solidFill>
+              </a:rPr>
             </a:br>
             <a:r>
-              <a:rPr lang="en-US" dirty="0"/>
+              <a:rPr lang="en-US" dirty="0">
+                <a:solidFill>
+                  <a:srgbClr val="FF0000"/>
+                </a:solidFill>
+              </a:rPr>
               <a:t> Terrorist attacks</a:t>
             </a:r>
           </a:p>
@@ -7493,7 +7519,7 @@
           <a:graphicData uri="http://schemas.openxmlformats.org/presentationml/2006/ole">
             <mc:AlternateContent xmlns:mc="http://schemas.openxmlformats.org/markup-compatibility/2006">
               <mc:Choice xmlns:v="urn:schemas-microsoft-com:vml" Requires="v">
-                <p:oleObj spid="_x0000_s2155" name="Worksheet" r:id="rId4" imgW="1923884" imgH="933476" progId="Excel.Sheet.12">
+                <p:oleObj spid="_x0000_s2178" name="Worksheet" r:id="rId4" imgW="1923884" imgH="933476" progId="Excel.Sheet.12">
                   <p:embed/>
                 </p:oleObj>
               </mc:Choice>
@@ -7917,7 +7943,7 @@
           <a:graphicData uri="http://schemas.openxmlformats.org/presentationml/2006/ole">
             <mc:AlternateContent xmlns:mc="http://schemas.openxmlformats.org/markup-compatibility/2006">
               <mc:Choice xmlns:v="urn:schemas-microsoft-com:vml" Requires="v">
-                <p:oleObj spid="_x0000_s1242" name="Worksheet" r:id="rId3" imgW="1466857" imgH="771525" progId="Excel.Sheet.12">
+                <p:oleObj spid="_x0000_s1288" name="Worksheet" r:id="rId3" imgW="1466857" imgH="771525" progId="Excel.Sheet.12">
                   <p:embed/>
                 </p:oleObj>
               </mc:Choice>
@@ -7980,7 +8006,7 @@
           <a:graphicData uri="http://schemas.openxmlformats.org/presentationml/2006/ole">
             <mc:AlternateContent xmlns:mc="http://schemas.openxmlformats.org/markup-compatibility/2006">
               <mc:Choice xmlns:v="urn:schemas-microsoft-com:vml" Requires="v">
-                <p:oleObj spid="_x0000_s1243" name="Worksheet" r:id="rId5" imgW="1466857" imgH="771525" progId="Excel.Sheet.12">
+                <p:oleObj spid="_x0000_s1289" name="Worksheet" r:id="rId5" imgW="1466857" imgH="771525" progId="Excel.Sheet.12">
                   <p:embed/>
                 </p:oleObj>
               </mc:Choice>
@@ -8680,7 +8706,7 @@
           <a:graphicData uri="http://schemas.openxmlformats.org/presentationml/2006/ole">
             <mc:AlternateContent xmlns:mc="http://schemas.openxmlformats.org/markup-compatibility/2006">
               <mc:Choice xmlns:v="urn:schemas-microsoft-com:vml" Requires="v">
-                <p:oleObj spid="_x0000_s3176" name="Worksheet" r:id="rId5" imgW="1923884" imgH="933476" progId="Excel.Sheet.12">
+                <p:oleObj spid="_x0000_s3199" name="Worksheet" r:id="rId5" imgW="1923884" imgH="933476" progId="Excel.Sheet.12">
                   <p:embed/>
                 </p:oleObj>
               </mc:Choice>
@@ -11774,15 +11800,41 @@
           <a:p>
             <a:r>
               <a:rPr lang="en-US" dirty="0"/>
-              <a:t>Predicting Responsible </a:t>
-            </a:r>
+              <a:t>Predicting</a:t>
+            </a:r>
+            <a:br>
+              <a:rPr lang="en-US" dirty="0"/>
+            </a:br>
             <a:r>
               <a:rPr lang="en-US" dirty="0">
                 <a:solidFill>
                   <a:srgbClr val="FF0000"/>
                 </a:solidFill>
               </a:rPr>
-              <a:t>Terrorist Groups</a:t>
+              <a:t>Casualties </a:t>
+            </a:r>
+            <a:r>
+              <a:rPr lang="en-US" dirty="0"/>
+              <a:t>from</a:t>
+            </a:r>
+            <a:br>
+              <a:rPr lang="en-US" dirty="0">
+                <a:solidFill>
+                  <a:srgbClr val="FF0000"/>
+                </a:solidFill>
+              </a:rPr>
+            </a:br>
+            <a:r>
+              <a:rPr lang="en-US" dirty="0">
+                <a:solidFill>
+                  <a:srgbClr val="FF0000"/>
+                </a:solidFill>
+              </a:rPr>
+              <a:t> </a:t>
+            </a:r>
+            <a:r>
+              <a:rPr lang="en-US" dirty="0"/>
+              <a:t>Terrorist attacks</a:t>
             </a:r>
           </a:p>
         </p:txBody>
@@ -11812,6 +11864,1904 @@
           <a:p>
             <a:r>
               <a:rPr lang="en-US" sz="3600" dirty="0"/>
+              <a:t>Data Scientist: James Willson</a:t>
+            </a:r>
+          </a:p>
+        </p:txBody>
+      </p:sp>
+    </p:spTree>
+    <p:extLst>
+      <p:ext uri="{BB962C8B-B14F-4D97-AF65-F5344CB8AC3E}">
+        <p14:creationId xmlns:p14="http://schemas.microsoft.com/office/powerpoint/2010/main" val="3005797253"/>
+      </p:ext>
+    </p:extLst>
+  </p:cSld>
+  <p:clrMapOvr>
+    <a:masterClrMapping/>
+  </p:clrMapOvr>
+</p:sld>
+</file>
+
+<file path=ppt/slides/slide23.xml><?xml version="1.0" encoding="utf-8"?>
+<p:sld xmlns:a="http://schemas.openxmlformats.org/drawingml/2006/main" xmlns:r="http://schemas.openxmlformats.org/officeDocument/2006/relationships" xmlns:p="http://schemas.openxmlformats.org/presentationml/2006/main">
+  <p:cSld>
+    <p:bg>
+      <p:bgPr>
+        <a:solidFill>
+          <a:schemeClr val="bg2"/>
+        </a:solidFill>
+        <a:effectLst/>
+      </p:bgPr>
+    </p:bg>
+    <p:spTree>
+      <p:nvGrpSpPr>
+        <p:cNvPr id="1" name=""/>
+        <p:cNvGrpSpPr/>
+        <p:nvPr/>
+      </p:nvGrpSpPr>
+      <p:grpSpPr>
+        <a:xfrm>
+          <a:off x="0" y="0"/>
+          <a:ext cx="0" cy="0"/>
+          <a:chOff x="0" y="0"/>
+          <a:chExt cx="0" cy="0"/>
+        </a:xfrm>
+      </p:grpSpPr>
+      <p:sp>
+        <p:nvSpPr>
+          <p:cNvPr id="2" name="Title 1">
+            <a:extLst>
+              <a:ext uri="{FF2B5EF4-FFF2-40B4-BE49-F238E27FC236}">
+                <a16:creationId xmlns:a16="http://schemas.microsoft.com/office/drawing/2014/main" id="{CDC0A732-89C9-4869-AC8C-35709D84524F}"/>
+              </a:ext>
+            </a:extLst>
+          </p:cNvPr>
+          <p:cNvSpPr>
+            <a:spLocks noGrp="1"/>
+          </p:cNvSpPr>
+          <p:nvPr>
+            <p:ph type="title"/>
+          </p:nvPr>
+        </p:nvSpPr>
+        <p:spPr>
+          <a:xfrm>
+            <a:off x="767671" y="685800"/>
+            <a:ext cx="7870143" cy="1485900"/>
+          </a:xfrm>
+        </p:spPr>
+        <p:txBody>
+          <a:bodyPr>
+            <a:normAutofit/>
+          </a:bodyPr>
+          <a:lstStyle/>
+          <a:p>
+            <a:r>
+              <a:rPr lang="en-US" dirty="0"/>
+              <a:t>Goal</a:t>
+            </a:r>
+          </a:p>
+        </p:txBody>
+      </p:sp>
+      <p:sp>
+        <p:nvSpPr>
+          <p:cNvPr id="10" name="Rectangle 9">
+            <a:extLst>
+              <a:ext uri="{FF2B5EF4-FFF2-40B4-BE49-F238E27FC236}">
+                <a16:creationId xmlns:a16="http://schemas.microsoft.com/office/drawing/2014/main" id="{B9F89C22-0475-4427-B7C8-0269AD40E3EC}"/>
+              </a:ext>
+              <a:ext uri="{C183D7F6-B498-43B3-948B-1728B52AA6E4}">
+                <adec:decorative xmlns:adec="http://schemas.microsoft.com/office/drawing/2017/decorative" val="1"/>
+              </a:ext>
+            </a:extLst>
+          </p:cNvPr>
+          <p:cNvSpPr>
+            <a:spLocks noGrp="1" noRot="1" noChangeAspect="1" noMove="1" noResize="1" noEditPoints="1" noAdjustHandles="1" noChangeArrowheads="1" noChangeShapeType="1" noTextEdit="1"/>
+          </p:cNvSpPr>
+          <p:nvPr>
+            <p:extLst>
+              <p:ext uri="{386F3935-93C4-4BCD-93E2-E3B085C9AB24}">
+                <p16:designElem xmlns:p16="http://schemas.microsoft.com/office/powerpoint/2015/main" val="1"/>
+              </p:ext>
+            </p:extLst>
+          </p:nvPr>
+        </p:nvSpPr>
+        <p:spPr>
+          <a:xfrm>
+            <a:off x="358571" y="376"/>
+            <a:ext cx="171450" cy="6858000"/>
+          </a:xfrm>
+          <a:prstGeom prst="rect">
+            <a:avLst/>
+          </a:prstGeom>
+          <a:solidFill>
+            <a:schemeClr val="tx2"/>
+          </a:solidFill>
+          <a:ln>
+            <a:noFill/>
+          </a:ln>
+        </p:spPr>
+        <p:style>
+          <a:lnRef idx="2">
+            <a:schemeClr val="accent1">
+              <a:shade val="50000"/>
+            </a:schemeClr>
+          </a:lnRef>
+          <a:fillRef idx="1">
+            <a:schemeClr val="accent1"/>
+          </a:fillRef>
+          <a:effectRef idx="0">
+            <a:schemeClr val="accent1"/>
+          </a:effectRef>
+          <a:fontRef idx="minor">
+            <a:schemeClr val="lt1"/>
+          </a:fontRef>
+        </p:style>
+      </p:sp>
+      <p:sp>
+        <p:nvSpPr>
+          <p:cNvPr id="3" name="Content Placeholder 2">
+            <a:extLst>
+              <a:ext uri="{FF2B5EF4-FFF2-40B4-BE49-F238E27FC236}">
+                <a16:creationId xmlns:a16="http://schemas.microsoft.com/office/drawing/2014/main" id="{1AD9A301-F7DA-4216-B022-687B51E377CC}"/>
+              </a:ext>
+            </a:extLst>
+          </p:cNvPr>
+          <p:cNvSpPr>
+            <a:spLocks noGrp="1"/>
+          </p:cNvSpPr>
+          <p:nvPr>
+            <p:ph idx="1"/>
+          </p:nvPr>
+        </p:nvSpPr>
+        <p:spPr>
+          <a:xfrm>
+            <a:off x="721794" y="1499585"/>
+            <a:ext cx="3804328" cy="3581400"/>
+          </a:xfrm>
+        </p:spPr>
+        <p:txBody>
+          <a:bodyPr>
+            <a:normAutofit/>
+          </a:bodyPr>
+          <a:lstStyle/>
+          <a:p>
+            <a:r>
+              <a:rPr lang="en-US" sz="1600" dirty="0"/>
+              <a:t>Build statistical models that predict the likely number of casualties based the variables available.</a:t>
+            </a:r>
+          </a:p>
+          <a:p>
+            <a:pPr lvl="1"/>
+            <a:r>
+              <a:rPr lang="en-US" sz="1600" dirty="0"/>
+              <a:t>Casualties are defined as the sum of the fatalities and injuries (i.e. “</a:t>
+            </a:r>
+            <a:r>
+              <a:rPr lang="en-US" sz="1600" dirty="0" err="1"/>
+              <a:t>nkill</a:t>
+            </a:r>
+            <a:r>
+              <a:rPr lang="en-US" sz="1600" dirty="0"/>
+              <a:t>” + “</a:t>
+            </a:r>
+            <a:r>
+              <a:rPr lang="en-US" sz="1600" dirty="0" err="1"/>
+              <a:t>nwound</a:t>
+            </a:r>
+            <a:r>
+              <a:rPr lang="en-US" sz="1600" dirty="0"/>
+              <a:t>”)</a:t>
+            </a:r>
+          </a:p>
+          <a:p>
+            <a:pPr lvl="1"/>
+            <a:r>
+              <a:rPr lang="en-US" sz="1600" dirty="0"/>
+              <a:t>All entries without casualty data were removed</a:t>
+            </a:r>
+          </a:p>
+          <a:p>
+            <a:pPr lvl="1"/>
+            <a:r>
+              <a:rPr lang="en-US" sz="1600" dirty="0"/>
+              <a:t>Casualty data is heavily </a:t>
+            </a:r>
+            <a:r>
+              <a:rPr lang="en-US" sz="1600" dirty="0" err="1"/>
+              <a:t>scewed</a:t>
+            </a:r>
+            <a:endParaRPr lang="en-US" sz="1600" dirty="0"/>
+          </a:p>
+          <a:p>
+            <a:endParaRPr lang="en-US" sz="1600" dirty="0"/>
+          </a:p>
+        </p:txBody>
+      </p:sp>
+      <p:pic>
+        <p:nvPicPr>
+          <p:cNvPr id="6" name="Picture 5" descr="A screenshot of a cell phone&#10;&#10;Description automatically generated">
+            <a:extLst>
+              <a:ext uri="{FF2B5EF4-FFF2-40B4-BE49-F238E27FC236}">
+                <a16:creationId xmlns:a16="http://schemas.microsoft.com/office/drawing/2014/main" id="{14C9B30A-E913-4929-A12A-C64FFE12E5AC}"/>
+              </a:ext>
+            </a:extLst>
+          </p:cNvPr>
+          <p:cNvPicPr>
+            <a:picLocks noChangeAspect="1"/>
+          </p:cNvPicPr>
+          <p:nvPr/>
+        </p:nvPicPr>
+        <p:blipFill>
+          <a:blip r:embed="rId2">
+            <a:extLst>
+              <a:ext uri="{28A0092B-C50C-407E-A947-70E740481C1C}">
+                <a14:useLocalDpi xmlns:a14="http://schemas.microsoft.com/office/drawing/2010/main" val="0"/>
+              </a:ext>
+            </a:extLst>
+          </a:blip>
+          <a:stretch>
+            <a:fillRect/>
+          </a:stretch>
+        </p:blipFill>
+        <p:spPr>
+          <a:xfrm>
+            <a:off x="4617880" y="1458481"/>
+            <a:ext cx="4369383" cy="4369383"/>
+          </a:xfrm>
+          <a:prstGeom prst="rect">
+            <a:avLst/>
+          </a:prstGeom>
+          <a:effectLst>
+            <a:outerShdw blurRad="50800" dist="38100" dir="2700000" algn="tl" rotWithShape="0">
+              <a:prstClr val="black">
+                <a:alpha val="40000"/>
+              </a:prstClr>
+            </a:outerShdw>
+          </a:effectLst>
+        </p:spPr>
+      </p:pic>
+    </p:spTree>
+    <p:extLst>
+      <p:ext uri="{BB962C8B-B14F-4D97-AF65-F5344CB8AC3E}">
+        <p14:creationId xmlns:p14="http://schemas.microsoft.com/office/powerpoint/2010/main" val="1897060199"/>
+      </p:ext>
+    </p:extLst>
+  </p:cSld>
+  <p:clrMapOvr>
+    <a:masterClrMapping/>
+  </p:clrMapOvr>
+</p:sld>
+</file>
+
+<file path=ppt/slides/slide24.xml><?xml version="1.0" encoding="utf-8"?>
+<p:sld xmlns:a="http://schemas.openxmlformats.org/drawingml/2006/main" xmlns:r="http://schemas.openxmlformats.org/officeDocument/2006/relationships" xmlns:p="http://schemas.openxmlformats.org/presentationml/2006/main">
+  <p:cSld>
+    <p:spTree>
+      <p:nvGrpSpPr>
+        <p:cNvPr id="1" name=""/>
+        <p:cNvGrpSpPr/>
+        <p:nvPr/>
+      </p:nvGrpSpPr>
+      <p:grpSpPr>
+        <a:xfrm>
+          <a:off x="0" y="0"/>
+          <a:ext cx="0" cy="0"/>
+          <a:chOff x="0" y="0"/>
+          <a:chExt cx="0" cy="0"/>
+        </a:xfrm>
+      </p:grpSpPr>
+      <p:sp>
+        <p:nvSpPr>
+          <p:cNvPr id="2" name="Title 1">
+            <a:extLst>
+              <a:ext uri="{FF2B5EF4-FFF2-40B4-BE49-F238E27FC236}">
+                <a16:creationId xmlns:a16="http://schemas.microsoft.com/office/drawing/2014/main" id="{764DA353-4C5D-4229-97F8-DFACA78A5132}"/>
+              </a:ext>
+            </a:extLst>
+          </p:cNvPr>
+          <p:cNvSpPr>
+            <a:spLocks noGrp="1"/>
+          </p:cNvSpPr>
+          <p:nvPr>
+            <p:ph type="title"/>
+          </p:nvPr>
+        </p:nvSpPr>
+        <p:spPr>
+          <a:xfrm>
+            <a:off x="762000" y="0"/>
+            <a:ext cx="7200900" cy="1485900"/>
+          </a:xfrm>
+        </p:spPr>
+        <p:txBody>
+          <a:bodyPr/>
+          <a:lstStyle/>
+          <a:p>
+            <a:r>
+              <a:rPr lang="en-US" dirty="0"/>
+              <a:t>Linear Regression</a:t>
+            </a:r>
+          </a:p>
+        </p:txBody>
+      </p:sp>
+      <p:sp>
+        <p:nvSpPr>
+          <p:cNvPr id="6" name="Content Placeholder 2">
+            <a:extLst>
+              <a:ext uri="{FF2B5EF4-FFF2-40B4-BE49-F238E27FC236}">
+                <a16:creationId xmlns:a16="http://schemas.microsoft.com/office/drawing/2014/main" id="{23CA1EE5-3F39-4FD7-940E-98675C2A3F21}"/>
+              </a:ext>
+            </a:extLst>
+          </p:cNvPr>
+          <p:cNvSpPr txBox="1">
+            <a:spLocks/>
+          </p:cNvSpPr>
+          <p:nvPr/>
+        </p:nvSpPr>
+        <p:spPr>
+          <a:xfrm>
+            <a:off x="752475" y="4944264"/>
+            <a:ext cx="7200900" cy="1485899"/>
+          </a:xfrm>
+          <a:prstGeom prst="rect">
+            <a:avLst/>
+          </a:prstGeom>
+        </p:spPr>
+        <p:txBody>
+          <a:bodyPr vert="horz" lIns="91440" tIns="45720" rIns="91440" bIns="45720" rtlCol="0">
+            <a:normAutofit fontScale="92500" lnSpcReduction="10000"/>
+          </a:bodyPr>
+          <a:lstStyle>
+            <a:lvl1pPr marL="384048" indent="-384048" algn="l" defTabSz="685800" rtl="0" eaLnBrk="1" latinLnBrk="0" hangingPunct="1">
+              <a:lnSpc>
+                <a:spcPct val="94000"/>
+              </a:lnSpc>
+              <a:spcBef>
+                <a:spcPts val="1000"/>
+              </a:spcBef>
+              <a:spcAft>
+                <a:spcPts val="200"/>
+              </a:spcAft>
+              <a:buFont typeface="Franklin Gothic Book" panose="020B0503020102020204" pitchFamily="34" charset="0"/>
+              <a:buChar char="■"/>
+              <a:defRPr sz="2000" kern="1200" baseline="0">
+                <a:solidFill>
+                  <a:schemeClr val="tx2"/>
+                </a:solidFill>
+                <a:latin typeface="+mn-lt"/>
+                <a:ea typeface="+mn-ea"/>
+                <a:cs typeface="+mn-cs"/>
+              </a:defRPr>
+            </a:lvl1pPr>
+            <a:lvl2pPr marL="914400" indent="-384048" algn="l" defTabSz="685800" rtl="0" eaLnBrk="1" latinLnBrk="0" hangingPunct="1">
+              <a:lnSpc>
+                <a:spcPct val="94000"/>
+              </a:lnSpc>
+              <a:spcBef>
+                <a:spcPts val="500"/>
+              </a:spcBef>
+              <a:spcAft>
+                <a:spcPts val="200"/>
+              </a:spcAft>
+              <a:buFont typeface="Franklin Gothic Book" panose="020B0503020102020204" pitchFamily="34" charset="0"/>
+              <a:buChar char="–"/>
+              <a:defRPr sz="2000" i="1" kern="1200" baseline="0">
+                <a:solidFill>
+                  <a:schemeClr val="tx2"/>
+                </a:solidFill>
+                <a:latin typeface="+mn-lt"/>
+                <a:ea typeface="+mn-ea"/>
+                <a:cs typeface="+mn-cs"/>
+              </a:defRPr>
+            </a:lvl2pPr>
+            <a:lvl3pPr marL="1371600" indent="-384048" algn="l" defTabSz="685800" rtl="0" eaLnBrk="1" latinLnBrk="0" hangingPunct="1">
+              <a:lnSpc>
+                <a:spcPct val="94000"/>
+              </a:lnSpc>
+              <a:spcBef>
+                <a:spcPts val="500"/>
+              </a:spcBef>
+              <a:spcAft>
+                <a:spcPts val="200"/>
+              </a:spcAft>
+              <a:buFont typeface="Franklin Gothic Book" panose="020B0503020102020204" pitchFamily="34" charset="0"/>
+              <a:buChar char="■"/>
+              <a:defRPr sz="1800" kern="1200" baseline="0">
+                <a:solidFill>
+                  <a:schemeClr val="tx2"/>
+                </a:solidFill>
+                <a:latin typeface="+mn-lt"/>
+                <a:ea typeface="+mn-ea"/>
+                <a:cs typeface="+mn-cs"/>
+              </a:defRPr>
+            </a:lvl3pPr>
+            <a:lvl4pPr marL="1828800" indent="-384048" algn="l" defTabSz="685800" rtl="0" eaLnBrk="1" latinLnBrk="0" hangingPunct="1">
+              <a:lnSpc>
+                <a:spcPct val="94000"/>
+              </a:lnSpc>
+              <a:spcBef>
+                <a:spcPts val="500"/>
+              </a:spcBef>
+              <a:spcAft>
+                <a:spcPts val="200"/>
+              </a:spcAft>
+              <a:buFont typeface="Franklin Gothic Book" panose="020B0503020102020204" pitchFamily="34" charset="0"/>
+              <a:buChar char="–"/>
+              <a:defRPr sz="1800" i="1" kern="1200" baseline="0">
+                <a:solidFill>
+                  <a:schemeClr val="tx2"/>
+                </a:solidFill>
+                <a:latin typeface="+mn-lt"/>
+                <a:ea typeface="+mn-ea"/>
+                <a:cs typeface="+mn-cs"/>
+              </a:defRPr>
+            </a:lvl4pPr>
+            <a:lvl5pPr marL="2286000" indent="-384048" algn="l" defTabSz="685800" rtl="0" eaLnBrk="1" latinLnBrk="0" hangingPunct="1">
+              <a:lnSpc>
+                <a:spcPct val="94000"/>
+              </a:lnSpc>
+              <a:spcBef>
+                <a:spcPts val="500"/>
+              </a:spcBef>
+              <a:spcAft>
+                <a:spcPts val="200"/>
+              </a:spcAft>
+              <a:buFont typeface="Franklin Gothic Book" panose="020B0503020102020204" pitchFamily="34" charset="0"/>
+              <a:buChar char="■"/>
+              <a:defRPr sz="1600" kern="1200" baseline="0">
+                <a:solidFill>
+                  <a:schemeClr val="tx2"/>
+                </a:solidFill>
+                <a:latin typeface="+mn-lt"/>
+                <a:ea typeface="+mn-ea"/>
+                <a:cs typeface="+mn-cs"/>
+              </a:defRPr>
+            </a:lvl5pPr>
+            <a:lvl6pPr marL="2743200" indent="-384048" algn="l" defTabSz="685800" rtl="0" eaLnBrk="1" latinLnBrk="0" hangingPunct="1">
+              <a:lnSpc>
+                <a:spcPct val="94000"/>
+              </a:lnSpc>
+              <a:spcBef>
+                <a:spcPts val="500"/>
+              </a:spcBef>
+              <a:spcAft>
+                <a:spcPts val="200"/>
+              </a:spcAft>
+              <a:buFont typeface="Franklin Gothic Book" panose="020B0503020102020204" pitchFamily="34" charset="0"/>
+              <a:buChar char="–"/>
+              <a:defRPr sz="1600" i="1" kern="1200" baseline="0">
+                <a:solidFill>
+                  <a:schemeClr val="tx2"/>
+                </a:solidFill>
+                <a:latin typeface="+mn-lt"/>
+                <a:ea typeface="+mn-ea"/>
+                <a:cs typeface="+mn-cs"/>
+              </a:defRPr>
+            </a:lvl6pPr>
+            <a:lvl7pPr marL="3200400" indent="-384048" algn="l" defTabSz="685800" rtl="0" eaLnBrk="1" latinLnBrk="0" hangingPunct="1">
+              <a:lnSpc>
+                <a:spcPct val="94000"/>
+              </a:lnSpc>
+              <a:spcBef>
+                <a:spcPts val="500"/>
+              </a:spcBef>
+              <a:spcAft>
+                <a:spcPts val="200"/>
+              </a:spcAft>
+              <a:buFont typeface="Franklin Gothic Book" panose="020B0503020102020204" pitchFamily="34" charset="0"/>
+              <a:buChar char="■"/>
+              <a:defRPr sz="1400" kern="1200" baseline="0">
+                <a:solidFill>
+                  <a:schemeClr val="tx2"/>
+                </a:solidFill>
+                <a:latin typeface="+mn-lt"/>
+                <a:ea typeface="+mn-ea"/>
+                <a:cs typeface="+mn-cs"/>
+              </a:defRPr>
+            </a:lvl7pPr>
+            <a:lvl8pPr marL="3657600" indent="-384048" algn="l" defTabSz="685800" rtl="0" eaLnBrk="1" latinLnBrk="0" hangingPunct="1">
+              <a:lnSpc>
+                <a:spcPct val="94000"/>
+              </a:lnSpc>
+              <a:spcBef>
+                <a:spcPts val="500"/>
+              </a:spcBef>
+              <a:spcAft>
+                <a:spcPts val="200"/>
+              </a:spcAft>
+              <a:buFont typeface="Franklin Gothic Book" panose="020B0503020102020204" pitchFamily="34" charset="0"/>
+              <a:buChar char="–"/>
+              <a:defRPr sz="1400" i="1" kern="1200" baseline="0">
+                <a:solidFill>
+                  <a:schemeClr val="tx2"/>
+                </a:solidFill>
+                <a:latin typeface="+mn-lt"/>
+                <a:ea typeface="+mn-ea"/>
+                <a:cs typeface="+mn-cs"/>
+              </a:defRPr>
+            </a:lvl8pPr>
+            <a:lvl9pPr marL="4114800" indent="-384048" algn="l" defTabSz="685800" rtl="0" eaLnBrk="1" latinLnBrk="0" hangingPunct="1">
+              <a:lnSpc>
+                <a:spcPct val="94000"/>
+              </a:lnSpc>
+              <a:spcBef>
+                <a:spcPts val="500"/>
+              </a:spcBef>
+              <a:spcAft>
+                <a:spcPts val="200"/>
+              </a:spcAft>
+              <a:buFont typeface="Franklin Gothic Book" panose="020B0503020102020204" pitchFamily="34" charset="0"/>
+              <a:buChar char="■"/>
+              <a:defRPr sz="1400" kern="1200" baseline="0">
+                <a:solidFill>
+                  <a:schemeClr val="tx2"/>
+                </a:solidFill>
+                <a:latin typeface="+mn-lt"/>
+                <a:ea typeface="+mn-ea"/>
+                <a:cs typeface="+mn-cs"/>
+              </a:defRPr>
+            </a:lvl9pPr>
+          </a:lstStyle>
+          <a:p>
+            <a:r>
+              <a:rPr lang="en-US" sz="2200" dirty="0">
+                <a:solidFill>
+                  <a:schemeClr val="tx1"/>
+                </a:solidFill>
+              </a:rPr>
+              <a:t>R-squared = </a:t>
+            </a:r>
+            <a:r>
+              <a:rPr lang="en-US" sz="2200" dirty="0">
+                <a:solidFill>
+                  <a:srgbClr val="FF0000"/>
+                </a:solidFill>
+              </a:rPr>
+              <a:t>0.04402</a:t>
+            </a:r>
+            <a:endParaRPr lang="en-US" sz="2200" dirty="0">
+              <a:solidFill>
+                <a:schemeClr val="tx1"/>
+              </a:solidFill>
+            </a:endParaRPr>
+          </a:p>
+          <a:p>
+            <a:r>
+              <a:rPr lang="en-US" sz="2200" dirty="0">
+                <a:solidFill>
+                  <a:schemeClr val="tx1"/>
+                </a:solidFill>
+              </a:rPr>
+              <a:t>Some outliers seem a bit extreme</a:t>
+            </a:r>
+          </a:p>
+          <a:p>
+            <a:pPr lvl="1"/>
+            <a:r>
+              <a:rPr lang="en-US" sz="2200" dirty="0">
+                <a:solidFill>
+                  <a:schemeClr val="tx1"/>
+                </a:solidFill>
+              </a:rPr>
+              <a:t>Only 12 out of &gt;100,000 are greater than 1000</a:t>
+            </a:r>
+          </a:p>
+          <a:p>
+            <a:pPr lvl="1"/>
+            <a:r>
+              <a:rPr lang="en-US" sz="2200" dirty="0">
+                <a:solidFill>
+                  <a:schemeClr val="tx1"/>
+                </a:solidFill>
+              </a:rPr>
+              <a:t>New R-squared = 0.0909</a:t>
+            </a:r>
+          </a:p>
+        </p:txBody>
+      </p:sp>
+      <p:pic>
+        <p:nvPicPr>
+          <p:cNvPr id="10" name="Content Placeholder 9" descr="A screenshot of a cell phone&#10;&#10;Description automatically generated">
+            <a:extLst>
+              <a:ext uri="{FF2B5EF4-FFF2-40B4-BE49-F238E27FC236}">
+                <a16:creationId xmlns:a16="http://schemas.microsoft.com/office/drawing/2014/main" id="{60D0F189-1001-46A0-8637-013302C34553}"/>
+              </a:ext>
+            </a:extLst>
+          </p:cNvPr>
+          <p:cNvPicPr>
+            <a:picLocks noGrp="1" noChangeAspect="1"/>
+          </p:cNvPicPr>
+          <p:nvPr>
+            <p:ph sz="half" idx="1"/>
+          </p:nvPr>
+        </p:nvPicPr>
+        <p:blipFill>
+          <a:blip r:embed="rId2">
+            <a:extLst>
+              <a:ext uri="{28A0092B-C50C-407E-A947-70E740481C1C}">
+                <a14:useLocalDpi xmlns:a14="http://schemas.microsoft.com/office/drawing/2010/main" val="0"/>
+              </a:ext>
+            </a:extLst>
+          </a:blip>
+          <a:stretch>
+            <a:fillRect/>
+          </a:stretch>
+        </p:blipFill>
+        <p:spPr>
+          <a:xfrm>
+            <a:off x="1027112" y="914400"/>
+            <a:ext cx="3335338" cy="3335338"/>
+          </a:xfrm>
+          <a:effectLst>
+            <a:outerShdw blurRad="50800" dist="38100" dir="2700000" algn="tl" rotWithShape="0">
+              <a:prstClr val="black">
+                <a:alpha val="40000"/>
+              </a:prstClr>
+            </a:outerShdw>
+          </a:effectLst>
+        </p:spPr>
+      </p:pic>
+      <p:pic>
+        <p:nvPicPr>
+          <p:cNvPr id="13" name="Content Placeholder 12" descr="A screenshot of a cell phone&#10;&#10;Description automatically generated">
+            <a:extLst>
+              <a:ext uri="{FF2B5EF4-FFF2-40B4-BE49-F238E27FC236}">
+                <a16:creationId xmlns:a16="http://schemas.microsoft.com/office/drawing/2014/main" id="{4FB4C32D-F92F-4B93-808A-98235CF76A08}"/>
+              </a:ext>
+            </a:extLst>
+          </p:cNvPr>
+          <p:cNvPicPr>
+            <a:picLocks noGrp="1" noChangeAspect="1"/>
+          </p:cNvPicPr>
+          <p:nvPr>
+            <p:ph sz="half" idx="2"/>
+          </p:nvPr>
+        </p:nvPicPr>
+        <p:blipFill>
+          <a:blip r:embed="rId3">
+            <a:extLst>
+              <a:ext uri="{28A0092B-C50C-407E-A947-70E740481C1C}">
+                <a14:useLocalDpi xmlns:a14="http://schemas.microsoft.com/office/drawing/2010/main" val="0"/>
+              </a:ext>
+            </a:extLst>
+          </a:blip>
+          <a:stretch>
+            <a:fillRect/>
+          </a:stretch>
+        </p:blipFill>
+        <p:spPr>
+          <a:xfrm>
+            <a:off x="4781552" y="914401"/>
+            <a:ext cx="3335337" cy="3335337"/>
+          </a:xfrm>
+          <a:effectLst>
+            <a:outerShdw blurRad="50800" dist="38100" dir="2700000" algn="tl" rotWithShape="0">
+              <a:prstClr val="black">
+                <a:alpha val="40000"/>
+              </a:prstClr>
+            </a:outerShdw>
+          </a:effectLst>
+        </p:spPr>
+      </p:pic>
+    </p:spTree>
+    <p:extLst>
+      <p:ext uri="{BB962C8B-B14F-4D97-AF65-F5344CB8AC3E}">
+        <p14:creationId xmlns:p14="http://schemas.microsoft.com/office/powerpoint/2010/main" val="4031541239"/>
+      </p:ext>
+    </p:extLst>
+  </p:cSld>
+  <p:clrMapOvr>
+    <a:masterClrMapping/>
+  </p:clrMapOvr>
+</p:sld>
+</file>
+
+<file path=ppt/slides/slide25.xml><?xml version="1.0" encoding="utf-8"?>
+<p:sld xmlns:a="http://schemas.openxmlformats.org/drawingml/2006/main" xmlns:r="http://schemas.openxmlformats.org/officeDocument/2006/relationships" xmlns:p="http://schemas.openxmlformats.org/presentationml/2006/main">
+  <p:cSld>
+    <p:spTree>
+      <p:nvGrpSpPr>
+        <p:cNvPr id="1" name=""/>
+        <p:cNvGrpSpPr/>
+        <p:nvPr/>
+      </p:nvGrpSpPr>
+      <p:grpSpPr>
+        <a:xfrm>
+          <a:off x="0" y="0"/>
+          <a:ext cx="0" cy="0"/>
+          <a:chOff x="0" y="0"/>
+          <a:chExt cx="0" cy="0"/>
+        </a:xfrm>
+      </p:grpSpPr>
+      <p:sp>
+        <p:nvSpPr>
+          <p:cNvPr id="2" name="Title 1">
+            <a:extLst>
+              <a:ext uri="{FF2B5EF4-FFF2-40B4-BE49-F238E27FC236}">
+                <a16:creationId xmlns:a16="http://schemas.microsoft.com/office/drawing/2014/main" id="{A6BC0C61-EB17-457A-9B6C-10566010700A}"/>
+              </a:ext>
+            </a:extLst>
+          </p:cNvPr>
+          <p:cNvSpPr>
+            <a:spLocks noGrp="1"/>
+          </p:cNvSpPr>
+          <p:nvPr>
+            <p:ph type="title"/>
+          </p:nvPr>
+        </p:nvSpPr>
+        <p:spPr>
+          <a:xfrm>
+            <a:off x="971550" y="0"/>
+            <a:ext cx="7200900" cy="1485900"/>
+          </a:xfrm>
+        </p:spPr>
+        <p:txBody>
+          <a:bodyPr/>
+          <a:lstStyle/>
+          <a:p>
+            <a:r>
+              <a:rPr lang="en-US" dirty="0"/>
+              <a:t>Linear Regression (</a:t>
+            </a:r>
+            <a:r>
+              <a:rPr lang="en-US" i="1" dirty="0"/>
+              <a:t>Cont’d)</a:t>
+            </a:r>
+            <a:endParaRPr lang="en-US" dirty="0"/>
+          </a:p>
+        </p:txBody>
+      </p:sp>
+      <p:sp>
+        <p:nvSpPr>
+          <p:cNvPr id="8" name="Content Placeholder 2">
+            <a:extLst>
+              <a:ext uri="{FF2B5EF4-FFF2-40B4-BE49-F238E27FC236}">
+                <a16:creationId xmlns:a16="http://schemas.microsoft.com/office/drawing/2014/main" id="{1C7ED61D-04C1-410D-BB4C-10C43120D504}"/>
+              </a:ext>
+            </a:extLst>
+          </p:cNvPr>
+          <p:cNvSpPr txBox="1">
+            <a:spLocks/>
+          </p:cNvSpPr>
+          <p:nvPr/>
+        </p:nvSpPr>
+        <p:spPr>
+          <a:xfrm>
+            <a:off x="1066800" y="5426651"/>
+            <a:ext cx="7200900" cy="1643497"/>
+          </a:xfrm>
+          <a:prstGeom prst="rect">
+            <a:avLst/>
+          </a:prstGeom>
+        </p:spPr>
+        <p:txBody>
+          <a:bodyPr vert="horz" lIns="91440" tIns="45720" rIns="91440" bIns="45720" rtlCol="0">
+            <a:normAutofit/>
+          </a:bodyPr>
+          <a:lstStyle>
+            <a:lvl1pPr marL="384048" indent="-384048" algn="l" defTabSz="685800" rtl="0" eaLnBrk="1" latinLnBrk="0" hangingPunct="1">
+              <a:lnSpc>
+                <a:spcPct val="94000"/>
+              </a:lnSpc>
+              <a:spcBef>
+                <a:spcPts val="1000"/>
+              </a:spcBef>
+              <a:spcAft>
+                <a:spcPts val="200"/>
+              </a:spcAft>
+              <a:buFont typeface="Franklin Gothic Book" panose="020B0503020102020204" pitchFamily="34" charset="0"/>
+              <a:buChar char="■"/>
+              <a:defRPr sz="2000" kern="1200" baseline="0">
+                <a:solidFill>
+                  <a:schemeClr val="tx2"/>
+                </a:solidFill>
+                <a:latin typeface="+mn-lt"/>
+                <a:ea typeface="+mn-ea"/>
+                <a:cs typeface="+mn-cs"/>
+              </a:defRPr>
+            </a:lvl1pPr>
+            <a:lvl2pPr marL="914400" indent="-384048" algn="l" defTabSz="685800" rtl="0" eaLnBrk="1" latinLnBrk="0" hangingPunct="1">
+              <a:lnSpc>
+                <a:spcPct val="94000"/>
+              </a:lnSpc>
+              <a:spcBef>
+                <a:spcPts val="500"/>
+              </a:spcBef>
+              <a:spcAft>
+                <a:spcPts val="200"/>
+              </a:spcAft>
+              <a:buFont typeface="Franklin Gothic Book" panose="020B0503020102020204" pitchFamily="34" charset="0"/>
+              <a:buChar char="–"/>
+              <a:defRPr sz="2000" i="1" kern="1200" baseline="0">
+                <a:solidFill>
+                  <a:schemeClr val="tx2"/>
+                </a:solidFill>
+                <a:latin typeface="+mn-lt"/>
+                <a:ea typeface="+mn-ea"/>
+                <a:cs typeface="+mn-cs"/>
+              </a:defRPr>
+            </a:lvl2pPr>
+            <a:lvl3pPr marL="1371600" indent="-384048" algn="l" defTabSz="685800" rtl="0" eaLnBrk="1" latinLnBrk="0" hangingPunct="1">
+              <a:lnSpc>
+                <a:spcPct val="94000"/>
+              </a:lnSpc>
+              <a:spcBef>
+                <a:spcPts val="500"/>
+              </a:spcBef>
+              <a:spcAft>
+                <a:spcPts val="200"/>
+              </a:spcAft>
+              <a:buFont typeface="Franklin Gothic Book" panose="020B0503020102020204" pitchFamily="34" charset="0"/>
+              <a:buChar char="■"/>
+              <a:defRPr sz="1800" kern="1200" baseline="0">
+                <a:solidFill>
+                  <a:schemeClr val="tx2"/>
+                </a:solidFill>
+                <a:latin typeface="+mn-lt"/>
+                <a:ea typeface="+mn-ea"/>
+                <a:cs typeface="+mn-cs"/>
+              </a:defRPr>
+            </a:lvl3pPr>
+            <a:lvl4pPr marL="1828800" indent="-384048" algn="l" defTabSz="685800" rtl="0" eaLnBrk="1" latinLnBrk="0" hangingPunct="1">
+              <a:lnSpc>
+                <a:spcPct val="94000"/>
+              </a:lnSpc>
+              <a:spcBef>
+                <a:spcPts val="500"/>
+              </a:spcBef>
+              <a:spcAft>
+                <a:spcPts val="200"/>
+              </a:spcAft>
+              <a:buFont typeface="Franklin Gothic Book" panose="020B0503020102020204" pitchFamily="34" charset="0"/>
+              <a:buChar char="–"/>
+              <a:defRPr sz="1800" i="1" kern="1200" baseline="0">
+                <a:solidFill>
+                  <a:schemeClr val="tx2"/>
+                </a:solidFill>
+                <a:latin typeface="+mn-lt"/>
+                <a:ea typeface="+mn-ea"/>
+                <a:cs typeface="+mn-cs"/>
+              </a:defRPr>
+            </a:lvl4pPr>
+            <a:lvl5pPr marL="2286000" indent="-384048" algn="l" defTabSz="685800" rtl="0" eaLnBrk="1" latinLnBrk="0" hangingPunct="1">
+              <a:lnSpc>
+                <a:spcPct val="94000"/>
+              </a:lnSpc>
+              <a:spcBef>
+                <a:spcPts val="500"/>
+              </a:spcBef>
+              <a:spcAft>
+                <a:spcPts val="200"/>
+              </a:spcAft>
+              <a:buFont typeface="Franklin Gothic Book" panose="020B0503020102020204" pitchFamily="34" charset="0"/>
+              <a:buChar char="■"/>
+              <a:defRPr sz="1600" kern="1200" baseline="0">
+                <a:solidFill>
+                  <a:schemeClr val="tx2"/>
+                </a:solidFill>
+                <a:latin typeface="+mn-lt"/>
+                <a:ea typeface="+mn-ea"/>
+                <a:cs typeface="+mn-cs"/>
+              </a:defRPr>
+            </a:lvl5pPr>
+            <a:lvl6pPr marL="2743200" indent="-384048" algn="l" defTabSz="685800" rtl="0" eaLnBrk="1" latinLnBrk="0" hangingPunct="1">
+              <a:lnSpc>
+                <a:spcPct val="94000"/>
+              </a:lnSpc>
+              <a:spcBef>
+                <a:spcPts val="500"/>
+              </a:spcBef>
+              <a:spcAft>
+                <a:spcPts val="200"/>
+              </a:spcAft>
+              <a:buFont typeface="Franklin Gothic Book" panose="020B0503020102020204" pitchFamily="34" charset="0"/>
+              <a:buChar char="–"/>
+              <a:defRPr sz="1600" i="1" kern="1200" baseline="0">
+                <a:solidFill>
+                  <a:schemeClr val="tx2"/>
+                </a:solidFill>
+                <a:latin typeface="+mn-lt"/>
+                <a:ea typeface="+mn-ea"/>
+                <a:cs typeface="+mn-cs"/>
+              </a:defRPr>
+            </a:lvl6pPr>
+            <a:lvl7pPr marL="3200400" indent="-384048" algn="l" defTabSz="685800" rtl="0" eaLnBrk="1" latinLnBrk="0" hangingPunct="1">
+              <a:lnSpc>
+                <a:spcPct val="94000"/>
+              </a:lnSpc>
+              <a:spcBef>
+                <a:spcPts val="500"/>
+              </a:spcBef>
+              <a:spcAft>
+                <a:spcPts val="200"/>
+              </a:spcAft>
+              <a:buFont typeface="Franklin Gothic Book" panose="020B0503020102020204" pitchFamily="34" charset="0"/>
+              <a:buChar char="■"/>
+              <a:defRPr sz="1400" kern="1200" baseline="0">
+                <a:solidFill>
+                  <a:schemeClr val="tx2"/>
+                </a:solidFill>
+                <a:latin typeface="+mn-lt"/>
+                <a:ea typeface="+mn-ea"/>
+                <a:cs typeface="+mn-cs"/>
+              </a:defRPr>
+            </a:lvl7pPr>
+            <a:lvl8pPr marL="3657600" indent="-384048" algn="l" defTabSz="685800" rtl="0" eaLnBrk="1" latinLnBrk="0" hangingPunct="1">
+              <a:lnSpc>
+                <a:spcPct val="94000"/>
+              </a:lnSpc>
+              <a:spcBef>
+                <a:spcPts val="500"/>
+              </a:spcBef>
+              <a:spcAft>
+                <a:spcPts val="200"/>
+              </a:spcAft>
+              <a:buFont typeface="Franklin Gothic Book" panose="020B0503020102020204" pitchFamily="34" charset="0"/>
+              <a:buChar char="–"/>
+              <a:defRPr sz="1400" i="1" kern="1200" baseline="0">
+                <a:solidFill>
+                  <a:schemeClr val="tx2"/>
+                </a:solidFill>
+                <a:latin typeface="+mn-lt"/>
+                <a:ea typeface="+mn-ea"/>
+                <a:cs typeface="+mn-cs"/>
+              </a:defRPr>
+            </a:lvl8pPr>
+            <a:lvl9pPr marL="4114800" indent="-384048" algn="l" defTabSz="685800" rtl="0" eaLnBrk="1" latinLnBrk="0" hangingPunct="1">
+              <a:lnSpc>
+                <a:spcPct val="94000"/>
+              </a:lnSpc>
+              <a:spcBef>
+                <a:spcPts val="500"/>
+              </a:spcBef>
+              <a:spcAft>
+                <a:spcPts val="200"/>
+              </a:spcAft>
+              <a:buFont typeface="Franklin Gothic Book" panose="020B0503020102020204" pitchFamily="34" charset="0"/>
+              <a:buChar char="■"/>
+              <a:defRPr sz="1400" kern="1200" baseline="0">
+                <a:solidFill>
+                  <a:schemeClr val="tx2"/>
+                </a:solidFill>
+                <a:latin typeface="+mn-lt"/>
+                <a:ea typeface="+mn-ea"/>
+                <a:cs typeface="+mn-cs"/>
+              </a:defRPr>
+            </a:lvl9pPr>
+          </a:lstStyle>
+          <a:p>
+            <a:r>
+              <a:rPr lang="en-US" dirty="0">
+                <a:solidFill>
+                  <a:schemeClr val="tx1"/>
+                </a:solidFill>
+              </a:rPr>
+              <a:t>Log transformation used on </a:t>
+            </a:r>
+            <a:r>
+              <a:rPr lang="en-US" i="1" dirty="0">
+                <a:solidFill>
+                  <a:schemeClr val="tx1"/>
+                </a:solidFill>
+              </a:rPr>
+              <a:t>y</a:t>
+            </a:r>
+            <a:r>
+              <a:rPr lang="en-US" dirty="0">
+                <a:solidFill>
+                  <a:schemeClr val="tx1"/>
+                </a:solidFill>
+              </a:rPr>
+              <a:t>.</a:t>
+            </a:r>
+          </a:p>
+          <a:p>
+            <a:r>
+              <a:rPr lang="en-US" dirty="0">
+                <a:solidFill>
+                  <a:schemeClr val="tx1"/>
+                </a:solidFill>
+              </a:rPr>
+              <a:t>Clearly error isn’t random. </a:t>
+            </a:r>
+          </a:p>
+          <a:p>
+            <a:r>
+              <a:rPr lang="en-US" dirty="0">
+                <a:solidFill>
+                  <a:schemeClr val="tx1"/>
+                </a:solidFill>
+              </a:rPr>
+              <a:t>Perhaps a linear model isn’t the best</a:t>
+            </a:r>
+          </a:p>
+          <a:p>
+            <a:pPr marL="0" indent="0">
+              <a:buNone/>
+            </a:pPr>
+            <a:endParaRPr lang="en-US" dirty="0">
+              <a:solidFill>
+                <a:srgbClr val="FF0000"/>
+              </a:solidFill>
+            </a:endParaRPr>
+          </a:p>
+        </p:txBody>
+      </p:sp>
+      <p:pic>
+        <p:nvPicPr>
+          <p:cNvPr id="5" name="Picture 4" descr="A screenshot of a cell phone&#10;&#10;Description automatically generated">
+            <a:extLst>
+              <a:ext uri="{FF2B5EF4-FFF2-40B4-BE49-F238E27FC236}">
+                <a16:creationId xmlns:a16="http://schemas.microsoft.com/office/drawing/2014/main" id="{E480EDA9-FBC2-4BC8-934E-1D6344A51EE9}"/>
+              </a:ext>
+            </a:extLst>
+          </p:cNvPr>
+          <p:cNvPicPr>
+            <a:picLocks noChangeAspect="1"/>
+          </p:cNvPicPr>
+          <p:nvPr/>
+        </p:nvPicPr>
+        <p:blipFill>
+          <a:blip r:embed="rId2">
+            <a:extLst>
+              <a:ext uri="{28A0092B-C50C-407E-A947-70E740481C1C}">
+                <a14:useLocalDpi xmlns:a14="http://schemas.microsoft.com/office/drawing/2010/main" val="0"/>
+              </a:ext>
+            </a:extLst>
+          </a:blip>
+          <a:stretch>
+            <a:fillRect/>
+          </a:stretch>
+        </p:blipFill>
+        <p:spPr>
+          <a:xfrm>
+            <a:off x="2356138" y="742950"/>
+            <a:ext cx="4431723" cy="4431723"/>
+          </a:xfrm>
+          <a:prstGeom prst="rect">
+            <a:avLst/>
+          </a:prstGeom>
+          <a:effectLst>
+            <a:outerShdw blurRad="50800" dist="38100" dir="2700000" algn="tl" rotWithShape="0">
+              <a:prstClr val="black">
+                <a:alpha val="40000"/>
+              </a:prstClr>
+            </a:outerShdw>
+          </a:effectLst>
+        </p:spPr>
+      </p:pic>
+    </p:spTree>
+    <p:extLst>
+      <p:ext uri="{BB962C8B-B14F-4D97-AF65-F5344CB8AC3E}">
+        <p14:creationId xmlns:p14="http://schemas.microsoft.com/office/powerpoint/2010/main" val="1991486928"/>
+      </p:ext>
+    </p:extLst>
+  </p:cSld>
+  <p:clrMapOvr>
+    <a:masterClrMapping/>
+  </p:clrMapOvr>
+</p:sld>
+</file>
+
+<file path=ppt/slides/slide26.xml><?xml version="1.0" encoding="utf-8"?>
+<p:sld xmlns:a="http://schemas.openxmlformats.org/drawingml/2006/main" xmlns:r="http://schemas.openxmlformats.org/officeDocument/2006/relationships" xmlns:p="http://schemas.openxmlformats.org/presentationml/2006/main">
+  <p:cSld>
+    <p:bg>
+      <p:bgPr>
+        <a:solidFill>
+          <a:schemeClr val="bg2"/>
+        </a:solidFill>
+        <a:effectLst/>
+      </p:bgPr>
+    </p:bg>
+    <p:spTree>
+      <p:nvGrpSpPr>
+        <p:cNvPr id="1" name=""/>
+        <p:cNvGrpSpPr/>
+        <p:nvPr/>
+      </p:nvGrpSpPr>
+      <p:grpSpPr>
+        <a:xfrm>
+          <a:off x="0" y="0"/>
+          <a:ext cx="0" cy="0"/>
+          <a:chOff x="0" y="0"/>
+          <a:chExt cx="0" cy="0"/>
+        </a:xfrm>
+      </p:grpSpPr>
+      <p:sp>
+        <p:nvSpPr>
+          <p:cNvPr id="22" name="Rectangle 21">
+            <a:extLst>
+              <a:ext uri="{FF2B5EF4-FFF2-40B4-BE49-F238E27FC236}">
+                <a16:creationId xmlns:a16="http://schemas.microsoft.com/office/drawing/2014/main" id="{1C47D4F4-0CFE-4B87-8C7E-3681081D3C5A}"/>
+              </a:ext>
+              <a:ext uri="{C183D7F6-B498-43B3-948B-1728B52AA6E4}">
+                <adec:decorative xmlns:adec="http://schemas.microsoft.com/office/drawing/2017/decorative" val="1"/>
+              </a:ext>
+            </a:extLst>
+          </p:cNvPr>
+          <p:cNvSpPr>
+            <a:spLocks noGrp="1" noRot="1" noChangeAspect="1" noMove="1" noResize="1" noEditPoints="1" noAdjustHandles="1" noChangeArrowheads="1" noChangeShapeType="1" noTextEdit="1"/>
+          </p:cNvSpPr>
+          <p:nvPr>
+            <p:extLst>
+              <p:ext uri="{386F3935-93C4-4BCD-93E2-E3B085C9AB24}">
+                <p16:designElem xmlns:p16="http://schemas.microsoft.com/office/powerpoint/2015/main" val="1"/>
+              </p:ext>
+            </p:extLst>
+          </p:nvPr>
+        </p:nvSpPr>
+        <p:spPr>
+          <a:xfrm>
+            <a:off x="358571" y="376"/>
+            <a:ext cx="171450" cy="6858000"/>
+          </a:xfrm>
+          <a:prstGeom prst="rect">
+            <a:avLst/>
+          </a:prstGeom>
+          <a:solidFill>
+            <a:schemeClr val="tx2"/>
+          </a:solidFill>
+          <a:ln>
+            <a:noFill/>
+          </a:ln>
+        </p:spPr>
+        <p:style>
+          <a:lnRef idx="2">
+            <a:schemeClr val="accent1">
+              <a:shade val="50000"/>
+            </a:schemeClr>
+          </a:lnRef>
+          <a:fillRef idx="1">
+            <a:schemeClr val="accent1"/>
+          </a:fillRef>
+          <a:effectRef idx="0">
+            <a:schemeClr val="accent1"/>
+          </a:effectRef>
+          <a:fontRef idx="minor">
+            <a:schemeClr val="lt1"/>
+          </a:fontRef>
+        </p:style>
+      </p:sp>
+      <p:sp useBgFill="1">
+        <p:nvSpPr>
+          <p:cNvPr id="24" name="Rectangle 23">
+            <a:extLst>
+              <a:ext uri="{FF2B5EF4-FFF2-40B4-BE49-F238E27FC236}">
+                <a16:creationId xmlns:a16="http://schemas.microsoft.com/office/drawing/2014/main" id="{B98CA5AE-F2E4-4A6F-B986-89804B1EC016}"/>
+              </a:ext>
+              <a:ext uri="{C183D7F6-B498-43B3-948B-1728B52AA6E4}">
+                <adec:decorative xmlns:adec="http://schemas.microsoft.com/office/drawing/2017/decorative" val="1"/>
+              </a:ext>
+            </a:extLst>
+          </p:cNvPr>
+          <p:cNvSpPr>
+            <a:spLocks noGrp="1" noRot="1" noChangeAspect="1" noMove="1" noResize="1" noEditPoints="1" noAdjustHandles="1" noChangeArrowheads="1" noChangeShapeType="1" noTextEdit="1"/>
+          </p:cNvSpPr>
+          <p:nvPr>
+            <p:extLst>
+              <p:ext uri="{386F3935-93C4-4BCD-93E2-E3B085C9AB24}">
+                <p16:designElem xmlns:p16="http://schemas.microsoft.com/office/powerpoint/2015/main" val="1"/>
+              </p:ext>
+            </p:extLst>
+          </p:nvPr>
+        </p:nvSpPr>
+        <p:spPr>
+          <a:xfrm>
+            <a:off x="0" y="0"/>
+            <a:ext cx="9144000" cy="6858000"/>
+          </a:xfrm>
+          <a:prstGeom prst="rect">
+            <a:avLst/>
+          </a:prstGeom>
+          <a:ln>
+            <a:noFill/>
+          </a:ln>
+        </p:spPr>
+        <p:style>
+          <a:lnRef idx="2">
+            <a:schemeClr val="accent1">
+              <a:shade val="50000"/>
+            </a:schemeClr>
+          </a:lnRef>
+          <a:fillRef idx="1">
+            <a:schemeClr val="accent1"/>
+          </a:fillRef>
+          <a:effectRef idx="0">
+            <a:schemeClr val="accent1"/>
+          </a:effectRef>
+          <a:fontRef idx="minor">
+            <a:schemeClr val="lt1"/>
+          </a:fontRef>
+        </p:style>
+        <p:txBody>
+          <a:bodyPr rtlCol="0" anchor="ctr"/>
+          <a:lstStyle/>
+          <a:p>
+            <a:pPr algn="ctr"/>
+            <a:endParaRPr lang="en-US"/>
+          </a:p>
+        </p:txBody>
+      </p:sp>
+      <p:sp>
+        <p:nvSpPr>
+          <p:cNvPr id="2" name="Title 1">
+            <a:extLst>
+              <a:ext uri="{FF2B5EF4-FFF2-40B4-BE49-F238E27FC236}">
+                <a16:creationId xmlns:a16="http://schemas.microsoft.com/office/drawing/2014/main" id="{764DA353-4C5D-4229-97F8-DFACA78A5132}"/>
+              </a:ext>
+            </a:extLst>
+          </p:cNvPr>
+          <p:cNvSpPr>
+            <a:spLocks noGrp="1"/>
+          </p:cNvSpPr>
+          <p:nvPr>
+            <p:ph type="title"/>
+          </p:nvPr>
+        </p:nvSpPr>
+        <p:spPr>
+          <a:xfrm>
+            <a:off x="588557" y="685800"/>
+            <a:ext cx="4345106" cy="1485900"/>
+          </a:xfrm>
+        </p:spPr>
+        <p:txBody>
+          <a:bodyPr vert="horz" lIns="91440" tIns="45720" rIns="91440" bIns="45720" rtlCol="0" anchor="t">
+            <a:normAutofit/>
+          </a:bodyPr>
+          <a:lstStyle/>
+          <a:p>
+            <a:pPr defTabSz="914400"/>
+            <a:r>
+              <a:rPr lang="en-US" dirty="0"/>
+              <a:t>Trees</a:t>
+            </a:r>
+          </a:p>
+        </p:txBody>
+      </p:sp>
+      <p:sp>
+        <p:nvSpPr>
+          <p:cNvPr id="19" name="Content Placeholder 18">
+            <a:extLst>
+              <a:ext uri="{FF2B5EF4-FFF2-40B4-BE49-F238E27FC236}">
+                <a16:creationId xmlns:a16="http://schemas.microsoft.com/office/drawing/2014/main" id="{06EF2C0D-4D81-4EDA-B163-13BF29566EA6}"/>
+              </a:ext>
+            </a:extLst>
+          </p:cNvPr>
+          <p:cNvSpPr>
+            <a:spLocks noGrp="1"/>
+          </p:cNvSpPr>
+          <p:nvPr>
+            <p:ph sz="half" idx="1"/>
+          </p:nvPr>
+        </p:nvSpPr>
+        <p:spPr>
+          <a:xfrm>
+            <a:off x="548494" y="1537478"/>
+            <a:ext cx="4937906" cy="3948921"/>
+          </a:xfrm>
+        </p:spPr>
+        <p:txBody>
+          <a:bodyPr vert="horz" lIns="91440" tIns="45720" rIns="91440" bIns="45720" rtlCol="0">
+            <a:normAutofit/>
+          </a:bodyPr>
+          <a:lstStyle/>
+          <a:p>
+            <a:pPr defTabSz="914400"/>
+            <a:r>
+              <a:rPr lang="en-US" dirty="0"/>
+              <a:t>First Tree (untransformed </a:t>
+            </a:r>
+            <a:r>
+              <a:rPr lang="en-US" i="1" dirty="0"/>
+              <a:t>y</a:t>
+            </a:r>
+            <a:r>
+              <a:rPr lang="en-US" dirty="0"/>
+              <a:t>)</a:t>
+            </a:r>
+          </a:p>
+          <a:p>
+            <a:pPr lvl="1" defTabSz="914400"/>
+            <a:r>
+              <a:rPr lang="en-US" dirty="0"/>
+              <a:t>R-squared is very low: 0.08106</a:t>
+            </a:r>
+          </a:p>
+          <a:p>
+            <a:pPr lvl="1" defTabSz="914400"/>
+            <a:r>
+              <a:rPr lang="en-US" dirty="0"/>
+              <a:t>Unbalanced: 96% of data goes in one category.</a:t>
+            </a:r>
+          </a:p>
+          <a:p>
+            <a:pPr defTabSz="914400"/>
+            <a:r>
+              <a:rPr lang="en-US" dirty="0"/>
+              <a:t>Second Tree (log(</a:t>
+            </a:r>
+            <a:r>
+              <a:rPr lang="en-US" i="1" dirty="0"/>
+              <a:t>y</a:t>
+            </a:r>
+            <a:r>
+              <a:rPr lang="en-US" dirty="0"/>
+              <a:t>))</a:t>
+            </a:r>
+          </a:p>
+          <a:p>
+            <a:pPr lvl="1" defTabSz="914400"/>
+            <a:r>
+              <a:rPr lang="en-US" dirty="0"/>
+              <a:t>R-squared is better (but we can’t compare)</a:t>
+            </a:r>
+          </a:p>
+          <a:p>
+            <a:pPr lvl="1" defTabSz="914400"/>
+            <a:r>
+              <a:rPr lang="en-US" dirty="0"/>
+              <a:t>Takes more variables into account</a:t>
+            </a:r>
+          </a:p>
+          <a:p>
+            <a:pPr defTabSz="914400"/>
+            <a:endParaRPr lang="en-US" dirty="0"/>
+          </a:p>
+        </p:txBody>
+      </p:sp>
+      <p:pic>
+        <p:nvPicPr>
+          <p:cNvPr id="15" name="Picture 14" descr="A close up of a map&#10;&#10;Description automatically generated">
+            <a:extLst>
+              <a:ext uri="{FF2B5EF4-FFF2-40B4-BE49-F238E27FC236}">
+                <a16:creationId xmlns:a16="http://schemas.microsoft.com/office/drawing/2014/main" id="{6FD6C492-3603-4996-AB82-2A3331013534}"/>
+              </a:ext>
+            </a:extLst>
+          </p:cNvPr>
+          <p:cNvPicPr>
+            <a:picLocks noChangeAspect="1"/>
+          </p:cNvPicPr>
+          <p:nvPr/>
+        </p:nvPicPr>
+        <p:blipFill rotWithShape="1">
+          <a:blip r:embed="rId2">
+            <a:extLst>
+              <a:ext uri="{28A0092B-C50C-407E-A947-70E740481C1C}">
+                <a14:useLocalDpi xmlns:a14="http://schemas.microsoft.com/office/drawing/2010/main" val="0"/>
+              </a:ext>
+            </a:extLst>
+          </a:blip>
+          <a:srcRect r="106"/>
+          <a:stretch/>
+        </p:blipFill>
+        <p:spPr>
+          <a:xfrm>
+            <a:off x="5709196" y="3424272"/>
+            <a:ext cx="3434804" cy="3438457"/>
+          </a:xfrm>
+          <a:prstGeom prst="rect">
+            <a:avLst/>
+          </a:prstGeom>
+        </p:spPr>
+      </p:pic>
+      <p:sp>
+        <p:nvSpPr>
+          <p:cNvPr id="26" name="Rectangle 25">
+            <a:extLst>
+              <a:ext uri="{FF2B5EF4-FFF2-40B4-BE49-F238E27FC236}">
+                <a16:creationId xmlns:a16="http://schemas.microsoft.com/office/drawing/2014/main" id="{E67E3959-D0D8-49DB-A48B-CE4FC36871C5}"/>
+              </a:ext>
+              <a:ext uri="{C183D7F6-B498-43B3-948B-1728B52AA6E4}">
+                <adec:decorative xmlns:adec="http://schemas.microsoft.com/office/drawing/2017/decorative" val="1"/>
+              </a:ext>
+            </a:extLst>
+          </p:cNvPr>
+          <p:cNvSpPr>
+            <a:spLocks noGrp="1" noRot="1" noChangeAspect="1" noMove="1" noResize="1" noEditPoints="1" noAdjustHandles="1" noChangeArrowheads="1" noChangeShapeType="1" noTextEdit="1"/>
+          </p:cNvSpPr>
+          <p:nvPr>
+            <p:extLst>
+              <p:ext uri="{386F3935-93C4-4BCD-93E2-E3B085C9AB24}">
+                <p16:designElem xmlns:p16="http://schemas.microsoft.com/office/powerpoint/2015/main" val="1"/>
+              </p:ext>
+            </p:extLst>
+          </p:nvPr>
+        </p:nvSpPr>
+        <p:spPr>
+          <a:xfrm>
+            <a:off x="5537745" y="0"/>
+            <a:ext cx="171450" cy="6858000"/>
+          </a:xfrm>
+          <a:prstGeom prst="rect">
+            <a:avLst/>
+          </a:prstGeom>
+          <a:solidFill>
+            <a:schemeClr val="tx2"/>
+          </a:solidFill>
+          <a:ln>
+            <a:noFill/>
+          </a:ln>
+        </p:spPr>
+        <p:style>
+          <a:lnRef idx="2">
+            <a:schemeClr val="accent1">
+              <a:shade val="50000"/>
+            </a:schemeClr>
+          </a:lnRef>
+          <a:fillRef idx="1">
+            <a:schemeClr val="accent1"/>
+          </a:fillRef>
+          <a:effectRef idx="0">
+            <a:schemeClr val="accent1"/>
+          </a:effectRef>
+          <a:fontRef idx="minor">
+            <a:schemeClr val="lt1"/>
+          </a:fontRef>
+        </p:style>
+      </p:sp>
+      <p:pic>
+        <p:nvPicPr>
+          <p:cNvPr id="7" name="Content Placeholder 6" descr="A close up of a map&#10;&#10;Description automatically generated">
+            <a:extLst>
+              <a:ext uri="{FF2B5EF4-FFF2-40B4-BE49-F238E27FC236}">
+                <a16:creationId xmlns:a16="http://schemas.microsoft.com/office/drawing/2014/main" id="{35E9A04F-5B7D-4380-9103-96B8BB089650}"/>
+              </a:ext>
+            </a:extLst>
+          </p:cNvPr>
+          <p:cNvPicPr>
+            <a:picLocks noChangeAspect="1"/>
+          </p:cNvPicPr>
+          <p:nvPr/>
+        </p:nvPicPr>
+        <p:blipFill rotWithShape="1">
+          <a:blip r:embed="rId3">
+            <a:extLst>
+              <a:ext uri="{28A0092B-C50C-407E-A947-70E740481C1C}">
+                <a14:useLocalDpi xmlns:a14="http://schemas.microsoft.com/office/drawing/2010/main" val="0"/>
+              </a:ext>
+            </a:extLst>
+          </a:blip>
+          <a:srcRect t="169" r="-5" b="-5"/>
+          <a:stretch/>
+        </p:blipFill>
+        <p:spPr>
+          <a:xfrm>
+            <a:off x="5709195" y="0"/>
+            <a:ext cx="3434804" cy="3429000"/>
+          </a:xfrm>
+          <a:prstGeom prst="rect">
+            <a:avLst/>
+          </a:prstGeom>
+        </p:spPr>
+      </p:pic>
+    </p:spTree>
+    <p:extLst>
+      <p:ext uri="{BB962C8B-B14F-4D97-AF65-F5344CB8AC3E}">
+        <p14:creationId xmlns:p14="http://schemas.microsoft.com/office/powerpoint/2010/main" val="1912992482"/>
+      </p:ext>
+    </p:extLst>
+  </p:cSld>
+  <p:clrMapOvr>
+    <a:masterClrMapping/>
+  </p:clrMapOvr>
+</p:sld>
+</file>
+
+<file path=ppt/slides/slide27.xml><?xml version="1.0" encoding="utf-8"?>
+<p:sld xmlns:a="http://schemas.openxmlformats.org/drawingml/2006/main" xmlns:r="http://schemas.openxmlformats.org/officeDocument/2006/relationships" xmlns:p="http://schemas.openxmlformats.org/presentationml/2006/main">
+  <p:cSld>
+    <p:spTree>
+      <p:nvGrpSpPr>
+        <p:cNvPr id="1" name=""/>
+        <p:cNvGrpSpPr/>
+        <p:nvPr/>
+      </p:nvGrpSpPr>
+      <p:grpSpPr>
+        <a:xfrm>
+          <a:off x="0" y="0"/>
+          <a:ext cx="0" cy="0"/>
+          <a:chOff x="0" y="0"/>
+          <a:chExt cx="0" cy="0"/>
+        </a:xfrm>
+      </p:grpSpPr>
+      <p:sp>
+        <p:nvSpPr>
+          <p:cNvPr id="2" name="Title 1">
+            <a:extLst>
+              <a:ext uri="{FF2B5EF4-FFF2-40B4-BE49-F238E27FC236}">
+                <a16:creationId xmlns:a16="http://schemas.microsoft.com/office/drawing/2014/main" id="{014E2810-CD42-4579-8FAA-3DBB7DB9761E}"/>
+              </a:ext>
+            </a:extLst>
+          </p:cNvPr>
+          <p:cNvSpPr>
+            <a:spLocks noGrp="1"/>
+          </p:cNvSpPr>
+          <p:nvPr>
+            <p:ph type="title"/>
+          </p:nvPr>
+        </p:nvSpPr>
+        <p:spPr/>
+        <p:txBody>
+          <a:bodyPr/>
+          <a:lstStyle/>
+          <a:p>
+            <a:r>
+              <a:rPr lang="en-US" dirty="0"/>
+              <a:t>SVMs</a:t>
+            </a:r>
+          </a:p>
+        </p:txBody>
+      </p:sp>
+      <p:sp>
+        <p:nvSpPr>
+          <p:cNvPr id="3" name="Content Placeholder 2">
+            <a:extLst>
+              <a:ext uri="{FF2B5EF4-FFF2-40B4-BE49-F238E27FC236}">
+                <a16:creationId xmlns:a16="http://schemas.microsoft.com/office/drawing/2014/main" id="{E791D79A-E419-429A-86E0-7AE4C03266F4}"/>
+              </a:ext>
+            </a:extLst>
+          </p:cNvPr>
+          <p:cNvSpPr>
+            <a:spLocks noGrp="1"/>
+          </p:cNvSpPr>
+          <p:nvPr>
+            <p:ph sz="half" idx="1"/>
+          </p:nvPr>
+        </p:nvSpPr>
+        <p:spPr>
+          <a:xfrm>
+            <a:off x="1042555" y="3357418"/>
+            <a:ext cx="6362700" cy="3043382"/>
+          </a:xfrm>
+        </p:spPr>
+        <p:txBody>
+          <a:bodyPr/>
+          <a:lstStyle/>
+          <a:p>
+            <a:r>
+              <a:rPr lang="en-US" dirty="0"/>
+              <a:t>Took 5+ hours to converge!</a:t>
+            </a:r>
+          </a:p>
+          <a:p>
+            <a:r>
+              <a:rPr lang="en-US" dirty="0"/>
+              <a:t>C = 100 seems to be the best model. C = 1000 overfits the data.</a:t>
+            </a:r>
+          </a:p>
+          <a:p>
+            <a:r>
+              <a:rPr lang="en-US" dirty="0"/>
+              <a:t>None of them perform very well.</a:t>
+            </a:r>
+          </a:p>
+          <a:p>
+            <a:pPr lvl="1"/>
+            <a:r>
+              <a:rPr lang="en-US" dirty="0"/>
+              <a:t>Still the best we’ve found so far...</a:t>
+            </a:r>
+          </a:p>
+        </p:txBody>
+      </p:sp>
+      <p:graphicFrame>
+        <p:nvGraphicFramePr>
+          <p:cNvPr id="5" name="Object 4">
+            <a:extLst>
+              <a:ext uri="{FF2B5EF4-FFF2-40B4-BE49-F238E27FC236}">
+                <a16:creationId xmlns:a16="http://schemas.microsoft.com/office/drawing/2014/main" id="{01C0F455-AAD2-437E-9779-14CC0F527D9E}"/>
+              </a:ext>
+            </a:extLst>
+          </p:cNvPr>
+          <p:cNvGraphicFramePr>
+            <a:graphicFrameLocks noChangeAspect="1"/>
+          </p:cNvGraphicFramePr>
+          <p:nvPr>
+            <p:extLst>
+              <p:ext uri="{D42A27DB-BD31-4B8C-83A1-F6EECF244321}">
+                <p14:modId xmlns:p14="http://schemas.microsoft.com/office/powerpoint/2010/main" val="442444167"/>
+              </p:ext>
+            </p:extLst>
+          </p:nvPr>
+        </p:nvGraphicFramePr>
+        <p:xfrm>
+          <a:off x="3014504" y="457200"/>
+          <a:ext cx="5479852" cy="2667000"/>
+        </p:xfrm>
+        <a:graphic>
+          <a:graphicData uri="http://schemas.openxmlformats.org/presentationml/2006/ole">
+            <mc:AlternateContent xmlns:mc="http://schemas.openxmlformats.org/markup-compatibility/2006">
+              <mc:Choice xmlns:v="urn:schemas-microsoft-com:vml" Requires="v">
+                <p:oleObj spid="_x0000_s5127" name="Worksheet" r:id="rId3" imgW="2505144" imgH="1219149" progId="Excel.Sheet.12">
+                  <p:embed/>
+                </p:oleObj>
+              </mc:Choice>
+              <mc:Fallback>
+                <p:oleObj name="Worksheet" r:id="rId3" imgW="2505144" imgH="1219149" progId="Excel.Sheet.12">
+                  <p:embed/>
+                  <p:pic>
+                    <p:nvPicPr>
+                      <p:cNvPr id="0" name=""/>
+                      <p:cNvPicPr/>
+                      <p:nvPr/>
+                    </p:nvPicPr>
+                    <p:blipFill>
+                      <a:blip r:embed="rId4"/>
+                      <a:stretch>
+                        <a:fillRect/>
+                      </a:stretch>
+                    </p:blipFill>
+                    <p:spPr>
+                      <a:xfrm>
+                        <a:off x="3014504" y="457200"/>
+                        <a:ext cx="5479852" cy="2667000"/>
+                      </a:xfrm>
+                      <a:prstGeom prst="rect">
+                        <a:avLst/>
+                      </a:prstGeom>
+                    </p:spPr>
+                  </p:pic>
+                </p:oleObj>
+              </mc:Fallback>
+            </mc:AlternateContent>
+          </a:graphicData>
+        </a:graphic>
+      </p:graphicFrame>
+    </p:spTree>
+    <p:extLst>
+      <p:ext uri="{BB962C8B-B14F-4D97-AF65-F5344CB8AC3E}">
+        <p14:creationId xmlns:p14="http://schemas.microsoft.com/office/powerpoint/2010/main" val="2014976872"/>
+      </p:ext>
+    </p:extLst>
+  </p:cSld>
+  <p:clrMapOvr>
+    <a:masterClrMapping/>
+  </p:clrMapOvr>
+</p:sld>
+</file>
+
+<file path=ppt/slides/slide28.xml><?xml version="1.0" encoding="utf-8"?>
+<p:sld xmlns:a="http://schemas.openxmlformats.org/drawingml/2006/main" xmlns:r="http://schemas.openxmlformats.org/officeDocument/2006/relationships" xmlns:p="http://schemas.openxmlformats.org/presentationml/2006/main">
+  <p:cSld>
+    <p:bg>
+      <p:bgPr>
+        <a:solidFill>
+          <a:schemeClr val="bg2"/>
+        </a:solidFill>
+        <a:effectLst/>
+      </p:bgPr>
+    </p:bg>
+    <p:spTree>
+      <p:nvGrpSpPr>
+        <p:cNvPr id="1" name=""/>
+        <p:cNvGrpSpPr/>
+        <p:nvPr/>
+      </p:nvGrpSpPr>
+      <p:grpSpPr>
+        <a:xfrm>
+          <a:off x="0" y="0"/>
+          <a:ext cx="0" cy="0"/>
+          <a:chOff x="0" y="0"/>
+          <a:chExt cx="0" cy="0"/>
+        </a:xfrm>
+      </p:grpSpPr>
+      <p:sp>
+        <p:nvSpPr>
+          <p:cNvPr id="2" name="Title 1">
+            <a:extLst>
+              <a:ext uri="{FF2B5EF4-FFF2-40B4-BE49-F238E27FC236}">
+                <a16:creationId xmlns:a16="http://schemas.microsoft.com/office/drawing/2014/main" id="{CDC0A732-89C9-4869-AC8C-35709D84524F}"/>
+              </a:ext>
+            </a:extLst>
+          </p:cNvPr>
+          <p:cNvSpPr>
+            <a:spLocks noGrp="1"/>
+          </p:cNvSpPr>
+          <p:nvPr>
+            <p:ph type="title"/>
+          </p:nvPr>
+        </p:nvSpPr>
+        <p:spPr>
+          <a:xfrm>
+            <a:off x="838200" y="685800"/>
+            <a:ext cx="2462021" cy="1485900"/>
+          </a:xfrm>
+        </p:spPr>
+        <p:txBody>
+          <a:bodyPr>
+            <a:normAutofit/>
+          </a:bodyPr>
+          <a:lstStyle/>
+          <a:p>
+            <a:r>
+              <a:rPr lang="en-US" dirty="0"/>
+              <a:t>Random Forest</a:t>
+            </a:r>
+          </a:p>
+        </p:txBody>
+      </p:sp>
+      <p:sp>
+        <p:nvSpPr>
+          <p:cNvPr id="3" name="Content Placeholder 2">
+            <a:extLst>
+              <a:ext uri="{FF2B5EF4-FFF2-40B4-BE49-F238E27FC236}">
+                <a16:creationId xmlns:a16="http://schemas.microsoft.com/office/drawing/2014/main" id="{1AD9A301-F7DA-4216-B022-687B51E377CC}"/>
+              </a:ext>
+            </a:extLst>
+          </p:cNvPr>
+          <p:cNvSpPr>
+            <a:spLocks noGrp="1"/>
+          </p:cNvSpPr>
+          <p:nvPr>
+            <p:ph idx="1"/>
+          </p:nvPr>
+        </p:nvSpPr>
+        <p:spPr>
+          <a:xfrm>
+            <a:off x="838465" y="2286000"/>
+            <a:ext cx="2744900" cy="3581400"/>
+          </a:xfrm>
+        </p:spPr>
+        <p:txBody>
+          <a:bodyPr>
+            <a:normAutofit/>
+          </a:bodyPr>
+          <a:lstStyle/>
+          <a:p>
+            <a:r>
+              <a:rPr lang="en-US" dirty="0"/>
+              <a:t>Highest R-squared</a:t>
+            </a:r>
+          </a:p>
+          <a:p>
+            <a:pPr lvl="1"/>
+            <a:r>
+              <a:rPr lang="en-US" dirty="0"/>
+              <a:t>0.23279 on testing data</a:t>
+            </a:r>
+          </a:p>
+          <a:p>
+            <a:r>
+              <a:rPr lang="en-US" dirty="0"/>
+              <a:t>Finds very different variables important</a:t>
+            </a:r>
+          </a:p>
+        </p:txBody>
+      </p:sp>
+      <p:pic>
+        <p:nvPicPr>
+          <p:cNvPr id="5" name="Picture 4" descr="A screenshot of a social media post&#10;&#10;Description automatically generated">
+            <a:extLst>
+              <a:ext uri="{FF2B5EF4-FFF2-40B4-BE49-F238E27FC236}">
+                <a16:creationId xmlns:a16="http://schemas.microsoft.com/office/drawing/2014/main" id="{CDABBCF9-2546-4601-9A9F-25BADEB5B6E9}"/>
+              </a:ext>
+            </a:extLst>
+          </p:cNvPr>
+          <p:cNvPicPr>
+            <a:picLocks noChangeAspect="1"/>
+          </p:cNvPicPr>
+          <p:nvPr/>
+        </p:nvPicPr>
+        <p:blipFill>
+          <a:blip r:embed="rId2">
+            <a:extLst>
+              <a:ext uri="{28A0092B-C50C-407E-A947-70E740481C1C}">
+                <a14:useLocalDpi xmlns:a14="http://schemas.microsoft.com/office/drawing/2010/main" val="0"/>
+              </a:ext>
+            </a:extLst>
+          </a:blip>
+          <a:stretch>
+            <a:fillRect/>
+          </a:stretch>
+        </p:blipFill>
+        <p:spPr>
+          <a:xfrm>
+            <a:off x="3773600" y="825080"/>
+            <a:ext cx="4887799" cy="4887799"/>
+          </a:xfrm>
+          <a:prstGeom prst="rect">
+            <a:avLst/>
+          </a:prstGeom>
+          <a:effectLst>
+            <a:outerShdw blurRad="50800" dist="38100" dir="2700000" algn="tl" rotWithShape="0">
+              <a:prstClr val="black">
+                <a:alpha val="40000"/>
+              </a:prstClr>
+            </a:outerShdw>
+          </a:effectLst>
+        </p:spPr>
+      </p:pic>
+    </p:spTree>
+    <p:extLst>
+      <p:ext uri="{BB962C8B-B14F-4D97-AF65-F5344CB8AC3E}">
+        <p14:creationId xmlns:p14="http://schemas.microsoft.com/office/powerpoint/2010/main" val="2875630212"/>
+      </p:ext>
+    </p:extLst>
+  </p:cSld>
+  <p:clrMapOvr>
+    <a:masterClrMapping/>
+  </p:clrMapOvr>
+</p:sld>
+</file>
+
+<file path=ppt/slides/slide29.xml><?xml version="1.0" encoding="utf-8"?>
+<p:sld xmlns:a="http://schemas.openxmlformats.org/drawingml/2006/main" xmlns:r="http://schemas.openxmlformats.org/officeDocument/2006/relationships" xmlns:p="http://schemas.openxmlformats.org/presentationml/2006/main">
+  <p:cSld>
+    <p:spTree>
+      <p:nvGrpSpPr>
+        <p:cNvPr id="1" name=""/>
+        <p:cNvGrpSpPr/>
+        <p:nvPr/>
+      </p:nvGrpSpPr>
+      <p:grpSpPr>
+        <a:xfrm>
+          <a:off x="0" y="0"/>
+          <a:ext cx="0" cy="0"/>
+          <a:chOff x="0" y="0"/>
+          <a:chExt cx="0" cy="0"/>
+        </a:xfrm>
+      </p:grpSpPr>
+      <p:sp>
+        <p:nvSpPr>
+          <p:cNvPr id="2" name="Title 1">
+            <a:extLst>
+              <a:ext uri="{FF2B5EF4-FFF2-40B4-BE49-F238E27FC236}">
+                <a16:creationId xmlns:a16="http://schemas.microsoft.com/office/drawing/2014/main" id="{82C2F060-9C3E-40DA-AD53-DFA2CC09C580}"/>
+              </a:ext>
+            </a:extLst>
+          </p:cNvPr>
+          <p:cNvSpPr>
+            <a:spLocks noGrp="1"/>
+          </p:cNvSpPr>
+          <p:nvPr>
+            <p:ph type="title"/>
+          </p:nvPr>
+        </p:nvSpPr>
+        <p:spPr/>
+        <p:txBody>
+          <a:bodyPr/>
+          <a:lstStyle/>
+          <a:p>
+            <a:r>
+              <a:rPr lang="en-US" dirty="0"/>
+              <a:t>Predicting Responsible </a:t>
+            </a:r>
+            <a:r>
+              <a:rPr lang="en-US" dirty="0">
+                <a:solidFill>
+                  <a:srgbClr val="FF0000"/>
+                </a:solidFill>
+              </a:rPr>
+              <a:t>Terrorist Groups</a:t>
+            </a:r>
+          </a:p>
+        </p:txBody>
+      </p:sp>
+      <p:sp>
+        <p:nvSpPr>
+          <p:cNvPr id="4" name="Text Placeholder 3">
+            <a:extLst>
+              <a:ext uri="{FF2B5EF4-FFF2-40B4-BE49-F238E27FC236}">
+                <a16:creationId xmlns:a16="http://schemas.microsoft.com/office/drawing/2014/main" id="{607A1DC2-E75D-4E1F-9F7F-9E7747C9305E}"/>
+              </a:ext>
+            </a:extLst>
+          </p:cNvPr>
+          <p:cNvSpPr>
+            <a:spLocks noGrp="1"/>
+          </p:cNvSpPr>
+          <p:nvPr>
+            <p:ph type="body" idx="1"/>
+          </p:nvPr>
+        </p:nvSpPr>
+        <p:spPr/>
+        <p:txBody>
+          <a:bodyPr>
+            <a:normAutofit/>
+          </a:bodyPr>
+          <a:lstStyle/>
+          <a:p>
+            <a:r>
+              <a:rPr lang="en-US" sz="3600" dirty="0"/>
               <a:t>Data Scientist: Sean Kugele</a:t>
             </a:r>
           </a:p>
@@ -11830,7 +13780,279 @@
 </p:sld>
 </file>
 
-<file path=ppt/slides/slide23.xml><?xml version="1.0" encoding="utf-8"?>
+<file path=ppt/slides/slide3.xml><?xml version="1.0" encoding="utf-8"?>
+<p:sld xmlns:a="http://schemas.openxmlformats.org/drawingml/2006/main" xmlns:r="http://schemas.openxmlformats.org/officeDocument/2006/relationships" xmlns:p="http://schemas.openxmlformats.org/presentationml/2006/main">
+  <p:cSld>
+    <p:spTree>
+      <p:nvGrpSpPr>
+        <p:cNvPr id="1" name=""/>
+        <p:cNvGrpSpPr/>
+        <p:nvPr/>
+      </p:nvGrpSpPr>
+      <p:grpSpPr>
+        <a:xfrm>
+          <a:off x="0" y="0"/>
+          <a:ext cx="0" cy="0"/>
+          <a:chOff x="0" y="0"/>
+          <a:chExt cx="0" cy="0"/>
+        </a:xfrm>
+      </p:grpSpPr>
+      <p:sp>
+        <p:nvSpPr>
+          <p:cNvPr id="2" name="Title 1">
+            <a:extLst>
+              <a:ext uri="{FF2B5EF4-FFF2-40B4-BE49-F238E27FC236}">
+                <a16:creationId xmlns:a16="http://schemas.microsoft.com/office/drawing/2014/main" id="{307DA9EB-A726-416F-A82E-875A1066324A}"/>
+              </a:ext>
+            </a:extLst>
+          </p:cNvPr>
+          <p:cNvSpPr>
+            <a:spLocks noGrp="1"/>
+          </p:cNvSpPr>
+          <p:nvPr>
+            <p:ph type="title"/>
+          </p:nvPr>
+        </p:nvSpPr>
+        <p:spPr>
+          <a:xfrm>
+            <a:off x="1028700" y="685800"/>
+            <a:ext cx="7200900" cy="609600"/>
+          </a:xfrm>
+        </p:spPr>
+        <p:txBody>
+          <a:bodyPr>
+            <a:normAutofit/>
+          </a:bodyPr>
+          <a:lstStyle/>
+          <a:p>
+            <a:r>
+              <a:rPr lang="en-US" sz="3600" dirty="0"/>
+              <a:t>Variables (Summary)</a:t>
+            </a:r>
+          </a:p>
+        </p:txBody>
+      </p:sp>
+      <p:sp>
+        <p:nvSpPr>
+          <p:cNvPr id="3" name="Content Placeholder 2">
+            <a:extLst>
+              <a:ext uri="{FF2B5EF4-FFF2-40B4-BE49-F238E27FC236}">
+                <a16:creationId xmlns:a16="http://schemas.microsoft.com/office/drawing/2014/main" id="{8C91EE4A-4FB1-4795-98B1-8D96DEF92D65}"/>
+              </a:ext>
+            </a:extLst>
+          </p:cNvPr>
+          <p:cNvSpPr>
+            <a:spLocks noGrp="1"/>
+          </p:cNvSpPr>
+          <p:nvPr>
+            <p:ph idx="1"/>
+          </p:nvPr>
+        </p:nvSpPr>
+        <p:spPr>
+          <a:xfrm>
+            <a:off x="1028700" y="1828800"/>
+            <a:ext cx="7734300" cy="4572000"/>
+          </a:xfrm>
+        </p:spPr>
+        <p:txBody>
+          <a:bodyPr>
+            <a:normAutofit fontScale="92500"/>
+          </a:bodyPr>
+          <a:lstStyle/>
+          <a:p>
+            <a:pPr marL="0" indent="0">
+              <a:lnSpc>
+                <a:spcPct val="120000"/>
+              </a:lnSpc>
+              <a:spcBef>
+                <a:spcPts val="200"/>
+              </a:spcBef>
+              <a:buNone/>
+            </a:pPr>
+            <a:r>
+              <a:rPr lang="en-US" sz="2400" b="1" dirty="0">
+                <a:solidFill>
+                  <a:schemeClr val="tx1"/>
+                </a:solidFill>
+              </a:rPr>
+              <a:t>Date Variables </a:t>
+            </a:r>
+            <a:r>
+              <a:rPr lang="en-US" sz="2400" dirty="0"/>
+              <a:t>(Year, Month, Day, etc.)</a:t>
+            </a:r>
+          </a:p>
+          <a:p>
+            <a:pPr marL="0" indent="0">
+              <a:lnSpc>
+                <a:spcPct val="120000"/>
+              </a:lnSpc>
+              <a:spcBef>
+                <a:spcPts val="200"/>
+              </a:spcBef>
+              <a:buNone/>
+            </a:pPr>
+            <a:endParaRPr lang="en-US" sz="1100" dirty="0"/>
+          </a:p>
+          <a:p>
+            <a:pPr marL="0" indent="0">
+              <a:lnSpc>
+                <a:spcPct val="120000"/>
+              </a:lnSpc>
+              <a:spcBef>
+                <a:spcPts val="200"/>
+              </a:spcBef>
+              <a:buNone/>
+            </a:pPr>
+            <a:r>
+              <a:rPr lang="en-US" sz="2400" b="1" dirty="0">
+                <a:solidFill>
+                  <a:schemeClr val="tx1"/>
+                </a:solidFill>
+              </a:rPr>
+              <a:t>Geospatial/Geopolitical Variables </a:t>
+            </a:r>
+            <a:r>
+              <a:rPr lang="en-US" sz="2400" dirty="0"/>
+              <a:t>(Lat/Long, Region, Country, City, Province, etc.)</a:t>
+            </a:r>
+          </a:p>
+          <a:p>
+            <a:pPr marL="0" indent="0">
+              <a:lnSpc>
+                <a:spcPct val="120000"/>
+              </a:lnSpc>
+              <a:spcBef>
+                <a:spcPts val="200"/>
+              </a:spcBef>
+              <a:buNone/>
+            </a:pPr>
+            <a:endParaRPr lang="en-US" sz="1100" dirty="0"/>
+          </a:p>
+          <a:p>
+            <a:pPr marL="0" indent="0">
+              <a:lnSpc>
+                <a:spcPct val="120000"/>
+              </a:lnSpc>
+              <a:spcBef>
+                <a:spcPts val="200"/>
+              </a:spcBef>
+              <a:buNone/>
+            </a:pPr>
+            <a:r>
+              <a:rPr lang="en-US" sz="2400" b="1" dirty="0">
+                <a:solidFill>
+                  <a:schemeClr val="tx1"/>
+                </a:solidFill>
+              </a:rPr>
+              <a:t>Incident Descriptive Variables </a:t>
+            </a:r>
+            <a:r>
+              <a:rPr lang="en-US" sz="2400" dirty="0"/>
+              <a:t>(Attack Type, Duration of Incident, Success/Failure, Weapons Used, Targets, etc.)</a:t>
+            </a:r>
+          </a:p>
+          <a:p>
+            <a:pPr marL="0" indent="0">
+              <a:lnSpc>
+                <a:spcPct val="120000"/>
+              </a:lnSpc>
+              <a:spcBef>
+                <a:spcPts val="200"/>
+              </a:spcBef>
+              <a:buNone/>
+            </a:pPr>
+            <a:endParaRPr lang="en-US" sz="1100" dirty="0"/>
+          </a:p>
+          <a:p>
+            <a:pPr marL="0" indent="0">
+              <a:lnSpc>
+                <a:spcPct val="120000"/>
+              </a:lnSpc>
+              <a:spcBef>
+                <a:spcPts val="200"/>
+              </a:spcBef>
+              <a:buNone/>
+            </a:pPr>
+            <a:r>
+              <a:rPr lang="en-US" sz="2400" b="1" dirty="0">
+                <a:solidFill>
+                  <a:schemeClr val="tx1"/>
+                </a:solidFill>
+              </a:rPr>
+              <a:t>Perpetrator Descriptive Variables </a:t>
+            </a:r>
+            <a:r>
+              <a:rPr lang="en-US" sz="2400" dirty="0"/>
+              <a:t>(Terrorist group membership, # Perpetrators, etc.)</a:t>
+            </a:r>
+          </a:p>
+          <a:p>
+            <a:pPr marL="0" indent="0">
+              <a:lnSpc>
+                <a:spcPct val="120000"/>
+              </a:lnSpc>
+              <a:spcBef>
+                <a:spcPts val="200"/>
+              </a:spcBef>
+              <a:buNone/>
+            </a:pPr>
+            <a:endParaRPr lang="en-US" sz="1100" dirty="0">
+              <a:solidFill>
+                <a:schemeClr val="tx1"/>
+              </a:solidFill>
+            </a:endParaRPr>
+          </a:p>
+          <a:p>
+            <a:pPr marL="0" indent="0">
+              <a:lnSpc>
+                <a:spcPct val="120000"/>
+              </a:lnSpc>
+              <a:spcBef>
+                <a:spcPts val="200"/>
+              </a:spcBef>
+              <a:buNone/>
+            </a:pPr>
+            <a:r>
+              <a:rPr lang="en-US" sz="2400" b="1" dirty="0">
+                <a:solidFill>
+                  <a:schemeClr val="tx1"/>
+                </a:solidFill>
+              </a:rPr>
+              <a:t>Casualty and Damage Variables </a:t>
+            </a:r>
+            <a:r>
+              <a:rPr lang="en-US" sz="2400" dirty="0"/>
+              <a:t>(# Fatalities, # Injured, etc.)</a:t>
+            </a:r>
+          </a:p>
+          <a:p>
+            <a:pPr>
+              <a:lnSpc>
+                <a:spcPct val="120000"/>
+              </a:lnSpc>
+              <a:spcBef>
+                <a:spcPts val="200"/>
+              </a:spcBef>
+            </a:pPr>
+            <a:endParaRPr lang="en-US" sz="2400" dirty="0"/>
+          </a:p>
+        </p:txBody>
+      </p:sp>
+    </p:spTree>
+    <p:extLst>
+      <p:ext uri="{BB962C8B-B14F-4D97-AF65-F5344CB8AC3E}">
+        <p14:creationId xmlns:p14="http://schemas.microsoft.com/office/powerpoint/2010/main" val="3514849214"/>
+      </p:ext>
+    </p:extLst>
+  </p:cSld>
+  <p:clrMapOvr>
+    <a:masterClrMapping/>
+  </p:clrMapOvr>
+</p:sld>
+</file>
+
+<file path=ppt/slides/slide30.xml><?xml version="1.0" encoding="utf-8"?>
 <p:sld xmlns:a="http://schemas.openxmlformats.org/drawingml/2006/main" xmlns:r="http://schemas.openxmlformats.org/officeDocument/2006/relationships" xmlns:p="http://schemas.openxmlformats.org/presentationml/2006/main">
   <p:cSld>
     <p:spTree>
@@ -12059,7 +14281,7 @@
 </p:sld>
 </file>
 
-<file path=ppt/slides/slide24.xml><?xml version="1.0" encoding="utf-8"?>
+<file path=ppt/slides/slide31.xml><?xml version="1.0" encoding="utf-8"?>
 <p:sld xmlns:a="http://schemas.openxmlformats.org/drawingml/2006/main" xmlns:r="http://schemas.openxmlformats.org/officeDocument/2006/relationships" xmlns:p="http://schemas.openxmlformats.org/presentationml/2006/main">
   <p:cSld>
     <p:spTree>
@@ -12296,7 +14518,7 @@
 </p:sld>
 </file>
 
-<file path=ppt/slides/slide25.xml><?xml version="1.0" encoding="utf-8"?>
+<file path=ppt/slides/slide32.xml><?xml version="1.0" encoding="utf-8"?>
 <p:sld xmlns:a="http://schemas.openxmlformats.org/drawingml/2006/main" xmlns:r="http://schemas.openxmlformats.org/officeDocument/2006/relationships" xmlns:p="http://schemas.openxmlformats.org/presentationml/2006/main">
   <p:cSld>
     <p:spTree>
@@ -13505,7 +15727,7 @@
 </p:sld>
 </file>
 
-<file path=ppt/slides/slide26.xml><?xml version="1.0" encoding="utf-8"?>
+<file path=ppt/slides/slide33.xml><?xml version="1.0" encoding="utf-8"?>
 <p:sld xmlns:a="http://schemas.openxmlformats.org/drawingml/2006/main" xmlns:r="http://schemas.openxmlformats.org/officeDocument/2006/relationships" xmlns:p="http://schemas.openxmlformats.org/presentationml/2006/main">
   <p:cSld>
     <p:spTree>
@@ -15432,7 +17654,7 @@
 </p:sld>
 </file>
 
-<file path=ppt/slides/slide27.xml><?xml version="1.0" encoding="utf-8"?>
+<file path=ppt/slides/slide34.xml><?xml version="1.0" encoding="utf-8"?>
 <p:sld xmlns:a="http://schemas.openxmlformats.org/drawingml/2006/main" xmlns:r="http://schemas.openxmlformats.org/officeDocument/2006/relationships" xmlns:p="http://schemas.openxmlformats.org/presentationml/2006/main">
   <p:cSld>
     <p:spTree>
@@ -15641,7 +17863,7 @@
 </p:sld>
 </file>
 
-<file path=ppt/slides/slide28.xml><?xml version="1.0" encoding="utf-8"?>
+<file path=ppt/slides/slide35.xml><?xml version="1.0" encoding="utf-8"?>
 <p:sld xmlns:a="http://schemas.openxmlformats.org/drawingml/2006/main" xmlns:r="http://schemas.openxmlformats.org/officeDocument/2006/relationships" xmlns:p="http://schemas.openxmlformats.org/presentationml/2006/main">
   <p:cSld>
     <p:spTree>
@@ -15705,9 +17927,7 @@
           <p:cNvGraphicFramePr>
             <a:graphicFrameLocks noGrp="1"/>
           </p:cNvGraphicFramePr>
-          <p:nvPr>
-            <p:extLst/>
-          </p:nvPr>
+          <p:nvPr/>
         </p:nvGraphicFramePr>
         <p:xfrm>
           <a:off x="685800" y="762000"/>
@@ -16887,7 +19107,7 @@
 </p:sld>
 </file>
 
-<file path=ppt/slides/slide29.xml><?xml version="1.0" encoding="utf-8"?>
+<file path=ppt/slides/slide36.xml><?xml version="1.0" encoding="utf-8"?>
 <p:sld xmlns:a="http://schemas.openxmlformats.org/drawingml/2006/main" xmlns:r="http://schemas.openxmlformats.org/officeDocument/2006/relationships" xmlns:p="http://schemas.openxmlformats.org/presentationml/2006/main">
   <p:cSld>
     <p:spTree>
@@ -16988,279 +19208,7 @@
 </p:sld>
 </file>
 
-<file path=ppt/slides/slide3.xml><?xml version="1.0" encoding="utf-8"?>
-<p:sld xmlns:a="http://schemas.openxmlformats.org/drawingml/2006/main" xmlns:r="http://schemas.openxmlformats.org/officeDocument/2006/relationships" xmlns:p="http://schemas.openxmlformats.org/presentationml/2006/main">
-  <p:cSld>
-    <p:spTree>
-      <p:nvGrpSpPr>
-        <p:cNvPr id="1" name=""/>
-        <p:cNvGrpSpPr/>
-        <p:nvPr/>
-      </p:nvGrpSpPr>
-      <p:grpSpPr>
-        <a:xfrm>
-          <a:off x="0" y="0"/>
-          <a:ext cx="0" cy="0"/>
-          <a:chOff x="0" y="0"/>
-          <a:chExt cx="0" cy="0"/>
-        </a:xfrm>
-      </p:grpSpPr>
-      <p:sp>
-        <p:nvSpPr>
-          <p:cNvPr id="2" name="Title 1">
-            <a:extLst>
-              <a:ext uri="{FF2B5EF4-FFF2-40B4-BE49-F238E27FC236}">
-                <a16:creationId xmlns:a16="http://schemas.microsoft.com/office/drawing/2014/main" id="{307DA9EB-A726-416F-A82E-875A1066324A}"/>
-              </a:ext>
-            </a:extLst>
-          </p:cNvPr>
-          <p:cNvSpPr>
-            <a:spLocks noGrp="1"/>
-          </p:cNvSpPr>
-          <p:nvPr>
-            <p:ph type="title"/>
-          </p:nvPr>
-        </p:nvSpPr>
-        <p:spPr>
-          <a:xfrm>
-            <a:off x="1028700" y="685800"/>
-            <a:ext cx="7200900" cy="609600"/>
-          </a:xfrm>
-        </p:spPr>
-        <p:txBody>
-          <a:bodyPr>
-            <a:normAutofit/>
-          </a:bodyPr>
-          <a:lstStyle/>
-          <a:p>
-            <a:r>
-              <a:rPr lang="en-US" sz="3600" dirty="0"/>
-              <a:t>Variables (Summary)</a:t>
-            </a:r>
-          </a:p>
-        </p:txBody>
-      </p:sp>
-      <p:sp>
-        <p:nvSpPr>
-          <p:cNvPr id="3" name="Content Placeholder 2">
-            <a:extLst>
-              <a:ext uri="{FF2B5EF4-FFF2-40B4-BE49-F238E27FC236}">
-                <a16:creationId xmlns:a16="http://schemas.microsoft.com/office/drawing/2014/main" id="{8C91EE4A-4FB1-4795-98B1-8D96DEF92D65}"/>
-              </a:ext>
-            </a:extLst>
-          </p:cNvPr>
-          <p:cNvSpPr>
-            <a:spLocks noGrp="1"/>
-          </p:cNvSpPr>
-          <p:nvPr>
-            <p:ph idx="1"/>
-          </p:nvPr>
-        </p:nvSpPr>
-        <p:spPr>
-          <a:xfrm>
-            <a:off x="1028700" y="1828800"/>
-            <a:ext cx="7734300" cy="4572000"/>
-          </a:xfrm>
-        </p:spPr>
-        <p:txBody>
-          <a:bodyPr>
-            <a:normAutofit fontScale="92500"/>
-          </a:bodyPr>
-          <a:lstStyle/>
-          <a:p>
-            <a:pPr marL="0" indent="0">
-              <a:lnSpc>
-                <a:spcPct val="120000"/>
-              </a:lnSpc>
-              <a:spcBef>
-                <a:spcPts val="200"/>
-              </a:spcBef>
-              <a:buNone/>
-            </a:pPr>
-            <a:r>
-              <a:rPr lang="en-US" sz="2400" b="1" dirty="0">
-                <a:solidFill>
-                  <a:schemeClr val="tx1"/>
-                </a:solidFill>
-              </a:rPr>
-              <a:t>Date Variables </a:t>
-            </a:r>
-            <a:r>
-              <a:rPr lang="en-US" sz="2400" dirty="0"/>
-              <a:t>(Year, Month, Day, etc.)</a:t>
-            </a:r>
-          </a:p>
-          <a:p>
-            <a:pPr marL="0" indent="0">
-              <a:lnSpc>
-                <a:spcPct val="120000"/>
-              </a:lnSpc>
-              <a:spcBef>
-                <a:spcPts val="200"/>
-              </a:spcBef>
-              <a:buNone/>
-            </a:pPr>
-            <a:endParaRPr lang="en-US" sz="1100" dirty="0"/>
-          </a:p>
-          <a:p>
-            <a:pPr marL="0" indent="0">
-              <a:lnSpc>
-                <a:spcPct val="120000"/>
-              </a:lnSpc>
-              <a:spcBef>
-                <a:spcPts val="200"/>
-              </a:spcBef>
-              <a:buNone/>
-            </a:pPr>
-            <a:r>
-              <a:rPr lang="en-US" sz="2400" b="1" dirty="0">
-                <a:solidFill>
-                  <a:schemeClr val="tx1"/>
-                </a:solidFill>
-              </a:rPr>
-              <a:t>Geospatial/Geopolitical Variables </a:t>
-            </a:r>
-            <a:r>
-              <a:rPr lang="en-US" sz="2400" dirty="0"/>
-              <a:t>(Lat/Long, Region, Country, City, Province, etc.)</a:t>
-            </a:r>
-          </a:p>
-          <a:p>
-            <a:pPr marL="0" indent="0">
-              <a:lnSpc>
-                <a:spcPct val="120000"/>
-              </a:lnSpc>
-              <a:spcBef>
-                <a:spcPts val="200"/>
-              </a:spcBef>
-              <a:buNone/>
-            </a:pPr>
-            <a:endParaRPr lang="en-US" sz="1100" dirty="0"/>
-          </a:p>
-          <a:p>
-            <a:pPr marL="0" indent="0">
-              <a:lnSpc>
-                <a:spcPct val="120000"/>
-              </a:lnSpc>
-              <a:spcBef>
-                <a:spcPts val="200"/>
-              </a:spcBef>
-              <a:buNone/>
-            </a:pPr>
-            <a:r>
-              <a:rPr lang="en-US" sz="2400" b="1" dirty="0">
-                <a:solidFill>
-                  <a:schemeClr val="tx1"/>
-                </a:solidFill>
-              </a:rPr>
-              <a:t>Incident Descriptive Variables </a:t>
-            </a:r>
-            <a:r>
-              <a:rPr lang="en-US" sz="2400" dirty="0"/>
-              <a:t>(Attack Type, Duration of Incident, Success/Failure, Weapons Used, Targets, etc.)</a:t>
-            </a:r>
-          </a:p>
-          <a:p>
-            <a:pPr marL="0" indent="0">
-              <a:lnSpc>
-                <a:spcPct val="120000"/>
-              </a:lnSpc>
-              <a:spcBef>
-                <a:spcPts val="200"/>
-              </a:spcBef>
-              <a:buNone/>
-            </a:pPr>
-            <a:endParaRPr lang="en-US" sz="1100" dirty="0"/>
-          </a:p>
-          <a:p>
-            <a:pPr marL="0" indent="0">
-              <a:lnSpc>
-                <a:spcPct val="120000"/>
-              </a:lnSpc>
-              <a:spcBef>
-                <a:spcPts val="200"/>
-              </a:spcBef>
-              <a:buNone/>
-            </a:pPr>
-            <a:r>
-              <a:rPr lang="en-US" sz="2400" b="1" dirty="0">
-                <a:solidFill>
-                  <a:schemeClr val="tx1"/>
-                </a:solidFill>
-              </a:rPr>
-              <a:t>Perpetrator Descriptive Variables </a:t>
-            </a:r>
-            <a:r>
-              <a:rPr lang="en-US" sz="2400" dirty="0"/>
-              <a:t>(Terrorist group membership, # Perpetrators, etc.)</a:t>
-            </a:r>
-          </a:p>
-          <a:p>
-            <a:pPr marL="0" indent="0">
-              <a:lnSpc>
-                <a:spcPct val="120000"/>
-              </a:lnSpc>
-              <a:spcBef>
-                <a:spcPts val="200"/>
-              </a:spcBef>
-              <a:buNone/>
-            </a:pPr>
-            <a:endParaRPr lang="en-US" sz="1100" dirty="0">
-              <a:solidFill>
-                <a:schemeClr val="tx1"/>
-              </a:solidFill>
-            </a:endParaRPr>
-          </a:p>
-          <a:p>
-            <a:pPr marL="0" indent="0">
-              <a:lnSpc>
-                <a:spcPct val="120000"/>
-              </a:lnSpc>
-              <a:spcBef>
-                <a:spcPts val="200"/>
-              </a:spcBef>
-              <a:buNone/>
-            </a:pPr>
-            <a:r>
-              <a:rPr lang="en-US" sz="2400" b="1" dirty="0">
-                <a:solidFill>
-                  <a:schemeClr val="tx1"/>
-                </a:solidFill>
-              </a:rPr>
-              <a:t>Casualty and Damage Variables </a:t>
-            </a:r>
-            <a:r>
-              <a:rPr lang="en-US" sz="2400" dirty="0"/>
-              <a:t>(# Fatalities, # Injured, etc.)</a:t>
-            </a:r>
-          </a:p>
-          <a:p>
-            <a:pPr>
-              <a:lnSpc>
-                <a:spcPct val="120000"/>
-              </a:lnSpc>
-              <a:spcBef>
-                <a:spcPts val="200"/>
-              </a:spcBef>
-            </a:pPr>
-            <a:endParaRPr lang="en-US" sz="2400" dirty="0"/>
-          </a:p>
-        </p:txBody>
-      </p:sp>
-    </p:spTree>
-    <p:extLst>
-      <p:ext uri="{BB962C8B-B14F-4D97-AF65-F5344CB8AC3E}">
-        <p14:creationId xmlns:p14="http://schemas.microsoft.com/office/powerpoint/2010/main" val="3514849214"/>
-      </p:ext>
-    </p:extLst>
-  </p:cSld>
-  <p:clrMapOvr>
-    <a:masterClrMapping/>
-  </p:clrMapOvr>
-</p:sld>
-</file>
-
-<file path=ppt/slides/slide30.xml><?xml version="1.0" encoding="utf-8"?>
+<file path=ppt/slides/slide37.xml><?xml version="1.0" encoding="utf-8"?>
 <p:sld xmlns:a="http://schemas.openxmlformats.org/drawingml/2006/main" xmlns:r="http://schemas.openxmlformats.org/officeDocument/2006/relationships" xmlns:p="http://schemas.openxmlformats.org/presentationml/2006/main">
   <p:cSld>
     <p:spTree>
@@ -17366,7 +19314,7 @@
 </p:sld>
 </file>
 
-<file path=ppt/slides/slide31.xml><?xml version="1.0" encoding="utf-8"?>
+<file path=ppt/slides/slide38.xml><?xml version="1.0" encoding="utf-8"?>
 <p:sld xmlns:a="http://schemas.openxmlformats.org/drawingml/2006/main" xmlns:r="http://schemas.openxmlformats.org/officeDocument/2006/relationships" xmlns:p="http://schemas.openxmlformats.org/presentationml/2006/main">
   <p:cSld>
     <p:bg>
@@ -17910,7 +19858,7 @@
 </p:sld>
 </file>
 
-<file path=ppt/slides/slide32.xml><?xml version="1.0" encoding="utf-8"?>
+<file path=ppt/slides/slide39.xml><?xml version="1.0" encoding="utf-8"?>
 <p:sld xmlns:a="http://schemas.openxmlformats.org/drawingml/2006/main" xmlns:r="http://schemas.openxmlformats.org/officeDocument/2006/relationships" xmlns:p="http://schemas.openxmlformats.org/presentationml/2006/main">
   <p:cSld>
     <p:spTree>
@@ -18016,7 +19964,175 @@
 </p:sld>
 </file>
 
-<file path=ppt/slides/slide33.xml><?xml version="1.0" encoding="utf-8"?>
+<file path=ppt/slides/slide4.xml><?xml version="1.0" encoding="utf-8"?>
+<p:sld xmlns:a="http://schemas.openxmlformats.org/drawingml/2006/main" xmlns:r="http://schemas.openxmlformats.org/officeDocument/2006/relationships" xmlns:p="http://schemas.openxmlformats.org/presentationml/2006/main">
+  <p:cSld>
+    <p:spTree>
+      <p:nvGrpSpPr>
+        <p:cNvPr id="1" name=""/>
+        <p:cNvGrpSpPr/>
+        <p:nvPr/>
+      </p:nvGrpSpPr>
+      <p:grpSpPr>
+        <a:xfrm>
+          <a:off x="0" y="0"/>
+          <a:ext cx="0" cy="0"/>
+          <a:chOff x="0" y="0"/>
+          <a:chExt cx="0" cy="0"/>
+        </a:xfrm>
+      </p:grpSpPr>
+      <p:sp>
+        <p:nvSpPr>
+          <p:cNvPr id="2" name="Title 1">
+            <a:extLst>
+              <a:ext uri="{FF2B5EF4-FFF2-40B4-BE49-F238E27FC236}">
+                <a16:creationId xmlns:a16="http://schemas.microsoft.com/office/drawing/2014/main" id="{9684921B-6BBA-4BD5-ADA2-EBA7683B0D39}"/>
+              </a:ext>
+            </a:extLst>
+          </p:cNvPr>
+          <p:cNvSpPr>
+            <a:spLocks noGrp="1"/>
+          </p:cNvSpPr>
+          <p:nvPr>
+            <p:ph type="title"/>
+          </p:nvPr>
+        </p:nvSpPr>
+        <p:spPr>
+          <a:xfrm>
+            <a:off x="1028700" y="685801"/>
+            <a:ext cx="7200900" cy="533399"/>
+          </a:xfrm>
+        </p:spPr>
+        <p:txBody>
+          <a:bodyPr>
+            <a:noAutofit/>
+          </a:bodyPr>
+          <a:lstStyle/>
+          <a:p>
+            <a:r>
+              <a:rPr lang="en-US" sz="3600" dirty="0"/>
+              <a:t>Observations (Summary)</a:t>
+            </a:r>
+          </a:p>
+        </p:txBody>
+      </p:sp>
+      <p:pic>
+        <p:nvPicPr>
+          <p:cNvPr id="17" name="Content Placeholder 16" descr="A screenshot of a video game&#10;&#10;Description automatically generated">
+            <a:extLst>
+              <a:ext uri="{FF2B5EF4-FFF2-40B4-BE49-F238E27FC236}">
+                <a16:creationId xmlns:a16="http://schemas.microsoft.com/office/drawing/2014/main" id="{8CA6311E-BD53-4534-8820-18518D3B7135}"/>
+              </a:ext>
+            </a:extLst>
+          </p:cNvPr>
+          <p:cNvPicPr>
+            <a:picLocks noGrp="1" noChangeAspect="1"/>
+          </p:cNvPicPr>
+          <p:nvPr>
+            <p:ph idx="1"/>
+          </p:nvPr>
+        </p:nvPicPr>
+        <p:blipFill>
+          <a:blip r:embed="rId2">
+            <a:extLst>
+              <a:ext uri="{28A0092B-C50C-407E-A947-70E740481C1C}">
+                <a14:useLocalDpi xmlns:a14="http://schemas.microsoft.com/office/drawing/2010/main" val="0"/>
+              </a:ext>
+            </a:extLst>
+          </a:blip>
+          <a:stretch>
+            <a:fillRect/>
+          </a:stretch>
+        </p:blipFill>
+        <p:spPr>
+          <a:xfrm>
+            <a:off x="1371600" y="2057400"/>
+            <a:ext cx="7620000" cy="4572001"/>
+          </a:xfrm>
+          <a:prstGeom prst="rect">
+            <a:avLst/>
+          </a:prstGeom>
+          <a:solidFill>
+            <a:srgbClr val="FFFFFF">
+              <a:shade val="85000"/>
+            </a:srgbClr>
+          </a:solidFill>
+          <a:ln w="88900" cap="sq">
+            <a:solidFill>
+              <a:srgbClr val="FFFFFF"/>
+            </a:solidFill>
+            <a:miter lim="800000"/>
+          </a:ln>
+          <a:effectLst>
+            <a:outerShdw blurRad="55000" dist="18000" dir="5400000" algn="tl" rotWithShape="0">
+              <a:srgbClr val="000000">
+                <a:alpha val="40000"/>
+              </a:srgbClr>
+            </a:outerShdw>
+          </a:effectLst>
+          <a:scene3d>
+            <a:camera prst="orthographicFront"/>
+            <a:lightRig rig="twoPt" dir="t">
+              <a:rot lat="0" lon="0" rev="7200000"/>
+            </a:lightRig>
+          </a:scene3d>
+          <a:sp3d>
+            <a:bevelT w="25400" h="19050"/>
+            <a:contourClr>
+              <a:srgbClr val="FFFFFF"/>
+            </a:contourClr>
+          </a:sp3d>
+        </p:spPr>
+      </p:pic>
+      <p:sp>
+        <p:nvSpPr>
+          <p:cNvPr id="18" name="TextBox 17">
+            <a:extLst>
+              <a:ext uri="{FF2B5EF4-FFF2-40B4-BE49-F238E27FC236}">
+                <a16:creationId xmlns:a16="http://schemas.microsoft.com/office/drawing/2014/main" id="{F697F01C-ABF7-41A2-A8EF-3F0EC2579FCC}"/>
+              </a:ext>
+            </a:extLst>
+          </p:cNvPr>
+          <p:cNvSpPr txBox="1"/>
+          <p:nvPr/>
+        </p:nvSpPr>
+        <p:spPr>
+          <a:xfrm>
+            <a:off x="1219200" y="1524000"/>
+            <a:ext cx="3009900" cy="461665"/>
+          </a:xfrm>
+          <a:prstGeom prst="rect">
+            <a:avLst/>
+          </a:prstGeom>
+          <a:noFill/>
+        </p:spPr>
+        <p:txBody>
+          <a:bodyPr wrap="square" rtlCol="0">
+            <a:spAutoFit/>
+          </a:bodyPr>
+          <a:lstStyle/>
+          <a:p>
+            <a:r>
+              <a:rPr lang="en-US" sz="2400" b="1" dirty="0"/>
+              <a:t>Incidents by Time</a:t>
+            </a:r>
+          </a:p>
+        </p:txBody>
+      </p:sp>
+    </p:spTree>
+    <p:extLst>
+      <p:ext uri="{BB962C8B-B14F-4D97-AF65-F5344CB8AC3E}">
+        <p14:creationId xmlns:p14="http://schemas.microsoft.com/office/powerpoint/2010/main" val="822633060"/>
+      </p:ext>
+    </p:extLst>
+  </p:cSld>
+  <p:clrMapOvr>
+    <a:masterClrMapping/>
+  </p:clrMapOvr>
+</p:sld>
+</file>
+
+<file path=ppt/slides/slide40.xml><?xml version="1.0" encoding="utf-8"?>
 <p:sld xmlns:a="http://schemas.openxmlformats.org/drawingml/2006/main" xmlns:r="http://schemas.openxmlformats.org/officeDocument/2006/relationships" xmlns:p="http://schemas.openxmlformats.org/presentationml/2006/main">
   <p:cSld>
     <p:spTree>
@@ -19302,7 +21418,7 @@
 </p:sld>
 </file>
 
-<file path=ppt/slides/slide34.xml><?xml version="1.0" encoding="utf-8"?>
+<file path=ppt/slides/slide41.xml><?xml version="1.0" encoding="utf-8"?>
 <p:sld xmlns:a="http://schemas.openxmlformats.org/drawingml/2006/main" xmlns:r="http://schemas.openxmlformats.org/officeDocument/2006/relationships" xmlns:p="http://schemas.openxmlformats.org/presentationml/2006/main">
   <p:cSld>
     <p:spTree>
@@ -19413,7 +21529,7 @@
 </p:sld>
 </file>
 
-<file path=ppt/slides/slide35.xml><?xml version="1.0" encoding="utf-8"?>
+<file path=ppt/slides/slide42.xml><?xml version="1.0" encoding="utf-8"?>
 <p:sld xmlns:a="http://schemas.openxmlformats.org/drawingml/2006/main" xmlns:r="http://schemas.openxmlformats.org/officeDocument/2006/relationships" xmlns:p="http://schemas.openxmlformats.org/presentationml/2006/main">
   <p:cSld>
     <p:spTree>
@@ -19519,7 +21635,7 @@
 </p:sld>
 </file>
 
-<file path=ppt/slides/slide36.xml><?xml version="1.0" encoding="utf-8"?>
+<file path=ppt/slides/slide43.xml><?xml version="1.0" encoding="utf-8"?>
 <p:sld xmlns:a="http://schemas.openxmlformats.org/drawingml/2006/main" xmlns:r="http://schemas.openxmlformats.org/officeDocument/2006/relationships" xmlns:p="http://schemas.openxmlformats.org/presentationml/2006/main">
   <p:cSld>
     <p:spTree>
@@ -28758,7 +30874,7 @@
 </p:sld>
 </file>
 
-<file path=ppt/slides/slide37.xml><?xml version="1.0" encoding="utf-8"?>
+<file path=ppt/slides/slide44.xml><?xml version="1.0" encoding="utf-8"?>
 <p:sld xmlns:a="http://schemas.openxmlformats.org/drawingml/2006/main" xmlns:r="http://schemas.openxmlformats.org/officeDocument/2006/relationships" xmlns:p="http://schemas.openxmlformats.org/presentationml/2006/main">
   <p:cSld>
     <p:spTree>
@@ -29055,7 +31171,7 @@
 </p:sld>
 </file>
 
-<file path=ppt/slides/slide38.xml><?xml version="1.0" encoding="utf-8"?>
+<file path=ppt/slides/slide45.xml><?xml version="1.0" encoding="utf-8"?>
 <p:sld xmlns:a="http://schemas.openxmlformats.org/drawingml/2006/main" xmlns:r="http://schemas.openxmlformats.org/officeDocument/2006/relationships" xmlns:p="http://schemas.openxmlformats.org/presentationml/2006/main">
   <p:cSld>
     <p:spTree>
@@ -29176,7 +31292,7 @@
 </p:sld>
 </file>
 
-<file path=ppt/slides/slide39.xml><?xml version="1.0" encoding="utf-8"?>
+<file path=ppt/slides/slide46.xml><?xml version="1.0" encoding="utf-8"?>
 <p:sld xmlns:a="http://schemas.openxmlformats.org/drawingml/2006/main" xmlns:r="http://schemas.openxmlformats.org/officeDocument/2006/relationships" xmlns:p="http://schemas.openxmlformats.org/presentationml/2006/main">
   <p:cSld>
     <p:spTree>
@@ -29304,175 +31420,7 @@
 </p:sld>
 </file>
 
-<file path=ppt/slides/slide4.xml><?xml version="1.0" encoding="utf-8"?>
-<p:sld xmlns:a="http://schemas.openxmlformats.org/drawingml/2006/main" xmlns:r="http://schemas.openxmlformats.org/officeDocument/2006/relationships" xmlns:p="http://schemas.openxmlformats.org/presentationml/2006/main">
-  <p:cSld>
-    <p:spTree>
-      <p:nvGrpSpPr>
-        <p:cNvPr id="1" name=""/>
-        <p:cNvGrpSpPr/>
-        <p:nvPr/>
-      </p:nvGrpSpPr>
-      <p:grpSpPr>
-        <a:xfrm>
-          <a:off x="0" y="0"/>
-          <a:ext cx="0" cy="0"/>
-          <a:chOff x="0" y="0"/>
-          <a:chExt cx="0" cy="0"/>
-        </a:xfrm>
-      </p:grpSpPr>
-      <p:sp>
-        <p:nvSpPr>
-          <p:cNvPr id="2" name="Title 1">
-            <a:extLst>
-              <a:ext uri="{FF2B5EF4-FFF2-40B4-BE49-F238E27FC236}">
-                <a16:creationId xmlns:a16="http://schemas.microsoft.com/office/drawing/2014/main" id="{9684921B-6BBA-4BD5-ADA2-EBA7683B0D39}"/>
-              </a:ext>
-            </a:extLst>
-          </p:cNvPr>
-          <p:cNvSpPr>
-            <a:spLocks noGrp="1"/>
-          </p:cNvSpPr>
-          <p:nvPr>
-            <p:ph type="title"/>
-          </p:nvPr>
-        </p:nvSpPr>
-        <p:spPr>
-          <a:xfrm>
-            <a:off x="1028700" y="685801"/>
-            <a:ext cx="7200900" cy="533399"/>
-          </a:xfrm>
-        </p:spPr>
-        <p:txBody>
-          <a:bodyPr>
-            <a:noAutofit/>
-          </a:bodyPr>
-          <a:lstStyle/>
-          <a:p>
-            <a:r>
-              <a:rPr lang="en-US" sz="3600" dirty="0"/>
-              <a:t>Observations (Summary)</a:t>
-            </a:r>
-          </a:p>
-        </p:txBody>
-      </p:sp>
-      <p:pic>
-        <p:nvPicPr>
-          <p:cNvPr id="17" name="Content Placeholder 16" descr="A screenshot of a video game&#10;&#10;Description automatically generated">
-            <a:extLst>
-              <a:ext uri="{FF2B5EF4-FFF2-40B4-BE49-F238E27FC236}">
-                <a16:creationId xmlns:a16="http://schemas.microsoft.com/office/drawing/2014/main" id="{8CA6311E-BD53-4534-8820-18518D3B7135}"/>
-              </a:ext>
-            </a:extLst>
-          </p:cNvPr>
-          <p:cNvPicPr>
-            <a:picLocks noGrp="1" noChangeAspect="1"/>
-          </p:cNvPicPr>
-          <p:nvPr>
-            <p:ph idx="1"/>
-          </p:nvPr>
-        </p:nvPicPr>
-        <p:blipFill>
-          <a:blip r:embed="rId2">
-            <a:extLst>
-              <a:ext uri="{28A0092B-C50C-407E-A947-70E740481C1C}">
-                <a14:useLocalDpi xmlns:a14="http://schemas.microsoft.com/office/drawing/2010/main" val="0"/>
-              </a:ext>
-            </a:extLst>
-          </a:blip>
-          <a:stretch>
-            <a:fillRect/>
-          </a:stretch>
-        </p:blipFill>
-        <p:spPr>
-          <a:xfrm>
-            <a:off x="1371600" y="2057400"/>
-            <a:ext cx="7620000" cy="4572001"/>
-          </a:xfrm>
-          <a:prstGeom prst="rect">
-            <a:avLst/>
-          </a:prstGeom>
-          <a:solidFill>
-            <a:srgbClr val="FFFFFF">
-              <a:shade val="85000"/>
-            </a:srgbClr>
-          </a:solidFill>
-          <a:ln w="88900" cap="sq">
-            <a:solidFill>
-              <a:srgbClr val="FFFFFF"/>
-            </a:solidFill>
-            <a:miter lim="800000"/>
-          </a:ln>
-          <a:effectLst>
-            <a:outerShdw blurRad="55000" dist="18000" dir="5400000" algn="tl" rotWithShape="0">
-              <a:srgbClr val="000000">
-                <a:alpha val="40000"/>
-              </a:srgbClr>
-            </a:outerShdw>
-          </a:effectLst>
-          <a:scene3d>
-            <a:camera prst="orthographicFront"/>
-            <a:lightRig rig="twoPt" dir="t">
-              <a:rot lat="0" lon="0" rev="7200000"/>
-            </a:lightRig>
-          </a:scene3d>
-          <a:sp3d>
-            <a:bevelT w="25400" h="19050"/>
-            <a:contourClr>
-              <a:srgbClr val="FFFFFF"/>
-            </a:contourClr>
-          </a:sp3d>
-        </p:spPr>
-      </p:pic>
-      <p:sp>
-        <p:nvSpPr>
-          <p:cNvPr id="18" name="TextBox 17">
-            <a:extLst>
-              <a:ext uri="{FF2B5EF4-FFF2-40B4-BE49-F238E27FC236}">
-                <a16:creationId xmlns:a16="http://schemas.microsoft.com/office/drawing/2014/main" id="{F697F01C-ABF7-41A2-A8EF-3F0EC2579FCC}"/>
-              </a:ext>
-            </a:extLst>
-          </p:cNvPr>
-          <p:cNvSpPr txBox="1"/>
-          <p:nvPr/>
-        </p:nvSpPr>
-        <p:spPr>
-          <a:xfrm>
-            <a:off x="1219200" y="1524000"/>
-            <a:ext cx="3009900" cy="461665"/>
-          </a:xfrm>
-          <a:prstGeom prst="rect">
-            <a:avLst/>
-          </a:prstGeom>
-          <a:noFill/>
-        </p:spPr>
-        <p:txBody>
-          <a:bodyPr wrap="square" rtlCol="0">
-            <a:spAutoFit/>
-          </a:bodyPr>
-          <a:lstStyle/>
-          <a:p>
-            <a:r>
-              <a:rPr lang="en-US" sz="2400" b="1" dirty="0"/>
-              <a:t>Incidents by Time</a:t>
-            </a:r>
-          </a:p>
-        </p:txBody>
-      </p:sp>
-    </p:spTree>
-    <p:extLst>
-      <p:ext uri="{BB962C8B-B14F-4D97-AF65-F5344CB8AC3E}">
-        <p14:creationId xmlns:p14="http://schemas.microsoft.com/office/powerpoint/2010/main" val="822633060"/>
-      </p:ext>
-    </p:extLst>
-  </p:cSld>
-  <p:clrMapOvr>
-    <a:masterClrMapping/>
-  </p:clrMapOvr>
-</p:sld>
-</file>
-
-<file path=ppt/slides/slide40.xml><?xml version="1.0" encoding="utf-8"?>
+<file path=ppt/slides/slide47.xml><?xml version="1.0" encoding="utf-8"?>
 <p:sld xmlns:a="http://schemas.openxmlformats.org/drawingml/2006/main" xmlns:r="http://schemas.openxmlformats.org/officeDocument/2006/relationships" xmlns:p="http://schemas.openxmlformats.org/presentationml/2006/main">
   <p:cSld>
     <p:spTree>
@@ -31200,7 +33148,7 @@
 </p:sld>
 </file>
 
-<file path=ppt/slides/slide41.xml><?xml version="1.0" encoding="utf-8"?>
+<file path=ppt/slides/slide48.xml><?xml version="1.0" encoding="utf-8"?>
 <p:sld xmlns:a="http://schemas.openxmlformats.org/drawingml/2006/main" xmlns:r="http://schemas.openxmlformats.org/officeDocument/2006/relationships" xmlns:p="http://schemas.openxmlformats.org/presentationml/2006/main">
   <p:cSld>
     <p:spTree>
@@ -31325,7 +33273,7 @@
 </p:sld>
 </file>
 
-<file path=ppt/slides/slide42.xml><?xml version="1.0" encoding="utf-8"?>
+<file path=ppt/slides/slide49.xml><?xml version="1.0" encoding="utf-8"?>
 <p:sld xmlns:a="http://schemas.openxmlformats.org/drawingml/2006/main" xmlns:r="http://schemas.openxmlformats.org/officeDocument/2006/relationships" xmlns:p="http://schemas.openxmlformats.org/presentationml/2006/main">
   <p:cSld>
     <p:spTree>
@@ -32072,7 +34020,172 @@
 </p:sld>
 </file>
 
-<file path=ppt/slides/slide43.xml><?xml version="1.0" encoding="utf-8"?>
+<file path=ppt/slides/slide5.xml><?xml version="1.0" encoding="utf-8"?>
+<p:sld xmlns:a="http://schemas.openxmlformats.org/drawingml/2006/main" xmlns:r="http://schemas.openxmlformats.org/officeDocument/2006/relationships" xmlns:p="http://schemas.openxmlformats.org/presentationml/2006/main">
+  <p:cSld>
+    <p:spTree>
+      <p:nvGrpSpPr>
+        <p:cNvPr id="1" name=""/>
+        <p:cNvGrpSpPr/>
+        <p:nvPr/>
+      </p:nvGrpSpPr>
+      <p:grpSpPr>
+        <a:xfrm>
+          <a:off x="0" y="0"/>
+          <a:ext cx="0" cy="0"/>
+          <a:chOff x="0" y="0"/>
+          <a:chExt cx="0" cy="0"/>
+        </a:xfrm>
+      </p:grpSpPr>
+      <p:sp>
+        <p:nvSpPr>
+          <p:cNvPr id="2" name="Title 1">
+            <a:extLst>
+              <a:ext uri="{FF2B5EF4-FFF2-40B4-BE49-F238E27FC236}">
+                <a16:creationId xmlns:a16="http://schemas.microsoft.com/office/drawing/2014/main" id="{9BB04737-5B5E-4061-9F4E-F1DEB1C647DE}"/>
+              </a:ext>
+            </a:extLst>
+          </p:cNvPr>
+          <p:cNvSpPr>
+            <a:spLocks noGrp="1"/>
+          </p:cNvSpPr>
+          <p:nvPr>
+            <p:ph type="title"/>
+          </p:nvPr>
+        </p:nvSpPr>
+        <p:spPr>
+          <a:xfrm>
+            <a:off x="1028700" y="685800"/>
+            <a:ext cx="7200900" cy="685800"/>
+          </a:xfrm>
+        </p:spPr>
+        <p:txBody>
+          <a:bodyPr>
+            <a:normAutofit/>
+          </a:bodyPr>
+          <a:lstStyle/>
+          <a:p>
+            <a:r>
+              <a:rPr lang="en-US" sz="3600" dirty="0"/>
+              <a:t>Observations (Summary)</a:t>
+            </a:r>
+          </a:p>
+        </p:txBody>
+      </p:sp>
+      <p:pic>
+        <p:nvPicPr>
+          <p:cNvPr id="10" name="Picture 9" descr="A close up of a map&#10;&#10;Description automatically generated">
+            <a:extLst>
+              <a:ext uri="{FF2B5EF4-FFF2-40B4-BE49-F238E27FC236}">
+                <a16:creationId xmlns:a16="http://schemas.microsoft.com/office/drawing/2014/main" id="{CC1A4140-F4C3-4EC1-8A6F-784197D81A1B}"/>
+              </a:ext>
+            </a:extLst>
+          </p:cNvPr>
+          <p:cNvPicPr>
+            <a:picLocks/>
+          </p:cNvPicPr>
+          <p:nvPr/>
+        </p:nvPicPr>
+        <p:blipFill rotWithShape="1">
+          <a:blip r:embed="rId2">
+            <a:extLst>
+              <a:ext uri="{28A0092B-C50C-407E-A947-70E740481C1C}">
+                <a14:useLocalDpi xmlns:a14="http://schemas.microsoft.com/office/drawing/2010/main" val="0"/>
+              </a:ext>
+            </a:extLst>
+          </a:blip>
+          <a:srcRect l="30833" t="6779" b="15625"/>
+          <a:stretch/>
+        </p:blipFill>
+        <p:spPr>
+          <a:xfrm>
+            <a:off x="1371600" y="2054520"/>
+            <a:ext cx="7616952" cy="4572000"/>
+          </a:xfrm>
+          <a:prstGeom prst="rect">
+            <a:avLst/>
+          </a:prstGeom>
+          <a:solidFill>
+            <a:srgbClr val="FFFFFF">
+              <a:shade val="85000"/>
+            </a:srgbClr>
+          </a:solidFill>
+          <a:ln w="88900" cap="sq">
+            <a:solidFill>
+              <a:srgbClr val="FFFFFF"/>
+            </a:solidFill>
+            <a:miter lim="800000"/>
+          </a:ln>
+          <a:effectLst>
+            <a:outerShdw blurRad="55000" dist="18000" dir="5400000" algn="tl" rotWithShape="0">
+              <a:srgbClr val="000000">
+                <a:alpha val="40000"/>
+              </a:srgbClr>
+            </a:outerShdw>
+          </a:effectLst>
+          <a:scene3d>
+            <a:camera prst="orthographicFront"/>
+            <a:lightRig rig="twoPt" dir="t">
+              <a:rot lat="0" lon="0" rev="7200000"/>
+            </a:lightRig>
+          </a:scene3d>
+          <a:sp3d>
+            <a:bevelT w="25400" h="19050"/>
+            <a:contourClr>
+              <a:srgbClr val="FFFFFF"/>
+            </a:contourClr>
+          </a:sp3d>
+        </p:spPr>
+      </p:pic>
+      <p:sp>
+        <p:nvSpPr>
+          <p:cNvPr id="11" name="TextBox 10">
+            <a:extLst>
+              <a:ext uri="{FF2B5EF4-FFF2-40B4-BE49-F238E27FC236}">
+                <a16:creationId xmlns:a16="http://schemas.microsoft.com/office/drawing/2014/main" id="{E61925C7-D817-43EA-8456-CDBEF70E3EAF}"/>
+              </a:ext>
+            </a:extLst>
+          </p:cNvPr>
+          <p:cNvSpPr txBox="1"/>
+          <p:nvPr/>
+        </p:nvSpPr>
+        <p:spPr>
+          <a:xfrm>
+            <a:off x="1219200" y="1524000"/>
+            <a:ext cx="3009900" cy="461665"/>
+          </a:xfrm>
+          <a:prstGeom prst="rect">
+            <a:avLst/>
+          </a:prstGeom>
+          <a:noFill/>
+        </p:spPr>
+        <p:txBody>
+          <a:bodyPr wrap="square" rtlCol="0">
+            <a:spAutoFit/>
+          </a:bodyPr>
+          <a:lstStyle/>
+          <a:p>
+            <a:r>
+              <a:rPr lang="en-US" sz="2400" b="1" dirty="0"/>
+              <a:t>Incidents by Region</a:t>
+            </a:r>
+          </a:p>
+        </p:txBody>
+      </p:sp>
+    </p:spTree>
+    <p:extLst>
+      <p:ext uri="{BB962C8B-B14F-4D97-AF65-F5344CB8AC3E}">
+        <p14:creationId xmlns:p14="http://schemas.microsoft.com/office/powerpoint/2010/main" val="3382637159"/>
+      </p:ext>
+    </p:extLst>
+  </p:cSld>
+  <p:clrMapOvr>
+    <a:masterClrMapping/>
+  </p:clrMapOvr>
+</p:sld>
+</file>
+
+<file path=ppt/slides/slide50.xml><?xml version="1.0" encoding="utf-8"?>
 <p:sld xmlns:a="http://schemas.openxmlformats.org/drawingml/2006/main" xmlns:r="http://schemas.openxmlformats.org/officeDocument/2006/relationships" xmlns:p="http://schemas.openxmlformats.org/presentationml/2006/main">
   <p:cSld>
     <p:spTree>
@@ -32613,7 +34726,7 @@
 </p:sld>
 </file>
 
-<file path=ppt/slides/slide44.xml><?xml version="1.0" encoding="utf-8"?>
+<file path=ppt/slides/slide51.xml><?xml version="1.0" encoding="utf-8"?>
 <p:sld xmlns:a="http://schemas.openxmlformats.org/drawingml/2006/main" xmlns:r="http://schemas.openxmlformats.org/officeDocument/2006/relationships" xmlns:p="http://schemas.openxmlformats.org/presentationml/2006/main">
   <p:cSld>
     <p:spTree>
@@ -32750,7 +34863,7 @@
 </p:sld>
 </file>
 
-<file path=ppt/slides/slide45.xml><?xml version="1.0" encoding="utf-8"?>
+<file path=ppt/slides/slide52.xml><?xml version="1.0" encoding="utf-8"?>
 <p:sld xmlns:a="http://schemas.openxmlformats.org/drawingml/2006/main" xmlns:r="http://schemas.openxmlformats.org/officeDocument/2006/relationships" xmlns:p="http://schemas.openxmlformats.org/presentationml/2006/main">
   <p:cSld>
     <p:spTree>
@@ -32850,7 +34963,7 @@
 </p:sld>
 </file>
 
-<file path=ppt/slides/slide46.xml><?xml version="1.0" encoding="utf-8"?>
+<file path=ppt/slides/slide53.xml><?xml version="1.0" encoding="utf-8"?>
 <p:sld xmlns:a="http://schemas.openxmlformats.org/drawingml/2006/main" xmlns:r="http://schemas.openxmlformats.org/officeDocument/2006/relationships" xmlns:p="http://schemas.openxmlformats.org/presentationml/2006/main">
   <p:cSld>
     <p:spTree>
@@ -32999,7 +35112,7 @@
 </p:sld>
 </file>
 
-<file path=ppt/slides/slide47.xml><?xml version="1.0" encoding="utf-8"?>
+<file path=ppt/slides/slide54.xml><?xml version="1.0" encoding="utf-8"?>
 <p:sld xmlns:a="http://schemas.openxmlformats.org/drawingml/2006/main" xmlns:r="http://schemas.openxmlformats.org/officeDocument/2006/relationships" xmlns:p="http://schemas.openxmlformats.org/presentationml/2006/main">
   <p:cSld>
     <p:spTree>
@@ -33089,7 +35202,7 @@
 </p:sld>
 </file>
 
-<file path=ppt/slides/slide48.xml><?xml version="1.0" encoding="utf-8"?>
+<file path=ppt/slides/slide55.xml><?xml version="1.0" encoding="utf-8"?>
 <p:sld xmlns:a="http://schemas.openxmlformats.org/drawingml/2006/main" xmlns:r="http://schemas.openxmlformats.org/officeDocument/2006/relationships" xmlns:p="http://schemas.openxmlformats.org/presentationml/2006/main">
   <p:cSld>
     <p:spTree>
@@ -33405,7 +35518,7 @@
 </p:sld>
 </file>
 
-<file path=ppt/slides/slide49.xml><?xml version="1.0" encoding="utf-8"?>
+<file path=ppt/slides/slide56.xml><?xml version="1.0" encoding="utf-8"?>
 <p:sld xmlns:a="http://schemas.openxmlformats.org/drawingml/2006/main" xmlns:r="http://schemas.openxmlformats.org/officeDocument/2006/relationships" xmlns:p="http://schemas.openxmlformats.org/presentationml/2006/main">
   <p:cSld>
     <p:spTree>
@@ -33450,8 +35563,8 @@
           </a:p>
         </p:txBody>
       </p:sp>
-      <mc:AlternateContent xmlns:mc="http://schemas.openxmlformats.org/markup-compatibility/2006">
-        <mc:Choice xmlns:a14="http://schemas.microsoft.com/office/drawing/2010/main" Requires="a14">
+      <mc:AlternateContent xmlns:mc="http://schemas.openxmlformats.org/markup-compatibility/2006" xmlns:a14="http://schemas.microsoft.com/office/drawing/2010/main">
+        <mc:Choice Requires="a14">
           <p:sp>
             <p:nvSpPr>
               <p:cNvPr id="3" name="Content Placeholder 2">
@@ -33521,7 +35634,7 @@
             </p:txBody>
           </p:sp>
         </mc:Choice>
-        <mc:Fallback>
+        <mc:Fallback xmlns="">
           <p:sp>
             <p:nvSpPr>
               <p:cNvPr id="3" name="Content Placeholder 2">
@@ -33578,172 +35691,7 @@
 </p:sld>
 </file>
 
-<file path=ppt/slides/slide5.xml><?xml version="1.0" encoding="utf-8"?>
-<p:sld xmlns:a="http://schemas.openxmlformats.org/drawingml/2006/main" xmlns:r="http://schemas.openxmlformats.org/officeDocument/2006/relationships" xmlns:p="http://schemas.openxmlformats.org/presentationml/2006/main">
-  <p:cSld>
-    <p:spTree>
-      <p:nvGrpSpPr>
-        <p:cNvPr id="1" name=""/>
-        <p:cNvGrpSpPr/>
-        <p:nvPr/>
-      </p:nvGrpSpPr>
-      <p:grpSpPr>
-        <a:xfrm>
-          <a:off x="0" y="0"/>
-          <a:ext cx="0" cy="0"/>
-          <a:chOff x="0" y="0"/>
-          <a:chExt cx="0" cy="0"/>
-        </a:xfrm>
-      </p:grpSpPr>
-      <p:sp>
-        <p:nvSpPr>
-          <p:cNvPr id="2" name="Title 1">
-            <a:extLst>
-              <a:ext uri="{FF2B5EF4-FFF2-40B4-BE49-F238E27FC236}">
-                <a16:creationId xmlns:a16="http://schemas.microsoft.com/office/drawing/2014/main" id="{9BB04737-5B5E-4061-9F4E-F1DEB1C647DE}"/>
-              </a:ext>
-            </a:extLst>
-          </p:cNvPr>
-          <p:cNvSpPr>
-            <a:spLocks noGrp="1"/>
-          </p:cNvSpPr>
-          <p:nvPr>
-            <p:ph type="title"/>
-          </p:nvPr>
-        </p:nvSpPr>
-        <p:spPr>
-          <a:xfrm>
-            <a:off x="1028700" y="685800"/>
-            <a:ext cx="7200900" cy="685800"/>
-          </a:xfrm>
-        </p:spPr>
-        <p:txBody>
-          <a:bodyPr>
-            <a:normAutofit/>
-          </a:bodyPr>
-          <a:lstStyle/>
-          <a:p>
-            <a:r>
-              <a:rPr lang="en-US" sz="3600" dirty="0"/>
-              <a:t>Observations (Summary)</a:t>
-            </a:r>
-          </a:p>
-        </p:txBody>
-      </p:sp>
-      <p:pic>
-        <p:nvPicPr>
-          <p:cNvPr id="10" name="Picture 9" descr="A close up of a map&#10;&#10;Description automatically generated">
-            <a:extLst>
-              <a:ext uri="{FF2B5EF4-FFF2-40B4-BE49-F238E27FC236}">
-                <a16:creationId xmlns:a16="http://schemas.microsoft.com/office/drawing/2014/main" id="{CC1A4140-F4C3-4EC1-8A6F-784197D81A1B}"/>
-              </a:ext>
-            </a:extLst>
-          </p:cNvPr>
-          <p:cNvPicPr>
-            <a:picLocks/>
-          </p:cNvPicPr>
-          <p:nvPr/>
-        </p:nvPicPr>
-        <p:blipFill rotWithShape="1">
-          <a:blip r:embed="rId2">
-            <a:extLst>
-              <a:ext uri="{28A0092B-C50C-407E-A947-70E740481C1C}">
-                <a14:useLocalDpi xmlns:a14="http://schemas.microsoft.com/office/drawing/2010/main" val="0"/>
-              </a:ext>
-            </a:extLst>
-          </a:blip>
-          <a:srcRect l="30833" t="6779" b="15625"/>
-          <a:stretch/>
-        </p:blipFill>
-        <p:spPr>
-          <a:xfrm>
-            <a:off x="1371600" y="2054520"/>
-            <a:ext cx="7616952" cy="4572000"/>
-          </a:xfrm>
-          <a:prstGeom prst="rect">
-            <a:avLst/>
-          </a:prstGeom>
-          <a:solidFill>
-            <a:srgbClr val="FFFFFF">
-              <a:shade val="85000"/>
-            </a:srgbClr>
-          </a:solidFill>
-          <a:ln w="88900" cap="sq">
-            <a:solidFill>
-              <a:srgbClr val="FFFFFF"/>
-            </a:solidFill>
-            <a:miter lim="800000"/>
-          </a:ln>
-          <a:effectLst>
-            <a:outerShdw blurRad="55000" dist="18000" dir="5400000" algn="tl" rotWithShape="0">
-              <a:srgbClr val="000000">
-                <a:alpha val="40000"/>
-              </a:srgbClr>
-            </a:outerShdw>
-          </a:effectLst>
-          <a:scene3d>
-            <a:camera prst="orthographicFront"/>
-            <a:lightRig rig="twoPt" dir="t">
-              <a:rot lat="0" lon="0" rev="7200000"/>
-            </a:lightRig>
-          </a:scene3d>
-          <a:sp3d>
-            <a:bevelT w="25400" h="19050"/>
-            <a:contourClr>
-              <a:srgbClr val="FFFFFF"/>
-            </a:contourClr>
-          </a:sp3d>
-        </p:spPr>
-      </p:pic>
-      <p:sp>
-        <p:nvSpPr>
-          <p:cNvPr id="11" name="TextBox 10">
-            <a:extLst>
-              <a:ext uri="{FF2B5EF4-FFF2-40B4-BE49-F238E27FC236}">
-                <a16:creationId xmlns:a16="http://schemas.microsoft.com/office/drawing/2014/main" id="{E61925C7-D817-43EA-8456-CDBEF70E3EAF}"/>
-              </a:ext>
-            </a:extLst>
-          </p:cNvPr>
-          <p:cNvSpPr txBox="1"/>
-          <p:nvPr/>
-        </p:nvSpPr>
-        <p:spPr>
-          <a:xfrm>
-            <a:off x="1219200" y="1524000"/>
-            <a:ext cx="3009900" cy="461665"/>
-          </a:xfrm>
-          <a:prstGeom prst="rect">
-            <a:avLst/>
-          </a:prstGeom>
-          <a:noFill/>
-        </p:spPr>
-        <p:txBody>
-          <a:bodyPr wrap="square" rtlCol="0">
-            <a:spAutoFit/>
-          </a:bodyPr>
-          <a:lstStyle/>
-          <a:p>
-            <a:r>
-              <a:rPr lang="en-US" sz="2400" b="1" dirty="0"/>
-              <a:t>Incidents by Region</a:t>
-            </a:r>
-          </a:p>
-        </p:txBody>
-      </p:sp>
-    </p:spTree>
-    <p:extLst>
-      <p:ext uri="{BB962C8B-B14F-4D97-AF65-F5344CB8AC3E}">
-        <p14:creationId xmlns:p14="http://schemas.microsoft.com/office/powerpoint/2010/main" val="3382637159"/>
-      </p:ext>
-    </p:extLst>
-  </p:cSld>
-  <p:clrMapOvr>
-    <a:masterClrMapping/>
-  </p:clrMapOvr>
-</p:sld>
-</file>
-
-<file path=ppt/slides/slide50.xml><?xml version="1.0" encoding="utf-8"?>
+<file path=ppt/slides/slide57.xml><?xml version="1.0" encoding="utf-8"?>
 <p:sld xmlns:a="http://schemas.openxmlformats.org/drawingml/2006/main" xmlns:r="http://schemas.openxmlformats.org/officeDocument/2006/relationships" xmlns:p="http://schemas.openxmlformats.org/presentationml/2006/main">
   <p:cSld>
     <p:spTree>
@@ -33823,7 +35771,7 @@
 </p:sld>
 </file>
 
-<file path=ppt/slides/slide51.xml><?xml version="1.0" encoding="utf-8"?>
+<file path=ppt/slides/slide58.xml><?xml version="1.0" encoding="utf-8"?>
 <p:sld xmlns:a="http://schemas.openxmlformats.org/drawingml/2006/main" xmlns:r="http://schemas.openxmlformats.org/officeDocument/2006/relationships" xmlns:p="http://schemas.openxmlformats.org/presentationml/2006/main">
   <p:cSld>
     <p:bg>

--- a/presentation/gtdb-final-presentation.pptx
+++ b/presentation/gtdb-final-presentation.pptx
@@ -5,7 +5,7 @@
     <p:sldMasterId id="2147483803" r:id="rId1"/>
   </p:sldMasterIdLst>
   <p:notesMasterIdLst>
-    <p:notesMasterId r:id="rId60"/>
+    <p:notesMasterId r:id="rId58"/>
   </p:notesMasterIdLst>
   <p:sldIdLst>
     <p:sldId id="256" r:id="rId2"/>
@@ -43,29 +43,27 @@
     <p:sldId id="282" r:id="rId34"/>
     <p:sldId id="279" r:id="rId35"/>
     <p:sldId id="304" r:id="rId36"/>
-    <p:sldId id="284" r:id="rId37"/>
-    <p:sldId id="286" r:id="rId38"/>
-    <p:sldId id="272" r:id="rId39"/>
-    <p:sldId id="287" r:id="rId40"/>
-    <p:sldId id="288" r:id="rId41"/>
-    <p:sldId id="278" r:id="rId42"/>
-    <p:sldId id="283" r:id="rId43"/>
-    <p:sldId id="277" r:id="rId44"/>
-    <p:sldId id="281" r:id="rId45"/>
+    <p:sldId id="329" r:id="rId37"/>
+    <p:sldId id="284" r:id="rId38"/>
+    <p:sldId id="286" r:id="rId39"/>
+    <p:sldId id="272" r:id="rId40"/>
+    <p:sldId id="287" r:id="rId41"/>
+    <p:sldId id="288" r:id="rId42"/>
+    <p:sldId id="278" r:id="rId43"/>
+    <p:sldId id="283" r:id="rId44"/>
+    <p:sldId id="277" r:id="rId45"/>
     <p:sldId id="305" r:id="rId46"/>
     <p:sldId id="317" r:id="rId47"/>
     <p:sldId id="306" r:id="rId48"/>
     <p:sldId id="308" r:id="rId49"/>
     <p:sldId id="292" r:id="rId50"/>
     <p:sldId id="312" r:id="rId51"/>
-    <p:sldId id="311" r:id="rId52"/>
+    <p:sldId id="328" r:id="rId52"/>
     <p:sldId id="315" r:id="rId53"/>
-    <p:sldId id="316" r:id="rId54"/>
-    <p:sldId id="319" r:id="rId55"/>
-    <p:sldId id="320" r:id="rId56"/>
-    <p:sldId id="314" r:id="rId57"/>
-    <p:sldId id="265" r:id="rId58"/>
-    <p:sldId id="318" r:id="rId59"/>
+    <p:sldId id="320" r:id="rId54"/>
+    <p:sldId id="316" r:id="rId55"/>
+    <p:sldId id="319" r:id="rId56"/>
+    <p:sldId id="265" r:id="rId57"/>
   </p:sldIdLst>
   <p:sldSz cx="9144000" cy="6858000" type="screen4x3"/>
   <p:notesSz cx="6858000" cy="9144000"/>
@@ -212,6 +210,7 @@
             <p14:sldId id="282"/>
             <p14:sldId id="279"/>
             <p14:sldId id="304"/>
+            <p14:sldId id="329"/>
             <p14:sldId id="284"/>
             <p14:sldId id="286"/>
             <p14:sldId id="272"/>
@@ -220,29 +219,22 @@
             <p14:sldId id="278"/>
             <p14:sldId id="283"/>
             <p14:sldId id="277"/>
-            <p14:sldId id="281"/>
             <p14:sldId id="305"/>
             <p14:sldId id="317"/>
             <p14:sldId id="306"/>
             <p14:sldId id="308"/>
             <p14:sldId id="292"/>
             <p14:sldId id="312"/>
-            <p14:sldId id="311"/>
+            <p14:sldId id="328"/>
             <p14:sldId id="315"/>
+            <p14:sldId id="320"/>
             <p14:sldId id="316"/>
             <p14:sldId id="319"/>
-            <p14:sldId id="320"/>
-            <p14:sldId id="314"/>
           </p14:sldIdLst>
         </p14:section>
         <p14:section name="Summary and Conclusion" id="{A2B1DDA9-9FDD-4663-A154-79354B6BCDF3}">
           <p14:sldIdLst>
             <p14:sldId id="265"/>
-          </p14:sldIdLst>
-        </p14:section>
-        <p14:section name="Appendix" id="{0A102EE0-E67E-445A-82A6-202CD6BEF7CB}">
-          <p14:sldIdLst>
-            <p14:sldId id="318"/>
           </p14:sldIdLst>
         </p14:section>
       </p14:sectionLst>
@@ -745,10 +737,7 @@
           <a:bodyPr/>
           <a:lstStyle/>
           <a:p>
-            <a:r>
-              <a:rPr lang="en-US" dirty="0"/>
-              <a:t>19 Variables</a:t>
-            </a:r>
+            <a:endParaRPr lang="en-US" dirty="0"/>
           </a:p>
         </p:txBody>
       </p:sp>
@@ -778,7 +767,7 @@
     </p:spTree>
     <p:extLst>
       <p:ext uri="{BB962C8B-B14F-4D97-AF65-F5344CB8AC3E}">
-        <p14:creationId xmlns:p14="http://schemas.microsoft.com/office/powerpoint/2010/main" val="3031283944"/>
+        <p14:creationId xmlns:p14="http://schemas.microsoft.com/office/powerpoint/2010/main" val="3879878116"/>
       </p:ext>
     </p:extLst>
   </p:cSld>
@@ -834,15 +823,8 @@
           <a:p>
             <a:r>
               <a:rPr lang="en-US" dirty="0"/>
-              <a:t>TPRs: </a:t>
-            </a:r>
-            <a:r>
-              <a:rPr lang="en-US" dirty="0">
-                <a:effectLst/>
-              </a:rPr>
-              <a:t>0.27 (LDA) 0.12  0.37 0.28</a:t>
-            </a:r>
-            <a:endParaRPr lang="en-US" dirty="0"/>
+              <a:t>19 Variables</a:t>
+            </a:r>
           </a:p>
         </p:txBody>
       </p:sp>
@@ -872,7 +854,7 @@
     </p:spTree>
     <p:extLst>
       <p:ext uri="{BB962C8B-B14F-4D97-AF65-F5344CB8AC3E}">
-        <p14:creationId xmlns:p14="http://schemas.microsoft.com/office/powerpoint/2010/main" val="2469478444"/>
+        <p14:creationId xmlns:p14="http://schemas.microsoft.com/office/powerpoint/2010/main" val="3031283944"/>
       </p:ext>
     </p:extLst>
   </p:cSld>
@@ -927,421 +909,16 @@
           <a:lstStyle/>
           <a:p>
             <a:r>
-              <a:rPr lang="en-US" sz="1600" b="1" i="0" u="none" strike="noStrike" dirty="0">
-                <a:solidFill>
-                  <a:srgbClr val="000000"/>
-                </a:solidFill>
+              <a:rPr lang="en-US" dirty="0"/>
+              <a:t>TPRs: </a:t>
+            </a:r>
+            <a:r>
+              <a:rPr lang="en-US" dirty="0">
                 <a:effectLst/>
-                <a:latin typeface="Calibri" panose="020F0502020204030204" pitchFamily="34" charset="0"/>
               </a:rPr>
-              <a:t>A</a:t>
-            </a:r>
-            <a:r>
-              <a:rPr lang="en-US" dirty="0"/>
-              <a:t> </a:t>
-            </a:r>
-            <a:r>
-              <a:rPr lang="en-US" sz="1200" b="1" i="0" u="none" strike="noStrike" dirty="0">
-                <a:solidFill>
-                  <a:srgbClr val="000000"/>
-                </a:solidFill>
-                <a:effectLst/>
-                <a:latin typeface="Calibri" panose="020F0502020204030204" pitchFamily="34" charset="0"/>
-              </a:rPr>
-              <a:t>Al-Qaida in Iraq</a:t>
-            </a:r>
-            <a:r>
-              <a:rPr lang="en-US" dirty="0"/>
-              <a:t> </a:t>
-            </a:r>
-          </a:p>
-          <a:p>
-            <a:r>
-              <a:rPr lang="en-US" sz="1600" b="1" i="0" u="none" strike="noStrike" dirty="0">
-                <a:solidFill>
-                  <a:srgbClr val="000000"/>
-                </a:solidFill>
-                <a:effectLst/>
-                <a:latin typeface="Calibri" panose="020F0502020204030204" pitchFamily="34" charset="0"/>
-              </a:rPr>
-              <a:t>B</a:t>
-            </a:r>
-            <a:r>
-              <a:rPr lang="en-US" dirty="0"/>
-              <a:t> </a:t>
-            </a:r>
-            <a:r>
-              <a:rPr lang="en-US" sz="1200" b="1" i="0" u="none" strike="noStrike" dirty="0">
-                <a:solidFill>
-                  <a:srgbClr val="000000"/>
-                </a:solidFill>
-                <a:effectLst/>
-                <a:latin typeface="Calibri" panose="020F0502020204030204" pitchFamily="34" charset="0"/>
-              </a:rPr>
-              <a:t>Al-Qaida in the Arabian Peninsula (AQAP)</a:t>
-            </a:r>
-            <a:r>
-              <a:rPr lang="en-US" dirty="0"/>
-              <a:t> </a:t>
-            </a:r>
-          </a:p>
-          <a:p>
-            <a:r>
-              <a:rPr lang="en-US" sz="1600" b="1" i="0" u="none" strike="noStrike" dirty="0">
-                <a:solidFill>
-                  <a:srgbClr val="000000"/>
-                </a:solidFill>
-                <a:effectLst/>
-                <a:latin typeface="Calibri" panose="020F0502020204030204" pitchFamily="34" charset="0"/>
-              </a:rPr>
-              <a:t>C</a:t>
-            </a:r>
-            <a:r>
-              <a:rPr lang="en-US" dirty="0"/>
-              <a:t> </a:t>
-            </a:r>
-            <a:r>
-              <a:rPr lang="en-US" sz="1200" b="1" i="0" u="none" strike="noStrike" dirty="0">
-                <a:solidFill>
-                  <a:srgbClr val="000000"/>
-                </a:solidFill>
-                <a:effectLst/>
-                <a:latin typeface="Calibri" panose="020F0502020204030204" pitchFamily="34" charset="0"/>
-              </a:rPr>
-              <a:t>Al-Qaida in the Islamic Maghreb (AQIM)</a:t>
-            </a:r>
-            <a:r>
-              <a:rPr lang="en-US" dirty="0"/>
-              <a:t> </a:t>
-            </a:r>
-          </a:p>
-          <a:p>
-            <a:r>
-              <a:rPr lang="en-US" sz="1600" b="1" i="0" u="none" strike="noStrike" dirty="0">
-                <a:solidFill>
-                  <a:srgbClr val="000000"/>
-                </a:solidFill>
-                <a:effectLst/>
-                <a:latin typeface="Calibri" panose="020F0502020204030204" pitchFamily="34" charset="0"/>
-              </a:rPr>
-              <a:t>D</a:t>
-            </a:r>
-            <a:r>
-              <a:rPr lang="en-US" dirty="0"/>
-              <a:t> </a:t>
-            </a:r>
-            <a:r>
-              <a:rPr lang="en-US" sz="1200" b="1" i="0" u="none" strike="noStrike" dirty="0">
-                <a:solidFill>
-                  <a:srgbClr val="000000"/>
-                </a:solidFill>
-                <a:effectLst/>
-                <a:latin typeface="Calibri" panose="020F0502020204030204" pitchFamily="34" charset="0"/>
-              </a:rPr>
-              <a:t>Hamas (Islamic Resistance Movement)</a:t>
-            </a:r>
-            <a:r>
-              <a:rPr lang="en-US" dirty="0"/>
-              <a:t> </a:t>
-            </a:r>
-          </a:p>
-          <a:p>
-            <a:r>
-              <a:rPr lang="en-US" sz="1600" b="1" i="0" u="none" strike="noStrike" dirty="0">
-                <a:solidFill>
-                  <a:srgbClr val="000000"/>
-                </a:solidFill>
-                <a:effectLst/>
-                <a:latin typeface="Calibri" panose="020F0502020204030204" pitchFamily="34" charset="0"/>
-              </a:rPr>
-              <a:t>E</a:t>
-            </a:r>
-            <a:r>
-              <a:rPr lang="en-US" dirty="0"/>
-              <a:t> </a:t>
-            </a:r>
-            <a:r>
-              <a:rPr lang="en-US" sz="1200" b="1" i="0" u="none" strike="noStrike" dirty="0">
-                <a:solidFill>
-                  <a:srgbClr val="000000"/>
-                </a:solidFill>
-                <a:effectLst/>
-                <a:latin typeface="Calibri" panose="020F0502020204030204" pitchFamily="34" charset="0"/>
-              </a:rPr>
-              <a:t>Hezbollah</a:t>
-            </a:r>
-            <a:r>
-              <a:rPr lang="en-US" dirty="0"/>
-              <a:t> </a:t>
-            </a:r>
-          </a:p>
-          <a:p>
-            <a:r>
-              <a:rPr lang="en-US" sz="1600" b="1" i="0" u="none" strike="noStrike" dirty="0">
-                <a:solidFill>
-                  <a:srgbClr val="000000"/>
-                </a:solidFill>
-                <a:effectLst/>
-                <a:latin typeface="Calibri" panose="020F0502020204030204" pitchFamily="34" charset="0"/>
-              </a:rPr>
-              <a:t>F</a:t>
-            </a:r>
-            <a:r>
-              <a:rPr lang="en-US" dirty="0"/>
-              <a:t> </a:t>
-            </a:r>
-            <a:r>
-              <a:rPr lang="en-US" sz="1200" b="1" i="0" u="none" strike="noStrike" dirty="0">
-                <a:solidFill>
-                  <a:srgbClr val="000000"/>
-                </a:solidFill>
-                <a:effectLst/>
-                <a:latin typeface="Calibri" panose="020F0502020204030204" pitchFamily="34" charset="0"/>
-              </a:rPr>
-              <a:t>Islamic State of Iraq and the Levant (ISIL)</a:t>
-            </a:r>
-            <a:r>
-              <a:rPr lang="en-US" dirty="0"/>
-              <a:t> </a:t>
-            </a:r>
-          </a:p>
-          <a:p>
-            <a:r>
-              <a:rPr lang="en-US" sz="1600" b="1" i="0" u="none" strike="noStrike" dirty="0">
-                <a:solidFill>
-                  <a:srgbClr val="000000"/>
-                </a:solidFill>
-                <a:effectLst/>
-                <a:latin typeface="Calibri" panose="020F0502020204030204" pitchFamily="34" charset="0"/>
-              </a:rPr>
-              <a:t>G</a:t>
-            </a:r>
-            <a:r>
-              <a:rPr lang="en-US" dirty="0"/>
-              <a:t> </a:t>
-            </a:r>
-            <a:r>
-              <a:rPr lang="en-US" sz="1200" b="1" i="0" u="none" strike="noStrike" dirty="0">
-                <a:solidFill>
-                  <a:srgbClr val="000000"/>
-                </a:solidFill>
-                <a:effectLst/>
-                <a:latin typeface="Calibri" panose="020F0502020204030204" pitchFamily="34" charset="0"/>
-              </a:rPr>
-              <a:t>Kurdistan Workers' Party (PKK)</a:t>
-            </a:r>
-            <a:r>
-              <a:rPr lang="en-US" dirty="0"/>
-              <a:t> </a:t>
-            </a:r>
-          </a:p>
-          <a:p>
-            <a:r>
-              <a:rPr lang="en-US" sz="1600" b="1" i="0" u="none" strike="noStrike" dirty="0">
-                <a:solidFill>
-                  <a:srgbClr val="000000"/>
-                </a:solidFill>
-                <a:effectLst/>
-                <a:latin typeface="Calibri" panose="020F0502020204030204" pitchFamily="34" charset="0"/>
-              </a:rPr>
-              <a:t>H</a:t>
-            </a:r>
-            <a:r>
-              <a:rPr lang="en-US" dirty="0"/>
-              <a:t> </a:t>
-            </a:r>
-            <a:r>
-              <a:rPr lang="en-US" sz="1200" b="1" i="0" u="none" strike="noStrike" dirty="0">
-                <a:solidFill>
-                  <a:srgbClr val="000000"/>
-                </a:solidFill>
-                <a:effectLst/>
-                <a:latin typeface="Calibri" panose="020F0502020204030204" pitchFamily="34" charset="0"/>
-              </a:rPr>
-              <a:t>Liberation Tigers of Tamil Eelam (LTTE)</a:t>
-            </a:r>
-            <a:r>
-              <a:rPr lang="en-US" dirty="0"/>
-              <a:t> </a:t>
-            </a:r>
-          </a:p>
-          <a:p>
-            <a:r>
-              <a:rPr lang="en-US" sz="1600" b="1" i="0" u="none" strike="noStrike" dirty="0">
-                <a:solidFill>
-                  <a:srgbClr val="000000"/>
-                </a:solidFill>
-                <a:effectLst/>
-                <a:latin typeface="Calibri" panose="020F0502020204030204" pitchFamily="34" charset="0"/>
-              </a:rPr>
-              <a:t>I</a:t>
-            </a:r>
-            <a:r>
-              <a:rPr lang="en-US" dirty="0"/>
-              <a:t> </a:t>
-            </a:r>
-            <a:r>
-              <a:rPr lang="en-US" sz="1200" b="1" i="0" u="none" strike="noStrike" dirty="0">
-                <a:solidFill>
-                  <a:srgbClr val="000000"/>
-                </a:solidFill>
-                <a:effectLst/>
-                <a:latin typeface="Calibri" panose="020F0502020204030204" pitchFamily="34" charset="0"/>
-              </a:rPr>
-              <a:t>New People's Army (NPA)</a:t>
-            </a:r>
-            <a:r>
-              <a:rPr lang="en-US" dirty="0"/>
-              <a:t> </a:t>
-            </a:r>
-          </a:p>
-          <a:p>
-            <a:r>
-              <a:rPr lang="en-US" sz="1600" b="1" i="0" u="none" strike="noStrike" dirty="0">
-                <a:solidFill>
-                  <a:srgbClr val="000000"/>
-                </a:solidFill>
-                <a:effectLst/>
-                <a:latin typeface="Calibri" panose="020F0502020204030204" pitchFamily="34" charset="0"/>
-              </a:rPr>
-              <a:t>J</a:t>
-            </a:r>
-            <a:r>
-              <a:rPr lang="en-US" dirty="0"/>
-              <a:t> </a:t>
-            </a:r>
-            <a:r>
-              <a:rPr lang="en-US" sz="1200" b="1" i="0" u="none" strike="noStrike" dirty="0">
-                <a:solidFill>
-                  <a:srgbClr val="000000"/>
-                </a:solidFill>
-                <a:effectLst/>
-                <a:latin typeface="Calibri" panose="020F0502020204030204" pitchFamily="34" charset="0"/>
-              </a:rPr>
-              <a:t>Revolutionary Armed Forces of Colombia (FARC)</a:t>
-            </a:r>
-            <a:r>
-              <a:rPr lang="en-US" dirty="0"/>
-              <a:t> </a:t>
-            </a:r>
-          </a:p>
-          <a:p>
-            <a:r>
-              <a:rPr lang="en-US" sz="1600" b="1" i="0" u="none" strike="noStrike" dirty="0">
-                <a:solidFill>
-                  <a:srgbClr val="000000"/>
-                </a:solidFill>
-                <a:effectLst/>
-                <a:latin typeface="Calibri" panose="020F0502020204030204" pitchFamily="34" charset="0"/>
-              </a:rPr>
-              <a:t>K</a:t>
-            </a:r>
-            <a:r>
-              <a:rPr lang="en-US" dirty="0"/>
-              <a:t> </a:t>
-            </a:r>
-            <a:r>
-              <a:rPr lang="en-US" sz="1200" b="1" i="0" u="none" strike="noStrike" dirty="0">
-                <a:solidFill>
-                  <a:srgbClr val="000000"/>
-                </a:solidFill>
-                <a:effectLst/>
-                <a:latin typeface="Calibri" panose="020F0502020204030204" pitchFamily="34" charset="0"/>
-              </a:rPr>
-              <a:t>Salafist Group for Preaching and Fighting (GSPC)</a:t>
-            </a:r>
-            <a:r>
-              <a:rPr lang="en-US" dirty="0"/>
-              <a:t> </a:t>
-            </a:r>
-          </a:p>
-          <a:p>
-            <a:r>
-              <a:rPr lang="en-US" sz="1600" b="1" i="0" u="none" strike="noStrike" dirty="0">
-                <a:solidFill>
-                  <a:srgbClr val="000000"/>
-                </a:solidFill>
-                <a:effectLst/>
-                <a:latin typeface="Calibri" panose="020F0502020204030204" pitchFamily="34" charset="0"/>
-              </a:rPr>
-              <a:t>L</a:t>
-            </a:r>
-            <a:r>
-              <a:rPr lang="en-US" dirty="0"/>
-              <a:t> </a:t>
-            </a:r>
-            <a:r>
-              <a:rPr lang="en-US" sz="1200" b="1" i="0" u="none" strike="noStrike" dirty="0">
-                <a:solidFill>
-                  <a:srgbClr val="000000"/>
-                </a:solidFill>
-                <a:effectLst/>
-                <a:latin typeface="Calibri" panose="020F0502020204030204" pitchFamily="34" charset="0"/>
-              </a:rPr>
-              <a:t>Taliban</a:t>
-            </a:r>
-            <a:r>
-              <a:rPr lang="en-US" dirty="0"/>
-              <a:t> </a:t>
-            </a:r>
-            <a:r>
-              <a:rPr lang="en-US" sz="1600" b="1" i="0" u="none" strike="noStrike" dirty="0">
-                <a:solidFill>
-                  <a:srgbClr val="000000"/>
-                </a:solidFill>
-                <a:effectLst/>
-                <a:latin typeface="Calibri" panose="020F0502020204030204" pitchFamily="34" charset="0"/>
-              </a:rPr>
-              <a:t>M</a:t>
-            </a:r>
-            <a:r>
-              <a:rPr lang="en-US" dirty="0"/>
-              <a:t> </a:t>
-            </a:r>
-            <a:r>
-              <a:rPr lang="en-US" sz="1200" b="1" i="0" u="none" strike="noStrike" dirty="0" err="1">
-                <a:solidFill>
-                  <a:srgbClr val="000000"/>
-                </a:solidFill>
-                <a:effectLst/>
-                <a:latin typeface="Calibri" panose="020F0502020204030204" pitchFamily="34" charset="0"/>
-              </a:rPr>
-              <a:t>Tehrik</a:t>
-            </a:r>
-            <a:r>
-              <a:rPr lang="en-US" sz="1200" b="1" i="0" u="none" strike="noStrike" dirty="0">
-                <a:solidFill>
-                  <a:srgbClr val="000000"/>
-                </a:solidFill>
-                <a:effectLst/>
-                <a:latin typeface="Calibri" panose="020F0502020204030204" pitchFamily="34" charset="0"/>
-              </a:rPr>
-              <a:t>-</a:t>
-            </a:r>
-            <a:r>
-              <a:rPr lang="en-US" sz="1200" b="1" i="0" u="none" strike="noStrike" dirty="0" err="1">
-                <a:solidFill>
-                  <a:srgbClr val="000000"/>
-                </a:solidFill>
-                <a:effectLst/>
-                <a:latin typeface="Calibri" panose="020F0502020204030204" pitchFamily="34" charset="0"/>
-              </a:rPr>
-              <a:t>i</a:t>
-            </a:r>
-            <a:r>
-              <a:rPr lang="en-US" sz="1200" b="1" i="0" u="none" strike="noStrike" dirty="0">
-                <a:solidFill>
-                  <a:srgbClr val="000000"/>
-                </a:solidFill>
-                <a:effectLst/>
-                <a:latin typeface="Calibri" panose="020F0502020204030204" pitchFamily="34" charset="0"/>
-              </a:rPr>
-              <a:t>-Taliban Pakistan (TTP)</a:t>
-            </a:r>
-            <a:r>
-              <a:rPr lang="en-US" dirty="0"/>
-              <a:t> </a:t>
-            </a:r>
+              <a:t>0.27 (LDA) 0.12  0.37 0.28</a:t>
+            </a:r>
+            <a:endParaRPr lang="en-US" dirty="0"/>
           </a:p>
         </p:txBody>
       </p:sp>
@@ -1362,7 +939,7 @@
           <a:p>
             <a:fld id="{58F5E0F1-AB47-4A7A-BA35-9463FCF91331}" type="slidenum">
               <a:rPr lang="en-US" smtClean="0"/>
-              <a:t>43</a:t>
+              <a:t>42</a:t>
             </a:fld>
             <a:endParaRPr lang="en-US"/>
           </a:p>
@@ -1371,7 +948,7 @@
     </p:spTree>
     <p:extLst>
       <p:ext uri="{BB962C8B-B14F-4D97-AF65-F5344CB8AC3E}">
-        <p14:creationId xmlns:p14="http://schemas.microsoft.com/office/powerpoint/2010/main" val="2014521674"/>
+        <p14:creationId xmlns:p14="http://schemas.microsoft.com/office/powerpoint/2010/main" val="2469478444"/>
       </p:ext>
     </p:extLst>
   </p:cSld>
@@ -1426,6 +1003,505 @@
           <a:lstStyle/>
           <a:p>
             <a:r>
+              <a:rPr lang="en-US" sz="1600" b="1" i="0" u="none" strike="noStrike" dirty="0">
+                <a:solidFill>
+                  <a:srgbClr val="000000"/>
+                </a:solidFill>
+                <a:effectLst/>
+                <a:latin typeface="Calibri" panose="020F0502020204030204" pitchFamily="34" charset="0"/>
+              </a:rPr>
+              <a:t>A</a:t>
+            </a:r>
+            <a:r>
+              <a:rPr lang="en-US" dirty="0"/>
+              <a:t> </a:t>
+            </a:r>
+            <a:r>
+              <a:rPr lang="en-US" sz="1200" b="1" i="0" u="none" strike="noStrike" dirty="0">
+                <a:solidFill>
+                  <a:srgbClr val="000000"/>
+                </a:solidFill>
+                <a:effectLst/>
+                <a:latin typeface="Calibri" panose="020F0502020204030204" pitchFamily="34" charset="0"/>
+              </a:rPr>
+              <a:t>Al-Qaida in Iraq</a:t>
+            </a:r>
+            <a:r>
+              <a:rPr lang="en-US" dirty="0"/>
+              <a:t> </a:t>
+            </a:r>
+          </a:p>
+          <a:p>
+            <a:r>
+              <a:rPr lang="en-US" sz="1600" b="1" i="0" u="none" strike="noStrike" dirty="0">
+                <a:solidFill>
+                  <a:srgbClr val="000000"/>
+                </a:solidFill>
+                <a:effectLst/>
+                <a:latin typeface="Calibri" panose="020F0502020204030204" pitchFamily="34" charset="0"/>
+              </a:rPr>
+              <a:t>B</a:t>
+            </a:r>
+            <a:r>
+              <a:rPr lang="en-US" dirty="0"/>
+              <a:t> </a:t>
+            </a:r>
+            <a:r>
+              <a:rPr lang="en-US" sz="1200" b="1" i="0" u="none" strike="noStrike" dirty="0">
+                <a:solidFill>
+                  <a:srgbClr val="000000"/>
+                </a:solidFill>
+                <a:effectLst/>
+                <a:latin typeface="Calibri" panose="020F0502020204030204" pitchFamily="34" charset="0"/>
+              </a:rPr>
+              <a:t>Al-Qaida in the Arabian Peninsula (AQAP)</a:t>
+            </a:r>
+            <a:r>
+              <a:rPr lang="en-US" dirty="0"/>
+              <a:t> </a:t>
+            </a:r>
+          </a:p>
+          <a:p>
+            <a:r>
+              <a:rPr lang="en-US" sz="1600" b="1" i="0" u="none" strike="noStrike" dirty="0">
+                <a:solidFill>
+                  <a:srgbClr val="000000"/>
+                </a:solidFill>
+                <a:effectLst/>
+                <a:latin typeface="Calibri" panose="020F0502020204030204" pitchFamily="34" charset="0"/>
+              </a:rPr>
+              <a:t>C</a:t>
+            </a:r>
+            <a:r>
+              <a:rPr lang="en-US" dirty="0"/>
+              <a:t> </a:t>
+            </a:r>
+            <a:r>
+              <a:rPr lang="en-US" sz="1200" b="1" i="0" u="none" strike="noStrike" dirty="0">
+                <a:solidFill>
+                  <a:srgbClr val="000000"/>
+                </a:solidFill>
+                <a:effectLst/>
+                <a:latin typeface="Calibri" panose="020F0502020204030204" pitchFamily="34" charset="0"/>
+              </a:rPr>
+              <a:t>Al-Qaida in the Islamic Maghreb (AQIM)</a:t>
+            </a:r>
+            <a:r>
+              <a:rPr lang="en-US" dirty="0"/>
+              <a:t> </a:t>
+            </a:r>
+          </a:p>
+          <a:p>
+            <a:r>
+              <a:rPr lang="en-US" sz="1600" b="1" i="0" u="none" strike="noStrike" dirty="0">
+                <a:solidFill>
+                  <a:srgbClr val="000000"/>
+                </a:solidFill>
+                <a:effectLst/>
+                <a:latin typeface="Calibri" panose="020F0502020204030204" pitchFamily="34" charset="0"/>
+              </a:rPr>
+              <a:t>D</a:t>
+            </a:r>
+            <a:r>
+              <a:rPr lang="en-US" dirty="0"/>
+              <a:t> </a:t>
+            </a:r>
+            <a:r>
+              <a:rPr lang="en-US" sz="1200" b="1" i="0" u="none" strike="noStrike" dirty="0">
+                <a:solidFill>
+                  <a:srgbClr val="000000"/>
+                </a:solidFill>
+                <a:effectLst/>
+                <a:latin typeface="Calibri" panose="020F0502020204030204" pitchFamily="34" charset="0"/>
+              </a:rPr>
+              <a:t>Hamas (Islamic Resistance Movement)</a:t>
+            </a:r>
+            <a:r>
+              <a:rPr lang="en-US" dirty="0"/>
+              <a:t> </a:t>
+            </a:r>
+          </a:p>
+          <a:p>
+            <a:r>
+              <a:rPr lang="en-US" sz="1600" b="1" i="0" u="none" strike="noStrike" dirty="0">
+                <a:solidFill>
+                  <a:srgbClr val="000000"/>
+                </a:solidFill>
+                <a:effectLst/>
+                <a:latin typeface="Calibri" panose="020F0502020204030204" pitchFamily="34" charset="0"/>
+              </a:rPr>
+              <a:t>E</a:t>
+            </a:r>
+            <a:r>
+              <a:rPr lang="en-US" dirty="0"/>
+              <a:t> </a:t>
+            </a:r>
+            <a:r>
+              <a:rPr lang="en-US" sz="1200" b="1" i="0" u="none" strike="noStrike" dirty="0">
+                <a:solidFill>
+                  <a:srgbClr val="000000"/>
+                </a:solidFill>
+                <a:effectLst/>
+                <a:latin typeface="Calibri" panose="020F0502020204030204" pitchFamily="34" charset="0"/>
+              </a:rPr>
+              <a:t>Hezbollah</a:t>
+            </a:r>
+            <a:r>
+              <a:rPr lang="en-US" dirty="0"/>
+              <a:t> </a:t>
+            </a:r>
+          </a:p>
+          <a:p>
+            <a:r>
+              <a:rPr lang="en-US" sz="1600" b="1" i="0" u="none" strike="noStrike" dirty="0">
+                <a:solidFill>
+                  <a:srgbClr val="000000"/>
+                </a:solidFill>
+                <a:effectLst/>
+                <a:latin typeface="Calibri" panose="020F0502020204030204" pitchFamily="34" charset="0"/>
+              </a:rPr>
+              <a:t>F</a:t>
+            </a:r>
+            <a:r>
+              <a:rPr lang="en-US" dirty="0"/>
+              <a:t> </a:t>
+            </a:r>
+            <a:r>
+              <a:rPr lang="en-US" sz="1200" b="1" i="0" u="none" strike="noStrike" dirty="0">
+                <a:solidFill>
+                  <a:srgbClr val="000000"/>
+                </a:solidFill>
+                <a:effectLst/>
+                <a:latin typeface="Calibri" panose="020F0502020204030204" pitchFamily="34" charset="0"/>
+              </a:rPr>
+              <a:t>Islamic State of Iraq and the Levant (ISIL)</a:t>
+            </a:r>
+            <a:r>
+              <a:rPr lang="en-US" dirty="0"/>
+              <a:t> </a:t>
+            </a:r>
+          </a:p>
+          <a:p>
+            <a:r>
+              <a:rPr lang="en-US" sz="1600" b="1" i="0" u="none" strike="noStrike" dirty="0">
+                <a:solidFill>
+                  <a:srgbClr val="000000"/>
+                </a:solidFill>
+                <a:effectLst/>
+                <a:latin typeface="Calibri" panose="020F0502020204030204" pitchFamily="34" charset="0"/>
+              </a:rPr>
+              <a:t>G</a:t>
+            </a:r>
+            <a:r>
+              <a:rPr lang="en-US" dirty="0"/>
+              <a:t> </a:t>
+            </a:r>
+            <a:r>
+              <a:rPr lang="en-US" sz="1200" b="1" i="0" u="none" strike="noStrike" dirty="0">
+                <a:solidFill>
+                  <a:srgbClr val="000000"/>
+                </a:solidFill>
+                <a:effectLst/>
+                <a:latin typeface="Calibri" panose="020F0502020204030204" pitchFamily="34" charset="0"/>
+              </a:rPr>
+              <a:t>Kurdistan Workers' Party (PKK)</a:t>
+            </a:r>
+            <a:r>
+              <a:rPr lang="en-US" dirty="0"/>
+              <a:t> </a:t>
+            </a:r>
+          </a:p>
+          <a:p>
+            <a:r>
+              <a:rPr lang="en-US" sz="1600" b="1" i="0" u="none" strike="noStrike" dirty="0">
+                <a:solidFill>
+                  <a:srgbClr val="000000"/>
+                </a:solidFill>
+                <a:effectLst/>
+                <a:latin typeface="Calibri" panose="020F0502020204030204" pitchFamily="34" charset="0"/>
+              </a:rPr>
+              <a:t>H</a:t>
+            </a:r>
+            <a:r>
+              <a:rPr lang="en-US" dirty="0"/>
+              <a:t> </a:t>
+            </a:r>
+            <a:r>
+              <a:rPr lang="en-US" sz="1200" b="1" i="0" u="none" strike="noStrike" dirty="0">
+                <a:solidFill>
+                  <a:srgbClr val="000000"/>
+                </a:solidFill>
+                <a:effectLst/>
+                <a:latin typeface="Calibri" panose="020F0502020204030204" pitchFamily="34" charset="0"/>
+              </a:rPr>
+              <a:t>Liberation Tigers of Tamil Eelam (LTTE)</a:t>
+            </a:r>
+            <a:r>
+              <a:rPr lang="en-US" dirty="0"/>
+              <a:t> </a:t>
+            </a:r>
+          </a:p>
+          <a:p>
+            <a:r>
+              <a:rPr lang="en-US" sz="1600" b="1" i="0" u="none" strike="noStrike" dirty="0">
+                <a:solidFill>
+                  <a:srgbClr val="000000"/>
+                </a:solidFill>
+                <a:effectLst/>
+                <a:latin typeface="Calibri" panose="020F0502020204030204" pitchFamily="34" charset="0"/>
+              </a:rPr>
+              <a:t>I</a:t>
+            </a:r>
+            <a:r>
+              <a:rPr lang="en-US" dirty="0"/>
+              <a:t> </a:t>
+            </a:r>
+            <a:r>
+              <a:rPr lang="en-US" sz="1200" b="1" i="0" u="none" strike="noStrike" dirty="0">
+                <a:solidFill>
+                  <a:srgbClr val="000000"/>
+                </a:solidFill>
+                <a:effectLst/>
+                <a:latin typeface="Calibri" panose="020F0502020204030204" pitchFamily="34" charset="0"/>
+              </a:rPr>
+              <a:t>New People's Army (NPA)</a:t>
+            </a:r>
+            <a:r>
+              <a:rPr lang="en-US" dirty="0"/>
+              <a:t> </a:t>
+            </a:r>
+          </a:p>
+          <a:p>
+            <a:r>
+              <a:rPr lang="en-US" sz="1600" b="1" i="0" u="none" strike="noStrike" dirty="0">
+                <a:solidFill>
+                  <a:srgbClr val="000000"/>
+                </a:solidFill>
+                <a:effectLst/>
+                <a:latin typeface="Calibri" panose="020F0502020204030204" pitchFamily="34" charset="0"/>
+              </a:rPr>
+              <a:t>J</a:t>
+            </a:r>
+            <a:r>
+              <a:rPr lang="en-US" dirty="0"/>
+              <a:t> </a:t>
+            </a:r>
+            <a:r>
+              <a:rPr lang="en-US" sz="1200" b="1" i="0" u="none" strike="noStrike" dirty="0">
+                <a:solidFill>
+                  <a:srgbClr val="000000"/>
+                </a:solidFill>
+                <a:effectLst/>
+                <a:latin typeface="Calibri" panose="020F0502020204030204" pitchFamily="34" charset="0"/>
+              </a:rPr>
+              <a:t>Revolutionary Armed Forces of Colombia (FARC)</a:t>
+            </a:r>
+            <a:r>
+              <a:rPr lang="en-US" dirty="0"/>
+              <a:t> </a:t>
+            </a:r>
+          </a:p>
+          <a:p>
+            <a:r>
+              <a:rPr lang="en-US" sz="1600" b="1" i="0" u="none" strike="noStrike" dirty="0">
+                <a:solidFill>
+                  <a:srgbClr val="000000"/>
+                </a:solidFill>
+                <a:effectLst/>
+                <a:latin typeface="Calibri" panose="020F0502020204030204" pitchFamily="34" charset="0"/>
+              </a:rPr>
+              <a:t>K</a:t>
+            </a:r>
+            <a:r>
+              <a:rPr lang="en-US" dirty="0"/>
+              <a:t> </a:t>
+            </a:r>
+            <a:r>
+              <a:rPr lang="en-US" sz="1200" b="1" i="0" u="none" strike="noStrike" dirty="0">
+                <a:solidFill>
+                  <a:srgbClr val="000000"/>
+                </a:solidFill>
+                <a:effectLst/>
+                <a:latin typeface="Calibri" panose="020F0502020204030204" pitchFamily="34" charset="0"/>
+              </a:rPr>
+              <a:t>Salafist Group for Preaching and Fighting (GSPC)</a:t>
+            </a:r>
+            <a:r>
+              <a:rPr lang="en-US" dirty="0"/>
+              <a:t> </a:t>
+            </a:r>
+          </a:p>
+          <a:p>
+            <a:r>
+              <a:rPr lang="en-US" sz="1600" b="1" i="0" u="none" strike="noStrike" dirty="0">
+                <a:solidFill>
+                  <a:srgbClr val="000000"/>
+                </a:solidFill>
+                <a:effectLst/>
+                <a:latin typeface="Calibri" panose="020F0502020204030204" pitchFamily="34" charset="0"/>
+              </a:rPr>
+              <a:t>L</a:t>
+            </a:r>
+            <a:r>
+              <a:rPr lang="en-US" dirty="0"/>
+              <a:t> </a:t>
+            </a:r>
+            <a:r>
+              <a:rPr lang="en-US" sz="1200" b="1" i="0" u="none" strike="noStrike" dirty="0">
+                <a:solidFill>
+                  <a:srgbClr val="000000"/>
+                </a:solidFill>
+                <a:effectLst/>
+                <a:latin typeface="Calibri" panose="020F0502020204030204" pitchFamily="34" charset="0"/>
+              </a:rPr>
+              <a:t>Taliban</a:t>
+            </a:r>
+            <a:r>
+              <a:rPr lang="en-US" dirty="0"/>
+              <a:t> </a:t>
+            </a:r>
+            <a:r>
+              <a:rPr lang="en-US" sz="1600" b="1" i="0" u="none" strike="noStrike" dirty="0">
+                <a:solidFill>
+                  <a:srgbClr val="000000"/>
+                </a:solidFill>
+                <a:effectLst/>
+                <a:latin typeface="Calibri" panose="020F0502020204030204" pitchFamily="34" charset="0"/>
+              </a:rPr>
+              <a:t>M</a:t>
+            </a:r>
+            <a:r>
+              <a:rPr lang="en-US" dirty="0"/>
+              <a:t> </a:t>
+            </a:r>
+            <a:r>
+              <a:rPr lang="en-US" sz="1200" b="1" i="0" u="none" strike="noStrike" dirty="0" err="1">
+                <a:solidFill>
+                  <a:srgbClr val="000000"/>
+                </a:solidFill>
+                <a:effectLst/>
+                <a:latin typeface="Calibri" panose="020F0502020204030204" pitchFamily="34" charset="0"/>
+              </a:rPr>
+              <a:t>Tehrik</a:t>
+            </a:r>
+            <a:r>
+              <a:rPr lang="en-US" sz="1200" b="1" i="0" u="none" strike="noStrike" dirty="0">
+                <a:solidFill>
+                  <a:srgbClr val="000000"/>
+                </a:solidFill>
+                <a:effectLst/>
+                <a:latin typeface="Calibri" panose="020F0502020204030204" pitchFamily="34" charset="0"/>
+              </a:rPr>
+              <a:t>-</a:t>
+            </a:r>
+            <a:r>
+              <a:rPr lang="en-US" sz="1200" b="1" i="0" u="none" strike="noStrike" dirty="0" err="1">
+                <a:solidFill>
+                  <a:srgbClr val="000000"/>
+                </a:solidFill>
+                <a:effectLst/>
+                <a:latin typeface="Calibri" panose="020F0502020204030204" pitchFamily="34" charset="0"/>
+              </a:rPr>
+              <a:t>i</a:t>
+            </a:r>
+            <a:r>
+              <a:rPr lang="en-US" sz="1200" b="1" i="0" u="none" strike="noStrike" dirty="0">
+                <a:solidFill>
+                  <a:srgbClr val="000000"/>
+                </a:solidFill>
+                <a:effectLst/>
+                <a:latin typeface="Calibri" panose="020F0502020204030204" pitchFamily="34" charset="0"/>
+              </a:rPr>
+              <a:t>-Taliban Pakistan (TTP)</a:t>
+            </a:r>
+            <a:r>
+              <a:rPr lang="en-US" dirty="0"/>
+              <a:t> </a:t>
+            </a:r>
+          </a:p>
+        </p:txBody>
+      </p:sp>
+      <p:sp>
+        <p:nvSpPr>
+          <p:cNvPr id="4" name="Slide Number Placeholder 3"/>
+          <p:cNvSpPr>
+            <a:spLocks noGrp="1"/>
+          </p:cNvSpPr>
+          <p:nvPr>
+            <p:ph type="sldNum" sz="quarter" idx="5"/>
+          </p:nvPr>
+        </p:nvSpPr>
+        <p:spPr/>
+        <p:txBody>
+          <a:bodyPr/>
+          <a:lstStyle/>
+          <a:p>
+            <a:fld id="{58F5E0F1-AB47-4A7A-BA35-9463FCF91331}" type="slidenum">
+              <a:rPr lang="en-US" smtClean="0"/>
+              <a:t>44</a:t>
+            </a:fld>
+            <a:endParaRPr lang="en-US"/>
+          </a:p>
+        </p:txBody>
+      </p:sp>
+    </p:spTree>
+    <p:extLst>
+      <p:ext uri="{BB962C8B-B14F-4D97-AF65-F5344CB8AC3E}">
+        <p14:creationId xmlns:p14="http://schemas.microsoft.com/office/powerpoint/2010/main" val="2014521674"/>
+      </p:ext>
+    </p:extLst>
+  </p:cSld>
+  <p:clrMapOvr>
+    <a:masterClrMapping/>
+  </p:clrMapOvr>
+</p:notes>
+</file>
+
+<file path=ppt/notesSlides/notesSlide14.xml><?xml version="1.0" encoding="utf-8"?>
+<p:notes xmlns:a="http://schemas.openxmlformats.org/drawingml/2006/main" xmlns:r="http://schemas.openxmlformats.org/officeDocument/2006/relationships" xmlns:p="http://schemas.openxmlformats.org/presentationml/2006/main">
+  <p:cSld>
+    <p:spTree>
+      <p:nvGrpSpPr>
+        <p:cNvPr id="1" name=""/>
+        <p:cNvGrpSpPr/>
+        <p:nvPr/>
+      </p:nvGrpSpPr>
+      <p:grpSpPr>
+        <a:xfrm>
+          <a:off x="0" y="0"/>
+          <a:ext cx="0" cy="0"/>
+          <a:chOff x="0" y="0"/>
+          <a:chExt cx="0" cy="0"/>
+        </a:xfrm>
+      </p:grpSpPr>
+      <p:sp>
+        <p:nvSpPr>
+          <p:cNvPr id="2" name="Slide Image Placeholder 1"/>
+          <p:cNvSpPr>
+            <a:spLocks noGrp="1" noRot="1" noChangeAspect="1"/>
+          </p:cNvSpPr>
+          <p:nvPr>
+            <p:ph type="sldImg"/>
+          </p:nvPr>
+        </p:nvSpPr>
+        <p:spPr/>
+      </p:sp>
+      <p:sp>
+        <p:nvSpPr>
+          <p:cNvPr id="3" name="Notes Placeholder 2"/>
+          <p:cNvSpPr>
+            <a:spLocks noGrp="1"/>
+          </p:cNvSpPr>
+          <p:nvPr>
+            <p:ph type="body" idx="1"/>
+          </p:nvPr>
+        </p:nvSpPr>
+        <p:spPr/>
+        <p:txBody>
+          <a:bodyPr/>
+          <a:lstStyle/>
+          <a:p>
+            <a:r>
               <a:rPr lang="en-US" dirty="0"/>
               <a:t>19 Variables</a:t>
             </a:r>
@@ -1459,6 +1535,360 @@
     <p:extLst>
       <p:ext uri="{BB962C8B-B14F-4D97-AF65-F5344CB8AC3E}">
         <p14:creationId xmlns:p14="http://schemas.microsoft.com/office/powerpoint/2010/main" val="331066703"/>
+      </p:ext>
+    </p:extLst>
+  </p:cSld>
+  <p:clrMapOvr>
+    <a:masterClrMapping/>
+  </p:clrMapOvr>
+</p:notes>
+</file>
+
+<file path=ppt/notesSlides/notesSlide15.xml><?xml version="1.0" encoding="utf-8"?>
+<p:notes xmlns:a="http://schemas.openxmlformats.org/drawingml/2006/main" xmlns:r="http://schemas.openxmlformats.org/officeDocument/2006/relationships" xmlns:p="http://schemas.openxmlformats.org/presentationml/2006/main">
+  <p:cSld>
+    <p:spTree>
+      <p:nvGrpSpPr>
+        <p:cNvPr id="1" name=""/>
+        <p:cNvGrpSpPr/>
+        <p:nvPr/>
+      </p:nvGrpSpPr>
+      <p:grpSpPr>
+        <a:xfrm>
+          <a:off x="0" y="0"/>
+          <a:ext cx="0" cy="0"/>
+          <a:chOff x="0" y="0"/>
+          <a:chExt cx="0" cy="0"/>
+        </a:xfrm>
+      </p:grpSpPr>
+      <p:sp>
+        <p:nvSpPr>
+          <p:cNvPr id="2" name="Slide Image Placeholder 1"/>
+          <p:cNvSpPr>
+            <a:spLocks noGrp="1" noRot="1" noChangeAspect="1"/>
+          </p:cNvSpPr>
+          <p:nvPr>
+            <p:ph type="sldImg"/>
+          </p:nvPr>
+        </p:nvSpPr>
+        <p:spPr/>
+      </p:sp>
+      <p:sp>
+        <p:nvSpPr>
+          <p:cNvPr id="3" name="Notes Placeholder 2"/>
+          <p:cNvSpPr>
+            <a:spLocks noGrp="1"/>
+          </p:cNvSpPr>
+          <p:nvPr>
+            <p:ph type="body" idx="1"/>
+          </p:nvPr>
+        </p:nvSpPr>
+        <p:spPr/>
+        <p:txBody>
+          <a:bodyPr/>
+          <a:lstStyle/>
+          <a:p>
+            <a:endParaRPr lang="en-US" dirty="0"/>
+          </a:p>
+        </p:txBody>
+      </p:sp>
+      <p:sp>
+        <p:nvSpPr>
+          <p:cNvPr id="4" name="Slide Number Placeholder 3"/>
+          <p:cNvSpPr>
+            <a:spLocks noGrp="1"/>
+          </p:cNvSpPr>
+          <p:nvPr>
+            <p:ph type="sldNum" sz="quarter" idx="5"/>
+          </p:nvPr>
+        </p:nvSpPr>
+        <p:spPr/>
+        <p:txBody>
+          <a:bodyPr/>
+          <a:lstStyle/>
+          <a:p>
+            <a:fld id="{58F5E0F1-AB47-4A7A-BA35-9463FCF91331}" type="slidenum">
+              <a:rPr lang="en-US" smtClean="0"/>
+              <a:t>48</a:t>
+            </a:fld>
+            <a:endParaRPr lang="en-US"/>
+          </a:p>
+        </p:txBody>
+      </p:sp>
+    </p:spTree>
+    <p:extLst>
+      <p:ext uri="{BB962C8B-B14F-4D97-AF65-F5344CB8AC3E}">
+        <p14:creationId xmlns:p14="http://schemas.microsoft.com/office/powerpoint/2010/main" val="1161367757"/>
+      </p:ext>
+    </p:extLst>
+  </p:cSld>
+  <p:clrMapOvr>
+    <a:masterClrMapping/>
+  </p:clrMapOvr>
+</p:notes>
+</file>
+
+<file path=ppt/notesSlides/notesSlide16.xml><?xml version="1.0" encoding="utf-8"?>
+<p:notes xmlns:a="http://schemas.openxmlformats.org/drawingml/2006/main" xmlns:r="http://schemas.openxmlformats.org/officeDocument/2006/relationships" xmlns:p="http://schemas.openxmlformats.org/presentationml/2006/main">
+  <p:cSld>
+    <p:spTree>
+      <p:nvGrpSpPr>
+        <p:cNvPr id="1" name=""/>
+        <p:cNvGrpSpPr/>
+        <p:nvPr/>
+      </p:nvGrpSpPr>
+      <p:grpSpPr>
+        <a:xfrm>
+          <a:off x="0" y="0"/>
+          <a:ext cx="0" cy="0"/>
+          <a:chOff x="0" y="0"/>
+          <a:chExt cx="0" cy="0"/>
+        </a:xfrm>
+      </p:grpSpPr>
+      <p:sp>
+        <p:nvSpPr>
+          <p:cNvPr id="2" name="Slide Image Placeholder 1"/>
+          <p:cNvSpPr>
+            <a:spLocks noGrp="1" noRot="1" noChangeAspect="1"/>
+          </p:cNvSpPr>
+          <p:nvPr>
+            <p:ph type="sldImg"/>
+          </p:nvPr>
+        </p:nvSpPr>
+        <p:spPr/>
+      </p:sp>
+      <p:sp>
+        <p:nvSpPr>
+          <p:cNvPr id="3" name="Notes Placeholder 2"/>
+          <p:cNvSpPr>
+            <a:spLocks noGrp="1"/>
+          </p:cNvSpPr>
+          <p:nvPr>
+            <p:ph type="body" idx="1"/>
+          </p:nvPr>
+        </p:nvSpPr>
+        <p:spPr/>
+        <p:txBody>
+          <a:bodyPr/>
+          <a:lstStyle/>
+          <a:p>
+            <a:endParaRPr lang="en-US" dirty="0"/>
+          </a:p>
+        </p:txBody>
+      </p:sp>
+      <p:sp>
+        <p:nvSpPr>
+          <p:cNvPr id="4" name="Slide Number Placeholder 3"/>
+          <p:cNvSpPr>
+            <a:spLocks noGrp="1"/>
+          </p:cNvSpPr>
+          <p:nvPr>
+            <p:ph type="sldNum" sz="quarter" idx="5"/>
+          </p:nvPr>
+        </p:nvSpPr>
+        <p:spPr/>
+        <p:txBody>
+          <a:bodyPr/>
+          <a:lstStyle/>
+          <a:p>
+            <a:fld id="{58F5E0F1-AB47-4A7A-BA35-9463FCF91331}" type="slidenum">
+              <a:rPr lang="en-US" smtClean="0"/>
+              <a:t>49</a:t>
+            </a:fld>
+            <a:endParaRPr lang="en-US"/>
+          </a:p>
+        </p:txBody>
+      </p:sp>
+    </p:spTree>
+    <p:extLst>
+      <p:ext uri="{BB962C8B-B14F-4D97-AF65-F5344CB8AC3E}">
+        <p14:creationId xmlns:p14="http://schemas.microsoft.com/office/powerpoint/2010/main" val="4130378035"/>
+      </p:ext>
+    </p:extLst>
+  </p:cSld>
+  <p:clrMapOvr>
+    <a:masterClrMapping/>
+  </p:clrMapOvr>
+</p:notes>
+</file>
+
+<file path=ppt/notesSlides/notesSlide17.xml><?xml version="1.0" encoding="utf-8"?>
+<p:notes xmlns:a="http://schemas.openxmlformats.org/drawingml/2006/main" xmlns:r="http://schemas.openxmlformats.org/officeDocument/2006/relationships" xmlns:p="http://schemas.openxmlformats.org/presentationml/2006/main">
+  <p:cSld>
+    <p:spTree>
+      <p:nvGrpSpPr>
+        <p:cNvPr id="1" name=""/>
+        <p:cNvGrpSpPr/>
+        <p:nvPr/>
+      </p:nvGrpSpPr>
+      <p:grpSpPr>
+        <a:xfrm>
+          <a:off x="0" y="0"/>
+          <a:ext cx="0" cy="0"/>
+          <a:chOff x="0" y="0"/>
+          <a:chExt cx="0" cy="0"/>
+        </a:xfrm>
+      </p:grpSpPr>
+      <p:sp>
+        <p:nvSpPr>
+          <p:cNvPr id="2" name="Slide Image Placeholder 1"/>
+          <p:cNvSpPr>
+            <a:spLocks noGrp="1" noRot="1" noChangeAspect="1"/>
+          </p:cNvSpPr>
+          <p:nvPr>
+            <p:ph type="sldImg"/>
+          </p:nvPr>
+        </p:nvSpPr>
+        <p:spPr/>
+      </p:sp>
+      <p:sp>
+        <p:nvSpPr>
+          <p:cNvPr id="3" name="Notes Placeholder 2"/>
+          <p:cNvSpPr>
+            <a:spLocks noGrp="1"/>
+          </p:cNvSpPr>
+          <p:nvPr>
+            <p:ph type="body" idx="1"/>
+          </p:nvPr>
+        </p:nvSpPr>
+        <p:spPr/>
+        <p:txBody>
+          <a:bodyPr/>
+          <a:lstStyle/>
+          <a:p>
+            <a:r>
+              <a:rPr lang="en-US" sz="1200" kern="1200" dirty="0" err="1">
+                <a:solidFill>
+                  <a:schemeClr val="tx1"/>
+                </a:solidFill>
+                <a:effectLst/>
+                <a:latin typeface="+mn-lt"/>
+                <a:ea typeface="+mn-ea"/>
+                <a:cs typeface="+mn-cs"/>
+              </a:rPr>
+              <a:t>lda</a:t>
+            </a:r>
+            <a:r>
+              <a:rPr lang="en-US" sz="1200" kern="1200" dirty="0">
+                <a:solidFill>
+                  <a:schemeClr val="tx1"/>
+                </a:solidFill>
+                <a:effectLst/>
+                <a:latin typeface="+mn-lt"/>
+                <a:ea typeface="+mn-ea"/>
+                <a:cs typeface="+mn-cs"/>
+              </a:rPr>
+              <a:t> </a:t>
+            </a:r>
+            <a:r>
+              <a:rPr lang="en-US" dirty="0">
+                <a:effectLst/>
+              </a:rPr>
+              <a:t>0.973</a:t>
+            </a:r>
+          </a:p>
+          <a:p>
+            <a:r>
+              <a:rPr lang="en-US" sz="1200" kern="1200" dirty="0">
+                <a:solidFill>
+                  <a:schemeClr val="tx1"/>
+                </a:solidFill>
+                <a:effectLst/>
+                <a:latin typeface="+mn-lt"/>
+                <a:ea typeface="+mn-ea"/>
+                <a:cs typeface="+mn-cs"/>
+              </a:rPr>
+              <a:t>tree</a:t>
+            </a:r>
+            <a:r>
+              <a:rPr lang="en-US" dirty="0">
+                <a:effectLst/>
+              </a:rPr>
+              <a:t> 0.925</a:t>
+            </a:r>
+          </a:p>
+          <a:p>
+            <a:r>
+              <a:rPr lang="en-US" sz="1200" kern="1200" dirty="0">
+                <a:solidFill>
+                  <a:schemeClr val="tx1"/>
+                </a:solidFill>
+                <a:effectLst/>
+                <a:latin typeface="+mn-lt"/>
+                <a:ea typeface="+mn-ea"/>
+                <a:cs typeface="+mn-cs"/>
+              </a:rPr>
+              <a:t>rf </a:t>
+            </a:r>
+            <a:r>
+              <a:rPr lang="en-US" dirty="0">
+                <a:effectLst/>
+              </a:rPr>
+              <a:t>0.981</a:t>
+            </a:r>
+          </a:p>
+          <a:p>
+            <a:r>
+              <a:rPr lang="en-US" sz="1200" kern="1200" dirty="0" err="1">
+                <a:solidFill>
+                  <a:schemeClr val="tx1"/>
+                </a:solidFill>
+                <a:effectLst/>
+                <a:latin typeface="+mn-lt"/>
+                <a:ea typeface="+mn-ea"/>
+                <a:cs typeface="+mn-cs"/>
+              </a:rPr>
+              <a:t>svm</a:t>
+            </a:r>
+            <a:r>
+              <a:rPr lang="en-US" sz="1200" kern="1200" dirty="0">
+                <a:solidFill>
+                  <a:schemeClr val="tx1"/>
+                </a:solidFill>
+                <a:effectLst/>
+                <a:latin typeface="+mn-lt"/>
+                <a:ea typeface="+mn-ea"/>
+                <a:cs typeface="+mn-cs"/>
+              </a:rPr>
+              <a:t> </a:t>
+            </a:r>
+            <a:r>
+              <a:rPr lang="en-US" dirty="0">
+                <a:effectLst/>
+              </a:rPr>
+              <a:t>0.962</a:t>
+            </a:r>
+            <a:endParaRPr lang="en-US" dirty="0"/>
+          </a:p>
+        </p:txBody>
+      </p:sp>
+      <p:sp>
+        <p:nvSpPr>
+          <p:cNvPr id="4" name="Slide Number Placeholder 3"/>
+          <p:cNvSpPr>
+            <a:spLocks noGrp="1"/>
+          </p:cNvSpPr>
+          <p:nvPr>
+            <p:ph type="sldNum" sz="quarter" idx="5"/>
+          </p:nvPr>
+        </p:nvSpPr>
+        <p:spPr/>
+        <p:txBody>
+          <a:bodyPr/>
+          <a:lstStyle/>
+          <a:p>
+            <a:fld id="{58F5E0F1-AB47-4A7A-BA35-9463FCF91331}" type="slidenum">
+              <a:rPr lang="en-US" smtClean="0"/>
+              <a:t>52</a:t>
+            </a:fld>
+            <a:endParaRPr lang="en-US"/>
+          </a:p>
+        </p:txBody>
+      </p:sp>
+    </p:spTree>
+    <p:extLst>
+      <p:ext uri="{BB962C8B-B14F-4D97-AF65-F5344CB8AC3E}">
+        <p14:creationId xmlns:p14="http://schemas.microsoft.com/office/powerpoint/2010/main" val="1756405409"/>
       </p:ext>
     </p:extLst>
   </p:cSld>
@@ -2735,7 +3165,10 @@
           <a:bodyPr/>
           <a:lstStyle/>
           <a:p>
-            <a:endParaRPr lang="en-US" dirty="0"/>
+            <a:r>
+              <a:rPr lang="en-US" dirty="0"/>
+              <a:t>Unable to plot ROC curves for non-binary classification</a:t>
+            </a:r>
           </a:p>
         </p:txBody>
       </p:sp>
@@ -2756,7 +3189,7 @@
           <a:p>
             <a:fld id="{58F5E0F1-AB47-4A7A-BA35-9463FCF91331}" type="slidenum">
               <a:rPr lang="en-US" smtClean="0"/>
-              <a:t>38</a:t>
+              <a:t>37</a:t>
             </a:fld>
             <a:endParaRPr lang="en-US"/>
           </a:p>
@@ -2765,7 +3198,7 @@
     </p:spTree>
     <p:extLst>
       <p:ext uri="{BB962C8B-B14F-4D97-AF65-F5344CB8AC3E}">
-        <p14:creationId xmlns:p14="http://schemas.microsoft.com/office/powerpoint/2010/main" val="3784740203"/>
+        <p14:creationId xmlns:p14="http://schemas.microsoft.com/office/powerpoint/2010/main" val="472746655"/>
       </p:ext>
     </p:extLst>
   </p:cSld>
@@ -2849,7 +3282,7 @@
     </p:spTree>
     <p:extLst>
       <p:ext uri="{BB962C8B-B14F-4D97-AF65-F5344CB8AC3E}">
-        <p14:creationId xmlns:p14="http://schemas.microsoft.com/office/powerpoint/2010/main" val="3879878116"/>
+        <p14:creationId xmlns:p14="http://schemas.microsoft.com/office/powerpoint/2010/main" val="3784740203"/>
       </p:ext>
     </p:extLst>
   </p:cSld>
@@ -7519,7 +7952,7 @@
           <a:graphicData uri="http://schemas.openxmlformats.org/presentationml/2006/ole">
             <mc:AlternateContent xmlns:mc="http://schemas.openxmlformats.org/markup-compatibility/2006">
               <mc:Choice xmlns:v="urn:schemas-microsoft-com:vml" Requires="v">
-                <p:oleObj spid="_x0000_s2178" name="Worksheet" r:id="rId4" imgW="1923884" imgH="933476" progId="Excel.Sheet.12">
+                <p:oleObj spid="_x0000_s2270" name="Worksheet" r:id="rId4" imgW="1923884" imgH="933476" progId="Excel.Sheet.12">
                   <p:embed/>
                 </p:oleObj>
               </mc:Choice>
@@ -7943,7 +8376,7 @@
           <a:graphicData uri="http://schemas.openxmlformats.org/presentationml/2006/ole">
             <mc:AlternateContent xmlns:mc="http://schemas.openxmlformats.org/markup-compatibility/2006">
               <mc:Choice xmlns:v="urn:schemas-microsoft-com:vml" Requires="v">
-                <p:oleObj spid="_x0000_s1288" name="Worksheet" r:id="rId3" imgW="1466857" imgH="771525" progId="Excel.Sheet.12">
+                <p:oleObj spid="_x0000_s1472" name="Worksheet" r:id="rId3" imgW="1466857" imgH="771525" progId="Excel.Sheet.12">
                   <p:embed/>
                 </p:oleObj>
               </mc:Choice>
@@ -8006,7 +8439,7 @@
           <a:graphicData uri="http://schemas.openxmlformats.org/presentationml/2006/ole">
             <mc:AlternateContent xmlns:mc="http://schemas.openxmlformats.org/markup-compatibility/2006">
               <mc:Choice xmlns:v="urn:schemas-microsoft-com:vml" Requires="v">
-                <p:oleObj spid="_x0000_s1289" name="Worksheet" r:id="rId5" imgW="1466857" imgH="771525" progId="Excel.Sheet.12">
+                <p:oleObj spid="_x0000_s1473" name="Worksheet" r:id="rId5" imgW="1466857" imgH="771525" progId="Excel.Sheet.12">
                   <p:embed/>
                 </p:oleObj>
               </mc:Choice>
@@ -8706,7 +9139,7 @@
           <a:graphicData uri="http://schemas.openxmlformats.org/presentationml/2006/ole">
             <mc:AlternateContent xmlns:mc="http://schemas.openxmlformats.org/markup-compatibility/2006">
               <mc:Choice xmlns:v="urn:schemas-microsoft-com:vml" Requires="v">
-                <p:oleObj spid="_x0000_s3199" name="Worksheet" r:id="rId5" imgW="1923884" imgH="933476" progId="Excel.Sheet.12">
+                <p:oleObj spid="_x0000_s3291" name="Worksheet" r:id="rId5" imgW="1923884" imgH="933476" progId="Excel.Sheet.12">
                   <p:embed/>
                 </p:oleObj>
               </mc:Choice>
@@ -10980,7 +11413,7 @@
         <p:spPr>
           <a:xfrm>
             <a:off x="1000125" y="4495800"/>
-            <a:ext cx="7200900" cy="1676400"/>
+            <a:ext cx="7610474" cy="1676400"/>
           </a:xfrm>
           <a:prstGeom prst="rect">
             <a:avLst/>
@@ -11001,7 +11434,7 @@
           </a:fontRef>
         </p:style>
         <p:txBody>
-          <a:bodyPr vert="horz" lIns="91440" tIns="45720" rIns="91440" bIns="45720" rtlCol="0" anchor="t">
+          <a:bodyPr vert="horz" lIns="182880" tIns="91440" rIns="182880" bIns="91440" rtlCol="0" anchor="t">
             <a:noAutofit/>
           </a:bodyPr>
           <a:lstStyle>
@@ -11130,97 +11563,118 @@
           </a:p>
         </p:txBody>
       </p:sp>
-      <p:sp>
-        <p:nvSpPr>
-          <p:cNvPr id="4" name="Right Brace 3">
+      <p:grpSp>
+        <p:nvGrpSpPr>
+          <p:cNvPr id="7" name="Group 6">
             <a:extLst>
               <a:ext uri="{FF2B5EF4-FFF2-40B4-BE49-F238E27FC236}">
-                <a16:creationId xmlns:a16="http://schemas.microsoft.com/office/drawing/2014/main" id="{B531472A-7D3D-411F-8A4C-33E2D7248137}"/>
+                <a16:creationId xmlns:a16="http://schemas.microsoft.com/office/drawing/2014/main" id="{A258878A-E982-4D87-A375-E4AEA41F15E9}"/>
               </a:ext>
             </a:extLst>
           </p:cNvPr>
-          <p:cNvSpPr/>
+          <p:cNvGrpSpPr/>
           <p:nvPr/>
-        </p:nvSpPr>
-        <p:spPr>
+        </p:nvGrpSpPr>
+        <p:grpSpPr>
           <a:xfrm>
-            <a:off x="4572000" y="3343870"/>
-            <a:ext cx="304800" cy="914400"/>
+            <a:off x="4419600" y="3276600"/>
+            <a:ext cx="1600200" cy="923330"/>
+            <a:chOff x="4572000" y="3238500"/>
+            <a:chExt cx="1600200" cy="923330"/>
           </a:xfrm>
-          <a:prstGeom prst="rightBrace">
-            <a:avLst>
-              <a:gd name="adj1" fmla="val 36608"/>
-              <a:gd name="adj2" fmla="val 50000"/>
-            </a:avLst>
-          </a:prstGeom>
-          <a:ln w="28575">
-            <a:solidFill>
-              <a:srgbClr val="FF0000"/>
-            </a:solidFill>
-          </a:ln>
-        </p:spPr>
-        <p:style>
-          <a:lnRef idx="1">
-            <a:schemeClr val="accent1"/>
-          </a:lnRef>
-          <a:fillRef idx="0">
-            <a:schemeClr val="accent1"/>
-          </a:fillRef>
-          <a:effectRef idx="0">
-            <a:schemeClr val="accent1"/>
-          </a:effectRef>
-          <a:fontRef idx="minor">
-            <a:schemeClr val="tx1"/>
-          </a:fontRef>
-        </p:style>
-        <p:txBody>
-          <a:bodyPr rtlCol="0" anchor="ctr"/>
-          <a:lstStyle/>
-          <a:p>
-            <a:pPr algn="ctr"/>
-            <a:endParaRPr lang="en-US"/>
-          </a:p>
-        </p:txBody>
-      </p:sp>
-      <p:sp>
-        <p:nvSpPr>
-          <p:cNvPr id="5" name="TextBox 4">
-            <a:extLst>
-              <a:ext uri="{FF2B5EF4-FFF2-40B4-BE49-F238E27FC236}">
-                <a16:creationId xmlns:a16="http://schemas.microsoft.com/office/drawing/2014/main" id="{28EA77F1-DEF0-4D91-B556-601D92FAE8C0}"/>
-              </a:ext>
-            </a:extLst>
-          </p:cNvPr>
-          <p:cNvSpPr txBox="1"/>
-          <p:nvPr/>
-        </p:nvSpPr>
-        <p:spPr>
-          <a:xfrm>
-            <a:off x="4876800" y="3343870"/>
-            <a:ext cx="1295400" cy="923330"/>
-          </a:xfrm>
-          <a:prstGeom prst="rect">
-            <a:avLst/>
-          </a:prstGeom>
-          <a:noFill/>
-        </p:spPr>
-        <p:txBody>
-          <a:bodyPr wrap="square" rtlCol="0">
-            <a:spAutoFit/>
-          </a:bodyPr>
-          <a:lstStyle/>
-          <a:p>
-            <a:r>
-              <a:rPr lang="en-US" b="1" dirty="0">
-                <a:solidFill>
-                  <a:srgbClr val="FF0000"/>
-                </a:solidFill>
-              </a:rPr>
-              <a:t>prior to data cleansing!</a:t>
-            </a:r>
-          </a:p>
-        </p:txBody>
-      </p:sp>
+        </p:grpSpPr>
+        <p:sp>
+          <p:nvSpPr>
+            <p:cNvPr id="4" name="Right Brace 3">
+              <a:extLst>
+                <a:ext uri="{FF2B5EF4-FFF2-40B4-BE49-F238E27FC236}">
+                  <a16:creationId xmlns:a16="http://schemas.microsoft.com/office/drawing/2014/main" id="{B531472A-7D3D-411F-8A4C-33E2D7248137}"/>
+                </a:ext>
+              </a:extLst>
+            </p:cNvPr>
+            <p:cNvSpPr/>
+            <p:nvPr/>
+          </p:nvSpPr>
+          <p:spPr>
+            <a:xfrm>
+              <a:off x="4572000" y="3238500"/>
+              <a:ext cx="304800" cy="914400"/>
+            </a:xfrm>
+            <a:prstGeom prst="rightBrace">
+              <a:avLst>
+                <a:gd name="adj1" fmla="val 36608"/>
+                <a:gd name="adj2" fmla="val 50000"/>
+              </a:avLst>
+            </a:prstGeom>
+            <a:ln w="28575">
+              <a:solidFill>
+                <a:srgbClr val="FF0000"/>
+              </a:solidFill>
+            </a:ln>
+          </p:spPr>
+          <p:style>
+            <a:lnRef idx="1">
+              <a:schemeClr val="accent1"/>
+            </a:lnRef>
+            <a:fillRef idx="0">
+              <a:schemeClr val="accent1"/>
+            </a:fillRef>
+            <a:effectRef idx="0">
+              <a:schemeClr val="accent1"/>
+            </a:effectRef>
+            <a:fontRef idx="minor">
+              <a:schemeClr val="tx1"/>
+            </a:fontRef>
+          </p:style>
+          <p:txBody>
+            <a:bodyPr rtlCol="0" anchor="ctr"/>
+            <a:lstStyle/>
+            <a:p>
+              <a:pPr algn="ctr"/>
+              <a:endParaRPr lang="en-US"/>
+            </a:p>
+          </p:txBody>
+        </p:sp>
+        <p:sp>
+          <p:nvSpPr>
+            <p:cNvPr id="5" name="TextBox 4">
+              <a:extLst>
+                <a:ext uri="{FF2B5EF4-FFF2-40B4-BE49-F238E27FC236}">
+                  <a16:creationId xmlns:a16="http://schemas.microsoft.com/office/drawing/2014/main" id="{28EA77F1-DEF0-4D91-B556-601D92FAE8C0}"/>
+                </a:ext>
+              </a:extLst>
+            </p:cNvPr>
+            <p:cNvSpPr txBox="1"/>
+            <p:nvPr/>
+          </p:nvSpPr>
+          <p:spPr>
+            <a:xfrm>
+              <a:off x="4876800" y="3238500"/>
+              <a:ext cx="1295400" cy="923330"/>
+            </a:xfrm>
+            <a:prstGeom prst="rect">
+              <a:avLst/>
+            </a:prstGeom>
+            <a:noFill/>
+          </p:spPr>
+          <p:txBody>
+            <a:bodyPr wrap="square" rtlCol="0">
+              <a:spAutoFit/>
+            </a:bodyPr>
+            <a:lstStyle/>
+            <a:p>
+              <a:r>
+                <a:rPr lang="en-US" b="1" dirty="0">
+                  <a:solidFill>
+                    <a:srgbClr val="FF0000"/>
+                  </a:solidFill>
+                </a:rPr>
+                <a:t>prior to data cleansing!</a:t>
+              </a:r>
+            </a:p>
+          </p:txBody>
+        </p:sp>
+      </p:grpSp>
     </p:spTree>
     <p:extLst>
       <p:ext uri="{BB962C8B-B14F-4D97-AF65-F5344CB8AC3E}">
@@ -13472,7 +13926,7 @@
           <a:graphicData uri="http://schemas.openxmlformats.org/presentationml/2006/ole">
             <mc:AlternateContent xmlns:mc="http://schemas.openxmlformats.org/markup-compatibility/2006">
               <mc:Choice xmlns:v="urn:schemas-microsoft-com:vml" Requires="v">
-                <p:oleObj spid="_x0000_s5127" name="Worksheet" r:id="rId3" imgW="2505144" imgH="1219149" progId="Excel.Sheet.12">
+                <p:oleObj spid="_x0000_s5219" name="Worksheet" r:id="rId3" imgW="2505144" imgH="1219149" progId="Excel.Sheet.12">
                   <p:embed/>
                 </p:oleObj>
               </mc:Choice>
@@ -13914,7 +14368,7 @@
             </a:r>
             <a:r>
               <a:rPr lang="en-US" sz="2400" dirty="0"/>
-              <a:t>(Lat/Long, Region, Country, City, Province, etc.)</a:t>
+              <a:t>(Lat/Long, Region, Country, City, State/Province, etc.)</a:t>
             </a:r>
           </a:p>
           <a:p>
@@ -14097,8 +14551,8 @@
           </a:p>
         </p:txBody>
       </p:sp>
-      <mc:AlternateContent xmlns:mc="http://schemas.openxmlformats.org/markup-compatibility/2006" xmlns:a14="http://schemas.microsoft.com/office/drawing/2010/main">
-        <mc:Choice Requires="a14">
+      <mc:AlternateContent xmlns:mc="http://schemas.openxmlformats.org/markup-compatibility/2006">
+        <mc:Choice xmlns:a14="http://schemas.microsoft.com/office/drawing/2010/main" Requires="a14">
           <p:sp>
             <p:nvSpPr>
               <p:cNvPr id="3" name="Content Placeholder 2">
@@ -14129,15 +14583,35 @@
               <a:p>
                 <a:r>
                   <a:rPr lang="en-US" dirty="0"/>
-                  <a:t>Build statistical models that predict the “</a:t>
+                  <a:t>Build statistical models that </a:t>
                 </a:r>
                 <a:r>
-                  <a:rPr lang="en-US" dirty="0" err="1"/>
+                  <a:rPr lang="en-US" dirty="0">
+                    <a:solidFill>
+                      <a:srgbClr val="FF0000"/>
+                    </a:solidFill>
+                  </a:rPr>
+                  <a:t>predict the “</a:t>
+                </a:r>
+                <a:r>
+                  <a:rPr lang="en-US" dirty="0" err="1">
+                    <a:solidFill>
+                      <a:srgbClr val="FF0000"/>
+                    </a:solidFill>
+                  </a:rPr>
                   <a:t>gname</a:t>
                 </a:r>
                 <a:r>
+                  <a:rPr lang="en-US" dirty="0">
+                    <a:solidFill>
+                      <a:srgbClr val="FF0000"/>
+                    </a:solidFill>
+                  </a:rPr>
+                  <a:t>” </a:t>
+                </a:r>
+                <a:r>
                   <a:rPr lang="en-US" dirty="0"/>
-                  <a:t>” (terrorist group name) based on available features</a:t>
+                  <a:t>(terrorist group name) based on available features</a:t>
                 </a:r>
               </a:p>
               <a:p>
@@ -14150,7 +14624,7 @@
                 <a:pPr lvl="1"/>
                 <a:r>
                   <a:rPr lang="en-US" dirty="0"/>
-                  <a:t>Includes many general categories of perpetrators such as “strikers”, “student radicals”, “left-wing militants”, “gunmen”, etc.</a:t>
+                  <a:t>includes many general categories of perpetrators such as “strikers”, “student radicals”, “left-wing militants”, “gunmen”, etc.</a:t>
                 </a:r>
               </a:p>
               <a:p>
@@ -14224,7 +14698,7 @@
             </p:txBody>
           </p:sp>
         </mc:Choice>
-        <mc:Fallback xmlns="">
+        <mc:Fallback>
           <p:sp>
             <p:nvSpPr>
               <p:cNvPr id="3" name="Content Placeholder 2">
@@ -14333,8 +14807,8 @@
           </a:p>
         </p:txBody>
       </p:sp>
-      <mc:AlternateContent xmlns:mc="http://schemas.openxmlformats.org/markup-compatibility/2006" xmlns:a14="http://schemas.microsoft.com/office/drawing/2010/main">
-        <mc:Choice Requires="a14">
+      <mc:AlternateContent xmlns:mc="http://schemas.openxmlformats.org/markup-compatibility/2006">
+        <mc:Choice xmlns:a14="http://schemas.microsoft.com/office/drawing/2010/main" Requires="a14">
           <p:sp>
             <p:nvSpPr>
               <p:cNvPr id="3" name="Content Placeholder 2">
@@ -14359,7 +14833,7 @@
             </p:spPr>
             <p:txBody>
               <a:bodyPr>
-                <a:normAutofit fontScale="85000" lnSpcReduction="10000"/>
+                <a:normAutofit lnSpcReduction="10000"/>
               </a:bodyPr>
               <a:lstStyle/>
               <a:p>
@@ -14391,10 +14865,6 @@
                 </a:r>
               </a:p>
               <a:p>
-                <a:pPr lvl="1"/>
-                <a:endParaRPr lang="en-US" sz="2400" dirty="0"/>
-              </a:p>
-              <a:p>
                 <a:r>
                   <a:rPr lang="en-US" sz="2400" dirty="0"/>
                   <a:t>Removed incidents with “unknown” / NA group names (</a:t>
@@ -14407,9 +14877,6 @@
                   <a:rPr lang="en-US" sz="2400" dirty="0"/>
                   <a:t>)</a:t>
                 </a:r>
-              </a:p>
-              <a:p>
-                <a:endParaRPr lang="en-US" sz="2400" dirty="0"/>
               </a:p>
               <a:p>
                 <a:r>
@@ -14447,12 +14914,6 @@
                 </a:r>
               </a:p>
               <a:p>
-                <a:pPr marL="530352" lvl="1" indent="0">
-                  <a:buNone/>
-                </a:pPr>
-                <a:endParaRPr lang="en-US" sz="2400" i="0" dirty="0"/>
-              </a:p>
-              <a:p>
                 <a:r>
                   <a:rPr lang="en-US" sz="2400" dirty="0"/>
                   <a:t>Removed group names corresponding to general types of perpetrators (e.g., “Gunmen” or “Anarchists”) instead of organizations</a:t>
@@ -14461,7 +14922,7 @@
             </p:txBody>
           </p:sp>
         </mc:Choice>
-        <mc:Fallback xmlns="">
+        <mc:Fallback>
           <p:sp>
             <p:nvSpPr>
               <p:cNvPr id="3" name="Content Placeholder 2">
@@ -14486,7 +14947,7 @@
               <a:blipFill>
                 <a:blip r:embed="rId2"/>
                 <a:stretch>
-                  <a:fillRect l="-762" t="-1551"/>
+                  <a:fillRect l="-1185" t="-2029" r="-762"/>
                 </a:stretch>
               </a:blipFill>
             </p:spPr>
@@ -19129,6 +19590,199 @@
           <p:cNvPr id="2" name="Title 1">
             <a:extLst>
               <a:ext uri="{FF2B5EF4-FFF2-40B4-BE49-F238E27FC236}">
+                <a16:creationId xmlns:a16="http://schemas.microsoft.com/office/drawing/2014/main" id="{B5161407-7AC8-4019-8CB7-2B0CB2593E79}"/>
+              </a:ext>
+            </a:extLst>
+          </p:cNvPr>
+          <p:cNvSpPr>
+            <a:spLocks noGrp="1"/>
+          </p:cNvSpPr>
+          <p:nvPr>
+            <p:ph type="title"/>
+          </p:nvPr>
+        </p:nvSpPr>
+        <p:spPr/>
+        <p:txBody>
+          <a:bodyPr/>
+          <a:lstStyle/>
+          <a:p>
+            <a:r>
+              <a:rPr lang="en-US" dirty="0"/>
+              <a:t>Methods Attempted:</a:t>
+            </a:r>
+          </a:p>
+        </p:txBody>
+      </p:sp>
+      <p:sp>
+        <p:nvSpPr>
+          <p:cNvPr id="3" name="Content Placeholder 2">
+            <a:extLst>
+              <a:ext uri="{FF2B5EF4-FFF2-40B4-BE49-F238E27FC236}">
+                <a16:creationId xmlns:a16="http://schemas.microsoft.com/office/drawing/2014/main" id="{07F2856B-CC5F-4321-8010-3C56606D6A15}"/>
+              </a:ext>
+            </a:extLst>
+          </p:cNvPr>
+          <p:cNvSpPr>
+            <a:spLocks noGrp="1"/>
+          </p:cNvSpPr>
+          <p:nvPr>
+            <p:ph idx="1"/>
+          </p:nvPr>
+        </p:nvSpPr>
+        <p:spPr>
+          <a:xfrm>
+            <a:off x="1028700" y="1676400"/>
+            <a:ext cx="8115300" cy="4191000"/>
+          </a:xfrm>
+        </p:spPr>
+        <p:txBody>
+          <a:bodyPr>
+            <a:normAutofit/>
+          </a:bodyPr>
+          <a:lstStyle/>
+          <a:p>
+            <a:pPr marL="514350" indent="-514350">
+              <a:buFont typeface="+mj-lt"/>
+              <a:buAutoNum type="arabicPeriod"/>
+            </a:pPr>
+            <a:r>
+              <a:rPr lang="en-US" sz="2800" dirty="0"/>
+              <a:t>LDA</a:t>
+            </a:r>
+          </a:p>
+          <a:p>
+            <a:pPr marL="514350" indent="-514350">
+              <a:buFont typeface="+mj-lt"/>
+              <a:buAutoNum type="arabicPeriod"/>
+            </a:pPr>
+            <a:r>
+              <a:rPr lang="en-US" sz="2800" dirty="0"/>
+              <a:t>QDA* (</a:t>
+            </a:r>
+            <a:r>
+              <a:rPr lang="en-US" sz="2800" i="1" dirty="0">
+                <a:solidFill>
+                  <a:srgbClr val="FF0000"/>
+                </a:solidFill>
+              </a:rPr>
+              <a:t>restricted model</a:t>
+            </a:r>
+            <a:r>
+              <a:rPr lang="en-US" sz="2800" dirty="0"/>
+              <a:t>)</a:t>
+            </a:r>
+          </a:p>
+          <a:p>
+            <a:pPr marL="0" indent="0">
+              <a:buNone/>
+            </a:pPr>
+            <a:r>
+              <a:rPr lang="en-US" sz="2800" b="1" dirty="0"/>
+              <a:t>            </a:t>
+            </a:r>
+            <a:r>
+              <a:rPr lang="en-US" b="1" dirty="0" err="1">
+                <a:latin typeface="Courier New" panose="02070309020205020404" pitchFamily="49" charset="0"/>
+                <a:cs typeface="Courier New" panose="02070309020205020404" pitchFamily="49" charset="0"/>
+              </a:rPr>
+              <a:t>gname~latitude+longitude+iyear+imonth+iday</a:t>
+            </a:r>
+            <a:endParaRPr lang="en-US" b="1" dirty="0">
+              <a:latin typeface="Courier New" panose="02070309020205020404" pitchFamily="49" charset="0"/>
+              <a:cs typeface="Courier New" panose="02070309020205020404" pitchFamily="49" charset="0"/>
+            </a:endParaRPr>
+          </a:p>
+          <a:p>
+            <a:pPr marL="514350" indent="-514350">
+              <a:buFont typeface="+mj-lt"/>
+              <a:buAutoNum type="arabicPeriod" startAt="3"/>
+            </a:pPr>
+            <a:r>
+              <a:rPr lang="en-US" sz="2800" dirty="0"/>
+              <a:t>Decision Tree</a:t>
+            </a:r>
+          </a:p>
+          <a:p>
+            <a:pPr marL="514350" indent="-514350">
+              <a:buFont typeface="+mj-lt"/>
+              <a:buAutoNum type="arabicPeriod" startAt="3"/>
+            </a:pPr>
+            <a:r>
+              <a:rPr lang="en-US" sz="2800" dirty="0"/>
+              <a:t>Random Forest</a:t>
+            </a:r>
+          </a:p>
+          <a:p>
+            <a:pPr marL="514350" indent="-514350">
+              <a:buFont typeface="+mj-lt"/>
+              <a:buAutoNum type="arabicPeriod" startAt="3"/>
+            </a:pPr>
+            <a:r>
+              <a:rPr lang="en-US" sz="2800" dirty="0"/>
+              <a:t>SVM (Linear, </a:t>
+            </a:r>
+            <a:r>
+              <a:rPr lang="en-US" sz="2800" strike="sngStrike" dirty="0">
+                <a:solidFill>
+                  <a:srgbClr val="FF0000"/>
+                </a:solidFill>
+              </a:rPr>
+              <a:t>Radial</a:t>
+            </a:r>
+            <a:r>
+              <a:rPr lang="en-US" sz="2800" dirty="0"/>
+              <a:t>, </a:t>
+            </a:r>
+            <a:r>
+              <a:rPr lang="en-US" sz="2800" strike="sngStrike" dirty="0">
+                <a:solidFill>
+                  <a:srgbClr val="FF0000"/>
+                </a:solidFill>
+              </a:rPr>
+              <a:t>Sigmoid</a:t>
+            </a:r>
+            <a:r>
+              <a:rPr lang="en-US" sz="2800" dirty="0"/>
+              <a:t>)</a:t>
+            </a:r>
+          </a:p>
+        </p:txBody>
+      </p:sp>
+    </p:spTree>
+    <p:extLst>
+      <p:ext uri="{BB962C8B-B14F-4D97-AF65-F5344CB8AC3E}">
+        <p14:creationId xmlns:p14="http://schemas.microsoft.com/office/powerpoint/2010/main" val="3053069512"/>
+      </p:ext>
+    </p:extLst>
+  </p:cSld>
+  <p:clrMapOvr>
+    <a:masterClrMapping/>
+  </p:clrMapOvr>
+</p:sld>
+</file>
+
+<file path=ppt/slides/slide37.xml><?xml version="1.0" encoding="utf-8"?>
+<p:sld xmlns:a="http://schemas.openxmlformats.org/drawingml/2006/main" xmlns:r="http://schemas.openxmlformats.org/officeDocument/2006/relationships" xmlns:p="http://schemas.openxmlformats.org/presentationml/2006/main">
+  <p:cSld>
+    <p:spTree>
+      <p:nvGrpSpPr>
+        <p:cNvPr id="1" name=""/>
+        <p:cNvGrpSpPr/>
+        <p:nvPr/>
+      </p:nvGrpSpPr>
+      <p:grpSpPr>
+        <a:xfrm>
+          <a:off x="0" y="0"/>
+          <a:ext cx="0" cy="0"/>
+          <a:chOff x="0" y="0"/>
+          <a:chExt cx="0" cy="0"/>
+        </a:xfrm>
+      </p:grpSpPr>
+      <p:sp>
+        <p:nvSpPr>
+          <p:cNvPr id="2" name="Title 1">
+            <a:extLst>
+              <a:ext uri="{FF2B5EF4-FFF2-40B4-BE49-F238E27FC236}">
                 <a16:creationId xmlns:a16="http://schemas.microsoft.com/office/drawing/2014/main" id="{E37CF91C-8C2E-4061-B311-6CB735451722}"/>
               </a:ext>
             </a:extLst>
@@ -19159,42 +19813,111 @@
           </a:p>
         </p:txBody>
       </p:sp>
-      <p:pic>
-        <p:nvPicPr>
-          <p:cNvPr id="5" name="Picture 4" descr="A picture containing screenshot&#10;&#10;Description automatically generated">
+      <p:grpSp>
+        <p:nvGrpSpPr>
+          <p:cNvPr id="4" name="Group 3">
             <a:extLst>
               <a:ext uri="{FF2B5EF4-FFF2-40B4-BE49-F238E27FC236}">
-                <a16:creationId xmlns:a16="http://schemas.microsoft.com/office/drawing/2014/main" id="{07761BA7-2B1A-4D3A-B51A-E58CBE276D05}"/>
+                <a16:creationId xmlns:a16="http://schemas.microsoft.com/office/drawing/2014/main" id="{AB0A7499-C264-46A8-A7FD-6B89F33DCACA}"/>
               </a:ext>
             </a:extLst>
           </p:cNvPr>
-          <p:cNvPicPr>
-            <a:picLocks noChangeAspect="1"/>
-          </p:cNvPicPr>
+          <p:cNvGrpSpPr/>
           <p:nvPr/>
-        </p:nvPicPr>
-        <p:blipFill>
-          <a:blip r:embed="rId2" cstate="print">
-            <a:extLst>
-              <a:ext uri="{28A0092B-C50C-407E-A947-70E740481C1C}">
-                <a14:useLocalDpi xmlns:a14="http://schemas.microsoft.com/office/drawing/2010/main" val="0"/>
-              </a:ext>
-            </a:extLst>
-          </a:blip>
-          <a:stretch>
-            <a:fillRect/>
-          </a:stretch>
-        </p:blipFill>
-        <p:spPr>
+        </p:nvGrpSpPr>
+        <p:grpSpPr>
           <a:xfrm>
-            <a:off x="1200150" y="1524000"/>
-            <a:ext cx="6667500" cy="5333999"/>
+            <a:off x="1024467" y="868680"/>
+            <a:ext cx="7486650" cy="5989319"/>
+            <a:chOff x="1024467" y="868680"/>
+            <a:chExt cx="7486650" cy="5989319"/>
           </a:xfrm>
-          <a:prstGeom prst="rect">
-            <a:avLst/>
-          </a:prstGeom>
-        </p:spPr>
-      </p:pic>
+        </p:grpSpPr>
+        <p:pic>
+          <p:nvPicPr>
+            <p:cNvPr id="5" name="Picture 4" descr="A picture containing screenshot&#10;&#10;Description automatically generated">
+              <a:extLst>
+                <a:ext uri="{FF2B5EF4-FFF2-40B4-BE49-F238E27FC236}">
+                  <a16:creationId xmlns:a16="http://schemas.microsoft.com/office/drawing/2014/main" id="{07761BA7-2B1A-4D3A-B51A-E58CBE276D05}"/>
+                </a:ext>
+              </a:extLst>
+            </p:cNvPr>
+            <p:cNvPicPr>
+              <a:picLocks noChangeAspect="1"/>
+            </p:cNvPicPr>
+            <p:nvPr/>
+          </p:nvPicPr>
+          <p:blipFill>
+            <a:blip r:embed="rId3" cstate="print">
+              <a:clrChange>
+                <a:clrFrom>
+                  <a:srgbClr val="FFFFFF"/>
+                </a:clrFrom>
+                <a:clrTo>
+                  <a:srgbClr val="FFFFFF">
+                    <a:alpha val="0"/>
+                  </a:srgbClr>
+                </a:clrTo>
+              </a:clrChange>
+              <a:extLst>
+                <a:ext uri="{28A0092B-C50C-407E-A947-70E740481C1C}">
+                  <a14:useLocalDpi xmlns:a14="http://schemas.microsoft.com/office/drawing/2010/main" val="0"/>
+                </a:ext>
+              </a:extLst>
+            </a:blip>
+            <a:stretch>
+              <a:fillRect/>
+            </a:stretch>
+          </p:blipFill>
+          <p:spPr>
+            <a:xfrm>
+              <a:off x="1024467" y="868680"/>
+              <a:ext cx="7486650" cy="5989319"/>
+            </a:xfrm>
+            <a:prstGeom prst="rect">
+              <a:avLst/>
+            </a:prstGeom>
+          </p:spPr>
+        </p:pic>
+        <p:sp>
+          <p:nvSpPr>
+            <p:cNvPr id="3" name="TextBox 2">
+              <a:extLst>
+                <a:ext uri="{FF2B5EF4-FFF2-40B4-BE49-F238E27FC236}">
+                  <a16:creationId xmlns:a16="http://schemas.microsoft.com/office/drawing/2014/main" id="{CD3FFD96-B26E-4E67-A2E3-AFE2D0F3B004}"/>
+                </a:ext>
+              </a:extLst>
+            </p:cNvPr>
+            <p:cNvSpPr txBox="1"/>
+            <p:nvPr/>
+          </p:nvSpPr>
+          <p:spPr>
+            <a:xfrm>
+              <a:off x="3006990" y="6443246"/>
+              <a:ext cx="3521604" cy="338554"/>
+            </a:xfrm>
+            <a:prstGeom prst="rect">
+              <a:avLst/>
+            </a:prstGeom>
+            <a:solidFill>
+              <a:srgbClr val="EFEDE3"/>
+            </a:solidFill>
+          </p:spPr>
+          <p:txBody>
+            <a:bodyPr wrap="square" rtlCol="0">
+              <a:spAutoFit/>
+            </a:bodyPr>
+            <a:lstStyle/>
+            <a:p>
+              <a:pPr algn="ctr"/>
+              <a:r>
+                <a:rPr lang="en-US" sz="1600" dirty="0"/>
+                <a:t>Accuracy</a:t>
+              </a:r>
+            </a:p>
+          </p:txBody>
+        </p:sp>
+      </p:grpSp>
     </p:spTree>
     <p:extLst>
       <p:ext uri="{BB962C8B-B14F-4D97-AF65-F5344CB8AC3E}">
@@ -19208,7 +19931,7 @@
 </p:sld>
 </file>
 
-<file path=ppt/slides/slide37.xml><?xml version="1.0" encoding="utf-8"?>
+<file path=ppt/slides/slide38.xml><?xml version="1.0" encoding="utf-8"?>
 <p:sld xmlns:a="http://schemas.openxmlformats.org/drawingml/2006/main" xmlns:r="http://schemas.openxmlformats.org/officeDocument/2006/relationships" xmlns:p="http://schemas.openxmlformats.org/presentationml/2006/main">
   <p:cSld>
     <p:spTree>
@@ -19254,9 +19977,26 @@
         </p:blipFill>
         <p:spPr>
           <a:xfrm>
-            <a:off x="574178" y="1066800"/>
-            <a:ext cx="8538649" cy="4724400"/>
+            <a:off x="609600" y="1097680"/>
+            <a:ext cx="8427027" cy="4662640"/>
           </a:xfrm>
+          <a:prstGeom prst="rect">
+            <a:avLst/>
+          </a:prstGeom>
+          <a:ln w="38100" cap="sq">
+            <a:solidFill>
+              <a:srgbClr val="000000"/>
+            </a:solidFill>
+            <a:prstDash val="solid"/>
+            <a:miter lim="800000"/>
+          </a:ln>
+          <a:effectLst>
+            <a:outerShdw blurRad="50800" dist="38100" dir="2700000" algn="tl" rotWithShape="0">
+              <a:srgbClr val="000000">
+                <a:alpha val="43000"/>
+              </a:srgbClr>
+            </a:outerShdw>
+          </a:effectLst>
         </p:spPr>
       </p:pic>
       <p:sp>
@@ -19314,7 +20054,7 @@
 </p:sld>
 </file>
 
-<file path=ppt/slides/slide38.xml><?xml version="1.0" encoding="utf-8"?>
+<file path=ppt/slides/slide39.xml><?xml version="1.0" encoding="utf-8"?>
 <p:sld xmlns:a="http://schemas.openxmlformats.org/drawingml/2006/main" xmlns:r="http://schemas.openxmlformats.org/officeDocument/2006/relationships" xmlns:p="http://schemas.openxmlformats.org/presentationml/2006/main">
   <p:cSld>
     <p:bg>
@@ -19858,112 +20598,6 @@
 </p:sld>
 </file>
 
-<file path=ppt/slides/slide39.xml><?xml version="1.0" encoding="utf-8"?>
-<p:sld xmlns:a="http://schemas.openxmlformats.org/drawingml/2006/main" xmlns:r="http://schemas.openxmlformats.org/officeDocument/2006/relationships" xmlns:p="http://schemas.openxmlformats.org/presentationml/2006/main">
-  <p:cSld>
-    <p:spTree>
-      <p:nvGrpSpPr>
-        <p:cNvPr id="1" name=""/>
-        <p:cNvGrpSpPr/>
-        <p:nvPr/>
-      </p:nvGrpSpPr>
-      <p:grpSpPr>
-        <a:xfrm>
-          <a:off x="0" y="0"/>
-          <a:ext cx="0" cy="0"/>
-          <a:chOff x="0" y="0"/>
-          <a:chExt cx="0" cy="0"/>
-        </a:xfrm>
-      </p:grpSpPr>
-      <p:sp>
-        <p:nvSpPr>
-          <p:cNvPr id="2" name="Title 1">
-            <a:extLst>
-              <a:ext uri="{FF2B5EF4-FFF2-40B4-BE49-F238E27FC236}">
-                <a16:creationId xmlns:a16="http://schemas.microsoft.com/office/drawing/2014/main" id="{27C55C27-60EB-4EF8-916B-C717D10AA9E4}"/>
-              </a:ext>
-            </a:extLst>
-          </p:cNvPr>
-          <p:cNvSpPr>
-            <a:spLocks noGrp="1"/>
-          </p:cNvSpPr>
-          <p:nvPr>
-            <p:ph type="title"/>
-          </p:nvPr>
-        </p:nvSpPr>
-        <p:spPr>
-          <a:xfrm>
-            <a:off x="1028700" y="0"/>
-            <a:ext cx="7200900" cy="1485900"/>
-          </a:xfrm>
-        </p:spPr>
-        <p:txBody>
-          <a:bodyPr>
-            <a:normAutofit/>
-          </a:bodyPr>
-          <a:lstStyle/>
-          <a:p>
-            <a:r>
-              <a:rPr lang="en-US" dirty="0"/>
-              <a:t>Visualization (Decision Tree)</a:t>
-            </a:r>
-            <a:br>
-              <a:rPr lang="en-US" dirty="0"/>
-            </a:br>
-            <a:r>
-              <a:rPr lang="en-US" dirty="0"/>
-              <a:t>- Model Set 1</a:t>
-            </a:r>
-          </a:p>
-        </p:txBody>
-      </p:sp>
-      <p:pic>
-        <p:nvPicPr>
-          <p:cNvPr id="5" name="Content Placeholder 4" descr="A close up of a map&#10;&#10;Description automatically generated">
-            <a:extLst>
-              <a:ext uri="{FF2B5EF4-FFF2-40B4-BE49-F238E27FC236}">
-                <a16:creationId xmlns:a16="http://schemas.microsoft.com/office/drawing/2014/main" id="{1F104066-762D-4C51-8687-2E83600FA6E7}"/>
-              </a:ext>
-            </a:extLst>
-          </p:cNvPr>
-          <p:cNvPicPr>
-            <a:picLocks noGrp="1" noChangeAspect="1"/>
-          </p:cNvPicPr>
-          <p:nvPr>
-            <p:ph idx="1"/>
-          </p:nvPr>
-        </p:nvPicPr>
-        <p:blipFill rotWithShape="1">
-          <a:blip r:embed="rId3">
-            <a:extLst>
-              <a:ext uri="{28A0092B-C50C-407E-A947-70E740481C1C}">
-                <a14:useLocalDpi xmlns:a14="http://schemas.microsoft.com/office/drawing/2010/main" val="0"/>
-              </a:ext>
-            </a:extLst>
-          </a:blip>
-          <a:srcRect t="17969" b="18229"/>
-          <a:stretch/>
-        </p:blipFill>
-        <p:spPr>
-          <a:xfrm>
-            <a:off x="533400" y="1219200"/>
-            <a:ext cx="8610600" cy="5562600"/>
-          </a:xfrm>
-        </p:spPr>
-      </p:pic>
-    </p:spTree>
-    <p:extLst>
-      <p:ext uri="{BB962C8B-B14F-4D97-AF65-F5344CB8AC3E}">
-        <p14:creationId xmlns:p14="http://schemas.microsoft.com/office/powerpoint/2010/main" val="3857748115"/>
-      </p:ext>
-    </p:extLst>
-  </p:cSld>
-  <p:clrMapOvr>
-    <a:masterClrMapping/>
-  </p:clrMapOvr>
-</p:sld>
-</file>
-
 <file path=ppt/slides/slide4.xml><?xml version="1.0" encoding="utf-8"?>
 <p:sld xmlns:a="http://schemas.openxmlformats.org/drawingml/2006/main" xmlns:r="http://schemas.openxmlformats.org/officeDocument/2006/relationships" xmlns:p="http://schemas.openxmlformats.org/presentationml/2006/main">
   <p:cSld>
@@ -20154,6 +20788,129 @@
           <p:cNvPr id="2" name="Title 1">
             <a:extLst>
               <a:ext uri="{FF2B5EF4-FFF2-40B4-BE49-F238E27FC236}">
+                <a16:creationId xmlns:a16="http://schemas.microsoft.com/office/drawing/2014/main" id="{27C55C27-60EB-4EF8-916B-C717D10AA9E4}"/>
+              </a:ext>
+            </a:extLst>
+          </p:cNvPr>
+          <p:cNvSpPr>
+            <a:spLocks noGrp="1"/>
+          </p:cNvSpPr>
+          <p:nvPr>
+            <p:ph type="title"/>
+          </p:nvPr>
+        </p:nvSpPr>
+        <p:spPr>
+          <a:xfrm>
+            <a:off x="1028700" y="0"/>
+            <a:ext cx="7200900" cy="1485900"/>
+          </a:xfrm>
+        </p:spPr>
+        <p:txBody>
+          <a:bodyPr>
+            <a:normAutofit/>
+          </a:bodyPr>
+          <a:lstStyle/>
+          <a:p>
+            <a:r>
+              <a:rPr lang="en-US" dirty="0"/>
+              <a:t>Visualization (Decision Tree)</a:t>
+            </a:r>
+            <a:br>
+              <a:rPr lang="en-US" dirty="0"/>
+            </a:br>
+            <a:r>
+              <a:rPr lang="en-US" dirty="0"/>
+              <a:t>- Model Set 1</a:t>
+            </a:r>
+          </a:p>
+        </p:txBody>
+      </p:sp>
+      <p:pic>
+        <p:nvPicPr>
+          <p:cNvPr id="5" name="Content Placeholder 4" descr="A close up of a map&#10;&#10;Description automatically generated">
+            <a:extLst>
+              <a:ext uri="{FF2B5EF4-FFF2-40B4-BE49-F238E27FC236}">
+                <a16:creationId xmlns:a16="http://schemas.microsoft.com/office/drawing/2014/main" id="{1F104066-762D-4C51-8687-2E83600FA6E7}"/>
+              </a:ext>
+            </a:extLst>
+          </p:cNvPr>
+          <p:cNvPicPr>
+            <a:picLocks noGrp="1" noChangeAspect="1"/>
+          </p:cNvPicPr>
+          <p:nvPr>
+            <p:ph idx="1"/>
+          </p:nvPr>
+        </p:nvPicPr>
+        <p:blipFill rotWithShape="1">
+          <a:blip r:embed="rId3">
+            <a:extLst>
+              <a:ext uri="{28A0092B-C50C-407E-A947-70E740481C1C}">
+                <a14:useLocalDpi xmlns:a14="http://schemas.microsoft.com/office/drawing/2010/main" val="0"/>
+              </a:ext>
+            </a:extLst>
+          </a:blip>
+          <a:srcRect t="17969" b="18229"/>
+          <a:stretch/>
+        </p:blipFill>
+        <p:spPr>
+          <a:xfrm>
+            <a:off x="609600" y="1295400"/>
+            <a:ext cx="8458200" cy="5464147"/>
+          </a:xfrm>
+          <a:prstGeom prst="rect">
+            <a:avLst/>
+          </a:prstGeom>
+          <a:ln w="38100" cap="sq">
+            <a:solidFill>
+              <a:srgbClr val="000000"/>
+            </a:solidFill>
+            <a:prstDash val="solid"/>
+            <a:miter lim="800000"/>
+          </a:ln>
+          <a:effectLst>
+            <a:outerShdw blurRad="50800" dist="38100" dir="2700000" algn="tl" rotWithShape="0">
+              <a:srgbClr val="000000">
+                <a:alpha val="43000"/>
+              </a:srgbClr>
+            </a:outerShdw>
+          </a:effectLst>
+        </p:spPr>
+      </p:pic>
+    </p:spTree>
+    <p:extLst>
+      <p:ext uri="{BB962C8B-B14F-4D97-AF65-F5344CB8AC3E}">
+        <p14:creationId xmlns:p14="http://schemas.microsoft.com/office/powerpoint/2010/main" val="3857748115"/>
+      </p:ext>
+    </p:extLst>
+  </p:cSld>
+  <p:clrMapOvr>
+    <a:masterClrMapping/>
+  </p:clrMapOvr>
+</p:sld>
+</file>
+
+<file path=ppt/slides/slide41.xml><?xml version="1.0" encoding="utf-8"?>
+<p:sld xmlns:a="http://schemas.openxmlformats.org/drawingml/2006/main" xmlns:r="http://schemas.openxmlformats.org/officeDocument/2006/relationships" xmlns:p="http://schemas.openxmlformats.org/presentationml/2006/main">
+  <p:cSld>
+    <p:spTree>
+      <p:nvGrpSpPr>
+        <p:cNvPr id="1" name=""/>
+        <p:cNvGrpSpPr/>
+        <p:nvPr/>
+      </p:nvGrpSpPr>
+      <p:grpSpPr>
+        <a:xfrm>
+          <a:off x="0" y="0"/>
+          <a:ext cx="0" cy="0"/>
+          <a:chOff x="0" y="0"/>
+          <a:chExt cx="0" cy="0"/>
+        </a:xfrm>
+      </p:grpSpPr>
+      <p:sp>
+        <p:nvSpPr>
+          <p:cNvPr id="2" name="Title 1">
+            <a:extLst>
+              <a:ext uri="{FF2B5EF4-FFF2-40B4-BE49-F238E27FC236}">
                 <a16:creationId xmlns:a16="http://schemas.microsoft.com/office/drawing/2014/main" id="{8CE54A93-BB7C-44FB-8AC9-7ED2462B752A}"/>
               </a:ext>
             </a:extLst>
@@ -21418,7 +22175,7 @@
 </p:sld>
 </file>
 
-<file path=ppt/slides/slide41.xml><?xml version="1.0" encoding="utf-8"?>
+<file path=ppt/slides/slide42.xml><?xml version="1.0" encoding="utf-8"?>
 <p:sld xmlns:a="http://schemas.openxmlformats.org/drawingml/2006/main" xmlns:r="http://schemas.openxmlformats.org/officeDocument/2006/relationships" xmlns:p="http://schemas.openxmlformats.org/presentationml/2006/main">
   <p:cSld>
     <p:spTree>
@@ -21470,52 +22227,111 @@
           </a:p>
         </p:txBody>
       </p:sp>
-      <p:pic>
-        <p:nvPicPr>
-          <p:cNvPr id="15" name="Picture 14" descr="A screenshot of a social media post&#10;&#10;Description automatically generated">
+      <p:grpSp>
+        <p:nvGrpSpPr>
+          <p:cNvPr id="3" name="Group 2">
             <a:extLst>
               <a:ext uri="{FF2B5EF4-FFF2-40B4-BE49-F238E27FC236}">
-                <a16:creationId xmlns:a16="http://schemas.microsoft.com/office/drawing/2014/main" id="{7BAA02D9-3F2A-4245-9BEF-D5D15A3B338E}"/>
+                <a16:creationId xmlns:a16="http://schemas.microsoft.com/office/drawing/2014/main" id="{A1F0C93B-7ACE-4811-8CC3-6BDFAAEDB8AB}"/>
               </a:ext>
             </a:extLst>
           </p:cNvPr>
-          <p:cNvPicPr>
-            <a:picLocks noChangeAspect="1"/>
-          </p:cNvPicPr>
+          <p:cNvGrpSpPr/>
           <p:nvPr/>
-        </p:nvPicPr>
-        <p:blipFill>
-          <a:blip r:embed="rId3">
-            <a:clrChange>
-              <a:clrFrom>
-                <a:srgbClr val="FFFFFF"/>
-              </a:clrFrom>
-              <a:clrTo>
-                <a:srgbClr val="FFFFFF">
-                  <a:alpha val="0"/>
-                </a:srgbClr>
-              </a:clrTo>
-            </a:clrChange>
-            <a:extLst>
-              <a:ext uri="{28A0092B-C50C-407E-A947-70E740481C1C}">
-                <a14:useLocalDpi xmlns:a14="http://schemas.microsoft.com/office/drawing/2010/main" val="0"/>
-              </a:ext>
-            </a:extLst>
-          </a:blip>
-          <a:stretch>
-            <a:fillRect/>
-          </a:stretch>
-        </p:blipFill>
-        <p:spPr>
+        </p:nvGrpSpPr>
+        <p:grpSpPr>
           <a:xfrm>
             <a:off x="727364" y="320040"/>
             <a:ext cx="8172450" cy="6537959"/>
+            <a:chOff x="727364" y="320040"/>
+            <a:chExt cx="8172450" cy="6537959"/>
           </a:xfrm>
-          <a:prstGeom prst="rect">
-            <a:avLst/>
-          </a:prstGeom>
-        </p:spPr>
-      </p:pic>
+        </p:grpSpPr>
+        <p:pic>
+          <p:nvPicPr>
+            <p:cNvPr id="15" name="Picture 14" descr="A screenshot of a social media post&#10;&#10;Description automatically generated">
+              <a:extLst>
+                <a:ext uri="{FF2B5EF4-FFF2-40B4-BE49-F238E27FC236}">
+                  <a16:creationId xmlns:a16="http://schemas.microsoft.com/office/drawing/2014/main" id="{7BAA02D9-3F2A-4245-9BEF-D5D15A3B338E}"/>
+                </a:ext>
+              </a:extLst>
+            </p:cNvPr>
+            <p:cNvPicPr>
+              <a:picLocks noChangeAspect="1"/>
+            </p:cNvPicPr>
+            <p:nvPr/>
+          </p:nvPicPr>
+          <p:blipFill>
+            <a:blip r:embed="rId3">
+              <a:clrChange>
+                <a:clrFrom>
+                  <a:srgbClr val="FFFFFF"/>
+                </a:clrFrom>
+                <a:clrTo>
+                  <a:srgbClr val="FFFFFF">
+                    <a:alpha val="0"/>
+                  </a:srgbClr>
+                </a:clrTo>
+              </a:clrChange>
+              <a:extLst>
+                <a:ext uri="{28A0092B-C50C-407E-A947-70E740481C1C}">
+                  <a14:useLocalDpi xmlns:a14="http://schemas.microsoft.com/office/drawing/2010/main" val="0"/>
+                </a:ext>
+              </a:extLst>
+            </a:blip>
+            <a:stretch>
+              <a:fillRect/>
+            </a:stretch>
+          </p:blipFill>
+          <p:spPr>
+            <a:xfrm>
+              <a:off x="727364" y="320040"/>
+              <a:ext cx="8172450" cy="6537959"/>
+            </a:xfrm>
+            <a:prstGeom prst="rect">
+              <a:avLst/>
+            </a:prstGeom>
+          </p:spPr>
+        </p:pic>
+        <p:sp>
+          <p:nvSpPr>
+            <p:cNvPr id="4" name="TextBox 3">
+              <a:extLst>
+                <a:ext uri="{FF2B5EF4-FFF2-40B4-BE49-F238E27FC236}">
+                  <a16:creationId xmlns:a16="http://schemas.microsoft.com/office/drawing/2014/main" id="{F189DBA2-3901-40C8-8CA6-76E1D171B4A6}"/>
+                </a:ext>
+              </a:extLst>
+            </p:cNvPr>
+            <p:cNvSpPr txBox="1"/>
+            <p:nvPr/>
+          </p:nvSpPr>
+          <p:spPr>
+            <a:xfrm>
+              <a:off x="3052787" y="6443246"/>
+              <a:ext cx="3521604" cy="338554"/>
+            </a:xfrm>
+            <a:prstGeom prst="rect">
+              <a:avLst/>
+            </a:prstGeom>
+            <a:solidFill>
+              <a:srgbClr val="EFEDE3"/>
+            </a:solidFill>
+          </p:spPr>
+          <p:txBody>
+            <a:bodyPr wrap="square" rtlCol="0">
+              <a:spAutoFit/>
+            </a:bodyPr>
+            <a:lstStyle/>
+            <a:p>
+              <a:pPr algn="ctr"/>
+              <a:r>
+                <a:rPr lang="en-US" sz="1600" dirty="0"/>
+                <a:t>Accuracy</a:t>
+              </a:r>
+            </a:p>
+          </p:txBody>
+        </p:sp>
+      </p:grpSp>
     </p:spTree>
     <p:extLst>
       <p:ext uri="{BB962C8B-B14F-4D97-AF65-F5344CB8AC3E}">
@@ -21529,7 +22345,7 @@
 </p:sld>
 </file>
 
-<file path=ppt/slides/slide42.xml><?xml version="1.0" encoding="utf-8"?>
+<file path=ppt/slides/slide43.xml><?xml version="1.0" encoding="utf-8"?>
 <p:sld xmlns:a="http://schemas.openxmlformats.org/drawingml/2006/main" xmlns:r="http://schemas.openxmlformats.org/officeDocument/2006/relationships" xmlns:p="http://schemas.openxmlformats.org/presentationml/2006/main">
   <p:cSld>
     <p:spTree>
@@ -21617,9 +22433,26 @@
         </p:blipFill>
         <p:spPr>
           <a:xfrm>
-            <a:off x="574966" y="1371600"/>
-            <a:ext cx="8534400" cy="4653169"/>
+            <a:off x="609600" y="1295400"/>
+            <a:ext cx="8423566" cy="4592740"/>
           </a:xfrm>
+          <a:prstGeom prst="rect">
+            <a:avLst/>
+          </a:prstGeom>
+          <a:ln w="38100" cap="sq">
+            <a:solidFill>
+              <a:srgbClr val="000000"/>
+            </a:solidFill>
+            <a:prstDash val="solid"/>
+            <a:miter lim="800000"/>
+          </a:ln>
+          <a:effectLst>
+            <a:outerShdw blurRad="50800" dist="38100" dir="2700000" algn="tl" rotWithShape="0">
+              <a:srgbClr val="000000">
+                <a:alpha val="43000"/>
+              </a:srgbClr>
+            </a:outerShdw>
+          </a:effectLst>
         </p:spPr>
       </p:pic>
     </p:spTree>
@@ -21635,7 +22468,7 @@
 </p:sld>
 </file>
 
-<file path=ppt/slides/slide43.xml><?xml version="1.0" encoding="utf-8"?>
+<file path=ppt/slides/slide44.xml><?xml version="1.0" encoding="utf-8"?>
 <p:sld xmlns:a="http://schemas.openxmlformats.org/drawingml/2006/main" xmlns:r="http://schemas.openxmlformats.org/officeDocument/2006/relationships" xmlns:p="http://schemas.openxmlformats.org/presentationml/2006/main">
   <p:cSld>
     <p:spTree>
@@ -30874,303 +31707,6 @@
 </p:sld>
 </file>
 
-<file path=ppt/slides/slide44.xml><?xml version="1.0" encoding="utf-8"?>
-<p:sld xmlns:a="http://schemas.openxmlformats.org/drawingml/2006/main" xmlns:r="http://schemas.openxmlformats.org/officeDocument/2006/relationships" xmlns:p="http://schemas.openxmlformats.org/presentationml/2006/main">
-  <p:cSld>
-    <p:spTree>
-      <p:nvGrpSpPr>
-        <p:cNvPr id="1" name=""/>
-        <p:cNvGrpSpPr/>
-        <p:nvPr/>
-      </p:nvGrpSpPr>
-      <p:grpSpPr>
-        <a:xfrm>
-          <a:off x="0" y="0"/>
-          <a:ext cx="0" cy="0"/>
-          <a:chOff x="0" y="0"/>
-          <a:chExt cx="0" cy="0"/>
-        </a:xfrm>
-      </p:grpSpPr>
-      <p:sp>
-        <p:nvSpPr>
-          <p:cNvPr id="2" name="Title 1">
-            <a:extLst>
-              <a:ext uri="{FF2B5EF4-FFF2-40B4-BE49-F238E27FC236}">
-                <a16:creationId xmlns:a16="http://schemas.microsoft.com/office/drawing/2014/main" id="{E62E5D45-30DB-442B-9BA1-2117314EB5E5}"/>
-              </a:ext>
-            </a:extLst>
-          </p:cNvPr>
-          <p:cNvSpPr>
-            <a:spLocks noGrp="1"/>
-          </p:cNvSpPr>
-          <p:nvPr>
-            <p:ph type="title"/>
-          </p:nvPr>
-        </p:nvSpPr>
-        <p:spPr/>
-        <p:txBody>
-          <a:bodyPr/>
-          <a:lstStyle/>
-          <a:p>
-            <a:r>
-              <a:rPr lang="en-US" dirty="0"/>
-              <a:t>Discussion / Summary</a:t>
-            </a:r>
-          </a:p>
-        </p:txBody>
-      </p:sp>
-      <mc:AlternateContent xmlns:mc="http://schemas.openxmlformats.org/markup-compatibility/2006" xmlns:a14="http://schemas.microsoft.com/office/drawing/2010/main">
-        <mc:Choice Requires="a14">
-          <p:sp>
-            <p:nvSpPr>
-              <p:cNvPr id="3" name="Content Placeholder 2">
-                <a:extLst>
-                  <a:ext uri="{FF2B5EF4-FFF2-40B4-BE49-F238E27FC236}">
-                    <a16:creationId xmlns:a16="http://schemas.microsoft.com/office/drawing/2014/main" id="{C513F187-E088-4C45-BF41-FF9B1B00BAC8}"/>
-                  </a:ext>
-                </a:extLst>
-              </p:cNvPr>
-              <p:cNvSpPr>
-                <a:spLocks noGrp="1"/>
-              </p:cNvSpPr>
-              <p:nvPr>
-                <p:ph idx="1"/>
-              </p:nvPr>
-            </p:nvSpPr>
-            <p:spPr>
-              <a:xfrm>
-                <a:off x="1028700" y="1600200"/>
-                <a:ext cx="8039100" cy="4953000"/>
-              </a:xfrm>
-            </p:spPr>
-            <p:txBody>
-              <a:bodyPr>
-                <a:normAutofit/>
-              </a:bodyPr>
-              <a:lstStyle/>
-              <a:p>
-                <a:r>
-                  <a:rPr lang="en-US" dirty="0"/>
-                  <a:t>QDA model performed very poorly</a:t>
-                </a:r>
-              </a:p>
-              <a:p>
-                <a:pPr lvl="1"/>
-                <a:r>
-                  <a:rPr lang="en-US" i="0" dirty="0"/>
-                  <a:t>could not include </a:t>
-                </a:r>
-                <a:r>
-                  <a:rPr lang="en-US" i="0" dirty="0">
-                    <a:solidFill>
-                      <a:srgbClr val="FF0000"/>
-                    </a:solidFill>
-                  </a:rPr>
-                  <a:t>any</a:t>
-                </a:r>
-                <a:r>
-                  <a:rPr lang="en-US" i="0" dirty="0"/>
-                  <a:t> of the most significant categorical variables (too many values)</a:t>
-                </a:r>
-              </a:p>
-              <a:p>
-                <a:r>
-                  <a:rPr lang="en-US" dirty="0"/>
-                  <a:t>SVM took a VERY long time to run!</a:t>
-                </a:r>
-              </a:p>
-              <a:p>
-                <a:pPr lvl="1"/>
-                <a:r>
-                  <a:rPr lang="en-US" i="0" dirty="0"/>
-                  <a:t>Unable to use entire training set </a:t>
-                </a:r>
-                <a14:m>
-                  <m:oMath xmlns:m="http://schemas.openxmlformats.org/officeDocument/2006/math">
-                    <m:r>
-                      <a:rPr lang="en-US" b="0" i="1" smtClean="0">
-                        <a:latin typeface="Cambria Math" panose="02040503050406030204" pitchFamily="18" charset="0"/>
-                      </a:rPr>
-                      <m:t>→</m:t>
-                    </m:r>
-                  </m:oMath>
-                </a14:m>
-                <a:r>
-                  <a:rPr lang="en-US" i="0" dirty="0"/>
-                  <a:t> only 1000 training observations used</a:t>
-                </a:r>
-              </a:p>
-              <a:p>
-                <a:pPr lvl="1"/>
-                <a:r>
-                  <a:rPr lang="en-US" i="0" dirty="0"/>
-                  <a:t>13 classes meant </a:t>
-                </a:r>
-                <a14:m>
-                  <m:oMath xmlns:m="http://schemas.openxmlformats.org/officeDocument/2006/math">
-                    <m:d>
-                      <m:dPr>
-                        <m:ctrlPr>
-                          <a:rPr lang="en-US" i="1" smtClean="0">
-                            <a:latin typeface="Cambria Math" panose="02040503050406030204" pitchFamily="18" charset="0"/>
-                          </a:rPr>
-                        </m:ctrlPr>
-                      </m:dPr>
-                      <m:e>
-                        <m:f>
-                          <m:fPr>
-                            <m:type m:val="noBar"/>
-                            <m:ctrlPr>
-                              <a:rPr lang="en-US" i="1" smtClean="0">
-                                <a:latin typeface="Cambria Math" panose="02040503050406030204" pitchFamily="18" charset="0"/>
-                              </a:rPr>
-                            </m:ctrlPr>
-                          </m:fPr>
-                          <m:num>
-                            <m:r>
-                              <a:rPr lang="en-US" b="0" i="0" smtClean="0">
-                                <a:latin typeface="Cambria Math" panose="02040503050406030204" pitchFamily="18" charset="0"/>
-                              </a:rPr>
-                              <m:t>13</m:t>
-                            </m:r>
-                          </m:num>
-                          <m:den>
-                            <m:r>
-                              <a:rPr lang="en-US" b="0" i="0" smtClean="0">
-                                <a:latin typeface="Cambria Math" panose="02040503050406030204" pitchFamily="18" charset="0"/>
-                              </a:rPr>
-                              <m:t>2</m:t>
-                            </m:r>
-                          </m:den>
-                        </m:f>
-                      </m:e>
-                    </m:d>
-                    <m:r>
-                      <a:rPr lang="en-US" b="0" i="0" smtClean="0">
-                        <a:latin typeface="Cambria Math" panose="02040503050406030204" pitchFamily="18" charset="0"/>
-                      </a:rPr>
-                      <m:t>=78</m:t>
-                    </m:r>
-                  </m:oMath>
-                </a14:m>
-                <a:r>
-                  <a:rPr lang="en-US" i="0" dirty="0"/>
-                  <a:t> </a:t>
-                </a:r>
-                <a:r>
-                  <a:rPr lang="en-US" i="0" dirty="0" err="1"/>
-                  <a:t>svm</a:t>
-                </a:r>
-                <a:r>
-                  <a:rPr lang="en-US" i="0" dirty="0"/>
-                  <a:t> models</a:t>
-                </a:r>
-              </a:p>
-              <a:p>
-                <a:pPr lvl="1"/>
-                <a:r>
-                  <a:rPr lang="en-US" i="0" dirty="0"/>
-                  <a:t>Repeated multiple times for cost tuning</a:t>
-                </a:r>
-              </a:p>
-              <a:p>
-                <a:r>
-                  <a:rPr lang="en-US" dirty="0"/>
-                  <a:t>Random Forests performed substantially better than other methods for this problem (</a:t>
-                </a:r>
-                <a14:m>
-                  <m:oMath xmlns:m="http://schemas.openxmlformats.org/officeDocument/2006/math">
-                    <m:r>
-                      <a:rPr lang="en-US" b="0" i="1" smtClean="0">
-                        <a:latin typeface="Cambria Math" panose="02040503050406030204" pitchFamily="18" charset="0"/>
-                      </a:rPr>
-                      <m:t>≈50% </m:t>
-                    </m:r>
-                    <m:r>
-                      <m:rPr>
-                        <m:nor/>
-                      </m:rPr>
-                      <a:rPr lang="en-US" b="0" i="0" smtClean="0">
-                        <a:latin typeface="Cambria Math" panose="02040503050406030204" pitchFamily="18" charset="0"/>
-                      </a:rPr>
-                      <m:t>accuracy</m:t>
-                    </m:r>
-                    <m:r>
-                      <a:rPr lang="en-US" b="0" i="1" smtClean="0">
-                        <a:latin typeface="Cambria Math" panose="02040503050406030204" pitchFamily="18" charset="0"/>
-                      </a:rPr>
-                      <m:t>)</m:t>
-                    </m:r>
-                  </m:oMath>
-                </a14:m>
-                <a:endParaRPr lang="en-US" dirty="0"/>
-              </a:p>
-              <a:p>
-                <a:r>
-                  <a:rPr lang="en-US" dirty="0"/>
-                  <a:t>ROC only works for binary classifiers?</a:t>
-                </a:r>
-              </a:p>
-            </p:txBody>
-          </p:sp>
-        </mc:Choice>
-        <mc:Fallback xmlns="">
-          <p:sp>
-            <p:nvSpPr>
-              <p:cNvPr id="3" name="Content Placeholder 2">
-                <a:extLst>
-                  <a:ext uri="{FF2B5EF4-FFF2-40B4-BE49-F238E27FC236}">
-                    <a16:creationId xmlns:a16="http://schemas.microsoft.com/office/drawing/2014/main" id="{C513F187-E088-4C45-BF41-FF9B1B00BAC8}"/>
-                  </a:ext>
-                </a:extLst>
-              </p:cNvPr>
-              <p:cNvSpPr>
-                <a:spLocks noGrp="1" noRot="1" noChangeAspect="1" noMove="1" noResize="1" noEditPoints="1" noAdjustHandles="1" noChangeArrowheads="1" noChangeShapeType="1" noTextEdit="1"/>
-              </p:cNvSpPr>
-              <p:nvPr>
-                <p:ph idx="1"/>
-              </p:nvPr>
-            </p:nvSpPr>
-            <p:spPr>
-              <a:xfrm>
-                <a:off x="1028700" y="1600200"/>
-                <a:ext cx="8039100" cy="4953000"/>
-              </a:xfrm>
-              <a:blipFill>
-                <a:blip r:embed="rId2"/>
-                <a:stretch>
-                  <a:fillRect l="-682" t="-1108"/>
-                </a:stretch>
-              </a:blipFill>
-            </p:spPr>
-            <p:txBody>
-              <a:bodyPr/>
-              <a:lstStyle/>
-              <a:p>
-                <a:r>
-                  <a:rPr lang="en-US">
-                    <a:noFill/>
-                  </a:rPr>
-                  <a:t> </a:t>
-                </a:r>
-              </a:p>
-            </p:txBody>
-          </p:sp>
-        </mc:Fallback>
-      </mc:AlternateContent>
-    </p:spTree>
-    <p:extLst>
-      <p:ext uri="{BB962C8B-B14F-4D97-AF65-F5344CB8AC3E}">
-        <p14:creationId xmlns:p14="http://schemas.microsoft.com/office/powerpoint/2010/main" val="2077869234"/>
-      </p:ext>
-    </p:extLst>
-  </p:cSld>
-  <p:clrMapOvr>
-    <a:masterClrMapping/>
-  </p:clrMapOvr>
-</p:sld>
-</file>
-
 <file path=ppt/slides/slide45.xml><?xml version="1.0" encoding="utf-8"?>
 <p:sld xmlns:a="http://schemas.openxmlformats.org/drawingml/2006/main" xmlns:r="http://schemas.openxmlformats.org/officeDocument/2006/relationships" xmlns:p="http://schemas.openxmlformats.org/presentationml/2006/main">
   <p:cSld>
@@ -31487,14 +32023,14 @@
           <p:nvPr>
             <p:extLst>
               <p:ext uri="{D42A27DB-BD31-4B8C-83A1-F6EECF244321}">
-                <p14:modId xmlns:p14="http://schemas.microsoft.com/office/powerpoint/2010/main" val="90348188"/>
+                <p14:modId xmlns:p14="http://schemas.microsoft.com/office/powerpoint/2010/main" val="1986382136"/>
               </p:ext>
             </p:extLst>
           </p:nvPr>
         </p:nvGraphicFramePr>
         <p:xfrm>
-          <a:off x="533401" y="699654"/>
-          <a:ext cx="8610600" cy="6145460"/>
+          <a:off x="533401" y="673759"/>
+          <a:ext cx="8610600" cy="6156020"/>
         </p:xfrm>
         <a:graphic>
           <a:graphicData uri="http://schemas.openxmlformats.org/drawingml/2006/table">
@@ -31601,7 +32137,10 @@
                         <a:rPr lang="en-US" sz="1800" b="1" dirty="0" err="1"/>
                         <a:t>iday</a:t>
                       </a:r>
-                      <a:endParaRPr lang="en-US" sz="1800" b="1" dirty="0"/>
+                      <a:r>
+                        <a:rPr lang="en-US" sz="1800" b="1" dirty="0"/>
+                        <a:t>*</a:t>
+                      </a:r>
                     </a:p>
                   </a:txBody>
                   <a:tcPr>
@@ -31788,6 +32327,202 @@
                     <a:lstStyle/>
                     <a:p>
                       <a:r>
+                        <a:rPr lang="en-US" sz="1800" b="1" dirty="0" err="1"/>
+                        <a:t>iyear</a:t>
+                      </a:r>
+                      <a:r>
+                        <a:rPr lang="en-US" sz="1800" b="1" dirty="0"/>
+                        <a:t>*</a:t>
+                      </a:r>
+                    </a:p>
+                  </a:txBody>
+                  <a:tcPr>
+                    <a:solidFill>
+                      <a:schemeClr val="tx2">
+                        <a:lumMod val="50000"/>
+                        <a:lumOff val="50000"/>
+                      </a:schemeClr>
+                    </a:solidFill>
+                  </a:tcPr>
+                </a:tc>
+                <a:tc>
+                  <a:txBody>
+                    <a:bodyPr/>
+                    <a:lstStyle/>
+                    <a:p>
+                      <a:r>
+                        <a:rPr lang="en-US" sz="1800" dirty="0"/>
+                        <a:t>support</a:t>
+                      </a:r>
+                    </a:p>
+                  </a:txBody>
+                  <a:tcPr>
+                    <a:solidFill>
+                      <a:schemeClr val="tx2">
+                        <a:lumMod val="50000"/>
+                        <a:lumOff val="50000"/>
+                      </a:schemeClr>
+                    </a:solidFill>
+                  </a:tcPr>
+                </a:tc>
+                <a:tc>
+                  <a:txBody>
+                    <a:bodyPr/>
+                    <a:lstStyle/>
+                    <a:p>
+                      <a:r>
+                        <a:rPr lang="en-US" sz="1800" dirty="0"/>
+                        <a:t>numerical</a:t>
+                      </a:r>
+                    </a:p>
+                  </a:txBody>
+                  <a:tcPr>
+                    <a:solidFill>
+                      <a:schemeClr val="tx2">
+                        <a:lumMod val="50000"/>
+                        <a:lumOff val="50000"/>
+                      </a:schemeClr>
+                    </a:solidFill>
+                  </a:tcPr>
+                </a:tc>
+                <a:tc>
+                  <a:txBody>
+                    <a:bodyPr/>
+                    <a:lstStyle/>
+                    <a:p>
+                      <a:r>
+                        <a:rPr lang="en-US" sz="1800" dirty="0"/>
+                        <a:t>year (2010 - 2017)</a:t>
+                      </a:r>
+                    </a:p>
+                  </a:txBody>
+                  <a:tcPr>
+                    <a:solidFill>
+                      <a:schemeClr val="tx2">
+                        <a:lumMod val="50000"/>
+                        <a:lumOff val="50000"/>
+                      </a:schemeClr>
+                    </a:solidFill>
+                  </a:tcPr>
+                </a:tc>
+                <a:extLst>
+                  <a:ext uri="{0D108BD9-81ED-4DB2-BD59-A6C34878D82A}">
+                    <a16:rowId xmlns:a16="http://schemas.microsoft.com/office/drawing/2014/main" val="3600045225"/>
+                  </a:ext>
+                </a:extLst>
+              </a:tr>
+              <a:tr h="376320">
+                <a:tc>
+                  <a:txBody>
+                    <a:bodyPr/>
+                    <a:lstStyle/>
+                    <a:p>
+                      <a:r>
+                        <a:rPr lang="en-US" sz="1800" b="1" dirty="0"/>
+                        <a:t>weekday</a:t>
+                      </a:r>
+                    </a:p>
+                  </a:txBody>
+                  <a:tcPr>
+                    <a:solidFill>
+                      <a:schemeClr val="tx2">
+                        <a:lumMod val="50000"/>
+                        <a:lumOff val="50000"/>
+                      </a:schemeClr>
+                    </a:solidFill>
+                  </a:tcPr>
+                </a:tc>
+                <a:tc>
+                  <a:txBody>
+                    <a:bodyPr/>
+                    <a:lstStyle/>
+                    <a:p>
+                      <a:endParaRPr lang="en-US" sz="1800" dirty="0"/>
+                    </a:p>
+                  </a:txBody>
+                  <a:tcPr>
+                    <a:solidFill>
+                      <a:schemeClr val="tx2">
+                        <a:lumMod val="50000"/>
+                        <a:lumOff val="50000"/>
+                      </a:schemeClr>
+                    </a:solidFill>
+                  </a:tcPr>
+                </a:tc>
+                <a:tc>
+                  <a:txBody>
+                    <a:bodyPr/>
+                    <a:lstStyle/>
+                    <a:p>
+                      <a:r>
+                        <a:rPr lang="en-US" sz="1800" dirty="0"/>
+                        <a:t>categorical (7)</a:t>
+                      </a:r>
+                    </a:p>
+                  </a:txBody>
+                  <a:tcPr>
+                    <a:solidFill>
+                      <a:schemeClr val="tx2">
+                        <a:lumMod val="50000"/>
+                        <a:lumOff val="50000"/>
+                      </a:schemeClr>
+                    </a:solidFill>
+                  </a:tcPr>
+                </a:tc>
+                <a:tc>
+                  <a:txBody>
+                    <a:bodyPr/>
+                    <a:lstStyle/>
+                    <a:p>
+                      <a:r>
+                        <a:rPr lang="en-US" sz="1800" dirty="0"/>
+                        <a:t>derived from </a:t>
+                      </a:r>
+                      <a:r>
+                        <a:rPr lang="en-US" sz="1800" b="1" dirty="0" err="1"/>
+                        <a:t>iyear</a:t>
+                      </a:r>
+                      <a:r>
+                        <a:rPr lang="en-US" sz="1800" dirty="0"/>
+                        <a:t>, </a:t>
+                      </a:r>
+                      <a:r>
+                        <a:rPr lang="en-US" sz="1800" b="1" dirty="0" err="1"/>
+                        <a:t>imonth</a:t>
+                      </a:r>
+                      <a:r>
+                        <a:rPr lang="en-US" sz="1800" dirty="0"/>
+                        <a:t>, </a:t>
+                      </a:r>
+                      <a:r>
+                        <a:rPr lang="en-US" sz="1800" b="1" dirty="0" err="1"/>
+                        <a:t>iday</a:t>
+                      </a:r>
+                      <a:endParaRPr lang="en-US" sz="1800" b="1" dirty="0"/>
+                    </a:p>
+                  </a:txBody>
+                  <a:tcPr>
+                    <a:solidFill>
+                      <a:schemeClr val="tx2">
+                        <a:lumMod val="50000"/>
+                        <a:lumOff val="50000"/>
+                      </a:schemeClr>
+                    </a:solidFill>
+                  </a:tcPr>
+                </a:tc>
+                <a:extLst>
+                  <a:ext uri="{0D108BD9-81ED-4DB2-BD59-A6C34878D82A}">
+                    <a16:rowId xmlns:a16="http://schemas.microsoft.com/office/drawing/2014/main" val="3610437811"/>
+                  </a:ext>
+                </a:extLst>
+              </a:tr>
+              <a:tr h="376320">
+                <a:tc>
+                  <a:txBody>
+                    <a:bodyPr/>
+                    <a:lstStyle/>
+                    <a:p>
+                      <a:r>
                         <a:rPr lang="en-US" sz="1800" b="1" strike="noStrike" dirty="0">
                           <a:solidFill>
                             <a:schemeClr val="tx1"/>
@@ -32408,102 +33143,6 @@
                 <a:extLst>
                   <a:ext uri="{0D108BD9-81ED-4DB2-BD59-A6C34878D82A}">
                     <a16:rowId xmlns:a16="http://schemas.microsoft.com/office/drawing/2014/main" val="3637120657"/>
-                  </a:ext>
-                </a:extLst>
-              </a:tr>
-              <a:tr h="351630">
-                <a:tc>
-                  <a:txBody>
-                    <a:bodyPr/>
-                    <a:lstStyle/>
-                    <a:p>
-                      <a:r>
-                        <a:rPr lang="en-US" sz="1800" b="1" strike="noStrike" dirty="0" err="1">
-                          <a:solidFill>
-                            <a:schemeClr val="tx1"/>
-                          </a:solidFill>
-                        </a:rPr>
-                        <a:t>event_group_id</a:t>
-                      </a:r>
-                      <a:endParaRPr lang="en-US" sz="1800" b="1" strike="noStrike" dirty="0">
-                        <a:solidFill>
-                          <a:schemeClr val="tx1"/>
-                        </a:solidFill>
-                      </a:endParaRPr>
-                    </a:p>
-                  </a:txBody>
-                  <a:tcPr>
-                    <a:solidFill>
-                      <a:srgbClr val="00B0F0"/>
-                    </a:solidFill>
-                  </a:tcPr>
-                </a:tc>
-                <a:tc>
-                  <a:txBody>
-                    <a:bodyPr/>
-                    <a:lstStyle/>
-                    <a:p>
-                      <a:r>
-                        <a:rPr lang="en-US" sz="1800" strike="noStrike" dirty="0">
-                          <a:solidFill>
-                            <a:schemeClr val="tx1"/>
-                          </a:solidFill>
-                        </a:rPr>
-                        <a:t>support</a:t>
-                      </a:r>
-                    </a:p>
-                  </a:txBody>
-                  <a:tcPr>
-                    <a:solidFill>
-                      <a:srgbClr val="00B0F0"/>
-                    </a:solidFill>
-                  </a:tcPr>
-                </a:tc>
-                <a:tc>
-                  <a:txBody>
-                    <a:bodyPr/>
-                    <a:lstStyle/>
-                    <a:p>
-                      <a:r>
-                        <a:rPr lang="en-US" sz="1800" strike="noStrike" dirty="0">
-                          <a:solidFill>
-                            <a:schemeClr val="tx1"/>
-                          </a:solidFill>
-                        </a:rPr>
-                        <a:t>numerical</a:t>
-                      </a:r>
-                    </a:p>
-                  </a:txBody>
-                  <a:tcPr>
-                    <a:solidFill>
-                      <a:srgbClr val="00B0F0"/>
-                    </a:solidFill>
-                  </a:tcPr>
-                </a:tc>
-                <a:tc>
-                  <a:txBody>
-                    <a:bodyPr/>
-                    <a:lstStyle/>
-                    <a:p>
-                      <a:r>
-                        <a:rPr lang="en-US" sz="1800" strike="noStrike" dirty="0">
-                          <a:solidFill>
-                            <a:schemeClr val="tx1"/>
-                          </a:solidFill>
-                        </a:rPr>
-                        <a:t>unique identifier</a:t>
-                      </a:r>
-                    </a:p>
-                  </a:txBody>
-                  <a:tcPr>
-                    <a:solidFill>
-                      <a:srgbClr val="00B0F0"/>
-                    </a:solidFill>
-                  </a:tcPr>
-                </a:tc>
-                <a:extLst>
-                  <a:ext uri="{0D108BD9-81ED-4DB2-BD59-A6C34878D82A}">
-                    <a16:rowId xmlns:a16="http://schemas.microsoft.com/office/drawing/2014/main" val="481256297"/>
                   </a:ext>
                 </a:extLst>
               </a:tr>
@@ -32997,137 +33636,6 @@
                 <a:extLst>
                   <a:ext uri="{0D108BD9-81ED-4DB2-BD59-A6C34878D82A}">
                     <a16:rowId xmlns:a16="http://schemas.microsoft.com/office/drawing/2014/main" val="1077652032"/>
-                  </a:ext>
-                </a:extLst>
-              </a:tr>
-              <a:tr h="376320">
-                <a:tc>
-                  <a:txBody>
-                    <a:bodyPr/>
-                    <a:lstStyle/>
-                    <a:p>
-                      <a:r>
-                        <a:rPr lang="en-US" sz="1800" b="1" strike="noStrike" dirty="0" err="1">
-                          <a:solidFill>
-                            <a:srgbClr val="FF0000"/>
-                          </a:solidFill>
-                        </a:rPr>
-                        <a:t>iyear</a:t>
-                      </a:r>
-                      <a:endParaRPr lang="en-US" sz="1800" b="1" strike="noStrike" dirty="0">
-                        <a:solidFill>
-                          <a:srgbClr val="FF0000"/>
-                        </a:solidFill>
-                      </a:endParaRPr>
-                    </a:p>
-                  </a:txBody>
-                  <a:tcPr>
-                    <a:solidFill>
-                      <a:schemeClr val="accent1">
-                        <a:lumMod val="60000"/>
-                        <a:lumOff val="40000"/>
-                      </a:schemeClr>
-                    </a:solidFill>
-                  </a:tcPr>
-                </a:tc>
-                <a:tc>
-                  <a:txBody>
-                    <a:bodyPr/>
-                    <a:lstStyle/>
-                    <a:p>
-                      <a:pPr marL="0" marR="0" lvl="0" indent="0" algn="l" defTabSz="685800" rtl="0" eaLnBrk="1" fontAlgn="auto" latinLnBrk="0" hangingPunct="1">
-                        <a:lnSpc>
-                          <a:spcPct val="100000"/>
-                        </a:lnSpc>
-                        <a:spcBef>
-                          <a:spcPts val="0"/>
-                        </a:spcBef>
-                        <a:spcAft>
-                          <a:spcPts val="0"/>
-                        </a:spcAft>
-                        <a:buClrTx/>
-                        <a:buSzTx/>
-                        <a:buFontTx/>
-                        <a:buNone/>
-                        <a:tabLst/>
-                        <a:defRPr/>
-                      </a:pPr>
-                      <a:r>
-                        <a:rPr kumimoji="0" lang="en-US" sz="1800" b="0" i="0" u="none" strike="noStrike" kern="1200" cap="none" spc="0" normalizeH="0" baseline="0" noProof="0" dirty="0">
-                          <a:ln>
-                            <a:noFill/>
-                          </a:ln>
-                          <a:solidFill>
-                            <a:srgbClr val="FF0000"/>
-                          </a:solidFill>
-                          <a:effectLst/>
-                          <a:uLnTx/>
-                          <a:uFillTx/>
-                          <a:latin typeface="Franklin Gothic Book" panose="020B0503020102020204"/>
-                          <a:ea typeface="+mn-ea"/>
-                          <a:cs typeface="+mn-cs"/>
-                        </a:rPr>
-                        <a:t>N/A</a:t>
-                      </a:r>
-                    </a:p>
-                  </a:txBody>
-                  <a:tcPr>
-                    <a:solidFill>
-                      <a:schemeClr val="accent1">
-                        <a:lumMod val="60000"/>
-                        <a:lumOff val="40000"/>
-                      </a:schemeClr>
-                    </a:solidFill>
-                  </a:tcPr>
-                </a:tc>
-                <a:tc>
-                  <a:txBody>
-                    <a:bodyPr/>
-                    <a:lstStyle/>
-                    <a:p>
-                      <a:r>
-                        <a:rPr lang="en-US" sz="1800" strike="noStrike" dirty="0">
-                          <a:solidFill>
-                            <a:srgbClr val="FF0000"/>
-                          </a:solidFill>
-                        </a:rPr>
-                        <a:t>numerical</a:t>
-                      </a:r>
-                    </a:p>
-                  </a:txBody>
-                  <a:tcPr>
-                    <a:solidFill>
-                      <a:schemeClr val="accent1">
-                        <a:lumMod val="60000"/>
-                        <a:lumOff val="40000"/>
-                      </a:schemeClr>
-                    </a:solidFill>
-                  </a:tcPr>
-                </a:tc>
-                <a:tc>
-                  <a:txBody>
-                    <a:bodyPr/>
-                    <a:lstStyle/>
-                    <a:p>
-                      <a:endParaRPr lang="en-US" sz="1800" strike="sngStrike" dirty="0">
-                        <a:solidFill>
-                          <a:srgbClr val="FF0000"/>
-                        </a:solidFill>
-                      </a:endParaRPr>
-                    </a:p>
-                  </a:txBody>
-                  <a:tcPr>
-                    <a:solidFill>
-                      <a:schemeClr val="accent1">
-                        <a:lumMod val="60000"/>
-                        <a:lumOff val="40000"/>
-                      </a:schemeClr>
-                    </a:solidFill>
-                  </a:tcPr>
-                </a:tc>
-                <a:extLst>
-                  <a:ext uri="{0D108BD9-81ED-4DB2-BD59-A6C34878D82A}">
-                    <a16:rowId xmlns:a16="http://schemas.microsoft.com/office/drawing/2014/main" val="2768626519"/>
                   </a:ext>
                 </a:extLst>
               </a:tr>
@@ -33227,10 +33735,10 @@
       </p:sp>
       <p:pic>
         <p:nvPicPr>
-          <p:cNvPr id="7" name="Picture 6" descr="A close up of a map&#10;&#10;Description automatically generated">
+          <p:cNvPr id="4" name="Picture 3" descr="A close up of a map&#10;&#10;Description automatically generated">
             <a:extLst>
               <a:ext uri="{FF2B5EF4-FFF2-40B4-BE49-F238E27FC236}">
-                <a16:creationId xmlns:a16="http://schemas.microsoft.com/office/drawing/2014/main" id="{55E4C6C5-C25E-4D33-B1EE-5B0A54E0ED6E}"/>
+                <a16:creationId xmlns:a16="http://schemas.microsoft.com/office/drawing/2014/main" id="{C641C517-4DA6-4625-83AC-B40519640449}"/>
               </a:ext>
             </a:extLst>
           </p:cNvPr>
@@ -33240,20 +33748,20 @@
           <p:nvPr/>
         </p:nvPicPr>
         <p:blipFill rotWithShape="1">
-          <a:blip r:embed="rId2" cstate="print">
+          <a:blip r:embed="rId3" cstate="print">
             <a:extLst>
               <a:ext uri="{28A0092B-C50C-407E-A947-70E740481C1C}">
                 <a14:useLocalDpi xmlns:a14="http://schemas.microsoft.com/office/drawing/2010/main" val="0"/>
               </a:ext>
             </a:extLst>
           </a:blip>
-          <a:srcRect l="4904" t="24445" r="4154" b="26666"/>
+          <a:srcRect l="18979" t="2702" r="12598" b="22223"/>
           <a:stretch/>
         </p:blipFill>
         <p:spPr>
           <a:xfrm>
-            <a:off x="583661" y="1485900"/>
-            <a:ext cx="8516565" cy="3924300"/>
+            <a:off x="527550" y="1600200"/>
+            <a:ext cx="8611635" cy="4724400"/>
           </a:xfrm>
           <a:prstGeom prst="rect">
             <a:avLst/>
@@ -33346,14 +33854,14 @@
           <p:nvPr>
             <p:extLst>
               <p:ext uri="{D42A27DB-BD31-4B8C-83A1-F6EECF244321}">
-                <p14:modId xmlns:p14="http://schemas.microsoft.com/office/powerpoint/2010/main" val="2362611015"/>
+                <p14:modId xmlns:p14="http://schemas.microsoft.com/office/powerpoint/2010/main" val="3145095022"/>
               </p:ext>
             </p:extLst>
           </p:nvPr>
         </p:nvGraphicFramePr>
         <p:xfrm>
           <a:off x="1143001" y="1600200"/>
-          <a:ext cx="5867399" cy="1112520"/>
+          <a:ext cx="6172199" cy="1112520"/>
         </p:xfrm>
         <a:graphic>
           <a:graphicData uri="http://schemas.openxmlformats.org/drawingml/2006/table">
@@ -33362,14 +33870,14 @@
                 <a:tableStyleId>{5C22544A-7EE6-4342-B048-85BDC9FD1C3A}</a:tableStyleId>
               </a:tblPr>
               <a:tblGrid>
-                <a:gridCol w="2558974">
+                <a:gridCol w="2691908">
                   <a:extLst>
                     <a:ext uri="{9D8B030D-6E8A-4147-A177-3AD203B41FA5}">
                       <a16:colId xmlns:a16="http://schemas.microsoft.com/office/drawing/2014/main" val="1251328461"/>
                     </a:ext>
                   </a:extLst>
                 </a:gridCol>
-                <a:gridCol w="3308425">
+                <a:gridCol w="3480291">
                   <a:extLst>
                     <a:ext uri="{9D8B030D-6E8A-4147-A177-3AD203B41FA5}">
                       <a16:colId xmlns:a16="http://schemas.microsoft.com/office/drawing/2014/main" val="2069697519"/>
@@ -33449,7 +33957,7 @@
                         <a:rPr lang="en-US" sz="1800" dirty="0">
                           <a:effectLst/>
                         </a:rPr>
-                        <a:t>9,385 (89%)</a:t>
+                        <a:t>  2,361 (91%)</a:t>
                       </a:r>
                       <a:endParaRPr lang="en-US" sz="1800" b="0" i="0" u="none" strike="noStrike" dirty="0">
                         <a:solidFill>
@@ -33499,7 +34007,7 @@
                         <a:rPr lang="en-US" sz="1800" dirty="0">
                           <a:effectLst/>
                         </a:rPr>
-                        <a:t>1,166 (11%)</a:t>
+                        <a:t>233 (  9%)</a:t>
                       </a:r>
                       <a:endParaRPr lang="en-US" sz="1800" b="0" i="0" u="none" strike="noStrike" dirty="0">
                         <a:solidFill>
@@ -33536,8 +34044,8 @@
         </p:nvSpPr>
         <p:spPr>
           <a:xfrm>
-            <a:off x="5434445" y="2753924"/>
-            <a:ext cx="894797" cy="369332"/>
+            <a:off x="5849571" y="2753924"/>
+            <a:ext cx="779829" cy="369332"/>
           </a:xfrm>
           <a:prstGeom prst="rect">
             <a:avLst/>
@@ -33551,233 +34059,11 @@
           <a:p>
             <a:r>
               <a:rPr lang="en-US" dirty="0"/>
-              <a:t>10,551</a:t>
+              <a:t>2,594</a:t>
             </a:r>
           </a:p>
         </p:txBody>
       </p:sp>
-      <mc:AlternateContent xmlns:mc="http://schemas.openxmlformats.org/markup-compatibility/2006" xmlns:a14="http://schemas.microsoft.com/office/drawing/2010/main">
-        <mc:Choice Requires="a14">
-          <p:sp>
-            <p:nvSpPr>
-              <p:cNvPr id="6" name="TextBox 5">
-                <a:extLst>
-                  <a:ext uri="{FF2B5EF4-FFF2-40B4-BE49-F238E27FC236}">
-                    <a16:creationId xmlns:a16="http://schemas.microsoft.com/office/drawing/2014/main" id="{EF2D9939-5254-4416-A736-86D0158B575E}"/>
-                  </a:ext>
-                </a:extLst>
-              </p:cNvPr>
-              <p:cNvSpPr txBox="1"/>
-              <p:nvPr/>
-            </p:nvSpPr>
-            <p:spPr>
-              <a:xfrm>
-                <a:off x="943843" y="3181290"/>
-                <a:ext cx="8115300" cy="400110"/>
-              </a:xfrm>
-              <a:prstGeom prst="rect">
-                <a:avLst/>
-              </a:prstGeom>
-              <a:noFill/>
-            </p:spPr>
-            <p:txBody>
-              <a:bodyPr wrap="square" rtlCol="0">
-                <a:spAutoFit/>
-              </a:bodyPr>
-              <a:lstStyle/>
-              <a:p>
-                <a:pPr/>
-                <a14:m>
-                  <m:oMathPara xmlns:m="http://schemas.openxmlformats.org/officeDocument/2006/math">
-                    <m:oMathParaPr>
-                      <m:jc m:val="centerGroup"/>
-                    </m:oMathParaPr>
-                    <m:oMath xmlns:m="http://schemas.openxmlformats.org/officeDocument/2006/math">
-                      <m:r>
-                        <a:rPr lang="en-US" sz="2000" b="0" i="1" smtClean="0">
-                          <a:latin typeface="Cambria Math" panose="02040503050406030204" pitchFamily="18" charset="0"/>
-                        </a:rPr>
-                        <m:t>≈89% </m:t>
-                      </m:r>
-                      <m:r>
-                        <m:rPr>
-                          <m:nor/>
-                        </m:rPr>
-                        <a:rPr lang="en-US" sz="2000" b="0" i="0" smtClean="0">
-                          <a:latin typeface="Cambria Math" panose="02040503050406030204" pitchFamily="18" charset="0"/>
-                        </a:rPr>
-                        <m:t>(10,551 / 11,904) </m:t>
-                      </m:r>
-                      <m:r>
-                        <m:rPr>
-                          <m:nor/>
-                        </m:rPr>
-                        <a:rPr lang="en-US" sz="2000" b="0" i="0" smtClean="0">
-                          <a:latin typeface="Cambria Math" panose="02040503050406030204" pitchFamily="18" charset="0"/>
-                        </a:rPr>
-                        <m:t>of</m:t>
-                      </m:r>
-                      <m:r>
-                        <m:rPr>
-                          <m:nor/>
-                        </m:rPr>
-                        <a:rPr lang="en-US" sz="2000" b="0" i="0" smtClean="0">
-                          <a:latin typeface="Cambria Math" panose="02040503050406030204" pitchFamily="18" charset="0"/>
-                        </a:rPr>
-                        <m:t> </m:t>
-                      </m:r>
-                      <m:r>
-                        <m:rPr>
-                          <m:nor/>
-                        </m:rPr>
-                        <a:rPr lang="en-US" sz="2000" b="0" i="0" smtClean="0">
-                          <a:latin typeface="Cambria Math" panose="02040503050406030204" pitchFamily="18" charset="0"/>
-                        </a:rPr>
-                        <m:t>possible</m:t>
-                      </m:r>
-                      <m:r>
-                        <m:rPr>
-                          <m:nor/>
-                        </m:rPr>
-                        <a:rPr lang="en-US" sz="2000" b="0" i="0" smtClean="0">
-                          <a:latin typeface="Cambria Math" panose="02040503050406030204" pitchFamily="18" charset="0"/>
-                        </a:rPr>
-                        <m:t> </m:t>
-                      </m:r>
-                      <m:r>
-                        <m:rPr>
-                          <m:nor/>
-                        </m:rPr>
-                        <a:rPr lang="en-US" sz="2000" b="0" i="0" smtClean="0">
-                          <a:latin typeface="Cambria Math" panose="02040503050406030204" pitchFamily="18" charset="0"/>
-                        </a:rPr>
-                        <m:t>event</m:t>
-                      </m:r>
-                      <m:r>
-                        <m:rPr>
-                          <m:nor/>
-                        </m:rPr>
-                        <a:rPr lang="en-US" sz="2000" b="0" i="0" smtClean="0">
-                          <a:latin typeface="Cambria Math" panose="02040503050406030204" pitchFamily="18" charset="0"/>
-                        </a:rPr>
-                        <m:t> </m:t>
-                      </m:r>
-                      <m:r>
-                        <m:rPr>
-                          <m:nor/>
-                        </m:rPr>
-                        <a:rPr lang="en-US" sz="2000" b="0" i="0" smtClean="0">
-                          <a:latin typeface="Cambria Math" panose="02040503050406030204" pitchFamily="18" charset="0"/>
-                        </a:rPr>
-                        <m:t>groups</m:t>
-                      </m:r>
-                      <m:r>
-                        <m:rPr>
-                          <m:nor/>
-                        </m:rPr>
-                        <a:rPr lang="en-US" sz="2000" b="0" i="0" smtClean="0">
-                          <a:latin typeface="Cambria Math" panose="02040503050406030204" pitchFamily="18" charset="0"/>
-                        </a:rPr>
-                        <m:t> </m:t>
-                      </m:r>
-                      <m:r>
-                        <m:rPr>
-                          <m:nor/>
-                        </m:rPr>
-                        <a:rPr lang="en-US" sz="2000" b="0" i="0" smtClean="0">
-                          <a:latin typeface="Cambria Math" panose="02040503050406030204" pitchFamily="18" charset="0"/>
-                        </a:rPr>
-                        <m:t>represented</m:t>
-                      </m:r>
-                      <m:r>
-                        <m:rPr>
-                          <m:nor/>
-                        </m:rPr>
-                        <a:rPr lang="en-US" sz="2000" b="0" i="0" smtClean="0">
-                          <a:latin typeface="Cambria Math" panose="02040503050406030204" pitchFamily="18" charset="0"/>
-                        </a:rPr>
-                        <m:t> </m:t>
-                      </m:r>
-                      <m:r>
-                        <m:rPr>
-                          <m:nor/>
-                        </m:rPr>
-                        <a:rPr lang="en-US" sz="2000" b="0" i="0" smtClean="0">
-                          <a:latin typeface="Cambria Math" panose="02040503050406030204" pitchFamily="18" charset="0"/>
-                        </a:rPr>
-                        <m:t>in</m:t>
-                      </m:r>
-                      <m:r>
-                        <m:rPr>
-                          <m:nor/>
-                        </m:rPr>
-                        <a:rPr lang="en-US" sz="2000" b="0" i="0" smtClean="0">
-                          <a:latin typeface="Cambria Math" panose="02040503050406030204" pitchFamily="18" charset="0"/>
-                        </a:rPr>
-                        <m:t> </m:t>
-                      </m:r>
-                      <m:r>
-                        <m:rPr>
-                          <m:nor/>
-                        </m:rPr>
-                        <a:rPr lang="en-US" sz="2000" b="0" i="0" smtClean="0">
-                          <a:latin typeface="Cambria Math" panose="02040503050406030204" pitchFamily="18" charset="0"/>
-                        </a:rPr>
-                        <m:t>data</m:t>
-                      </m:r>
-                    </m:oMath>
-                  </m:oMathPara>
-                </a14:m>
-                <a:endParaRPr lang="en-US" sz="2000" dirty="0"/>
-              </a:p>
-            </p:txBody>
-          </p:sp>
-        </mc:Choice>
-        <mc:Fallback xmlns="">
-          <p:sp>
-            <p:nvSpPr>
-              <p:cNvPr id="6" name="TextBox 5">
-                <a:extLst>
-                  <a:ext uri="{FF2B5EF4-FFF2-40B4-BE49-F238E27FC236}">
-                    <a16:creationId xmlns:a16="http://schemas.microsoft.com/office/drawing/2014/main" id="{EF2D9939-5254-4416-A736-86D0158B575E}"/>
-                  </a:ext>
-                </a:extLst>
-              </p:cNvPr>
-              <p:cNvSpPr txBox="1">
-                <a:spLocks noRot="1" noChangeAspect="1" noMove="1" noResize="1" noEditPoints="1" noAdjustHandles="1" noChangeArrowheads="1" noChangeShapeType="1" noTextEdit="1"/>
-              </p:cNvSpPr>
-              <p:nvPr/>
-            </p:nvSpPr>
-            <p:spPr>
-              <a:xfrm>
-                <a:off x="943843" y="3181290"/>
-                <a:ext cx="8115300" cy="400110"/>
-              </a:xfrm>
-              <a:prstGeom prst="rect">
-                <a:avLst/>
-              </a:prstGeom>
-              <a:blipFill>
-                <a:blip r:embed="rId2"/>
-                <a:stretch>
-                  <a:fillRect b="-15152"/>
-                </a:stretch>
-              </a:blipFill>
-            </p:spPr>
-            <p:txBody>
-              <a:bodyPr/>
-              <a:lstStyle/>
-              <a:p>
-                <a:r>
-                  <a:rPr lang="en-US">
-                    <a:noFill/>
-                  </a:rPr>
-                  <a:t> </a:t>
-                </a:r>
-              </a:p>
-            </p:txBody>
-          </p:sp>
-        </mc:Fallback>
-      </mc:AlternateContent>
       <p:sp>
         <p:nvSpPr>
           <p:cNvPr id="11" name="TextBox 10">
@@ -33792,7 +34078,7 @@
         </p:nvSpPr>
         <p:spPr>
           <a:xfrm>
-            <a:off x="6271601" y="2750461"/>
+            <a:off x="6553200" y="2750461"/>
             <a:ext cx="1436034" cy="369332"/>
           </a:xfrm>
           <a:prstGeom prst="rect">
@@ -33813,67 +34099,8 @@
           </a:p>
         </p:txBody>
       </p:sp>
-      <p:pic>
-        <p:nvPicPr>
-          <p:cNvPr id="19" name="Picture 18" descr="A screenshot of a cell phone&#10;&#10;Description automatically generated">
-            <a:extLst>
-              <a:ext uri="{FF2B5EF4-FFF2-40B4-BE49-F238E27FC236}">
-                <a16:creationId xmlns:a16="http://schemas.microsoft.com/office/drawing/2014/main" id="{044482F0-1249-4B5A-929A-8741B601D260}"/>
-              </a:ext>
-            </a:extLst>
-          </p:cNvPr>
-          <p:cNvPicPr>
-            <a:picLocks noChangeAspect="1"/>
-          </p:cNvPicPr>
-          <p:nvPr/>
-        </p:nvPicPr>
-        <p:blipFill rotWithShape="1">
-          <a:blip r:embed="rId3">
-            <a:clrChange>
-              <a:clrFrom>
-                <a:srgbClr val="FFFFFF"/>
-              </a:clrFrom>
-              <a:clrTo>
-                <a:srgbClr val="FFFFFF">
-                  <a:alpha val="0"/>
-                </a:srgbClr>
-              </a:clrTo>
-            </a:clrChange>
-            <a:extLst>
-              <a:ext uri="{28A0092B-C50C-407E-A947-70E740481C1C}">
-                <a14:useLocalDpi xmlns:a14="http://schemas.microsoft.com/office/drawing/2010/main" val="0"/>
-              </a:ext>
-            </a:extLst>
-          </a:blip>
-          <a:srcRect l="-1389" t="16288" r="5557" b="4481"/>
-          <a:stretch/>
-        </p:blipFill>
-        <p:spPr>
-          <a:xfrm>
-            <a:off x="609600" y="3792669"/>
-            <a:ext cx="5257800" cy="2897976"/>
-          </a:xfrm>
-          <a:prstGeom prst="rect">
-            <a:avLst/>
-          </a:prstGeom>
-          <a:ln w="38100" cap="sq">
-            <a:solidFill>
-              <a:srgbClr val="000000"/>
-            </a:solidFill>
-            <a:prstDash val="solid"/>
-            <a:miter lim="800000"/>
-          </a:ln>
-          <a:effectLst>
-            <a:outerShdw blurRad="50800" dist="38100" dir="2700000" algn="tl" rotWithShape="0">
-              <a:srgbClr val="000000">
-                <a:alpha val="43000"/>
-              </a:srgbClr>
-            </a:outerShdw>
-          </a:effectLst>
-        </p:spPr>
-      </p:pic>
-      <mc:AlternateContent xmlns:mc="http://schemas.openxmlformats.org/markup-compatibility/2006" xmlns:a14="http://schemas.microsoft.com/office/drawing/2010/main">
-        <mc:Choice Requires="a14">
+      <mc:AlternateContent xmlns:mc="http://schemas.openxmlformats.org/markup-compatibility/2006">
+        <mc:Choice xmlns:a14="http://schemas.microsoft.com/office/drawing/2010/main" Requires="a14">
           <p:sp>
             <p:nvSpPr>
               <p:cNvPr id="20" name="TextBox 19">
@@ -33888,8 +34115,8 @@
             </p:nvSpPr>
             <p:spPr>
               <a:xfrm>
-                <a:off x="5959740" y="4648200"/>
-                <a:ext cx="3163478" cy="646331"/>
+                <a:off x="5867400" y="4648200"/>
+                <a:ext cx="3255818" cy="646331"/>
               </a:xfrm>
               <a:prstGeom prst="rect">
                 <a:avLst/>
@@ -33925,7 +34152,13 @@
                       <a:rPr lang="en-US" b="0" i="1" smtClean="0">
                         <a:latin typeface="Cambria Math" panose="02040503050406030204" pitchFamily="18" charset="0"/>
                       </a:rPr>
-                      <m:t>≈8</m:t>
+                      <m:t>≈</m:t>
+                    </m:r>
+                    <m:r>
+                      <a:rPr lang="en-US" b="0" i="1" smtClean="0">
+                        <a:latin typeface="Cambria Math" panose="02040503050406030204" pitchFamily="18" charset="0"/>
+                      </a:rPr>
+                      <m:t>33</m:t>
                     </m:r>
                   </m:oMath>
                 </a14:m>
@@ -33945,7 +34178,13 @@
                       <a:rPr lang="en-US" b="0" i="1" smtClean="0">
                         <a:latin typeface="Cambria Math" panose="02040503050406030204" pitchFamily="18" charset="0"/>
                       </a:rPr>
-                      <m:t>≈9</m:t>
+                      <m:t>≈</m:t>
+                    </m:r>
+                    <m:r>
+                      <a:rPr lang="en-US" b="0" i="1" smtClean="0">
+                        <a:latin typeface="Cambria Math" panose="02040503050406030204" pitchFamily="18" charset="0"/>
+                      </a:rPr>
+                      <m:t>38</m:t>
                     </m:r>
                   </m:oMath>
                 </a14:m>
@@ -33957,7 +34196,7 @@
             </p:txBody>
           </p:sp>
         </mc:Choice>
-        <mc:Fallback xmlns="">
+        <mc:Fallback>
           <p:sp>
             <p:nvSpPr>
               <p:cNvPr id="20" name="TextBox 19">
@@ -33974,16 +34213,16 @@
             </p:nvSpPr>
             <p:spPr>
               <a:xfrm>
-                <a:off x="5959740" y="4648200"/>
-                <a:ext cx="3163478" cy="646331"/>
+                <a:off x="5867400" y="4648200"/>
+                <a:ext cx="3255818" cy="646331"/>
               </a:xfrm>
               <a:prstGeom prst="rect">
                 <a:avLst/>
               </a:prstGeom>
               <a:blipFill>
-                <a:blip r:embed="rId4"/>
+                <a:blip r:embed="rId3"/>
                 <a:stretch>
-                  <a:fillRect l="-1536" t="-4630" b="-12037"/>
+                  <a:fillRect l="-1493" t="-4630" b="-12037"/>
                 </a:stretch>
               </a:blipFill>
               <a:ln>
@@ -33991,6 +34230,171 @@
                   <a:schemeClr val="tx1"/>
                 </a:solidFill>
               </a:ln>
+            </p:spPr>
+            <p:txBody>
+              <a:bodyPr/>
+              <a:lstStyle/>
+              <a:p>
+                <a:r>
+                  <a:rPr lang="en-US">
+                    <a:noFill/>
+                  </a:rPr>
+                  <a:t> </a:t>
+                </a:r>
+              </a:p>
+            </p:txBody>
+          </p:sp>
+        </mc:Fallback>
+      </mc:AlternateContent>
+      <p:pic>
+        <p:nvPicPr>
+          <p:cNvPr id="7" name="Picture 6" descr="A screenshot of a cell phone&#10;&#10;Description automatically generated">
+            <a:extLst>
+              <a:ext uri="{FF2B5EF4-FFF2-40B4-BE49-F238E27FC236}">
+                <a16:creationId xmlns:a16="http://schemas.microsoft.com/office/drawing/2014/main" id="{955441D9-99BF-41DB-95A4-E819CC392EF7}"/>
+              </a:ext>
+            </a:extLst>
+          </p:cNvPr>
+          <p:cNvPicPr>
+            <a:picLocks noChangeAspect="1"/>
+          </p:cNvPicPr>
+          <p:nvPr/>
+        </p:nvPicPr>
+        <p:blipFill rotWithShape="1">
+          <a:blip r:embed="rId4">
+            <a:clrChange>
+              <a:clrFrom>
+                <a:srgbClr val="FFFFFF"/>
+              </a:clrFrom>
+              <a:clrTo>
+                <a:srgbClr val="FFFFFF">
+                  <a:alpha val="0"/>
+                </a:srgbClr>
+              </a:clrTo>
+            </a:clrChange>
+            <a:extLst>
+              <a:ext uri="{28A0092B-C50C-407E-A947-70E740481C1C}">
+                <a14:useLocalDpi xmlns:a14="http://schemas.microsoft.com/office/drawing/2010/main" val="0"/>
+              </a:ext>
+            </a:extLst>
+          </a:blip>
+          <a:srcRect l="-3033" r="1"/>
+          <a:stretch/>
+        </p:blipFill>
+        <p:spPr>
+          <a:xfrm>
+            <a:off x="457200" y="3324357"/>
+            <a:ext cx="5257800" cy="3402044"/>
+          </a:xfrm>
+          <a:prstGeom prst="rect">
+            <a:avLst/>
+          </a:prstGeom>
+          <a:ln w="38100" cap="sq">
+            <a:solidFill>
+              <a:srgbClr val="000000"/>
+            </a:solidFill>
+            <a:prstDash val="solid"/>
+            <a:miter lim="800000"/>
+          </a:ln>
+          <a:effectLst>
+            <a:outerShdw blurRad="50800" dist="38100" dir="2700000" algn="tl" rotWithShape="0">
+              <a:srgbClr val="000000">
+                <a:alpha val="43000"/>
+              </a:srgbClr>
+            </a:outerShdw>
+          </a:effectLst>
+        </p:spPr>
+      </p:pic>
+      <mc:AlternateContent xmlns:mc="http://schemas.openxmlformats.org/markup-compatibility/2006">
+        <mc:Choice xmlns:a14="http://schemas.microsoft.com/office/drawing/2010/main" Requires="a14">
+          <p:sp>
+            <p:nvSpPr>
+              <p:cNvPr id="8" name="TextBox 7">
+                <a:extLst>
+                  <a:ext uri="{FF2B5EF4-FFF2-40B4-BE49-F238E27FC236}">
+                    <a16:creationId xmlns:a16="http://schemas.microsoft.com/office/drawing/2014/main" id="{7C655F41-0F9C-440C-9C00-D5FC34A1FC53}"/>
+                  </a:ext>
+                </a:extLst>
+              </p:cNvPr>
+              <p:cNvSpPr txBox="1"/>
+              <p:nvPr/>
+            </p:nvSpPr>
+            <p:spPr>
+              <a:xfrm>
+                <a:off x="1676400" y="3615831"/>
+                <a:ext cx="2362200" cy="369332"/>
+              </a:xfrm>
+              <a:prstGeom prst="rect">
+                <a:avLst/>
+              </a:prstGeom>
+              <a:noFill/>
+            </p:spPr>
+            <p:txBody>
+              <a:bodyPr wrap="square" rtlCol="0">
+                <a:spAutoFit/>
+              </a:bodyPr>
+              <a:lstStyle/>
+              <a:p>
+                <a:pPr algn="ctr"/>
+                <a:r>
+                  <a:rPr lang="en-US" dirty="0">
+                    <a:solidFill>
+                      <a:srgbClr val="1A1AFF"/>
+                    </a:solidFill>
+                  </a:rPr>
+                  <a:t>“high” threshold </a:t>
+                </a:r>
+                <a14:m>
+                  <m:oMath xmlns:m="http://schemas.openxmlformats.org/officeDocument/2006/math">
+                    <m:r>
+                      <a:rPr lang="en-US" b="0" i="1" smtClean="0">
+                        <a:solidFill>
+                          <a:srgbClr val="1A1AFF"/>
+                        </a:solidFill>
+                        <a:latin typeface="Cambria Math" panose="02040503050406030204" pitchFamily="18" charset="0"/>
+                      </a:rPr>
+                      <m:t>→71</m:t>
+                    </m:r>
+                  </m:oMath>
+                </a14:m>
+                <a:endParaRPr lang="en-US" dirty="0">
+                  <a:solidFill>
+                    <a:srgbClr val="1A1AFF"/>
+                  </a:solidFill>
+                </a:endParaRPr>
+              </a:p>
+            </p:txBody>
+          </p:sp>
+        </mc:Choice>
+        <mc:Fallback>
+          <p:sp>
+            <p:nvSpPr>
+              <p:cNvPr id="8" name="TextBox 7">
+                <a:extLst>
+                  <a:ext uri="{FF2B5EF4-FFF2-40B4-BE49-F238E27FC236}">
+                    <a16:creationId xmlns:a16="http://schemas.microsoft.com/office/drawing/2014/main" id="{7C655F41-0F9C-440C-9C00-D5FC34A1FC53}"/>
+                  </a:ext>
+                </a:extLst>
+              </p:cNvPr>
+              <p:cNvSpPr txBox="1">
+                <a:spLocks noRot="1" noChangeAspect="1" noMove="1" noResize="1" noEditPoints="1" noAdjustHandles="1" noChangeArrowheads="1" noChangeShapeType="1" noTextEdit="1"/>
+              </p:cNvSpPr>
+              <p:nvPr/>
+            </p:nvSpPr>
+            <p:spPr>
+              <a:xfrm>
+                <a:off x="1676400" y="3615831"/>
+                <a:ext cx="2362200" cy="369332"/>
+              </a:xfrm>
+              <a:prstGeom prst="rect">
+                <a:avLst/>
+              </a:prstGeom>
+              <a:blipFill>
+                <a:blip r:embed="rId5"/>
+                <a:stretch>
+                  <a:fillRect l="-1289" t="-8197" b="-24590"/>
+                </a:stretch>
+              </a:blipFill>
             </p:spPr>
             <p:txBody>
               <a:bodyPr/>
@@ -34237,8 +34641,8 @@
           </a:p>
         </p:txBody>
       </p:sp>
-      <mc:AlternateContent xmlns:mc="http://schemas.openxmlformats.org/markup-compatibility/2006" xmlns:a14="http://schemas.microsoft.com/office/drawing/2010/main">
-        <mc:Choice Requires="a14">
+      <mc:AlternateContent xmlns:mc="http://schemas.openxmlformats.org/markup-compatibility/2006">
+        <mc:Choice xmlns:a14="http://schemas.microsoft.com/office/drawing/2010/main" Requires="a14">
           <p:sp>
             <p:nvSpPr>
               <p:cNvPr id="3" name="Content Placeholder 2">
@@ -34297,7 +34701,7 @@
                       <a:schemeClr val="tx1"/>
                     </a:solidFill>
                   </a:rPr>
-                  <a:t> 14,999 observations</a:t>
+                  <a:t> 3,813 observations</a:t>
                 </a:r>
               </a:p>
               <a:p>
@@ -34351,13 +34755,13 @@
                       <a:schemeClr val="tx1"/>
                     </a:solidFill>
                   </a:rPr>
-                  <a:t> 2,111 observations</a:t>
+                  <a:t> 519 observations</a:t>
                 </a:r>
               </a:p>
             </p:txBody>
           </p:sp>
         </mc:Choice>
-        <mc:Fallback xmlns="">
+        <mc:Fallback>
           <p:sp>
             <p:nvSpPr>
               <p:cNvPr id="3" name="Content Placeholder 2">
@@ -34416,7 +34820,7 @@
           <p:nvPr>
             <p:extLst>
               <p:ext uri="{D42A27DB-BD31-4B8C-83A1-F6EECF244321}">
-                <p14:modId xmlns:p14="http://schemas.microsoft.com/office/powerpoint/2010/main" val="2986558048"/>
+                <p14:modId xmlns:p14="http://schemas.microsoft.com/office/powerpoint/2010/main" val="1767494937"/>
               </p:ext>
             </p:extLst>
           </p:nvPr>
@@ -34499,7 +34903,7 @@
                             <a:srgbClr val="FF0000"/>
                           </a:solidFill>
                         </a:rPr>
-                        <a:t>7,522</a:t>
+                        <a:t>1,894</a:t>
                       </a:r>
                     </a:p>
                   </a:txBody>
@@ -34585,7 +34989,7 @@
                             <a:srgbClr val="FF0000"/>
                           </a:solidFill>
                         </a:rPr>
-                        <a:t>7,477</a:t>
+                        <a:t>1,919</a:t>
                       </a:r>
                     </a:p>
                   </a:txBody>
@@ -34687,8 +35091,8 @@
         </p:nvSpPr>
         <p:spPr>
           <a:xfrm>
-            <a:off x="3429000" y="1070447"/>
-            <a:ext cx="3048000" cy="369332"/>
+            <a:off x="3276600" y="990600"/>
+            <a:ext cx="3276600" cy="369332"/>
           </a:xfrm>
           <a:prstGeom prst="rect">
             <a:avLst/>
@@ -34708,7 +35112,7 @@
                   <a:srgbClr val="FF0000"/>
                 </a:solidFill>
               </a:rPr>
-              <a:t>after balancing</a:t>
+              <a:t>after balancing (over sampling)</a:t>
             </a:r>
           </a:p>
         </p:txBody>
@@ -34805,7 +35209,7 @@
             </a:pPr>
             <a:r>
               <a:rPr lang="en-US" sz="2800" dirty="0"/>
-              <a:t>LDA</a:t>
+              <a:t> LDA</a:t>
             </a:r>
           </a:p>
           <a:p>
@@ -34815,7 +35219,23 @@
             </a:pPr>
             <a:r>
               <a:rPr lang="en-US" sz="2800" dirty="0"/>
+              <a:t> </a:t>
+            </a:r>
+            <a:r>
+              <a:rPr lang="en-US" sz="2800" strike="sngStrike" dirty="0">
+                <a:solidFill>
+                  <a:srgbClr val="FF0000"/>
+                </a:solidFill>
+              </a:rPr>
               <a:t>QDA</a:t>
+            </a:r>
+            <a:r>
+              <a:rPr lang="en-US" sz="2800" dirty="0">
+                <a:solidFill>
+                  <a:srgbClr val="FF0000"/>
+                </a:solidFill>
+              </a:rPr>
+              <a:t> ("rank deficiency in group high" error)</a:t>
             </a:r>
           </a:p>
           <a:p>
@@ -34825,7 +35245,7 @@
             </a:pPr>
             <a:r>
               <a:rPr lang="en-US" sz="2800" dirty="0"/>
-              <a:t>Decision Tree</a:t>
+              <a:t> Decision Tree</a:t>
             </a:r>
           </a:p>
           <a:p>
@@ -34835,7 +35255,7 @@
             </a:pPr>
             <a:r>
               <a:rPr lang="en-US" sz="2800" dirty="0"/>
-              <a:t>Random Forest</a:t>
+              <a:t> Random Forest</a:t>
             </a:r>
           </a:p>
           <a:p>
@@ -34845,7 +35265,31 @@
             </a:pPr>
             <a:r>
               <a:rPr lang="en-US" sz="2800" dirty="0"/>
-              <a:t>SVM (Linear, Radial, Sigmoid)</a:t>
+              <a:t> SVM (</a:t>
+            </a:r>
+            <a:r>
+              <a:rPr lang="en-US" sz="2800" strike="sngStrike" dirty="0">
+                <a:solidFill>
+                  <a:srgbClr val="FF0000"/>
+                </a:solidFill>
+              </a:rPr>
+              <a:t>Linear</a:t>
+            </a:r>
+            <a:r>
+              <a:rPr lang="en-US" sz="2800" dirty="0"/>
+              <a:t>, Radial, </a:t>
+            </a:r>
+            <a:r>
+              <a:rPr lang="en-US" sz="2800" strike="sngStrike" dirty="0">
+                <a:solidFill>
+                  <a:srgbClr val="FF0000"/>
+                </a:solidFill>
+              </a:rPr>
+              <a:t>Sigmoid</a:t>
+            </a:r>
+            <a:r>
+              <a:rPr lang="en-US" sz="2800" dirty="0"/>
+              <a:t>)</a:t>
             </a:r>
           </a:p>
         </p:txBody>
@@ -34853,7 +35297,7 @@
     </p:spTree>
     <p:extLst>
       <p:ext uri="{BB962C8B-B14F-4D97-AF65-F5344CB8AC3E}">
-        <p14:creationId xmlns:p14="http://schemas.microsoft.com/office/powerpoint/2010/main" val="423511926"/>
+        <p14:creationId xmlns:p14="http://schemas.microsoft.com/office/powerpoint/2010/main" val="3323865381"/>
       </p:ext>
     </p:extLst>
   </p:cSld>
@@ -34917,22 +35361,20 @@
       </p:sp>
       <p:pic>
         <p:nvPicPr>
-          <p:cNvPr id="13" name="Content Placeholder 12" descr="A close up of a map&#10;&#10;Description automatically generated">
+          <p:cNvPr id="6" name="Picture 5" descr="A close up of a map&#10;&#10;Description automatically generated">
             <a:extLst>
               <a:ext uri="{FF2B5EF4-FFF2-40B4-BE49-F238E27FC236}">
-                <a16:creationId xmlns:a16="http://schemas.microsoft.com/office/drawing/2014/main" id="{05349F50-A4CA-44EE-A3A0-B4029551595A}"/>
+                <a16:creationId xmlns:a16="http://schemas.microsoft.com/office/drawing/2014/main" id="{439F3383-65BE-4C6E-A7CE-292353C2FBC4}"/>
               </a:ext>
             </a:extLst>
           </p:cNvPr>
           <p:cNvPicPr>
-            <a:picLocks noGrp="1" noChangeAspect="1"/>
+            <a:picLocks noChangeAspect="1"/>
           </p:cNvPicPr>
-          <p:nvPr>
-            <p:ph idx="1"/>
-          </p:nvPr>
+          <p:nvPr/>
         </p:nvPicPr>
         <p:blipFill>
-          <a:blip r:embed="rId2">
+          <a:blip r:embed="rId3">
             <a:extLst>
               <a:ext uri="{28A0092B-C50C-407E-A947-70E740481C1C}">
                 <a14:useLocalDpi xmlns:a14="http://schemas.microsoft.com/office/drawing/2010/main" val="0"/>
@@ -34945,11 +35387,125 @@
         </p:blipFill>
         <p:spPr>
           <a:xfrm>
-            <a:off x="619625" y="990600"/>
-            <a:ext cx="8458200" cy="5638800"/>
+            <a:off x="571498" y="772390"/>
+            <a:ext cx="8556916" cy="5704610"/>
           </a:xfrm>
+          <a:prstGeom prst="rect">
+            <a:avLst/>
+          </a:prstGeom>
         </p:spPr>
       </p:pic>
+      <p:sp>
+        <p:nvSpPr>
+          <p:cNvPr id="7" name="TextBox 6">
+            <a:extLst>
+              <a:ext uri="{FF2B5EF4-FFF2-40B4-BE49-F238E27FC236}">
+                <a16:creationId xmlns:a16="http://schemas.microsoft.com/office/drawing/2014/main" id="{99666B82-7E04-4F33-A7B6-D0AEA9EA1922}"/>
+              </a:ext>
+            </a:extLst>
+          </p:cNvPr>
+          <p:cNvSpPr txBox="1"/>
+          <p:nvPr/>
+        </p:nvSpPr>
+        <p:spPr>
+          <a:xfrm>
+            <a:off x="4663017" y="3810000"/>
+            <a:ext cx="2209800" cy="1200329"/>
+          </a:xfrm>
+          <a:prstGeom prst="rect">
+            <a:avLst/>
+          </a:prstGeom>
+          <a:noFill/>
+        </p:spPr>
+        <p:txBody>
+          <a:bodyPr wrap="square" rtlCol="0">
+            <a:spAutoFit/>
+          </a:bodyPr>
+          <a:lstStyle/>
+          <a:p>
+            <a:r>
+              <a:rPr lang="en-US" dirty="0">
+                <a:latin typeface="Courier New" panose="02070309020205020404" pitchFamily="49" charset="0"/>
+                <a:cs typeface="Courier New" panose="02070309020205020404" pitchFamily="49" charset="0"/>
+              </a:rPr>
+              <a:t>LDA      0.973</a:t>
+            </a:r>
+          </a:p>
+          <a:p>
+            <a:r>
+              <a:rPr lang="en-US" dirty="0">
+                <a:latin typeface="Courier New" panose="02070309020205020404" pitchFamily="49" charset="0"/>
+                <a:cs typeface="Courier New" panose="02070309020205020404" pitchFamily="49" charset="0"/>
+              </a:rPr>
+              <a:t>Tree     0.925</a:t>
+            </a:r>
+          </a:p>
+          <a:p>
+            <a:r>
+              <a:rPr lang="en-US" dirty="0">
+                <a:latin typeface="Courier New" panose="02070309020205020404" pitchFamily="49" charset="0"/>
+                <a:cs typeface="Courier New" panose="02070309020205020404" pitchFamily="49" charset="0"/>
+              </a:rPr>
+              <a:t>Forest   </a:t>
+            </a:r>
+            <a:r>
+              <a:rPr lang="en-US" b="1" dirty="0">
+                <a:solidFill>
+                  <a:schemeClr val="tx2"/>
+                </a:solidFill>
+                <a:latin typeface="Courier New" panose="02070309020205020404" pitchFamily="49" charset="0"/>
+                <a:cs typeface="Courier New" panose="02070309020205020404" pitchFamily="49" charset="0"/>
+              </a:rPr>
+              <a:t>0.981</a:t>
+            </a:r>
+          </a:p>
+          <a:p>
+            <a:r>
+              <a:rPr lang="en-US" dirty="0">
+                <a:latin typeface="Courier New" panose="02070309020205020404" pitchFamily="49" charset="0"/>
+                <a:cs typeface="Courier New" panose="02070309020205020404" pitchFamily="49" charset="0"/>
+              </a:rPr>
+              <a:t>SVM      0.962</a:t>
+            </a:r>
+          </a:p>
+        </p:txBody>
+      </p:sp>
+      <p:sp>
+        <p:nvSpPr>
+          <p:cNvPr id="8" name="TextBox 7">
+            <a:extLst>
+              <a:ext uri="{FF2B5EF4-FFF2-40B4-BE49-F238E27FC236}">
+                <a16:creationId xmlns:a16="http://schemas.microsoft.com/office/drawing/2014/main" id="{1F218906-295C-4F3B-9105-271DBADF4041}"/>
+              </a:ext>
+            </a:extLst>
+          </p:cNvPr>
+          <p:cNvSpPr txBox="1"/>
+          <p:nvPr/>
+        </p:nvSpPr>
+        <p:spPr>
+          <a:xfrm>
+            <a:off x="5265209" y="3429000"/>
+            <a:ext cx="1005417" cy="369332"/>
+          </a:xfrm>
+          <a:prstGeom prst="rect">
+            <a:avLst/>
+          </a:prstGeom>
+          <a:noFill/>
+        </p:spPr>
+        <p:txBody>
+          <a:bodyPr wrap="square" rtlCol="0">
+            <a:spAutoFit/>
+          </a:bodyPr>
+          <a:lstStyle/>
+          <a:p>
+            <a:pPr algn="ctr"/>
+            <a:r>
+              <a:rPr lang="en-US" b="1" dirty="0"/>
+              <a:t>AUC</a:t>
+            </a:r>
+          </a:p>
+        </p:txBody>
+      </p:sp>
     </p:spTree>
     <p:extLst>
       <p:ext uri="{BB962C8B-B14F-4D97-AF65-F5344CB8AC3E}">
@@ -34964,245 +35520,6 @@
 </file>
 
 <file path=ppt/slides/slide53.xml><?xml version="1.0" encoding="utf-8"?>
-<p:sld xmlns:a="http://schemas.openxmlformats.org/drawingml/2006/main" xmlns:r="http://schemas.openxmlformats.org/officeDocument/2006/relationships" xmlns:p="http://schemas.openxmlformats.org/presentationml/2006/main">
-  <p:cSld>
-    <p:spTree>
-      <p:nvGrpSpPr>
-        <p:cNvPr id="1" name=""/>
-        <p:cNvGrpSpPr/>
-        <p:nvPr/>
-      </p:nvGrpSpPr>
-      <p:grpSpPr>
-        <a:xfrm>
-          <a:off x="0" y="0"/>
-          <a:ext cx="0" cy="0"/>
-          <a:chOff x="0" y="0"/>
-          <a:chExt cx="0" cy="0"/>
-        </a:xfrm>
-      </p:grpSpPr>
-      <p:sp>
-        <p:nvSpPr>
-          <p:cNvPr id="2" name="Title 1">
-            <a:extLst>
-              <a:ext uri="{FF2B5EF4-FFF2-40B4-BE49-F238E27FC236}">
-                <a16:creationId xmlns:a16="http://schemas.microsoft.com/office/drawing/2014/main" id="{6D31B499-4019-41DA-98D5-E59D876EC239}"/>
-              </a:ext>
-            </a:extLst>
-          </p:cNvPr>
-          <p:cNvSpPr>
-            <a:spLocks noGrp="1"/>
-          </p:cNvSpPr>
-          <p:nvPr>
-            <p:ph type="title"/>
-          </p:nvPr>
-        </p:nvSpPr>
-        <p:spPr>
-          <a:xfrm>
-            <a:off x="1028700" y="685800"/>
-            <a:ext cx="7200900" cy="685800"/>
-          </a:xfrm>
-        </p:spPr>
-        <p:txBody>
-          <a:bodyPr>
-            <a:normAutofit fontScale="90000"/>
-          </a:bodyPr>
-          <a:lstStyle/>
-          <a:p>
-            <a:r>
-              <a:rPr lang="en-US" dirty="0"/>
-              <a:t>Decision Tree</a:t>
-            </a:r>
-          </a:p>
-        </p:txBody>
-      </p:sp>
-      <p:pic>
-        <p:nvPicPr>
-          <p:cNvPr id="10" name="Picture 9" descr="A screenshot of a cell phone&#10;&#10;Description automatically generated">
-            <a:extLst>
-              <a:ext uri="{FF2B5EF4-FFF2-40B4-BE49-F238E27FC236}">
-                <a16:creationId xmlns:a16="http://schemas.microsoft.com/office/drawing/2014/main" id="{DAE8C101-5AC4-4E72-9F21-F972CB5E644A}"/>
-              </a:ext>
-            </a:extLst>
-          </p:cNvPr>
-          <p:cNvPicPr>
-            <a:picLocks noChangeAspect="1"/>
-          </p:cNvPicPr>
-          <p:nvPr/>
-        </p:nvPicPr>
-        <p:blipFill rotWithShape="1">
-          <a:blip r:embed="rId2">
-            <a:clrChange>
-              <a:clrFrom>
-                <a:srgbClr val="FFFFFF"/>
-              </a:clrFrom>
-              <a:clrTo>
-                <a:srgbClr val="FFFFFF">
-                  <a:alpha val="0"/>
-                </a:srgbClr>
-              </a:clrTo>
-            </a:clrChange>
-            <a:extLst>
-              <a:ext uri="{28A0092B-C50C-407E-A947-70E740481C1C}">
-                <a14:useLocalDpi xmlns:a14="http://schemas.microsoft.com/office/drawing/2010/main" val="0"/>
-              </a:ext>
-            </a:extLst>
-          </a:blip>
-          <a:srcRect l="12667" t="28889" r="13555" b="30000"/>
-          <a:stretch/>
-        </p:blipFill>
-        <p:spPr>
-          <a:xfrm>
-            <a:off x="1214267" y="2133600"/>
-            <a:ext cx="7350211" cy="3276600"/>
-          </a:xfrm>
-          <a:prstGeom prst="rect">
-            <a:avLst/>
-          </a:prstGeom>
-        </p:spPr>
-      </p:pic>
-      <p:sp>
-        <p:nvSpPr>
-          <p:cNvPr id="11" name="TextBox 10">
-            <a:extLst>
-              <a:ext uri="{FF2B5EF4-FFF2-40B4-BE49-F238E27FC236}">
-                <a16:creationId xmlns:a16="http://schemas.microsoft.com/office/drawing/2014/main" id="{4ACD9757-A057-408B-B6A3-661C9CC56CB3}"/>
-              </a:ext>
-            </a:extLst>
-          </p:cNvPr>
-          <p:cNvSpPr txBox="1"/>
-          <p:nvPr/>
-        </p:nvSpPr>
-        <p:spPr>
-          <a:xfrm>
-            <a:off x="6799305" y="1563263"/>
-            <a:ext cx="1130428" cy="584775"/>
-          </a:xfrm>
-          <a:prstGeom prst="rect">
-            <a:avLst/>
-          </a:prstGeom>
-          <a:noFill/>
-        </p:spPr>
-        <p:txBody>
-          <a:bodyPr wrap="square" rtlCol="0">
-            <a:spAutoFit/>
-          </a:bodyPr>
-          <a:lstStyle/>
-          <a:p>
-            <a:r>
-              <a:rPr lang="en-US" sz="3200" dirty="0">
-                <a:solidFill>
-                  <a:srgbClr val="FF0000"/>
-                </a:solidFill>
-              </a:rPr>
-              <a:t>Yuck!</a:t>
-            </a:r>
-          </a:p>
-        </p:txBody>
-      </p:sp>
-    </p:spTree>
-    <p:extLst>
-      <p:ext uri="{BB962C8B-B14F-4D97-AF65-F5344CB8AC3E}">
-        <p14:creationId xmlns:p14="http://schemas.microsoft.com/office/powerpoint/2010/main" val="999606510"/>
-      </p:ext>
-    </p:extLst>
-  </p:cSld>
-  <p:clrMapOvr>
-    <a:masterClrMapping/>
-  </p:clrMapOvr>
-</p:sld>
-</file>
-
-<file path=ppt/slides/slide54.xml><?xml version="1.0" encoding="utf-8"?>
-<p:sld xmlns:a="http://schemas.openxmlformats.org/drawingml/2006/main" xmlns:r="http://schemas.openxmlformats.org/officeDocument/2006/relationships" xmlns:p="http://schemas.openxmlformats.org/presentationml/2006/main">
-  <p:cSld>
-    <p:spTree>
-      <p:nvGrpSpPr>
-        <p:cNvPr id="1" name=""/>
-        <p:cNvGrpSpPr/>
-        <p:nvPr/>
-      </p:nvGrpSpPr>
-      <p:grpSpPr>
-        <a:xfrm>
-          <a:off x="0" y="0"/>
-          <a:ext cx="0" cy="0"/>
-          <a:chOff x="0" y="0"/>
-          <a:chExt cx="0" cy="0"/>
-        </a:xfrm>
-      </p:grpSpPr>
-      <p:sp>
-        <p:nvSpPr>
-          <p:cNvPr id="2" name="Title 1">
-            <a:extLst>
-              <a:ext uri="{FF2B5EF4-FFF2-40B4-BE49-F238E27FC236}">
-                <a16:creationId xmlns:a16="http://schemas.microsoft.com/office/drawing/2014/main" id="{19A91372-FD2F-408B-A5EE-676C6D237E61}"/>
-              </a:ext>
-            </a:extLst>
-          </p:cNvPr>
-          <p:cNvSpPr>
-            <a:spLocks noGrp="1"/>
-          </p:cNvSpPr>
-          <p:nvPr>
-            <p:ph type="title"/>
-          </p:nvPr>
-        </p:nvSpPr>
-        <p:spPr/>
-        <p:txBody>
-          <a:bodyPr/>
-          <a:lstStyle/>
-          <a:p>
-            <a:r>
-              <a:rPr lang="en-US" dirty="0"/>
-              <a:t>Random Forest (importance)</a:t>
-            </a:r>
-          </a:p>
-        </p:txBody>
-      </p:sp>
-      <p:pic>
-        <p:nvPicPr>
-          <p:cNvPr id="4" name="Content Placeholder 3">
-            <a:extLst>
-              <a:ext uri="{FF2B5EF4-FFF2-40B4-BE49-F238E27FC236}">
-                <a16:creationId xmlns:a16="http://schemas.microsoft.com/office/drawing/2014/main" id="{F7B09E58-D92C-45A3-BE33-6092555FD456}"/>
-              </a:ext>
-            </a:extLst>
-          </p:cNvPr>
-          <p:cNvPicPr>
-            <a:picLocks noGrp="1" noChangeAspect="1"/>
-          </p:cNvPicPr>
-          <p:nvPr>
-            <p:ph idx="1"/>
-          </p:nvPr>
-        </p:nvPicPr>
-        <p:blipFill>
-          <a:blip r:embed="rId2"/>
-          <a:stretch>
-            <a:fillRect/>
-          </a:stretch>
-        </p:blipFill>
-        <p:spPr>
-          <a:xfrm>
-            <a:off x="590349" y="1627414"/>
-            <a:ext cx="8486775" cy="4849586"/>
-          </a:xfrm>
-          <a:prstGeom prst="rect">
-            <a:avLst/>
-          </a:prstGeom>
-        </p:spPr>
-      </p:pic>
-    </p:spTree>
-    <p:extLst>
-      <p:ext uri="{BB962C8B-B14F-4D97-AF65-F5344CB8AC3E}">
-        <p14:creationId xmlns:p14="http://schemas.microsoft.com/office/powerpoint/2010/main" val="1515809729"/>
-      </p:ext>
-    </p:extLst>
-  </p:cSld>
-  <p:clrMapOvr>
-    <a:masterClrMapping/>
-  </p:clrMapOvr>
-</p:sld>
-</file>
-
-<file path=ppt/slides/slide55.xml><?xml version="1.0" encoding="utf-8"?>
 <p:sld xmlns:a="http://schemas.openxmlformats.org/drawingml/2006/main" xmlns:r="http://schemas.openxmlformats.org/officeDocument/2006/relationships" xmlns:p="http://schemas.openxmlformats.org/presentationml/2006/main">
   <p:cSld>
     <p:spTree>
@@ -35249,10 +35566,10 @@
       </p:sp>
       <p:pic>
         <p:nvPicPr>
-          <p:cNvPr id="5" name="Picture 4">
+          <p:cNvPr id="3" name="Picture 2">
             <a:extLst>
               <a:ext uri="{FF2B5EF4-FFF2-40B4-BE49-F238E27FC236}">
-                <a16:creationId xmlns:a16="http://schemas.microsoft.com/office/drawing/2014/main" id="{0000F699-8FFA-4343-BEC1-014AB74CD93F}"/>
+                <a16:creationId xmlns:a16="http://schemas.microsoft.com/office/drawing/2014/main" id="{A5EF5A17-9EB6-490C-8183-751BA36E797E}"/>
               </a:ext>
             </a:extLst>
           </p:cNvPr>
@@ -35262,27 +35579,15 @@
           <p:nvPr/>
         </p:nvPicPr>
         <p:blipFill>
-          <a:blip r:embed="rId2">
-            <a:extLst>
-              <a:ext uri="{BEBA8EAE-BF5A-486C-A8C5-ECC9F3942E4B}">
-                <a14:imgProps xmlns:a14="http://schemas.microsoft.com/office/drawing/2010/main">
-                  <a14:imgLayer r:embed="rId3">
-                    <a14:imgEffect>
-                      <a14:saturation sat="400000"/>
-                    </a14:imgEffect>
-                  </a14:imgLayer>
-                </a14:imgProps>
-              </a:ext>
-            </a:extLst>
-          </a:blip>
+          <a:blip r:embed="rId2"/>
           <a:stretch>
             <a:fillRect/>
           </a:stretch>
         </p:blipFill>
         <p:spPr>
           <a:xfrm>
-            <a:off x="609600" y="1371600"/>
-            <a:ext cx="8458200" cy="2562507"/>
+            <a:off x="739577" y="1295400"/>
+            <a:ext cx="8210849" cy="2143464"/>
           </a:xfrm>
           <a:prstGeom prst="rect">
             <a:avLst/>
@@ -35291,10 +35596,10 @@
       </p:pic>
       <p:sp>
         <p:nvSpPr>
-          <p:cNvPr id="6" name="Rectangle 5">
+          <p:cNvPr id="10" name="Rectangle 9">
             <a:extLst>
               <a:ext uri="{FF2B5EF4-FFF2-40B4-BE49-F238E27FC236}">
-                <a16:creationId xmlns:a16="http://schemas.microsoft.com/office/drawing/2014/main" id="{0B5B5843-4EA4-469D-9D10-EAFD070A0D43}"/>
+                <a16:creationId xmlns:a16="http://schemas.microsoft.com/office/drawing/2014/main" id="{5FFBA80F-C4FC-42EA-A136-095866385D11}"/>
               </a:ext>
             </a:extLst>
           </p:cNvPr>
@@ -35303,8 +35608,8 @@
         </p:nvSpPr>
         <p:spPr>
           <a:xfrm>
-            <a:off x="7086600" y="3429001"/>
-            <a:ext cx="913197" cy="395148"/>
+            <a:off x="3962401" y="1447800"/>
+            <a:ext cx="1123348" cy="381000"/>
           </a:xfrm>
           <a:prstGeom prst="rect">
             <a:avLst/>
@@ -35345,10 +35650,10 @@
       </p:sp>
       <p:sp>
         <p:nvSpPr>
-          <p:cNvPr id="7" name="Rectangle 6">
+          <p:cNvPr id="12" name="Rectangle 11">
             <a:extLst>
               <a:ext uri="{FF2B5EF4-FFF2-40B4-BE49-F238E27FC236}">
-                <a16:creationId xmlns:a16="http://schemas.microsoft.com/office/drawing/2014/main" id="{5DB2B41F-F36E-4DFD-BA87-865DE4CE193B}"/>
+                <a16:creationId xmlns:a16="http://schemas.microsoft.com/office/drawing/2014/main" id="{48A84280-11D8-4EEE-8672-06F92523182C}"/>
               </a:ext>
             </a:extLst>
           </p:cNvPr>
@@ -35357,8 +35662,8 @@
         </p:nvSpPr>
         <p:spPr>
           <a:xfrm>
-            <a:off x="8077200" y="3429001"/>
-            <a:ext cx="913197" cy="395148"/>
+            <a:off x="2784762" y="1842655"/>
+            <a:ext cx="796638" cy="381000"/>
           </a:xfrm>
           <a:prstGeom prst="rect">
             <a:avLst/>
@@ -35399,10 +35704,10 @@
       </p:sp>
       <p:sp>
         <p:nvSpPr>
-          <p:cNvPr id="8" name="Rectangle 7">
+          <p:cNvPr id="13" name="Rectangle 12">
             <a:extLst>
               <a:ext uri="{FF2B5EF4-FFF2-40B4-BE49-F238E27FC236}">
-                <a16:creationId xmlns:a16="http://schemas.microsoft.com/office/drawing/2014/main" id="{EB7519C9-77C9-45D3-84E5-420E7521B7DB}"/>
+                <a16:creationId xmlns:a16="http://schemas.microsoft.com/office/drawing/2014/main" id="{91095A70-EB6D-44EE-A909-6C45C61494C4}"/>
               </a:ext>
             </a:extLst>
           </p:cNvPr>
@@ -35411,8 +35716,8 @@
         </p:nvSpPr>
         <p:spPr>
           <a:xfrm>
-            <a:off x="8009422" y="2572351"/>
-            <a:ext cx="913197" cy="395148"/>
+            <a:off x="4439254" y="1811481"/>
+            <a:ext cx="796638" cy="381000"/>
           </a:xfrm>
           <a:prstGeom prst="rect">
             <a:avLst/>
@@ -35453,10 +35758,10 @@
       </p:sp>
       <p:sp>
         <p:nvSpPr>
-          <p:cNvPr id="9" name="Rectangle 8">
+          <p:cNvPr id="14" name="Rectangle 13">
             <a:extLst>
               <a:ext uri="{FF2B5EF4-FFF2-40B4-BE49-F238E27FC236}">
-                <a16:creationId xmlns:a16="http://schemas.microsoft.com/office/drawing/2014/main" id="{7E3F4E9A-DA4E-42D5-9354-55CD7D484F0C}"/>
+                <a16:creationId xmlns:a16="http://schemas.microsoft.com/office/drawing/2014/main" id="{89D16702-05A0-414D-9F2F-257847E9A278}"/>
               </a:ext>
             </a:extLst>
           </p:cNvPr>
@@ -35465,8 +35770,1492 @@
         </p:nvSpPr>
         <p:spPr>
           <a:xfrm>
-            <a:off x="1028700" y="2585478"/>
-            <a:ext cx="913197" cy="395148"/>
+            <a:off x="3810000" y="2566553"/>
+            <a:ext cx="867039" cy="381000"/>
+          </a:xfrm>
+          <a:prstGeom prst="rect">
+            <a:avLst/>
+          </a:prstGeom>
+          <a:solidFill>
+            <a:srgbClr val="FFFF00">
+              <a:alpha val="25098"/>
+            </a:srgbClr>
+          </a:solidFill>
+          <a:ln>
+            <a:noFill/>
+          </a:ln>
+        </p:spPr>
+        <p:style>
+          <a:lnRef idx="2">
+            <a:schemeClr val="accent1">
+              <a:shade val="50000"/>
+            </a:schemeClr>
+          </a:lnRef>
+          <a:fillRef idx="1">
+            <a:schemeClr val="accent1"/>
+          </a:fillRef>
+          <a:effectRef idx="0">
+            <a:schemeClr val="accent1"/>
+          </a:effectRef>
+          <a:fontRef idx="minor">
+            <a:schemeClr val="lt1"/>
+          </a:fontRef>
+        </p:style>
+        <p:txBody>
+          <a:bodyPr rtlCol="0" anchor="ctr"/>
+          <a:lstStyle/>
+          <a:p>
+            <a:pPr algn="ctr"/>
+            <a:endParaRPr lang="en-US"/>
+          </a:p>
+        </p:txBody>
+      </p:sp>
+      <p:sp>
+        <p:nvSpPr>
+          <p:cNvPr id="15" name="Rectangle 14">
+            <a:extLst>
+              <a:ext uri="{FF2B5EF4-FFF2-40B4-BE49-F238E27FC236}">
+                <a16:creationId xmlns:a16="http://schemas.microsoft.com/office/drawing/2014/main" id="{F618E995-8E54-456E-B496-8CECEBB5E793}"/>
+              </a:ext>
+            </a:extLst>
+          </p:cNvPr>
+          <p:cNvSpPr/>
+          <p:nvPr/>
+        </p:nvSpPr>
+        <p:spPr>
+          <a:xfrm>
+            <a:off x="2912916" y="2606123"/>
+            <a:ext cx="867039" cy="381000"/>
+          </a:xfrm>
+          <a:prstGeom prst="rect">
+            <a:avLst/>
+          </a:prstGeom>
+          <a:solidFill>
+            <a:srgbClr val="FFFF00">
+              <a:alpha val="25098"/>
+            </a:srgbClr>
+          </a:solidFill>
+          <a:ln>
+            <a:noFill/>
+          </a:ln>
+        </p:spPr>
+        <p:style>
+          <a:lnRef idx="2">
+            <a:schemeClr val="accent1">
+              <a:shade val="50000"/>
+            </a:schemeClr>
+          </a:lnRef>
+          <a:fillRef idx="1">
+            <a:schemeClr val="accent1"/>
+          </a:fillRef>
+          <a:effectRef idx="0">
+            <a:schemeClr val="accent1"/>
+          </a:effectRef>
+          <a:fontRef idx="minor">
+            <a:schemeClr val="lt1"/>
+          </a:fontRef>
+        </p:style>
+        <p:txBody>
+          <a:bodyPr rtlCol="0" anchor="ctr"/>
+          <a:lstStyle/>
+          <a:p>
+            <a:pPr algn="ctr"/>
+            <a:endParaRPr lang="en-US"/>
+          </a:p>
+        </p:txBody>
+      </p:sp>
+      <p:pic>
+        <p:nvPicPr>
+          <p:cNvPr id="16" name="Picture 15" descr="A close up of a map&#10;&#10;Description automatically generated">
+            <a:extLst>
+              <a:ext uri="{FF2B5EF4-FFF2-40B4-BE49-F238E27FC236}">
+                <a16:creationId xmlns:a16="http://schemas.microsoft.com/office/drawing/2014/main" id="{3913FB2D-5C45-4F3F-A9D7-E0A2B467117F}"/>
+              </a:ext>
+            </a:extLst>
+          </p:cNvPr>
+          <p:cNvPicPr>
+            <a:picLocks noChangeAspect="1"/>
+          </p:cNvPicPr>
+          <p:nvPr/>
+        </p:nvPicPr>
+        <p:blipFill rotWithShape="1">
+          <a:blip r:embed="rId3">
+            <a:extLst>
+              <a:ext uri="{28A0092B-C50C-407E-A947-70E740481C1C}">
+                <a14:useLocalDpi xmlns:a14="http://schemas.microsoft.com/office/drawing/2010/main" val="0"/>
+              </a:ext>
+            </a:extLst>
+          </a:blip>
+          <a:srcRect l="45833" t="10000" r="24167" b="55000"/>
+          <a:stretch/>
+        </p:blipFill>
+        <p:spPr>
+          <a:xfrm>
+            <a:off x="704418" y="4216480"/>
+            <a:ext cx="4160688" cy="2427068"/>
+          </a:xfrm>
+          <a:prstGeom prst="rect">
+            <a:avLst/>
+          </a:prstGeom>
+          <a:ln>
+            <a:noFill/>
+          </a:ln>
+          <a:effectLst>
+            <a:softEdge rad="112500"/>
+          </a:effectLst>
+        </p:spPr>
+      </p:pic>
+      <p:graphicFrame>
+        <p:nvGraphicFramePr>
+          <p:cNvPr id="23" name="Table 22">
+            <a:extLst>
+              <a:ext uri="{FF2B5EF4-FFF2-40B4-BE49-F238E27FC236}">
+                <a16:creationId xmlns:a16="http://schemas.microsoft.com/office/drawing/2014/main" id="{3758651D-6202-4A64-A939-8F4E186E8129}"/>
+              </a:ext>
+            </a:extLst>
+          </p:cNvPr>
+          <p:cNvGraphicFramePr>
+            <a:graphicFrameLocks noGrp="1"/>
+          </p:cNvGraphicFramePr>
+          <p:nvPr>
+            <p:extLst>
+              <p:ext uri="{D42A27DB-BD31-4B8C-83A1-F6EECF244321}">
+                <p14:modId xmlns:p14="http://schemas.microsoft.com/office/powerpoint/2010/main" val="2561760862"/>
+              </p:ext>
+            </p:extLst>
+          </p:nvPr>
+        </p:nvGraphicFramePr>
+        <p:xfrm>
+          <a:off x="6477000" y="4305300"/>
+          <a:ext cx="2190115" cy="1866900"/>
+        </p:xfrm>
+        <a:graphic>
+          <a:graphicData uri="http://schemas.openxmlformats.org/drawingml/2006/table">
+            <a:tbl>
+              <a:tblPr/>
+              <a:tblGrid>
+                <a:gridCol w="219075">
+                  <a:extLst>
+                    <a:ext uri="{9D8B030D-6E8A-4147-A177-3AD203B41FA5}">
+                      <a16:colId xmlns:a16="http://schemas.microsoft.com/office/drawing/2014/main" val="1242830739"/>
+                    </a:ext>
+                  </a:extLst>
+                </a:gridCol>
+                <a:gridCol w="985520">
+                  <a:extLst>
+                    <a:ext uri="{9D8B030D-6E8A-4147-A177-3AD203B41FA5}">
+                      <a16:colId xmlns:a16="http://schemas.microsoft.com/office/drawing/2014/main" val="908526187"/>
+                    </a:ext>
+                  </a:extLst>
+                </a:gridCol>
+                <a:gridCol w="985520">
+                  <a:extLst>
+                    <a:ext uri="{9D8B030D-6E8A-4147-A177-3AD203B41FA5}">
+                      <a16:colId xmlns:a16="http://schemas.microsoft.com/office/drawing/2014/main" val="1987335944"/>
+                    </a:ext>
+                  </a:extLst>
+                </a:gridCol>
+              </a:tblGrid>
+              <a:tr h="175260">
+                <a:tc>
+                  <a:txBody>
+                    <a:bodyPr/>
+                    <a:lstStyle/>
+                    <a:p>
+                      <a:pPr algn="r"/>
+                      <a:r>
+                        <a:rPr lang="en-US" b="1">
+                          <a:solidFill>
+                            <a:srgbClr val="000000"/>
+                          </a:solidFill>
+                          <a:effectLst/>
+                        </a:rPr>
+                        <a:t>1</a:t>
+                      </a:r>
+                    </a:p>
+                  </a:txBody>
+                  <a:tcPr marL="38100" marR="38100" marT="30480" marB="30480" anchor="ctr">
+                    <a:lnL>
+                      <a:noFill/>
+                    </a:lnL>
+                    <a:lnR w="7620" cap="flat" cmpd="sng" algn="ctr">
+                      <a:solidFill>
+                        <a:srgbClr val="D6DADC"/>
+                      </a:solidFill>
+                      <a:prstDash val="solid"/>
+                      <a:round/>
+                      <a:headEnd type="none" w="med" len="med"/>
+                      <a:tailEnd type="none" w="med" len="med"/>
+                    </a:lnR>
+                    <a:lnT>
+                      <a:noFill/>
+                    </a:lnT>
+                    <a:lnB w="7620" cap="flat" cmpd="sng" algn="ctr">
+                      <a:solidFill>
+                        <a:srgbClr val="D6DADC"/>
+                      </a:solidFill>
+                      <a:prstDash val="solid"/>
+                      <a:round/>
+                      <a:headEnd type="none" w="med" len="med"/>
+                      <a:tailEnd type="none" w="med" len="med"/>
+                    </a:lnB>
+                    <a:solidFill>
+                      <a:srgbClr val="F4F8F9"/>
+                    </a:solidFill>
+                  </a:tcPr>
+                </a:tc>
+                <a:tc>
+                  <a:txBody>
+                    <a:bodyPr/>
+                    <a:lstStyle/>
+                    <a:p>
+                      <a:r>
+                        <a:rPr lang="en-US">
+                          <a:effectLst/>
+                        </a:rPr>
+                        <a:t>Monday</a:t>
+                      </a:r>
+                    </a:p>
+                  </a:txBody>
+                  <a:tcPr marL="38100" marR="38100" marT="30480" marB="30480" anchor="ctr">
+                    <a:lnL w="7620" cap="flat" cmpd="sng" algn="ctr">
+                      <a:solidFill>
+                        <a:srgbClr val="D6DADC"/>
+                      </a:solidFill>
+                      <a:prstDash val="solid"/>
+                      <a:round/>
+                      <a:headEnd type="none" w="med" len="med"/>
+                      <a:tailEnd type="none" w="med" len="med"/>
+                    </a:lnL>
+                    <a:lnR w="7620" cap="flat" cmpd="sng" algn="ctr">
+                      <a:solidFill>
+                        <a:srgbClr val="D6DADC"/>
+                      </a:solidFill>
+                      <a:prstDash val="solid"/>
+                      <a:round/>
+                      <a:headEnd type="none" w="med" len="med"/>
+                      <a:tailEnd type="none" w="med" len="med"/>
+                    </a:lnR>
+                    <a:lnT>
+                      <a:noFill/>
+                    </a:lnT>
+                    <a:lnB w="7620" cap="flat" cmpd="sng" algn="ctr">
+                      <a:solidFill>
+                        <a:srgbClr val="D6DADC"/>
+                      </a:solidFill>
+                      <a:prstDash val="solid"/>
+                      <a:round/>
+                      <a:headEnd type="none" w="med" len="med"/>
+                      <a:tailEnd type="none" w="med" len="med"/>
+                    </a:lnB>
+                    <a:solidFill>
+                      <a:srgbClr val="FFFFFF"/>
+                    </a:solidFill>
+                  </a:tcPr>
+                </a:tc>
+                <a:tc>
+                  <a:txBody>
+                    <a:bodyPr/>
+                    <a:lstStyle/>
+                    <a:p>
+                      <a:r>
+                        <a:rPr lang="en-US">
+                          <a:effectLst/>
+                        </a:rPr>
+                        <a:t>10954</a:t>
+                      </a:r>
+                    </a:p>
+                  </a:txBody>
+                  <a:tcPr marL="38100" marR="38100" marT="30480" marB="30480" anchor="ctr">
+                    <a:lnL w="7620" cap="flat" cmpd="sng" algn="ctr">
+                      <a:solidFill>
+                        <a:srgbClr val="D6DADC"/>
+                      </a:solidFill>
+                      <a:prstDash val="solid"/>
+                      <a:round/>
+                      <a:headEnd type="none" w="med" len="med"/>
+                      <a:tailEnd type="none" w="med" len="med"/>
+                    </a:lnL>
+                    <a:lnR w="7620" cap="flat" cmpd="sng" algn="ctr">
+                      <a:solidFill>
+                        <a:srgbClr val="D6DADC"/>
+                      </a:solidFill>
+                      <a:prstDash val="solid"/>
+                      <a:round/>
+                      <a:headEnd type="none" w="med" len="med"/>
+                      <a:tailEnd type="none" w="med" len="med"/>
+                    </a:lnR>
+                    <a:lnT>
+                      <a:noFill/>
+                    </a:lnT>
+                    <a:lnB w="7620" cap="flat" cmpd="sng" algn="ctr">
+                      <a:solidFill>
+                        <a:srgbClr val="D6DADC"/>
+                      </a:solidFill>
+                      <a:prstDash val="solid"/>
+                      <a:round/>
+                      <a:headEnd type="none" w="med" len="med"/>
+                      <a:tailEnd type="none" w="med" len="med"/>
+                    </a:lnB>
+                    <a:solidFill>
+                      <a:srgbClr val="FFFFFF"/>
+                    </a:solidFill>
+                  </a:tcPr>
+                </a:tc>
+                <a:extLst>
+                  <a:ext uri="{0D108BD9-81ED-4DB2-BD59-A6C34878D82A}">
+                    <a16:rowId xmlns:a16="http://schemas.microsoft.com/office/drawing/2014/main" val="1693948448"/>
+                  </a:ext>
+                </a:extLst>
+              </a:tr>
+              <a:tr h="175260">
+                <a:tc>
+                  <a:txBody>
+                    <a:bodyPr/>
+                    <a:lstStyle/>
+                    <a:p>
+                      <a:pPr algn="r"/>
+                      <a:r>
+                        <a:rPr lang="en-US" b="1">
+                          <a:solidFill>
+                            <a:srgbClr val="000000"/>
+                          </a:solidFill>
+                          <a:effectLst/>
+                        </a:rPr>
+                        <a:t>2</a:t>
+                      </a:r>
+                    </a:p>
+                  </a:txBody>
+                  <a:tcPr marL="38100" marR="38100" marT="30480" marB="30480" anchor="ctr">
+                    <a:lnL>
+                      <a:noFill/>
+                    </a:lnL>
+                    <a:lnR w="7620" cap="flat" cmpd="sng" algn="ctr">
+                      <a:solidFill>
+                        <a:srgbClr val="D6DADC"/>
+                      </a:solidFill>
+                      <a:prstDash val="solid"/>
+                      <a:round/>
+                      <a:headEnd type="none" w="med" len="med"/>
+                      <a:tailEnd type="none" w="med" len="med"/>
+                    </a:lnR>
+                    <a:lnT w="7620" cap="flat" cmpd="sng" algn="ctr">
+                      <a:solidFill>
+                        <a:srgbClr val="D6DADC"/>
+                      </a:solidFill>
+                      <a:prstDash val="solid"/>
+                      <a:round/>
+                      <a:headEnd type="none" w="med" len="med"/>
+                      <a:tailEnd type="none" w="med" len="med"/>
+                    </a:lnT>
+                    <a:lnB w="7620" cap="flat" cmpd="sng" algn="ctr">
+                      <a:solidFill>
+                        <a:srgbClr val="D6DADC"/>
+                      </a:solidFill>
+                      <a:prstDash val="solid"/>
+                      <a:round/>
+                      <a:headEnd type="none" w="med" len="med"/>
+                      <a:tailEnd type="none" w="med" len="med"/>
+                    </a:lnB>
+                    <a:solidFill>
+                      <a:srgbClr val="F4F8F9"/>
+                    </a:solidFill>
+                  </a:tcPr>
+                </a:tc>
+                <a:tc>
+                  <a:txBody>
+                    <a:bodyPr/>
+                    <a:lstStyle/>
+                    <a:p>
+                      <a:r>
+                        <a:rPr lang="en-US">
+                          <a:effectLst/>
+                        </a:rPr>
+                        <a:t>Tuesday</a:t>
+                      </a:r>
+                    </a:p>
+                  </a:txBody>
+                  <a:tcPr marL="38100" marR="38100" marT="30480" marB="30480" anchor="ctr">
+                    <a:lnL w="7620" cap="flat" cmpd="sng" algn="ctr">
+                      <a:solidFill>
+                        <a:srgbClr val="D6DADC"/>
+                      </a:solidFill>
+                      <a:prstDash val="solid"/>
+                      <a:round/>
+                      <a:headEnd type="none" w="med" len="med"/>
+                      <a:tailEnd type="none" w="med" len="med"/>
+                    </a:lnL>
+                    <a:lnR w="7620" cap="flat" cmpd="sng" algn="ctr">
+                      <a:solidFill>
+                        <a:srgbClr val="D6DADC"/>
+                      </a:solidFill>
+                      <a:prstDash val="solid"/>
+                      <a:round/>
+                      <a:headEnd type="none" w="med" len="med"/>
+                      <a:tailEnd type="none" w="med" len="med"/>
+                    </a:lnR>
+                    <a:lnT w="7620" cap="flat" cmpd="sng" algn="ctr">
+                      <a:solidFill>
+                        <a:srgbClr val="D6DADC"/>
+                      </a:solidFill>
+                      <a:prstDash val="solid"/>
+                      <a:round/>
+                      <a:headEnd type="none" w="med" len="med"/>
+                      <a:tailEnd type="none" w="med" len="med"/>
+                    </a:lnT>
+                    <a:lnB w="7620" cap="flat" cmpd="sng" algn="ctr">
+                      <a:solidFill>
+                        <a:srgbClr val="D6DADC"/>
+                      </a:solidFill>
+                      <a:prstDash val="solid"/>
+                      <a:round/>
+                      <a:headEnd type="none" w="med" len="med"/>
+                      <a:tailEnd type="none" w="med" len="med"/>
+                    </a:lnB>
+                    <a:solidFill>
+                      <a:srgbClr val="FFFFFF"/>
+                    </a:solidFill>
+                  </a:tcPr>
+                </a:tc>
+                <a:tc>
+                  <a:txBody>
+                    <a:bodyPr/>
+                    <a:lstStyle/>
+                    <a:p>
+                      <a:r>
+                        <a:rPr lang="en-US">
+                          <a:effectLst/>
+                        </a:rPr>
+                        <a:t>13226</a:t>
+                      </a:r>
+                    </a:p>
+                  </a:txBody>
+                  <a:tcPr marL="38100" marR="38100" marT="30480" marB="30480" anchor="ctr">
+                    <a:lnL w="7620" cap="flat" cmpd="sng" algn="ctr">
+                      <a:solidFill>
+                        <a:srgbClr val="D6DADC"/>
+                      </a:solidFill>
+                      <a:prstDash val="solid"/>
+                      <a:round/>
+                      <a:headEnd type="none" w="med" len="med"/>
+                      <a:tailEnd type="none" w="med" len="med"/>
+                    </a:lnL>
+                    <a:lnR w="7620" cap="flat" cmpd="sng" algn="ctr">
+                      <a:solidFill>
+                        <a:srgbClr val="D6DADC"/>
+                      </a:solidFill>
+                      <a:prstDash val="solid"/>
+                      <a:round/>
+                      <a:headEnd type="none" w="med" len="med"/>
+                      <a:tailEnd type="none" w="med" len="med"/>
+                    </a:lnR>
+                    <a:lnT w="7620" cap="flat" cmpd="sng" algn="ctr">
+                      <a:solidFill>
+                        <a:srgbClr val="D6DADC"/>
+                      </a:solidFill>
+                      <a:prstDash val="solid"/>
+                      <a:round/>
+                      <a:headEnd type="none" w="med" len="med"/>
+                      <a:tailEnd type="none" w="med" len="med"/>
+                    </a:lnT>
+                    <a:lnB w="7620" cap="flat" cmpd="sng" algn="ctr">
+                      <a:solidFill>
+                        <a:srgbClr val="D6DADC"/>
+                      </a:solidFill>
+                      <a:prstDash val="solid"/>
+                      <a:round/>
+                      <a:headEnd type="none" w="med" len="med"/>
+                      <a:tailEnd type="none" w="med" len="med"/>
+                    </a:lnB>
+                    <a:solidFill>
+                      <a:srgbClr val="FFFFFF"/>
+                    </a:solidFill>
+                  </a:tcPr>
+                </a:tc>
+                <a:extLst>
+                  <a:ext uri="{0D108BD9-81ED-4DB2-BD59-A6C34878D82A}">
+                    <a16:rowId xmlns:a16="http://schemas.microsoft.com/office/drawing/2014/main" val="3138565691"/>
+                  </a:ext>
+                </a:extLst>
+              </a:tr>
+              <a:tr h="175260">
+                <a:tc>
+                  <a:txBody>
+                    <a:bodyPr/>
+                    <a:lstStyle/>
+                    <a:p>
+                      <a:pPr algn="r"/>
+                      <a:r>
+                        <a:rPr lang="en-US" b="1">
+                          <a:solidFill>
+                            <a:srgbClr val="000000"/>
+                          </a:solidFill>
+                          <a:effectLst/>
+                        </a:rPr>
+                        <a:t>3</a:t>
+                      </a:r>
+                    </a:p>
+                  </a:txBody>
+                  <a:tcPr marL="38100" marR="38100" marT="30480" marB="30480" anchor="ctr">
+                    <a:lnL>
+                      <a:noFill/>
+                    </a:lnL>
+                    <a:lnR w="7620" cap="flat" cmpd="sng" algn="ctr">
+                      <a:solidFill>
+                        <a:srgbClr val="D6DADC"/>
+                      </a:solidFill>
+                      <a:prstDash val="solid"/>
+                      <a:round/>
+                      <a:headEnd type="none" w="med" len="med"/>
+                      <a:tailEnd type="none" w="med" len="med"/>
+                    </a:lnR>
+                    <a:lnT w="7620" cap="flat" cmpd="sng" algn="ctr">
+                      <a:solidFill>
+                        <a:srgbClr val="D6DADC"/>
+                      </a:solidFill>
+                      <a:prstDash val="solid"/>
+                      <a:round/>
+                      <a:headEnd type="none" w="med" len="med"/>
+                      <a:tailEnd type="none" w="med" len="med"/>
+                    </a:lnT>
+                    <a:lnB w="7620" cap="flat" cmpd="sng" algn="ctr">
+                      <a:solidFill>
+                        <a:srgbClr val="D6DADC"/>
+                      </a:solidFill>
+                      <a:prstDash val="solid"/>
+                      <a:round/>
+                      <a:headEnd type="none" w="med" len="med"/>
+                      <a:tailEnd type="none" w="med" len="med"/>
+                    </a:lnB>
+                    <a:solidFill>
+                      <a:srgbClr val="F4F8F9"/>
+                    </a:solidFill>
+                  </a:tcPr>
+                </a:tc>
+                <a:tc>
+                  <a:txBody>
+                    <a:bodyPr/>
+                    <a:lstStyle/>
+                    <a:p>
+                      <a:r>
+                        <a:rPr lang="en-US">
+                          <a:effectLst/>
+                        </a:rPr>
+                        <a:t>Wednesday</a:t>
+                      </a:r>
+                    </a:p>
+                  </a:txBody>
+                  <a:tcPr marL="38100" marR="38100" marT="30480" marB="30480" anchor="ctr">
+                    <a:lnL w="7620" cap="flat" cmpd="sng" algn="ctr">
+                      <a:solidFill>
+                        <a:srgbClr val="D6DADC"/>
+                      </a:solidFill>
+                      <a:prstDash val="solid"/>
+                      <a:round/>
+                      <a:headEnd type="none" w="med" len="med"/>
+                      <a:tailEnd type="none" w="med" len="med"/>
+                    </a:lnL>
+                    <a:lnR w="7620" cap="flat" cmpd="sng" algn="ctr">
+                      <a:solidFill>
+                        <a:srgbClr val="D6DADC"/>
+                      </a:solidFill>
+                      <a:prstDash val="solid"/>
+                      <a:round/>
+                      <a:headEnd type="none" w="med" len="med"/>
+                      <a:tailEnd type="none" w="med" len="med"/>
+                    </a:lnR>
+                    <a:lnT w="7620" cap="flat" cmpd="sng" algn="ctr">
+                      <a:solidFill>
+                        <a:srgbClr val="D6DADC"/>
+                      </a:solidFill>
+                      <a:prstDash val="solid"/>
+                      <a:round/>
+                      <a:headEnd type="none" w="med" len="med"/>
+                      <a:tailEnd type="none" w="med" len="med"/>
+                    </a:lnT>
+                    <a:lnB w="7620" cap="flat" cmpd="sng" algn="ctr">
+                      <a:solidFill>
+                        <a:srgbClr val="D6DADC"/>
+                      </a:solidFill>
+                      <a:prstDash val="solid"/>
+                      <a:round/>
+                      <a:headEnd type="none" w="med" len="med"/>
+                      <a:tailEnd type="none" w="med" len="med"/>
+                    </a:lnB>
+                    <a:solidFill>
+                      <a:srgbClr val="FFFFFF"/>
+                    </a:solidFill>
+                  </a:tcPr>
+                </a:tc>
+                <a:tc>
+                  <a:txBody>
+                    <a:bodyPr/>
+                    <a:lstStyle/>
+                    <a:p>
+                      <a:r>
+                        <a:rPr lang="en-US">
+                          <a:effectLst/>
+                        </a:rPr>
+                        <a:t>11925</a:t>
+                      </a:r>
+                    </a:p>
+                  </a:txBody>
+                  <a:tcPr marL="38100" marR="38100" marT="30480" marB="30480" anchor="ctr">
+                    <a:lnL w="7620" cap="flat" cmpd="sng" algn="ctr">
+                      <a:solidFill>
+                        <a:srgbClr val="D6DADC"/>
+                      </a:solidFill>
+                      <a:prstDash val="solid"/>
+                      <a:round/>
+                      <a:headEnd type="none" w="med" len="med"/>
+                      <a:tailEnd type="none" w="med" len="med"/>
+                    </a:lnL>
+                    <a:lnR w="7620" cap="flat" cmpd="sng" algn="ctr">
+                      <a:solidFill>
+                        <a:srgbClr val="D6DADC"/>
+                      </a:solidFill>
+                      <a:prstDash val="solid"/>
+                      <a:round/>
+                      <a:headEnd type="none" w="med" len="med"/>
+                      <a:tailEnd type="none" w="med" len="med"/>
+                    </a:lnR>
+                    <a:lnT w="7620" cap="flat" cmpd="sng" algn="ctr">
+                      <a:solidFill>
+                        <a:srgbClr val="D6DADC"/>
+                      </a:solidFill>
+                      <a:prstDash val="solid"/>
+                      <a:round/>
+                      <a:headEnd type="none" w="med" len="med"/>
+                      <a:tailEnd type="none" w="med" len="med"/>
+                    </a:lnT>
+                    <a:lnB w="7620" cap="flat" cmpd="sng" algn="ctr">
+                      <a:solidFill>
+                        <a:srgbClr val="D6DADC"/>
+                      </a:solidFill>
+                      <a:prstDash val="solid"/>
+                      <a:round/>
+                      <a:headEnd type="none" w="med" len="med"/>
+                      <a:tailEnd type="none" w="med" len="med"/>
+                    </a:lnB>
+                    <a:solidFill>
+                      <a:srgbClr val="FFFFFF"/>
+                    </a:solidFill>
+                  </a:tcPr>
+                </a:tc>
+                <a:extLst>
+                  <a:ext uri="{0D108BD9-81ED-4DB2-BD59-A6C34878D82A}">
+                    <a16:rowId xmlns:a16="http://schemas.microsoft.com/office/drawing/2014/main" val="855040563"/>
+                  </a:ext>
+                </a:extLst>
+              </a:tr>
+              <a:tr h="175260">
+                <a:tc>
+                  <a:txBody>
+                    <a:bodyPr/>
+                    <a:lstStyle/>
+                    <a:p>
+                      <a:pPr algn="r"/>
+                      <a:r>
+                        <a:rPr lang="en-US" b="1">
+                          <a:solidFill>
+                            <a:srgbClr val="000000"/>
+                          </a:solidFill>
+                          <a:effectLst/>
+                        </a:rPr>
+                        <a:t>4</a:t>
+                      </a:r>
+                    </a:p>
+                  </a:txBody>
+                  <a:tcPr marL="38100" marR="38100" marT="30480" marB="30480" anchor="ctr">
+                    <a:lnL>
+                      <a:noFill/>
+                    </a:lnL>
+                    <a:lnR w="7620" cap="flat" cmpd="sng" algn="ctr">
+                      <a:solidFill>
+                        <a:srgbClr val="D6DADC"/>
+                      </a:solidFill>
+                      <a:prstDash val="solid"/>
+                      <a:round/>
+                      <a:headEnd type="none" w="med" len="med"/>
+                      <a:tailEnd type="none" w="med" len="med"/>
+                    </a:lnR>
+                    <a:lnT w="7620" cap="flat" cmpd="sng" algn="ctr">
+                      <a:solidFill>
+                        <a:srgbClr val="D6DADC"/>
+                      </a:solidFill>
+                      <a:prstDash val="solid"/>
+                      <a:round/>
+                      <a:headEnd type="none" w="med" len="med"/>
+                      <a:tailEnd type="none" w="med" len="med"/>
+                    </a:lnT>
+                    <a:lnB w="7620" cap="flat" cmpd="sng" algn="ctr">
+                      <a:solidFill>
+                        <a:srgbClr val="D6DADC"/>
+                      </a:solidFill>
+                      <a:prstDash val="solid"/>
+                      <a:round/>
+                      <a:headEnd type="none" w="med" len="med"/>
+                      <a:tailEnd type="none" w="med" len="med"/>
+                    </a:lnB>
+                    <a:solidFill>
+                      <a:srgbClr val="F4F8F9"/>
+                    </a:solidFill>
+                  </a:tcPr>
+                </a:tc>
+                <a:tc>
+                  <a:txBody>
+                    <a:bodyPr/>
+                    <a:lstStyle/>
+                    <a:p>
+                      <a:r>
+                        <a:rPr lang="en-US">
+                          <a:effectLst/>
+                        </a:rPr>
+                        <a:t>Thursday</a:t>
+                      </a:r>
+                    </a:p>
+                  </a:txBody>
+                  <a:tcPr marL="38100" marR="38100" marT="30480" marB="30480" anchor="ctr">
+                    <a:lnL w="7620" cap="flat" cmpd="sng" algn="ctr">
+                      <a:solidFill>
+                        <a:srgbClr val="D6DADC"/>
+                      </a:solidFill>
+                      <a:prstDash val="solid"/>
+                      <a:round/>
+                      <a:headEnd type="none" w="med" len="med"/>
+                      <a:tailEnd type="none" w="med" len="med"/>
+                    </a:lnL>
+                    <a:lnR w="7620" cap="flat" cmpd="sng" algn="ctr">
+                      <a:solidFill>
+                        <a:srgbClr val="D6DADC"/>
+                      </a:solidFill>
+                      <a:prstDash val="solid"/>
+                      <a:round/>
+                      <a:headEnd type="none" w="med" len="med"/>
+                      <a:tailEnd type="none" w="med" len="med"/>
+                    </a:lnR>
+                    <a:lnT w="7620" cap="flat" cmpd="sng" algn="ctr">
+                      <a:solidFill>
+                        <a:srgbClr val="D6DADC"/>
+                      </a:solidFill>
+                      <a:prstDash val="solid"/>
+                      <a:round/>
+                      <a:headEnd type="none" w="med" len="med"/>
+                      <a:tailEnd type="none" w="med" len="med"/>
+                    </a:lnT>
+                    <a:lnB w="7620" cap="flat" cmpd="sng" algn="ctr">
+                      <a:solidFill>
+                        <a:srgbClr val="D6DADC"/>
+                      </a:solidFill>
+                      <a:prstDash val="solid"/>
+                      <a:round/>
+                      <a:headEnd type="none" w="med" len="med"/>
+                      <a:tailEnd type="none" w="med" len="med"/>
+                    </a:lnB>
+                    <a:solidFill>
+                      <a:srgbClr val="FFFFFF"/>
+                    </a:solidFill>
+                  </a:tcPr>
+                </a:tc>
+                <a:tc>
+                  <a:txBody>
+                    <a:bodyPr/>
+                    <a:lstStyle/>
+                    <a:p>
+                      <a:r>
+                        <a:rPr lang="en-US">
+                          <a:effectLst/>
+                        </a:rPr>
+                        <a:t>12672</a:t>
+                      </a:r>
+                    </a:p>
+                  </a:txBody>
+                  <a:tcPr marL="38100" marR="38100" marT="30480" marB="30480" anchor="ctr">
+                    <a:lnL w="7620" cap="flat" cmpd="sng" algn="ctr">
+                      <a:solidFill>
+                        <a:srgbClr val="D6DADC"/>
+                      </a:solidFill>
+                      <a:prstDash val="solid"/>
+                      <a:round/>
+                      <a:headEnd type="none" w="med" len="med"/>
+                      <a:tailEnd type="none" w="med" len="med"/>
+                    </a:lnL>
+                    <a:lnR w="7620" cap="flat" cmpd="sng" algn="ctr">
+                      <a:solidFill>
+                        <a:srgbClr val="D6DADC"/>
+                      </a:solidFill>
+                      <a:prstDash val="solid"/>
+                      <a:round/>
+                      <a:headEnd type="none" w="med" len="med"/>
+                      <a:tailEnd type="none" w="med" len="med"/>
+                    </a:lnR>
+                    <a:lnT w="7620" cap="flat" cmpd="sng" algn="ctr">
+                      <a:solidFill>
+                        <a:srgbClr val="D6DADC"/>
+                      </a:solidFill>
+                      <a:prstDash val="solid"/>
+                      <a:round/>
+                      <a:headEnd type="none" w="med" len="med"/>
+                      <a:tailEnd type="none" w="med" len="med"/>
+                    </a:lnT>
+                    <a:lnB w="7620" cap="flat" cmpd="sng" algn="ctr">
+                      <a:solidFill>
+                        <a:srgbClr val="D6DADC"/>
+                      </a:solidFill>
+                      <a:prstDash val="solid"/>
+                      <a:round/>
+                      <a:headEnd type="none" w="med" len="med"/>
+                      <a:tailEnd type="none" w="med" len="med"/>
+                    </a:lnB>
+                    <a:solidFill>
+                      <a:srgbClr val="FFFFFF"/>
+                    </a:solidFill>
+                  </a:tcPr>
+                </a:tc>
+                <a:extLst>
+                  <a:ext uri="{0D108BD9-81ED-4DB2-BD59-A6C34878D82A}">
+                    <a16:rowId xmlns:a16="http://schemas.microsoft.com/office/drawing/2014/main" val="209310100"/>
+                  </a:ext>
+                </a:extLst>
+              </a:tr>
+              <a:tr h="175260">
+                <a:tc>
+                  <a:txBody>
+                    <a:bodyPr/>
+                    <a:lstStyle/>
+                    <a:p>
+                      <a:pPr algn="r"/>
+                      <a:r>
+                        <a:rPr lang="en-US" b="1" dirty="0">
+                          <a:solidFill>
+                            <a:srgbClr val="000000"/>
+                          </a:solidFill>
+                          <a:effectLst/>
+                        </a:rPr>
+                        <a:t>5</a:t>
+                      </a:r>
+                    </a:p>
+                  </a:txBody>
+                  <a:tcPr marL="38100" marR="38100" marT="30480" marB="30480" anchor="ctr">
+                    <a:lnL>
+                      <a:noFill/>
+                    </a:lnL>
+                    <a:lnR w="7620" cap="flat" cmpd="sng" algn="ctr">
+                      <a:solidFill>
+                        <a:srgbClr val="D6DADC"/>
+                      </a:solidFill>
+                      <a:prstDash val="solid"/>
+                      <a:round/>
+                      <a:headEnd type="none" w="med" len="med"/>
+                      <a:tailEnd type="none" w="med" len="med"/>
+                    </a:lnR>
+                    <a:lnT w="7620" cap="flat" cmpd="sng" algn="ctr">
+                      <a:solidFill>
+                        <a:srgbClr val="D6DADC"/>
+                      </a:solidFill>
+                      <a:prstDash val="solid"/>
+                      <a:round/>
+                      <a:headEnd type="none" w="med" len="med"/>
+                      <a:tailEnd type="none" w="med" len="med"/>
+                    </a:lnT>
+                    <a:lnB w="7620" cap="flat" cmpd="sng" algn="ctr">
+                      <a:solidFill>
+                        <a:srgbClr val="D6DADC"/>
+                      </a:solidFill>
+                      <a:prstDash val="solid"/>
+                      <a:round/>
+                      <a:headEnd type="none" w="med" len="med"/>
+                      <a:tailEnd type="none" w="med" len="med"/>
+                    </a:lnB>
+                    <a:solidFill>
+                      <a:srgbClr val="F4F8F9"/>
+                    </a:solidFill>
+                  </a:tcPr>
+                </a:tc>
+                <a:tc>
+                  <a:txBody>
+                    <a:bodyPr/>
+                    <a:lstStyle/>
+                    <a:p>
+                      <a:r>
+                        <a:rPr lang="en-US">
+                          <a:effectLst/>
+                        </a:rPr>
+                        <a:t>Friday</a:t>
+                      </a:r>
+                    </a:p>
+                  </a:txBody>
+                  <a:tcPr marL="38100" marR="38100" marT="30480" marB="30480" anchor="ctr">
+                    <a:lnL w="7620" cap="flat" cmpd="sng" algn="ctr">
+                      <a:solidFill>
+                        <a:srgbClr val="D6DADC"/>
+                      </a:solidFill>
+                      <a:prstDash val="solid"/>
+                      <a:round/>
+                      <a:headEnd type="none" w="med" len="med"/>
+                      <a:tailEnd type="none" w="med" len="med"/>
+                    </a:lnL>
+                    <a:lnR w="7620" cap="flat" cmpd="sng" algn="ctr">
+                      <a:solidFill>
+                        <a:srgbClr val="D6DADC"/>
+                      </a:solidFill>
+                      <a:prstDash val="solid"/>
+                      <a:round/>
+                      <a:headEnd type="none" w="med" len="med"/>
+                      <a:tailEnd type="none" w="med" len="med"/>
+                    </a:lnR>
+                    <a:lnT w="7620" cap="flat" cmpd="sng" algn="ctr">
+                      <a:solidFill>
+                        <a:srgbClr val="D6DADC"/>
+                      </a:solidFill>
+                      <a:prstDash val="solid"/>
+                      <a:round/>
+                      <a:headEnd type="none" w="med" len="med"/>
+                      <a:tailEnd type="none" w="med" len="med"/>
+                    </a:lnT>
+                    <a:lnB w="7620" cap="flat" cmpd="sng" algn="ctr">
+                      <a:solidFill>
+                        <a:srgbClr val="D6DADC"/>
+                      </a:solidFill>
+                      <a:prstDash val="solid"/>
+                      <a:round/>
+                      <a:headEnd type="none" w="med" len="med"/>
+                      <a:tailEnd type="none" w="med" len="med"/>
+                    </a:lnB>
+                    <a:solidFill>
+                      <a:srgbClr val="FFFFFF"/>
+                    </a:solidFill>
+                  </a:tcPr>
+                </a:tc>
+                <a:tc>
+                  <a:txBody>
+                    <a:bodyPr/>
+                    <a:lstStyle/>
+                    <a:p>
+                      <a:r>
+                        <a:rPr lang="en-US">
+                          <a:effectLst/>
+                        </a:rPr>
+                        <a:t>12026</a:t>
+                      </a:r>
+                    </a:p>
+                  </a:txBody>
+                  <a:tcPr marL="38100" marR="38100" marT="30480" marB="30480" anchor="ctr">
+                    <a:lnL w="7620" cap="flat" cmpd="sng" algn="ctr">
+                      <a:solidFill>
+                        <a:srgbClr val="D6DADC"/>
+                      </a:solidFill>
+                      <a:prstDash val="solid"/>
+                      <a:round/>
+                      <a:headEnd type="none" w="med" len="med"/>
+                      <a:tailEnd type="none" w="med" len="med"/>
+                    </a:lnL>
+                    <a:lnR w="7620" cap="flat" cmpd="sng" algn="ctr">
+                      <a:solidFill>
+                        <a:srgbClr val="D6DADC"/>
+                      </a:solidFill>
+                      <a:prstDash val="solid"/>
+                      <a:round/>
+                      <a:headEnd type="none" w="med" len="med"/>
+                      <a:tailEnd type="none" w="med" len="med"/>
+                    </a:lnR>
+                    <a:lnT w="7620" cap="flat" cmpd="sng" algn="ctr">
+                      <a:solidFill>
+                        <a:srgbClr val="D6DADC"/>
+                      </a:solidFill>
+                      <a:prstDash val="solid"/>
+                      <a:round/>
+                      <a:headEnd type="none" w="med" len="med"/>
+                      <a:tailEnd type="none" w="med" len="med"/>
+                    </a:lnT>
+                    <a:lnB w="7620" cap="flat" cmpd="sng" algn="ctr">
+                      <a:solidFill>
+                        <a:srgbClr val="D6DADC"/>
+                      </a:solidFill>
+                      <a:prstDash val="solid"/>
+                      <a:round/>
+                      <a:headEnd type="none" w="med" len="med"/>
+                      <a:tailEnd type="none" w="med" len="med"/>
+                    </a:lnB>
+                    <a:solidFill>
+                      <a:srgbClr val="FFFFFF"/>
+                    </a:solidFill>
+                  </a:tcPr>
+                </a:tc>
+                <a:extLst>
+                  <a:ext uri="{0D108BD9-81ED-4DB2-BD59-A6C34878D82A}">
+                    <a16:rowId xmlns:a16="http://schemas.microsoft.com/office/drawing/2014/main" val="2080363292"/>
+                  </a:ext>
+                </a:extLst>
+              </a:tr>
+              <a:tr h="175260">
+                <a:tc>
+                  <a:txBody>
+                    <a:bodyPr/>
+                    <a:lstStyle/>
+                    <a:p>
+                      <a:pPr algn="r"/>
+                      <a:r>
+                        <a:rPr lang="en-US" b="1">
+                          <a:solidFill>
+                            <a:srgbClr val="000000"/>
+                          </a:solidFill>
+                          <a:effectLst/>
+                        </a:rPr>
+                        <a:t>6</a:t>
+                      </a:r>
+                    </a:p>
+                  </a:txBody>
+                  <a:tcPr marL="38100" marR="38100" marT="30480" marB="30480" anchor="ctr">
+                    <a:lnL>
+                      <a:noFill/>
+                    </a:lnL>
+                    <a:lnR w="7620" cap="flat" cmpd="sng" algn="ctr">
+                      <a:solidFill>
+                        <a:srgbClr val="D6DADC"/>
+                      </a:solidFill>
+                      <a:prstDash val="solid"/>
+                      <a:round/>
+                      <a:headEnd type="none" w="med" len="med"/>
+                      <a:tailEnd type="none" w="med" len="med"/>
+                    </a:lnR>
+                    <a:lnT w="7620" cap="flat" cmpd="sng" algn="ctr">
+                      <a:solidFill>
+                        <a:srgbClr val="D6DADC"/>
+                      </a:solidFill>
+                      <a:prstDash val="solid"/>
+                      <a:round/>
+                      <a:headEnd type="none" w="med" len="med"/>
+                      <a:tailEnd type="none" w="med" len="med"/>
+                    </a:lnT>
+                    <a:lnB w="7620" cap="flat" cmpd="sng" algn="ctr">
+                      <a:solidFill>
+                        <a:srgbClr val="D6DADC"/>
+                      </a:solidFill>
+                      <a:prstDash val="solid"/>
+                      <a:round/>
+                      <a:headEnd type="none" w="med" len="med"/>
+                      <a:tailEnd type="none" w="med" len="med"/>
+                    </a:lnB>
+                    <a:solidFill>
+                      <a:srgbClr val="F4F8F9"/>
+                    </a:solidFill>
+                  </a:tcPr>
+                </a:tc>
+                <a:tc>
+                  <a:txBody>
+                    <a:bodyPr/>
+                    <a:lstStyle/>
+                    <a:p>
+                      <a:r>
+                        <a:rPr lang="en-US">
+                          <a:effectLst/>
+                        </a:rPr>
+                        <a:t>Saturday</a:t>
+                      </a:r>
+                    </a:p>
+                  </a:txBody>
+                  <a:tcPr marL="38100" marR="38100" marT="30480" marB="30480" anchor="ctr">
+                    <a:lnL w="7620" cap="flat" cmpd="sng" algn="ctr">
+                      <a:solidFill>
+                        <a:srgbClr val="D6DADC"/>
+                      </a:solidFill>
+                      <a:prstDash val="solid"/>
+                      <a:round/>
+                      <a:headEnd type="none" w="med" len="med"/>
+                      <a:tailEnd type="none" w="med" len="med"/>
+                    </a:lnL>
+                    <a:lnR w="7620" cap="flat" cmpd="sng" algn="ctr">
+                      <a:solidFill>
+                        <a:srgbClr val="D6DADC"/>
+                      </a:solidFill>
+                      <a:prstDash val="solid"/>
+                      <a:round/>
+                      <a:headEnd type="none" w="med" len="med"/>
+                      <a:tailEnd type="none" w="med" len="med"/>
+                    </a:lnR>
+                    <a:lnT w="7620" cap="flat" cmpd="sng" algn="ctr">
+                      <a:solidFill>
+                        <a:srgbClr val="D6DADC"/>
+                      </a:solidFill>
+                      <a:prstDash val="solid"/>
+                      <a:round/>
+                      <a:headEnd type="none" w="med" len="med"/>
+                      <a:tailEnd type="none" w="med" len="med"/>
+                    </a:lnT>
+                    <a:lnB w="7620" cap="flat" cmpd="sng" algn="ctr">
+                      <a:solidFill>
+                        <a:srgbClr val="D6DADC"/>
+                      </a:solidFill>
+                      <a:prstDash val="solid"/>
+                      <a:round/>
+                      <a:headEnd type="none" w="med" len="med"/>
+                      <a:tailEnd type="none" w="med" len="med"/>
+                    </a:lnB>
+                    <a:solidFill>
+                      <a:srgbClr val="FFFFFF"/>
+                    </a:solidFill>
+                  </a:tcPr>
+                </a:tc>
+                <a:tc>
+                  <a:txBody>
+                    <a:bodyPr/>
+                    <a:lstStyle/>
+                    <a:p>
+                      <a:r>
+                        <a:rPr lang="en-US">
+                          <a:effectLst/>
+                        </a:rPr>
+                        <a:t>12693</a:t>
+                      </a:r>
+                    </a:p>
+                  </a:txBody>
+                  <a:tcPr marL="38100" marR="38100" marT="30480" marB="30480" anchor="ctr">
+                    <a:lnL w="7620" cap="flat" cmpd="sng" algn="ctr">
+                      <a:solidFill>
+                        <a:srgbClr val="D6DADC"/>
+                      </a:solidFill>
+                      <a:prstDash val="solid"/>
+                      <a:round/>
+                      <a:headEnd type="none" w="med" len="med"/>
+                      <a:tailEnd type="none" w="med" len="med"/>
+                    </a:lnL>
+                    <a:lnR w="7620" cap="flat" cmpd="sng" algn="ctr">
+                      <a:solidFill>
+                        <a:srgbClr val="D6DADC"/>
+                      </a:solidFill>
+                      <a:prstDash val="solid"/>
+                      <a:round/>
+                      <a:headEnd type="none" w="med" len="med"/>
+                      <a:tailEnd type="none" w="med" len="med"/>
+                    </a:lnR>
+                    <a:lnT w="7620" cap="flat" cmpd="sng" algn="ctr">
+                      <a:solidFill>
+                        <a:srgbClr val="D6DADC"/>
+                      </a:solidFill>
+                      <a:prstDash val="solid"/>
+                      <a:round/>
+                      <a:headEnd type="none" w="med" len="med"/>
+                      <a:tailEnd type="none" w="med" len="med"/>
+                    </a:lnT>
+                    <a:lnB w="7620" cap="flat" cmpd="sng" algn="ctr">
+                      <a:solidFill>
+                        <a:srgbClr val="D6DADC"/>
+                      </a:solidFill>
+                      <a:prstDash val="solid"/>
+                      <a:round/>
+                      <a:headEnd type="none" w="med" len="med"/>
+                      <a:tailEnd type="none" w="med" len="med"/>
+                    </a:lnB>
+                    <a:solidFill>
+                      <a:srgbClr val="FFFFFF"/>
+                    </a:solidFill>
+                  </a:tcPr>
+                </a:tc>
+                <a:extLst>
+                  <a:ext uri="{0D108BD9-81ED-4DB2-BD59-A6C34878D82A}">
+                    <a16:rowId xmlns:a16="http://schemas.microsoft.com/office/drawing/2014/main" val="992560063"/>
+                  </a:ext>
+                </a:extLst>
+              </a:tr>
+              <a:tr h="175260">
+                <a:tc>
+                  <a:txBody>
+                    <a:bodyPr/>
+                    <a:lstStyle/>
+                    <a:p>
+                      <a:pPr algn="r"/>
+                      <a:r>
+                        <a:rPr lang="en-US" b="1">
+                          <a:solidFill>
+                            <a:srgbClr val="000000"/>
+                          </a:solidFill>
+                          <a:effectLst/>
+                        </a:rPr>
+                        <a:t>7</a:t>
+                      </a:r>
+                    </a:p>
+                  </a:txBody>
+                  <a:tcPr marL="38100" marR="38100" marT="30480" marB="30480" anchor="ctr">
+                    <a:lnL>
+                      <a:noFill/>
+                    </a:lnL>
+                    <a:lnR w="7620" cap="flat" cmpd="sng" algn="ctr">
+                      <a:solidFill>
+                        <a:srgbClr val="D6DADC"/>
+                      </a:solidFill>
+                      <a:prstDash val="solid"/>
+                      <a:round/>
+                      <a:headEnd type="none" w="med" len="med"/>
+                      <a:tailEnd type="none" w="med" len="med"/>
+                    </a:lnR>
+                    <a:lnT w="7620" cap="flat" cmpd="sng" algn="ctr">
+                      <a:solidFill>
+                        <a:srgbClr val="D6DADC"/>
+                      </a:solidFill>
+                      <a:prstDash val="solid"/>
+                      <a:round/>
+                      <a:headEnd type="none" w="med" len="med"/>
+                      <a:tailEnd type="none" w="med" len="med"/>
+                    </a:lnT>
+                    <a:lnB w="7620" cap="flat" cmpd="sng" algn="ctr">
+                      <a:solidFill>
+                        <a:srgbClr val="D6DADC"/>
+                      </a:solidFill>
+                      <a:prstDash val="solid"/>
+                      <a:round/>
+                      <a:headEnd type="none" w="med" len="med"/>
+                      <a:tailEnd type="none" w="med" len="med"/>
+                    </a:lnB>
+                    <a:solidFill>
+                      <a:srgbClr val="F4F8F9"/>
+                    </a:solidFill>
+                  </a:tcPr>
+                </a:tc>
+                <a:tc>
+                  <a:txBody>
+                    <a:bodyPr/>
+                    <a:lstStyle/>
+                    <a:p>
+                      <a:r>
+                        <a:rPr lang="en-US">
+                          <a:effectLst/>
+                        </a:rPr>
+                        <a:t>Sunday</a:t>
+                      </a:r>
+                    </a:p>
+                  </a:txBody>
+                  <a:tcPr marL="38100" marR="38100" marT="30480" marB="30480" anchor="ctr">
+                    <a:lnL w="7620" cap="flat" cmpd="sng" algn="ctr">
+                      <a:solidFill>
+                        <a:srgbClr val="D6DADC"/>
+                      </a:solidFill>
+                      <a:prstDash val="solid"/>
+                      <a:round/>
+                      <a:headEnd type="none" w="med" len="med"/>
+                      <a:tailEnd type="none" w="med" len="med"/>
+                    </a:lnL>
+                    <a:lnR w="7620" cap="flat" cmpd="sng" algn="ctr">
+                      <a:solidFill>
+                        <a:srgbClr val="D6DADC"/>
+                      </a:solidFill>
+                      <a:prstDash val="solid"/>
+                      <a:round/>
+                      <a:headEnd type="none" w="med" len="med"/>
+                      <a:tailEnd type="none" w="med" len="med"/>
+                    </a:lnR>
+                    <a:lnT w="7620" cap="flat" cmpd="sng" algn="ctr">
+                      <a:solidFill>
+                        <a:srgbClr val="D6DADC"/>
+                      </a:solidFill>
+                      <a:prstDash val="solid"/>
+                      <a:round/>
+                      <a:headEnd type="none" w="med" len="med"/>
+                      <a:tailEnd type="none" w="med" len="med"/>
+                    </a:lnT>
+                    <a:lnB w="7620" cap="flat" cmpd="sng" algn="ctr">
+                      <a:solidFill>
+                        <a:srgbClr val="D6DADC"/>
+                      </a:solidFill>
+                      <a:prstDash val="solid"/>
+                      <a:round/>
+                      <a:headEnd type="none" w="med" len="med"/>
+                      <a:tailEnd type="none" w="med" len="med"/>
+                    </a:lnB>
+                    <a:solidFill>
+                      <a:srgbClr val="FFFFFF"/>
+                    </a:solidFill>
+                  </a:tcPr>
+                </a:tc>
+                <a:tc>
+                  <a:txBody>
+                    <a:bodyPr/>
+                    <a:lstStyle/>
+                    <a:p>
+                      <a:r>
+                        <a:rPr lang="en-US" dirty="0">
+                          <a:effectLst/>
+                        </a:rPr>
+                        <a:t>12711</a:t>
+                      </a:r>
+                    </a:p>
+                  </a:txBody>
+                  <a:tcPr marL="38100" marR="38100" marT="30480" marB="30480" anchor="ctr">
+                    <a:lnL w="7620" cap="flat" cmpd="sng" algn="ctr">
+                      <a:solidFill>
+                        <a:srgbClr val="D6DADC"/>
+                      </a:solidFill>
+                      <a:prstDash val="solid"/>
+                      <a:round/>
+                      <a:headEnd type="none" w="med" len="med"/>
+                      <a:tailEnd type="none" w="med" len="med"/>
+                    </a:lnL>
+                    <a:lnR w="7620" cap="flat" cmpd="sng" algn="ctr">
+                      <a:solidFill>
+                        <a:srgbClr val="D6DADC"/>
+                      </a:solidFill>
+                      <a:prstDash val="solid"/>
+                      <a:round/>
+                      <a:headEnd type="none" w="med" len="med"/>
+                      <a:tailEnd type="none" w="med" len="med"/>
+                    </a:lnR>
+                    <a:lnT w="7620" cap="flat" cmpd="sng" algn="ctr">
+                      <a:solidFill>
+                        <a:srgbClr val="D6DADC"/>
+                      </a:solidFill>
+                      <a:prstDash val="solid"/>
+                      <a:round/>
+                      <a:headEnd type="none" w="med" len="med"/>
+                      <a:tailEnd type="none" w="med" len="med"/>
+                    </a:lnT>
+                    <a:lnB w="7620" cap="flat" cmpd="sng" algn="ctr">
+                      <a:solidFill>
+                        <a:srgbClr val="D6DADC"/>
+                      </a:solidFill>
+                      <a:prstDash val="solid"/>
+                      <a:round/>
+                      <a:headEnd type="none" w="med" len="med"/>
+                      <a:tailEnd type="none" w="med" len="med"/>
+                    </a:lnB>
+                    <a:solidFill>
+                      <a:srgbClr val="FFFFFF"/>
+                    </a:solidFill>
+                  </a:tcPr>
+                </a:tc>
+                <a:extLst>
+                  <a:ext uri="{0D108BD9-81ED-4DB2-BD59-A6C34878D82A}">
+                    <a16:rowId xmlns:a16="http://schemas.microsoft.com/office/drawing/2014/main" val="239842356"/>
+                  </a:ext>
+                </a:extLst>
+              </a:tr>
+            </a:tbl>
+          </a:graphicData>
+        </a:graphic>
+      </p:graphicFrame>
+      <p:sp>
+        <p:nvSpPr>
+          <p:cNvPr id="24" name="Rectangle 23">
+            <a:extLst>
+              <a:ext uri="{FF2B5EF4-FFF2-40B4-BE49-F238E27FC236}">
+                <a16:creationId xmlns:a16="http://schemas.microsoft.com/office/drawing/2014/main" id="{7D9F1376-380D-419D-B5B5-47A4CC1AA204}"/>
+              </a:ext>
+            </a:extLst>
+          </p:cNvPr>
+          <p:cNvSpPr/>
+          <p:nvPr/>
+        </p:nvSpPr>
+        <p:spPr>
+          <a:xfrm>
+            <a:off x="1695450" y="1461655"/>
+            <a:ext cx="1123348" cy="381000"/>
+          </a:xfrm>
+          <a:prstGeom prst="rect">
+            <a:avLst/>
+          </a:prstGeom>
+          <a:solidFill>
+            <a:srgbClr val="FFFF00">
+              <a:alpha val="25098"/>
+            </a:srgbClr>
+          </a:solidFill>
+          <a:ln>
+            <a:noFill/>
+          </a:ln>
+        </p:spPr>
+        <p:style>
+          <a:lnRef idx="2">
+            <a:schemeClr val="accent1">
+              <a:shade val="50000"/>
+            </a:schemeClr>
+          </a:lnRef>
+          <a:fillRef idx="1">
+            <a:schemeClr val="accent1"/>
+          </a:fillRef>
+          <a:effectRef idx="0">
+            <a:schemeClr val="accent1"/>
+          </a:effectRef>
+          <a:fontRef idx="minor">
+            <a:schemeClr val="lt1"/>
+          </a:fontRef>
+        </p:style>
+        <p:txBody>
+          <a:bodyPr rtlCol="0" anchor="ctr"/>
+          <a:lstStyle/>
+          <a:p>
+            <a:pPr algn="ctr"/>
+            <a:endParaRPr lang="en-US"/>
+          </a:p>
+        </p:txBody>
+      </p:sp>
+      <p:sp>
+        <p:nvSpPr>
+          <p:cNvPr id="25" name="Rectangle 24">
+            <a:extLst>
+              <a:ext uri="{FF2B5EF4-FFF2-40B4-BE49-F238E27FC236}">
+                <a16:creationId xmlns:a16="http://schemas.microsoft.com/office/drawing/2014/main" id="{A2EDC073-7B6C-4BDA-AE1A-F206F3A3F841}"/>
+              </a:ext>
+            </a:extLst>
+          </p:cNvPr>
+          <p:cNvSpPr/>
+          <p:nvPr/>
+        </p:nvSpPr>
+        <p:spPr>
+          <a:xfrm>
+            <a:off x="6020929" y="1428750"/>
+            <a:ext cx="1123348" cy="381000"/>
+          </a:xfrm>
+          <a:prstGeom prst="rect">
+            <a:avLst/>
+          </a:prstGeom>
+          <a:solidFill>
+            <a:srgbClr val="FFFF00">
+              <a:alpha val="25098"/>
+            </a:srgbClr>
+          </a:solidFill>
+          <a:ln>
+            <a:noFill/>
+          </a:ln>
+        </p:spPr>
+        <p:style>
+          <a:lnRef idx="2">
+            <a:schemeClr val="accent1">
+              <a:shade val="50000"/>
+            </a:schemeClr>
+          </a:lnRef>
+          <a:fillRef idx="1">
+            <a:schemeClr val="accent1"/>
+          </a:fillRef>
+          <a:effectRef idx="0">
+            <a:schemeClr val="accent1"/>
+          </a:effectRef>
+          <a:fontRef idx="minor">
+            <a:schemeClr val="lt1"/>
+          </a:fontRef>
+        </p:style>
+        <p:txBody>
+          <a:bodyPr rtlCol="0" anchor="ctr"/>
+          <a:lstStyle/>
+          <a:p>
+            <a:pPr algn="ctr"/>
+            <a:endParaRPr lang="en-US"/>
+          </a:p>
+        </p:txBody>
+      </p:sp>
+      <p:sp>
+        <p:nvSpPr>
+          <p:cNvPr id="26" name="Rectangle 25">
+            <a:extLst>
+              <a:ext uri="{FF2B5EF4-FFF2-40B4-BE49-F238E27FC236}">
+                <a16:creationId xmlns:a16="http://schemas.microsoft.com/office/drawing/2014/main" id="{E8994B5C-CC65-441F-B3F4-6ED119A8F1C7}"/>
+              </a:ext>
+            </a:extLst>
+          </p:cNvPr>
+          <p:cNvSpPr/>
+          <p:nvPr/>
+        </p:nvSpPr>
+        <p:spPr>
+          <a:xfrm>
+            <a:off x="7165584" y="1447800"/>
+            <a:ext cx="971023" cy="381000"/>
           </a:xfrm>
           <a:prstGeom prst="rect">
             <a:avLst/>
@@ -35518,7 +37307,7 @@
 </p:sld>
 </file>
 
-<file path=ppt/slides/slide56.xml><?xml version="1.0" encoding="utf-8"?>
+<file path=ppt/slides/slide54.xml><?xml version="1.0" encoding="utf-8"?>
 <p:sld xmlns:a="http://schemas.openxmlformats.org/drawingml/2006/main" xmlns:r="http://schemas.openxmlformats.org/officeDocument/2006/relationships" xmlns:p="http://schemas.openxmlformats.org/presentationml/2006/main">
   <p:cSld>
     <p:spTree>
@@ -35540,7 +37329,117 @@
           <p:cNvPr id="2" name="Title 1">
             <a:extLst>
               <a:ext uri="{FF2B5EF4-FFF2-40B4-BE49-F238E27FC236}">
-                <a16:creationId xmlns:a16="http://schemas.microsoft.com/office/drawing/2014/main" id="{E62E5D45-30DB-442B-9BA1-2117314EB5E5}"/>
+                <a16:creationId xmlns:a16="http://schemas.microsoft.com/office/drawing/2014/main" id="{6D31B499-4019-41DA-98D5-E59D876EC239}"/>
+              </a:ext>
+            </a:extLst>
+          </p:cNvPr>
+          <p:cNvSpPr>
+            <a:spLocks noGrp="1"/>
+          </p:cNvSpPr>
+          <p:nvPr>
+            <p:ph type="title"/>
+          </p:nvPr>
+        </p:nvSpPr>
+        <p:spPr>
+          <a:xfrm>
+            <a:off x="1028700" y="685800"/>
+            <a:ext cx="7200900" cy="685800"/>
+          </a:xfrm>
+        </p:spPr>
+        <p:txBody>
+          <a:bodyPr>
+            <a:normAutofit fontScale="90000"/>
+          </a:bodyPr>
+          <a:lstStyle/>
+          <a:p>
+            <a:r>
+              <a:rPr lang="en-US" dirty="0"/>
+              <a:t>Decision Tree</a:t>
+            </a:r>
+          </a:p>
+        </p:txBody>
+      </p:sp>
+      <p:pic>
+        <p:nvPicPr>
+          <p:cNvPr id="4" name="Picture 3" descr="A screenshot of a cell phone&#10;&#10;Description automatically generated">
+            <a:extLst>
+              <a:ext uri="{FF2B5EF4-FFF2-40B4-BE49-F238E27FC236}">
+                <a16:creationId xmlns:a16="http://schemas.microsoft.com/office/drawing/2014/main" id="{33010775-CB9C-48C2-96AC-3483112E2980}"/>
+              </a:ext>
+            </a:extLst>
+          </p:cNvPr>
+          <p:cNvPicPr>
+            <a:picLocks noChangeAspect="1"/>
+          </p:cNvPicPr>
+          <p:nvPr/>
+        </p:nvPicPr>
+        <p:blipFill rotWithShape="1">
+          <a:blip r:embed="rId2">
+            <a:clrChange>
+              <a:clrFrom>
+                <a:srgbClr val="FFFFFF"/>
+              </a:clrFrom>
+              <a:clrTo>
+                <a:srgbClr val="FFFFFF">
+                  <a:alpha val="0"/>
+                </a:srgbClr>
+              </a:clrTo>
+            </a:clrChange>
+            <a:extLst>
+              <a:ext uri="{28A0092B-C50C-407E-A947-70E740481C1C}">
+                <a14:useLocalDpi xmlns:a14="http://schemas.microsoft.com/office/drawing/2010/main" val="0"/>
+              </a:ext>
+            </a:extLst>
+          </a:blip>
+          <a:srcRect l="10832" t="31322" r="10831" b="31321"/>
+          <a:stretch/>
+        </p:blipFill>
+        <p:spPr>
+          <a:xfrm>
+            <a:off x="653325" y="1600200"/>
+            <a:ext cx="8389074" cy="3200400"/>
+          </a:xfrm>
+          <a:prstGeom prst="rect">
+            <a:avLst/>
+          </a:prstGeom>
+        </p:spPr>
+      </p:pic>
+    </p:spTree>
+    <p:extLst>
+      <p:ext uri="{BB962C8B-B14F-4D97-AF65-F5344CB8AC3E}">
+        <p14:creationId xmlns:p14="http://schemas.microsoft.com/office/powerpoint/2010/main" val="999606510"/>
+      </p:ext>
+    </p:extLst>
+  </p:cSld>
+  <p:clrMapOvr>
+    <a:masterClrMapping/>
+  </p:clrMapOvr>
+</p:sld>
+</file>
+
+<file path=ppt/slides/slide55.xml><?xml version="1.0" encoding="utf-8"?>
+<p:sld xmlns:a="http://schemas.openxmlformats.org/drawingml/2006/main" xmlns:r="http://schemas.openxmlformats.org/officeDocument/2006/relationships" xmlns:p="http://schemas.openxmlformats.org/presentationml/2006/main">
+  <p:cSld>
+    <p:spTree>
+      <p:nvGrpSpPr>
+        <p:cNvPr id="1" name=""/>
+        <p:cNvGrpSpPr/>
+        <p:nvPr/>
+      </p:nvGrpSpPr>
+      <p:grpSpPr>
+        <a:xfrm>
+          <a:off x="0" y="0"/>
+          <a:ext cx="0" cy="0"/>
+          <a:chOff x="0" y="0"/>
+          <a:chExt cx="0" cy="0"/>
+        </a:xfrm>
+      </p:grpSpPr>
+      <p:sp>
+        <p:nvSpPr>
+          <p:cNvPr id="2" name="Title 1">
+            <a:extLst>
+              <a:ext uri="{FF2B5EF4-FFF2-40B4-BE49-F238E27FC236}">
+                <a16:creationId xmlns:a16="http://schemas.microsoft.com/office/drawing/2014/main" id="{19A91372-FD2F-408B-A5EE-676C6D237E61}"/>
               </a:ext>
             </a:extLst>
           </p:cNvPr>
@@ -35558,130 +37457,58 @@
           <a:p>
             <a:r>
               <a:rPr lang="en-US" dirty="0"/>
-              <a:t>Discussion / Summary</a:t>
+              <a:t>Random Forest (importance)</a:t>
             </a:r>
           </a:p>
         </p:txBody>
       </p:sp>
-      <mc:AlternateContent xmlns:mc="http://schemas.openxmlformats.org/markup-compatibility/2006" xmlns:a14="http://schemas.microsoft.com/office/drawing/2010/main">
-        <mc:Choice Requires="a14">
-          <p:sp>
-            <p:nvSpPr>
-              <p:cNvPr id="3" name="Content Placeholder 2">
-                <a:extLst>
-                  <a:ext uri="{FF2B5EF4-FFF2-40B4-BE49-F238E27FC236}">
-                    <a16:creationId xmlns:a16="http://schemas.microsoft.com/office/drawing/2014/main" id="{C513F187-E088-4C45-BF41-FF9B1B00BAC8}"/>
-                  </a:ext>
-                </a:extLst>
-              </p:cNvPr>
-              <p:cNvSpPr>
-                <a:spLocks noGrp="1"/>
-              </p:cNvSpPr>
-              <p:nvPr>
-                <p:ph idx="1"/>
-              </p:nvPr>
-            </p:nvSpPr>
-            <p:spPr>
-              <a:xfrm>
-                <a:off x="1028700" y="1600200"/>
-                <a:ext cx="8039100" cy="4953000"/>
-              </a:xfrm>
-            </p:spPr>
-            <p:txBody>
-              <a:bodyPr>
-                <a:normAutofit/>
-              </a:bodyPr>
-              <a:lstStyle/>
-              <a:p>
-                <a:r>
-                  <a:rPr lang="en-US" dirty="0"/>
-                  <a:t>QDA failed with “rank deficiency” error</a:t>
-                </a:r>
-              </a:p>
-              <a:p>
-                <a:r>
-                  <a:rPr lang="en-US" dirty="0"/>
-                  <a:t>SVM with radial basis kernel had very good performance</a:t>
-                </a:r>
-              </a:p>
-              <a:p>
-                <a:pPr lvl="1"/>
-                <a:r>
-                  <a:rPr lang="en-US" i="0" dirty="0"/>
-                  <a:t>Unable to use entire training set </a:t>
-                </a:r>
-                <a14:m>
-                  <m:oMath xmlns:m="http://schemas.openxmlformats.org/officeDocument/2006/math">
-                    <m:r>
-                      <a:rPr lang="en-US" b="0" i="1" smtClean="0">
-                        <a:latin typeface="Cambria Math" panose="02040503050406030204" pitchFamily="18" charset="0"/>
-                      </a:rPr>
-                      <m:t>→</m:t>
-                    </m:r>
-                  </m:oMath>
-                </a14:m>
-                <a:r>
-                  <a:rPr lang="en-US" i="0" dirty="0"/>
-                  <a:t> only 1000 training observations used</a:t>
-                </a:r>
-              </a:p>
-              <a:p>
-                <a:r>
-                  <a:rPr lang="en-US" dirty="0"/>
-                  <a:t>SVM with linear/sigmoid kernels had very poor performance</a:t>
-                </a:r>
-              </a:p>
-            </p:txBody>
-          </p:sp>
-        </mc:Choice>
-        <mc:Fallback xmlns="">
-          <p:sp>
-            <p:nvSpPr>
-              <p:cNvPr id="3" name="Content Placeholder 2">
-                <a:extLst>
-                  <a:ext uri="{FF2B5EF4-FFF2-40B4-BE49-F238E27FC236}">
-                    <a16:creationId xmlns:a16="http://schemas.microsoft.com/office/drawing/2014/main" id="{C513F187-E088-4C45-BF41-FF9B1B00BAC8}"/>
-                  </a:ext>
-                </a:extLst>
-              </p:cNvPr>
-              <p:cNvSpPr>
-                <a:spLocks noGrp="1" noRot="1" noChangeAspect="1" noMove="1" noResize="1" noEditPoints="1" noAdjustHandles="1" noChangeArrowheads="1" noChangeShapeType="1" noTextEdit="1"/>
-              </p:cNvSpPr>
-              <p:nvPr>
-                <p:ph idx="1"/>
-              </p:nvPr>
-            </p:nvSpPr>
-            <p:spPr>
-              <a:xfrm>
-                <a:off x="1028700" y="1600200"/>
-                <a:ext cx="8039100" cy="4953000"/>
-              </a:xfrm>
-              <a:blipFill>
-                <a:blip r:embed="rId2"/>
-                <a:stretch>
-                  <a:fillRect l="-682" t="-1108"/>
-                </a:stretch>
-              </a:blipFill>
-            </p:spPr>
-            <p:txBody>
-              <a:bodyPr/>
-              <a:lstStyle/>
-              <a:p>
-                <a:r>
-                  <a:rPr lang="en-US">
-                    <a:noFill/>
-                  </a:rPr>
-                  <a:t> </a:t>
-                </a:r>
-              </a:p>
-            </p:txBody>
-          </p:sp>
-        </mc:Fallback>
-      </mc:AlternateContent>
+      <p:pic>
+        <p:nvPicPr>
+          <p:cNvPr id="6" name="Picture 5">
+            <a:extLst>
+              <a:ext uri="{FF2B5EF4-FFF2-40B4-BE49-F238E27FC236}">
+                <a16:creationId xmlns:a16="http://schemas.microsoft.com/office/drawing/2014/main" id="{9C490284-7077-43C7-9D6B-8036438086A0}"/>
+              </a:ext>
+            </a:extLst>
+          </p:cNvPr>
+          <p:cNvPicPr>
+            <a:picLocks noChangeAspect="1"/>
+          </p:cNvPicPr>
+          <p:nvPr/>
+        </p:nvPicPr>
+        <p:blipFill rotWithShape="1">
+          <a:blip r:embed="rId2"/>
+          <a:srcRect t="16915"/>
+          <a:stretch/>
+        </p:blipFill>
+        <p:spPr>
+          <a:xfrm>
+            <a:off x="600827" y="2057400"/>
+            <a:ext cx="8427641" cy="4343400"/>
+          </a:xfrm>
+          <a:prstGeom prst="rect">
+            <a:avLst/>
+          </a:prstGeom>
+          <a:ln w="38100" cap="sq">
+            <a:solidFill>
+              <a:srgbClr val="000000"/>
+            </a:solidFill>
+            <a:prstDash val="solid"/>
+            <a:miter lim="800000"/>
+          </a:ln>
+          <a:effectLst>
+            <a:outerShdw blurRad="50800" dist="38100" dir="2700000" algn="tl" rotWithShape="0">
+              <a:srgbClr val="000000">
+                <a:alpha val="43000"/>
+              </a:srgbClr>
+            </a:outerShdw>
+          </a:effectLst>
+        </p:spPr>
+      </p:pic>
     </p:spTree>
     <p:extLst>
       <p:ext uri="{BB962C8B-B14F-4D97-AF65-F5344CB8AC3E}">
-        <p14:creationId xmlns:p14="http://schemas.microsoft.com/office/powerpoint/2010/main" val="2546379718"/>
+        <p14:creationId xmlns:p14="http://schemas.microsoft.com/office/powerpoint/2010/main" val="1515809729"/>
       </p:ext>
     </p:extLst>
   </p:cSld>
@@ -35691,7 +37518,7 @@
 </p:sld>
 </file>
 
-<file path=ppt/slides/slide57.xml><?xml version="1.0" encoding="utf-8"?>
+<file path=ppt/slides/slide56.xml><?xml version="1.0" encoding="utf-8"?>
 <p:sld xmlns:a="http://schemas.openxmlformats.org/drawingml/2006/main" xmlns:r="http://schemas.openxmlformats.org/officeDocument/2006/relationships" xmlns:p="http://schemas.openxmlformats.org/presentationml/2006/main">
   <p:cSld>
     <p:spTree>
@@ -35729,7 +37556,10 @@
           <a:bodyPr/>
           <a:lstStyle/>
           <a:p>
-            <a:endParaRPr lang="en-US"/>
+            <a:r>
+              <a:rPr lang="en-US" dirty="0"/>
+              <a:t>Summary and Conclusions?</a:t>
+            </a:r>
           </a:p>
         </p:txBody>
       </p:sp>
@@ -35762,570 +37592,6 @@
     <p:extLst>
       <p:ext uri="{BB962C8B-B14F-4D97-AF65-F5344CB8AC3E}">
         <p14:creationId xmlns:p14="http://schemas.microsoft.com/office/powerpoint/2010/main" val="3074269825"/>
-      </p:ext>
-    </p:extLst>
-  </p:cSld>
-  <p:clrMapOvr>
-    <a:masterClrMapping/>
-  </p:clrMapOvr>
-</p:sld>
-</file>
-
-<file path=ppt/slides/slide58.xml><?xml version="1.0" encoding="utf-8"?>
-<p:sld xmlns:a="http://schemas.openxmlformats.org/drawingml/2006/main" xmlns:r="http://schemas.openxmlformats.org/officeDocument/2006/relationships" xmlns:p="http://schemas.openxmlformats.org/presentationml/2006/main">
-  <p:cSld>
-    <p:bg>
-      <p:bgPr>
-        <a:solidFill>
-          <a:schemeClr val="bg2"/>
-        </a:solidFill>
-        <a:effectLst/>
-      </p:bgPr>
-    </p:bg>
-    <p:spTree>
-      <p:nvGrpSpPr>
-        <p:cNvPr id="1" name=""/>
-        <p:cNvGrpSpPr/>
-        <p:nvPr/>
-      </p:nvGrpSpPr>
-      <p:grpSpPr>
-        <a:xfrm>
-          <a:off x="0" y="0"/>
-          <a:ext cx="0" cy="0"/>
-          <a:chOff x="0" y="0"/>
-          <a:chExt cx="0" cy="0"/>
-        </a:xfrm>
-      </p:grpSpPr>
-      <p:sp>
-        <p:nvSpPr>
-          <p:cNvPr id="10" name="Rectangle 9">
-            <a:extLst>
-              <a:ext uri="{FF2B5EF4-FFF2-40B4-BE49-F238E27FC236}">
-                <a16:creationId xmlns:a16="http://schemas.microsoft.com/office/drawing/2014/main" id="{AA6EC888-B85F-410F-B430-06583E94BEEC}"/>
-              </a:ext>
-              <a:ext uri="{C183D7F6-B498-43B3-948B-1728B52AA6E4}">
-                <adec:decorative xmlns:adec="http://schemas.microsoft.com/office/drawing/2017/decorative" val="1"/>
-              </a:ext>
-            </a:extLst>
-          </p:cNvPr>
-          <p:cNvSpPr>
-            <a:spLocks noGrp="1" noRot="1" noChangeAspect="1" noMove="1" noResize="1" noEditPoints="1" noAdjustHandles="1" noChangeArrowheads="1" noChangeShapeType="1" noTextEdit="1"/>
-          </p:cNvSpPr>
-          <p:nvPr>
-            <p:extLst>
-              <p:ext uri="{386F3935-93C4-4BCD-93E2-E3B085C9AB24}">
-                <p16:designElem xmlns:p16="http://schemas.microsoft.com/office/powerpoint/2015/main" val="1"/>
-              </p:ext>
-            </p:extLst>
-          </p:nvPr>
-        </p:nvSpPr>
-        <p:spPr>
-          <a:xfrm>
-            <a:off x="358571" y="376"/>
-            <a:ext cx="171450" cy="6858000"/>
-          </a:xfrm>
-          <a:prstGeom prst="rect">
-            <a:avLst/>
-          </a:prstGeom>
-          <a:solidFill>
-            <a:schemeClr val="tx2"/>
-          </a:solidFill>
-          <a:ln>
-            <a:noFill/>
-          </a:ln>
-        </p:spPr>
-        <p:style>
-          <a:lnRef idx="2">
-            <a:schemeClr val="accent1">
-              <a:shade val="50000"/>
-            </a:schemeClr>
-          </a:lnRef>
-          <a:fillRef idx="1">
-            <a:schemeClr val="accent1"/>
-          </a:fillRef>
-          <a:effectRef idx="0">
-            <a:schemeClr val="accent1"/>
-          </a:effectRef>
-          <a:fontRef idx="minor">
-            <a:schemeClr val="lt1"/>
-          </a:fontRef>
-        </p:style>
-      </p:sp>
-      <p:sp>
-        <p:nvSpPr>
-          <p:cNvPr id="12" name="Rectangle 11">
-            <a:extLst>
-              <a:ext uri="{FF2B5EF4-FFF2-40B4-BE49-F238E27FC236}">
-                <a16:creationId xmlns:a16="http://schemas.microsoft.com/office/drawing/2014/main" id="{9485DA84-CB73-4E5E-9864-2460CE28055D}"/>
-              </a:ext>
-              <a:ext uri="{C183D7F6-B498-43B3-948B-1728B52AA6E4}">
-                <adec:decorative xmlns:adec="http://schemas.microsoft.com/office/drawing/2017/decorative" val="1"/>
-              </a:ext>
-            </a:extLst>
-          </p:cNvPr>
-          <p:cNvSpPr>
-            <a:spLocks noGrp="1" noRot="1" noChangeAspect="1" noMove="1" noResize="1" noEditPoints="1" noAdjustHandles="1" noChangeArrowheads="1" noChangeShapeType="1" noTextEdit="1"/>
-          </p:cNvSpPr>
-          <p:nvPr>
-            <p:extLst>
-              <p:ext uri="{386F3935-93C4-4BCD-93E2-E3B085C9AB24}">
-                <p16:designElem xmlns:p16="http://schemas.microsoft.com/office/powerpoint/2015/main" val="1"/>
-              </p:ext>
-            </p:extLst>
-          </p:nvPr>
-        </p:nvSpPr>
-        <p:spPr>
-          <a:xfrm>
-            <a:off x="0" y="0"/>
-            <a:ext cx="9144000" cy="6858000"/>
-          </a:xfrm>
-          <a:prstGeom prst="rect">
-            <a:avLst/>
-          </a:prstGeom>
-          <a:solidFill>
-            <a:schemeClr val="bg2"/>
-          </a:solidFill>
-          <a:ln>
-            <a:noFill/>
-          </a:ln>
-        </p:spPr>
-        <p:style>
-          <a:lnRef idx="2">
-            <a:schemeClr val="accent1">
-              <a:shade val="50000"/>
-            </a:schemeClr>
-          </a:lnRef>
-          <a:fillRef idx="1">
-            <a:schemeClr val="accent1"/>
-          </a:fillRef>
-          <a:effectRef idx="0">
-            <a:schemeClr val="accent1"/>
-          </a:effectRef>
-          <a:fontRef idx="minor">
-            <a:schemeClr val="lt1"/>
-          </a:fontRef>
-        </p:style>
-        <p:txBody>
-          <a:bodyPr rtlCol="0" anchor="ctr"/>
-          <a:lstStyle/>
-          <a:p>
-            <a:pPr algn="ctr"/>
-            <a:endParaRPr lang="en-US"/>
-          </a:p>
-        </p:txBody>
-      </p:sp>
-      <p:sp>
-        <p:nvSpPr>
-          <p:cNvPr id="14" name="Rectangle 13">
-            <a:extLst>
-              <a:ext uri="{FF2B5EF4-FFF2-40B4-BE49-F238E27FC236}">
-                <a16:creationId xmlns:a16="http://schemas.microsoft.com/office/drawing/2014/main" id="{7D49185E-361A-421B-8F2D-11C7FFC686F0}"/>
-              </a:ext>
-              <a:ext uri="{C183D7F6-B498-43B3-948B-1728B52AA6E4}">
-                <adec:decorative xmlns:adec="http://schemas.microsoft.com/office/drawing/2017/decorative" val="1"/>
-              </a:ext>
-            </a:extLst>
-          </p:cNvPr>
-          <p:cNvSpPr>
-            <a:spLocks noGrp="1" noRot="1" noChangeAspect="1" noMove="1" noResize="1" noEditPoints="1" noAdjustHandles="1" noChangeArrowheads="1" noChangeShapeType="1" noTextEdit="1"/>
-          </p:cNvSpPr>
-          <p:nvPr>
-            <p:extLst>
-              <p:ext uri="{386F3935-93C4-4BCD-93E2-E3B085C9AB24}">
-                <p16:designElem xmlns:p16="http://schemas.microsoft.com/office/powerpoint/2015/main" val="1"/>
-              </p:ext>
-            </p:extLst>
-          </p:nvPr>
-        </p:nvSpPr>
-        <p:spPr>
-          <a:xfrm>
-            <a:off x="0" y="0"/>
-            <a:ext cx="274320" cy="365760"/>
-          </a:xfrm>
-          <a:prstGeom prst="rect">
-            <a:avLst/>
-          </a:prstGeom>
-          <a:solidFill>
-            <a:schemeClr val="tx1"/>
-          </a:solidFill>
-          <a:ln>
-            <a:noFill/>
-          </a:ln>
-        </p:spPr>
-        <p:style>
-          <a:lnRef idx="2">
-            <a:schemeClr val="accent1">
-              <a:shade val="50000"/>
-            </a:schemeClr>
-          </a:lnRef>
-          <a:fillRef idx="1">
-            <a:schemeClr val="accent1"/>
-          </a:fillRef>
-          <a:effectRef idx="0">
-            <a:schemeClr val="accent1"/>
-          </a:effectRef>
-          <a:fontRef idx="minor">
-            <a:schemeClr val="lt1"/>
-          </a:fontRef>
-        </p:style>
-        <p:txBody>
-          <a:bodyPr rtlCol="0" anchor="ctr"/>
-          <a:lstStyle/>
-          <a:p>
-            <a:pPr algn="ctr"/>
-            <a:endParaRPr lang="en-US"/>
-          </a:p>
-        </p:txBody>
-      </p:sp>
-      <p:sp>
-        <p:nvSpPr>
-          <p:cNvPr id="16" name="Rectangle 15">
-            <a:extLst>
-              <a:ext uri="{FF2B5EF4-FFF2-40B4-BE49-F238E27FC236}">
-                <a16:creationId xmlns:a16="http://schemas.microsoft.com/office/drawing/2014/main" id="{14B85BAA-C37F-44B4-B427-B4F10EBB4183}"/>
-              </a:ext>
-              <a:ext uri="{C183D7F6-B498-43B3-948B-1728B52AA6E4}">
-                <adec:decorative xmlns:adec="http://schemas.microsoft.com/office/drawing/2017/decorative" val="1"/>
-              </a:ext>
-            </a:extLst>
-          </p:cNvPr>
-          <p:cNvSpPr>
-            <a:spLocks noGrp="1" noRot="1" noChangeAspect="1" noMove="1" noResize="1" noEditPoints="1" noAdjustHandles="1" noChangeArrowheads="1" noChangeShapeType="1" noTextEdit="1"/>
-          </p:cNvSpPr>
-          <p:nvPr>
-            <p:extLst>
-              <p:ext uri="{386F3935-93C4-4BCD-93E2-E3B085C9AB24}">
-                <p16:designElem xmlns:p16="http://schemas.microsoft.com/office/powerpoint/2015/main" val="1"/>
-              </p:ext>
-            </p:extLst>
-          </p:nvPr>
-        </p:nvSpPr>
-        <p:spPr>
-          <a:xfrm>
-            <a:off x="8869680" y="-4668"/>
-            <a:ext cx="274320" cy="365760"/>
-          </a:xfrm>
-          <a:prstGeom prst="rect">
-            <a:avLst/>
-          </a:prstGeom>
-          <a:solidFill>
-            <a:schemeClr val="tx1"/>
-          </a:solidFill>
-          <a:ln>
-            <a:noFill/>
-          </a:ln>
-        </p:spPr>
-        <p:style>
-          <a:lnRef idx="2">
-            <a:schemeClr val="accent1">
-              <a:shade val="50000"/>
-            </a:schemeClr>
-          </a:lnRef>
-          <a:fillRef idx="1">
-            <a:schemeClr val="accent1"/>
-          </a:fillRef>
-          <a:effectRef idx="0">
-            <a:schemeClr val="accent1"/>
-          </a:effectRef>
-          <a:fontRef idx="minor">
-            <a:schemeClr val="lt1"/>
-          </a:fontRef>
-        </p:style>
-        <p:txBody>
-          <a:bodyPr rtlCol="0" anchor="ctr"/>
-          <a:lstStyle/>
-          <a:p>
-            <a:pPr algn="ctr"/>
-            <a:endParaRPr lang="en-US"/>
-          </a:p>
-        </p:txBody>
-      </p:sp>
-      <p:sp>
-        <p:nvSpPr>
-          <p:cNvPr id="18" name="Rectangle 17">
-            <a:extLst>
-              <a:ext uri="{FF2B5EF4-FFF2-40B4-BE49-F238E27FC236}">
-                <a16:creationId xmlns:a16="http://schemas.microsoft.com/office/drawing/2014/main" id="{EDC4EE06-D7B4-4FAC-A561-38A1C380232A}"/>
-              </a:ext>
-              <a:ext uri="{C183D7F6-B498-43B3-948B-1728B52AA6E4}">
-                <adec:decorative xmlns:adec="http://schemas.microsoft.com/office/drawing/2017/decorative" val="1"/>
-              </a:ext>
-            </a:extLst>
-          </p:cNvPr>
-          <p:cNvSpPr>
-            <a:spLocks noGrp="1" noRot="1" noChangeAspect="1" noMove="1" noResize="1" noEditPoints="1" noAdjustHandles="1" noChangeArrowheads="1" noChangeShapeType="1" noTextEdit="1"/>
-          </p:cNvSpPr>
-          <p:nvPr>
-            <p:extLst>
-              <p:ext uri="{386F3935-93C4-4BCD-93E2-E3B085C9AB24}">
-                <p16:designElem xmlns:p16="http://schemas.microsoft.com/office/powerpoint/2015/main" val="1"/>
-              </p:ext>
-            </p:extLst>
-          </p:nvPr>
-        </p:nvSpPr>
-        <p:spPr>
-          <a:xfrm>
-            <a:off x="0" y="6494325"/>
-            <a:ext cx="274320" cy="365760"/>
-          </a:xfrm>
-          <a:prstGeom prst="rect">
-            <a:avLst/>
-          </a:prstGeom>
-          <a:solidFill>
-            <a:schemeClr val="tx1"/>
-          </a:solidFill>
-          <a:ln>
-            <a:noFill/>
-          </a:ln>
-        </p:spPr>
-        <p:style>
-          <a:lnRef idx="2">
-            <a:schemeClr val="accent1">
-              <a:shade val="50000"/>
-            </a:schemeClr>
-          </a:lnRef>
-          <a:fillRef idx="1">
-            <a:schemeClr val="accent1"/>
-          </a:fillRef>
-          <a:effectRef idx="0">
-            <a:schemeClr val="accent1"/>
-          </a:effectRef>
-          <a:fontRef idx="minor">
-            <a:schemeClr val="lt1"/>
-          </a:fontRef>
-        </p:style>
-        <p:txBody>
-          <a:bodyPr rtlCol="0" anchor="ctr"/>
-          <a:lstStyle/>
-          <a:p>
-            <a:pPr algn="ctr"/>
-            <a:endParaRPr lang="en-US"/>
-          </a:p>
-        </p:txBody>
-      </p:sp>
-      <p:sp>
-        <p:nvSpPr>
-          <p:cNvPr id="20" name="Rectangle 19">
-            <a:extLst>
-              <a:ext uri="{FF2B5EF4-FFF2-40B4-BE49-F238E27FC236}">
-                <a16:creationId xmlns:a16="http://schemas.microsoft.com/office/drawing/2014/main" id="{9018D83B-903C-4782-B1BB-A45164A71F60}"/>
-              </a:ext>
-              <a:ext uri="{C183D7F6-B498-43B3-948B-1728B52AA6E4}">
-                <adec:decorative xmlns:adec="http://schemas.microsoft.com/office/drawing/2017/decorative" val="1"/>
-              </a:ext>
-            </a:extLst>
-          </p:cNvPr>
-          <p:cNvSpPr>
-            <a:spLocks noGrp="1" noRot="1" noChangeAspect="1" noMove="1" noResize="1" noEditPoints="1" noAdjustHandles="1" noChangeArrowheads="1" noChangeShapeType="1" noTextEdit="1"/>
-          </p:cNvSpPr>
-          <p:nvPr>
-            <p:extLst>
-              <p:ext uri="{386F3935-93C4-4BCD-93E2-E3B085C9AB24}">
-                <p16:designElem xmlns:p16="http://schemas.microsoft.com/office/powerpoint/2015/main" val="1"/>
-              </p:ext>
-            </p:extLst>
-          </p:nvPr>
-        </p:nvSpPr>
-        <p:spPr>
-          <a:xfrm>
-            <a:off x="8869680" y="6494325"/>
-            <a:ext cx="274320" cy="365760"/>
-          </a:xfrm>
-          <a:prstGeom prst="rect">
-            <a:avLst/>
-          </a:prstGeom>
-          <a:solidFill>
-            <a:schemeClr val="tx1"/>
-          </a:solidFill>
-          <a:ln>
-            <a:noFill/>
-          </a:ln>
-        </p:spPr>
-        <p:style>
-          <a:lnRef idx="2">
-            <a:schemeClr val="accent1">
-              <a:shade val="50000"/>
-            </a:schemeClr>
-          </a:lnRef>
-          <a:fillRef idx="1">
-            <a:schemeClr val="accent1"/>
-          </a:fillRef>
-          <a:effectRef idx="0">
-            <a:schemeClr val="accent1"/>
-          </a:effectRef>
-          <a:fontRef idx="minor">
-            <a:schemeClr val="lt1"/>
-          </a:fontRef>
-        </p:style>
-        <p:txBody>
-          <a:bodyPr rtlCol="0" anchor="ctr"/>
-          <a:lstStyle/>
-          <a:p>
-            <a:pPr algn="ctr"/>
-            <a:endParaRPr lang="en-US"/>
-          </a:p>
-        </p:txBody>
-      </p:sp>
-      <p:sp>
-        <p:nvSpPr>
-          <p:cNvPr id="22" name="Rectangle 21">
-            <a:extLst>
-              <a:ext uri="{FF2B5EF4-FFF2-40B4-BE49-F238E27FC236}">
-                <a16:creationId xmlns:a16="http://schemas.microsoft.com/office/drawing/2014/main" id="{8785589A-A5AC-409A-B2A2-24D871B4CEF0}"/>
-              </a:ext>
-              <a:ext uri="{C183D7F6-B498-43B3-948B-1728B52AA6E4}">
-                <adec:decorative xmlns:adec="http://schemas.microsoft.com/office/drawing/2017/decorative" val="1"/>
-              </a:ext>
-            </a:extLst>
-          </p:cNvPr>
-          <p:cNvSpPr>
-            <a:spLocks noGrp="1" noRot="1" noChangeAspect="1" noMove="1" noResize="1" noEditPoints="1" noAdjustHandles="1" noChangeArrowheads="1" noChangeShapeType="1" noTextEdit="1"/>
-          </p:cNvSpPr>
-          <p:nvPr>
-            <p:extLst>
-              <p:ext uri="{386F3935-93C4-4BCD-93E2-E3B085C9AB24}">
-                <p16:designElem xmlns:p16="http://schemas.microsoft.com/office/powerpoint/2015/main" val="1"/>
-              </p:ext>
-            </p:extLst>
-          </p:nvPr>
-        </p:nvSpPr>
-        <p:spPr>
-          <a:xfrm>
-            <a:off x="120650" y="158782"/>
-            <a:ext cx="8902699" cy="6537850"/>
-          </a:xfrm>
-          <a:prstGeom prst="rect">
-            <a:avLst/>
-          </a:prstGeom>
-          <a:solidFill>
-            <a:srgbClr val="FFFFFF"/>
-          </a:solidFill>
-          <a:ln>
-            <a:noFill/>
-          </a:ln>
-        </p:spPr>
-        <p:style>
-          <a:lnRef idx="2">
-            <a:schemeClr val="accent1">
-              <a:shade val="50000"/>
-            </a:schemeClr>
-          </a:lnRef>
-          <a:fillRef idx="1">
-            <a:schemeClr val="accent1"/>
-          </a:fillRef>
-          <a:effectRef idx="0">
-            <a:schemeClr val="accent1"/>
-          </a:effectRef>
-          <a:fontRef idx="minor">
-            <a:schemeClr val="lt1"/>
-          </a:fontRef>
-        </p:style>
-        <p:txBody>
-          <a:bodyPr rtlCol="0" anchor="ctr"/>
-          <a:lstStyle/>
-          <a:p>
-            <a:pPr algn="ctr"/>
-            <a:endParaRPr lang="en-US"/>
-          </a:p>
-        </p:txBody>
-      </p:sp>
-      <p:pic>
-        <p:nvPicPr>
-          <p:cNvPr id="5" name="Content Placeholder 4" descr="A screenshot of a cell phone&#10;&#10;Description automatically generated">
-            <a:extLst>
-              <a:ext uri="{FF2B5EF4-FFF2-40B4-BE49-F238E27FC236}">
-                <a16:creationId xmlns:a16="http://schemas.microsoft.com/office/drawing/2014/main" id="{9A670D1B-4F94-425B-919A-E14722A37558}"/>
-              </a:ext>
-            </a:extLst>
-          </p:cNvPr>
-          <p:cNvPicPr>
-            <a:picLocks noGrp="1" noChangeAspect="1"/>
-          </p:cNvPicPr>
-          <p:nvPr>
-            <p:ph idx="1"/>
-          </p:nvPr>
-        </p:nvPicPr>
-        <p:blipFill>
-          <a:blip r:embed="rId2" cstate="print">
-            <a:extLst>
-              <a:ext uri="{28A0092B-C50C-407E-A947-70E740481C1C}">
-                <a14:useLocalDpi xmlns:a14="http://schemas.microsoft.com/office/drawing/2010/main" val="0"/>
-              </a:ext>
-            </a:extLst>
-          </a:blip>
-          <a:stretch>
-            <a:fillRect/>
-          </a:stretch>
-        </p:blipFill>
-        <p:spPr>
-          <a:xfrm>
-            <a:off x="0" y="0"/>
-            <a:ext cx="9143999" cy="7010400"/>
-          </a:xfrm>
-          <a:prstGeom prst="rect">
-            <a:avLst/>
-          </a:prstGeom>
-        </p:spPr>
-      </p:pic>
-      <p:sp>
-        <p:nvSpPr>
-          <p:cNvPr id="6" name="TextBox 5">
-            <a:extLst>
-              <a:ext uri="{FF2B5EF4-FFF2-40B4-BE49-F238E27FC236}">
-                <a16:creationId xmlns:a16="http://schemas.microsoft.com/office/drawing/2014/main" id="{6B0E0ACE-3EE1-4C98-9479-318218EA5FE3}"/>
-              </a:ext>
-            </a:extLst>
-          </p:cNvPr>
-          <p:cNvSpPr txBox="1"/>
-          <p:nvPr/>
-        </p:nvSpPr>
-        <p:spPr>
-          <a:xfrm>
-            <a:off x="5730240" y="6124993"/>
-            <a:ext cx="3276600" cy="369332"/>
-          </a:xfrm>
-          <a:prstGeom prst="rect">
-            <a:avLst/>
-          </a:prstGeom>
-          <a:solidFill>
-            <a:schemeClr val="accent1"/>
-          </a:solidFill>
-          <a:ln>
-            <a:noFill/>
-          </a:ln>
-        </p:spPr>
-        <p:style>
-          <a:lnRef idx="0">
-            <a:scrgbClr r="0" g="0" b="0"/>
-          </a:lnRef>
-          <a:fillRef idx="0">
-            <a:scrgbClr r="0" g="0" b="0"/>
-          </a:fillRef>
-          <a:effectRef idx="0">
-            <a:scrgbClr r="0" g="0" b="0"/>
-          </a:effectRef>
-          <a:fontRef idx="minor">
-            <a:schemeClr val="lt1"/>
-          </a:fontRef>
-        </p:style>
-        <p:txBody>
-          <a:bodyPr wrap="square" rtlCol="0">
-            <a:spAutoFit/>
-          </a:bodyPr>
-          <a:lstStyle/>
-          <a:p>
-            <a:pPr algn="ctr"/>
-            <a:r>
-              <a:rPr lang="en-US" dirty="0"/>
-              <a:t>Clusters Used for Sean’s Q2</a:t>
-            </a:r>
-          </a:p>
-        </p:txBody>
-      </p:sp>
-    </p:spTree>
-    <p:extLst>
-      <p:ext uri="{BB962C8B-B14F-4D97-AF65-F5344CB8AC3E}">
-        <p14:creationId xmlns:p14="http://schemas.microsoft.com/office/powerpoint/2010/main" val="3720603343"/>
       </p:ext>
     </p:extLst>
   </p:cSld>

--- a/presentation/gtdb-final-presentation.pptx
+++ b/presentation/gtdb-final-presentation.pptx
@@ -339,7 +339,7 @@
           <a:p>
             <a:fld id="{5FFFC3A9-8065-47C2-8225-E4C63BB2D22D}" type="datetimeFigureOut">
               <a:rPr lang="en-US" smtClean="0"/>
-              <a:t>11/25/2019</a:t>
+              <a:t>11/26/2019</a:t>
             </a:fld>
             <a:endParaRPr lang="en-US"/>
           </a:p>
@@ -3462,7 +3462,7 @@
             <a:fld id="{1D8BD707-D9CF-40AE-B4C6-C98DA3205C09}" type="datetimeFigureOut">
               <a:rPr lang="en-US" smtClean="0"/>
               <a:pPr/>
-              <a:t>11/25/2019</a:t>
+              <a:t>11/26/2019</a:t>
             </a:fld>
             <a:endParaRPr lang="en-US"/>
           </a:p>
@@ -3799,7 +3799,7 @@
             <a:fld id="{1D8BD707-D9CF-40AE-B4C6-C98DA3205C09}" type="datetimeFigureOut">
               <a:rPr lang="en-US" smtClean="0"/>
               <a:pPr/>
-              <a:t>11/25/2019</a:t>
+              <a:t>11/26/2019</a:t>
             </a:fld>
             <a:endParaRPr lang="en-US"/>
           </a:p>
@@ -3981,7 +3981,7 @@
             <a:fld id="{1D8BD707-D9CF-40AE-B4C6-C98DA3205C09}" type="datetimeFigureOut">
               <a:rPr lang="en-US" smtClean="0"/>
               <a:pPr/>
-              <a:t>11/25/2019</a:t>
+              <a:t>11/26/2019</a:t>
             </a:fld>
             <a:endParaRPr lang="en-US"/>
           </a:p>
@@ -4153,7 +4153,7 @@
             <a:fld id="{1D8BD707-D9CF-40AE-B4C6-C98DA3205C09}" type="datetimeFigureOut">
               <a:rPr lang="en-US" smtClean="0"/>
               <a:pPr/>
-              <a:t>11/25/2019</a:t>
+              <a:t>11/26/2019</a:t>
             </a:fld>
             <a:endParaRPr lang="en-US"/>
           </a:p>
@@ -4432,7 +4432,7 @@
             <a:fld id="{1D8BD707-D9CF-40AE-B4C6-C98DA3205C09}" type="datetimeFigureOut">
               <a:rPr lang="en-US" smtClean="0"/>
               <a:pPr/>
-              <a:t>11/25/2019</a:t>
+              <a:t>11/26/2019</a:t>
             </a:fld>
             <a:endParaRPr lang="en-US"/>
           </a:p>
@@ -4884,7 +4884,7 @@
             <a:fld id="{1D8BD707-D9CF-40AE-B4C6-C98DA3205C09}" type="datetimeFigureOut">
               <a:rPr lang="en-US" smtClean="0"/>
               <a:pPr/>
-              <a:t>11/25/2019</a:t>
+              <a:t>11/26/2019</a:t>
             </a:fld>
             <a:endParaRPr lang="en-US"/>
           </a:p>
@@ -5363,7 +5363,7 @@
             <a:fld id="{1D8BD707-D9CF-40AE-B4C6-C98DA3205C09}" type="datetimeFigureOut">
               <a:rPr lang="en-US" smtClean="0"/>
               <a:pPr/>
-              <a:t>11/25/2019</a:t>
+              <a:t>11/26/2019</a:t>
             </a:fld>
             <a:endParaRPr lang="en-US"/>
           </a:p>
@@ -5483,7 +5483,7 @@
             <a:fld id="{1D8BD707-D9CF-40AE-B4C6-C98DA3205C09}" type="datetimeFigureOut">
               <a:rPr lang="en-US" smtClean="0"/>
               <a:pPr/>
-              <a:t>11/25/2019</a:t>
+              <a:t>11/26/2019</a:t>
             </a:fld>
             <a:endParaRPr lang="en-US"/>
           </a:p>
@@ -5580,7 +5580,7 @@
             <a:fld id="{1D8BD707-D9CF-40AE-B4C6-C98DA3205C09}" type="datetimeFigureOut">
               <a:rPr lang="en-US" smtClean="0"/>
               <a:pPr/>
-              <a:t>11/25/2019</a:t>
+              <a:t>11/26/2019</a:t>
             </a:fld>
             <a:endParaRPr lang="en-US"/>
           </a:p>
@@ -5935,7 +5935,7 @@
             <a:fld id="{1D8BD707-D9CF-40AE-B4C6-C98DA3205C09}" type="datetimeFigureOut">
               <a:rPr lang="en-US" smtClean="0"/>
               <a:pPr/>
-              <a:t>11/25/2019</a:t>
+              <a:t>11/26/2019</a:t>
             </a:fld>
             <a:endParaRPr lang="en-US"/>
           </a:p>
@@ -6365,7 +6365,7 @@
             <a:fld id="{1D8BD707-D9CF-40AE-B4C6-C98DA3205C09}" type="datetimeFigureOut">
               <a:rPr lang="en-US" smtClean="0"/>
               <a:pPr/>
-              <a:t>11/25/2019</a:t>
+              <a:t>11/26/2019</a:t>
             </a:fld>
             <a:endParaRPr lang="en-US"/>
           </a:p>
@@ -6683,7 +6683,7 @@
             <a:fld id="{1D8BD707-D9CF-40AE-B4C6-C98DA3205C09}" type="datetimeFigureOut">
               <a:rPr lang="en-US" smtClean="0"/>
               <a:pPr/>
-              <a:t>11/25/2019</a:t>
+              <a:t>11/26/2019</a:t>
             </a:fld>
             <a:endParaRPr lang="en-US"/>
           </a:p>
@@ -7273,7 +7273,7 @@
             <a:r>
               <a:rPr lang="en-US" dirty="0">
                 <a:solidFill>
-                  <a:schemeClr val="tx1"/>
+                  <a:srgbClr val="FF0000"/>
                 </a:solidFill>
               </a:rPr>
               <a:t>Global Terrorism</a:t>
@@ -7333,6 +7333,185 @@
           </a:p>
         </p:txBody>
       </p:sp>
+      <p:pic>
+        <p:nvPicPr>
+          <p:cNvPr id="4" name="Picture 3">
+            <a:extLst>
+              <a:ext uri="{FF2B5EF4-FFF2-40B4-BE49-F238E27FC236}">
+                <a16:creationId xmlns:a16="http://schemas.microsoft.com/office/drawing/2014/main" id="{45B68530-1AC4-4094-81CB-297D3AC7109B}"/>
+              </a:ext>
+            </a:extLst>
+          </p:cNvPr>
+          <p:cNvPicPr>
+            <a:picLocks noChangeAspect="1"/>
+          </p:cNvPicPr>
+          <p:nvPr/>
+        </p:nvPicPr>
+        <p:blipFill>
+          <a:blip r:embed="rId2"/>
+          <a:stretch>
+            <a:fillRect/>
+          </a:stretch>
+        </p:blipFill>
+        <p:spPr>
+          <a:xfrm>
+            <a:off x="966943" y="1111386"/>
+            <a:ext cx="1552575" cy="1035050"/>
+          </a:xfrm>
+          <a:prstGeom prst="rect">
+            <a:avLst/>
+          </a:prstGeom>
+        </p:spPr>
+      </p:pic>
+      <p:pic>
+        <p:nvPicPr>
+          <p:cNvPr id="5" name="Picture 4">
+            <a:extLst>
+              <a:ext uri="{FF2B5EF4-FFF2-40B4-BE49-F238E27FC236}">
+                <a16:creationId xmlns:a16="http://schemas.microsoft.com/office/drawing/2014/main" id="{57A82091-FA36-4B89-A4F8-CE685115CA25}"/>
+              </a:ext>
+            </a:extLst>
+          </p:cNvPr>
+          <p:cNvPicPr>
+            <a:picLocks noChangeAspect="1"/>
+          </p:cNvPicPr>
+          <p:nvPr/>
+        </p:nvPicPr>
+        <p:blipFill>
+          <a:blip r:embed="rId3"/>
+          <a:stretch>
+            <a:fillRect/>
+          </a:stretch>
+        </p:blipFill>
+        <p:spPr>
+          <a:xfrm>
+            <a:off x="6624483" y="219211"/>
+            <a:ext cx="1285875" cy="1409700"/>
+          </a:xfrm>
+          <a:prstGeom prst="rect">
+            <a:avLst/>
+          </a:prstGeom>
+        </p:spPr>
+      </p:pic>
+      <p:pic>
+        <p:nvPicPr>
+          <p:cNvPr id="6" name="Picture 5">
+            <a:extLst>
+              <a:ext uri="{FF2B5EF4-FFF2-40B4-BE49-F238E27FC236}">
+                <a16:creationId xmlns:a16="http://schemas.microsoft.com/office/drawing/2014/main" id="{CE4CC510-01EC-4E9E-AE8C-FB29E43ADCEC}"/>
+              </a:ext>
+            </a:extLst>
+          </p:cNvPr>
+          <p:cNvPicPr>
+            <a:picLocks noChangeAspect="1"/>
+          </p:cNvPicPr>
+          <p:nvPr/>
+        </p:nvPicPr>
+        <p:blipFill>
+          <a:blip r:embed="rId4"/>
+          <a:stretch>
+            <a:fillRect/>
+          </a:stretch>
+        </p:blipFill>
+        <p:spPr>
+          <a:xfrm>
+            <a:off x="6362545" y="4849975"/>
+            <a:ext cx="1809750" cy="892810"/>
+          </a:xfrm>
+          <a:prstGeom prst="rect">
+            <a:avLst/>
+          </a:prstGeom>
+        </p:spPr>
+      </p:pic>
+      <p:pic>
+        <p:nvPicPr>
+          <p:cNvPr id="7" name="Picture 6">
+            <a:extLst>
+              <a:ext uri="{FF2B5EF4-FFF2-40B4-BE49-F238E27FC236}">
+                <a16:creationId xmlns:a16="http://schemas.microsoft.com/office/drawing/2014/main" id="{C0DAC993-D76F-41BD-BCE8-BC20081082FB}"/>
+              </a:ext>
+            </a:extLst>
+          </p:cNvPr>
+          <p:cNvPicPr>
+            <a:picLocks noChangeAspect="1"/>
+          </p:cNvPicPr>
+          <p:nvPr/>
+        </p:nvPicPr>
+        <p:blipFill>
+          <a:blip r:embed="rId5">
+            <a:extLst>
+              <a:ext uri="{BEBA8EAE-BF5A-486C-A8C5-ECC9F3942E4B}">
+                <a14:imgProps xmlns:a14="http://schemas.microsoft.com/office/drawing/2010/main">
+                  <a14:imgLayer r:embed="rId6">
+                    <a14:imgEffect>
+                      <a14:brightnessContrast bright="20000" contrast="-40000"/>
+                    </a14:imgEffect>
+                  </a14:imgLayer>
+                </a14:imgProps>
+              </a:ext>
+            </a:extLst>
+          </a:blip>
+          <a:stretch>
+            <a:fillRect/>
+          </a:stretch>
+        </p:blipFill>
+        <p:spPr>
+          <a:xfrm>
+            <a:off x="1100293" y="4455799"/>
+            <a:ext cx="1285875" cy="1681162"/>
+          </a:xfrm>
+          <a:prstGeom prst="rect">
+            <a:avLst/>
+          </a:prstGeom>
+        </p:spPr>
+      </p:pic>
+      <p:pic>
+        <p:nvPicPr>
+          <p:cNvPr id="6146" name="Picture 2" descr="NPA logo.svg">
+            <a:extLst>
+              <a:ext uri="{FF2B5EF4-FFF2-40B4-BE49-F238E27FC236}">
+                <a16:creationId xmlns:a16="http://schemas.microsoft.com/office/drawing/2014/main" id="{21F20B65-04B4-4401-A7D5-A8AD7DBB4426}"/>
+              </a:ext>
+            </a:extLst>
+          </p:cNvPr>
+          <p:cNvPicPr>
+            <a:picLocks noChangeAspect="1" noChangeArrowheads="1"/>
+          </p:cNvPicPr>
+          <p:nvPr/>
+        </p:nvPicPr>
+        <p:blipFill>
+          <a:blip r:embed="rId7">
+            <a:extLst>
+              <a:ext uri="{28A0092B-C50C-407E-A947-70E740481C1C}">
+                <a14:useLocalDpi xmlns:a14="http://schemas.microsoft.com/office/drawing/2010/main" val="0"/>
+              </a:ext>
+            </a:extLst>
+          </a:blip>
+          <a:srcRect/>
+          <a:stretch>
+            <a:fillRect/>
+          </a:stretch>
+        </p:blipFill>
+        <p:spPr bwMode="auto">
+          <a:xfrm>
+            <a:off x="3969452" y="824842"/>
+            <a:ext cx="1205097" cy="1090613"/>
+          </a:xfrm>
+          <a:prstGeom prst="rect">
+            <a:avLst/>
+          </a:prstGeom>
+          <a:noFill/>
+          <a:extLst>
+            <a:ext uri="{909E8E84-426E-40DD-AFC4-6F175D3DCCD1}">
+              <a14:hiddenFill xmlns:a14="http://schemas.microsoft.com/office/drawing/2010/main">
+                <a:solidFill>
+                  <a:srgbClr val="FFFFFF"/>
+                </a:solidFill>
+              </a14:hiddenFill>
+            </a:ext>
+          </a:extLst>
+        </p:spPr>
+      </p:pic>
     </p:spTree>
     <p:extLst>
       <p:ext uri="{BB962C8B-B14F-4D97-AF65-F5344CB8AC3E}">
@@ -7952,7 +8131,7 @@
           <a:graphicData uri="http://schemas.openxmlformats.org/presentationml/2006/ole">
             <mc:AlternateContent xmlns:mc="http://schemas.openxmlformats.org/markup-compatibility/2006">
               <mc:Choice xmlns:v="urn:schemas-microsoft-com:vml" Requires="v">
-                <p:oleObj spid="_x0000_s2270" name="Worksheet" r:id="rId4" imgW="1923884" imgH="933476" progId="Excel.Sheet.12">
+                <p:oleObj spid="_x0000_s2277" name="Worksheet" r:id="rId4" imgW="1923884" imgH="933476" progId="Excel.Sheet.12">
                   <p:embed/>
                 </p:oleObj>
               </mc:Choice>
@@ -8376,7 +8555,7 @@
           <a:graphicData uri="http://schemas.openxmlformats.org/presentationml/2006/ole">
             <mc:AlternateContent xmlns:mc="http://schemas.openxmlformats.org/markup-compatibility/2006">
               <mc:Choice xmlns:v="urn:schemas-microsoft-com:vml" Requires="v">
-                <p:oleObj spid="_x0000_s1472" name="Worksheet" r:id="rId3" imgW="1466857" imgH="771525" progId="Excel.Sheet.12">
+                <p:oleObj spid="_x0000_s1486" name="Worksheet" r:id="rId3" imgW="1466857" imgH="771525" progId="Excel.Sheet.12">
                   <p:embed/>
                 </p:oleObj>
               </mc:Choice>
@@ -8439,7 +8618,7 @@
           <a:graphicData uri="http://schemas.openxmlformats.org/presentationml/2006/ole">
             <mc:AlternateContent xmlns:mc="http://schemas.openxmlformats.org/markup-compatibility/2006">
               <mc:Choice xmlns:v="urn:schemas-microsoft-com:vml" Requires="v">
-                <p:oleObj spid="_x0000_s1473" name="Worksheet" r:id="rId5" imgW="1466857" imgH="771525" progId="Excel.Sheet.12">
+                <p:oleObj spid="_x0000_s1487" name="Worksheet" r:id="rId5" imgW="1466857" imgH="771525" progId="Excel.Sheet.12">
                   <p:embed/>
                 </p:oleObj>
               </mc:Choice>
@@ -9139,7 +9318,7 @@
           <a:graphicData uri="http://schemas.openxmlformats.org/presentationml/2006/ole">
             <mc:AlternateContent xmlns:mc="http://schemas.openxmlformats.org/markup-compatibility/2006">
               <mc:Choice xmlns:v="urn:schemas-microsoft-com:vml" Requires="v">
-                <p:oleObj spid="_x0000_s3291" name="Worksheet" r:id="rId5" imgW="1923884" imgH="933476" progId="Excel.Sheet.12">
+                <p:oleObj spid="_x0000_s3298" name="Worksheet" r:id="rId5" imgW="1923884" imgH="933476" progId="Excel.Sheet.12">
                   <p:embed/>
                 </p:oleObj>
               </mc:Choice>
@@ -13926,7 +14105,7 @@
           <a:graphicData uri="http://schemas.openxmlformats.org/presentationml/2006/ole">
             <mc:AlternateContent xmlns:mc="http://schemas.openxmlformats.org/markup-compatibility/2006">
               <mc:Choice xmlns:v="urn:schemas-microsoft-com:vml" Requires="v">
-                <p:oleObj spid="_x0000_s5219" name="Worksheet" r:id="rId3" imgW="2505144" imgH="1219149" progId="Excel.Sheet.12">
+                <p:oleObj spid="_x0000_s5226" name="Worksheet" r:id="rId3" imgW="2505144" imgH="1219149" progId="Excel.Sheet.12">
                   <p:embed/>
                 </p:oleObj>
               </mc:Choice>
@@ -14551,8 +14730,8 @@
           </a:p>
         </p:txBody>
       </p:sp>
-      <mc:AlternateContent xmlns:mc="http://schemas.openxmlformats.org/markup-compatibility/2006">
-        <mc:Choice xmlns:a14="http://schemas.microsoft.com/office/drawing/2010/main" Requires="a14">
+      <mc:AlternateContent xmlns:mc="http://schemas.openxmlformats.org/markup-compatibility/2006" xmlns:a14="http://schemas.microsoft.com/office/drawing/2010/main">
+        <mc:Choice Requires="a14">
           <p:sp>
             <p:nvSpPr>
               <p:cNvPr id="3" name="Content Placeholder 2">
@@ -14698,7 +14877,7 @@
             </p:txBody>
           </p:sp>
         </mc:Choice>
-        <mc:Fallback>
+        <mc:Fallback xmlns="">
           <p:sp>
             <p:nvSpPr>
               <p:cNvPr id="3" name="Content Placeholder 2">
@@ -14807,8 +14986,8 @@
           </a:p>
         </p:txBody>
       </p:sp>
-      <mc:AlternateContent xmlns:mc="http://schemas.openxmlformats.org/markup-compatibility/2006">
-        <mc:Choice xmlns:a14="http://schemas.microsoft.com/office/drawing/2010/main" Requires="a14">
+      <mc:AlternateContent xmlns:mc="http://schemas.openxmlformats.org/markup-compatibility/2006" xmlns:a14="http://schemas.microsoft.com/office/drawing/2010/main">
+        <mc:Choice Requires="a14">
           <p:sp>
             <p:nvSpPr>
               <p:cNvPr id="3" name="Content Placeholder 2">
@@ -14922,7 +15101,7 @@
             </p:txBody>
           </p:sp>
         </mc:Choice>
-        <mc:Fallback>
+        <mc:Fallback xmlns="">
           <p:sp>
             <p:nvSpPr>
               <p:cNvPr id="3" name="Content Placeholder 2">
@@ -34099,8 +34278,8 @@
           </a:p>
         </p:txBody>
       </p:sp>
-      <mc:AlternateContent xmlns:mc="http://schemas.openxmlformats.org/markup-compatibility/2006">
-        <mc:Choice xmlns:a14="http://schemas.microsoft.com/office/drawing/2010/main" Requires="a14">
+      <mc:AlternateContent xmlns:mc="http://schemas.openxmlformats.org/markup-compatibility/2006" xmlns:a14="http://schemas.microsoft.com/office/drawing/2010/main">
+        <mc:Choice Requires="a14">
           <p:sp>
             <p:nvSpPr>
               <p:cNvPr id="20" name="TextBox 19">
@@ -34152,13 +34331,7 @@
                       <a:rPr lang="en-US" b="0" i="1" smtClean="0">
                         <a:latin typeface="Cambria Math" panose="02040503050406030204" pitchFamily="18" charset="0"/>
                       </a:rPr>
-                      <m:t>≈</m:t>
-                    </m:r>
-                    <m:r>
-                      <a:rPr lang="en-US" b="0" i="1" smtClean="0">
-                        <a:latin typeface="Cambria Math" panose="02040503050406030204" pitchFamily="18" charset="0"/>
-                      </a:rPr>
-                      <m:t>33</m:t>
+                      <m:t>≈33</m:t>
                     </m:r>
                   </m:oMath>
                 </a14:m>
@@ -34178,13 +34351,7 @@
                       <a:rPr lang="en-US" b="0" i="1" smtClean="0">
                         <a:latin typeface="Cambria Math" panose="02040503050406030204" pitchFamily="18" charset="0"/>
                       </a:rPr>
-                      <m:t>≈</m:t>
-                    </m:r>
-                    <m:r>
-                      <a:rPr lang="en-US" b="0" i="1" smtClean="0">
-                        <a:latin typeface="Cambria Math" panose="02040503050406030204" pitchFamily="18" charset="0"/>
-                      </a:rPr>
-                      <m:t>38</m:t>
+                      <m:t>≈38</m:t>
                     </m:r>
                   </m:oMath>
                 </a14:m>
@@ -34196,7 +34363,7 @@
             </p:txBody>
           </p:sp>
         </mc:Choice>
-        <mc:Fallback>
+        <mc:Fallback xmlns="">
           <p:sp>
             <p:nvSpPr>
               <p:cNvPr id="20" name="TextBox 19">
@@ -34305,8 +34472,8 @@
           </a:effectLst>
         </p:spPr>
       </p:pic>
-      <mc:AlternateContent xmlns:mc="http://schemas.openxmlformats.org/markup-compatibility/2006">
-        <mc:Choice xmlns:a14="http://schemas.microsoft.com/office/drawing/2010/main" Requires="a14">
+      <mc:AlternateContent xmlns:mc="http://schemas.openxmlformats.org/markup-compatibility/2006" xmlns:a14="http://schemas.microsoft.com/office/drawing/2010/main">
+        <mc:Choice Requires="a14">
           <p:sp>
             <p:nvSpPr>
               <p:cNvPr id="8" name="TextBox 7">
@@ -34366,7 +34533,7 @@
             </p:txBody>
           </p:sp>
         </mc:Choice>
-        <mc:Fallback>
+        <mc:Fallback xmlns="">
           <p:sp>
             <p:nvSpPr>
               <p:cNvPr id="8" name="TextBox 7">
@@ -34641,8 +34808,8 @@
           </a:p>
         </p:txBody>
       </p:sp>
-      <mc:AlternateContent xmlns:mc="http://schemas.openxmlformats.org/markup-compatibility/2006">
-        <mc:Choice xmlns:a14="http://schemas.microsoft.com/office/drawing/2010/main" Requires="a14">
+      <mc:AlternateContent xmlns:mc="http://schemas.openxmlformats.org/markup-compatibility/2006" xmlns:a14="http://schemas.microsoft.com/office/drawing/2010/main">
+        <mc:Choice Requires="a14">
           <p:sp>
             <p:nvSpPr>
               <p:cNvPr id="3" name="Content Placeholder 2">
@@ -34761,7 +34928,7 @@
             </p:txBody>
           </p:sp>
         </mc:Choice>
-        <mc:Fallback>
+        <mc:Fallback xmlns="">
           <p:sp>
             <p:nvSpPr>
               <p:cNvPr id="3" name="Content Placeholder 2">

--- a/presentation/gtdb-final-presentation.pptx
+++ b/presentation/gtdb-final-presentation.pptx
@@ -650,9 +650,23 @@
           <a:bodyPr/>
           <a:lstStyle/>
           <a:p>
+            <a:pPr marL="171450" indent="-171450">
+              <a:buFont typeface="Arial" panose="020B0604020202020204" pitchFamily="34" charset="0"/>
+              <a:buChar char="•"/>
+            </a:pPr>
             <a:r>
               <a:rPr lang="en-US" dirty="0"/>
-              <a:t>Densities based on random plot of 20,000 incidents</a:t>
+              <a:t>Middle East &amp; North Africa (most incidents) followed closely by Southeast Asia (over half of all incidents combined)</a:t>
+            </a:r>
+          </a:p>
+          <a:p>
+            <a:pPr marL="171450" indent="-171450">
+              <a:buFont typeface="Arial" panose="020B0604020202020204" pitchFamily="34" charset="0"/>
+              <a:buChar char="•"/>
+            </a:pPr>
+            <a:r>
+              <a:rPr lang="en-US" dirty="0"/>
+              <a:t>North America has the least incidents followed by Eastern Europe</a:t>
             </a:r>
           </a:p>
         </p:txBody>
@@ -674,7 +688,7 @@
           <a:p>
             <a:fld id="{58F5E0F1-AB47-4A7A-BA35-9463FCF91331}" type="slidenum">
               <a:rPr lang="en-US" smtClean="0"/>
-              <a:t>6</a:t>
+              <a:t>5</a:t>
             </a:fld>
             <a:endParaRPr lang="en-US"/>
           </a:p>
@@ -683,7 +697,7 @@
     </p:spTree>
     <p:extLst>
       <p:ext uri="{BB962C8B-B14F-4D97-AF65-F5344CB8AC3E}">
-        <p14:creationId xmlns:p14="http://schemas.microsoft.com/office/powerpoint/2010/main" val="2759362589"/>
+        <p14:creationId xmlns:p14="http://schemas.microsoft.com/office/powerpoint/2010/main" val="2972555965"/>
       </p:ext>
     </p:extLst>
   </p:cSld>
@@ -694,6 +708,90 @@
 </file>
 
 <file path=ppt/notesSlides/notesSlide10.xml><?xml version="1.0" encoding="utf-8"?>
+<p:notes xmlns:a="http://schemas.openxmlformats.org/drawingml/2006/main" xmlns:r="http://schemas.openxmlformats.org/officeDocument/2006/relationships" xmlns:p="http://schemas.openxmlformats.org/presentationml/2006/main">
+  <p:cSld>
+    <p:spTree>
+      <p:nvGrpSpPr>
+        <p:cNvPr id="1" name=""/>
+        <p:cNvGrpSpPr/>
+        <p:nvPr/>
+      </p:nvGrpSpPr>
+      <p:grpSpPr>
+        <a:xfrm>
+          <a:off x="0" y="0"/>
+          <a:ext cx="0" cy="0"/>
+          <a:chOff x="0" y="0"/>
+          <a:chExt cx="0" cy="0"/>
+        </a:xfrm>
+      </p:grpSpPr>
+      <p:sp>
+        <p:nvSpPr>
+          <p:cNvPr id="2" name="Slide Image Placeholder 1"/>
+          <p:cNvSpPr>
+            <a:spLocks noGrp="1" noRot="1" noChangeAspect="1"/>
+          </p:cNvSpPr>
+          <p:nvPr>
+            <p:ph type="sldImg"/>
+          </p:nvPr>
+        </p:nvSpPr>
+        <p:spPr/>
+      </p:sp>
+      <p:sp>
+        <p:nvSpPr>
+          <p:cNvPr id="3" name="Notes Placeholder 2"/>
+          <p:cNvSpPr>
+            <a:spLocks noGrp="1"/>
+          </p:cNvSpPr>
+          <p:nvPr>
+            <p:ph type="body" idx="1"/>
+          </p:nvPr>
+        </p:nvSpPr>
+        <p:spPr/>
+        <p:txBody>
+          <a:bodyPr/>
+          <a:lstStyle/>
+          <a:p>
+            <a:endParaRPr lang="en-US" dirty="0"/>
+          </a:p>
+        </p:txBody>
+      </p:sp>
+      <p:sp>
+        <p:nvSpPr>
+          <p:cNvPr id="4" name="Slide Number Placeholder 3"/>
+          <p:cNvSpPr>
+            <a:spLocks noGrp="1"/>
+          </p:cNvSpPr>
+          <p:nvPr>
+            <p:ph type="sldNum" sz="quarter" idx="5"/>
+          </p:nvPr>
+        </p:nvSpPr>
+        <p:spPr/>
+        <p:txBody>
+          <a:bodyPr/>
+          <a:lstStyle/>
+          <a:p>
+            <a:fld id="{58F5E0F1-AB47-4A7A-BA35-9463FCF91331}" type="slidenum">
+              <a:rPr lang="en-US" smtClean="0"/>
+              <a:t>39</a:t>
+            </a:fld>
+            <a:endParaRPr lang="en-US"/>
+          </a:p>
+        </p:txBody>
+      </p:sp>
+    </p:spTree>
+    <p:extLst>
+      <p:ext uri="{BB962C8B-B14F-4D97-AF65-F5344CB8AC3E}">
+        <p14:creationId xmlns:p14="http://schemas.microsoft.com/office/powerpoint/2010/main" val="3784740203"/>
+      </p:ext>
+    </p:extLst>
+  </p:cSld>
+  <p:clrMapOvr>
+    <a:masterClrMapping/>
+  </p:clrMapOvr>
+</p:notes>
+</file>
+
+<file path=ppt/notesSlides/notesSlide11.xml><?xml version="1.0" encoding="utf-8"?>
 <p:notes xmlns:a="http://schemas.openxmlformats.org/drawingml/2006/main" xmlns:r="http://schemas.openxmlformats.org/officeDocument/2006/relationships" xmlns:p="http://schemas.openxmlformats.org/presentationml/2006/main">
   <p:cSld>
     <p:spTree>
@@ -777,93 +875,6 @@
 </p:notes>
 </file>
 
-<file path=ppt/notesSlides/notesSlide11.xml><?xml version="1.0" encoding="utf-8"?>
-<p:notes xmlns:a="http://schemas.openxmlformats.org/drawingml/2006/main" xmlns:r="http://schemas.openxmlformats.org/officeDocument/2006/relationships" xmlns:p="http://schemas.openxmlformats.org/presentationml/2006/main">
-  <p:cSld>
-    <p:spTree>
-      <p:nvGrpSpPr>
-        <p:cNvPr id="1" name=""/>
-        <p:cNvGrpSpPr/>
-        <p:nvPr/>
-      </p:nvGrpSpPr>
-      <p:grpSpPr>
-        <a:xfrm>
-          <a:off x="0" y="0"/>
-          <a:ext cx="0" cy="0"/>
-          <a:chOff x="0" y="0"/>
-          <a:chExt cx="0" cy="0"/>
-        </a:xfrm>
-      </p:grpSpPr>
-      <p:sp>
-        <p:nvSpPr>
-          <p:cNvPr id="2" name="Slide Image Placeholder 1"/>
-          <p:cNvSpPr>
-            <a:spLocks noGrp="1" noRot="1" noChangeAspect="1"/>
-          </p:cNvSpPr>
-          <p:nvPr>
-            <p:ph type="sldImg"/>
-          </p:nvPr>
-        </p:nvSpPr>
-        <p:spPr/>
-      </p:sp>
-      <p:sp>
-        <p:nvSpPr>
-          <p:cNvPr id="3" name="Notes Placeholder 2"/>
-          <p:cNvSpPr>
-            <a:spLocks noGrp="1"/>
-          </p:cNvSpPr>
-          <p:nvPr>
-            <p:ph type="body" idx="1"/>
-          </p:nvPr>
-        </p:nvSpPr>
-        <p:spPr/>
-        <p:txBody>
-          <a:bodyPr/>
-          <a:lstStyle/>
-          <a:p>
-            <a:r>
-              <a:rPr lang="en-US" dirty="0"/>
-              <a:t>19 Variables</a:t>
-            </a:r>
-          </a:p>
-        </p:txBody>
-      </p:sp>
-      <p:sp>
-        <p:nvSpPr>
-          <p:cNvPr id="4" name="Slide Number Placeholder 3"/>
-          <p:cNvSpPr>
-            <a:spLocks noGrp="1"/>
-          </p:cNvSpPr>
-          <p:nvPr>
-            <p:ph type="sldNum" sz="quarter" idx="5"/>
-          </p:nvPr>
-        </p:nvSpPr>
-        <p:spPr/>
-        <p:txBody>
-          <a:bodyPr/>
-          <a:lstStyle/>
-          <a:p>
-            <a:fld id="{58F5E0F1-AB47-4A7A-BA35-9463FCF91331}" type="slidenum">
-              <a:rPr lang="en-US" smtClean="0"/>
-              <a:t>41</a:t>
-            </a:fld>
-            <a:endParaRPr lang="en-US"/>
-          </a:p>
-        </p:txBody>
-      </p:sp>
-    </p:spTree>
-    <p:extLst>
-      <p:ext uri="{BB962C8B-B14F-4D97-AF65-F5344CB8AC3E}">
-        <p14:creationId xmlns:p14="http://schemas.microsoft.com/office/powerpoint/2010/main" val="3031283944"/>
-      </p:ext>
-    </p:extLst>
-  </p:cSld>
-  <p:clrMapOvr>
-    <a:masterClrMapping/>
-  </p:clrMapOvr>
-</p:notes>
-</file>
-
 <file path=ppt/notesSlides/notesSlide12.xml><?xml version="1.0" encoding="utf-8"?>
 <p:notes xmlns:a="http://schemas.openxmlformats.org/drawingml/2006/main" xmlns:r="http://schemas.openxmlformats.org/officeDocument/2006/relationships" xmlns:p="http://schemas.openxmlformats.org/presentationml/2006/main">
   <p:cSld>
@@ -910,15 +921,8 @@
           <a:p>
             <a:r>
               <a:rPr lang="en-US" dirty="0"/>
-              <a:t>TPRs: </a:t>
-            </a:r>
-            <a:r>
-              <a:rPr lang="en-US" dirty="0">
-                <a:effectLst/>
-              </a:rPr>
-              <a:t>0.27 (LDA) 0.12  0.37 0.28</a:t>
-            </a:r>
-            <a:endParaRPr lang="en-US" dirty="0"/>
+              <a:t>19 Variables</a:t>
+            </a:r>
           </a:p>
         </p:txBody>
       </p:sp>
@@ -939,7 +943,7 @@
           <a:p>
             <a:fld id="{58F5E0F1-AB47-4A7A-BA35-9463FCF91331}" type="slidenum">
               <a:rPr lang="en-US" smtClean="0"/>
-              <a:t>42</a:t>
+              <a:t>41</a:t>
             </a:fld>
             <a:endParaRPr lang="en-US"/>
           </a:p>
@@ -948,7 +952,7 @@
     </p:spTree>
     <p:extLst>
       <p:ext uri="{BB962C8B-B14F-4D97-AF65-F5344CB8AC3E}">
-        <p14:creationId xmlns:p14="http://schemas.microsoft.com/office/powerpoint/2010/main" val="2469478444"/>
+        <p14:creationId xmlns:p14="http://schemas.microsoft.com/office/powerpoint/2010/main" val="3031283944"/>
       </p:ext>
     </p:extLst>
   </p:cSld>
@@ -1002,422 +1006,7 @@
           <a:bodyPr/>
           <a:lstStyle/>
           <a:p>
-            <a:r>
-              <a:rPr lang="en-US" sz="1600" b="1" i="0" u="none" strike="noStrike" dirty="0">
-                <a:solidFill>
-                  <a:srgbClr val="000000"/>
-                </a:solidFill>
-                <a:effectLst/>
-                <a:latin typeface="Calibri" panose="020F0502020204030204" pitchFamily="34" charset="0"/>
-              </a:rPr>
-              <a:t>A</a:t>
-            </a:r>
-            <a:r>
-              <a:rPr lang="en-US" dirty="0"/>
-              <a:t> </a:t>
-            </a:r>
-            <a:r>
-              <a:rPr lang="en-US" sz="1200" b="1" i="0" u="none" strike="noStrike" dirty="0">
-                <a:solidFill>
-                  <a:srgbClr val="000000"/>
-                </a:solidFill>
-                <a:effectLst/>
-                <a:latin typeface="Calibri" panose="020F0502020204030204" pitchFamily="34" charset="0"/>
-              </a:rPr>
-              <a:t>Al-Qaida in Iraq</a:t>
-            </a:r>
-            <a:r>
-              <a:rPr lang="en-US" dirty="0"/>
-              <a:t> </a:t>
-            </a:r>
-          </a:p>
-          <a:p>
-            <a:r>
-              <a:rPr lang="en-US" sz="1600" b="1" i="0" u="none" strike="noStrike" dirty="0">
-                <a:solidFill>
-                  <a:srgbClr val="000000"/>
-                </a:solidFill>
-                <a:effectLst/>
-                <a:latin typeface="Calibri" panose="020F0502020204030204" pitchFamily="34" charset="0"/>
-              </a:rPr>
-              <a:t>B</a:t>
-            </a:r>
-            <a:r>
-              <a:rPr lang="en-US" dirty="0"/>
-              <a:t> </a:t>
-            </a:r>
-            <a:r>
-              <a:rPr lang="en-US" sz="1200" b="1" i="0" u="none" strike="noStrike" dirty="0">
-                <a:solidFill>
-                  <a:srgbClr val="000000"/>
-                </a:solidFill>
-                <a:effectLst/>
-                <a:latin typeface="Calibri" panose="020F0502020204030204" pitchFamily="34" charset="0"/>
-              </a:rPr>
-              <a:t>Al-Qaida in the Arabian Peninsula (AQAP)</a:t>
-            </a:r>
-            <a:r>
-              <a:rPr lang="en-US" dirty="0"/>
-              <a:t> </a:t>
-            </a:r>
-          </a:p>
-          <a:p>
-            <a:r>
-              <a:rPr lang="en-US" sz="1600" b="1" i="0" u="none" strike="noStrike" dirty="0">
-                <a:solidFill>
-                  <a:srgbClr val="000000"/>
-                </a:solidFill>
-                <a:effectLst/>
-                <a:latin typeface="Calibri" panose="020F0502020204030204" pitchFamily="34" charset="0"/>
-              </a:rPr>
-              <a:t>C</a:t>
-            </a:r>
-            <a:r>
-              <a:rPr lang="en-US" dirty="0"/>
-              <a:t> </a:t>
-            </a:r>
-            <a:r>
-              <a:rPr lang="en-US" sz="1200" b="1" i="0" u="none" strike="noStrike" dirty="0">
-                <a:solidFill>
-                  <a:srgbClr val="000000"/>
-                </a:solidFill>
-                <a:effectLst/>
-                <a:latin typeface="Calibri" panose="020F0502020204030204" pitchFamily="34" charset="0"/>
-              </a:rPr>
-              <a:t>Al-Qaida in the Islamic Maghreb (AQIM)</a:t>
-            </a:r>
-            <a:r>
-              <a:rPr lang="en-US" dirty="0"/>
-              <a:t> </a:t>
-            </a:r>
-          </a:p>
-          <a:p>
-            <a:r>
-              <a:rPr lang="en-US" sz="1600" b="1" i="0" u="none" strike="noStrike" dirty="0">
-                <a:solidFill>
-                  <a:srgbClr val="000000"/>
-                </a:solidFill>
-                <a:effectLst/>
-                <a:latin typeface="Calibri" panose="020F0502020204030204" pitchFamily="34" charset="0"/>
-              </a:rPr>
-              <a:t>D</a:t>
-            </a:r>
-            <a:r>
-              <a:rPr lang="en-US" dirty="0"/>
-              <a:t> </a:t>
-            </a:r>
-            <a:r>
-              <a:rPr lang="en-US" sz="1200" b="1" i="0" u="none" strike="noStrike" dirty="0">
-                <a:solidFill>
-                  <a:srgbClr val="000000"/>
-                </a:solidFill>
-                <a:effectLst/>
-                <a:latin typeface="Calibri" panose="020F0502020204030204" pitchFamily="34" charset="0"/>
-              </a:rPr>
-              <a:t>Hamas (Islamic Resistance Movement)</a:t>
-            </a:r>
-            <a:r>
-              <a:rPr lang="en-US" dirty="0"/>
-              <a:t> </a:t>
-            </a:r>
-          </a:p>
-          <a:p>
-            <a:r>
-              <a:rPr lang="en-US" sz="1600" b="1" i="0" u="none" strike="noStrike" dirty="0">
-                <a:solidFill>
-                  <a:srgbClr val="000000"/>
-                </a:solidFill>
-                <a:effectLst/>
-                <a:latin typeface="Calibri" panose="020F0502020204030204" pitchFamily="34" charset="0"/>
-              </a:rPr>
-              <a:t>E</a:t>
-            </a:r>
-            <a:r>
-              <a:rPr lang="en-US" dirty="0"/>
-              <a:t> </a:t>
-            </a:r>
-            <a:r>
-              <a:rPr lang="en-US" sz="1200" b="1" i="0" u="none" strike="noStrike" dirty="0">
-                <a:solidFill>
-                  <a:srgbClr val="000000"/>
-                </a:solidFill>
-                <a:effectLst/>
-                <a:latin typeface="Calibri" panose="020F0502020204030204" pitchFamily="34" charset="0"/>
-              </a:rPr>
-              <a:t>Hezbollah</a:t>
-            </a:r>
-            <a:r>
-              <a:rPr lang="en-US" dirty="0"/>
-              <a:t> </a:t>
-            </a:r>
-          </a:p>
-          <a:p>
-            <a:r>
-              <a:rPr lang="en-US" sz="1600" b="1" i="0" u="none" strike="noStrike" dirty="0">
-                <a:solidFill>
-                  <a:srgbClr val="000000"/>
-                </a:solidFill>
-                <a:effectLst/>
-                <a:latin typeface="Calibri" panose="020F0502020204030204" pitchFamily="34" charset="0"/>
-              </a:rPr>
-              <a:t>F</a:t>
-            </a:r>
-            <a:r>
-              <a:rPr lang="en-US" dirty="0"/>
-              <a:t> </a:t>
-            </a:r>
-            <a:r>
-              <a:rPr lang="en-US" sz="1200" b="1" i="0" u="none" strike="noStrike" dirty="0">
-                <a:solidFill>
-                  <a:srgbClr val="000000"/>
-                </a:solidFill>
-                <a:effectLst/>
-                <a:latin typeface="Calibri" panose="020F0502020204030204" pitchFamily="34" charset="0"/>
-              </a:rPr>
-              <a:t>Islamic State of Iraq and the Levant (ISIL)</a:t>
-            </a:r>
-            <a:r>
-              <a:rPr lang="en-US" dirty="0"/>
-              <a:t> </a:t>
-            </a:r>
-          </a:p>
-          <a:p>
-            <a:r>
-              <a:rPr lang="en-US" sz="1600" b="1" i="0" u="none" strike="noStrike" dirty="0">
-                <a:solidFill>
-                  <a:srgbClr val="000000"/>
-                </a:solidFill>
-                <a:effectLst/>
-                <a:latin typeface="Calibri" panose="020F0502020204030204" pitchFamily="34" charset="0"/>
-              </a:rPr>
-              <a:t>G</a:t>
-            </a:r>
-            <a:r>
-              <a:rPr lang="en-US" dirty="0"/>
-              <a:t> </a:t>
-            </a:r>
-            <a:r>
-              <a:rPr lang="en-US" sz="1200" b="1" i="0" u="none" strike="noStrike" dirty="0">
-                <a:solidFill>
-                  <a:srgbClr val="000000"/>
-                </a:solidFill>
-                <a:effectLst/>
-                <a:latin typeface="Calibri" panose="020F0502020204030204" pitchFamily="34" charset="0"/>
-              </a:rPr>
-              <a:t>Kurdistan Workers' Party (PKK)</a:t>
-            </a:r>
-            <a:r>
-              <a:rPr lang="en-US" dirty="0"/>
-              <a:t> </a:t>
-            </a:r>
-          </a:p>
-          <a:p>
-            <a:r>
-              <a:rPr lang="en-US" sz="1600" b="1" i="0" u="none" strike="noStrike" dirty="0">
-                <a:solidFill>
-                  <a:srgbClr val="000000"/>
-                </a:solidFill>
-                <a:effectLst/>
-                <a:latin typeface="Calibri" panose="020F0502020204030204" pitchFamily="34" charset="0"/>
-              </a:rPr>
-              <a:t>H</a:t>
-            </a:r>
-            <a:r>
-              <a:rPr lang="en-US" dirty="0"/>
-              <a:t> </a:t>
-            </a:r>
-            <a:r>
-              <a:rPr lang="en-US" sz="1200" b="1" i="0" u="none" strike="noStrike" dirty="0">
-                <a:solidFill>
-                  <a:srgbClr val="000000"/>
-                </a:solidFill>
-                <a:effectLst/>
-                <a:latin typeface="Calibri" panose="020F0502020204030204" pitchFamily="34" charset="0"/>
-              </a:rPr>
-              <a:t>Liberation Tigers of Tamil Eelam (LTTE)</a:t>
-            </a:r>
-            <a:r>
-              <a:rPr lang="en-US" dirty="0"/>
-              <a:t> </a:t>
-            </a:r>
-          </a:p>
-          <a:p>
-            <a:r>
-              <a:rPr lang="en-US" sz="1600" b="1" i="0" u="none" strike="noStrike" dirty="0">
-                <a:solidFill>
-                  <a:srgbClr val="000000"/>
-                </a:solidFill>
-                <a:effectLst/>
-                <a:latin typeface="Calibri" panose="020F0502020204030204" pitchFamily="34" charset="0"/>
-              </a:rPr>
-              <a:t>I</a:t>
-            </a:r>
-            <a:r>
-              <a:rPr lang="en-US" dirty="0"/>
-              <a:t> </a:t>
-            </a:r>
-            <a:r>
-              <a:rPr lang="en-US" sz="1200" b="1" i="0" u="none" strike="noStrike" dirty="0">
-                <a:solidFill>
-                  <a:srgbClr val="000000"/>
-                </a:solidFill>
-                <a:effectLst/>
-                <a:latin typeface="Calibri" panose="020F0502020204030204" pitchFamily="34" charset="0"/>
-              </a:rPr>
-              <a:t>New People's Army (NPA)</a:t>
-            </a:r>
-            <a:r>
-              <a:rPr lang="en-US" dirty="0"/>
-              <a:t> </a:t>
-            </a:r>
-          </a:p>
-          <a:p>
-            <a:r>
-              <a:rPr lang="en-US" sz="1600" b="1" i="0" u="none" strike="noStrike" dirty="0">
-                <a:solidFill>
-                  <a:srgbClr val="000000"/>
-                </a:solidFill>
-                <a:effectLst/>
-                <a:latin typeface="Calibri" panose="020F0502020204030204" pitchFamily="34" charset="0"/>
-              </a:rPr>
-              <a:t>J</a:t>
-            </a:r>
-            <a:r>
-              <a:rPr lang="en-US" dirty="0"/>
-              <a:t> </a:t>
-            </a:r>
-            <a:r>
-              <a:rPr lang="en-US" sz="1200" b="1" i="0" u="none" strike="noStrike" dirty="0">
-                <a:solidFill>
-                  <a:srgbClr val="000000"/>
-                </a:solidFill>
-                <a:effectLst/>
-                <a:latin typeface="Calibri" panose="020F0502020204030204" pitchFamily="34" charset="0"/>
-              </a:rPr>
-              <a:t>Revolutionary Armed Forces of Colombia (FARC)</a:t>
-            </a:r>
-            <a:r>
-              <a:rPr lang="en-US" dirty="0"/>
-              <a:t> </a:t>
-            </a:r>
-          </a:p>
-          <a:p>
-            <a:r>
-              <a:rPr lang="en-US" sz="1600" b="1" i="0" u="none" strike="noStrike" dirty="0">
-                <a:solidFill>
-                  <a:srgbClr val="000000"/>
-                </a:solidFill>
-                <a:effectLst/>
-                <a:latin typeface="Calibri" panose="020F0502020204030204" pitchFamily="34" charset="0"/>
-              </a:rPr>
-              <a:t>K</a:t>
-            </a:r>
-            <a:r>
-              <a:rPr lang="en-US" dirty="0"/>
-              <a:t> </a:t>
-            </a:r>
-            <a:r>
-              <a:rPr lang="en-US" sz="1200" b="1" i="0" u="none" strike="noStrike" dirty="0">
-                <a:solidFill>
-                  <a:srgbClr val="000000"/>
-                </a:solidFill>
-                <a:effectLst/>
-                <a:latin typeface="Calibri" panose="020F0502020204030204" pitchFamily="34" charset="0"/>
-              </a:rPr>
-              <a:t>Salafist Group for Preaching and Fighting (GSPC)</a:t>
-            </a:r>
-            <a:r>
-              <a:rPr lang="en-US" dirty="0"/>
-              <a:t> </a:t>
-            </a:r>
-          </a:p>
-          <a:p>
-            <a:r>
-              <a:rPr lang="en-US" sz="1600" b="1" i="0" u="none" strike="noStrike" dirty="0">
-                <a:solidFill>
-                  <a:srgbClr val="000000"/>
-                </a:solidFill>
-                <a:effectLst/>
-                <a:latin typeface="Calibri" panose="020F0502020204030204" pitchFamily="34" charset="0"/>
-              </a:rPr>
-              <a:t>L</a:t>
-            </a:r>
-            <a:r>
-              <a:rPr lang="en-US" dirty="0"/>
-              <a:t> </a:t>
-            </a:r>
-            <a:r>
-              <a:rPr lang="en-US" sz="1200" b="1" i="0" u="none" strike="noStrike" dirty="0">
-                <a:solidFill>
-                  <a:srgbClr val="000000"/>
-                </a:solidFill>
-                <a:effectLst/>
-                <a:latin typeface="Calibri" panose="020F0502020204030204" pitchFamily="34" charset="0"/>
-              </a:rPr>
-              <a:t>Taliban</a:t>
-            </a:r>
-            <a:r>
-              <a:rPr lang="en-US" dirty="0"/>
-              <a:t> </a:t>
-            </a:r>
-            <a:r>
-              <a:rPr lang="en-US" sz="1600" b="1" i="0" u="none" strike="noStrike" dirty="0">
-                <a:solidFill>
-                  <a:srgbClr val="000000"/>
-                </a:solidFill>
-                <a:effectLst/>
-                <a:latin typeface="Calibri" panose="020F0502020204030204" pitchFamily="34" charset="0"/>
-              </a:rPr>
-              <a:t>M</a:t>
-            </a:r>
-            <a:r>
-              <a:rPr lang="en-US" dirty="0"/>
-              <a:t> </a:t>
-            </a:r>
-            <a:r>
-              <a:rPr lang="en-US" sz="1200" b="1" i="0" u="none" strike="noStrike" dirty="0" err="1">
-                <a:solidFill>
-                  <a:srgbClr val="000000"/>
-                </a:solidFill>
-                <a:effectLst/>
-                <a:latin typeface="Calibri" panose="020F0502020204030204" pitchFamily="34" charset="0"/>
-              </a:rPr>
-              <a:t>Tehrik</a:t>
-            </a:r>
-            <a:r>
-              <a:rPr lang="en-US" sz="1200" b="1" i="0" u="none" strike="noStrike" dirty="0">
-                <a:solidFill>
-                  <a:srgbClr val="000000"/>
-                </a:solidFill>
-                <a:effectLst/>
-                <a:latin typeface="Calibri" panose="020F0502020204030204" pitchFamily="34" charset="0"/>
-              </a:rPr>
-              <a:t>-</a:t>
-            </a:r>
-            <a:r>
-              <a:rPr lang="en-US" sz="1200" b="1" i="0" u="none" strike="noStrike" dirty="0" err="1">
-                <a:solidFill>
-                  <a:srgbClr val="000000"/>
-                </a:solidFill>
-                <a:effectLst/>
-                <a:latin typeface="Calibri" panose="020F0502020204030204" pitchFamily="34" charset="0"/>
-              </a:rPr>
-              <a:t>i</a:t>
-            </a:r>
-            <a:r>
-              <a:rPr lang="en-US" sz="1200" b="1" i="0" u="none" strike="noStrike" dirty="0">
-                <a:solidFill>
-                  <a:srgbClr val="000000"/>
-                </a:solidFill>
-                <a:effectLst/>
-                <a:latin typeface="Calibri" panose="020F0502020204030204" pitchFamily="34" charset="0"/>
-              </a:rPr>
-              <a:t>-Taliban Pakistan (TTP)</a:t>
-            </a:r>
-            <a:r>
-              <a:rPr lang="en-US" dirty="0"/>
-              <a:t> </a:t>
-            </a:r>
+            <a:endParaRPr lang="en-US" dirty="0"/>
           </a:p>
         </p:txBody>
       </p:sp>
@@ -1438,7 +1027,7 @@
           <a:p>
             <a:fld id="{58F5E0F1-AB47-4A7A-BA35-9463FCF91331}" type="slidenum">
               <a:rPr lang="en-US" smtClean="0"/>
-              <a:t>44</a:t>
+              <a:t>42</a:t>
             </a:fld>
             <a:endParaRPr lang="en-US"/>
           </a:p>
@@ -1447,7 +1036,7 @@
     </p:spTree>
     <p:extLst>
       <p:ext uri="{BB962C8B-B14F-4D97-AF65-F5344CB8AC3E}">
-        <p14:creationId xmlns:p14="http://schemas.microsoft.com/office/powerpoint/2010/main" val="2014521674"/>
+        <p14:creationId xmlns:p14="http://schemas.microsoft.com/office/powerpoint/2010/main" val="2469478444"/>
       </p:ext>
     </p:extLst>
   </p:cSld>
@@ -1502,6 +1091,505 @@
           <a:lstStyle/>
           <a:p>
             <a:r>
+              <a:rPr lang="en-US" sz="1600" b="1" i="0" u="none" strike="noStrike" dirty="0">
+                <a:solidFill>
+                  <a:srgbClr val="000000"/>
+                </a:solidFill>
+                <a:effectLst/>
+                <a:latin typeface="Calibri" panose="020F0502020204030204" pitchFamily="34" charset="0"/>
+              </a:rPr>
+              <a:t>A</a:t>
+            </a:r>
+            <a:r>
+              <a:rPr lang="en-US" dirty="0"/>
+              <a:t> </a:t>
+            </a:r>
+            <a:r>
+              <a:rPr lang="en-US" sz="1200" b="1" i="0" u="none" strike="noStrike" dirty="0">
+                <a:solidFill>
+                  <a:srgbClr val="000000"/>
+                </a:solidFill>
+                <a:effectLst/>
+                <a:latin typeface="Calibri" panose="020F0502020204030204" pitchFamily="34" charset="0"/>
+              </a:rPr>
+              <a:t>Al-Qaida in Iraq</a:t>
+            </a:r>
+            <a:r>
+              <a:rPr lang="en-US" dirty="0"/>
+              <a:t> </a:t>
+            </a:r>
+          </a:p>
+          <a:p>
+            <a:r>
+              <a:rPr lang="en-US" sz="1600" b="1" i="0" u="none" strike="noStrike" dirty="0">
+                <a:solidFill>
+                  <a:srgbClr val="000000"/>
+                </a:solidFill>
+                <a:effectLst/>
+                <a:latin typeface="Calibri" panose="020F0502020204030204" pitchFamily="34" charset="0"/>
+              </a:rPr>
+              <a:t>B</a:t>
+            </a:r>
+            <a:r>
+              <a:rPr lang="en-US" dirty="0"/>
+              <a:t> </a:t>
+            </a:r>
+            <a:r>
+              <a:rPr lang="en-US" sz="1200" b="1" i="0" u="none" strike="noStrike" dirty="0">
+                <a:solidFill>
+                  <a:srgbClr val="000000"/>
+                </a:solidFill>
+                <a:effectLst/>
+                <a:latin typeface="Calibri" panose="020F0502020204030204" pitchFamily="34" charset="0"/>
+              </a:rPr>
+              <a:t>Al-Qaida in the Arabian Peninsula (AQAP)</a:t>
+            </a:r>
+            <a:r>
+              <a:rPr lang="en-US" dirty="0"/>
+              <a:t> </a:t>
+            </a:r>
+          </a:p>
+          <a:p>
+            <a:r>
+              <a:rPr lang="en-US" sz="1600" b="1" i="0" u="none" strike="noStrike" dirty="0">
+                <a:solidFill>
+                  <a:srgbClr val="000000"/>
+                </a:solidFill>
+                <a:effectLst/>
+                <a:latin typeface="Calibri" panose="020F0502020204030204" pitchFamily="34" charset="0"/>
+              </a:rPr>
+              <a:t>C</a:t>
+            </a:r>
+            <a:r>
+              <a:rPr lang="en-US" dirty="0"/>
+              <a:t> </a:t>
+            </a:r>
+            <a:r>
+              <a:rPr lang="en-US" sz="1200" b="1" i="0" u="none" strike="noStrike" dirty="0">
+                <a:solidFill>
+                  <a:srgbClr val="000000"/>
+                </a:solidFill>
+                <a:effectLst/>
+                <a:latin typeface="Calibri" panose="020F0502020204030204" pitchFamily="34" charset="0"/>
+              </a:rPr>
+              <a:t>Al-Qaida in the Islamic Maghreb (AQIM)</a:t>
+            </a:r>
+            <a:r>
+              <a:rPr lang="en-US" dirty="0"/>
+              <a:t> </a:t>
+            </a:r>
+          </a:p>
+          <a:p>
+            <a:r>
+              <a:rPr lang="en-US" sz="1600" b="1" i="0" u="none" strike="noStrike" dirty="0">
+                <a:solidFill>
+                  <a:srgbClr val="000000"/>
+                </a:solidFill>
+                <a:effectLst/>
+                <a:latin typeface="Calibri" panose="020F0502020204030204" pitchFamily="34" charset="0"/>
+              </a:rPr>
+              <a:t>D</a:t>
+            </a:r>
+            <a:r>
+              <a:rPr lang="en-US" dirty="0"/>
+              <a:t> </a:t>
+            </a:r>
+            <a:r>
+              <a:rPr lang="en-US" sz="1200" b="1" i="0" u="none" strike="noStrike" dirty="0">
+                <a:solidFill>
+                  <a:srgbClr val="000000"/>
+                </a:solidFill>
+                <a:effectLst/>
+                <a:latin typeface="Calibri" panose="020F0502020204030204" pitchFamily="34" charset="0"/>
+              </a:rPr>
+              <a:t>Hamas (Islamic Resistance Movement)</a:t>
+            </a:r>
+            <a:r>
+              <a:rPr lang="en-US" dirty="0"/>
+              <a:t> </a:t>
+            </a:r>
+          </a:p>
+          <a:p>
+            <a:r>
+              <a:rPr lang="en-US" sz="1600" b="1" i="0" u="none" strike="noStrike" dirty="0">
+                <a:solidFill>
+                  <a:srgbClr val="000000"/>
+                </a:solidFill>
+                <a:effectLst/>
+                <a:latin typeface="Calibri" panose="020F0502020204030204" pitchFamily="34" charset="0"/>
+              </a:rPr>
+              <a:t>E</a:t>
+            </a:r>
+            <a:r>
+              <a:rPr lang="en-US" dirty="0"/>
+              <a:t> </a:t>
+            </a:r>
+            <a:r>
+              <a:rPr lang="en-US" sz="1200" b="1" i="0" u="none" strike="noStrike" dirty="0">
+                <a:solidFill>
+                  <a:srgbClr val="000000"/>
+                </a:solidFill>
+                <a:effectLst/>
+                <a:latin typeface="Calibri" panose="020F0502020204030204" pitchFamily="34" charset="0"/>
+              </a:rPr>
+              <a:t>Hezbollah</a:t>
+            </a:r>
+            <a:r>
+              <a:rPr lang="en-US" dirty="0"/>
+              <a:t> </a:t>
+            </a:r>
+          </a:p>
+          <a:p>
+            <a:r>
+              <a:rPr lang="en-US" sz="1600" b="1" i="0" u="none" strike="noStrike" dirty="0">
+                <a:solidFill>
+                  <a:srgbClr val="000000"/>
+                </a:solidFill>
+                <a:effectLst/>
+                <a:latin typeface="Calibri" panose="020F0502020204030204" pitchFamily="34" charset="0"/>
+              </a:rPr>
+              <a:t>F</a:t>
+            </a:r>
+            <a:r>
+              <a:rPr lang="en-US" dirty="0"/>
+              <a:t> </a:t>
+            </a:r>
+            <a:r>
+              <a:rPr lang="en-US" sz="1200" b="1" i="0" u="none" strike="noStrike" dirty="0">
+                <a:solidFill>
+                  <a:srgbClr val="000000"/>
+                </a:solidFill>
+                <a:effectLst/>
+                <a:latin typeface="Calibri" panose="020F0502020204030204" pitchFamily="34" charset="0"/>
+              </a:rPr>
+              <a:t>Islamic State of Iraq and the Levant (ISIL)</a:t>
+            </a:r>
+            <a:r>
+              <a:rPr lang="en-US" dirty="0"/>
+              <a:t> </a:t>
+            </a:r>
+          </a:p>
+          <a:p>
+            <a:r>
+              <a:rPr lang="en-US" sz="1600" b="1" i="0" u="none" strike="noStrike" dirty="0">
+                <a:solidFill>
+                  <a:srgbClr val="000000"/>
+                </a:solidFill>
+                <a:effectLst/>
+                <a:latin typeface="Calibri" panose="020F0502020204030204" pitchFamily="34" charset="0"/>
+              </a:rPr>
+              <a:t>G</a:t>
+            </a:r>
+            <a:r>
+              <a:rPr lang="en-US" dirty="0"/>
+              <a:t> </a:t>
+            </a:r>
+            <a:r>
+              <a:rPr lang="en-US" sz="1200" b="1" i="0" u="none" strike="noStrike" dirty="0">
+                <a:solidFill>
+                  <a:srgbClr val="000000"/>
+                </a:solidFill>
+                <a:effectLst/>
+                <a:latin typeface="Calibri" panose="020F0502020204030204" pitchFamily="34" charset="0"/>
+              </a:rPr>
+              <a:t>Kurdistan Workers' Party (PKK)</a:t>
+            </a:r>
+            <a:r>
+              <a:rPr lang="en-US" dirty="0"/>
+              <a:t> </a:t>
+            </a:r>
+          </a:p>
+          <a:p>
+            <a:r>
+              <a:rPr lang="en-US" sz="1600" b="1" i="0" u="none" strike="noStrike" dirty="0">
+                <a:solidFill>
+                  <a:srgbClr val="000000"/>
+                </a:solidFill>
+                <a:effectLst/>
+                <a:latin typeface="Calibri" panose="020F0502020204030204" pitchFamily="34" charset="0"/>
+              </a:rPr>
+              <a:t>H</a:t>
+            </a:r>
+            <a:r>
+              <a:rPr lang="en-US" dirty="0"/>
+              <a:t> </a:t>
+            </a:r>
+            <a:r>
+              <a:rPr lang="en-US" sz="1200" b="1" i="0" u="none" strike="noStrike" dirty="0">
+                <a:solidFill>
+                  <a:srgbClr val="000000"/>
+                </a:solidFill>
+                <a:effectLst/>
+                <a:latin typeface="Calibri" panose="020F0502020204030204" pitchFamily="34" charset="0"/>
+              </a:rPr>
+              <a:t>Liberation Tigers of Tamil Eelam (LTTE)</a:t>
+            </a:r>
+            <a:r>
+              <a:rPr lang="en-US" dirty="0"/>
+              <a:t> </a:t>
+            </a:r>
+          </a:p>
+          <a:p>
+            <a:r>
+              <a:rPr lang="en-US" sz="1600" b="1" i="0" u="none" strike="noStrike" dirty="0">
+                <a:solidFill>
+                  <a:srgbClr val="000000"/>
+                </a:solidFill>
+                <a:effectLst/>
+                <a:latin typeface="Calibri" panose="020F0502020204030204" pitchFamily="34" charset="0"/>
+              </a:rPr>
+              <a:t>I</a:t>
+            </a:r>
+            <a:r>
+              <a:rPr lang="en-US" dirty="0"/>
+              <a:t> </a:t>
+            </a:r>
+            <a:r>
+              <a:rPr lang="en-US" sz="1200" b="1" i="0" u="none" strike="noStrike" dirty="0">
+                <a:solidFill>
+                  <a:srgbClr val="000000"/>
+                </a:solidFill>
+                <a:effectLst/>
+                <a:latin typeface="Calibri" panose="020F0502020204030204" pitchFamily="34" charset="0"/>
+              </a:rPr>
+              <a:t>New People's Army (NPA)</a:t>
+            </a:r>
+            <a:r>
+              <a:rPr lang="en-US" dirty="0"/>
+              <a:t> </a:t>
+            </a:r>
+          </a:p>
+          <a:p>
+            <a:r>
+              <a:rPr lang="en-US" sz="1600" b="1" i="0" u="none" strike="noStrike" dirty="0">
+                <a:solidFill>
+                  <a:srgbClr val="000000"/>
+                </a:solidFill>
+                <a:effectLst/>
+                <a:latin typeface="Calibri" panose="020F0502020204030204" pitchFamily="34" charset="0"/>
+              </a:rPr>
+              <a:t>J</a:t>
+            </a:r>
+            <a:r>
+              <a:rPr lang="en-US" dirty="0"/>
+              <a:t> </a:t>
+            </a:r>
+            <a:r>
+              <a:rPr lang="en-US" sz="1200" b="1" i="0" u="none" strike="noStrike" dirty="0">
+                <a:solidFill>
+                  <a:srgbClr val="000000"/>
+                </a:solidFill>
+                <a:effectLst/>
+                <a:latin typeface="Calibri" panose="020F0502020204030204" pitchFamily="34" charset="0"/>
+              </a:rPr>
+              <a:t>Revolutionary Armed Forces of Colombia (FARC)</a:t>
+            </a:r>
+            <a:r>
+              <a:rPr lang="en-US" dirty="0"/>
+              <a:t> </a:t>
+            </a:r>
+          </a:p>
+          <a:p>
+            <a:r>
+              <a:rPr lang="en-US" sz="1600" b="1" i="0" u="none" strike="noStrike" dirty="0">
+                <a:solidFill>
+                  <a:srgbClr val="000000"/>
+                </a:solidFill>
+                <a:effectLst/>
+                <a:latin typeface="Calibri" panose="020F0502020204030204" pitchFamily="34" charset="0"/>
+              </a:rPr>
+              <a:t>K</a:t>
+            </a:r>
+            <a:r>
+              <a:rPr lang="en-US" dirty="0"/>
+              <a:t> </a:t>
+            </a:r>
+            <a:r>
+              <a:rPr lang="en-US" sz="1200" b="1" i="0" u="none" strike="noStrike" dirty="0">
+                <a:solidFill>
+                  <a:srgbClr val="000000"/>
+                </a:solidFill>
+                <a:effectLst/>
+                <a:latin typeface="Calibri" panose="020F0502020204030204" pitchFamily="34" charset="0"/>
+              </a:rPr>
+              <a:t>Salafist Group for Preaching and Fighting (GSPC)</a:t>
+            </a:r>
+            <a:r>
+              <a:rPr lang="en-US" dirty="0"/>
+              <a:t> </a:t>
+            </a:r>
+          </a:p>
+          <a:p>
+            <a:r>
+              <a:rPr lang="en-US" sz="1600" b="1" i="0" u="none" strike="noStrike" dirty="0">
+                <a:solidFill>
+                  <a:srgbClr val="000000"/>
+                </a:solidFill>
+                <a:effectLst/>
+                <a:latin typeface="Calibri" panose="020F0502020204030204" pitchFamily="34" charset="0"/>
+              </a:rPr>
+              <a:t>L</a:t>
+            </a:r>
+            <a:r>
+              <a:rPr lang="en-US" dirty="0"/>
+              <a:t> </a:t>
+            </a:r>
+            <a:r>
+              <a:rPr lang="en-US" sz="1200" b="1" i="0" u="none" strike="noStrike" dirty="0">
+                <a:solidFill>
+                  <a:srgbClr val="000000"/>
+                </a:solidFill>
+                <a:effectLst/>
+                <a:latin typeface="Calibri" panose="020F0502020204030204" pitchFamily="34" charset="0"/>
+              </a:rPr>
+              <a:t>Taliban</a:t>
+            </a:r>
+            <a:r>
+              <a:rPr lang="en-US" dirty="0"/>
+              <a:t> </a:t>
+            </a:r>
+            <a:r>
+              <a:rPr lang="en-US" sz="1600" b="1" i="0" u="none" strike="noStrike" dirty="0">
+                <a:solidFill>
+                  <a:srgbClr val="000000"/>
+                </a:solidFill>
+                <a:effectLst/>
+                <a:latin typeface="Calibri" panose="020F0502020204030204" pitchFamily="34" charset="0"/>
+              </a:rPr>
+              <a:t>M</a:t>
+            </a:r>
+            <a:r>
+              <a:rPr lang="en-US" dirty="0"/>
+              <a:t> </a:t>
+            </a:r>
+            <a:r>
+              <a:rPr lang="en-US" sz="1200" b="1" i="0" u="none" strike="noStrike" dirty="0" err="1">
+                <a:solidFill>
+                  <a:srgbClr val="000000"/>
+                </a:solidFill>
+                <a:effectLst/>
+                <a:latin typeface="Calibri" panose="020F0502020204030204" pitchFamily="34" charset="0"/>
+              </a:rPr>
+              <a:t>Tehrik</a:t>
+            </a:r>
+            <a:r>
+              <a:rPr lang="en-US" sz="1200" b="1" i="0" u="none" strike="noStrike" dirty="0">
+                <a:solidFill>
+                  <a:srgbClr val="000000"/>
+                </a:solidFill>
+                <a:effectLst/>
+                <a:latin typeface="Calibri" panose="020F0502020204030204" pitchFamily="34" charset="0"/>
+              </a:rPr>
+              <a:t>-</a:t>
+            </a:r>
+            <a:r>
+              <a:rPr lang="en-US" sz="1200" b="1" i="0" u="none" strike="noStrike" dirty="0" err="1">
+                <a:solidFill>
+                  <a:srgbClr val="000000"/>
+                </a:solidFill>
+                <a:effectLst/>
+                <a:latin typeface="Calibri" panose="020F0502020204030204" pitchFamily="34" charset="0"/>
+              </a:rPr>
+              <a:t>i</a:t>
+            </a:r>
+            <a:r>
+              <a:rPr lang="en-US" sz="1200" b="1" i="0" u="none" strike="noStrike" dirty="0">
+                <a:solidFill>
+                  <a:srgbClr val="000000"/>
+                </a:solidFill>
+                <a:effectLst/>
+                <a:latin typeface="Calibri" panose="020F0502020204030204" pitchFamily="34" charset="0"/>
+              </a:rPr>
+              <a:t>-Taliban Pakistan (TTP)</a:t>
+            </a:r>
+            <a:r>
+              <a:rPr lang="en-US" dirty="0"/>
+              <a:t> </a:t>
+            </a:r>
+          </a:p>
+        </p:txBody>
+      </p:sp>
+      <p:sp>
+        <p:nvSpPr>
+          <p:cNvPr id="4" name="Slide Number Placeholder 3"/>
+          <p:cNvSpPr>
+            <a:spLocks noGrp="1"/>
+          </p:cNvSpPr>
+          <p:nvPr>
+            <p:ph type="sldNum" sz="quarter" idx="5"/>
+          </p:nvPr>
+        </p:nvSpPr>
+        <p:spPr/>
+        <p:txBody>
+          <a:bodyPr/>
+          <a:lstStyle/>
+          <a:p>
+            <a:fld id="{58F5E0F1-AB47-4A7A-BA35-9463FCF91331}" type="slidenum">
+              <a:rPr lang="en-US" smtClean="0"/>
+              <a:t>44</a:t>
+            </a:fld>
+            <a:endParaRPr lang="en-US"/>
+          </a:p>
+        </p:txBody>
+      </p:sp>
+    </p:spTree>
+    <p:extLst>
+      <p:ext uri="{BB962C8B-B14F-4D97-AF65-F5344CB8AC3E}">
+        <p14:creationId xmlns:p14="http://schemas.microsoft.com/office/powerpoint/2010/main" val="2014521674"/>
+      </p:ext>
+    </p:extLst>
+  </p:cSld>
+  <p:clrMapOvr>
+    <a:masterClrMapping/>
+  </p:clrMapOvr>
+</p:notes>
+</file>
+
+<file path=ppt/notesSlides/notesSlide15.xml><?xml version="1.0" encoding="utf-8"?>
+<p:notes xmlns:a="http://schemas.openxmlformats.org/drawingml/2006/main" xmlns:r="http://schemas.openxmlformats.org/officeDocument/2006/relationships" xmlns:p="http://schemas.openxmlformats.org/presentationml/2006/main">
+  <p:cSld>
+    <p:spTree>
+      <p:nvGrpSpPr>
+        <p:cNvPr id="1" name=""/>
+        <p:cNvGrpSpPr/>
+        <p:nvPr/>
+      </p:nvGrpSpPr>
+      <p:grpSpPr>
+        <a:xfrm>
+          <a:off x="0" y="0"/>
+          <a:ext cx="0" cy="0"/>
+          <a:chOff x="0" y="0"/>
+          <a:chExt cx="0" cy="0"/>
+        </a:xfrm>
+      </p:grpSpPr>
+      <p:sp>
+        <p:nvSpPr>
+          <p:cNvPr id="2" name="Slide Image Placeholder 1"/>
+          <p:cNvSpPr>
+            <a:spLocks noGrp="1" noRot="1" noChangeAspect="1"/>
+          </p:cNvSpPr>
+          <p:nvPr>
+            <p:ph type="sldImg"/>
+          </p:nvPr>
+        </p:nvSpPr>
+        <p:spPr/>
+      </p:sp>
+      <p:sp>
+        <p:nvSpPr>
+          <p:cNvPr id="3" name="Notes Placeholder 2"/>
+          <p:cNvSpPr>
+            <a:spLocks noGrp="1"/>
+          </p:cNvSpPr>
+          <p:nvPr>
+            <p:ph type="body" idx="1"/>
+          </p:nvPr>
+        </p:nvSpPr>
+        <p:spPr/>
+        <p:txBody>
+          <a:bodyPr/>
+          <a:lstStyle/>
+          <a:p>
+            <a:r>
               <a:rPr lang="en-US" dirty="0"/>
               <a:t>19 Variables</a:t>
             </a:r>
@@ -1544,7 +1632,7 @@
 </p:notes>
 </file>
 
-<file path=ppt/notesSlides/notesSlide15.xml><?xml version="1.0" encoding="utf-8"?>
+<file path=ppt/notesSlides/notesSlide16.xml><?xml version="1.0" encoding="utf-8"?>
 <p:notes xmlns:a="http://schemas.openxmlformats.org/drawingml/2006/main" xmlns:r="http://schemas.openxmlformats.org/officeDocument/2006/relationships" xmlns:p="http://schemas.openxmlformats.org/presentationml/2006/main">
   <p:cSld>
     <p:spTree>
@@ -1628,7 +1716,7 @@
 </p:notes>
 </file>
 
-<file path=ppt/notesSlides/notesSlide16.xml><?xml version="1.0" encoding="utf-8"?>
+<file path=ppt/notesSlides/notesSlide17.xml><?xml version="1.0" encoding="utf-8"?>
 <p:notes xmlns:a="http://schemas.openxmlformats.org/drawingml/2006/main" xmlns:r="http://schemas.openxmlformats.org/officeDocument/2006/relationships" xmlns:p="http://schemas.openxmlformats.org/presentationml/2006/main">
   <p:cSld>
     <p:spTree>
@@ -1672,6 +1760,18 @@
           <a:bodyPr/>
           <a:lstStyle/>
           <a:p>
+            <a:r>
+              <a:rPr lang="en-US" dirty="0" err="1"/>
+              <a:t>event_group</a:t>
+            </a:r>
+            <a:r>
+              <a:rPr lang="en-US" dirty="0"/>
+              <a:t> is a combination of weekday, month, and </a:t>
+            </a:r>
+            <a:r>
+              <a:rPr lang="en-US" dirty="0" err="1"/>
+              <a:t>cluster_id</a:t>
+            </a:r>
             <a:endParaRPr lang="en-US" dirty="0"/>
           </a:p>
         </p:txBody>
@@ -1712,7 +1812,7 @@
 </p:notes>
 </file>
 
-<file path=ppt/notesSlides/notesSlide17.xml><?xml version="1.0" encoding="utf-8"?>
+<file path=ppt/notesSlides/notesSlide18.xml><?xml version="1.0" encoding="utf-8"?>
 <p:notes xmlns:a="http://schemas.openxmlformats.org/drawingml/2006/main" xmlns:r="http://schemas.openxmlformats.org/officeDocument/2006/relationships" xmlns:p="http://schemas.openxmlformats.org/presentationml/2006/main">
   <p:cSld>
     <p:spTree>
@@ -1942,6 +2042,93 @@
           <a:bodyPr/>
           <a:lstStyle/>
           <a:p>
+            <a:r>
+              <a:rPr lang="en-US" dirty="0"/>
+              <a:t>Densities based on random plot of 20,000 incidents</a:t>
+            </a:r>
+          </a:p>
+        </p:txBody>
+      </p:sp>
+      <p:sp>
+        <p:nvSpPr>
+          <p:cNvPr id="4" name="Slide Number Placeholder 3"/>
+          <p:cNvSpPr>
+            <a:spLocks noGrp="1"/>
+          </p:cNvSpPr>
+          <p:nvPr>
+            <p:ph type="sldNum" sz="quarter" idx="5"/>
+          </p:nvPr>
+        </p:nvSpPr>
+        <p:spPr/>
+        <p:txBody>
+          <a:bodyPr/>
+          <a:lstStyle/>
+          <a:p>
+            <a:fld id="{58F5E0F1-AB47-4A7A-BA35-9463FCF91331}" type="slidenum">
+              <a:rPr lang="en-US" smtClean="0"/>
+              <a:t>6</a:t>
+            </a:fld>
+            <a:endParaRPr lang="en-US"/>
+          </a:p>
+        </p:txBody>
+      </p:sp>
+    </p:spTree>
+    <p:extLst>
+      <p:ext uri="{BB962C8B-B14F-4D97-AF65-F5344CB8AC3E}">
+        <p14:creationId xmlns:p14="http://schemas.microsoft.com/office/powerpoint/2010/main" val="2759362589"/>
+      </p:ext>
+    </p:extLst>
+  </p:cSld>
+  <p:clrMapOvr>
+    <a:masterClrMapping/>
+  </p:clrMapOvr>
+</p:notes>
+</file>
+
+<file path=ppt/notesSlides/notesSlide3.xml><?xml version="1.0" encoding="utf-8"?>
+<p:notes xmlns:a="http://schemas.openxmlformats.org/drawingml/2006/main" xmlns:r="http://schemas.openxmlformats.org/officeDocument/2006/relationships" xmlns:p="http://schemas.openxmlformats.org/presentationml/2006/main">
+  <p:cSld>
+    <p:spTree>
+      <p:nvGrpSpPr>
+        <p:cNvPr id="1" name=""/>
+        <p:cNvGrpSpPr/>
+        <p:nvPr/>
+      </p:nvGrpSpPr>
+      <p:grpSpPr>
+        <a:xfrm>
+          <a:off x="0" y="0"/>
+          <a:ext cx="0" cy="0"/>
+          <a:chOff x="0" y="0"/>
+          <a:chExt cx="0" cy="0"/>
+        </a:xfrm>
+      </p:grpSpPr>
+      <p:sp>
+        <p:nvSpPr>
+          <p:cNvPr id="2" name="Slide Image Placeholder 1"/>
+          <p:cNvSpPr>
+            <a:spLocks noGrp="1" noRot="1" noChangeAspect="1"/>
+          </p:cNvSpPr>
+          <p:nvPr>
+            <p:ph type="sldImg"/>
+          </p:nvPr>
+        </p:nvSpPr>
+        <p:spPr/>
+      </p:sp>
+      <p:sp>
+        <p:nvSpPr>
+          <p:cNvPr id="3" name="Notes Placeholder 2"/>
+          <p:cNvSpPr>
+            <a:spLocks noGrp="1"/>
+          </p:cNvSpPr>
+          <p:nvPr>
+            <p:ph type="body" idx="1"/>
+          </p:nvPr>
+        </p:nvSpPr>
+        <p:spPr/>
+        <p:txBody>
+          <a:bodyPr/>
+          <a:lstStyle/>
+          <a:p>
             <a:pPr marL="0" algn="r" rtl="0" eaLnBrk="1" fontAlgn="ctr" latinLnBrk="0" hangingPunct="1">
               <a:spcBef>
                 <a:spcPts val="0"/>
@@ -2698,7 +2885,7 @@
 </p:notes>
 </file>
 
-<file path=ppt/notesSlides/notesSlide3.xml><?xml version="1.0" encoding="utf-8"?>
+<file path=ppt/notesSlides/notesSlide4.xml><?xml version="1.0" encoding="utf-8"?>
 <p:notes xmlns:a="http://schemas.openxmlformats.org/drawingml/2006/main" xmlns:r="http://schemas.openxmlformats.org/officeDocument/2006/relationships" xmlns:p="http://schemas.openxmlformats.org/presentationml/2006/main">
   <p:cSld>
     <p:spTree>
@@ -2782,7 +2969,7 @@
 </p:notes>
 </file>
 
-<file path=ppt/notesSlides/notesSlide4.xml><?xml version="1.0" encoding="utf-8"?>
+<file path=ppt/notesSlides/notesSlide5.xml><?xml version="1.0" encoding="utf-8"?>
 <p:notes xmlns:a="http://schemas.openxmlformats.org/drawingml/2006/main" xmlns:r="http://schemas.openxmlformats.org/officeDocument/2006/relationships" xmlns:p="http://schemas.openxmlformats.org/presentationml/2006/main">
   <p:cSld>
     <p:spTree>
@@ -2866,7 +3053,7 @@
 </p:notes>
 </file>
 
-<file path=ppt/notesSlides/notesSlide5.xml><?xml version="1.0" encoding="utf-8"?>
+<file path=ppt/notesSlides/notesSlide6.xml><?xml version="1.0" encoding="utf-8"?>
 <p:notes xmlns:a="http://schemas.openxmlformats.org/drawingml/2006/main" xmlns:r="http://schemas.openxmlformats.org/officeDocument/2006/relationships" xmlns:p="http://schemas.openxmlformats.org/presentationml/2006/main">
   <p:cSld>
     <p:spTree>
@@ -2950,90 +3137,6 @@
 </p:notes>
 </file>
 
-<file path=ppt/notesSlides/notesSlide6.xml><?xml version="1.0" encoding="utf-8"?>
-<p:notes xmlns:a="http://schemas.openxmlformats.org/drawingml/2006/main" xmlns:r="http://schemas.openxmlformats.org/officeDocument/2006/relationships" xmlns:p="http://schemas.openxmlformats.org/presentationml/2006/main">
-  <p:cSld>
-    <p:spTree>
-      <p:nvGrpSpPr>
-        <p:cNvPr id="1" name=""/>
-        <p:cNvGrpSpPr/>
-        <p:nvPr/>
-      </p:nvGrpSpPr>
-      <p:grpSpPr>
-        <a:xfrm>
-          <a:off x="0" y="0"/>
-          <a:ext cx="0" cy="0"/>
-          <a:chOff x="0" y="0"/>
-          <a:chExt cx="0" cy="0"/>
-        </a:xfrm>
-      </p:grpSpPr>
-      <p:sp>
-        <p:nvSpPr>
-          <p:cNvPr id="2" name="Slide Image Placeholder 1"/>
-          <p:cNvSpPr>
-            <a:spLocks noGrp="1" noRot="1" noChangeAspect="1"/>
-          </p:cNvSpPr>
-          <p:nvPr>
-            <p:ph type="sldImg"/>
-          </p:nvPr>
-        </p:nvSpPr>
-        <p:spPr/>
-      </p:sp>
-      <p:sp>
-        <p:nvSpPr>
-          <p:cNvPr id="3" name="Notes Placeholder 2"/>
-          <p:cNvSpPr>
-            <a:spLocks noGrp="1"/>
-          </p:cNvSpPr>
-          <p:nvPr>
-            <p:ph type="body" idx="1"/>
-          </p:nvPr>
-        </p:nvSpPr>
-        <p:spPr/>
-        <p:txBody>
-          <a:bodyPr/>
-          <a:lstStyle/>
-          <a:p>
-            <a:endParaRPr lang="en-US" dirty="0"/>
-          </a:p>
-        </p:txBody>
-      </p:sp>
-      <p:sp>
-        <p:nvSpPr>
-          <p:cNvPr id="4" name="Slide Number Placeholder 3"/>
-          <p:cNvSpPr>
-            <a:spLocks noGrp="1"/>
-          </p:cNvSpPr>
-          <p:nvPr>
-            <p:ph type="sldNum" sz="quarter" idx="5"/>
-          </p:nvPr>
-        </p:nvSpPr>
-        <p:spPr/>
-        <p:txBody>
-          <a:bodyPr/>
-          <a:lstStyle/>
-          <a:p>
-            <a:fld id="{58F5E0F1-AB47-4A7A-BA35-9463FCF91331}" type="slidenum">
-              <a:rPr lang="en-US" smtClean="0"/>
-              <a:t>33</a:t>
-            </a:fld>
-            <a:endParaRPr lang="en-US"/>
-          </a:p>
-        </p:txBody>
-      </p:sp>
-    </p:spTree>
-    <p:extLst>
-      <p:ext uri="{BB962C8B-B14F-4D97-AF65-F5344CB8AC3E}">
-        <p14:creationId xmlns:p14="http://schemas.microsoft.com/office/powerpoint/2010/main" val="85976747"/>
-      </p:ext>
-    </p:extLst>
-  </p:cSld>
-  <p:clrMapOvr>
-    <a:masterClrMapping/>
-  </p:clrMapOvr>
-</p:notes>
-</file>
-
 <file path=ppt/notesSlides/notesSlide7.xml><?xml version="1.0" encoding="utf-8"?>
 <p:notes xmlns:a="http://schemas.openxmlformats.org/drawingml/2006/main" xmlns:r="http://schemas.openxmlformats.org/officeDocument/2006/relationships" xmlns:p="http://schemas.openxmlformats.org/presentationml/2006/main">
   <p:cSld>
@@ -3080,7 +3183,15 @@
           <a:p>
             <a:r>
               <a:rPr lang="en-US" dirty="0"/>
-              <a:t>19 Variables</a:t>
+              <a:t>Outperformed no balancing (overly biased priors) and </a:t>
+            </a:r>
+            <a:r>
+              <a:rPr lang="en-US" dirty="0" err="1"/>
+              <a:t>undersampling</a:t>
+            </a:r>
+            <a:r>
+              <a:rPr lang="en-US" dirty="0"/>
+              <a:t> (lose too much data)</a:t>
             </a:r>
           </a:p>
         </p:txBody>
@@ -3102,7 +3213,7 @@
           <a:p>
             <a:fld id="{58F5E0F1-AB47-4A7A-BA35-9463FCF91331}" type="slidenum">
               <a:rPr lang="en-US" smtClean="0"/>
-              <a:t>35</a:t>
+              <a:t>33</a:t>
             </a:fld>
             <a:endParaRPr lang="en-US"/>
           </a:p>
@@ -3111,7 +3222,7 @@
     </p:spTree>
     <p:extLst>
       <p:ext uri="{BB962C8B-B14F-4D97-AF65-F5344CB8AC3E}">
-        <p14:creationId xmlns:p14="http://schemas.microsoft.com/office/powerpoint/2010/main" val="2391017008"/>
+        <p14:creationId xmlns:p14="http://schemas.microsoft.com/office/powerpoint/2010/main" val="85976747"/>
       </p:ext>
     </p:extLst>
   </p:cSld>
@@ -3167,7 +3278,28 @@
           <a:p>
             <a:r>
               <a:rPr lang="en-US" dirty="0"/>
-              <a:t>Unable to plot ROC curves for non-binary classification</a:t>
+              <a:t>19 Variables</a:t>
+            </a:r>
+          </a:p>
+          <a:p>
+            <a:endParaRPr lang="en-US" dirty="0"/>
+          </a:p>
+          <a:p>
+            <a:r>
+              <a:rPr lang="en-US" dirty="0"/>
+              <a:t>attacktype1 -&gt; assassination, kidnapping, hijacking, bombing, facility attack, etc.</a:t>
+            </a:r>
+          </a:p>
+          <a:p>
+            <a:r>
+              <a:rPr lang="en-US" dirty="0"/>
+              <a:t>targtype1 -&gt; business, government, police, military, journalists, etc.</a:t>
+            </a:r>
+          </a:p>
+          <a:p>
+            <a:r>
+              <a:rPr lang="en-US" dirty="0"/>
+              <a:t>weaptype1 -&gt; firearms, biological, chemical, explosives, fake weapons, etc.</a:t>
             </a:r>
           </a:p>
         </p:txBody>
@@ -3189,7 +3321,7 @@
           <a:p>
             <a:fld id="{58F5E0F1-AB47-4A7A-BA35-9463FCF91331}" type="slidenum">
               <a:rPr lang="en-US" smtClean="0"/>
-              <a:t>37</a:t>
+              <a:t>35</a:t>
             </a:fld>
             <a:endParaRPr lang="en-US"/>
           </a:p>
@@ -3198,7 +3330,7 @@
     </p:spTree>
     <p:extLst>
       <p:ext uri="{BB962C8B-B14F-4D97-AF65-F5344CB8AC3E}">
-        <p14:creationId xmlns:p14="http://schemas.microsoft.com/office/powerpoint/2010/main" val="472746655"/>
+        <p14:creationId xmlns:p14="http://schemas.microsoft.com/office/powerpoint/2010/main" val="2391017008"/>
       </p:ext>
     </p:extLst>
   </p:cSld>
@@ -3252,7 +3384,10 @@
           <a:bodyPr/>
           <a:lstStyle/>
           <a:p>
-            <a:endParaRPr lang="en-US" dirty="0"/>
+            <a:r>
+              <a:rPr lang="en-US" dirty="0"/>
+              <a:t>Unable to plot ROC curves for non-binary classification</a:t>
+            </a:r>
           </a:p>
         </p:txBody>
       </p:sp>
@@ -3273,7 +3408,7 @@
           <a:p>
             <a:fld id="{58F5E0F1-AB47-4A7A-BA35-9463FCF91331}" type="slidenum">
               <a:rPr lang="en-US" smtClean="0"/>
-              <a:t>39</a:t>
+              <a:t>37</a:t>
             </a:fld>
             <a:endParaRPr lang="en-US"/>
           </a:p>
@@ -3282,7 +3417,7 @@
     </p:spTree>
     <p:extLst>
       <p:ext uri="{BB962C8B-B14F-4D97-AF65-F5344CB8AC3E}">
-        <p14:creationId xmlns:p14="http://schemas.microsoft.com/office/powerpoint/2010/main" val="3784740203"/>
+        <p14:creationId xmlns:p14="http://schemas.microsoft.com/office/powerpoint/2010/main" val="472746655"/>
       </p:ext>
     </p:extLst>
   </p:cSld>
@@ -8131,7 +8266,7 @@
           <a:graphicData uri="http://schemas.openxmlformats.org/presentationml/2006/ole">
             <mc:AlternateContent xmlns:mc="http://schemas.openxmlformats.org/markup-compatibility/2006">
               <mc:Choice xmlns:v="urn:schemas-microsoft-com:vml" Requires="v">
-                <p:oleObj spid="_x0000_s2277" name="Worksheet" r:id="rId4" imgW="1923884" imgH="933476" progId="Excel.Sheet.12">
+                <p:oleObj spid="_x0000_s2332" name="Worksheet" r:id="rId4" imgW="1923884" imgH="933476" progId="Excel.Sheet.12">
                   <p:embed/>
                 </p:oleObj>
               </mc:Choice>
@@ -8555,7 +8690,7 @@
           <a:graphicData uri="http://schemas.openxmlformats.org/presentationml/2006/ole">
             <mc:AlternateContent xmlns:mc="http://schemas.openxmlformats.org/markup-compatibility/2006">
               <mc:Choice xmlns:v="urn:schemas-microsoft-com:vml" Requires="v">
-                <p:oleObj spid="_x0000_s1486" name="Worksheet" r:id="rId3" imgW="1466857" imgH="771525" progId="Excel.Sheet.12">
+                <p:oleObj spid="_x0000_s1596" name="Worksheet" r:id="rId3" imgW="1466857" imgH="771525" progId="Excel.Sheet.12">
                   <p:embed/>
                 </p:oleObj>
               </mc:Choice>
@@ -8618,7 +8753,7 @@
           <a:graphicData uri="http://schemas.openxmlformats.org/presentationml/2006/ole">
             <mc:AlternateContent xmlns:mc="http://schemas.openxmlformats.org/markup-compatibility/2006">
               <mc:Choice xmlns:v="urn:schemas-microsoft-com:vml" Requires="v">
-                <p:oleObj spid="_x0000_s1487" name="Worksheet" r:id="rId5" imgW="1466857" imgH="771525" progId="Excel.Sheet.12">
+                <p:oleObj spid="_x0000_s1597" name="Worksheet" r:id="rId5" imgW="1466857" imgH="771525" progId="Excel.Sheet.12">
                   <p:embed/>
                 </p:oleObj>
               </mc:Choice>
@@ -9318,7 +9453,7 @@
           <a:graphicData uri="http://schemas.openxmlformats.org/presentationml/2006/ole">
             <mc:AlternateContent xmlns:mc="http://schemas.openxmlformats.org/markup-compatibility/2006">
               <mc:Choice xmlns:v="urn:schemas-microsoft-com:vml" Requires="v">
-                <p:oleObj spid="_x0000_s3298" name="Worksheet" r:id="rId5" imgW="1923884" imgH="933476" progId="Excel.Sheet.12">
+                <p:oleObj spid="_x0000_s3353" name="Worksheet" r:id="rId5" imgW="1923884" imgH="933476" progId="Excel.Sheet.12">
                   <p:embed/>
                 </p:oleObj>
               </mc:Choice>
@@ -14105,7 +14240,7 @@
           <a:graphicData uri="http://schemas.openxmlformats.org/presentationml/2006/ole">
             <mc:AlternateContent xmlns:mc="http://schemas.openxmlformats.org/markup-compatibility/2006">
               <mc:Choice xmlns:v="urn:schemas-microsoft-com:vml" Requires="v">
-                <p:oleObj spid="_x0000_s5226" name="Worksheet" r:id="rId3" imgW="2505144" imgH="1219149" progId="Excel.Sheet.12">
+                <p:oleObj spid="_x0000_s5281" name="Worksheet" r:id="rId3" imgW="2505144" imgH="1219149" progId="Excel.Sheet.12">
                   <p:embed/>
                 </p:oleObj>
               </mc:Choice>
@@ -14730,8 +14865,8 @@
           </a:p>
         </p:txBody>
       </p:sp>
-      <mc:AlternateContent xmlns:mc="http://schemas.openxmlformats.org/markup-compatibility/2006" xmlns:a14="http://schemas.microsoft.com/office/drawing/2010/main">
-        <mc:Choice Requires="a14">
+      <mc:AlternateContent xmlns:mc="http://schemas.openxmlformats.org/markup-compatibility/2006">
+        <mc:Choice xmlns:a14="http://schemas.microsoft.com/office/drawing/2010/main" Requires="a14">
           <p:sp>
             <p:nvSpPr>
               <p:cNvPr id="3" name="Content Placeholder 2">
@@ -14770,27 +14905,19 @@
                       <a:srgbClr val="FF0000"/>
                     </a:solidFill>
                   </a:rPr>
-                  <a:t>predict the “</a:t>
+                  <a:t>predict the terrorist group name </a:t>
                 </a:r>
                 <a:r>
-                  <a:rPr lang="en-US" dirty="0" err="1">
-                    <a:solidFill>
-                      <a:srgbClr val="FF0000"/>
-                    </a:solidFill>
-                  </a:rPr>
+                  <a:rPr lang="en-US" dirty="0"/>
+                  <a:t>(</a:t>
+                </a:r>
+                <a:r>
+                  <a:rPr lang="en-US" dirty="0" err="1"/>
                   <a:t>gname</a:t>
                 </a:r>
                 <a:r>
-                  <a:rPr lang="en-US" dirty="0">
-                    <a:solidFill>
-                      <a:srgbClr val="FF0000"/>
-                    </a:solidFill>
-                  </a:rPr>
-                  <a:t>” </a:t>
-                </a:r>
-                <a:r>
                   <a:rPr lang="en-US" dirty="0"/>
-                  <a:t>(terrorist group name) based on available features</a:t>
+                  <a:t>) based on available features</a:t>
                 </a:r>
               </a:p>
               <a:p>
@@ -14877,7 +15004,7 @@
             </p:txBody>
           </p:sp>
         </mc:Choice>
-        <mc:Fallback xmlns="">
+        <mc:Fallback>
           <p:sp>
             <p:nvSpPr>
               <p:cNvPr id="3" name="Content Placeholder 2">
@@ -14986,165 +15113,101 @@
           </a:p>
         </p:txBody>
       </p:sp>
-      <mc:AlternateContent xmlns:mc="http://schemas.openxmlformats.org/markup-compatibility/2006" xmlns:a14="http://schemas.microsoft.com/office/drawing/2010/main">
-        <mc:Choice Requires="a14">
-          <p:sp>
-            <p:nvSpPr>
-              <p:cNvPr id="3" name="Content Placeholder 2">
-                <a:extLst>
-                  <a:ext uri="{FF2B5EF4-FFF2-40B4-BE49-F238E27FC236}">
-                    <a16:creationId xmlns:a16="http://schemas.microsoft.com/office/drawing/2014/main" id="{1BA3A0B2-1B1D-4683-A250-2370B4671013}"/>
-                  </a:ext>
-                </a:extLst>
-              </p:cNvPr>
-              <p:cNvSpPr>
-                <a:spLocks noGrp="1"/>
-              </p:cNvSpPr>
-              <p:nvPr>
-                <p:ph idx="1"/>
-              </p:nvPr>
-            </p:nvSpPr>
-            <p:spPr>
-              <a:xfrm>
-                <a:off x="1028700" y="762000"/>
-                <a:ext cx="7200900" cy="5105400"/>
-              </a:xfrm>
-            </p:spPr>
-            <p:txBody>
-              <a:bodyPr>
-                <a:normAutofit lnSpcReduction="10000"/>
-              </a:bodyPr>
-              <a:lstStyle/>
-              <a:p>
-                <a:r>
-                  <a:rPr lang="en-US" sz="2400" dirty="0"/>
-                  <a:t>Removed data prior to 1997</a:t>
-                </a:r>
-              </a:p>
-              <a:p>
-                <a:pPr lvl="1"/>
-                <a:r>
-                  <a:rPr lang="en-US" sz="2400" dirty="0"/>
-                  <a:t>Differences in data collection for incidents prior to 1997</a:t>
-                </a:r>
-              </a:p>
-              <a:p>
-                <a:pPr lvl="1"/>
-                <a:r>
-                  <a:rPr lang="en-US" sz="2400" dirty="0"/>
-                  <a:t>Several features (e.g., “claimed” and “</a:t>
-                </a:r>
-                <a:r>
-                  <a:rPr lang="en-US" sz="2400" dirty="0" err="1"/>
-                  <a:t>nperps</a:t>
-                </a:r>
-                <a:r>
-                  <a:rPr lang="en-US" sz="2400" dirty="0"/>
-                  <a:t>”) are not available prior to 1997</a:t>
-                </a:r>
-              </a:p>
-              <a:p>
-                <a:r>
-                  <a:rPr lang="en-US" sz="2400" dirty="0"/>
-                  <a:t>Removed incidents with “unknown” / NA group names (</a:t>
-                </a:r>
-                <a:r>
-                  <a:rPr lang="en-US" sz="2400" dirty="0" err="1"/>
-                  <a:t>gname</a:t>
-                </a:r>
-                <a:r>
-                  <a:rPr lang="en-US" sz="2400" dirty="0"/>
-                  <a:t>)</a:t>
-                </a:r>
-              </a:p>
-              <a:p>
-                <a:r>
-                  <a:rPr lang="en-US" sz="2400" dirty="0"/>
-                  <a:t>Only included incidents from </a:t>
-                </a:r>
-                <a:r>
-                  <a:rPr lang="en-US" sz="2400" i="1" dirty="0"/>
-                  <a:t>highly active terrorist groups </a:t>
-                </a:r>
-                <a:r>
-                  <a:rPr lang="en-US" sz="2400" dirty="0"/>
-                  <a:t>operating in at least 2 regions</a:t>
-                </a:r>
-              </a:p>
-              <a:p>
-                <a:pPr lvl="1"/>
-                <a:r>
-                  <a:rPr lang="en-US" sz="2400" i="0" dirty="0"/>
-                  <a:t>Groups must have </a:t>
-                </a:r>
-                <a14:m>
-                  <m:oMath xmlns:m="http://schemas.openxmlformats.org/officeDocument/2006/math">
-                    <m:r>
-                      <a:rPr lang="en-US" sz="2400" i="0">
-                        <a:latin typeface="Cambria Math" panose="02040503050406030204" pitchFamily="18" charset="0"/>
-                      </a:rPr>
-                      <m:t>100</m:t>
-                    </m:r>
-                  </m:oMath>
-                </a14:m>
-                <a:r>
-                  <a:rPr lang="en-US" sz="2400" i="0" dirty="0"/>
-                  <a:t> attributed attacks</a:t>
-                </a:r>
-              </a:p>
-              <a:p>
-                <a:r>
-                  <a:rPr lang="en-US" sz="2400" dirty="0"/>
-                  <a:t>Removed group names corresponding to general types of perpetrators (e.g., “Gunmen” or “Anarchists”) instead of organizations</a:t>
-                </a:r>
-              </a:p>
-            </p:txBody>
-          </p:sp>
-        </mc:Choice>
-        <mc:Fallback xmlns="">
-          <p:sp>
-            <p:nvSpPr>
-              <p:cNvPr id="3" name="Content Placeholder 2">
-                <a:extLst>
-                  <a:ext uri="{FF2B5EF4-FFF2-40B4-BE49-F238E27FC236}">
-                    <a16:creationId xmlns:a16="http://schemas.microsoft.com/office/drawing/2014/main" id="{1BA3A0B2-1B1D-4683-A250-2370B4671013}"/>
-                  </a:ext>
-                </a:extLst>
-              </p:cNvPr>
-              <p:cNvSpPr>
-                <a:spLocks noGrp="1" noRot="1" noChangeAspect="1" noMove="1" noResize="1" noEditPoints="1" noAdjustHandles="1" noChangeArrowheads="1" noChangeShapeType="1" noTextEdit="1"/>
-              </p:cNvSpPr>
-              <p:nvPr>
-                <p:ph idx="1"/>
-              </p:nvPr>
-            </p:nvSpPr>
-            <p:spPr>
-              <a:xfrm>
-                <a:off x="1028700" y="762000"/>
-                <a:ext cx="7200900" cy="5105400"/>
-              </a:xfrm>
-              <a:blipFill>
-                <a:blip r:embed="rId2"/>
-                <a:stretch>
-                  <a:fillRect l="-1185" t="-2029" r="-762"/>
-                </a:stretch>
-              </a:blipFill>
-            </p:spPr>
-            <p:txBody>
-              <a:bodyPr/>
-              <a:lstStyle/>
-              <a:p>
-                <a:r>
-                  <a:rPr lang="en-US">
-                    <a:noFill/>
-                  </a:rPr>
-                  <a:t> </a:t>
-                </a:r>
-              </a:p>
-            </p:txBody>
-          </p:sp>
-        </mc:Fallback>
-      </mc:AlternateContent>
+      <p:sp>
+        <p:nvSpPr>
+          <p:cNvPr id="3" name="Content Placeholder 2">
+            <a:extLst>
+              <a:ext uri="{FF2B5EF4-FFF2-40B4-BE49-F238E27FC236}">
+                <a16:creationId xmlns:a16="http://schemas.microsoft.com/office/drawing/2014/main" id="{1BA3A0B2-1B1D-4683-A250-2370B4671013}"/>
+              </a:ext>
+            </a:extLst>
+          </p:cNvPr>
+          <p:cNvSpPr>
+            <a:spLocks noGrp="1"/>
+          </p:cNvSpPr>
+          <p:nvPr>
+            <p:ph idx="1"/>
+          </p:nvPr>
+        </p:nvSpPr>
+        <p:spPr>
+          <a:xfrm>
+            <a:off x="1028700" y="762000"/>
+            <a:ext cx="7200900" cy="5105400"/>
+          </a:xfrm>
+        </p:spPr>
+        <p:txBody>
+          <a:bodyPr>
+            <a:normAutofit/>
+          </a:bodyPr>
+          <a:lstStyle/>
+          <a:p>
+            <a:r>
+              <a:rPr lang="en-US" sz="2400" dirty="0"/>
+              <a:t>Removed data prior to 1997</a:t>
+            </a:r>
+          </a:p>
+          <a:p>
+            <a:pPr lvl="1"/>
+            <a:r>
+              <a:rPr lang="en-US" sz="2400" i="0" dirty="0"/>
+              <a:t>Differences in data collection for incidents prior to 1997</a:t>
+            </a:r>
+          </a:p>
+          <a:p>
+            <a:pPr lvl="1"/>
+            <a:r>
+              <a:rPr lang="en-US" sz="2400" i="0" dirty="0"/>
+              <a:t>Several features (e.g., “claimed” and “</a:t>
+            </a:r>
+            <a:r>
+              <a:rPr lang="en-US" sz="2400" i="0" dirty="0" err="1"/>
+              <a:t>nperps</a:t>
+            </a:r>
+            <a:r>
+              <a:rPr lang="en-US" sz="2400" i="0" dirty="0"/>
+              <a:t>”) are not available prior to 1997</a:t>
+            </a:r>
+          </a:p>
+          <a:p>
+            <a:r>
+              <a:rPr lang="en-US" sz="2400" dirty="0"/>
+              <a:t>Removed incidents with “unknown” / NA group names</a:t>
+            </a:r>
+          </a:p>
+          <a:p>
+            <a:r>
+              <a:rPr lang="en-US" sz="2400" dirty="0"/>
+              <a:t>Only included incidents from </a:t>
+            </a:r>
+            <a:r>
+              <a:rPr lang="en-US" sz="2400" dirty="0">
+                <a:solidFill>
+                  <a:srgbClr val="FF0000"/>
+                </a:solidFill>
+              </a:rPr>
+              <a:t>terrorist groups with over 100 attacks </a:t>
+            </a:r>
+            <a:r>
+              <a:rPr lang="en-US" sz="2400" dirty="0"/>
+              <a:t>distributed </a:t>
+            </a:r>
+            <a:r>
+              <a:rPr lang="en-US" sz="2400" dirty="0">
+                <a:solidFill>
+                  <a:srgbClr val="FF0000"/>
+                </a:solidFill>
+              </a:rPr>
+              <a:t>over at least 2 regions</a:t>
+            </a:r>
+          </a:p>
+          <a:p>
+            <a:r>
+              <a:rPr lang="en-US" sz="2400" dirty="0"/>
+              <a:t>Terrorist organizations not categorizations (e.g., “Gunmen” or “Anarchists”)</a:t>
+            </a:r>
+          </a:p>
+        </p:txBody>
+      </p:sp>
     </p:spTree>
     <p:extLst>
       <p:ext uri="{BB962C8B-B14F-4D97-AF65-F5344CB8AC3E}">
@@ -19734,6 +19797,70 @@
           </a:graphicData>
         </a:graphic>
       </p:graphicFrame>
+      <p:sp>
+        <p:nvSpPr>
+          <p:cNvPr id="3" name="TextBox 2">
+            <a:extLst>
+              <a:ext uri="{FF2B5EF4-FFF2-40B4-BE49-F238E27FC236}">
+                <a16:creationId xmlns:a16="http://schemas.microsoft.com/office/drawing/2014/main" id="{53E65A10-7C49-4B66-91DF-00445020D9E9}"/>
+              </a:ext>
+            </a:extLst>
+          </p:cNvPr>
+          <p:cNvSpPr txBox="1"/>
+          <p:nvPr/>
+        </p:nvSpPr>
+        <p:spPr>
+          <a:xfrm>
+            <a:off x="5486400" y="4876800"/>
+            <a:ext cx="2895600" cy="1200329"/>
+          </a:xfrm>
+          <a:prstGeom prst="rect">
+            <a:avLst/>
+          </a:prstGeom>
+        </p:spPr>
+        <p:style>
+          <a:lnRef idx="1">
+            <a:schemeClr val="accent3"/>
+          </a:lnRef>
+          <a:fillRef idx="2">
+            <a:schemeClr val="accent3"/>
+          </a:fillRef>
+          <a:effectRef idx="1">
+            <a:schemeClr val="accent3"/>
+          </a:effectRef>
+          <a:fontRef idx="minor">
+            <a:schemeClr val="dk1"/>
+          </a:fontRef>
+        </p:style>
+        <p:txBody>
+          <a:bodyPr wrap="square" rtlCol="0">
+            <a:spAutoFit/>
+          </a:bodyPr>
+          <a:lstStyle/>
+          <a:p>
+            <a:pPr algn="ctr"/>
+            <a:r>
+              <a:rPr lang="en-US" sz="2400" dirty="0">
+                <a:solidFill>
+                  <a:srgbClr val="FF0000"/>
+                </a:solidFill>
+              </a:rPr>
+              <a:t>excluded categories with over </a:t>
+            </a:r>
+          </a:p>
+          <a:p>
+            <a:pPr algn="ctr"/>
+            <a:r>
+              <a:rPr lang="en-US" sz="2400" dirty="0">
+                <a:solidFill>
+                  <a:srgbClr val="FF0000"/>
+                </a:solidFill>
+              </a:rPr>
+              <a:t>32 values…</a:t>
+            </a:r>
+          </a:p>
+        </p:txBody>
+      </p:sp>
     </p:spTree>
     <p:extLst>
       <p:ext uri="{BB962C8B-B14F-4D97-AF65-F5344CB8AC3E}">
@@ -32082,7 +32209,7 @@
           <a:p>
             <a:r>
               <a:rPr lang="en-US" dirty="0"/>
-              <a:t>Build statistical models that predict whether the </a:t>
+              <a:t>Build statistical models that predict the </a:t>
             </a:r>
             <a:r>
               <a:rPr lang="en-US" dirty="0">
@@ -32094,7 +32221,7 @@
             </a:r>
             <a:r>
               <a:rPr lang="en-US" dirty="0"/>
-              <a:t>is “low” or “high” based on </a:t>
+              <a:t>based on </a:t>
             </a:r>
             <a:r>
               <a:rPr lang="en-US" dirty="0">
@@ -32114,11 +32241,37 @@
                   <a:srgbClr val="FF0000"/>
                 </a:solidFill>
               </a:rPr>
-              <a:t>temporal variables</a:t>
+              <a:t>temporal</a:t>
+            </a:r>
+            <a:r>
+              <a:rPr lang="en-US" dirty="0">
+                <a:solidFill>
+                  <a:schemeClr val="tx1"/>
+                </a:solidFill>
+              </a:rPr>
+              <a:t> variables</a:t>
             </a:r>
           </a:p>
           <a:p>
-            <a:endParaRPr lang="en-US" dirty="0"/>
+            <a:r>
+              <a:rPr lang="en-US" dirty="0"/>
+              <a:t>A “low/high” risk threshold was applied to the data set to split “event groups” into 2 risk categories</a:t>
+            </a:r>
+          </a:p>
+          <a:p>
+            <a:pPr lvl="1"/>
+            <a:r>
+              <a:rPr lang="en-US" i="0" dirty="0"/>
+              <a:t>based on the number of attacks that fell into those event groups (</a:t>
+            </a:r>
+            <a:r>
+              <a:rPr lang="en-US" dirty="0"/>
+              <a:t>discussed later</a:t>
+            </a:r>
+            <a:r>
+              <a:rPr lang="en-US" i="0" dirty="0"/>
+              <a:t>)</a:t>
+            </a:r>
           </a:p>
         </p:txBody>
       </p:sp>
@@ -32202,14 +32355,14 @@
           <p:nvPr>
             <p:extLst>
               <p:ext uri="{D42A27DB-BD31-4B8C-83A1-F6EECF244321}">
-                <p14:modId xmlns:p14="http://schemas.microsoft.com/office/powerpoint/2010/main" val="1986382136"/>
+                <p14:modId xmlns:p14="http://schemas.microsoft.com/office/powerpoint/2010/main" val="2703220825"/>
               </p:ext>
             </p:extLst>
           </p:nvPr>
         </p:nvGraphicFramePr>
         <p:xfrm>
           <a:off x="533401" y="673759"/>
-          <a:ext cx="8610600" cy="6156020"/>
+          <a:ext cx="8610600" cy="6165380"/>
         </p:xfrm>
         <a:graphic>
           <a:graphicData uri="http://schemas.openxmlformats.org/drawingml/2006/table">
@@ -32313,11 +32466,25 @@
                     <a:lstStyle/>
                     <a:p>
                       <a:r>
-                        <a:rPr lang="en-US" sz="1800" b="1" dirty="0" err="1"/>
+                        <a:rPr lang="en-US" sz="1800" b="1" dirty="0" err="1">
+                          <a:solidFill>
+                            <a:schemeClr val="tx1">
+                              <a:lumMod val="65000"/>
+                              <a:lumOff val="35000"/>
+                            </a:schemeClr>
+                          </a:solidFill>
+                        </a:rPr>
                         <a:t>iday</a:t>
                       </a:r>
                       <a:r>
-                        <a:rPr lang="en-US" sz="1800" b="1" dirty="0"/>
+                        <a:rPr lang="en-US" sz="1800" b="1" dirty="0">
+                          <a:solidFill>
+                            <a:schemeClr val="tx1">
+                              <a:lumMod val="65000"/>
+                              <a:lumOff val="35000"/>
+                            </a:schemeClr>
+                          </a:solidFill>
+                        </a:rPr>
                         <a:t>*</a:t>
                       </a:r>
                     </a:p>
@@ -32338,7 +32505,7 @@
                     <a:p>
                       <a:r>
                         <a:rPr lang="en-US" sz="1800" dirty="0"/>
-                        <a:t>feature</a:t>
+                        <a:t>support</a:t>
                       </a:r>
                     </a:p>
                   </a:txBody>
@@ -32404,10 +32571,18 @@
                     <a:lstStyle/>
                     <a:p>
                       <a:r>
-                        <a:rPr lang="en-US" sz="1800" b="1" dirty="0" err="1"/>
+                        <a:rPr lang="en-US" sz="1800" b="1" dirty="0" err="1">
+                          <a:solidFill>
+                            <a:srgbClr val="FF0000"/>
+                          </a:solidFill>
+                        </a:rPr>
                         <a:t>imonth</a:t>
                       </a:r>
-                      <a:endParaRPr lang="en-US" sz="1800" b="1" dirty="0"/>
+                      <a:endParaRPr lang="en-US" sz="1800" b="1" dirty="0">
+                        <a:solidFill>
+                          <a:srgbClr val="FF0000"/>
+                        </a:solidFill>
+                      </a:endParaRPr>
                     </a:p>
                   </a:txBody>
                   <a:tcPr>
@@ -32416,304 +32591,6 @@
                         <a:lumMod val="50000"/>
                         <a:lumOff val="50000"/>
                       </a:schemeClr>
-                    </a:solidFill>
-                  </a:tcPr>
-                </a:tc>
-                <a:tc>
-                  <a:txBody>
-                    <a:bodyPr/>
-                    <a:lstStyle/>
-                    <a:p>
-                      <a:r>
-                        <a:rPr kumimoji="0" lang="en-US" sz="1800" b="0" i="0" u="none" strike="noStrike" kern="1200" cap="none" spc="0" normalizeH="0" baseline="0" noProof="0">
-                          <a:ln>
-                            <a:noFill/>
-                          </a:ln>
-                          <a:solidFill>
-                            <a:prstClr val="black"/>
-                          </a:solidFill>
-                          <a:effectLst/>
-                          <a:uLnTx/>
-                          <a:uFillTx/>
-                          <a:latin typeface="Franklin Gothic Book" panose="020B0503020102020204"/>
-                          <a:ea typeface="+mn-ea"/>
-                          <a:cs typeface="+mn-cs"/>
-                        </a:rPr>
-                        <a:t>feature</a:t>
-                      </a:r>
-                      <a:endParaRPr lang="en-US" sz="1800" dirty="0"/>
-                    </a:p>
-                  </a:txBody>
-                  <a:tcPr>
-                    <a:solidFill>
-                      <a:schemeClr val="tx2">
-                        <a:lumMod val="50000"/>
-                        <a:lumOff val="50000"/>
-                      </a:schemeClr>
-                    </a:solidFill>
-                  </a:tcPr>
-                </a:tc>
-                <a:tc>
-                  <a:txBody>
-                    <a:bodyPr/>
-                    <a:lstStyle/>
-                    <a:p>
-                      <a:r>
-                        <a:rPr lang="en-US" sz="1800" dirty="0"/>
-                        <a:t>numerical</a:t>
-                      </a:r>
-                    </a:p>
-                  </a:txBody>
-                  <a:tcPr>
-                    <a:solidFill>
-                      <a:schemeClr val="tx2">
-                        <a:lumMod val="50000"/>
-                        <a:lumOff val="50000"/>
-                      </a:schemeClr>
-                    </a:solidFill>
-                  </a:tcPr>
-                </a:tc>
-                <a:tc>
-                  <a:txBody>
-                    <a:bodyPr/>
-                    <a:lstStyle/>
-                    <a:p>
-                      <a:r>
-                        <a:rPr lang="en-US" sz="1800" dirty="0"/>
-                        <a:t>month of year (1-12)</a:t>
-                      </a:r>
-                    </a:p>
-                  </a:txBody>
-                  <a:tcPr>
-                    <a:solidFill>
-                      <a:schemeClr val="tx2">
-                        <a:lumMod val="50000"/>
-                        <a:lumOff val="50000"/>
-                      </a:schemeClr>
-                    </a:solidFill>
-                  </a:tcPr>
-                </a:tc>
-                <a:extLst>
-                  <a:ext uri="{0D108BD9-81ED-4DB2-BD59-A6C34878D82A}">
-                    <a16:rowId xmlns:a16="http://schemas.microsoft.com/office/drawing/2014/main" val="2161340678"/>
-                  </a:ext>
-                </a:extLst>
-              </a:tr>
-              <a:tr h="376320">
-                <a:tc>
-                  <a:txBody>
-                    <a:bodyPr/>
-                    <a:lstStyle/>
-                    <a:p>
-                      <a:r>
-                        <a:rPr lang="en-US" sz="1800" b="1" dirty="0" err="1"/>
-                        <a:t>iyear</a:t>
-                      </a:r>
-                      <a:r>
-                        <a:rPr lang="en-US" sz="1800" b="1" dirty="0"/>
-                        <a:t>*</a:t>
-                      </a:r>
-                    </a:p>
-                  </a:txBody>
-                  <a:tcPr>
-                    <a:solidFill>
-                      <a:schemeClr val="tx2">
-                        <a:lumMod val="50000"/>
-                        <a:lumOff val="50000"/>
-                      </a:schemeClr>
-                    </a:solidFill>
-                  </a:tcPr>
-                </a:tc>
-                <a:tc>
-                  <a:txBody>
-                    <a:bodyPr/>
-                    <a:lstStyle/>
-                    <a:p>
-                      <a:r>
-                        <a:rPr lang="en-US" sz="1800" dirty="0"/>
-                        <a:t>support</a:t>
-                      </a:r>
-                    </a:p>
-                  </a:txBody>
-                  <a:tcPr>
-                    <a:solidFill>
-                      <a:schemeClr val="tx2">
-                        <a:lumMod val="50000"/>
-                        <a:lumOff val="50000"/>
-                      </a:schemeClr>
-                    </a:solidFill>
-                  </a:tcPr>
-                </a:tc>
-                <a:tc>
-                  <a:txBody>
-                    <a:bodyPr/>
-                    <a:lstStyle/>
-                    <a:p>
-                      <a:r>
-                        <a:rPr lang="en-US" sz="1800" dirty="0"/>
-                        <a:t>numerical</a:t>
-                      </a:r>
-                    </a:p>
-                  </a:txBody>
-                  <a:tcPr>
-                    <a:solidFill>
-                      <a:schemeClr val="tx2">
-                        <a:lumMod val="50000"/>
-                        <a:lumOff val="50000"/>
-                      </a:schemeClr>
-                    </a:solidFill>
-                  </a:tcPr>
-                </a:tc>
-                <a:tc>
-                  <a:txBody>
-                    <a:bodyPr/>
-                    <a:lstStyle/>
-                    <a:p>
-                      <a:r>
-                        <a:rPr lang="en-US" sz="1800" dirty="0"/>
-                        <a:t>year (2010 - 2017)</a:t>
-                      </a:r>
-                    </a:p>
-                  </a:txBody>
-                  <a:tcPr>
-                    <a:solidFill>
-                      <a:schemeClr val="tx2">
-                        <a:lumMod val="50000"/>
-                        <a:lumOff val="50000"/>
-                      </a:schemeClr>
-                    </a:solidFill>
-                  </a:tcPr>
-                </a:tc>
-                <a:extLst>
-                  <a:ext uri="{0D108BD9-81ED-4DB2-BD59-A6C34878D82A}">
-                    <a16:rowId xmlns:a16="http://schemas.microsoft.com/office/drawing/2014/main" val="3600045225"/>
-                  </a:ext>
-                </a:extLst>
-              </a:tr>
-              <a:tr h="376320">
-                <a:tc>
-                  <a:txBody>
-                    <a:bodyPr/>
-                    <a:lstStyle/>
-                    <a:p>
-                      <a:r>
-                        <a:rPr lang="en-US" sz="1800" b="1" dirty="0"/>
-                        <a:t>weekday</a:t>
-                      </a:r>
-                    </a:p>
-                  </a:txBody>
-                  <a:tcPr>
-                    <a:solidFill>
-                      <a:schemeClr val="tx2">
-                        <a:lumMod val="50000"/>
-                        <a:lumOff val="50000"/>
-                      </a:schemeClr>
-                    </a:solidFill>
-                  </a:tcPr>
-                </a:tc>
-                <a:tc>
-                  <a:txBody>
-                    <a:bodyPr/>
-                    <a:lstStyle/>
-                    <a:p>
-                      <a:endParaRPr lang="en-US" sz="1800" dirty="0"/>
-                    </a:p>
-                  </a:txBody>
-                  <a:tcPr>
-                    <a:solidFill>
-                      <a:schemeClr val="tx2">
-                        <a:lumMod val="50000"/>
-                        <a:lumOff val="50000"/>
-                      </a:schemeClr>
-                    </a:solidFill>
-                  </a:tcPr>
-                </a:tc>
-                <a:tc>
-                  <a:txBody>
-                    <a:bodyPr/>
-                    <a:lstStyle/>
-                    <a:p>
-                      <a:r>
-                        <a:rPr lang="en-US" sz="1800" dirty="0"/>
-                        <a:t>categorical (7)</a:t>
-                      </a:r>
-                    </a:p>
-                  </a:txBody>
-                  <a:tcPr>
-                    <a:solidFill>
-                      <a:schemeClr val="tx2">
-                        <a:lumMod val="50000"/>
-                        <a:lumOff val="50000"/>
-                      </a:schemeClr>
-                    </a:solidFill>
-                  </a:tcPr>
-                </a:tc>
-                <a:tc>
-                  <a:txBody>
-                    <a:bodyPr/>
-                    <a:lstStyle/>
-                    <a:p>
-                      <a:r>
-                        <a:rPr lang="en-US" sz="1800" dirty="0"/>
-                        <a:t>derived from </a:t>
-                      </a:r>
-                      <a:r>
-                        <a:rPr lang="en-US" sz="1800" b="1" dirty="0" err="1"/>
-                        <a:t>iyear</a:t>
-                      </a:r>
-                      <a:r>
-                        <a:rPr lang="en-US" sz="1800" dirty="0"/>
-                        <a:t>, </a:t>
-                      </a:r>
-                      <a:r>
-                        <a:rPr lang="en-US" sz="1800" b="1" dirty="0" err="1"/>
-                        <a:t>imonth</a:t>
-                      </a:r>
-                      <a:r>
-                        <a:rPr lang="en-US" sz="1800" dirty="0"/>
-                        <a:t>, </a:t>
-                      </a:r>
-                      <a:r>
-                        <a:rPr lang="en-US" sz="1800" b="1" dirty="0" err="1"/>
-                        <a:t>iday</a:t>
-                      </a:r>
-                      <a:endParaRPr lang="en-US" sz="1800" b="1" dirty="0"/>
-                    </a:p>
-                  </a:txBody>
-                  <a:tcPr>
-                    <a:solidFill>
-                      <a:schemeClr val="tx2">
-                        <a:lumMod val="50000"/>
-                        <a:lumOff val="50000"/>
-                      </a:schemeClr>
-                    </a:solidFill>
-                  </a:tcPr>
-                </a:tc>
-                <a:extLst>
-                  <a:ext uri="{0D108BD9-81ED-4DB2-BD59-A6C34878D82A}">
-                    <a16:rowId xmlns:a16="http://schemas.microsoft.com/office/drawing/2014/main" val="3610437811"/>
-                  </a:ext>
-                </a:extLst>
-              </a:tr>
-              <a:tr h="376320">
-                <a:tc>
-                  <a:txBody>
-                    <a:bodyPr/>
-                    <a:lstStyle/>
-                    <a:p>
-                      <a:r>
-                        <a:rPr lang="en-US" sz="1800" b="1" strike="noStrike" dirty="0">
-                          <a:solidFill>
-                            <a:schemeClr val="tx1"/>
-                          </a:solidFill>
-                        </a:rPr>
-                        <a:t>latitude*</a:t>
-                      </a:r>
-                    </a:p>
-                  </a:txBody>
-                  <a:tcPr>
-                    <a:solidFill>
-                      <a:srgbClr val="FFC000"/>
                     </a:solidFill>
                   </a:tcPr>
                 </a:tc>
@@ -32737,6 +32614,336 @@
                           <a:ea typeface="+mn-ea"/>
                           <a:cs typeface="+mn-cs"/>
                         </a:rPr>
+                        <a:t>feature</a:t>
+                      </a:r>
+                      <a:endParaRPr lang="en-US" sz="1800" dirty="0"/>
+                    </a:p>
+                  </a:txBody>
+                  <a:tcPr>
+                    <a:solidFill>
+                      <a:schemeClr val="tx2">
+                        <a:lumMod val="50000"/>
+                        <a:lumOff val="50000"/>
+                      </a:schemeClr>
+                    </a:solidFill>
+                  </a:tcPr>
+                </a:tc>
+                <a:tc>
+                  <a:txBody>
+                    <a:bodyPr/>
+                    <a:lstStyle/>
+                    <a:p>
+                      <a:r>
+                        <a:rPr lang="en-US" sz="1800" dirty="0"/>
+                        <a:t>numerical</a:t>
+                      </a:r>
+                    </a:p>
+                  </a:txBody>
+                  <a:tcPr>
+                    <a:solidFill>
+                      <a:schemeClr val="tx2">
+                        <a:lumMod val="50000"/>
+                        <a:lumOff val="50000"/>
+                      </a:schemeClr>
+                    </a:solidFill>
+                  </a:tcPr>
+                </a:tc>
+                <a:tc>
+                  <a:txBody>
+                    <a:bodyPr/>
+                    <a:lstStyle/>
+                    <a:p>
+                      <a:r>
+                        <a:rPr lang="en-US" sz="1800" dirty="0"/>
+                        <a:t>month of year (1-12)</a:t>
+                      </a:r>
+                    </a:p>
+                  </a:txBody>
+                  <a:tcPr>
+                    <a:solidFill>
+                      <a:schemeClr val="tx2">
+                        <a:lumMod val="50000"/>
+                        <a:lumOff val="50000"/>
+                      </a:schemeClr>
+                    </a:solidFill>
+                  </a:tcPr>
+                </a:tc>
+                <a:extLst>
+                  <a:ext uri="{0D108BD9-81ED-4DB2-BD59-A6C34878D82A}">
+                    <a16:rowId xmlns:a16="http://schemas.microsoft.com/office/drawing/2014/main" val="2161340678"/>
+                  </a:ext>
+                </a:extLst>
+              </a:tr>
+              <a:tr h="376320">
+                <a:tc>
+                  <a:txBody>
+                    <a:bodyPr/>
+                    <a:lstStyle/>
+                    <a:p>
+                      <a:pPr marL="0" algn="l" defTabSz="685800" rtl="0" eaLnBrk="1" latinLnBrk="0" hangingPunct="1"/>
+                      <a:r>
+                        <a:rPr lang="en-US" sz="1800" b="1" kern="1200" dirty="0" err="1">
+                          <a:solidFill>
+                            <a:schemeClr val="tx1">
+                              <a:lumMod val="65000"/>
+                              <a:lumOff val="35000"/>
+                            </a:schemeClr>
+                          </a:solidFill>
+                          <a:latin typeface="+mn-lt"/>
+                          <a:ea typeface="+mn-ea"/>
+                          <a:cs typeface="+mn-cs"/>
+                        </a:rPr>
+                        <a:t>iyear</a:t>
+                      </a:r>
+                      <a:r>
+                        <a:rPr lang="en-US" sz="1800" b="1" kern="1200" dirty="0">
+                          <a:solidFill>
+                            <a:schemeClr val="tx1">
+                              <a:lumMod val="65000"/>
+                              <a:lumOff val="35000"/>
+                            </a:schemeClr>
+                          </a:solidFill>
+                          <a:latin typeface="+mn-lt"/>
+                          <a:ea typeface="+mn-ea"/>
+                          <a:cs typeface="+mn-cs"/>
+                        </a:rPr>
+                        <a:t>*</a:t>
+                      </a:r>
+                    </a:p>
+                  </a:txBody>
+                  <a:tcPr>
+                    <a:solidFill>
+                      <a:schemeClr val="tx2">
+                        <a:lumMod val="50000"/>
+                        <a:lumOff val="50000"/>
+                      </a:schemeClr>
+                    </a:solidFill>
+                  </a:tcPr>
+                </a:tc>
+                <a:tc>
+                  <a:txBody>
+                    <a:bodyPr/>
+                    <a:lstStyle/>
+                    <a:p>
+                      <a:r>
+                        <a:rPr lang="en-US" sz="1800" dirty="0"/>
+                        <a:t>support</a:t>
+                      </a:r>
+                    </a:p>
+                  </a:txBody>
+                  <a:tcPr>
+                    <a:solidFill>
+                      <a:schemeClr val="tx2">
+                        <a:lumMod val="50000"/>
+                        <a:lumOff val="50000"/>
+                      </a:schemeClr>
+                    </a:solidFill>
+                  </a:tcPr>
+                </a:tc>
+                <a:tc>
+                  <a:txBody>
+                    <a:bodyPr/>
+                    <a:lstStyle/>
+                    <a:p>
+                      <a:r>
+                        <a:rPr lang="en-US" sz="1800" dirty="0"/>
+                        <a:t>numerical</a:t>
+                      </a:r>
+                    </a:p>
+                  </a:txBody>
+                  <a:tcPr>
+                    <a:solidFill>
+                      <a:schemeClr val="tx2">
+                        <a:lumMod val="50000"/>
+                        <a:lumOff val="50000"/>
+                      </a:schemeClr>
+                    </a:solidFill>
+                  </a:tcPr>
+                </a:tc>
+                <a:tc>
+                  <a:txBody>
+                    <a:bodyPr/>
+                    <a:lstStyle/>
+                    <a:p>
+                      <a:r>
+                        <a:rPr lang="en-US" sz="1800" dirty="0"/>
+                        <a:t>year (2010 - 2017)</a:t>
+                      </a:r>
+                    </a:p>
+                  </a:txBody>
+                  <a:tcPr>
+                    <a:solidFill>
+                      <a:schemeClr val="tx2">
+                        <a:lumMod val="50000"/>
+                        <a:lumOff val="50000"/>
+                      </a:schemeClr>
+                    </a:solidFill>
+                  </a:tcPr>
+                </a:tc>
+                <a:extLst>
+                  <a:ext uri="{0D108BD9-81ED-4DB2-BD59-A6C34878D82A}">
+                    <a16:rowId xmlns:a16="http://schemas.microsoft.com/office/drawing/2014/main" val="3600045225"/>
+                  </a:ext>
+                </a:extLst>
+              </a:tr>
+              <a:tr h="376320">
+                <a:tc>
+                  <a:txBody>
+                    <a:bodyPr/>
+                    <a:lstStyle/>
+                    <a:p>
+                      <a:r>
+                        <a:rPr lang="en-US" sz="1800" b="1" dirty="0">
+                          <a:solidFill>
+                            <a:srgbClr val="FF0000"/>
+                          </a:solidFill>
+                        </a:rPr>
+                        <a:t>weekday</a:t>
+                      </a:r>
+                    </a:p>
+                  </a:txBody>
+                  <a:tcPr>
+                    <a:solidFill>
+                      <a:schemeClr val="tx2">
+                        <a:lumMod val="50000"/>
+                        <a:lumOff val="50000"/>
+                      </a:schemeClr>
+                    </a:solidFill>
+                  </a:tcPr>
+                </a:tc>
+                <a:tc>
+                  <a:txBody>
+                    <a:bodyPr/>
+                    <a:lstStyle/>
+                    <a:p>
+                      <a:endParaRPr lang="en-US" sz="1800" dirty="0"/>
+                    </a:p>
+                  </a:txBody>
+                  <a:tcPr>
+                    <a:solidFill>
+                      <a:schemeClr val="tx2">
+                        <a:lumMod val="50000"/>
+                        <a:lumOff val="50000"/>
+                      </a:schemeClr>
+                    </a:solidFill>
+                  </a:tcPr>
+                </a:tc>
+                <a:tc>
+                  <a:txBody>
+                    <a:bodyPr/>
+                    <a:lstStyle/>
+                    <a:p>
+                      <a:r>
+                        <a:rPr lang="en-US" sz="1800" dirty="0"/>
+                        <a:t>categorical (7)</a:t>
+                      </a:r>
+                    </a:p>
+                  </a:txBody>
+                  <a:tcPr>
+                    <a:solidFill>
+                      <a:schemeClr val="tx2">
+                        <a:lumMod val="50000"/>
+                        <a:lumOff val="50000"/>
+                      </a:schemeClr>
+                    </a:solidFill>
+                  </a:tcPr>
+                </a:tc>
+                <a:tc>
+                  <a:txBody>
+                    <a:bodyPr/>
+                    <a:lstStyle/>
+                    <a:p>
+                      <a:r>
+                        <a:rPr lang="en-US" sz="1800" dirty="0"/>
+                        <a:t>derived from </a:t>
+                      </a:r>
+                      <a:r>
+                        <a:rPr lang="en-US" sz="1800" b="1" dirty="0" err="1"/>
+                        <a:t>iyear</a:t>
+                      </a:r>
+                      <a:r>
+                        <a:rPr lang="en-US" sz="1800" dirty="0"/>
+                        <a:t>, </a:t>
+                      </a:r>
+                      <a:r>
+                        <a:rPr lang="en-US" sz="1800" b="1" dirty="0" err="1"/>
+                        <a:t>imonth</a:t>
+                      </a:r>
+                      <a:r>
+                        <a:rPr lang="en-US" sz="1800" dirty="0"/>
+                        <a:t>, </a:t>
+                      </a:r>
+                      <a:r>
+                        <a:rPr lang="en-US" sz="1800" b="1" dirty="0" err="1"/>
+                        <a:t>iday</a:t>
+                      </a:r>
+                      <a:endParaRPr lang="en-US" sz="1800" b="1" dirty="0"/>
+                    </a:p>
+                  </a:txBody>
+                  <a:tcPr>
+                    <a:solidFill>
+                      <a:schemeClr val="tx2">
+                        <a:lumMod val="50000"/>
+                        <a:lumOff val="50000"/>
+                      </a:schemeClr>
+                    </a:solidFill>
+                  </a:tcPr>
+                </a:tc>
+                <a:extLst>
+                  <a:ext uri="{0D108BD9-81ED-4DB2-BD59-A6C34878D82A}">
+                    <a16:rowId xmlns:a16="http://schemas.microsoft.com/office/drawing/2014/main" val="3610437811"/>
+                  </a:ext>
+                </a:extLst>
+              </a:tr>
+              <a:tr h="376320">
+                <a:tc>
+                  <a:txBody>
+                    <a:bodyPr/>
+                    <a:lstStyle/>
+                    <a:p>
+                      <a:pPr marL="0" algn="l" defTabSz="685800" rtl="0" eaLnBrk="1" latinLnBrk="0" hangingPunct="1"/>
+                      <a:r>
+                        <a:rPr lang="en-US" sz="1800" b="1" kern="1200" dirty="0">
+                          <a:solidFill>
+                            <a:schemeClr val="tx1">
+                              <a:lumMod val="65000"/>
+                              <a:lumOff val="35000"/>
+                            </a:schemeClr>
+                          </a:solidFill>
+                          <a:latin typeface="+mn-lt"/>
+                          <a:ea typeface="+mn-ea"/>
+                          <a:cs typeface="+mn-cs"/>
+                        </a:rPr>
+                        <a:t>latitude*</a:t>
+                      </a:r>
+                    </a:p>
+                  </a:txBody>
+                  <a:tcPr>
+                    <a:solidFill>
+                      <a:srgbClr val="FFC000"/>
+                    </a:solidFill>
+                  </a:tcPr>
+                </a:tc>
+                <a:tc>
+                  <a:txBody>
+                    <a:bodyPr/>
+                    <a:lstStyle/>
+                    <a:p>
+                      <a:r>
+                        <a:rPr kumimoji="0" lang="en-US" sz="1800" b="0" i="0" u="none" strike="noStrike" kern="1200" cap="none" spc="0" normalizeH="0" baseline="0" noProof="0" dirty="0">
+                          <a:ln>
+                            <a:noFill/>
+                          </a:ln>
+                          <a:solidFill>
+                            <a:prstClr val="black"/>
+                          </a:solidFill>
+                          <a:effectLst/>
+                          <a:uLnTx/>
+                          <a:uFillTx/>
+                          <a:latin typeface="Franklin Gothic Book" panose="020B0503020102020204"/>
+                          <a:ea typeface="+mn-ea"/>
+                          <a:cs typeface="+mn-cs"/>
+                        </a:rPr>
                         <a:t>support</a:t>
                       </a:r>
                       <a:endParaRPr lang="en-US" sz="1800" strike="noStrike" dirty="0">
@@ -32803,11 +33010,18 @@
                     <a:bodyPr/>
                     <a:lstStyle/>
                     <a:p>
-                      <a:r>
-                        <a:rPr lang="en-US" sz="1800" b="1" strike="noStrike" dirty="0">
+                      <a:pPr marL="0" algn="l" defTabSz="685800" rtl="0" eaLnBrk="1" latinLnBrk="0" hangingPunct="1"/>
+                      <a:r>
+                        <a:rPr lang="en-US" sz="1800" b="1" kern="1200" dirty="0">
                           <a:solidFill>
-                            <a:schemeClr val="tx1"/>
+                            <a:schemeClr val="tx1">
+                              <a:lumMod val="65000"/>
+                              <a:lumOff val="35000"/>
+                            </a:schemeClr>
                           </a:solidFill>
+                          <a:latin typeface="+mn-lt"/>
+                          <a:ea typeface="+mn-ea"/>
+                          <a:cs typeface="+mn-cs"/>
                         </a:rPr>
                         <a:t>longitude*</a:t>
                       </a:r>
@@ -32908,14 +33122,14 @@
                       <a:r>
                         <a:rPr lang="en-US" sz="1800" b="1" strike="noStrike" dirty="0" err="1">
                           <a:solidFill>
-                            <a:schemeClr val="tx1"/>
+                            <a:srgbClr val="FF0000"/>
                           </a:solidFill>
                         </a:rPr>
                         <a:t>cluster_id</a:t>
                       </a:r>
                       <a:endParaRPr lang="en-US" sz="1800" b="1" strike="noStrike" dirty="0">
                         <a:solidFill>
-                          <a:schemeClr val="tx1"/>
+                          <a:srgbClr val="FF0000"/>
                         </a:solidFill>
                       </a:endParaRPr>
                     </a:p>
@@ -33017,8 +33231,29 @@
                             <a:schemeClr val="tx1"/>
                           </a:solidFill>
                         </a:rPr>
-                        <a:t>longitude</a:t>
-                      </a:r>
+                        <a:t>longitude </a:t>
+                      </a:r>
+                      <a:r>
+                        <a:rPr lang="en-US" sz="1800" b="0" strike="noStrike" dirty="0">
+                          <a:solidFill>
+                            <a:schemeClr val="tx1"/>
+                          </a:solidFill>
+                        </a:rPr>
+                        <a:t>using </a:t>
+                      </a:r>
+                      <a:r>
+                        <a:rPr lang="en-US" sz="1800" b="1" i="1" strike="noStrike" dirty="0" err="1">
+                          <a:solidFill>
+                            <a:schemeClr val="tx1"/>
+                          </a:solidFill>
+                        </a:rPr>
+                        <a:t>kmeans</a:t>
+                      </a:r>
+                      <a:endParaRPr lang="en-US" sz="1800" b="1" i="1" strike="noStrike" dirty="0">
+                        <a:solidFill>
+                          <a:schemeClr val="tx1"/>
+                        </a:solidFill>
+                      </a:endParaRPr>
                     </a:p>
                   </a:txBody>
                   <a:tcPr>
@@ -33039,19 +33274,32 @@
                     <a:bodyPr/>
                     <a:lstStyle/>
                     <a:p>
-                      <a:r>
-                        <a:rPr lang="en-US" sz="1800" b="1" strike="noStrike" dirty="0" err="1">
+                      <a:pPr marL="0" algn="l" defTabSz="685800" rtl="0" eaLnBrk="1" latinLnBrk="0" hangingPunct="1"/>
+                      <a:r>
+                        <a:rPr lang="en-US" sz="1800" b="1" kern="1200" dirty="0" err="1">
                           <a:solidFill>
-                            <a:schemeClr val="tx1"/>
+                            <a:schemeClr val="tx1">
+                              <a:lumMod val="65000"/>
+                              <a:lumOff val="35000"/>
+                            </a:schemeClr>
                           </a:solidFill>
+                          <a:latin typeface="+mn-lt"/>
+                          <a:ea typeface="+mn-ea"/>
+                          <a:cs typeface="+mn-cs"/>
                         </a:rPr>
                         <a:t>n_attacks</a:t>
                       </a:r>
                       <a:r>
-                        <a:rPr lang="en-US" sz="1800" b="1" strike="noStrike" dirty="0">
+                        <a:rPr lang="en-US" sz="1800" b="1" kern="1200" dirty="0">
                           <a:solidFill>
-                            <a:schemeClr val="tx1"/>
+                            <a:schemeClr val="tx1">
+                              <a:lumMod val="65000"/>
+                              <a:lumOff val="35000"/>
+                            </a:schemeClr>
                           </a:solidFill>
+                          <a:latin typeface="+mn-lt"/>
+                          <a:ea typeface="+mn-ea"/>
+                          <a:cs typeface="+mn-cs"/>
                         </a:rPr>
                         <a:t>*</a:t>
                       </a:r>
@@ -33165,14 +33413,14 @@
                       <a:r>
                         <a:rPr lang="en-US" sz="1800" b="1" strike="noStrike" dirty="0" err="1">
                           <a:solidFill>
-                            <a:schemeClr val="tx1"/>
+                            <a:srgbClr val="FF0000"/>
                           </a:solidFill>
                         </a:rPr>
                         <a:t>risk_level</a:t>
                       </a:r>
                       <a:endParaRPr lang="en-US" sz="1800" b="1" strike="noStrike" dirty="0">
                         <a:solidFill>
-                          <a:schemeClr val="tx1"/>
+                          <a:srgbClr val="FF0000"/>
                         </a:solidFill>
                       </a:endParaRPr>
                     </a:p>
@@ -33256,12 +33504,20 @@
                         <a:t>n_attacks</a:t>
                       </a:r>
                       <a:r>
+                        <a:rPr lang="en-US" sz="1800" b="0" strike="noStrike" dirty="0">
+                          <a:solidFill>
+                            <a:schemeClr val="tx1"/>
+                          </a:solidFill>
+                        </a:rPr>
+                        <a:t> (</a:t>
+                      </a:r>
+                      <a:r>
                         <a:rPr lang="en-US" sz="1800" strike="noStrike" dirty="0">
                           <a:solidFill>
                             <a:schemeClr val="tx1"/>
                           </a:solidFill>
                         </a:rPr>
-                        <a:t> -- grouping by </a:t>
+                        <a:t>grouping by </a:t>
                       </a:r>
                       <a:r>
                         <a:rPr lang="en-US" sz="1800" b="1" strike="noStrike" dirty="0" err="1">
@@ -33269,7 +33525,7 @@
                             <a:schemeClr val="tx1"/>
                           </a:solidFill>
                         </a:rPr>
-                        <a:t>iday</a:t>
+                        <a:t>imonth</a:t>
                       </a:r>
                       <a:r>
                         <a:rPr lang="en-US" sz="1800" strike="noStrike" dirty="0">
@@ -33280,34 +33536,40 @@
                         <a:t>, </a:t>
                       </a:r>
                       <a:r>
+                        <a:rPr lang="en-US" sz="1800" b="1" strike="noStrike" kern="1200" dirty="0">
+                          <a:solidFill>
+                            <a:schemeClr val="tx1"/>
+                          </a:solidFill>
+                          <a:latin typeface="+mn-lt"/>
+                          <a:ea typeface="+mn-ea"/>
+                          <a:cs typeface="+mn-cs"/>
+                        </a:rPr>
+                        <a:t>weekday</a:t>
+                      </a:r>
+                      <a:r>
+                        <a:rPr lang="en-US" sz="1800" strike="noStrike" dirty="0">
+                          <a:solidFill>
+                            <a:schemeClr val="tx1"/>
+                          </a:solidFill>
+                        </a:rPr>
+                        <a:t>, </a:t>
+                      </a:r>
+                      <a:r>
                         <a:rPr lang="en-US" sz="1800" b="1" strike="noStrike" dirty="0" err="1">
                           <a:solidFill>
                             <a:schemeClr val="tx1"/>
                           </a:solidFill>
                         </a:rPr>
-                        <a:t>imonth</a:t>
-                      </a:r>
-                      <a:r>
-                        <a:rPr lang="en-US" sz="1800" strike="noStrike" dirty="0">
+                        <a:t>cluster_id</a:t>
+                      </a:r>
+                      <a:r>
+                        <a:rPr lang="en-US" sz="1800" b="0" strike="noStrike" dirty="0">
                           <a:solidFill>
                             <a:schemeClr val="tx1"/>
                           </a:solidFill>
                         </a:rPr>
-                        <a:t>, </a:t>
-                      </a:r>
-                      <a:r>
-                        <a:rPr lang="en-US" sz="1800" b="1" strike="noStrike" dirty="0" err="1">
-                          <a:solidFill>
-                            <a:schemeClr val="tx1"/>
-                          </a:solidFill>
-                        </a:rPr>
-                        <a:t>cluster_id</a:t>
-                      </a:r>
-                      <a:endParaRPr lang="en-US" sz="1800" b="1" strike="noStrike" dirty="0">
-                        <a:solidFill>
-                          <a:schemeClr val="tx1"/>
-                        </a:solidFill>
-                      </a:endParaRPr>
+                        <a:t>)</a:t>
+                      </a:r>
                     </a:p>
                   </a:txBody>
                   <a:tcPr>
@@ -33419,16 +33681,19 @@
                   </a:ext>
                 </a:extLst>
               </a:tr>
-              <a:tr h="376320">
-                <a:tc>
-                  <a:txBody>
-                    <a:bodyPr/>
-                    <a:lstStyle/>
-                    <a:p>
-                      <a:r>
-                        <a:rPr lang="en-US" sz="1800" b="1" strike="noStrike" dirty="0">
+              <a:tr h="212301">
+                <a:tc>
+                  <a:txBody>
+                    <a:bodyPr/>
+                    <a:lstStyle/>
+                    <a:p>
+                      <a:r>
+                        <a:rPr lang="en-US" sz="1400" b="1" strike="noStrike" dirty="0">
                           <a:solidFill>
-                            <a:srgbClr val="FF0000"/>
+                            <a:schemeClr val="tx1">
+                              <a:lumMod val="65000"/>
+                              <a:lumOff val="35000"/>
+                            </a:schemeClr>
                           </a:solidFill>
                         </a:rPr>
                         <a:t>region</a:t>
@@ -33450,9 +33715,12 @@
                     <a:lstStyle/>
                     <a:p>
                       <a:r>
-                        <a:rPr lang="en-US" sz="1800" strike="noStrike" dirty="0">
+                        <a:rPr lang="en-US" sz="1400" strike="noStrike" dirty="0">
                           <a:solidFill>
-                            <a:srgbClr val="FF0000"/>
+                            <a:schemeClr val="tx1">
+                              <a:lumMod val="65000"/>
+                              <a:lumOff val="35000"/>
+                            </a:schemeClr>
                           </a:solidFill>
                         </a:rPr>
                         <a:t>N/A</a:t>
@@ -33474,9 +33742,12 @@
                     <a:lstStyle/>
                     <a:p>
                       <a:r>
-                        <a:rPr lang="en-US" sz="1800" strike="noStrike" dirty="0">
+                        <a:rPr lang="en-US" sz="1400" strike="noStrike" dirty="0">
                           <a:solidFill>
-                            <a:srgbClr val="FF0000"/>
+                            <a:schemeClr val="tx1">
+                              <a:lumMod val="65000"/>
+                              <a:lumOff val="35000"/>
+                            </a:schemeClr>
                           </a:solidFill>
                         </a:rPr>
                         <a:t>categorical (12)</a:t>
@@ -33498,9 +33769,12 @@
                     <a:lstStyle/>
                     <a:p>
                       <a:r>
-                        <a:rPr lang="en-US" sz="1800" strike="noStrike" dirty="0">
+                        <a:rPr lang="en-US" sz="1400" strike="noStrike" dirty="0">
                           <a:solidFill>
-                            <a:srgbClr val="FF0000"/>
+                            <a:schemeClr val="tx1">
+                              <a:lumMod val="65000"/>
+                              <a:lumOff val="35000"/>
+                            </a:schemeClr>
                           </a:solidFill>
                         </a:rPr>
                         <a:t>too coarse grained</a:t>
@@ -33522,16 +33796,19 @@
                   </a:ext>
                 </a:extLst>
               </a:tr>
-              <a:tr h="879074">
-                <a:tc>
-                  <a:txBody>
-                    <a:bodyPr/>
-                    <a:lstStyle/>
-                    <a:p>
-                      <a:r>
-                        <a:rPr lang="en-US" sz="1800" b="1" strike="noStrike" dirty="0">
+              <a:tr h="669501">
+                <a:tc>
+                  <a:txBody>
+                    <a:bodyPr/>
+                    <a:lstStyle/>
+                    <a:p>
+                      <a:r>
+                        <a:rPr lang="en-US" sz="1400" b="1" strike="noStrike" dirty="0">
                           <a:solidFill>
-                            <a:srgbClr val="FF0000"/>
+                            <a:schemeClr val="tx1">
+                              <a:lumMod val="65000"/>
+                              <a:lumOff val="35000"/>
+                            </a:schemeClr>
                           </a:solidFill>
                         </a:rPr>
                         <a:t>country</a:t>
@@ -33570,12 +33847,15 @@
                         <a:defRPr/>
                       </a:pPr>
                       <a:r>
-                        <a:rPr kumimoji="0" lang="en-US" sz="1800" b="0" i="0" u="none" strike="noStrike" kern="1200" cap="none" spc="0" normalizeH="0" baseline="0" noProof="0" dirty="0">
+                        <a:rPr kumimoji="0" lang="en-US" sz="1400" b="0" i="0" u="none" strike="noStrike" kern="1200" cap="none" spc="0" normalizeH="0" baseline="0" noProof="0" dirty="0">
                           <a:ln>
                             <a:noFill/>
                           </a:ln>
                           <a:solidFill>
-                            <a:srgbClr val="FF0000"/>
+                            <a:schemeClr val="tx1">
+                              <a:lumMod val="65000"/>
+                              <a:lumOff val="35000"/>
+                            </a:schemeClr>
                           </a:solidFill>
                           <a:effectLst/>
                           <a:uLnTx/>
@@ -33603,9 +33883,12 @@
                     <a:lstStyle/>
                     <a:p>
                       <a:r>
-                        <a:rPr lang="en-US" sz="1800" strike="noStrike" dirty="0">
+                        <a:rPr lang="en-US" sz="1400" strike="noStrike" dirty="0">
                           <a:solidFill>
-                            <a:srgbClr val="FF0000"/>
+                            <a:schemeClr val="tx1">
+                              <a:lumMod val="65000"/>
+                              <a:lumOff val="35000"/>
+                            </a:schemeClr>
                           </a:solidFill>
                         </a:rPr>
                         <a:t>categorical</a:t>
@@ -33631,9 +33914,12 @@
                         <a:buChar char="•"/>
                       </a:pPr>
                       <a:r>
-                        <a:rPr lang="en-US" sz="1800" strike="noStrike" kern="1200" dirty="0">
+                        <a:rPr lang="en-US" sz="1400" strike="noStrike" kern="1200" dirty="0">
                           <a:solidFill>
-                            <a:srgbClr val="FF0000"/>
+                            <a:schemeClr val="tx1">
+                              <a:lumMod val="65000"/>
+                              <a:lumOff val="35000"/>
+                            </a:schemeClr>
                           </a:solidFill>
                           <a:latin typeface="+mn-lt"/>
                           <a:ea typeface="+mn-ea"/>
@@ -33648,9 +33934,12 @@
                         <a:buChar char="•"/>
                       </a:pPr>
                       <a:r>
-                        <a:rPr lang="en-US" sz="1800" strike="noStrike" kern="1200" dirty="0">
+                        <a:rPr lang="en-US" sz="1400" strike="noStrike" kern="1200" dirty="0">
                           <a:solidFill>
-                            <a:srgbClr val="FF0000"/>
+                            <a:schemeClr val="tx1">
+                              <a:lumMod val="65000"/>
+                              <a:lumOff val="35000"/>
+                            </a:schemeClr>
                           </a:solidFill>
                           <a:latin typeface="+mn-lt"/>
                           <a:ea typeface="+mn-ea"/>
@@ -33682,9 +33971,12 @@
                     <a:lstStyle/>
                     <a:p>
                       <a:r>
-                        <a:rPr lang="en-US" sz="1800" b="1" strike="noStrike" dirty="0">
+                        <a:rPr lang="en-US" sz="1400" b="1" strike="noStrike" dirty="0">
                           <a:solidFill>
-                            <a:srgbClr val="FF0000"/>
+                            <a:schemeClr val="tx1">
+                              <a:lumMod val="65000"/>
+                              <a:lumOff val="35000"/>
+                            </a:schemeClr>
                           </a:solidFill>
                         </a:rPr>
                         <a:t>city</a:t>
@@ -33723,12 +34015,15 @@
                         <a:defRPr/>
                       </a:pPr>
                       <a:r>
-                        <a:rPr kumimoji="0" lang="en-US" sz="1800" b="0" i="0" u="none" strike="noStrike" kern="1200" cap="none" spc="0" normalizeH="0" baseline="0" noProof="0">
+                        <a:rPr kumimoji="0" lang="en-US" sz="1400" b="0" i="0" u="none" strike="noStrike" kern="1200" cap="none" spc="0" normalizeH="0" baseline="0" noProof="0">
                           <a:ln>
                             <a:noFill/>
                           </a:ln>
                           <a:solidFill>
-                            <a:srgbClr val="FF0000"/>
+                            <a:schemeClr val="tx1">
+                              <a:lumMod val="65000"/>
+                              <a:lumOff val="35000"/>
+                            </a:schemeClr>
                           </a:solidFill>
                           <a:effectLst/>
                           <a:uLnTx/>
@@ -33739,12 +34034,15 @@
                         </a:rPr>
                         <a:t>N/A</a:t>
                       </a:r>
-                      <a:endParaRPr kumimoji="0" lang="en-US" sz="1800" b="0" i="0" u="none" strike="noStrike" kern="1200" cap="none" spc="0" normalizeH="0" baseline="0" noProof="0" dirty="0">
+                      <a:endParaRPr kumimoji="0" lang="en-US" sz="1400" b="0" i="0" u="none" strike="noStrike" kern="1200" cap="none" spc="0" normalizeH="0" baseline="0" noProof="0" dirty="0">
                         <a:ln>
                           <a:noFill/>
                         </a:ln>
                         <a:solidFill>
-                          <a:srgbClr val="FF0000"/>
+                          <a:schemeClr val="tx1">
+                            <a:lumMod val="65000"/>
+                            <a:lumOff val="35000"/>
+                          </a:schemeClr>
                         </a:solidFill>
                         <a:effectLst/>
                         <a:uLnTx/>
@@ -33770,9 +34068,12 @@
                     <a:lstStyle/>
                     <a:p>
                       <a:r>
-                        <a:rPr lang="en-US" sz="1800" strike="noStrike" dirty="0">
+                        <a:rPr lang="en-US" sz="1400" strike="noStrike" dirty="0">
                           <a:solidFill>
-                            <a:srgbClr val="FF0000"/>
+                            <a:schemeClr val="tx1">
+                              <a:lumMod val="65000"/>
+                              <a:lumOff val="35000"/>
+                            </a:schemeClr>
                           </a:solidFill>
                         </a:rPr>
                         <a:t>categorical</a:t>
@@ -33794,9 +34095,12 @@
                     <a:lstStyle/>
                     <a:p>
                       <a:r>
-                        <a:rPr lang="en-US" sz="1800" strike="noStrike" dirty="0">
+                        <a:rPr lang="en-US" sz="1400" strike="noStrike" dirty="0">
                           <a:solidFill>
-                            <a:srgbClr val="FF0000"/>
+                            <a:schemeClr val="tx1">
+                              <a:lumMod val="65000"/>
+                              <a:lumOff val="35000"/>
+                            </a:schemeClr>
                           </a:solidFill>
                         </a:rPr>
                         <a:t>too many values</a:t>
@@ -34658,7 +34962,7 @@
           <p:nvPr/>
         </p:nvPicPr>
         <p:blipFill rotWithShape="1">
-          <a:blip r:embed="rId2">
+          <a:blip r:embed="rId3">
             <a:extLst>
               <a:ext uri="{28A0092B-C50C-407E-A947-70E740481C1C}">
                 <a14:useLocalDpi xmlns:a14="http://schemas.microsoft.com/office/drawing/2010/main" val="0"/>
@@ -35731,347 +36035,6 @@
           </a:p>
         </p:txBody>
       </p:sp>
-      <p:pic>
-        <p:nvPicPr>
-          <p:cNvPr id="3" name="Picture 2">
-            <a:extLst>
-              <a:ext uri="{FF2B5EF4-FFF2-40B4-BE49-F238E27FC236}">
-                <a16:creationId xmlns:a16="http://schemas.microsoft.com/office/drawing/2014/main" id="{A5EF5A17-9EB6-490C-8183-751BA36E797E}"/>
-              </a:ext>
-            </a:extLst>
-          </p:cNvPr>
-          <p:cNvPicPr>
-            <a:picLocks noChangeAspect="1"/>
-          </p:cNvPicPr>
-          <p:nvPr/>
-        </p:nvPicPr>
-        <p:blipFill>
-          <a:blip r:embed="rId2"/>
-          <a:stretch>
-            <a:fillRect/>
-          </a:stretch>
-        </p:blipFill>
-        <p:spPr>
-          <a:xfrm>
-            <a:off x="739577" y="1295400"/>
-            <a:ext cx="8210849" cy="2143464"/>
-          </a:xfrm>
-          <a:prstGeom prst="rect">
-            <a:avLst/>
-          </a:prstGeom>
-        </p:spPr>
-      </p:pic>
-      <p:sp>
-        <p:nvSpPr>
-          <p:cNvPr id="10" name="Rectangle 9">
-            <a:extLst>
-              <a:ext uri="{FF2B5EF4-FFF2-40B4-BE49-F238E27FC236}">
-                <a16:creationId xmlns:a16="http://schemas.microsoft.com/office/drawing/2014/main" id="{5FFBA80F-C4FC-42EA-A136-095866385D11}"/>
-              </a:ext>
-            </a:extLst>
-          </p:cNvPr>
-          <p:cNvSpPr/>
-          <p:nvPr/>
-        </p:nvSpPr>
-        <p:spPr>
-          <a:xfrm>
-            <a:off x="3962401" y="1447800"/>
-            <a:ext cx="1123348" cy="381000"/>
-          </a:xfrm>
-          <a:prstGeom prst="rect">
-            <a:avLst/>
-          </a:prstGeom>
-          <a:solidFill>
-            <a:srgbClr val="FFFF00">
-              <a:alpha val="25098"/>
-            </a:srgbClr>
-          </a:solidFill>
-          <a:ln>
-            <a:noFill/>
-          </a:ln>
-        </p:spPr>
-        <p:style>
-          <a:lnRef idx="2">
-            <a:schemeClr val="accent1">
-              <a:shade val="50000"/>
-            </a:schemeClr>
-          </a:lnRef>
-          <a:fillRef idx="1">
-            <a:schemeClr val="accent1"/>
-          </a:fillRef>
-          <a:effectRef idx="0">
-            <a:schemeClr val="accent1"/>
-          </a:effectRef>
-          <a:fontRef idx="minor">
-            <a:schemeClr val="lt1"/>
-          </a:fontRef>
-        </p:style>
-        <p:txBody>
-          <a:bodyPr rtlCol="0" anchor="ctr"/>
-          <a:lstStyle/>
-          <a:p>
-            <a:pPr algn="ctr"/>
-            <a:endParaRPr lang="en-US"/>
-          </a:p>
-        </p:txBody>
-      </p:sp>
-      <p:sp>
-        <p:nvSpPr>
-          <p:cNvPr id="12" name="Rectangle 11">
-            <a:extLst>
-              <a:ext uri="{FF2B5EF4-FFF2-40B4-BE49-F238E27FC236}">
-                <a16:creationId xmlns:a16="http://schemas.microsoft.com/office/drawing/2014/main" id="{48A84280-11D8-4EEE-8672-06F92523182C}"/>
-              </a:ext>
-            </a:extLst>
-          </p:cNvPr>
-          <p:cNvSpPr/>
-          <p:nvPr/>
-        </p:nvSpPr>
-        <p:spPr>
-          <a:xfrm>
-            <a:off x="2784762" y="1842655"/>
-            <a:ext cx="796638" cy="381000"/>
-          </a:xfrm>
-          <a:prstGeom prst="rect">
-            <a:avLst/>
-          </a:prstGeom>
-          <a:solidFill>
-            <a:srgbClr val="FFFF00">
-              <a:alpha val="25098"/>
-            </a:srgbClr>
-          </a:solidFill>
-          <a:ln>
-            <a:noFill/>
-          </a:ln>
-        </p:spPr>
-        <p:style>
-          <a:lnRef idx="2">
-            <a:schemeClr val="accent1">
-              <a:shade val="50000"/>
-            </a:schemeClr>
-          </a:lnRef>
-          <a:fillRef idx="1">
-            <a:schemeClr val="accent1"/>
-          </a:fillRef>
-          <a:effectRef idx="0">
-            <a:schemeClr val="accent1"/>
-          </a:effectRef>
-          <a:fontRef idx="minor">
-            <a:schemeClr val="lt1"/>
-          </a:fontRef>
-        </p:style>
-        <p:txBody>
-          <a:bodyPr rtlCol="0" anchor="ctr"/>
-          <a:lstStyle/>
-          <a:p>
-            <a:pPr algn="ctr"/>
-            <a:endParaRPr lang="en-US"/>
-          </a:p>
-        </p:txBody>
-      </p:sp>
-      <p:sp>
-        <p:nvSpPr>
-          <p:cNvPr id="13" name="Rectangle 12">
-            <a:extLst>
-              <a:ext uri="{FF2B5EF4-FFF2-40B4-BE49-F238E27FC236}">
-                <a16:creationId xmlns:a16="http://schemas.microsoft.com/office/drawing/2014/main" id="{91095A70-EB6D-44EE-A909-6C45C61494C4}"/>
-              </a:ext>
-            </a:extLst>
-          </p:cNvPr>
-          <p:cNvSpPr/>
-          <p:nvPr/>
-        </p:nvSpPr>
-        <p:spPr>
-          <a:xfrm>
-            <a:off x="4439254" y="1811481"/>
-            <a:ext cx="796638" cy="381000"/>
-          </a:xfrm>
-          <a:prstGeom prst="rect">
-            <a:avLst/>
-          </a:prstGeom>
-          <a:solidFill>
-            <a:srgbClr val="FFFF00">
-              <a:alpha val="25098"/>
-            </a:srgbClr>
-          </a:solidFill>
-          <a:ln>
-            <a:noFill/>
-          </a:ln>
-        </p:spPr>
-        <p:style>
-          <a:lnRef idx="2">
-            <a:schemeClr val="accent1">
-              <a:shade val="50000"/>
-            </a:schemeClr>
-          </a:lnRef>
-          <a:fillRef idx="1">
-            <a:schemeClr val="accent1"/>
-          </a:fillRef>
-          <a:effectRef idx="0">
-            <a:schemeClr val="accent1"/>
-          </a:effectRef>
-          <a:fontRef idx="minor">
-            <a:schemeClr val="lt1"/>
-          </a:fontRef>
-        </p:style>
-        <p:txBody>
-          <a:bodyPr rtlCol="0" anchor="ctr"/>
-          <a:lstStyle/>
-          <a:p>
-            <a:pPr algn="ctr"/>
-            <a:endParaRPr lang="en-US"/>
-          </a:p>
-        </p:txBody>
-      </p:sp>
-      <p:sp>
-        <p:nvSpPr>
-          <p:cNvPr id="14" name="Rectangle 13">
-            <a:extLst>
-              <a:ext uri="{FF2B5EF4-FFF2-40B4-BE49-F238E27FC236}">
-                <a16:creationId xmlns:a16="http://schemas.microsoft.com/office/drawing/2014/main" id="{89D16702-05A0-414D-9F2F-257847E9A278}"/>
-              </a:ext>
-            </a:extLst>
-          </p:cNvPr>
-          <p:cNvSpPr/>
-          <p:nvPr/>
-        </p:nvSpPr>
-        <p:spPr>
-          <a:xfrm>
-            <a:off x="3810000" y="2566553"/>
-            <a:ext cx="867039" cy="381000"/>
-          </a:xfrm>
-          <a:prstGeom prst="rect">
-            <a:avLst/>
-          </a:prstGeom>
-          <a:solidFill>
-            <a:srgbClr val="FFFF00">
-              <a:alpha val="25098"/>
-            </a:srgbClr>
-          </a:solidFill>
-          <a:ln>
-            <a:noFill/>
-          </a:ln>
-        </p:spPr>
-        <p:style>
-          <a:lnRef idx="2">
-            <a:schemeClr val="accent1">
-              <a:shade val="50000"/>
-            </a:schemeClr>
-          </a:lnRef>
-          <a:fillRef idx="1">
-            <a:schemeClr val="accent1"/>
-          </a:fillRef>
-          <a:effectRef idx="0">
-            <a:schemeClr val="accent1"/>
-          </a:effectRef>
-          <a:fontRef idx="minor">
-            <a:schemeClr val="lt1"/>
-          </a:fontRef>
-        </p:style>
-        <p:txBody>
-          <a:bodyPr rtlCol="0" anchor="ctr"/>
-          <a:lstStyle/>
-          <a:p>
-            <a:pPr algn="ctr"/>
-            <a:endParaRPr lang="en-US"/>
-          </a:p>
-        </p:txBody>
-      </p:sp>
-      <p:sp>
-        <p:nvSpPr>
-          <p:cNvPr id="15" name="Rectangle 14">
-            <a:extLst>
-              <a:ext uri="{FF2B5EF4-FFF2-40B4-BE49-F238E27FC236}">
-                <a16:creationId xmlns:a16="http://schemas.microsoft.com/office/drawing/2014/main" id="{F618E995-8E54-456E-B496-8CECEBB5E793}"/>
-              </a:ext>
-            </a:extLst>
-          </p:cNvPr>
-          <p:cNvSpPr/>
-          <p:nvPr/>
-        </p:nvSpPr>
-        <p:spPr>
-          <a:xfrm>
-            <a:off x="2912916" y="2606123"/>
-            <a:ext cx="867039" cy="381000"/>
-          </a:xfrm>
-          <a:prstGeom prst="rect">
-            <a:avLst/>
-          </a:prstGeom>
-          <a:solidFill>
-            <a:srgbClr val="FFFF00">
-              <a:alpha val="25098"/>
-            </a:srgbClr>
-          </a:solidFill>
-          <a:ln>
-            <a:noFill/>
-          </a:ln>
-        </p:spPr>
-        <p:style>
-          <a:lnRef idx="2">
-            <a:schemeClr val="accent1">
-              <a:shade val="50000"/>
-            </a:schemeClr>
-          </a:lnRef>
-          <a:fillRef idx="1">
-            <a:schemeClr val="accent1"/>
-          </a:fillRef>
-          <a:effectRef idx="0">
-            <a:schemeClr val="accent1"/>
-          </a:effectRef>
-          <a:fontRef idx="minor">
-            <a:schemeClr val="lt1"/>
-          </a:fontRef>
-        </p:style>
-        <p:txBody>
-          <a:bodyPr rtlCol="0" anchor="ctr"/>
-          <a:lstStyle/>
-          <a:p>
-            <a:pPr algn="ctr"/>
-            <a:endParaRPr lang="en-US"/>
-          </a:p>
-        </p:txBody>
-      </p:sp>
-      <p:pic>
-        <p:nvPicPr>
-          <p:cNvPr id="16" name="Picture 15" descr="A close up of a map&#10;&#10;Description automatically generated">
-            <a:extLst>
-              <a:ext uri="{FF2B5EF4-FFF2-40B4-BE49-F238E27FC236}">
-                <a16:creationId xmlns:a16="http://schemas.microsoft.com/office/drawing/2014/main" id="{3913FB2D-5C45-4F3F-A9D7-E0A2B467117F}"/>
-              </a:ext>
-            </a:extLst>
-          </p:cNvPr>
-          <p:cNvPicPr>
-            <a:picLocks noChangeAspect="1"/>
-          </p:cNvPicPr>
-          <p:nvPr/>
-        </p:nvPicPr>
-        <p:blipFill rotWithShape="1">
-          <a:blip r:embed="rId3">
-            <a:extLst>
-              <a:ext uri="{28A0092B-C50C-407E-A947-70E740481C1C}">
-                <a14:useLocalDpi xmlns:a14="http://schemas.microsoft.com/office/drawing/2010/main" val="0"/>
-              </a:ext>
-            </a:extLst>
-          </a:blip>
-          <a:srcRect l="45833" t="10000" r="24167" b="55000"/>
-          <a:stretch/>
-        </p:blipFill>
-        <p:spPr>
-          <a:xfrm>
-            <a:off x="704418" y="4216480"/>
-            <a:ext cx="4160688" cy="2427068"/>
-          </a:xfrm>
-          <a:prstGeom prst="rect">
-            <a:avLst/>
-          </a:prstGeom>
-          <a:ln>
-            <a:noFill/>
-          </a:ln>
-          <a:effectLst>
-            <a:softEdge rad="112500"/>
-          </a:effectLst>
-        </p:spPr>
-      </p:pic>
       <p:graphicFrame>
         <p:nvGraphicFramePr>
           <p:cNvPr id="23" name="Table 22">
@@ -36087,35 +36050,43 @@
           <p:nvPr>
             <p:extLst>
               <p:ext uri="{D42A27DB-BD31-4B8C-83A1-F6EECF244321}">
-                <p14:modId xmlns:p14="http://schemas.microsoft.com/office/powerpoint/2010/main" val="2561760862"/>
+                <p14:modId xmlns:p14="http://schemas.microsoft.com/office/powerpoint/2010/main" val="3476078667"/>
               </p:ext>
             </p:extLst>
           </p:nvPr>
         </p:nvGraphicFramePr>
         <p:xfrm>
-          <a:off x="6477000" y="4305300"/>
-          <a:ext cx="2190115" cy="1866900"/>
+          <a:off x="6185737" y="4394572"/>
+          <a:ext cx="2764689" cy="2346960"/>
         </p:xfrm>
         <a:graphic>
           <a:graphicData uri="http://schemas.openxmlformats.org/drawingml/2006/table">
             <a:tbl>
-              <a:tblPr/>
+              <a:tblPr>
+                <a:effectLst>
+                  <a:outerShdw blurRad="50800" dist="38100" dir="2700000" algn="tl" rotWithShape="0">
+                    <a:prstClr val="black">
+                      <a:alpha val="40000"/>
+                    </a:prstClr>
+                  </a:outerShdw>
+                </a:effectLst>
+              </a:tblPr>
               <a:tblGrid>
-                <a:gridCol w="219075">
+                <a:gridCol w="276549">
                   <a:extLst>
                     <a:ext uri="{9D8B030D-6E8A-4147-A177-3AD203B41FA5}">
                       <a16:colId xmlns:a16="http://schemas.microsoft.com/office/drawing/2014/main" val="1242830739"/>
                     </a:ext>
                   </a:extLst>
                 </a:gridCol>
-                <a:gridCol w="985520">
+                <a:gridCol w="1497540">
                   <a:extLst>
                     <a:ext uri="{9D8B030D-6E8A-4147-A177-3AD203B41FA5}">
                       <a16:colId xmlns:a16="http://schemas.microsoft.com/office/drawing/2014/main" val="908526187"/>
                     </a:ext>
                   </a:extLst>
                 </a:gridCol>
-                <a:gridCol w="985520">
+                <a:gridCol w="990600">
                   <a:extLst>
                     <a:ext uri="{9D8B030D-6E8A-4147-A177-3AD203B41FA5}">
                       <a16:colId xmlns:a16="http://schemas.microsoft.com/office/drawing/2014/main" val="1987335944"/>
@@ -36131,7 +36102,7 @@
                     <a:p>
                       <a:pPr algn="r"/>
                       <a:r>
-                        <a:rPr lang="en-US" b="1">
+                        <a:rPr lang="en-US" sz="1800" b="1">
                           <a:solidFill>
                             <a:srgbClr val="000000"/>
                           </a:solidFill>
@@ -36141,7 +36112,7 @@
                       </a:r>
                     </a:p>
                   </a:txBody>
-                  <a:tcPr marL="38100" marR="38100" marT="30480" marB="30480" anchor="ctr">
+                  <a:tcPr marL="38100" marT="30480" marB="30480" anchor="ctr">
                     <a:lnL>
                       <a:noFill/>
                     </a:lnL>
@@ -36176,15 +36147,16 @@
                     <a:bodyPr/>
                     <a:lstStyle/>
                     <a:p>
-                      <a:r>
-                        <a:rPr lang="en-US">
+                      <a:pPr algn="ctr"/>
+                      <a:r>
+                        <a:rPr lang="en-US" sz="1800" dirty="0">
                           <a:effectLst/>
                         </a:rPr>
                         <a:t>Monday</a:t>
                       </a:r>
                     </a:p>
                   </a:txBody>
-                  <a:tcPr marL="38100" marR="38100" marT="30480" marB="30480" anchor="ctr">
+                  <a:tcPr marL="38100" marT="30480" marB="30480" anchor="ctr">
                     <a:lnL w="7620" cap="flat" cmpd="sng" algn="ctr">
                       <a:solidFill>
                         <a:srgbClr val="D6DADC"/>
@@ -36225,15 +36197,16 @@
                     <a:bodyPr/>
                     <a:lstStyle/>
                     <a:p>
-                      <a:r>
-                        <a:rPr lang="en-US">
+                      <a:pPr algn="r"/>
+                      <a:r>
+                        <a:rPr lang="en-US" sz="1800" dirty="0">
                           <a:effectLst/>
                         </a:rPr>
-                        <a:t>10954</a:t>
-                      </a:r>
-                    </a:p>
-                  </a:txBody>
-                  <a:tcPr marL="38100" marR="38100" marT="30480" marB="30480" anchor="ctr">
+                        <a:t>10,954</a:t>
+                      </a:r>
+                    </a:p>
+                  </a:txBody>
+                  <a:tcPr marL="38100" marT="30480" marB="30480" anchor="ctr">
                     <a:lnL w="7620" cap="flat" cmpd="sng" algn="ctr">
                       <a:solidFill>
                         <a:srgbClr val="D6DADC"/>
@@ -36283,7 +36256,7 @@
                     <a:p>
                       <a:pPr algn="r"/>
                       <a:r>
-                        <a:rPr lang="en-US" b="1">
+                        <a:rPr lang="en-US" sz="1800" b="1">
                           <a:solidFill>
                             <a:srgbClr val="000000"/>
                           </a:solidFill>
@@ -36293,7 +36266,7 @@
                       </a:r>
                     </a:p>
                   </a:txBody>
-                  <a:tcPr marL="38100" marR="38100" marT="30480" marB="30480" anchor="ctr">
+                  <a:tcPr marL="38100" marT="30480" marB="30480" anchor="ctr">
                     <a:lnL>
                       <a:noFill/>
                     </a:lnL>
@@ -36334,15 +36307,19 @@
                     <a:bodyPr/>
                     <a:lstStyle/>
                     <a:p>
-                      <a:r>
-                        <a:rPr lang="en-US">
+                      <a:pPr algn="ctr"/>
+                      <a:r>
+                        <a:rPr lang="en-US" sz="1800">
+                          <a:solidFill>
+                            <a:srgbClr val="FF0000"/>
+                          </a:solidFill>
                           <a:effectLst/>
                         </a:rPr>
                         <a:t>Tuesday</a:t>
                       </a:r>
                     </a:p>
                   </a:txBody>
-                  <a:tcPr marL="38100" marR="38100" marT="30480" marB="30480" anchor="ctr">
+                  <a:tcPr marL="38100" marT="30480" marB="30480" anchor="ctr">
                     <a:lnL w="7620" cap="flat" cmpd="sng" algn="ctr">
                       <a:solidFill>
                         <a:srgbClr val="D6DADC"/>
@@ -36389,15 +36366,19 @@
                     <a:bodyPr/>
                     <a:lstStyle/>
                     <a:p>
-                      <a:r>
-                        <a:rPr lang="en-US">
+                      <a:pPr algn="r"/>
+                      <a:r>
+                        <a:rPr lang="en-US" sz="1800" dirty="0">
+                          <a:solidFill>
+                            <a:srgbClr val="FF0000"/>
+                          </a:solidFill>
                           <a:effectLst/>
                         </a:rPr>
-                        <a:t>13226</a:t>
-                      </a:r>
-                    </a:p>
-                  </a:txBody>
-                  <a:tcPr marL="38100" marR="38100" marT="30480" marB="30480" anchor="ctr">
+                        <a:t>13,226</a:t>
+                      </a:r>
+                    </a:p>
+                  </a:txBody>
+                  <a:tcPr marL="38100" marT="30480" marB="30480" anchor="ctr">
                     <a:lnL w="7620" cap="flat" cmpd="sng" algn="ctr">
                       <a:solidFill>
                         <a:srgbClr val="D6DADC"/>
@@ -36453,7 +36434,7 @@
                     <a:p>
                       <a:pPr algn="r"/>
                       <a:r>
-                        <a:rPr lang="en-US" b="1">
+                        <a:rPr lang="en-US" sz="1800" b="1">
                           <a:solidFill>
                             <a:srgbClr val="000000"/>
                           </a:solidFill>
@@ -36463,7 +36444,7 @@
                       </a:r>
                     </a:p>
                   </a:txBody>
-                  <a:tcPr marL="38100" marR="38100" marT="30480" marB="30480" anchor="ctr">
+                  <a:tcPr marL="38100" marT="30480" marB="30480" anchor="ctr">
                     <a:lnL>
                       <a:noFill/>
                     </a:lnL>
@@ -36504,15 +36485,16 @@
                     <a:bodyPr/>
                     <a:lstStyle/>
                     <a:p>
-                      <a:r>
-                        <a:rPr lang="en-US">
+                      <a:pPr algn="ctr"/>
+                      <a:r>
+                        <a:rPr lang="en-US" sz="1800" dirty="0">
                           <a:effectLst/>
                         </a:rPr>
                         <a:t>Wednesday</a:t>
                       </a:r>
                     </a:p>
                   </a:txBody>
-                  <a:tcPr marL="38100" marR="38100" marT="30480" marB="30480" anchor="ctr">
+                  <a:tcPr marL="38100" marT="30480" marB="30480" anchor="ctr">
                     <a:lnL w="7620" cap="flat" cmpd="sng" algn="ctr">
                       <a:solidFill>
                         <a:srgbClr val="D6DADC"/>
@@ -36559,15 +36541,16 @@
                     <a:bodyPr/>
                     <a:lstStyle/>
                     <a:p>
-                      <a:r>
-                        <a:rPr lang="en-US">
+                      <a:pPr algn="r"/>
+                      <a:r>
+                        <a:rPr lang="en-US" sz="1800" dirty="0">
                           <a:effectLst/>
                         </a:rPr>
-                        <a:t>11925</a:t>
-                      </a:r>
-                    </a:p>
-                  </a:txBody>
-                  <a:tcPr marL="38100" marR="38100" marT="30480" marB="30480" anchor="ctr">
+                        <a:t>11,925</a:t>
+                      </a:r>
+                    </a:p>
+                  </a:txBody>
+                  <a:tcPr marL="38100" marT="30480" marB="30480" anchor="ctr">
                     <a:lnL w="7620" cap="flat" cmpd="sng" algn="ctr">
                       <a:solidFill>
                         <a:srgbClr val="D6DADC"/>
@@ -36623,7 +36606,7 @@
                     <a:p>
                       <a:pPr algn="r"/>
                       <a:r>
-                        <a:rPr lang="en-US" b="1">
+                        <a:rPr lang="en-US" sz="1800" b="1">
                           <a:solidFill>
                             <a:srgbClr val="000000"/>
                           </a:solidFill>
@@ -36633,7 +36616,7 @@
                       </a:r>
                     </a:p>
                   </a:txBody>
-                  <a:tcPr marL="38100" marR="38100" marT="30480" marB="30480" anchor="ctr">
+                  <a:tcPr marL="38100" marT="30480" marB="30480" anchor="ctr">
                     <a:lnL>
                       <a:noFill/>
                     </a:lnL>
@@ -36674,15 +36657,19 @@
                     <a:bodyPr/>
                     <a:lstStyle/>
                     <a:p>
-                      <a:r>
-                        <a:rPr lang="en-US">
+                      <a:pPr algn="ctr"/>
+                      <a:r>
+                        <a:rPr lang="en-US" sz="1800">
+                          <a:solidFill>
+                            <a:srgbClr val="FF0000"/>
+                          </a:solidFill>
                           <a:effectLst/>
                         </a:rPr>
                         <a:t>Thursday</a:t>
                       </a:r>
                     </a:p>
                   </a:txBody>
-                  <a:tcPr marL="38100" marR="38100" marT="30480" marB="30480" anchor="ctr">
+                  <a:tcPr marL="38100" marT="30480" marB="30480" anchor="ctr">
                     <a:lnL w="7620" cap="flat" cmpd="sng" algn="ctr">
                       <a:solidFill>
                         <a:srgbClr val="D6DADC"/>
@@ -36729,15 +36716,19 @@
                     <a:bodyPr/>
                     <a:lstStyle/>
                     <a:p>
-                      <a:r>
-                        <a:rPr lang="en-US">
+                      <a:pPr algn="r"/>
+                      <a:r>
+                        <a:rPr lang="en-US" sz="1800" dirty="0">
+                          <a:solidFill>
+                            <a:srgbClr val="FF0000"/>
+                          </a:solidFill>
                           <a:effectLst/>
                         </a:rPr>
-                        <a:t>12672</a:t>
-                      </a:r>
-                    </a:p>
-                  </a:txBody>
-                  <a:tcPr marL="38100" marR="38100" marT="30480" marB="30480" anchor="ctr">
+                        <a:t>12,672</a:t>
+                      </a:r>
+                    </a:p>
+                  </a:txBody>
+                  <a:tcPr marL="38100" marT="30480" marB="30480" anchor="ctr">
                     <a:lnL w="7620" cap="flat" cmpd="sng" algn="ctr">
                       <a:solidFill>
                         <a:srgbClr val="D6DADC"/>
@@ -36793,7 +36784,7 @@
                     <a:p>
                       <a:pPr algn="r"/>
                       <a:r>
-                        <a:rPr lang="en-US" b="1" dirty="0">
+                        <a:rPr lang="en-US" sz="1800" b="1" dirty="0">
                           <a:solidFill>
                             <a:srgbClr val="000000"/>
                           </a:solidFill>
@@ -36803,7 +36794,7 @@
                       </a:r>
                     </a:p>
                   </a:txBody>
-                  <a:tcPr marL="38100" marR="38100" marT="30480" marB="30480" anchor="ctr">
+                  <a:tcPr marL="38100" marT="30480" marB="30480" anchor="ctr">
                     <a:lnL>
                       <a:noFill/>
                     </a:lnL>
@@ -36844,15 +36835,16 @@
                     <a:bodyPr/>
                     <a:lstStyle/>
                     <a:p>
-                      <a:r>
-                        <a:rPr lang="en-US">
+                      <a:pPr algn="ctr"/>
+                      <a:r>
+                        <a:rPr lang="en-US" sz="1800">
                           <a:effectLst/>
                         </a:rPr>
                         <a:t>Friday</a:t>
                       </a:r>
                     </a:p>
                   </a:txBody>
-                  <a:tcPr marL="38100" marR="38100" marT="30480" marB="30480" anchor="ctr">
+                  <a:tcPr marL="38100" marT="30480" marB="30480" anchor="ctr">
                     <a:lnL w="7620" cap="flat" cmpd="sng" algn="ctr">
                       <a:solidFill>
                         <a:srgbClr val="D6DADC"/>
@@ -36899,15 +36891,16 @@
                     <a:bodyPr/>
                     <a:lstStyle/>
                     <a:p>
-                      <a:r>
-                        <a:rPr lang="en-US">
+                      <a:pPr algn="r"/>
+                      <a:r>
+                        <a:rPr lang="en-US" sz="1800" dirty="0">
                           <a:effectLst/>
                         </a:rPr>
-                        <a:t>12026</a:t>
-                      </a:r>
-                    </a:p>
-                  </a:txBody>
-                  <a:tcPr marL="38100" marR="38100" marT="30480" marB="30480" anchor="ctr">
+                        <a:t>12,026</a:t>
+                      </a:r>
+                    </a:p>
+                  </a:txBody>
+                  <a:tcPr marL="38100" marT="30480" marB="30480" anchor="ctr">
                     <a:lnL w="7620" cap="flat" cmpd="sng" algn="ctr">
                       <a:solidFill>
                         <a:srgbClr val="D6DADC"/>
@@ -36963,7 +36956,7 @@
                     <a:p>
                       <a:pPr algn="r"/>
                       <a:r>
-                        <a:rPr lang="en-US" b="1">
+                        <a:rPr lang="en-US" sz="1800" b="1">
                           <a:solidFill>
                             <a:srgbClr val="000000"/>
                           </a:solidFill>
@@ -36973,7 +36966,7 @@
                       </a:r>
                     </a:p>
                   </a:txBody>
-                  <a:tcPr marL="38100" marR="38100" marT="30480" marB="30480" anchor="ctr">
+                  <a:tcPr marL="38100" marT="30480" marB="30480" anchor="ctr">
                     <a:lnL>
                       <a:noFill/>
                     </a:lnL>
@@ -37014,15 +37007,19 @@
                     <a:bodyPr/>
                     <a:lstStyle/>
                     <a:p>
-                      <a:r>
-                        <a:rPr lang="en-US">
+                      <a:pPr algn="ctr"/>
+                      <a:r>
+                        <a:rPr lang="en-US" sz="1800" dirty="0">
+                          <a:solidFill>
+                            <a:srgbClr val="FF0000"/>
+                          </a:solidFill>
                           <a:effectLst/>
                         </a:rPr>
                         <a:t>Saturday</a:t>
                       </a:r>
                     </a:p>
                   </a:txBody>
-                  <a:tcPr marL="38100" marR="38100" marT="30480" marB="30480" anchor="ctr">
+                  <a:tcPr marL="38100" marT="30480" marB="30480" anchor="ctr">
                     <a:lnL w="7620" cap="flat" cmpd="sng" algn="ctr">
                       <a:solidFill>
                         <a:srgbClr val="D6DADC"/>
@@ -37069,15 +37066,19 @@
                     <a:bodyPr/>
                     <a:lstStyle/>
                     <a:p>
-                      <a:r>
-                        <a:rPr lang="en-US">
+                      <a:pPr algn="r"/>
+                      <a:r>
+                        <a:rPr lang="en-US" sz="1800" dirty="0">
+                          <a:solidFill>
+                            <a:srgbClr val="FF0000"/>
+                          </a:solidFill>
                           <a:effectLst/>
                         </a:rPr>
-                        <a:t>12693</a:t>
-                      </a:r>
-                    </a:p>
-                  </a:txBody>
-                  <a:tcPr marL="38100" marR="38100" marT="30480" marB="30480" anchor="ctr">
+                        <a:t>12,693</a:t>
+                      </a:r>
+                    </a:p>
+                  </a:txBody>
+                  <a:tcPr marL="38100" marT="30480" marB="30480" anchor="ctr">
                     <a:lnL w="7620" cap="flat" cmpd="sng" algn="ctr">
                       <a:solidFill>
                         <a:srgbClr val="D6DADC"/>
@@ -37133,7 +37134,7 @@
                     <a:p>
                       <a:pPr algn="r"/>
                       <a:r>
-                        <a:rPr lang="en-US" b="1">
+                        <a:rPr lang="en-US" sz="1800" b="1">
                           <a:solidFill>
                             <a:srgbClr val="000000"/>
                           </a:solidFill>
@@ -37143,7 +37144,7 @@
                       </a:r>
                     </a:p>
                   </a:txBody>
-                  <a:tcPr marL="38100" marR="38100" marT="30480" marB="30480" anchor="ctr">
+                  <a:tcPr marL="38100" marT="30480" marB="30480" anchor="ctr">
                     <a:lnL>
                       <a:noFill/>
                     </a:lnL>
@@ -37184,15 +37185,19 @@
                     <a:bodyPr/>
                     <a:lstStyle/>
                     <a:p>
-                      <a:r>
-                        <a:rPr lang="en-US">
+                      <a:pPr algn="ctr"/>
+                      <a:r>
+                        <a:rPr lang="en-US" sz="1800" dirty="0">
+                          <a:solidFill>
+                            <a:srgbClr val="FF0000"/>
+                          </a:solidFill>
                           <a:effectLst/>
                         </a:rPr>
                         <a:t>Sunday</a:t>
                       </a:r>
                     </a:p>
                   </a:txBody>
-                  <a:tcPr marL="38100" marR="38100" marT="30480" marB="30480" anchor="ctr">
+                  <a:tcPr marL="38100" marT="30480" marB="30480" anchor="ctr">
                     <a:lnL w="7620" cap="flat" cmpd="sng" algn="ctr">
                       <a:solidFill>
                         <a:srgbClr val="D6DADC"/>
@@ -37239,15 +37244,19 @@
                     <a:bodyPr/>
                     <a:lstStyle/>
                     <a:p>
-                      <a:r>
-                        <a:rPr lang="en-US" dirty="0">
+                      <a:pPr algn="r"/>
+                      <a:r>
+                        <a:rPr lang="en-US" sz="1800" dirty="0">
+                          <a:solidFill>
+                            <a:srgbClr val="FF0000"/>
+                          </a:solidFill>
                           <a:effectLst/>
                         </a:rPr>
-                        <a:t>12711</a:t>
-                      </a:r>
-                    </a:p>
-                  </a:txBody>
-                  <a:tcPr marL="38100" marR="38100" marT="30480" marB="30480" anchor="ctr">
+                        <a:t>12,711</a:t>
+                      </a:r>
+                    </a:p>
+                  </a:txBody>
+                  <a:tcPr marL="38100" marT="30480" marB="30480" anchor="ctr">
                     <a:lnL w="7620" cap="flat" cmpd="sng" algn="ctr">
                       <a:solidFill>
                         <a:srgbClr val="D6DADC"/>
@@ -37299,168 +37308,598 @@
           </a:graphicData>
         </a:graphic>
       </p:graphicFrame>
-      <p:sp>
-        <p:nvSpPr>
-          <p:cNvPr id="24" name="Rectangle 23">
+      <p:grpSp>
+        <p:nvGrpSpPr>
+          <p:cNvPr id="8" name="Group 7">
             <a:extLst>
               <a:ext uri="{FF2B5EF4-FFF2-40B4-BE49-F238E27FC236}">
-                <a16:creationId xmlns:a16="http://schemas.microsoft.com/office/drawing/2014/main" id="{7D9F1376-380D-419D-B5B5-47A4CC1AA204}"/>
+                <a16:creationId xmlns:a16="http://schemas.microsoft.com/office/drawing/2014/main" id="{A18595B3-C794-48C8-AB7C-C283479B779C}"/>
               </a:ext>
             </a:extLst>
           </p:cNvPr>
-          <p:cNvSpPr/>
+          <p:cNvGrpSpPr/>
           <p:nvPr/>
-        </p:nvSpPr>
+        </p:nvGrpSpPr>
+        <p:grpSpPr>
+          <a:xfrm>
+            <a:off x="739577" y="1419546"/>
+            <a:ext cx="8210849" cy="2143464"/>
+            <a:chOff x="739577" y="1421159"/>
+            <a:chExt cx="8210849" cy="2143464"/>
+          </a:xfrm>
+        </p:grpSpPr>
+        <p:pic>
+          <p:nvPicPr>
+            <p:cNvPr id="3" name="Picture 2">
+              <a:extLst>
+                <a:ext uri="{FF2B5EF4-FFF2-40B4-BE49-F238E27FC236}">
+                  <a16:creationId xmlns:a16="http://schemas.microsoft.com/office/drawing/2014/main" id="{A5EF5A17-9EB6-490C-8183-751BA36E797E}"/>
+                </a:ext>
+              </a:extLst>
+            </p:cNvPr>
+            <p:cNvPicPr>
+              <a:picLocks noChangeAspect="1"/>
+            </p:cNvPicPr>
+            <p:nvPr/>
+          </p:nvPicPr>
+          <p:blipFill>
+            <a:blip r:embed="rId2"/>
+            <a:stretch>
+              <a:fillRect/>
+            </a:stretch>
+          </p:blipFill>
+          <p:spPr>
+            <a:xfrm>
+              <a:off x="739577" y="1421159"/>
+              <a:ext cx="8210849" cy="2143464"/>
+            </a:xfrm>
+            <a:prstGeom prst="rect">
+              <a:avLst/>
+            </a:prstGeom>
+            <a:ln>
+              <a:noFill/>
+            </a:ln>
+            <a:effectLst>
+              <a:outerShdw blurRad="190500" algn="tl" rotWithShape="0">
+                <a:srgbClr val="000000">
+                  <a:alpha val="70000"/>
+                </a:srgbClr>
+              </a:outerShdw>
+            </a:effectLst>
+          </p:spPr>
+        </p:pic>
+        <p:sp>
+          <p:nvSpPr>
+            <p:cNvPr id="10" name="Rectangle 9">
+              <a:extLst>
+                <a:ext uri="{FF2B5EF4-FFF2-40B4-BE49-F238E27FC236}">
+                  <a16:creationId xmlns:a16="http://schemas.microsoft.com/office/drawing/2014/main" id="{5FFBA80F-C4FC-42EA-A136-095866385D11}"/>
+                </a:ext>
+              </a:extLst>
+            </p:cNvPr>
+            <p:cNvSpPr/>
+            <p:nvPr/>
+          </p:nvSpPr>
+          <p:spPr>
+            <a:xfrm>
+              <a:off x="3962401" y="1573559"/>
+              <a:ext cx="1123348" cy="381000"/>
+            </a:xfrm>
+            <a:prstGeom prst="rect">
+              <a:avLst/>
+            </a:prstGeom>
+            <a:solidFill>
+              <a:srgbClr val="FFFF00">
+                <a:alpha val="25098"/>
+              </a:srgbClr>
+            </a:solidFill>
+            <a:ln>
+              <a:noFill/>
+            </a:ln>
+          </p:spPr>
+          <p:style>
+            <a:lnRef idx="2">
+              <a:schemeClr val="accent1">
+                <a:shade val="50000"/>
+              </a:schemeClr>
+            </a:lnRef>
+            <a:fillRef idx="1">
+              <a:schemeClr val="accent1"/>
+            </a:fillRef>
+            <a:effectRef idx="0">
+              <a:schemeClr val="accent1"/>
+            </a:effectRef>
+            <a:fontRef idx="minor">
+              <a:schemeClr val="lt1"/>
+            </a:fontRef>
+          </p:style>
+          <p:txBody>
+            <a:bodyPr rtlCol="0" anchor="ctr"/>
+            <a:lstStyle/>
+            <a:p>
+              <a:pPr algn="ctr"/>
+              <a:endParaRPr lang="en-US"/>
+            </a:p>
+          </p:txBody>
+        </p:sp>
+        <p:sp>
+          <p:nvSpPr>
+            <p:cNvPr id="12" name="Rectangle 11">
+              <a:extLst>
+                <a:ext uri="{FF2B5EF4-FFF2-40B4-BE49-F238E27FC236}">
+                  <a16:creationId xmlns:a16="http://schemas.microsoft.com/office/drawing/2014/main" id="{48A84280-11D8-4EEE-8672-06F92523182C}"/>
+                </a:ext>
+              </a:extLst>
+            </p:cNvPr>
+            <p:cNvSpPr/>
+            <p:nvPr/>
+          </p:nvSpPr>
+          <p:spPr>
+            <a:xfrm>
+              <a:off x="2784762" y="1968414"/>
+              <a:ext cx="796638" cy="381000"/>
+            </a:xfrm>
+            <a:prstGeom prst="rect">
+              <a:avLst/>
+            </a:prstGeom>
+            <a:solidFill>
+              <a:srgbClr val="FFFF00">
+                <a:alpha val="25098"/>
+              </a:srgbClr>
+            </a:solidFill>
+            <a:ln>
+              <a:noFill/>
+            </a:ln>
+          </p:spPr>
+          <p:style>
+            <a:lnRef idx="2">
+              <a:schemeClr val="accent1">
+                <a:shade val="50000"/>
+              </a:schemeClr>
+            </a:lnRef>
+            <a:fillRef idx="1">
+              <a:schemeClr val="accent1"/>
+            </a:fillRef>
+            <a:effectRef idx="0">
+              <a:schemeClr val="accent1"/>
+            </a:effectRef>
+            <a:fontRef idx="minor">
+              <a:schemeClr val="lt1"/>
+            </a:fontRef>
+          </p:style>
+          <p:txBody>
+            <a:bodyPr rtlCol="0" anchor="ctr"/>
+            <a:lstStyle/>
+            <a:p>
+              <a:pPr algn="ctr"/>
+              <a:endParaRPr lang="en-US"/>
+            </a:p>
+          </p:txBody>
+        </p:sp>
+        <p:sp>
+          <p:nvSpPr>
+            <p:cNvPr id="13" name="Rectangle 12">
+              <a:extLst>
+                <a:ext uri="{FF2B5EF4-FFF2-40B4-BE49-F238E27FC236}">
+                  <a16:creationId xmlns:a16="http://schemas.microsoft.com/office/drawing/2014/main" id="{91095A70-EB6D-44EE-A909-6C45C61494C4}"/>
+                </a:ext>
+              </a:extLst>
+            </p:cNvPr>
+            <p:cNvSpPr/>
+            <p:nvPr/>
+          </p:nvSpPr>
+          <p:spPr>
+            <a:xfrm>
+              <a:off x="4439254" y="1937240"/>
+              <a:ext cx="796638" cy="381000"/>
+            </a:xfrm>
+            <a:prstGeom prst="rect">
+              <a:avLst/>
+            </a:prstGeom>
+            <a:solidFill>
+              <a:srgbClr val="FFFF00">
+                <a:alpha val="25098"/>
+              </a:srgbClr>
+            </a:solidFill>
+            <a:ln>
+              <a:noFill/>
+            </a:ln>
+          </p:spPr>
+          <p:style>
+            <a:lnRef idx="2">
+              <a:schemeClr val="accent1">
+                <a:shade val="50000"/>
+              </a:schemeClr>
+            </a:lnRef>
+            <a:fillRef idx="1">
+              <a:schemeClr val="accent1"/>
+            </a:fillRef>
+            <a:effectRef idx="0">
+              <a:schemeClr val="accent1"/>
+            </a:effectRef>
+            <a:fontRef idx="minor">
+              <a:schemeClr val="lt1"/>
+            </a:fontRef>
+          </p:style>
+          <p:txBody>
+            <a:bodyPr rtlCol="0" anchor="ctr"/>
+            <a:lstStyle/>
+            <a:p>
+              <a:pPr algn="ctr"/>
+              <a:endParaRPr lang="en-US"/>
+            </a:p>
+          </p:txBody>
+        </p:sp>
+        <p:sp>
+          <p:nvSpPr>
+            <p:cNvPr id="14" name="Rectangle 13">
+              <a:extLst>
+                <a:ext uri="{FF2B5EF4-FFF2-40B4-BE49-F238E27FC236}">
+                  <a16:creationId xmlns:a16="http://schemas.microsoft.com/office/drawing/2014/main" id="{89D16702-05A0-414D-9F2F-257847E9A278}"/>
+                </a:ext>
+              </a:extLst>
+            </p:cNvPr>
+            <p:cNvSpPr/>
+            <p:nvPr/>
+          </p:nvSpPr>
+          <p:spPr>
+            <a:xfrm>
+              <a:off x="3810000" y="2743200"/>
+              <a:ext cx="867039" cy="381000"/>
+            </a:xfrm>
+            <a:prstGeom prst="rect">
+              <a:avLst/>
+            </a:prstGeom>
+            <a:solidFill>
+              <a:srgbClr val="FFFF00">
+                <a:alpha val="25098"/>
+              </a:srgbClr>
+            </a:solidFill>
+            <a:ln>
+              <a:noFill/>
+            </a:ln>
+          </p:spPr>
+          <p:style>
+            <a:lnRef idx="2">
+              <a:schemeClr val="accent1">
+                <a:shade val="50000"/>
+              </a:schemeClr>
+            </a:lnRef>
+            <a:fillRef idx="1">
+              <a:schemeClr val="accent1"/>
+            </a:fillRef>
+            <a:effectRef idx="0">
+              <a:schemeClr val="accent1"/>
+            </a:effectRef>
+            <a:fontRef idx="minor">
+              <a:schemeClr val="lt1"/>
+            </a:fontRef>
+          </p:style>
+          <p:txBody>
+            <a:bodyPr rtlCol="0" anchor="ctr"/>
+            <a:lstStyle/>
+            <a:p>
+              <a:pPr algn="ctr"/>
+              <a:endParaRPr lang="en-US"/>
+            </a:p>
+          </p:txBody>
+        </p:sp>
+        <p:sp>
+          <p:nvSpPr>
+            <p:cNvPr id="15" name="Rectangle 14">
+              <a:extLst>
+                <a:ext uri="{FF2B5EF4-FFF2-40B4-BE49-F238E27FC236}">
+                  <a16:creationId xmlns:a16="http://schemas.microsoft.com/office/drawing/2014/main" id="{F618E995-8E54-456E-B496-8CECEBB5E793}"/>
+                </a:ext>
+              </a:extLst>
+            </p:cNvPr>
+            <p:cNvSpPr/>
+            <p:nvPr/>
+          </p:nvSpPr>
+          <p:spPr>
+            <a:xfrm>
+              <a:off x="2912916" y="2731882"/>
+              <a:ext cx="867039" cy="381000"/>
+            </a:xfrm>
+            <a:prstGeom prst="rect">
+              <a:avLst/>
+            </a:prstGeom>
+            <a:solidFill>
+              <a:srgbClr val="FFFF00">
+                <a:alpha val="25098"/>
+              </a:srgbClr>
+            </a:solidFill>
+            <a:ln>
+              <a:noFill/>
+            </a:ln>
+          </p:spPr>
+          <p:style>
+            <a:lnRef idx="2">
+              <a:schemeClr val="accent1">
+                <a:shade val="50000"/>
+              </a:schemeClr>
+            </a:lnRef>
+            <a:fillRef idx="1">
+              <a:schemeClr val="accent1"/>
+            </a:fillRef>
+            <a:effectRef idx="0">
+              <a:schemeClr val="accent1"/>
+            </a:effectRef>
+            <a:fontRef idx="minor">
+              <a:schemeClr val="lt1"/>
+            </a:fontRef>
+          </p:style>
+          <p:txBody>
+            <a:bodyPr rtlCol="0" anchor="ctr"/>
+            <a:lstStyle/>
+            <a:p>
+              <a:pPr algn="ctr"/>
+              <a:endParaRPr lang="en-US"/>
+            </a:p>
+          </p:txBody>
+        </p:sp>
+        <p:sp>
+          <p:nvSpPr>
+            <p:cNvPr id="24" name="Rectangle 23">
+              <a:extLst>
+                <a:ext uri="{FF2B5EF4-FFF2-40B4-BE49-F238E27FC236}">
+                  <a16:creationId xmlns:a16="http://schemas.microsoft.com/office/drawing/2014/main" id="{7D9F1376-380D-419D-B5B5-47A4CC1AA204}"/>
+                </a:ext>
+              </a:extLst>
+            </p:cNvPr>
+            <p:cNvSpPr/>
+            <p:nvPr/>
+          </p:nvSpPr>
+          <p:spPr>
+            <a:xfrm>
+              <a:off x="1695450" y="1587414"/>
+              <a:ext cx="1123348" cy="381000"/>
+            </a:xfrm>
+            <a:prstGeom prst="rect">
+              <a:avLst/>
+            </a:prstGeom>
+            <a:solidFill>
+              <a:srgbClr val="FFFF00">
+                <a:alpha val="25098"/>
+              </a:srgbClr>
+            </a:solidFill>
+            <a:ln>
+              <a:noFill/>
+            </a:ln>
+          </p:spPr>
+          <p:style>
+            <a:lnRef idx="2">
+              <a:schemeClr val="accent1">
+                <a:shade val="50000"/>
+              </a:schemeClr>
+            </a:lnRef>
+            <a:fillRef idx="1">
+              <a:schemeClr val="accent1"/>
+            </a:fillRef>
+            <a:effectRef idx="0">
+              <a:schemeClr val="accent1"/>
+            </a:effectRef>
+            <a:fontRef idx="minor">
+              <a:schemeClr val="lt1"/>
+            </a:fontRef>
+          </p:style>
+          <p:txBody>
+            <a:bodyPr rtlCol="0" anchor="ctr"/>
+            <a:lstStyle/>
+            <a:p>
+              <a:pPr algn="ctr"/>
+              <a:endParaRPr lang="en-US"/>
+            </a:p>
+          </p:txBody>
+        </p:sp>
+        <p:sp>
+          <p:nvSpPr>
+            <p:cNvPr id="25" name="Rectangle 24">
+              <a:extLst>
+                <a:ext uri="{FF2B5EF4-FFF2-40B4-BE49-F238E27FC236}">
+                  <a16:creationId xmlns:a16="http://schemas.microsoft.com/office/drawing/2014/main" id="{A2EDC073-7B6C-4BDA-AE1A-F206F3A3F841}"/>
+                </a:ext>
+              </a:extLst>
+            </p:cNvPr>
+            <p:cNvSpPr/>
+            <p:nvPr/>
+          </p:nvSpPr>
+          <p:spPr>
+            <a:xfrm>
+              <a:off x="6020929" y="1554509"/>
+              <a:ext cx="1123348" cy="381000"/>
+            </a:xfrm>
+            <a:prstGeom prst="rect">
+              <a:avLst/>
+            </a:prstGeom>
+            <a:solidFill>
+              <a:srgbClr val="FFFF00">
+                <a:alpha val="25098"/>
+              </a:srgbClr>
+            </a:solidFill>
+            <a:ln>
+              <a:noFill/>
+            </a:ln>
+          </p:spPr>
+          <p:style>
+            <a:lnRef idx="2">
+              <a:schemeClr val="accent1">
+                <a:shade val="50000"/>
+              </a:schemeClr>
+            </a:lnRef>
+            <a:fillRef idx="1">
+              <a:schemeClr val="accent1"/>
+            </a:fillRef>
+            <a:effectRef idx="0">
+              <a:schemeClr val="accent1"/>
+            </a:effectRef>
+            <a:fontRef idx="minor">
+              <a:schemeClr val="lt1"/>
+            </a:fontRef>
+          </p:style>
+          <p:txBody>
+            <a:bodyPr rtlCol="0" anchor="ctr"/>
+            <a:lstStyle/>
+            <a:p>
+              <a:pPr algn="ctr"/>
+              <a:endParaRPr lang="en-US"/>
+            </a:p>
+          </p:txBody>
+        </p:sp>
+        <p:sp>
+          <p:nvSpPr>
+            <p:cNvPr id="26" name="Rectangle 25">
+              <a:extLst>
+                <a:ext uri="{FF2B5EF4-FFF2-40B4-BE49-F238E27FC236}">
+                  <a16:creationId xmlns:a16="http://schemas.microsoft.com/office/drawing/2014/main" id="{E8994B5C-CC65-441F-B3F4-6ED119A8F1C7}"/>
+                </a:ext>
+              </a:extLst>
+            </p:cNvPr>
+            <p:cNvSpPr/>
+            <p:nvPr/>
+          </p:nvSpPr>
+          <p:spPr>
+            <a:xfrm>
+              <a:off x="7165584" y="1573559"/>
+              <a:ext cx="971023" cy="381000"/>
+            </a:xfrm>
+            <a:prstGeom prst="rect">
+              <a:avLst/>
+            </a:prstGeom>
+            <a:solidFill>
+              <a:srgbClr val="FFFF00">
+                <a:alpha val="25098"/>
+              </a:srgbClr>
+            </a:solidFill>
+            <a:ln>
+              <a:noFill/>
+            </a:ln>
+          </p:spPr>
+          <p:style>
+            <a:lnRef idx="2">
+              <a:schemeClr val="accent1">
+                <a:shade val="50000"/>
+              </a:schemeClr>
+            </a:lnRef>
+            <a:fillRef idx="1">
+              <a:schemeClr val="accent1"/>
+            </a:fillRef>
+            <a:effectRef idx="0">
+              <a:schemeClr val="accent1"/>
+            </a:effectRef>
+            <a:fontRef idx="minor">
+              <a:schemeClr val="lt1"/>
+            </a:fontRef>
+          </p:style>
+          <p:txBody>
+            <a:bodyPr rtlCol="0" anchor="ctr"/>
+            <a:lstStyle/>
+            <a:p>
+              <a:pPr algn="ctr"/>
+              <a:endParaRPr lang="en-US"/>
+            </a:p>
+          </p:txBody>
+        </p:sp>
+        <p:sp>
+          <p:nvSpPr>
+            <p:cNvPr id="17" name="Rectangle 16">
+              <a:extLst>
+                <a:ext uri="{FF2B5EF4-FFF2-40B4-BE49-F238E27FC236}">
+                  <a16:creationId xmlns:a16="http://schemas.microsoft.com/office/drawing/2014/main" id="{516C36C3-1A43-4AF5-967F-318A662A880B}"/>
+                </a:ext>
+              </a:extLst>
+            </p:cNvPr>
+            <p:cNvSpPr/>
+            <p:nvPr/>
+          </p:nvSpPr>
+          <p:spPr>
+            <a:xfrm>
+              <a:off x="3800976" y="3108551"/>
+              <a:ext cx="867039" cy="381000"/>
+            </a:xfrm>
+            <a:prstGeom prst="rect">
+              <a:avLst/>
+            </a:prstGeom>
+            <a:solidFill>
+              <a:srgbClr val="FFFF00">
+                <a:alpha val="25098"/>
+              </a:srgbClr>
+            </a:solidFill>
+            <a:ln>
+              <a:noFill/>
+            </a:ln>
+          </p:spPr>
+          <p:style>
+            <a:lnRef idx="2">
+              <a:schemeClr val="accent1">
+                <a:shade val="50000"/>
+              </a:schemeClr>
+            </a:lnRef>
+            <a:fillRef idx="1">
+              <a:schemeClr val="accent1"/>
+            </a:fillRef>
+            <a:effectRef idx="0">
+              <a:schemeClr val="accent1"/>
+            </a:effectRef>
+            <a:fontRef idx="minor">
+              <a:schemeClr val="lt1"/>
+            </a:fontRef>
+          </p:style>
+          <p:txBody>
+            <a:bodyPr rtlCol="0" anchor="ctr"/>
+            <a:lstStyle/>
+            <a:p>
+              <a:pPr algn="ctr"/>
+              <a:endParaRPr lang="en-US"/>
+            </a:p>
+          </p:txBody>
+        </p:sp>
+      </p:grpSp>
+      <p:pic>
+        <p:nvPicPr>
+          <p:cNvPr id="5" name="Picture 4" descr="A close up of a map&#10;&#10;Description automatically generated">
+            <a:extLst>
+              <a:ext uri="{FF2B5EF4-FFF2-40B4-BE49-F238E27FC236}">
+                <a16:creationId xmlns:a16="http://schemas.microsoft.com/office/drawing/2014/main" id="{32F32ED4-6B43-4130-90CF-A42C7579D9B5}"/>
+              </a:ext>
+            </a:extLst>
+          </p:cNvPr>
+          <p:cNvPicPr>
+            <a:picLocks noChangeAspect="1"/>
+          </p:cNvPicPr>
+          <p:nvPr/>
+        </p:nvPicPr>
+        <p:blipFill rotWithShape="1">
+          <a:blip r:embed="rId3">
+            <a:extLst>
+              <a:ext uri="{28A0092B-C50C-407E-A947-70E740481C1C}">
+                <a14:useLocalDpi xmlns:a14="http://schemas.microsoft.com/office/drawing/2010/main" val="0"/>
+              </a:ext>
+            </a:extLst>
+          </a:blip>
+          <a:srcRect l="54595" t="15303" r="27254" b="55000"/>
+          <a:stretch/>
+        </p:blipFill>
         <p:spPr>
           <a:xfrm>
-            <a:off x="1695450" y="1461655"/>
-            <a:ext cx="1123348" cy="381000"/>
+            <a:off x="739577" y="3689130"/>
+            <a:ext cx="3731208" cy="3052402"/>
           </a:xfrm>
           <a:prstGeom prst="rect">
             <a:avLst/>
           </a:prstGeom>
-          <a:solidFill>
-            <a:srgbClr val="FFFF00">
-              <a:alpha val="25098"/>
-            </a:srgbClr>
-          </a:solidFill>
           <a:ln>
             <a:noFill/>
           </a:ln>
+          <a:effectLst>
+            <a:outerShdw blurRad="190500" algn="tl" rotWithShape="0">
+              <a:srgbClr val="000000">
+                <a:alpha val="70000"/>
+              </a:srgbClr>
+            </a:outerShdw>
+          </a:effectLst>
         </p:spPr>
-        <p:style>
-          <a:lnRef idx="2">
-            <a:schemeClr val="accent1">
-              <a:shade val="50000"/>
-            </a:schemeClr>
-          </a:lnRef>
-          <a:fillRef idx="1">
-            <a:schemeClr val="accent1"/>
-          </a:fillRef>
-          <a:effectRef idx="0">
-            <a:schemeClr val="accent1"/>
-          </a:effectRef>
-          <a:fontRef idx="minor">
-            <a:schemeClr val="lt1"/>
-          </a:fontRef>
-        </p:style>
-        <p:txBody>
-          <a:bodyPr rtlCol="0" anchor="ctr"/>
-          <a:lstStyle/>
-          <a:p>
-            <a:pPr algn="ctr"/>
-            <a:endParaRPr lang="en-US"/>
-          </a:p>
-        </p:txBody>
-      </p:sp>
-      <p:sp>
-        <p:nvSpPr>
-          <p:cNvPr id="25" name="Rectangle 24">
-            <a:extLst>
-              <a:ext uri="{FF2B5EF4-FFF2-40B4-BE49-F238E27FC236}">
-                <a16:creationId xmlns:a16="http://schemas.microsoft.com/office/drawing/2014/main" id="{A2EDC073-7B6C-4BDA-AE1A-F206F3A3F841}"/>
-              </a:ext>
-            </a:extLst>
-          </p:cNvPr>
-          <p:cNvSpPr/>
-          <p:nvPr/>
-        </p:nvSpPr>
-        <p:spPr>
-          <a:xfrm>
-            <a:off x="6020929" y="1428750"/>
-            <a:ext cx="1123348" cy="381000"/>
-          </a:xfrm>
-          <a:prstGeom prst="rect">
-            <a:avLst/>
-          </a:prstGeom>
-          <a:solidFill>
-            <a:srgbClr val="FFFF00">
-              <a:alpha val="25098"/>
-            </a:srgbClr>
-          </a:solidFill>
-          <a:ln>
-            <a:noFill/>
-          </a:ln>
-        </p:spPr>
-        <p:style>
-          <a:lnRef idx="2">
-            <a:schemeClr val="accent1">
-              <a:shade val="50000"/>
-            </a:schemeClr>
-          </a:lnRef>
-          <a:fillRef idx="1">
-            <a:schemeClr val="accent1"/>
-          </a:fillRef>
-          <a:effectRef idx="0">
-            <a:schemeClr val="accent1"/>
-          </a:effectRef>
-          <a:fontRef idx="minor">
-            <a:schemeClr val="lt1"/>
-          </a:fontRef>
-        </p:style>
-        <p:txBody>
-          <a:bodyPr rtlCol="0" anchor="ctr"/>
-          <a:lstStyle/>
-          <a:p>
-            <a:pPr algn="ctr"/>
-            <a:endParaRPr lang="en-US"/>
-          </a:p>
-        </p:txBody>
-      </p:sp>
-      <p:sp>
-        <p:nvSpPr>
-          <p:cNvPr id="26" name="Rectangle 25">
-            <a:extLst>
-              <a:ext uri="{FF2B5EF4-FFF2-40B4-BE49-F238E27FC236}">
-                <a16:creationId xmlns:a16="http://schemas.microsoft.com/office/drawing/2014/main" id="{E8994B5C-CC65-441F-B3F4-6ED119A8F1C7}"/>
-              </a:ext>
-            </a:extLst>
-          </p:cNvPr>
-          <p:cNvSpPr/>
-          <p:nvPr/>
-        </p:nvSpPr>
-        <p:spPr>
-          <a:xfrm>
-            <a:off x="7165584" y="1447800"/>
-            <a:ext cx="971023" cy="381000"/>
-          </a:xfrm>
-          <a:prstGeom prst="rect">
-            <a:avLst/>
-          </a:prstGeom>
-          <a:solidFill>
-            <a:srgbClr val="FFFF00">
-              <a:alpha val="25098"/>
-            </a:srgbClr>
-          </a:solidFill>
-          <a:ln>
-            <a:noFill/>
-          </a:ln>
-        </p:spPr>
-        <p:style>
-          <a:lnRef idx="2">
-            <a:schemeClr val="accent1">
-              <a:shade val="50000"/>
-            </a:schemeClr>
-          </a:lnRef>
-          <a:fillRef idx="1">
-            <a:schemeClr val="accent1"/>
-          </a:fillRef>
-          <a:effectRef idx="0">
-            <a:schemeClr val="accent1"/>
-          </a:effectRef>
-          <a:fontRef idx="minor">
-            <a:schemeClr val="lt1"/>
-          </a:fontRef>
-        </p:style>
-        <p:txBody>
-          <a:bodyPr rtlCol="0" anchor="ctr"/>
-          <a:lstStyle/>
-          <a:p>
-            <a:pPr algn="ctr"/>
-            <a:endParaRPr lang="en-US"/>
-          </a:p>
-        </p:txBody>
-      </p:sp>
+      </p:pic>
     </p:spTree>
     <p:extLst>
       <p:ext uri="{BB962C8B-B14F-4D97-AF65-F5344CB8AC3E}">
@@ -37725,36 +38164,206 @@
           <a:p>
             <a:r>
               <a:rPr lang="en-US" dirty="0"/>
-              <a:t>Summary and Conclusions?</a:t>
+              <a:t>Summary, Conclusions, Issues, and Questions…</a:t>
             </a:r>
           </a:p>
         </p:txBody>
       </p:sp>
-      <p:sp>
-        <p:nvSpPr>
-          <p:cNvPr id="3" name="Content Placeholder 2">
+      <p:pic>
+        <p:nvPicPr>
+          <p:cNvPr id="5" name="Graphic 4" descr="Question mark">
             <a:extLst>
               <a:ext uri="{FF2B5EF4-FFF2-40B4-BE49-F238E27FC236}">
-                <a16:creationId xmlns:a16="http://schemas.microsoft.com/office/drawing/2014/main" id="{7CA6673B-21BE-406F-BE8D-8A7E80804C8F}"/>
+                <a16:creationId xmlns:a16="http://schemas.microsoft.com/office/drawing/2014/main" id="{BAFD7E4B-5FB1-4072-AC98-BBDF23AE1459}"/>
               </a:ext>
             </a:extLst>
           </p:cNvPr>
-          <p:cNvSpPr>
-            <a:spLocks noGrp="1"/>
-          </p:cNvSpPr>
-          <p:nvPr>
-            <p:ph idx="1"/>
-          </p:nvPr>
-        </p:nvSpPr>
-        <p:spPr/>
-        <p:txBody>
-          <a:bodyPr/>
-          <a:lstStyle/>
-          <a:p>
-            <a:endParaRPr lang="en-US"/>
-          </a:p>
-        </p:txBody>
-      </p:sp>
+          <p:cNvPicPr>
+            <a:picLocks noChangeAspect="1"/>
+          </p:cNvPicPr>
+          <p:nvPr/>
+        </p:nvPicPr>
+        <p:blipFill>
+          <a:blip r:embed="rId2">
+            <a:extLst>
+              <a:ext uri="{28A0092B-C50C-407E-A947-70E740481C1C}">
+                <a14:useLocalDpi xmlns:a14="http://schemas.microsoft.com/office/drawing/2010/main" val="0"/>
+              </a:ext>
+              <a:ext uri="{96DAC541-7B7A-43D3-8B79-37D633B846F1}">
+                <asvg:svgBlip xmlns:asvg="http://schemas.microsoft.com/office/drawing/2016/SVG/main" r:embed="rId3"/>
+              </a:ext>
+            </a:extLst>
+          </a:blip>
+          <a:stretch>
+            <a:fillRect/>
+          </a:stretch>
+        </p:blipFill>
+        <p:spPr>
+          <a:xfrm>
+            <a:off x="4114800" y="3619499"/>
+            <a:ext cx="914400" cy="914400"/>
+          </a:xfrm>
+          <a:prstGeom prst="rect">
+            <a:avLst/>
+          </a:prstGeom>
+        </p:spPr>
+      </p:pic>
+      <p:pic>
+        <p:nvPicPr>
+          <p:cNvPr id="7" name="Graphic 6" descr="Exclamation mark">
+            <a:extLst>
+              <a:ext uri="{FF2B5EF4-FFF2-40B4-BE49-F238E27FC236}">
+                <a16:creationId xmlns:a16="http://schemas.microsoft.com/office/drawing/2014/main" id="{4E803333-2F30-47D5-A941-18E578EB7E71}"/>
+              </a:ext>
+            </a:extLst>
+          </p:cNvPr>
+          <p:cNvPicPr>
+            <a:picLocks noChangeAspect="1"/>
+          </p:cNvPicPr>
+          <p:nvPr/>
+        </p:nvPicPr>
+        <p:blipFill>
+          <a:blip r:embed="rId4">
+            <a:extLst>
+              <a:ext uri="{28A0092B-C50C-407E-A947-70E740481C1C}">
+                <a14:useLocalDpi xmlns:a14="http://schemas.microsoft.com/office/drawing/2010/main" val="0"/>
+              </a:ext>
+              <a:ext uri="{96DAC541-7B7A-43D3-8B79-37D633B846F1}">
+                <asvg:svgBlip xmlns:asvg="http://schemas.microsoft.com/office/drawing/2016/SVG/main" r:embed="rId5"/>
+              </a:ext>
+            </a:extLst>
+          </a:blip>
+          <a:stretch>
+            <a:fillRect/>
+          </a:stretch>
+        </p:blipFill>
+        <p:spPr>
+          <a:xfrm>
+            <a:off x="3171724" y="5334000"/>
+            <a:ext cx="914400" cy="914400"/>
+          </a:xfrm>
+          <a:prstGeom prst="rect">
+            <a:avLst/>
+          </a:prstGeom>
+        </p:spPr>
+      </p:pic>
+      <p:pic>
+        <p:nvPicPr>
+          <p:cNvPr id="9" name="Graphic 8" descr="Slippery">
+            <a:extLst>
+              <a:ext uri="{FF2B5EF4-FFF2-40B4-BE49-F238E27FC236}">
+                <a16:creationId xmlns:a16="http://schemas.microsoft.com/office/drawing/2014/main" id="{E90509F8-9CFD-4ABA-A5F9-923C95612B2D}"/>
+              </a:ext>
+            </a:extLst>
+          </p:cNvPr>
+          <p:cNvPicPr>
+            <a:picLocks noChangeAspect="1"/>
+          </p:cNvPicPr>
+          <p:nvPr/>
+        </p:nvPicPr>
+        <p:blipFill>
+          <a:blip r:embed="rId6">
+            <a:extLst>
+              <a:ext uri="{28A0092B-C50C-407E-A947-70E740481C1C}">
+                <a14:useLocalDpi xmlns:a14="http://schemas.microsoft.com/office/drawing/2010/main" val="0"/>
+              </a:ext>
+              <a:ext uri="{96DAC541-7B7A-43D3-8B79-37D633B846F1}">
+                <asvg:svgBlip xmlns:asvg="http://schemas.microsoft.com/office/drawing/2016/SVG/main" r:embed="rId7"/>
+              </a:ext>
+            </a:extLst>
+          </a:blip>
+          <a:stretch>
+            <a:fillRect/>
+          </a:stretch>
+        </p:blipFill>
+        <p:spPr>
+          <a:xfrm>
+            <a:off x="6934200" y="2660430"/>
+            <a:ext cx="914400" cy="914400"/>
+          </a:xfrm>
+          <a:prstGeom prst="rect">
+            <a:avLst/>
+          </a:prstGeom>
+        </p:spPr>
+      </p:pic>
+      <p:pic>
+        <p:nvPicPr>
+          <p:cNvPr id="11" name="Graphic 10" descr="Questions">
+            <a:extLst>
+              <a:ext uri="{FF2B5EF4-FFF2-40B4-BE49-F238E27FC236}">
+                <a16:creationId xmlns:a16="http://schemas.microsoft.com/office/drawing/2014/main" id="{947402B6-1F48-4CBD-81F5-E63EF19C0A8C}"/>
+              </a:ext>
+            </a:extLst>
+          </p:cNvPr>
+          <p:cNvPicPr>
+            <a:picLocks noChangeAspect="1"/>
+          </p:cNvPicPr>
+          <p:nvPr/>
+        </p:nvPicPr>
+        <p:blipFill>
+          <a:blip r:embed="rId8">
+            <a:extLst>
+              <a:ext uri="{28A0092B-C50C-407E-A947-70E740481C1C}">
+                <a14:useLocalDpi xmlns:a14="http://schemas.microsoft.com/office/drawing/2010/main" val="0"/>
+              </a:ext>
+              <a:ext uri="{96DAC541-7B7A-43D3-8B79-37D633B846F1}">
+                <asvg:svgBlip xmlns:asvg="http://schemas.microsoft.com/office/drawing/2016/SVG/main" r:embed="rId9"/>
+              </a:ext>
+            </a:extLst>
+          </a:blip>
+          <a:stretch>
+            <a:fillRect/>
+          </a:stretch>
+        </p:blipFill>
+        <p:spPr>
+          <a:xfrm>
+            <a:off x="1752600" y="3312299"/>
+            <a:ext cx="914400" cy="914400"/>
+          </a:xfrm>
+          <a:prstGeom prst="rect">
+            <a:avLst/>
+          </a:prstGeom>
+        </p:spPr>
+      </p:pic>
+      <p:pic>
+        <p:nvPicPr>
+          <p:cNvPr id="13" name="Graphic 12" descr="Presentation with checklist RTL">
+            <a:extLst>
+              <a:ext uri="{FF2B5EF4-FFF2-40B4-BE49-F238E27FC236}">
+                <a16:creationId xmlns:a16="http://schemas.microsoft.com/office/drawing/2014/main" id="{731B0AFC-47F1-4E1B-A303-33D2DE76CC09}"/>
+              </a:ext>
+            </a:extLst>
+          </p:cNvPr>
+          <p:cNvPicPr>
+            <a:picLocks noChangeAspect="1"/>
+          </p:cNvPicPr>
+          <p:nvPr/>
+        </p:nvPicPr>
+        <p:blipFill>
+          <a:blip r:embed="rId10">
+            <a:extLst>
+              <a:ext uri="{28A0092B-C50C-407E-A947-70E740481C1C}">
+                <a14:useLocalDpi xmlns:a14="http://schemas.microsoft.com/office/drawing/2010/main" val="0"/>
+              </a:ext>
+              <a:ext uri="{96DAC541-7B7A-43D3-8B79-37D633B846F1}">
+                <asvg:svgBlip xmlns:asvg="http://schemas.microsoft.com/office/drawing/2016/SVG/main" r:embed="rId11"/>
+              </a:ext>
+            </a:extLst>
+          </a:blip>
+          <a:stretch>
+            <a:fillRect/>
+          </a:stretch>
+        </p:blipFill>
+        <p:spPr>
+          <a:xfrm>
+            <a:off x="6781800" y="5143499"/>
+            <a:ext cx="914400" cy="914400"/>
+          </a:xfrm>
+          <a:prstGeom prst="rect">
+            <a:avLst/>
+          </a:prstGeom>
+        </p:spPr>
+      </p:pic>
     </p:spTree>
     <p:extLst>
       <p:ext uri="{BB962C8B-B14F-4D97-AF65-F5344CB8AC3E}">
@@ -38172,7 +38781,7 @@
         <p:spPr>
           <a:xfrm>
             <a:off x="1028700" y="1524000"/>
-            <a:ext cx="8039100" cy="4343400"/>
+            <a:ext cx="8039100" cy="5029200"/>
           </a:xfrm>
         </p:spPr>
         <p:txBody>
@@ -38189,15 +38798,35 @@
           <a:p>
             <a:r>
               <a:rPr lang="en-US" dirty="0"/>
-              <a:t>Most variables contain large percentage of </a:t>
-            </a:r>
-            <a:r>
-              <a:rPr lang="en-US" b="1" dirty="0"/>
+              <a:t>Most variables contain </a:t>
+            </a:r>
+            <a:r>
+              <a:rPr lang="en-US" dirty="0">
+                <a:solidFill>
+                  <a:srgbClr val="FF0000"/>
+                </a:solidFill>
+              </a:rPr>
+              <a:t>large percentage of </a:t>
+            </a:r>
+            <a:r>
+              <a:rPr lang="en-US" b="1" dirty="0">
+                <a:solidFill>
+                  <a:srgbClr val="FF0000"/>
+                </a:solidFill>
+              </a:rPr>
               <a:t>NA</a:t>
             </a:r>
             <a:r>
+              <a:rPr lang="en-US" dirty="0">
+                <a:solidFill>
+                  <a:srgbClr val="FF0000"/>
+                </a:solidFill>
+              </a:rPr>
+              <a:t> </a:t>
+            </a:r>
+            <a:r>
               <a:rPr lang="en-US" dirty="0"/>
-              <a:t> values</a:t>
+              <a:t>values</a:t>
             </a:r>
           </a:p>
           <a:p>
@@ -38239,12 +38868,8 @@
               <a:t>Most variables are </a:t>
             </a:r>
             <a:r>
-              <a:rPr lang="en-US" b="1" i="1" dirty="0"/>
-              <a:t>categorical</a:t>
-            </a:r>
-            <a:r>
               <a:rPr lang="en-US" i="1" dirty="0"/>
-              <a:t> (not numerical</a:t>
+              <a:t>categorical (not numerical</a:t>
             </a:r>
             <a:r>
               <a:rPr lang="en-US" dirty="0"/>
@@ -38255,30 +38880,40 @@
             <a:pPr lvl="1"/>
             <a:r>
               <a:rPr lang="en-US" dirty="0"/>
-              <a:t>“unknown” common as a category value</a:t>
+              <a:t>“unknown” (or coded equivalent) common as a category value</a:t>
             </a:r>
           </a:p>
           <a:p>
             <a:pPr lvl="1"/>
             <a:r>
               <a:rPr lang="en-US" dirty="0"/>
-              <a:t>some contain </a:t>
-            </a:r>
-            <a:r>
-              <a:rPr lang="en-US" b="1" dirty="0"/>
-              <a:t>too many</a:t>
+              <a:t>many have a </a:t>
+            </a:r>
+            <a:r>
+              <a:rPr lang="en-US" dirty="0">
+                <a:solidFill>
+                  <a:srgbClr val="FF0000"/>
+                </a:solidFill>
+              </a:rPr>
+              <a:t>large number of distinct category values </a:t>
             </a:r>
             <a:r>
               <a:rPr lang="en-US" dirty="0"/>
-              <a:t> </a:t>
-            </a:r>
-            <a:r>
-              <a:rPr lang="en-US" b="1" dirty="0"/>
-              <a:t>category values</a:t>
-            </a:r>
+              <a:t>(for example, targsubtype1 has 107 distinct categories)</a:t>
+            </a:r>
+          </a:p>
+          <a:p>
             <a:r>
               <a:rPr lang="en-US" dirty="0"/>
-              <a:t> (for example, targsubtype1 has 107 distinct categories)</a:t>
+              <a:t>Most categories are </a:t>
+            </a:r>
+            <a:r>
+              <a:rPr lang="en-US" dirty="0">
+                <a:solidFill>
+                  <a:srgbClr val="FF0000"/>
+                </a:solidFill>
+              </a:rPr>
+              <a:t>highly unbalanced</a:t>
             </a:r>
           </a:p>
           <a:p>
@@ -38294,7 +38929,7 @@
             <a:r>
               <a:rPr lang="en-US" sz="2400" b="1" i="1" dirty="0">
                 <a:solidFill>
-                  <a:srgbClr val="FF0000"/>
+                  <a:schemeClr val="tx1"/>
                 </a:solidFill>
               </a:rPr>
               <a:t>Large (Problem Specific) Data Cleansing Effort Needed!</a:t>
@@ -38418,7 +39053,19 @@
             </a:pPr>
             <a:r>
               <a:rPr lang="en-US" dirty="0"/>
-              <a:t>Predict if an attack will be successful based on a variety of different factors.</a:t>
+              <a:t>Predict if an attack will be successful based on a variety of different factors (</a:t>
+            </a:r>
+            <a:r>
+              <a:rPr lang="en-US" dirty="0">
+                <a:solidFill>
+                  <a:srgbClr val="FF0000"/>
+                </a:solidFill>
+              </a:rPr>
+              <a:t>classification</a:t>
+            </a:r>
+            <a:r>
+              <a:rPr lang="en-US" dirty="0"/>
+              <a:t>)</a:t>
             </a:r>
           </a:p>
           <a:p>
@@ -38428,7 +39075,19 @@
             </a:pPr>
             <a:r>
               <a:rPr lang="en-US" dirty="0"/>
-              <a:t>Estimate the number of casualties in a successful terrorist attack</a:t>
+              <a:t>Estimate the number of casualties in a successful terrorist attack (</a:t>
+            </a:r>
+            <a:r>
+              <a:rPr lang="en-US" dirty="0">
+                <a:solidFill>
+                  <a:srgbClr val="FF0000"/>
+                </a:solidFill>
+              </a:rPr>
+              <a:t>regression</a:t>
+            </a:r>
+            <a:r>
+              <a:rPr lang="en-US" dirty="0"/>
+              <a:t>)</a:t>
             </a:r>
           </a:p>
           <a:p>
@@ -38447,7 +39106,19 @@
             </a:pPr>
             <a:r>
               <a:rPr lang="en-US" dirty="0"/>
-              <a:t>Predict the terrorist group responsible for perpetrating a terrorist attack</a:t>
+              <a:t>Predict the terrorist group responsible for perpetrating a terrorist attack (</a:t>
+            </a:r>
+            <a:r>
+              <a:rPr lang="en-US" dirty="0">
+                <a:solidFill>
+                  <a:srgbClr val="FF0000"/>
+                </a:solidFill>
+              </a:rPr>
+              <a:t>classification</a:t>
+            </a:r>
+            <a:r>
+              <a:rPr lang="en-US" dirty="0"/>
+              <a:t>)</a:t>
             </a:r>
           </a:p>
           <a:p>
@@ -38457,7 +39128,19 @@
             </a:pPr>
             <a:r>
               <a:rPr lang="en-US" dirty="0"/>
-              <a:t>Estimate risk of an attack based on temporal and geo-spatial variables</a:t>
+              <a:t>Estimate risk of an attack based on temporal and geo-spatial variables (</a:t>
+            </a:r>
+            <a:r>
+              <a:rPr lang="en-US" dirty="0">
+                <a:solidFill>
+                  <a:srgbClr val="FF0000"/>
+                </a:solidFill>
+              </a:rPr>
+              <a:t>classification + clustering</a:t>
+            </a:r>
+            <a:r>
+              <a:rPr lang="en-US" dirty="0"/>
+              <a:t>)</a:t>
             </a:r>
           </a:p>
         </p:txBody>

--- a/presentation/gtdb-final-presentation.pptx
+++ b/presentation/gtdb-final-presentation.pptx
@@ -5,7 +5,7 @@
     <p:sldMasterId id="2147483803" r:id="rId1"/>
   </p:sldMasterIdLst>
   <p:notesMasterIdLst>
-    <p:notesMasterId r:id="rId58"/>
+    <p:notesMasterId r:id="rId60"/>
   </p:notesMasterIdLst>
   <p:sldIdLst>
     <p:sldId id="256" r:id="rId2"/>
@@ -52,18 +52,20 @@
     <p:sldId id="278" r:id="rId43"/>
     <p:sldId id="283" r:id="rId44"/>
     <p:sldId id="277" r:id="rId45"/>
-    <p:sldId id="305" r:id="rId46"/>
-    <p:sldId id="317" r:id="rId47"/>
-    <p:sldId id="306" r:id="rId48"/>
-    <p:sldId id="308" r:id="rId49"/>
-    <p:sldId id="292" r:id="rId50"/>
-    <p:sldId id="312" r:id="rId51"/>
-    <p:sldId id="328" r:id="rId52"/>
-    <p:sldId id="315" r:id="rId53"/>
-    <p:sldId id="320" r:id="rId54"/>
-    <p:sldId id="316" r:id="rId55"/>
-    <p:sldId id="319" r:id="rId56"/>
-    <p:sldId id="265" r:id="rId57"/>
+    <p:sldId id="330" r:id="rId46"/>
+    <p:sldId id="305" r:id="rId47"/>
+    <p:sldId id="317" r:id="rId48"/>
+    <p:sldId id="306" r:id="rId49"/>
+    <p:sldId id="308" r:id="rId50"/>
+    <p:sldId id="292" r:id="rId51"/>
+    <p:sldId id="312" r:id="rId52"/>
+    <p:sldId id="328" r:id="rId53"/>
+    <p:sldId id="315" r:id="rId54"/>
+    <p:sldId id="320" r:id="rId55"/>
+    <p:sldId id="316" r:id="rId56"/>
+    <p:sldId id="319" r:id="rId57"/>
+    <p:sldId id="331" r:id="rId58"/>
+    <p:sldId id="265" r:id="rId59"/>
   </p:sldIdLst>
   <p:sldSz cx="9144000" cy="6858000" type="screen4x3"/>
   <p:notesSz cx="6858000" cy="9144000"/>
@@ -219,6 +221,7 @@
             <p14:sldId id="278"/>
             <p14:sldId id="283"/>
             <p14:sldId id="277"/>
+            <p14:sldId id="330"/>
             <p14:sldId id="305"/>
             <p14:sldId id="317"/>
             <p14:sldId id="306"/>
@@ -230,6 +233,7 @@
             <p14:sldId id="320"/>
             <p14:sldId id="316"/>
             <p14:sldId id="319"/>
+            <p14:sldId id="331"/>
           </p14:sldIdLst>
         </p14:section>
         <p14:section name="Summary and Conclusion" id="{A2B1DDA9-9FDD-4663-A154-79354B6BCDF3}">
@@ -835,6 +839,10 @@
           <a:bodyPr/>
           <a:lstStyle/>
           <a:p>
+            <a:r>
+              <a:rPr lang="en-US" dirty="0" err="1"/>
+              <a:t>prp</a:t>
+            </a:r>
             <a:endParaRPr lang="en-US" dirty="0"/>
           </a:p>
         </p:txBody>
@@ -919,10 +927,27 @@
           <a:bodyPr/>
           <a:lstStyle/>
           <a:p>
+            <a:pPr marL="171450" indent="-171450">
+              <a:buFont typeface="Arial" panose="020B0604020202020204" pitchFamily="34" charset="0"/>
+              <a:buChar char="•"/>
+            </a:pPr>
             <a:r>
               <a:rPr lang="en-US" dirty="0"/>
-              <a:t>19 Variables</a:t>
-            </a:r>
+              <a:t>What if a terrorist group becomes active in a new region / geography?</a:t>
+            </a:r>
+          </a:p>
+          <a:p>
+            <a:pPr marL="171450" indent="-171450">
+              <a:buFont typeface="Arial" panose="020B0604020202020204" pitchFamily="34" charset="0"/>
+              <a:buChar char="•"/>
+            </a:pPr>
+            <a:r>
+              <a:rPr lang="en-US" dirty="0"/>
+              <a:t>Try to determine groups attack patterns…</a:t>
+            </a:r>
+          </a:p>
+          <a:p>
+            <a:endParaRPr lang="en-US" dirty="0"/>
           </a:p>
         </p:txBody>
       </p:sp>
@@ -1613,7 +1638,7 @@
           <a:p>
             <a:fld id="{58F5E0F1-AB47-4A7A-BA35-9463FCF91331}" type="slidenum">
               <a:rPr lang="en-US" smtClean="0"/>
-              <a:t>47</a:t>
+              <a:t>48</a:t>
             </a:fld>
             <a:endParaRPr lang="en-US"/>
           </a:p>
@@ -1697,7 +1722,7 @@
           <a:p>
             <a:fld id="{58F5E0F1-AB47-4A7A-BA35-9463FCF91331}" type="slidenum">
               <a:rPr lang="en-US" smtClean="0"/>
-              <a:t>48</a:t>
+              <a:t>49</a:t>
             </a:fld>
             <a:endParaRPr lang="en-US"/>
           </a:p>
@@ -1793,7 +1818,7 @@
           <a:p>
             <a:fld id="{58F5E0F1-AB47-4A7A-BA35-9463FCF91331}" type="slidenum">
               <a:rPr lang="en-US" smtClean="0"/>
-              <a:t>49</a:t>
+              <a:t>50</a:t>
             </a:fld>
             <a:endParaRPr lang="en-US"/>
           </a:p>
@@ -1856,108 +1881,6 @@
           <a:bodyPr/>
           <a:lstStyle/>
           <a:p>
-            <a:r>
-              <a:rPr lang="en-US" sz="1200" kern="1200" dirty="0" err="1">
-                <a:solidFill>
-                  <a:schemeClr val="tx1"/>
-                </a:solidFill>
-                <a:effectLst/>
-                <a:latin typeface="+mn-lt"/>
-                <a:ea typeface="+mn-ea"/>
-                <a:cs typeface="+mn-cs"/>
-              </a:rPr>
-              <a:t>lda</a:t>
-            </a:r>
-            <a:r>
-              <a:rPr lang="en-US" sz="1200" kern="1200" dirty="0">
-                <a:solidFill>
-                  <a:schemeClr val="tx1"/>
-                </a:solidFill>
-                <a:effectLst/>
-                <a:latin typeface="+mn-lt"/>
-                <a:ea typeface="+mn-ea"/>
-                <a:cs typeface="+mn-cs"/>
-              </a:rPr>
-              <a:t> </a:t>
-            </a:r>
-            <a:r>
-              <a:rPr lang="en-US" dirty="0">
-                <a:effectLst/>
-              </a:rPr>
-              <a:t>0.973</a:t>
-            </a:r>
-          </a:p>
-          <a:p>
-            <a:r>
-              <a:rPr lang="en-US" sz="1200" kern="1200" dirty="0">
-                <a:solidFill>
-                  <a:schemeClr val="tx1"/>
-                </a:solidFill>
-                <a:effectLst/>
-                <a:latin typeface="+mn-lt"/>
-                <a:ea typeface="+mn-ea"/>
-                <a:cs typeface="+mn-cs"/>
-              </a:rPr>
-              <a:t>tree</a:t>
-            </a:r>
-            <a:r>
-              <a:rPr lang="en-US" dirty="0">
-                <a:effectLst/>
-              </a:rPr>
-              <a:t> 0.925</a:t>
-            </a:r>
-          </a:p>
-          <a:p>
-            <a:r>
-              <a:rPr lang="en-US" sz="1200" kern="1200" dirty="0">
-                <a:solidFill>
-                  <a:schemeClr val="tx1"/>
-                </a:solidFill>
-                <a:effectLst/>
-                <a:latin typeface="+mn-lt"/>
-                <a:ea typeface="+mn-ea"/>
-                <a:cs typeface="+mn-cs"/>
-              </a:rPr>
-              <a:t>rf </a:t>
-            </a:r>
-            <a:r>
-              <a:rPr lang="en-US" dirty="0">
-                <a:effectLst/>
-              </a:rPr>
-              <a:t>0.981</a:t>
-            </a:r>
-          </a:p>
-          <a:p>
-            <a:r>
-              <a:rPr lang="en-US" sz="1200" kern="1200" dirty="0" err="1">
-                <a:solidFill>
-                  <a:schemeClr val="tx1"/>
-                </a:solidFill>
-                <a:effectLst/>
-                <a:latin typeface="+mn-lt"/>
-                <a:ea typeface="+mn-ea"/>
-                <a:cs typeface="+mn-cs"/>
-              </a:rPr>
-              <a:t>svm</a:t>
-            </a:r>
-            <a:r>
-              <a:rPr lang="en-US" sz="1200" kern="1200" dirty="0">
-                <a:solidFill>
-                  <a:schemeClr val="tx1"/>
-                </a:solidFill>
-                <a:effectLst/>
-                <a:latin typeface="+mn-lt"/>
-                <a:ea typeface="+mn-ea"/>
-                <a:cs typeface="+mn-cs"/>
-              </a:rPr>
-              <a:t> </a:t>
-            </a:r>
-            <a:r>
-              <a:rPr lang="en-US" dirty="0">
-                <a:effectLst/>
-              </a:rPr>
-              <a:t>0.962</a:t>
-            </a:r>
             <a:endParaRPr lang="en-US" dirty="0"/>
           </a:p>
         </p:txBody>
@@ -1979,7 +1902,7 @@
           <a:p>
             <a:fld id="{58F5E0F1-AB47-4A7A-BA35-9463FCF91331}" type="slidenum">
               <a:rPr lang="en-US" smtClean="0"/>
-              <a:t>52</a:t>
+              <a:t>53</a:t>
             </a:fld>
             <a:endParaRPr lang="en-US"/>
           </a:p>
@@ -1989,6 +1912,94 @@
     <p:extLst>
       <p:ext uri="{BB962C8B-B14F-4D97-AF65-F5344CB8AC3E}">
         <p14:creationId xmlns:p14="http://schemas.microsoft.com/office/powerpoint/2010/main" val="1756405409"/>
+      </p:ext>
+    </p:extLst>
+  </p:cSld>
+  <p:clrMapOvr>
+    <a:masterClrMapping/>
+  </p:clrMapOvr>
+</p:notes>
+</file>
+
+<file path=ppt/notesSlides/notesSlide19.xml><?xml version="1.0" encoding="utf-8"?>
+<p:notes xmlns:a="http://schemas.openxmlformats.org/drawingml/2006/main" xmlns:r="http://schemas.openxmlformats.org/officeDocument/2006/relationships" xmlns:p="http://schemas.openxmlformats.org/presentationml/2006/main">
+  <p:cSld>
+    <p:spTree>
+      <p:nvGrpSpPr>
+        <p:cNvPr id="1" name=""/>
+        <p:cNvGrpSpPr/>
+        <p:nvPr/>
+      </p:nvGrpSpPr>
+      <p:grpSpPr>
+        <a:xfrm>
+          <a:off x="0" y="0"/>
+          <a:ext cx="0" cy="0"/>
+          <a:chOff x="0" y="0"/>
+          <a:chExt cx="0" cy="0"/>
+        </a:xfrm>
+      </p:grpSpPr>
+      <p:sp>
+        <p:nvSpPr>
+          <p:cNvPr id="2" name="Slide Image Placeholder 1"/>
+          <p:cNvSpPr>
+            <a:spLocks noGrp="1" noRot="1" noChangeAspect="1"/>
+          </p:cNvSpPr>
+          <p:nvPr>
+            <p:ph type="sldImg"/>
+          </p:nvPr>
+        </p:nvSpPr>
+        <p:spPr/>
+      </p:sp>
+      <p:sp>
+        <p:nvSpPr>
+          <p:cNvPr id="3" name="Notes Placeholder 2"/>
+          <p:cNvSpPr>
+            <a:spLocks noGrp="1"/>
+          </p:cNvSpPr>
+          <p:nvPr>
+            <p:ph type="body" idx="1"/>
+          </p:nvPr>
+        </p:nvSpPr>
+        <p:spPr/>
+        <p:txBody>
+          <a:bodyPr/>
+          <a:lstStyle/>
+          <a:p>
+            <a:r>
+              <a:rPr lang="en-US" dirty="0" err="1"/>
+              <a:t>fancyRpartPlot</a:t>
+            </a:r>
+            <a:endParaRPr lang="en-US" dirty="0"/>
+          </a:p>
+        </p:txBody>
+      </p:sp>
+      <p:sp>
+        <p:nvSpPr>
+          <p:cNvPr id="4" name="Slide Number Placeholder 3"/>
+          <p:cNvSpPr>
+            <a:spLocks noGrp="1"/>
+          </p:cNvSpPr>
+          <p:nvPr>
+            <p:ph type="sldNum" sz="quarter" idx="5"/>
+          </p:nvPr>
+        </p:nvSpPr>
+        <p:spPr/>
+        <p:txBody>
+          <a:bodyPr/>
+          <a:lstStyle/>
+          <a:p>
+            <a:fld id="{58F5E0F1-AB47-4A7A-BA35-9463FCF91331}" type="slidenum">
+              <a:rPr lang="en-US" smtClean="0"/>
+              <a:t>55</a:t>
+            </a:fld>
+            <a:endParaRPr lang="en-US"/>
+          </a:p>
+        </p:txBody>
+      </p:sp>
+    </p:spTree>
+    <p:extLst>
+      <p:ext uri="{BB962C8B-B14F-4D97-AF65-F5344CB8AC3E}">
+        <p14:creationId xmlns:p14="http://schemas.microsoft.com/office/powerpoint/2010/main" val="4163206603"/>
       </p:ext>
     </p:extLst>
   </p:cSld>
@@ -2076,6 +2087,208 @@
     <p:extLst>
       <p:ext uri="{BB962C8B-B14F-4D97-AF65-F5344CB8AC3E}">
         <p14:creationId xmlns:p14="http://schemas.microsoft.com/office/powerpoint/2010/main" val="2759362589"/>
+      </p:ext>
+    </p:extLst>
+  </p:cSld>
+  <p:clrMapOvr>
+    <a:masterClrMapping/>
+  </p:clrMapOvr>
+</p:notes>
+</file>
+
+<file path=ppt/notesSlides/notesSlide20.xml><?xml version="1.0" encoding="utf-8"?>
+<p:notes xmlns:a="http://schemas.openxmlformats.org/drawingml/2006/main" xmlns:r="http://schemas.openxmlformats.org/officeDocument/2006/relationships" xmlns:p="http://schemas.openxmlformats.org/presentationml/2006/main">
+  <p:cSld>
+    <p:spTree>
+      <p:nvGrpSpPr>
+        <p:cNvPr id="1" name=""/>
+        <p:cNvGrpSpPr/>
+        <p:nvPr/>
+      </p:nvGrpSpPr>
+      <p:grpSpPr>
+        <a:xfrm>
+          <a:off x="0" y="0"/>
+          <a:ext cx="0" cy="0"/>
+          <a:chOff x="0" y="0"/>
+          <a:chExt cx="0" cy="0"/>
+        </a:xfrm>
+      </p:grpSpPr>
+      <p:sp>
+        <p:nvSpPr>
+          <p:cNvPr id="2" name="Slide Image Placeholder 1"/>
+          <p:cNvSpPr>
+            <a:spLocks noGrp="1" noRot="1" noChangeAspect="1"/>
+          </p:cNvSpPr>
+          <p:nvPr>
+            <p:ph type="sldImg"/>
+          </p:nvPr>
+        </p:nvSpPr>
+        <p:spPr/>
+      </p:sp>
+      <p:sp>
+        <p:nvSpPr>
+          <p:cNvPr id="3" name="Notes Placeholder 2"/>
+          <p:cNvSpPr>
+            <a:spLocks noGrp="1"/>
+          </p:cNvSpPr>
+          <p:nvPr>
+            <p:ph type="body" idx="1"/>
+          </p:nvPr>
+        </p:nvSpPr>
+        <p:spPr/>
+        <p:txBody>
+          <a:bodyPr/>
+          <a:lstStyle/>
+          <a:p>
+            <a:endParaRPr lang="en-US" dirty="0"/>
+          </a:p>
+        </p:txBody>
+      </p:sp>
+      <p:sp>
+        <p:nvSpPr>
+          <p:cNvPr id="4" name="Slide Number Placeholder 3"/>
+          <p:cNvSpPr>
+            <a:spLocks noGrp="1"/>
+          </p:cNvSpPr>
+          <p:nvPr>
+            <p:ph type="sldNum" sz="quarter" idx="5"/>
+          </p:nvPr>
+        </p:nvSpPr>
+        <p:spPr/>
+        <p:txBody>
+          <a:bodyPr/>
+          <a:lstStyle/>
+          <a:p>
+            <a:fld id="{58F5E0F1-AB47-4A7A-BA35-9463FCF91331}" type="slidenum">
+              <a:rPr lang="en-US" smtClean="0"/>
+              <a:t>57</a:t>
+            </a:fld>
+            <a:endParaRPr lang="en-US"/>
+          </a:p>
+        </p:txBody>
+      </p:sp>
+    </p:spTree>
+    <p:extLst>
+      <p:ext uri="{BB962C8B-B14F-4D97-AF65-F5344CB8AC3E}">
+        <p14:creationId xmlns:p14="http://schemas.microsoft.com/office/powerpoint/2010/main" val="723301279"/>
+      </p:ext>
+    </p:extLst>
+  </p:cSld>
+  <p:clrMapOvr>
+    <a:masterClrMapping/>
+  </p:clrMapOvr>
+</p:notes>
+</file>
+
+<file path=ppt/notesSlides/notesSlide21.xml><?xml version="1.0" encoding="utf-8"?>
+<p:notes xmlns:a="http://schemas.openxmlformats.org/drawingml/2006/main" xmlns:r="http://schemas.openxmlformats.org/officeDocument/2006/relationships" xmlns:p="http://schemas.openxmlformats.org/presentationml/2006/main">
+  <p:cSld>
+    <p:spTree>
+      <p:nvGrpSpPr>
+        <p:cNvPr id="1" name=""/>
+        <p:cNvGrpSpPr/>
+        <p:nvPr/>
+      </p:nvGrpSpPr>
+      <p:grpSpPr>
+        <a:xfrm>
+          <a:off x="0" y="0"/>
+          <a:ext cx="0" cy="0"/>
+          <a:chOff x="0" y="0"/>
+          <a:chExt cx="0" cy="0"/>
+        </a:xfrm>
+      </p:grpSpPr>
+      <p:sp>
+        <p:nvSpPr>
+          <p:cNvPr id="2" name="Slide Image Placeholder 1"/>
+          <p:cNvSpPr>
+            <a:spLocks noGrp="1" noRot="1" noChangeAspect="1"/>
+          </p:cNvSpPr>
+          <p:nvPr>
+            <p:ph type="sldImg"/>
+          </p:nvPr>
+        </p:nvSpPr>
+        <p:spPr/>
+      </p:sp>
+      <p:sp>
+        <p:nvSpPr>
+          <p:cNvPr id="3" name="Notes Placeholder 2"/>
+          <p:cNvSpPr>
+            <a:spLocks noGrp="1"/>
+          </p:cNvSpPr>
+          <p:nvPr>
+            <p:ph type="body" idx="1"/>
+          </p:nvPr>
+        </p:nvSpPr>
+        <p:spPr/>
+        <p:txBody>
+          <a:bodyPr/>
+          <a:lstStyle/>
+          <a:p>
+            <a:pPr marL="171450" indent="-171450">
+              <a:buFont typeface="Arial" panose="020B0604020202020204" pitchFamily="34" charset="0"/>
+              <a:buChar char="•"/>
+            </a:pPr>
+            <a:r>
+              <a:rPr lang="en-US" dirty="0"/>
+              <a:t>Impact of data balancing (i.e., oversampling)</a:t>
+            </a:r>
+          </a:p>
+          <a:p>
+            <a:pPr marL="171450" indent="-171450">
+              <a:buFont typeface="Arial" panose="020B0604020202020204" pitchFamily="34" charset="0"/>
+              <a:buChar char="•"/>
+            </a:pPr>
+            <a:r>
+              <a:rPr lang="en-US" dirty="0"/>
+              <a:t>Slowness of SVMs</a:t>
+            </a:r>
+          </a:p>
+          <a:p>
+            <a:pPr marL="171450" indent="-171450">
+              <a:buFont typeface="Arial" panose="020B0604020202020204" pitchFamily="34" charset="0"/>
+              <a:buChar char="•"/>
+            </a:pPr>
+            <a:r>
+              <a:rPr lang="en-US" dirty="0"/>
+              <a:t>Amount of effort needed for data cleansing</a:t>
+            </a:r>
+          </a:p>
+          <a:p>
+            <a:pPr marL="171450" indent="-171450">
+              <a:buFont typeface="Arial" panose="020B0604020202020204" pitchFamily="34" charset="0"/>
+              <a:buChar char="•"/>
+            </a:pPr>
+            <a:endParaRPr lang="en-US" dirty="0"/>
+          </a:p>
+        </p:txBody>
+      </p:sp>
+      <p:sp>
+        <p:nvSpPr>
+          <p:cNvPr id="4" name="Slide Number Placeholder 3"/>
+          <p:cNvSpPr>
+            <a:spLocks noGrp="1"/>
+          </p:cNvSpPr>
+          <p:nvPr>
+            <p:ph type="sldNum" sz="quarter" idx="5"/>
+          </p:nvPr>
+        </p:nvSpPr>
+        <p:spPr/>
+        <p:txBody>
+          <a:bodyPr/>
+          <a:lstStyle/>
+          <a:p>
+            <a:fld id="{58F5E0F1-AB47-4A7A-BA35-9463FCF91331}" type="slidenum">
+              <a:rPr lang="en-US" smtClean="0"/>
+              <a:t>58</a:t>
+            </a:fld>
+            <a:endParaRPr lang="en-US"/>
+          </a:p>
+        </p:txBody>
+      </p:sp>
+    </p:spTree>
+    <p:extLst>
+      <p:ext uri="{BB962C8B-B14F-4D97-AF65-F5344CB8AC3E}">
+        <p14:creationId xmlns:p14="http://schemas.microsoft.com/office/powerpoint/2010/main" val="3880292605"/>
       </p:ext>
     </p:extLst>
   </p:cSld>
@@ -8266,7 +8479,7 @@
           <a:graphicData uri="http://schemas.openxmlformats.org/presentationml/2006/ole">
             <mc:AlternateContent xmlns:mc="http://schemas.openxmlformats.org/markup-compatibility/2006">
               <mc:Choice xmlns:v="urn:schemas-microsoft-com:vml" Requires="v">
-                <p:oleObj spid="_x0000_s2332" name="Worksheet" r:id="rId4" imgW="1923884" imgH="933476" progId="Excel.Sheet.12">
+                <p:oleObj spid="_x0000_s2375" name="Worksheet" r:id="rId4" imgW="1923884" imgH="933476" progId="Excel.Sheet.12">
                   <p:embed/>
                 </p:oleObj>
               </mc:Choice>
@@ -8690,7 +8903,7 @@
           <a:graphicData uri="http://schemas.openxmlformats.org/presentationml/2006/ole">
             <mc:AlternateContent xmlns:mc="http://schemas.openxmlformats.org/markup-compatibility/2006">
               <mc:Choice xmlns:v="urn:schemas-microsoft-com:vml" Requires="v">
-                <p:oleObj spid="_x0000_s1596" name="Worksheet" r:id="rId3" imgW="1466857" imgH="771525" progId="Excel.Sheet.12">
+                <p:oleObj spid="_x0000_s1682" name="Worksheet" r:id="rId3" imgW="1466857" imgH="771525" progId="Excel.Sheet.12">
                   <p:embed/>
                 </p:oleObj>
               </mc:Choice>
@@ -8753,7 +8966,7 @@
           <a:graphicData uri="http://schemas.openxmlformats.org/presentationml/2006/ole">
             <mc:AlternateContent xmlns:mc="http://schemas.openxmlformats.org/markup-compatibility/2006">
               <mc:Choice xmlns:v="urn:schemas-microsoft-com:vml" Requires="v">
-                <p:oleObj spid="_x0000_s1597" name="Worksheet" r:id="rId5" imgW="1466857" imgH="771525" progId="Excel.Sheet.12">
+                <p:oleObj spid="_x0000_s1683" name="Worksheet" r:id="rId5" imgW="1466857" imgH="771525" progId="Excel.Sheet.12">
                   <p:embed/>
                 </p:oleObj>
               </mc:Choice>
@@ -9453,7 +9666,7 @@
           <a:graphicData uri="http://schemas.openxmlformats.org/presentationml/2006/ole">
             <mc:AlternateContent xmlns:mc="http://schemas.openxmlformats.org/markup-compatibility/2006">
               <mc:Choice xmlns:v="urn:schemas-microsoft-com:vml" Requires="v">
-                <p:oleObj spid="_x0000_s3353" name="Worksheet" r:id="rId5" imgW="1923884" imgH="933476" progId="Excel.Sheet.12">
+                <p:oleObj spid="_x0000_s3396" name="Worksheet" r:id="rId5" imgW="1923884" imgH="933476" progId="Excel.Sheet.12">
                   <p:embed/>
                 </p:oleObj>
               </mc:Choice>
@@ -14240,7 +14453,7 @@
           <a:graphicData uri="http://schemas.openxmlformats.org/presentationml/2006/ole">
             <mc:AlternateContent xmlns:mc="http://schemas.openxmlformats.org/markup-compatibility/2006">
               <mc:Choice xmlns:v="urn:schemas-microsoft-com:vml" Requires="v">
-                <p:oleObj spid="_x0000_s5281" name="Worksheet" r:id="rId3" imgW="2505144" imgH="1219149" progId="Excel.Sheet.12">
+                <p:oleObj spid="_x0000_s5324" name="Worksheet" r:id="rId3" imgW="2505144" imgH="1219149" progId="Excel.Sheet.12">
                   <p:embed/>
                 </p:oleObj>
               </mc:Choice>
@@ -21182,6 +21395,66 @@
           </a:effectLst>
         </p:spPr>
       </p:pic>
+      <p:sp>
+        <p:nvSpPr>
+          <p:cNvPr id="3" name="TextBox 2">
+            <a:extLst>
+              <a:ext uri="{FF2B5EF4-FFF2-40B4-BE49-F238E27FC236}">
+                <a16:creationId xmlns:a16="http://schemas.microsoft.com/office/drawing/2014/main" id="{47CD5062-A256-4429-A931-304134E708A8}"/>
+              </a:ext>
+            </a:extLst>
+          </p:cNvPr>
+          <p:cNvSpPr txBox="1"/>
+          <p:nvPr/>
+        </p:nvSpPr>
+        <p:spPr>
+          <a:xfrm>
+            <a:off x="6781800" y="5410200"/>
+            <a:ext cx="2133600" cy="1200329"/>
+          </a:xfrm>
+          <a:prstGeom prst="rect">
+            <a:avLst/>
+          </a:prstGeom>
+          <a:effectLst>
+            <a:outerShdw blurRad="50800" dist="38100" dir="5400000" algn="t" rotWithShape="0">
+              <a:prstClr val="black">
+                <a:alpha val="40000"/>
+              </a:prstClr>
+            </a:outerShdw>
+          </a:effectLst>
+        </p:spPr>
+        <p:style>
+          <a:lnRef idx="2">
+            <a:schemeClr val="dk1"/>
+          </a:lnRef>
+          <a:fillRef idx="1">
+            <a:schemeClr val="lt1"/>
+          </a:fillRef>
+          <a:effectRef idx="0">
+            <a:schemeClr val="dk1"/>
+          </a:effectRef>
+          <a:fontRef idx="minor">
+            <a:schemeClr val="dk1"/>
+          </a:fontRef>
+        </p:style>
+        <p:txBody>
+          <a:bodyPr wrap="square" rtlCol="0">
+            <a:spAutoFit/>
+          </a:bodyPr>
+          <a:lstStyle/>
+          <a:p>
+            <a:pPr algn="ctr"/>
+            <a:r>
+              <a:rPr lang="en-US" dirty="0">
+                <a:solidFill>
+                  <a:srgbClr val="FF0000"/>
+                </a:solidFill>
+              </a:rPr>
+              <a:t>time-dependent bounding boxes to determine group membership!</a:t>
+            </a:r>
+          </a:p>
+        </p:txBody>
+      </p:sp>
     </p:spTree>
     <p:extLst>
       <p:ext uri="{BB962C8B-B14F-4D97-AF65-F5344CB8AC3E}">
@@ -23293,7 +23566,7 @@
                     <a:p>
                       <a:pPr algn="ctr" fontAlgn="b"/>
                       <a:r>
-                        <a:rPr lang="en-US" sz="1500" b="1" i="0" u="none" strike="noStrike">
+                        <a:rPr lang="en-US" sz="1500" b="1" i="0" u="none" strike="noStrike" dirty="0">
                           <a:solidFill>
                             <a:srgbClr val="000000"/>
                           </a:solidFill>
@@ -32035,6 +32308,205 @@
           <p:cNvPr id="2" name="Title 1">
             <a:extLst>
               <a:ext uri="{FF2B5EF4-FFF2-40B4-BE49-F238E27FC236}">
+                <a16:creationId xmlns:a16="http://schemas.microsoft.com/office/drawing/2014/main" id="{478CE89F-9364-4783-A80D-58F8EFD3AA60}"/>
+              </a:ext>
+            </a:extLst>
+          </p:cNvPr>
+          <p:cNvSpPr>
+            <a:spLocks noGrp="1"/>
+          </p:cNvSpPr>
+          <p:nvPr>
+            <p:ph type="title"/>
+          </p:nvPr>
+        </p:nvSpPr>
+        <p:spPr/>
+        <p:txBody>
+          <a:bodyPr/>
+          <a:lstStyle/>
+          <a:p>
+            <a:r>
+              <a:rPr lang="en-US" dirty="0"/>
+              <a:t>Summary</a:t>
+            </a:r>
+            <a:br>
+              <a:rPr lang="en-US" dirty="0"/>
+            </a:br>
+            <a:r>
+              <a:rPr lang="en-US" dirty="0"/>
+              <a:t>(Predicting Terrorist Group)</a:t>
+            </a:r>
+          </a:p>
+        </p:txBody>
+      </p:sp>
+      <p:sp>
+        <p:nvSpPr>
+          <p:cNvPr id="3" name="Content Placeholder 2">
+            <a:extLst>
+              <a:ext uri="{FF2B5EF4-FFF2-40B4-BE49-F238E27FC236}">
+                <a16:creationId xmlns:a16="http://schemas.microsoft.com/office/drawing/2014/main" id="{117F6BE4-533B-48CD-82D1-FA311DDD8E59}"/>
+              </a:ext>
+            </a:extLst>
+          </p:cNvPr>
+          <p:cNvSpPr>
+            <a:spLocks noGrp="1"/>
+          </p:cNvSpPr>
+          <p:nvPr>
+            <p:ph idx="1"/>
+          </p:nvPr>
+        </p:nvSpPr>
+        <p:spPr>
+          <a:xfrm>
+            <a:off x="1028700" y="2171700"/>
+            <a:ext cx="7200900" cy="4457700"/>
+          </a:xfrm>
+        </p:spPr>
+        <p:txBody>
+          <a:bodyPr>
+            <a:normAutofit fontScale="92500" lnSpcReduction="20000"/>
+          </a:bodyPr>
+          <a:lstStyle/>
+          <a:p>
+            <a:r>
+              <a:rPr lang="en-US" sz="2400" dirty="0"/>
+              <a:t>Geographic variables (lat. / long.) highly predictive of terrorist group </a:t>
+            </a:r>
+            <a:r>
+              <a:rPr lang="en-US" sz="1800" dirty="0"/>
+              <a:t>(but not very interesting…)</a:t>
+            </a:r>
+          </a:p>
+          <a:p>
+            <a:r>
+              <a:rPr lang="en-US" sz="2400" dirty="0"/>
+              <a:t>Random forests outperformed other algorithms on both model sets (with/without geographic variables)</a:t>
+            </a:r>
+          </a:p>
+          <a:p>
+            <a:r>
+              <a:rPr lang="en-US" sz="2400" dirty="0"/>
+              <a:t>SVM’s performance limited by inability to use entire training set</a:t>
+            </a:r>
+          </a:p>
+          <a:p>
+            <a:r>
+              <a:rPr lang="en-US" sz="2400" dirty="0"/>
+              <a:t>QDA generated errors on most non-binary categorical variables</a:t>
+            </a:r>
+          </a:p>
+          <a:p>
+            <a:r>
+              <a:rPr lang="en-US" sz="2400" dirty="0"/>
+              <a:t>targtype1, </a:t>
+            </a:r>
+            <a:r>
+              <a:rPr lang="en-US" sz="2400" dirty="0" err="1"/>
+              <a:t>iday</a:t>
+            </a:r>
+            <a:r>
+              <a:rPr lang="en-US" sz="2400" dirty="0"/>
+              <a:t>, </a:t>
+            </a:r>
+            <a:r>
+              <a:rPr lang="en-US" sz="2400" dirty="0" err="1"/>
+              <a:t>imonth</a:t>
+            </a:r>
+            <a:r>
+              <a:rPr lang="en-US" sz="2400" dirty="0"/>
+              <a:t>, claimed most predictive of terrorist group in non-geographic model set</a:t>
+            </a:r>
+          </a:p>
+          <a:p>
+            <a:pPr lvl="1"/>
+            <a:r>
+              <a:rPr lang="en-US" sz="2400" i="0" dirty="0"/>
+              <a:t>additional analysis needed to understand </a:t>
+            </a:r>
+            <a:r>
+              <a:rPr lang="en-US" sz="2400" i="0" dirty="0" err="1">
+                <a:solidFill>
+                  <a:srgbClr val="FF0000"/>
+                </a:solidFill>
+              </a:rPr>
+              <a:t>iday</a:t>
+            </a:r>
+            <a:r>
+              <a:rPr lang="en-US" sz="2400" i="0" dirty="0">
+                <a:solidFill>
+                  <a:srgbClr val="FF0000"/>
+                </a:solidFill>
+              </a:rPr>
+              <a:t> + </a:t>
+            </a:r>
+            <a:r>
+              <a:rPr lang="en-US" sz="2400" i="0" dirty="0" err="1">
+                <a:solidFill>
+                  <a:srgbClr val="FF0000"/>
+                </a:solidFill>
+              </a:rPr>
+              <a:t>imonth</a:t>
+            </a:r>
+            <a:r>
+              <a:rPr lang="en-US" sz="2400" i="0" dirty="0">
+                <a:solidFill>
+                  <a:srgbClr val="FF0000"/>
+                </a:solidFill>
+              </a:rPr>
+              <a:t> pattern</a:t>
+            </a:r>
+          </a:p>
+          <a:p>
+            <a:r>
+              <a:rPr lang="en-US" sz="2400" dirty="0"/>
+              <a:t>ROC alternative for non-binary classification???</a:t>
+            </a:r>
+            <a:endParaRPr lang="en-US" sz="2400" i="0" dirty="0"/>
+          </a:p>
+          <a:p>
+            <a:endParaRPr lang="en-US" sz="2400" dirty="0"/>
+          </a:p>
+          <a:p>
+            <a:endParaRPr lang="en-US" sz="2400" dirty="0"/>
+          </a:p>
+          <a:p>
+            <a:endParaRPr lang="en-US" dirty="0"/>
+          </a:p>
+        </p:txBody>
+      </p:sp>
+    </p:spTree>
+    <p:extLst>
+      <p:ext uri="{BB962C8B-B14F-4D97-AF65-F5344CB8AC3E}">
+        <p14:creationId xmlns:p14="http://schemas.microsoft.com/office/powerpoint/2010/main" val="2986263541"/>
+      </p:ext>
+    </p:extLst>
+  </p:cSld>
+  <p:clrMapOvr>
+    <a:masterClrMapping/>
+  </p:clrMapOvr>
+</p:sld>
+</file>
+
+<file path=ppt/slides/slide46.xml><?xml version="1.0" encoding="utf-8"?>
+<p:sld xmlns:a="http://schemas.openxmlformats.org/drawingml/2006/main" xmlns:r="http://schemas.openxmlformats.org/officeDocument/2006/relationships" xmlns:p="http://schemas.openxmlformats.org/presentationml/2006/main">
+  <p:cSld>
+    <p:spTree>
+      <p:nvGrpSpPr>
+        <p:cNvPr id="1" name=""/>
+        <p:cNvGrpSpPr/>
+        <p:nvPr/>
+      </p:nvGrpSpPr>
+      <p:grpSpPr>
+        <a:xfrm>
+          <a:off x="0" y="0"/>
+          <a:ext cx="0" cy="0"/>
+          <a:chOff x="0" y="0"/>
+          <a:chExt cx="0" cy="0"/>
+        </a:xfrm>
+      </p:grpSpPr>
+      <p:sp>
+        <p:nvSpPr>
+          <p:cNvPr id="2" name="Title 1">
+            <a:extLst>
+              <a:ext uri="{FF2B5EF4-FFF2-40B4-BE49-F238E27FC236}">
                 <a16:creationId xmlns:a16="http://schemas.microsoft.com/office/drawing/2014/main" id="{82C2F060-9C3E-40DA-AD53-DFA2CC09C580}"/>
               </a:ext>
             </a:extLst>
@@ -32134,7 +32606,7 @@
 </p:sld>
 </file>
 
-<file path=ppt/slides/slide46.xml><?xml version="1.0" encoding="utf-8"?>
+<file path=ppt/slides/slide47.xml><?xml version="1.0" encoding="utf-8"?>
 <p:sld xmlns:a="http://schemas.openxmlformats.org/drawingml/2006/main" xmlns:r="http://schemas.openxmlformats.org/officeDocument/2006/relationships" xmlns:p="http://schemas.openxmlformats.org/presentationml/2006/main">
   <p:cSld>
     <p:spTree>
@@ -32288,7 +32760,7 @@
 </p:sld>
 </file>
 
-<file path=ppt/slides/slide47.xml><?xml version="1.0" encoding="utf-8"?>
+<file path=ppt/slides/slide48.xml><?xml version="1.0" encoding="utf-8"?>
 <p:sld xmlns:a="http://schemas.openxmlformats.org/drawingml/2006/main" xmlns:r="http://schemas.openxmlformats.org/officeDocument/2006/relationships" xmlns:p="http://schemas.openxmlformats.org/presentationml/2006/main">
   <p:cSld>
     <p:spTree>
@@ -34139,7 +34611,7 @@
 </p:sld>
 </file>
 
-<file path=ppt/slides/slide48.xml><?xml version="1.0" encoding="utf-8"?>
+<file path=ppt/slides/slide49.xml><?xml version="1.0" encoding="utf-8"?>
 <p:sld xmlns:a="http://schemas.openxmlformats.org/drawingml/2006/main" xmlns:r="http://schemas.openxmlformats.org/officeDocument/2006/relationships" xmlns:p="http://schemas.openxmlformats.org/presentationml/2006/main">
   <p:cSld>
     <p:spTree>
@@ -34264,7 +34736,172 @@
 </p:sld>
 </file>
 
-<file path=ppt/slides/slide49.xml><?xml version="1.0" encoding="utf-8"?>
+<file path=ppt/slides/slide5.xml><?xml version="1.0" encoding="utf-8"?>
+<p:sld xmlns:a="http://schemas.openxmlformats.org/drawingml/2006/main" xmlns:r="http://schemas.openxmlformats.org/officeDocument/2006/relationships" xmlns:p="http://schemas.openxmlformats.org/presentationml/2006/main">
+  <p:cSld>
+    <p:spTree>
+      <p:nvGrpSpPr>
+        <p:cNvPr id="1" name=""/>
+        <p:cNvGrpSpPr/>
+        <p:nvPr/>
+      </p:nvGrpSpPr>
+      <p:grpSpPr>
+        <a:xfrm>
+          <a:off x="0" y="0"/>
+          <a:ext cx="0" cy="0"/>
+          <a:chOff x="0" y="0"/>
+          <a:chExt cx="0" cy="0"/>
+        </a:xfrm>
+      </p:grpSpPr>
+      <p:sp>
+        <p:nvSpPr>
+          <p:cNvPr id="2" name="Title 1">
+            <a:extLst>
+              <a:ext uri="{FF2B5EF4-FFF2-40B4-BE49-F238E27FC236}">
+                <a16:creationId xmlns:a16="http://schemas.microsoft.com/office/drawing/2014/main" id="{9BB04737-5B5E-4061-9F4E-F1DEB1C647DE}"/>
+              </a:ext>
+            </a:extLst>
+          </p:cNvPr>
+          <p:cNvSpPr>
+            <a:spLocks noGrp="1"/>
+          </p:cNvSpPr>
+          <p:nvPr>
+            <p:ph type="title"/>
+          </p:nvPr>
+        </p:nvSpPr>
+        <p:spPr>
+          <a:xfrm>
+            <a:off x="1028700" y="685800"/>
+            <a:ext cx="7200900" cy="685800"/>
+          </a:xfrm>
+        </p:spPr>
+        <p:txBody>
+          <a:bodyPr>
+            <a:normAutofit/>
+          </a:bodyPr>
+          <a:lstStyle/>
+          <a:p>
+            <a:r>
+              <a:rPr lang="en-US" sz="3600" dirty="0"/>
+              <a:t>Observations (Summary)</a:t>
+            </a:r>
+          </a:p>
+        </p:txBody>
+      </p:sp>
+      <p:pic>
+        <p:nvPicPr>
+          <p:cNvPr id="10" name="Picture 9" descr="A close up of a map&#10;&#10;Description automatically generated">
+            <a:extLst>
+              <a:ext uri="{FF2B5EF4-FFF2-40B4-BE49-F238E27FC236}">
+                <a16:creationId xmlns:a16="http://schemas.microsoft.com/office/drawing/2014/main" id="{CC1A4140-F4C3-4EC1-8A6F-784197D81A1B}"/>
+              </a:ext>
+            </a:extLst>
+          </p:cNvPr>
+          <p:cNvPicPr>
+            <a:picLocks/>
+          </p:cNvPicPr>
+          <p:nvPr/>
+        </p:nvPicPr>
+        <p:blipFill rotWithShape="1">
+          <a:blip r:embed="rId3">
+            <a:extLst>
+              <a:ext uri="{28A0092B-C50C-407E-A947-70E740481C1C}">
+                <a14:useLocalDpi xmlns:a14="http://schemas.microsoft.com/office/drawing/2010/main" val="0"/>
+              </a:ext>
+            </a:extLst>
+          </a:blip>
+          <a:srcRect l="30833" t="6779" b="15625"/>
+          <a:stretch/>
+        </p:blipFill>
+        <p:spPr>
+          <a:xfrm>
+            <a:off x="1371600" y="2054520"/>
+            <a:ext cx="7616952" cy="4572000"/>
+          </a:xfrm>
+          <a:prstGeom prst="rect">
+            <a:avLst/>
+          </a:prstGeom>
+          <a:solidFill>
+            <a:srgbClr val="FFFFFF">
+              <a:shade val="85000"/>
+            </a:srgbClr>
+          </a:solidFill>
+          <a:ln w="88900" cap="sq">
+            <a:solidFill>
+              <a:srgbClr val="FFFFFF"/>
+            </a:solidFill>
+            <a:miter lim="800000"/>
+          </a:ln>
+          <a:effectLst>
+            <a:outerShdw blurRad="55000" dist="18000" dir="5400000" algn="tl" rotWithShape="0">
+              <a:srgbClr val="000000">
+                <a:alpha val="40000"/>
+              </a:srgbClr>
+            </a:outerShdw>
+          </a:effectLst>
+          <a:scene3d>
+            <a:camera prst="orthographicFront"/>
+            <a:lightRig rig="twoPt" dir="t">
+              <a:rot lat="0" lon="0" rev="7200000"/>
+            </a:lightRig>
+          </a:scene3d>
+          <a:sp3d>
+            <a:bevelT w="25400" h="19050"/>
+            <a:contourClr>
+              <a:srgbClr val="FFFFFF"/>
+            </a:contourClr>
+          </a:sp3d>
+        </p:spPr>
+      </p:pic>
+      <p:sp>
+        <p:nvSpPr>
+          <p:cNvPr id="11" name="TextBox 10">
+            <a:extLst>
+              <a:ext uri="{FF2B5EF4-FFF2-40B4-BE49-F238E27FC236}">
+                <a16:creationId xmlns:a16="http://schemas.microsoft.com/office/drawing/2014/main" id="{E61925C7-D817-43EA-8456-CDBEF70E3EAF}"/>
+              </a:ext>
+            </a:extLst>
+          </p:cNvPr>
+          <p:cNvSpPr txBox="1"/>
+          <p:nvPr/>
+        </p:nvSpPr>
+        <p:spPr>
+          <a:xfrm>
+            <a:off x="1219200" y="1524000"/>
+            <a:ext cx="3009900" cy="461665"/>
+          </a:xfrm>
+          <a:prstGeom prst="rect">
+            <a:avLst/>
+          </a:prstGeom>
+          <a:noFill/>
+        </p:spPr>
+        <p:txBody>
+          <a:bodyPr wrap="square" rtlCol="0">
+            <a:spAutoFit/>
+          </a:bodyPr>
+          <a:lstStyle/>
+          <a:p>
+            <a:r>
+              <a:rPr lang="en-US" sz="2400" b="1" dirty="0"/>
+              <a:t>Incidents by Region</a:t>
+            </a:r>
+          </a:p>
+        </p:txBody>
+      </p:sp>
+    </p:spTree>
+    <p:extLst>
+      <p:ext uri="{BB962C8B-B14F-4D97-AF65-F5344CB8AC3E}">
+        <p14:creationId xmlns:p14="http://schemas.microsoft.com/office/powerpoint/2010/main" val="3382637159"/>
+      </p:ext>
+    </p:extLst>
+  </p:cSld>
+  <p:clrMapOvr>
+    <a:masterClrMapping/>
+  </p:clrMapOvr>
+</p:sld>
+</file>
+
+<file path=ppt/slides/slide50.xml><?xml version="1.0" encoding="utf-8"?>
 <p:sld xmlns:a="http://schemas.openxmlformats.org/drawingml/2006/main" xmlns:r="http://schemas.openxmlformats.org/officeDocument/2006/relationships" xmlns:p="http://schemas.openxmlformats.org/presentationml/2006/main">
   <p:cSld>
     <p:spTree>
@@ -34895,172 +35532,7 @@
 </p:sld>
 </file>
 
-<file path=ppt/slides/slide5.xml><?xml version="1.0" encoding="utf-8"?>
-<p:sld xmlns:a="http://schemas.openxmlformats.org/drawingml/2006/main" xmlns:r="http://schemas.openxmlformats.org/officeDocument/2006/relationships" xmlns:p="http://schemas.openxmlformats.org/presentationml/2006/main">
-  <p:cSld>
-    <p:spTree>
-      <p:nvGrpSpPr>
-        <p:cNvPr id="1" name=""/>
-        <p:cNvGrpSpPr/>
-        <p:nvPr/>
-      </p:nvGrpSpPr>
-      <p:grpSpPr>
-        <a:xfrm>
-          <a:off x="0" y="0"/>
-          <a:ext cx="0" cy="0"/>
-          <a:chOff x="0" y="0"/>
-          <a:chExt cx="0" cy="0"/>
-        </a:xfrm>
-      </p:grpSpPr>
-      <p:sp>
-        <p:nvSpPr>
-          <p:cNvPr id="2" name="Title 1">
-            <a:extLst>
-              <a:ext uri="{FF2B5EF4-FFF2-40B4-BE49-F238E27FC236}">
-                <a16:creationId xmlns:a16="http://schemas.microsoft.com/office/drawing/2014/main" id="{9BB04737-5B5E-4061-9F4E-F1DEB1C647DE}"/>
-              </a:ext>
-            </a:extLst>
-          </p:cNvPr>
-          <p:cNvSpPr>
-            <a:spLocks noGrp="1"/>
-          </p:cNvSpPr>
-          <p:nvPr>
-            <p:ph type="title"/>
-          </p:nvPr>
-        </p:nvSpPr>
-        <p:spPr>
-          <a:xfrm>
-            <a:off x="1028700" y="685800"/>
-            <a:ext cx="7200900" cy="685800"/>
-          </a:xfrm>
-        </p:spPr>
-        <p:txBody>
-          <a:bodyPr>
-            <a:normAutofit/>
-          </a:bodyPr>
-          <a:lstStyle/>
-          <a:p>
-            <a:r>
-              <a:rPr lang="en-US" sz="3600" dirty="0"/>
-              <a:t>Observations (Summary)</a:t>
-            </a:r>
-          </a:p>
-        </p:txBody>
-      </p:sp>
-      <p:pic>
-        <p:nvPicPr>
-          <p:cNvPr id="10" name="Picture 9" descr="A close up of a map&#10;&#10;Description automatically generated">
-            <a:extLst>
-              <a:ext uri="{FF2B5EF4-FFF2-40B4-BE49-F238E27FC236}">
-                <a16:creationId xmlns:a16="http://schemas.microsoft.com/office/drawing/2014/main" id="{CC1A4140-F4C3-4EC1-8A6F-784197D81A1B}"/>
-              </a:ext>
-            </a:extLst>
-          </p:cNvPr>
-          <p:cNvPicPr>
-            <a:picLocks/>
-          </p:cNvPicPr>
-          <p:nvPr/>
-        </p:nvPicPr>
-        <p:blipFill rotWithShape="1">
-          <a:blip r:embed="rId3">
-            <a:extLst>
-              <a:ext uri="{28A0092B-C50C-407E-A947-70E740481C1C}">
-                <a14:useLocalDpi xmlns:a14="http://schemas.microsoft.com/office/drawing/2010/main" val="0"/>
-              </a:ext>
-            </a:extLst>
-          </a:blip>
-          <a:srcRect l="30833" t="6779" b="15625"/>
-          <a:stretch/>
-        </p:blipFill>
-        <p:spPr>
-          <a:xfrm>
-            <a:off x="1371600" y="2054520"/>
-            <a:ext cx="7616952" cy="4572000"/>
-          </a:xfrm>
-          <a:prstGeom prst="rect">
-            <a:avLst/>
-          </a:prstGeom>
-          <a:solidFill>
-            <a:srgbClr val="FFFFFF">
-              <a:shade val="85000"/>
-            </a:srgbClr>
-          </a:solidFill>
-          <a:ln w="88900" cap="sq">
-            <a:solidFill>
-              <a:srgbClr val="FFFFFF"/>
-            </a:solidFill>
-            <a:miter lim="800000"/>
-          </a:ln>
-          <a:effectLst>
-            <a:outerShdw blurRad="55000" dist="18000" dir="5400000" algn="tl" rotWithShape="0">
-              <a:srgbClr val="000000">
-                <a:alpha val="40000"/>
-              </a:srgbClr>
-            </a:outerShdw>
-          </a:effectLst>
-          <a:scene3d>
-            <a:camera prst="orthographicFront"/>
-            <a:lightRig rig="twoPt" dir="t">
-              <a:rot lat="0" lon="0" rev="7200000"/>
-            </a:lightRig>
-          </a:scene3d>
-          <a:sp3d>
-            <a:bevelT w="25400" h="19050"/>
-            <a:contourClr>
-              <a:srgbClr val="FFFFFF"/>
-            </a:contourClr>
-          </a:sp3d>
-        </p:spPr>
-      </p:pic>
-      <p:sp>
-        <p:nvSpPr>
-          <p:cNvPr id="11" name="TextBox 10">
-            <a:extLst>
-              <a:ext uri="{FF2B5EF4-FFF2-40B4-BE49-F238E27FC236}">
-                <a16:creationId xmlns:a16="http://schemas.microsoft.com/office/drawing/2014/main" id="{E61925C7-D817-43EA-8456-CDBEF70E3EAF}"/>
-              </a:ext>
-            </a:extLst>
-          </p:cNvPr>
-          <p:cNvSpPr txBox="1"/>
-          <p:nvPr/>
-        </p:nvSpPr>
-        <p:spPr>
-          <a:xfrm>
-            <a:off x="1219200" y="1524000"/>
-            <a:ext cx="3009900" cy="461665"/>
-          </a:xfrm>
-          <a:prstGeom prst="rect">
-            <a:avLst/>
-          </a:prstGeom>
-          <a:noFill/>
-        </p:spPr>
-        <p:txBody>
-          <a:bodyPr wrap="square" rtlCol="0">
-            <a:spAutoFit/>
-          </a:bodyPr>
-          <a:lstStyle/>
-          <a:p>
-            <a:r>
-              <a:rPr lang="en-US" sz="2400" b="1" dirty="0"/>
-              <a:t>Incidents by Region</a:t>
-            </a:r>
-          </a:p>
-        </p:txBody>
-      </p:sp>
-    </p:spTree>
-    <p:extLst>
-      <p:ext uri="{BB962C8B-B14F-4D97-AF65-F5344CB8AC3E}">
-        <p14:creationId xmlns:p14="http://schemas.microsoft.com/office/powerpoint/2010/main" val="3382637159"/>
-      </p:ext>
-    </p:extLst>
-  </p:cSld>
-  <p:clrMapOvr>
-    <a:masterClrMapping/>
-  </p:clrMapOvr>
-</p:sld>
-</file>
-
-<file path=ppt/slides/slide50.xml><?xml version="1.0" encoding="utf-8"?>
+<file path=ppt/slides/slide51.xml><?xml version="1.0" encoding="utf-8"?>
 <p:sld xmlns:a="http://schemas.openxmlformats.org/drawingml/2006/main" xmlns:r="http://schemas.openxmlformats.org/officeDocument/2006/relationships" xmlns:p="http://schemas.openxmlformats.org/presentationml/2006/main">
   <p:cSld>
     <p:spTree>
@@ -35291,7 +35763,7 @@
           <p:nvPr>
             <p:extLst>
               <p:ext uri="{D42A27DB-BD31-4B8C-83A1-F6EECF244321}">
-                <p14:modId xmlns:p14="http://schemas.microsoft.com/office/powerpoint/2010/main" val="1767494937"/>
+                <p14:modId xmlns:p14="http://schemas.microsoft.com/office/powerpoint/2010/main" val="1049737487"/>
               </p:ext>
             </p:extLst>
           </p:nvPr>
@@ -35601,7 +36073,7 @@
 </p:sld>
 </file>
 
-<file path=ppt/slides/slide51.xml><?xml version="1.0" encoding="utf-8"?>
+<file path=ppt/slides/slide52.xml><?xml version="1.0" encoding="utf-8"?>
 <p:sld xmlns:a="http://schemas.openxmlformats.org/drawingml/2006/main" xmlns:r="http://schemas.openxmlformats.org/officeDocument/2006/relationships" xmlns:p="http://schemas.openxmlformats.org/presentationml/2006/main">
   <p:cSld>
     <p:spTree>
@@ -35706,8 +36178,21 @@
                   <a:srgbClr val="FF0000"/>
                 </a:solidFill>
               </a:rPr>
-              <a:t> ("rank deficiency in group high" error)</a:t>
-            </a:r>
+              <a:t> </a:t>
+            </a:r>
+            <a:r>
+              <a:rPr lang="en-US" sz="2400" dirty="0">
+                <a:solidFill>
+                  <a:schemeClr val="tx1"/>
+                </a:solidFill>
+              </a:rPr>
+              <a:t>("rank deficiency in group" error)</a:t>
+            </a:r>
+            <a:endParaRPr lang="en-US" sz="2800" dirty="0">
+              <a:solidFill>
+                <a:schemeClr val="tx1"/>
+              </a:solidFill>
+            </a:endParaRPr>
           </a:p>
           <a:p>
             <a:pPr marL="514350" indent="-514350">
@@ -35778,7 +36263,7 @@
 </p:sld>
 </file>
 
-<file path=ppt/slides/slide52.xml><?xml version="1.0" encoding="utf-8"?>
+<file path=ppt/slides/slide53.xml><?xml version="1.0" encoding="utf-8"?>
 <p:sld xmlns:a="http://schemas.openxmlformats.org/drawingml/2006/main" xmlns:r="http://schemas.openxmlformats.org/officeDocument/2006/relationships" xmlns:p="http://schemas.openxmlformats.org/presentationml/2006/main">
   <p:cSld>
     <p:spTree>
@@ -35990,7 +36475,7 @@
 </p:sld>
 </file>
 
-<file path=ppt/slides/slide53.xml><?xml version="1.0" encoding="utf-8"?>
+<file path=ppt/slides/slide54.xml><?xml version="1.0" encoding="utf-8"?>
 <p:sld xmlns:a="http://schemas.openxmlformats.org/drawingml/2006/main" xmlns:r="http://schemas.openxmlformats.org/officeDocument/2006/relationships" xmlns:p="http://schemas.openxmlformats.org/presentationml/2006/main">
   <p:cSld>
     <p:spTree>
@@ -37913,7 +38398,7 @@
 </p:sld>
 </file>
 
-<file path=ppt/slides/slide54.xml><?xml version="1.0" encoding="utf-8"?>
+<file path=ppt/slides/slide55.xml><?xml version="1.0" encoding="utf-8"?>
 <p:sld xmlns:a="http://schemas.openxmlformats.org/drawingml/2006/main" xmlns:r="http://schemas.openxmlformats.org/officeDocument/2006/relationships" xmlns:p="http://schemas.openxmlformats.org/presentationml/2006/main">
   <p:cSld>
     <p:spTree>
@@ -37980,7 +38465,7 @@
           <p:nvPr/>
         </p:nvPicPr>
         <p:blipFill rotWithShape="1">
-          <a:blip r:embed="rId2">
+          <a:blip r:embed="rId3">
             <a:clrChange>
               <a:clrFrom>
                 <a:srgbClr val="FFFFFF"/>
@@ -38023,7 +38508,7 @@
 </p:sld>
 </file>
 
-<file path=ppt/slides/slide55.xml><?xml version="1.0" encoding="utf-8"?>
+<file path=ppt/slides/slide56.xml><?xml version="1.0" encoding="utf-8"?>
 <p:sld xmlns:a="http://schemas.openxmlformats.org/drawingml/2006/main" xmlns:r="http://schemas.openxmlformats.org/officeDocument/2006/relationships" xmlns:p="http://schemas.openxmlformats.org/presentationml/2006/main">
   <p:cSld>
     <p:spTree>
@@ -38124,7 +38609,1393 @@
 </p:sld>
 </file>
 
-<file path=ppt/slides/slide56.xml><?xml version="1.0" encoding="utf-8"?>
+<file path=ppt/slides/slide57.xml><?xml version="1.0" encoding="utf-8"?>
+<p:sld xmlns:a="http://schemas.openxmlformats.org/drawingml/2006/main" xmlns:r="http://schemas.openxmlformats.org/officeDocument/2006/relationships" xmlns:p="http://schemas.openxmlformats.org/presentationml/2006/main">
+  <p:cSld>
+    <p:spTree>
+      <p:nvGrpSpPr>
+        <p:cNvPr id="1" name=""/>
+        <p:cNvGrpSpPr/>
+        <p:nvPr/>
+      </p:nvGrpSpPr>
+      <p:grpSpPr>
+        <a:xfrm>
+          <a:off x="0" y="0"/>
+          <a:ext cx="0" cy="0"/>
+          <a:chOff x="0" y="0"/>
+          <a:chExt cx="0" cy="0"/>
+        </a:xfrm>
+      </p:grpSpPr>
+      <p:sp>
+        <p:nvSpPr>
+          <p:cNvPr id="7" name="Rectangle 6">
+            <a:extLst>
+              <a:ext uri="{FF2B5EF4-FFF2-40B4-BE49-F238E27FC236}">
+                <a16:creationId xmlns:a16="http://schemas.microsoft.com/office/drawing/2014/main" id="{5A8A3B92-3EFC-45E6-A663-675E388F7AA8}"/>
+              </a:ext>
+            </a:extLst>
+          </p:cNvPr>
+          <p:cNvSpPr/>
+          <p:nvPr/>
+        </p:nvSpPr>
+        <p:spPr>
+          <a:xfrm>
+            <a:off x="4038600" y="5257800"/>
+            <a:ext cx="4953000" cy="1558290"/>
+          </a:xfrm>
+          <a:prstGeom prst="rect">
+            <a:avLst/>
+          </a:prstGeom>
+        </p:spPr>
+        <p:style>
+          <a:lnRef idx="1">
+            <a:schemeClr val="accent3"/>
+          </a:lnRef>
+          <a:fillRef idx="2">
+            <a:schemeClr val="accent3"/>
+          </a:fillRef>
+          <a:effectRef idx="1">
+            <a:schemeClr val="accent3"/>
+          </a:effectRef>
+          <a:fontRef idx="minor">
+            <a:schemeClr val="dk1"/>
+          </a:fontRef>
+        </p:style>
+        <p:txBody>
+          <a:bodyPr rtlCol="0" anchor="ctr"/>
+          <a:lstStyle/>
+          <a:p>
+            <a:pPr algn="ctr"/>
+            <a:endParaRPr lang="en-US"/>
+          </a:p>
+        </p:txBody>
+      </p:sp>
+      <p:sp>
+        <p:nvSpPr>
+          <p:cNvPr id="2" name="Title 1">
+            <a:extLst>
+              <a:ext uri="{FF2B5EF4-FFF2-40B4-BE49-F238E27FC236}">
+                <a16:creationId xmlns:a16="http://schemas.microsoft.com/office/drawing/2014/main" id="{478CE89F-9364-4783-A80D-58F8EFD3AA60}"/>
+              </a:ext>
+            </a:extLst>
+          </p:cNvPr>
+          <p:cNvSpPr>
+            <a:spLocks noGrp="1"/>
+          </p:cNvSpPr>
+          <p:nvPr>
+            <p:ph type="title"/>
+          </p:nvPr>
+        </p:nvSpPr>
+        <p:spPr/>
+        <p:txBody>
+          <a:bodyPr/>
+          <a:lstStyle/>
+          <a:p>
+            <a:r>
+              <a:rPr lang="en-US" dirty="0"/>
+              <a:t>Summary </a:t>
+            </a:r>
+            <a:br>
+              <a:rPr lang="en-US" dirty="0"/>
+            </a:br>
+            <a:r>
+              <a:rPr lang="en-US" dirty="0"/>
+              <a:t>(Predicting Risk of Attack)</a:t>
+            </a:r>
+          </a:p>
+        </p:txBody>
+      </p:sp>
+      <p:sp>
+        <p:nvSpPr>
+          <p:cNvPr id="3" name="Content Placeholder 2">
+            <a:extLst>
+              <a:ext uri="{FF2B5EF4-FFF2-40B4-BE49-F238E27FC236}">
+                <a16:creationId xmlns:a16="http://schemas.microsoft.com/office/drawing/2014/main" id="{117F6BE4-533B-48CD-82D1-FA311DDD8E59}"/>
+              </a:ext>
+            </a:extLst>
+          </p:cNvPr>
+          <p:cNvSpPr>
+            <a:spLocks noGrp="1"/>
+          </p:cNvSpPr>
+          <p:nvPr>
+            <p:ph idx="1"/>
+          </p:nvPr>
+        </p:nvSpPr>
+        <p:spPr>
+          <a:xfrm>
+            <a:off x="1028700" y="2286000"/>
+            <a:ext cx="7200900" cy="3242310"/>
+          </a:xfrm>
+        </p:spPr>
+        <p:txBody>
+          <a:bodyPr/>
+          <a:lstStyle/>
+          <a:p>
+            <a:r>
+              <a:rPr lang="en-US" dirty="0"/>
+              <a:t>Geographic variables highly predictive of risk</a:t>
+            </a:r>
+          </a:p>
+          <a:p>
+            <a:r>
+              <a:rPr lang="en-US" dirty="0" err="1"/>
+              <a:t>Kmeans</a:t>
+            </a:r>
+            <a:r>
+              <a:rPr lang="en-US" dirty="0"/>
+              <a:t> worked very well for determining highly predictive geographic clusters</a:t>
+            </a:r>
+          </a:p>
+          <a:p>
+            <a:pPr lvl="1"/>
+            <a:r>
+              <a:rPr lang="en-US" dirty="0"/>
+              <a:t>additional experimentation with cluster size needed</a:t>
+            </a:r>
+          </a:p>
+          <a:p>
+            <a:r>
+              <a:rPr lang="en-US" dirty="0"/>
+              <a:t>Most algorithms performed well (other than QDA), but Random Forest was the winner based on AUC</a:t>
+            </a:r>
+          </a:p>
+          <a:p>
+            <a:r>
+              <a:rPr lang="en-US" dirty="0"/>
+              <a:t>Confusion matrices for Random Forest vs SVM suggest that SVM may be superior if we want to minimize misclassification of high-risk as low-risk</a:t>
+            </a:r>
+          </a:p>
+          <a:p>
+            <a:endParaRPr lang="en-US" dirty="0"/>
+          </a:p>
+          <a:p>
+            <a:endParaRPr lang="en-US" dirty="0"/>
+          </a:p>
+        </p:txBody>
+      </p:sp>
+      <p:graphicFrame>
+        <p:nvGraphicFramePr>
+          <p:cNvPr id="5" name="Table 4">
+            <a:extLst>
+              <a:ext uri="{FF2B5EF4-FFF2-40B4-BE49-F238E27FC236}">
+                <a16:creationId xmlns:a16="http://schemas.microsoft.com/office/drawing/2014/main" id="{470FCEBF-74CB-4289-8A5A-CD79ECD1205C}"/>
+              </a:ext>
+            </a:extLst>
+          </p:cNvPr>
+          <p:cNvGraphicFramePr>
+            <a:graphicFrameLocks noGrp="1"/>
+          </p:cNvGraphicFramePr>
+          <p:nvPr>
+            <p:extLst>
+              <p:ext uri="{D42A27DB-BD31-4B8C-83A1-F6EECF244321}">
+                <p14:modId xmlns:p14="http://schemas.microsoft.com/office/powerpoint/2010/main" val="2685582460"/>
+              </p:ext>
+            </p:extLst>
+          </p:nvPr>
+        </p:nvGraphicFramePr>
+        <p:xfrm>
+          <a:off x="5029200" y="5429934"/>
+          <a:ext cx="3721100" cy="1396950"/>
+        </p:xfrm>
+        <a:graphic>
+          <a:graphicData uri="http://schemas.openxmlformats.org/drawingml/2006/table">
+            <a:tbl>
+              <a:tblPr/>
+              <a:tblGrid>
+                <a:gridCol w="482600">
+                  <a:extLst>
+                    <a:ext uri="{9D8B030D-6E8A-4147-A177-3AD203B41FA5}">
+                      <a16:colId xmlns:a16="http://schemas.microsoft.com/office/drawing/2014/main" val="1597401106"/>
+                    </a:ext>
+                  </a:extLst>
+                </a:gridCol>
+                <a:gridCol w="546100">
+                  <a:extLst>
+                    <a:ext uri="{9D8B030D-6E8A-4147-A177-3AD203B41FA5}">
+                      <a16:colId xmlns:a16="http://schemas.microsoft.com/office/drawing/2014/main" val="3636374955"/>
+                    </a:ext>
+                  </a:extLst>
+                </a:gridCol>
+                <a:gridCol w="508000">
+                  <a:extLst>
+                    <a:ext uri="{9D8B030D-6E8A-4147-A177-3AD203B41FA5}">
+                      <a16:colId xmlns:a16="http://schemas.microsoft.com/office/drawing/2014/main" val="58648250"/>
+                    </a:ext>
+                  </a:extLst>
+                </a:gridCol>
+                <a:gridCol w="546100">
+                  <a:extLst>
+                    <a:ext uri="{9D8B030D-6E8A-4147-A177-3AD203B41FA5}">
+                      <a16:colId xmlns:a16="http://schemas.microsoft.com/office/drawing/2014/main" val="1824869407"/>
+                    </a:ext>
+                  </a:extLst>
+                </a:gridCol>
+                <a:gridCol w="546100">
+                  <a:extLst>
+                    <a:ext uri="{9D8B030D-6E8A-4147-A177-3AD203B41FA5}">
+                      <a16:colId xmlns:a16="http://schemas.microsoft.com/office/drawing/2014/main" val="3589537482"/>
+                    </a:ext>
+                  </a:extLst>
+                </a:gridCol>
+                <a:gridCol w="546100">
+                  <a:extLst>
+                    <a:ext uri="{9D8B030D-6E8A-4147-A177-3AD203B41FA5}">
+                      <a16:colId xmlns:a16="http://schemas.microsoft.com/office/drawing/2014/main" val="2368826060"/>
+                    </a:ext>
+                  </a:extLst>
+                </a:gridCol>
+                <a:gridCol w="546100">
+                  <a:extLst>
+                    <a:ext uri="{9D8B030D-6E8A-4147-A177-3AD203B41FA5}">
+                      <a16:colId xmlns:a16="http://schemas.microsoft.com/office/drawing/2014/main" val="1639210709"/>
+                    </a:ext>
+                  </a:extLst>
+                </a:gridCol>
+              </a:tblGrid>
+              <a:tr h="246063">
+                <a:tc>
+                  <a:txBody>
+                    <a:bodyPr/>
+                    <a:lstStyle/>
+                    <a:p>
+                      <a:pPr algn="ctr" fontAlgn="b"/>
+                      <a:endParaRPr lang="en-US" sz="1600" b="0" i="0" u="none" strike="noStrike">
+                        <a:solidFill>
+                          <a:srgbClr val="000000"/>
+                        </a:solidFill>
+                        <a:effectLst/>
+                        <a:latin typeface="Consolas" panose="020B0609020204030204" pitchFamily="49" charset="0"/>
+                      </a:endParaRPr>
+                    </a:p>
+                  </a:txBody>
+                  <a:tcPr marL="7620" marR="7620" marT="7620" marB="0" anchor="b">
+                    <a:lnL>
+                      <a:noFill/>
+                    </a:lnL>
+                    <a:lnR>
+                      <a:noFill/>
+                    </a:lnR>
+                    <a:lnT>
+                      <a:noFill/>
+                    </a:lnT>
+                    <a:lnB>
+                      <a:noFill/>
+                    </a:lnB>
+                  </a:tcPr>
+                </a:tc>
+                <a:tc>
+                  <a:txBody>
+                    <a:bodyPr/>
+                    <a:lstStyle/>
+                    <a:p>
+                      <a:pPr algn="ctr" fontAlgn="b"/>
+                      <a:r>
+                        <a:rPr lang="en-US" sz="1600" b="1" i="0" u="none" strike="noStrike" dirty="0">
+                          <a:solidFill>
+                            <a:srgbClr val="000000"/>
+                          </a:solidFill>
+                          <a:effectLst/>
+                          <a:latin typeface="Consolas" panose="020B0609020204030204" pitchFamily="49" charset="0"/>
+                        </a:rPr>
+                        <a:t>Low</a:t>
+                      </a:r>
+                    </a:p>
+                  </a:txBody>
+                  <a:tcPr marL="7620" marR="7620" marT="7620" marB="0" anchor="b">
+                    <a:lnL>
+                      <a:noFill/>
+                    </a:lnL>
+                    <a:lnR>
+                      <a:noFill/>
+                    </a:lnR>
+                    <a:lnT>
+                      <a:noFill/>
+                    </a:lnT>
+                    <a:lnB>
+                      <a:noFill/>
+                    </a:lnB>
+                  </a:tcPr>
+                </a:tc>
+                <a:tc>
+                  <a:txBody>
+                    <a:bodyPr/>
+                    <a:lstStyle/>
+                    <a:p>
+                      <a:pPr algn="ctr" fontAlgn="b"/>
+                      <a:r>
+                        <a:rPr lang="en-US" sz="1600" b="1" i="0" u="none" strike="noStrike" dirty="0">
+                          <a:solidFill>
+                            <a:srgbClr val="000000"/>
+                          </a:solidFill>
+                          <a:effectLst/>
+                          <a:latin typeface="Consolas" panose="020B0609020204030204" pitchFamily="49" charset="0"/>
+                        </a:rPr>
+                        <a:t>High</a:t>
+                      </a:r>
+                    </a:p>
+                  </a:txBody>
+                  <a:tcPr marL="7620" marR="7620" marT="7620" marB="0" anchor="b">
+                    <a:lnL>
+                      <a:noFill/>
+                    </a:lnL>
+                    <a:lnR>
+                      <a:noFill/>
+                    </a:lnR>
+                    <a:lnT>
+                      <a:noFill/>
+                    </a:lnT>
+                    <a:lnB>
+                      <a:noFill/>
+                    </a:lnB>
+                  </a:tcPr>
+                </a:tc>
+                <a:tc>
+                  <a:txBody>
+                    <a:bodyPr/>
+                    <a:lstStyle/>
+                    <a:p>
+                      <a:pPr algn="l" fontAlgn="b"/>
+                      <a:endParaRPr lang="en-US" sz="1600" b="0" i="0" u="none" strike="noStrike">
+                        <a:solidFill>
+                          <a:srgbClr val="000000"/>
+                        </a:solidFill>
+                        <a:effectLst/>
+                        <a:latin typeface="Calibri" panose="020F0502020204030204" pitchFamily="34" charset="0"/>
+                      </a:endParaRPr>
+                    </a:p>
+                  </a:txBody>
+                  <a:tcPr marL="7620" marR="7620" marT="7620" marB="0" anchor="b">
+                    <a:lnL>
+                      <a:noFill/>
+                    </a:lnL>
+                    <a:lnR>
+                      <a:noFill/>
+                    </a:lnR>
+                    <a:lnT>
+                      <a:noFill/>
+                    </a:lnT>
+                    <a:lnB>
+                      <a:noFill/>
+                    </a:lnB>
+                  </a:tcPr>
+                </a:tc>
+                <a:tc>
+                  <a:txBody>
+                    <a:bodyPr/>
+                    <a:lstStyle/>
+                    <a:p>
+                      <a:pPr algn="ctr" fontAlgn="b"/>
+                      <a:endParaRPr lang="en-US" sz="1600" b="0" i="0" u="none" strike="noStrike">
+                        <a:solidFill>
+                          <a:srgbClr val="000000"/>
+                        </a:solidFill>
+                        <a:effectLst/>
+                        <a:latin typeface="Consolas" panose="020B0609020204030204" pitchFamily="49" charset="0"/>
+                      </a:endParaRPr>
+                    </a:p>
+                  </a:txBody>
+                  <a:tcPr marL="7620" marR="7620" marT="7620" marB="0" anchor="b">
+                    <a:lnL>
+                      <a:noFill/>
+                    </a:lnL>
+                    <a:lnR>
+                      <a:noFill/>
+                    </a:lnR>
+                    <a:lnT>
+                      <a:noFill/>
+                    </a:lnT>
+                    <a:lnB>
+                      <a:noFill/>
+                    </a:lnB>
+                  </a:tcPr>
+                </a:tc>
+                <a:tc>
+                  <a:txBody>
+                    <a:bodyPr/>
+                    <a:lstStyle/>
+                    <a:p>
+                      <a:pPr algn="ctr" fontAlgn="b"/>
+                      <a:r>
+                        <a:rPr lang="en-US" sz="1600" b="1" i="0" u="none" strike="noStrike" dirty="0">
+                          <a:solidFill>
+                            <a:srgbClr val="000000"/>
+                          </a:solidFill>
+                          <a:effectLst/>
+                          <a:latin typeface="Consolas" panose="020B0609020204030204" pitchFamily="49" charset="0"/>
+                        </a:rPr>
+                        <a:t>Low</a:t>
+                      </a:r>
+                    </a:p>
+                  </a:txBody>
+                  <a:tcPr marL="7620" marR="7620" marT="7620" marB="0" anchor="b">
+                    <a:lnL>
+                      <a:noFill/>
+                    </a:lnL>
+                    <a:lnR>
+                      <a:noFill/>
+                    </a:lnR>
+                    <a:lnT>
+                      <a:noFill/>
+                    </a:lnT>
+                    <a:lnB>
+                      <a:noFill/>
+                    </a:lnB>
+                  </a:tcPr>
+                </a:tc>
+                <a:tc>
+                  <a:txBody>
+                    <a:bodyPr/>
+                    <a:lstStyle/>
+                    <a:p>
+                      <a:pPr algn="ctr" fontAlgn="b"/>
+                      <a:r>
+                        <a:rPr lang="en-US" sz="1600" b="1" i="0" u="none" strike="noStrike" dirty="0">
+                          <a:solidFill>
+                            <a:srgbClr val="000000"/>
+                          </a:solidFill>
+                          <a:effectLst/>
+                          <a:latin typeface="Consolas" panose="020B0609020204030204" pitchFamily="49" charset="0"/>
+                        </a:rPr>
+                        <a:t>High</a:t>
+                      </a:r>
+                    </a:p>
+                  </a:txBody>
+                  <a:tcPr marL="7620" marR="7620" marT="7620" marB="0" anchor="b">
+                    <a:lnL>
+                      <a:noFill/>
+                    </a:lnL>
+                    <a:lnR>
+                      <a:noFill/>
+                    </a:lnR>
+                    <a:lnT>
+                      <a:noFill/>
+                    </a:lnT>
+                    <a:lnB>
+                      <a:noFill/>
+                    </a:lnB>
+                  </a:tcPr>
+                </a:tc>
+                <a:extLst>
+                  <a:ext uri="{0D108BD9-81ED-4DB2-BD59-A6C34878D82A}">
+                    <a16:rowId xmlns:a16="http://schemas.microsoft.com/office/drawing/2014/main" val="1573212039"/>
+                  </a:ext>
+                </a:extLst>
+              </a:tr>
+              <a:tr h="319882">
+                <a:tc>
+                  <a:txBody>
+                    <a:bodyPr/>
+                    <a:lstStyle/>
+                    <a:p>
+                      <a:pPr algn="ctr" fontAlgn="b"/>
+                      <a:r>
+                        <a:rPr lang="en-US" sz="1600" b="1" i="0" u="none" strike="noStrike" dirty="0">
+                          <a:solidFill>
+                            <a:srgbClr val="000000"/>
+                          </a:solidFill>
+                          <a:effectLst/>
+                          <a:latin typeface="Consolas" panose="020B0609020204030204" pitchFamily="49" charset="0"/>
+                        </a:rPr>
+                        <a:t>Low</a:t>
+                      </a:r>
+                    </a:p>
+                  </a:txBody>
+                  <a:tcPr marL="7620" marR="7620" marT="7620" marB="0" anchor="b">
+                    <a:lnL>
+                      <a:noFill/>
+                    </a:lnL>
+                    <a:lnR>
+                      <a:noFill/>
+                    </a:lnR>
+                    <a:lnT>
+                      <a:noFill/>
+                    </a:lnT>
+                    <a:lnB>
+                      <a:noFill/>
+                    </a:lnB>
+                  </a:tcPr>
+                </a:tc>
+                <a:tc>
+                  <a:txBody>
+                    <a:bodyPr/>
+                    <a:lstStyle/>
+                    <a:p>
+                      <a:pPr algn="r" fontAlgn="ctr"/>
+                      <a:r>
+                        <a:rPr lang="en-US" sz="1600" b="0" i="0" u="none" strike="noStrike">
+                          <a:solidFill>
+                            <a:srgbClr val="000000"/>
+                          </a:solidFill>
+                          <a:effectLst/>
+                          <a:latin typeface="Calibri" panose="020F0502020204030204" pitchFamily="34" charset="0"/>
+                        </a:rPr>
+                        <a:t>451</a:t>
+                      </a:r>
+                    </a:p>
+                  </a:txBody>
+                  <a:tcPr marL="7620" marR="7620" marT="7620" marB="0" anchor="ctr">
+                    <a:lnL>
+                      <a:noFill/>
+                    </a:lnL>
+                    <a:lnR>
+                      <a:noFill/>
+                    </a:lnR>
+                    <a:lnT>
+                      <a:noFill/>
+                    </a:lnT>
+                    <a:lnB>
+                      <a:noFill/>
+                    </a:lnB>
+                    <a:solidFill>
+                      <a:srgbClr val="A9D08E"/>
+                    </a:solidFill>
+                  </a:tcPr>
+                </a:tc>
+                <a:tc>
+                  <a:txBody>
+                    <a:bodyPr/>
+                    <a:lstStyle/>
+                    <a:p>
+                      <a:pPr algn="r" fontAlgn="ctr"/>
+                      <a:r>
+                        <a:rPr lang="en-US" sz="1600" b="0" i="0" u="none" strike="noStrike" dirty="0">
+                          <a:solidFill>
+                            <a:srgbClr val="FFFFFF"/>
+                          </a:solidFill>
+                          <a:effectLst/>
+                          <a:latin typeface="Calibri" panose="020F0502020204030204" pitchFamily="34" charset="0"/>
+                        </a:rPr>
+                        <a:t>16</a:t>
+                      </a:r>
+                    </a:p>
+                  </a:txBody>
+                  <a:tcPr marL="7620" marR="7620" marT="7620" marB="0" anchor="ctr">
+                    <a:lnL>
+                      <a:noFill/>
+                    </a:lnL>
+                    <a:lnR>
+                      <a:noFill/>
+                    </a:lnR>
+                    <a:lnT>
+                      <a:noFill/>
+                    </a:lnT>
+                    <a:lnB>
+                      <a:noFill/>
+                    </a:lnB>
+                    <a:solidFill>
+                      <a:srgbClr val="D86A6A"/>
+                    </a:solidFill>
+                  </a:tcPr>
+                </a:tc>
+                <a:tc>
+                  <a:txBody>
+                    <a:bodyPr/>
+                    <a:lstStyle/>
+                    <a:p>
+                      <a:pPr algn="l" fontAlgn="b"/>
+                      <a:endParaRPr lang="en-US" sz="1600" b="0" i="0" u="none" strike="noStrike" dirty="0">
+                        <a:solidFill>
+                          <a:srgbClr val="000000"/>
+                        </a:solidFill>
+                        <a:effectLst/>
+                        <a:latin typeface="Calibri" panose="020F0502020204030204" pitchFamily="34" charset="0"/>
+                      </a:endParaRPr>
+                    </a:p>
+                  </a:txBody>
+                  <a:tcPr marL="7620" marR="7620" marT="7620" marB="0" anchor="b">
+                    <a:lnL>
+                      <a:noFill/>
+                    </a:lnL>
+                    <a:lnR>
+                      <a:noFill/>
+                    </a:lnR>
+                    <a:lnT>
+                      <a:noFill/>
+                    </a:lnT>
+                    <a:lnB>
+                      <a:noFill/>
+                    </a:lnB>
+                  </a:tcPr>
+                </a:tc>
+                <a:tc>
+                  <a:txBody>
+                    <a:bodyPr/>
+                    <a:lstStyle/>
+                    <a:p>
+                      <a:pPr algn="ctr" fontAlgn="b"/>
+                      <a:r>
+                        <a:rPr lang="en-US" sz="1600" b="1" i="0" u="none" strike="noStrike" dirty="0">
+                          <a:solidFill>
+                            <a:srgbClr val="000000"/>
+                          </a:solidFill>
+                          <a:effectLst/>
+                          <a:latin typeface="Consolas" panose="020B0609020204030204" pitchFamily="49" charset="0"/>
+                        </a:rPr>
+                        <a:t>Low</a:t>
+                      </a:r>
+                    </a:p>
+                  </a:txBody>
+                  <a:tcPr marL="7620" marR="7620" marT="7620" marB="0" anchor="b">
+                    <a:lnL>
+                      <a:noFill/>
+                    </a:lnL>
+                    <a:lnR>
+                      <a:noFill/>
+                    </a:lnR>
+                    <a:lnT>
+                      <a:noFill/>
+                    </a:lnT>
+                    <a:lnB>
+                      <a:noFill/>
+                    </a:lnB>
+                  </a:tcPr>
+                </a:tc>
+                <a:tc>
+                  <a:txBody>
+                    <a:bodyPr/>
+                    <a:lstStyle/>
+                    <a:p>
+                      <a:pPr algn="r" fontAlgn="ctr"/>
+                      <a:r>
+                        <a:rPr lang="en-US" sz="1600" b="0" i="0" u="none" strike="noStrike" dirty="0">
+                          <a:solidFill>
+                            <a:srgbClr val="000000"/>
+                          </a:solidFill>
+                          <a:effectLst/>
+                          <a:latin typeface="Calibri" panose="020F0502020204030204" pitchFamily="34" charset="0"/>
+                        </a:rPr>
+                        <a:t>457</a:t>
+                      </a:r>
+                    </a:p>
+                  </a:txBody>
+                  <a:tcPr marL="7620" marR="7620" marT="7620" marB="0" anchor="ctr">
+                    <a:lnL>
+                      <a:noFill/>
+                    </a:lnL>
+                    <a:lnR>
+                      <a:noFill/>
+                    </a:lnR>
+                    <a:lnT>
+                      <a:noFill/>
+                    </a:lnT>
+                    <a:lnB>
+                      <a:noFill/>
+                    </a:lnB>
+                    <a:solidFill>
+                      <a:srgbClr val="A9D08E"/>
+                    </a:solidFill>
+                  </a:tcPr>
+                </a:tc>
+                <a:tc>
+                  <a:txBody>
+                    <a:bodyPr/>
+                    <a:lstStyle/>
+                    <a:p>
+                      <a:pPr algn="r" fontAlgn="ctr"/>
+                      <a:r>
+                        <a:rPr lang="en-US" sz="1600" b="0" i="0" u="none" strike="noStrike" dirty="0">
+                          <a:solidFill>
+                            <a:srgbClr val="FFFFFF"/>
+                          </a:solidFill>
+                          <a:effectLst/>
+                          <a:latin typeface="Calibri" panose="020F0502020204030204" pitchFamily="34" charset="0"/>
+                        </a:rPr>
+                        <a:t>10</a:t>
+                      </a:r>
+                    </a:p>
+                  </a:txBody>
+                  <a:tcPr marL="7620" marR="7620" marT="7620" marB="0" anchor="ctr">
+                    <a:lnL>
+                      <a:noFill/>
+                    </a:lnL>
+                    <a:lnR>
+                      <a:noFill/>
+                    </a:lnR>
+                    <a:lnT>
+                      <a:noFill/>
+                    </a:lnT>
+                    <a:lnB>
+                      <a:noFill/>
+                    </a:lnB>
+                    <a:solidFill>
+                      <a:srgbClr val="D86A6A"/>
+                    </a:solidFill>
+                  </a:tcPr>
+                </a:tc>
+                <a:extLst>
+                  <a:ext uri="{0D108BD9-81ED-4DB2-BD59-A6C34878D82A}">
+                    <a16:rowId xmlns:a16="http://schemas.microsoft.com/office/drawing/2014/main" val="4101417980"/>
+                  </a:ext>
+                </a:extLst>
+              </a:tr>
+              <a:tr h="287074">
+                <a:tc>
+                  <a:txBody>
+                    <a:bodyPr/>
+                    <a:lstStyle/>
+                    <a:p>
+                      <a:pPr algn="ctr" fontAlgn="b"/>
+                      <a:r>
+                        <a:rPr lang="en-US" sz="1600" b="1" i="0" u="none" strike="noStrike">
+                          <a:solidFill>
+                            <a:srgbClr val="000000"/>
+                          </a:solidFill>
+                          <a:effectLst/>
+                          <a:latin typeface="Consolas" panose="020B0609020204030204" pitchFamily="49" charset="0"/>
+                        </a:rPr>
+                        <a:t>High</a:t>
+                      </a:r>
+                    </a:p>
+                  </a:txBody>
+                  <a:tcPr marL="7620" marR="7620" marT="7620" marB="0" anchor="b">
+                    <a:lnL>
+                      <a:noFill/>
+                    </a:lnL>
+                    <a:lnR>
+                      <a:noFill/>
+                    </a:lnR>
+                    <a:lnT>
+                      <a:noFill/>
+                    </a:lnT>
+                    <a:lnB>
+                      <a:noFill/>
+                    </a:lnB>
+                  </a:tcPr>
+                </a:tc>
+                <a:tc>
+                  <a:txBody>
+                    <a:bodyPr/>
+                    <a:lstStyle/>
+                    <a:p>
+                      <a:pPr algn="r" fontAlgn="ctr"/>
+                      <a:r>
+                        <a:rPr lang="en-US" sz="1600" b="0" i="0" u="none" strike="noStrike">
+                          <a:solidFill>
+                            <a:srgbClr val="FFFFFF"/>
+                          </a:solidFill>
+                          <a:effectLst/>
+                          <a:latin typeface="Calibri" panose="020F0502020204030204" pitchFamily="34" charset="0"/>
+                        </a:rPr>
+                        <a:t>14</a:t>
+                      </a:r>
+                    </a:p>
+                  </a:txBody>
+                  <a:tcPr marL="7620" marR="7620" marT="7620" marB="0" anchor="ctr">
+                    <a:lnL>
+                      <a:noFill/>
+                    </a:lnL>
+                    <a:lnR>
+                      <a:noFill/>
+                    </a:lnR>
+                    <a:lnT>
+                      <a:noFill/>
+                    </a:lnT>
+                    <a:lnB>
+                      <a:noFill/>
+                    </a:lnB>
+                    <a:solidFill>
+                      <a:srgbClr val="D86A6A"/>
+                    </a:solidFill>
+                  </a:tcPr>
+                </a:tc>
+                <a:tc>
+                  <a:txBody>
+                    <a:bodyPr/>
+                    <a:lstStyle/>
+                    <a:p>
+                      <a:pPr algn="r" fontAlgn="ctr"/>
+                      <a:r>
+                        <a:rPr lang="en-US" sz="1600" b="0" i="0" u="none" strike="noStrike">
+                          <a:solidFill>
+                            <a:srgbClr val="000000"/>
+                          </a:solidFill>
+                          <a:effectLst/>
+                          <a:latin typeface="Calibri" panose="020F0502020204030204" pitchFamily="34" charset="0"/>
+                        </a:rPr>
+                        <a:t>38</a:t>
+                      </a:r>
+                    </a:p>
+                  </a:txBody>
+                  <a:tcPr marL="7620" marR="7620" marT="7620" marB="0" anchor="ctr">
+                    <a:lnL>
+                      <a:noFill/>
+                    </a:lnL>
+                    <a:lnR>
+                      <a:noFill/>
+                    </a:lnR>
+                    <a:lnT>
+                      <a:noFill/>
+                    </a:lnT>
+                    <a:lnB>
+                      <a:noFill/>
+                    </a:lnB>
+                    <a:solidFill>
+                      <a:srgbClr val="A9D08E"/>
+                    </a:solidFill>
+                  </a:tcPr>
+                </a:tc>
+                <a:tc>
+                  <a:txBody>
+                    <a:bodyPr/>
+                    <a:lstStyle/>
+                    <a:p>
+                      <a:pPr algn="l" fontAlgn="b"/>
+                      <a:endParaRPr lang="en-US" sz="1600" b="0" i="0" u="none" strike="noStrike">
+                        <a:solidFill>
+                          <a:srgbClr val="000000"/>
+                        </a:solidFill>
+                        <a:effectLst/>
+                        <a:latin typeface="Calibri" panose="020F0502020204030204" pitchFamily="34" charset="0"/>
+                      </a:endParaRPr>
+                    </a:p>
+                  </a:txBody>
+                  <a:tcPr marL="7620" marR="7620" marT="7620" marB="0" anchor="b">
+                    <a:lnL>
+                      <a:noFill/>
+                    </a:lnL>
+                    <a:lnR>
+                      <a:noFill/>
+                    </a:lnR>
+                    <a:lnT>
+                      <a:noFill/>
+                    </a:lnT>
+                    <a:lnB>
+                      <a:noFill/>
+                    </a:lnB>
+                  </a:tcPr>
+                </a:tc>
+                <a:tc>
+                  <a:txBody>
+                    <a:bodyPr/>
+                    <a:lstStyle/>
+                    <a:p>
+                      <a:pPr algn="ctr" fontAlgn="b"/>
+                      <a:r>
+                        <a:rPr lang="en-US" sz="1600" b="1" i="0" u="none" strike="noStrike">
+                          <a:solidFill>
+                            <a:srgbClr val="000000"/>
+                          </a:solidFill>
+                          <a:effectLst/>
+                          <a:latin typeface="Consolas" panose="020B0609020204030204" pitchFamily="49" charset="0"/>
+                        </a:rPr>
+                        <a:t>High</a:t>
+                      </a:r>
+                    </a:p>
+                  </a:txBody>
+                  <a:tcPr marL="7620" marR="7620" marT="7620" marB="0" anchor="b">
+                    <a:lnL>
+                      <a:noFill/>
+                    </a:lnL>
+                    <a:lnR>
+                      <a:noFill/>
+                    </a:lnR>
+                    <a:lnT>
+                      <a:noFill/>
+                    </a:lnT>
+                    <a:lnB>
+                      <a:noFill/>
+                    </a:lnB>
+                  </a:tcPr>
+                </a:tc>
+                <a:tc>
+                  <a:txBody>
+                    <a:bodyPr/>
+                    <a:lstStyle/>
+                    <a:p>
+                      <a:pPr algn="r" fontAlgn="ctr"/>
+                      <a:r>
+                        <a:rPr lang="en-US" sz="1600" b="0" i="0" u="none" strike="noStrike">
+                          <a:solidFill>
+                            <a:srgbClr val="FFFFFF"/>
+                          </a:solidFill>
+                          <a:effectLst/>
+                          <a:latin typeface="Calibri" panose="020F0502020204030204" pitchFamily="34" charset="0"/>
+                        </a:rPr>
+                        <a:t>20</a:t>
+                      </a:r>
+                    </a:p>
+                  </a:txBody>
+                  <a:tcPr marL="7620" marR="7620" marT="7620" marB="0" anchor="ctr">
+                    <a:lnL>
+                      <a:noFill/>
+                    </a:lnL>
+                    <a:lnR>
+                      <a:noFill/>
+                    </a:lnR>
+                    <a:lnT>
+                      <a:noFill/>
+                    </a:lnT>
+                    <a:lnB>
+                      <a:noFill/>
+                    </a:lnB>
+                    <a:solidFill>
+                      <a:srgbClr val="D86A6A"/>
+                    </a:solidFill>
+                  </a:tcPr>
+                </a:tc>
+                <a:tc>
+                  <a:txBody>
+                    <a:bodyPr/>
+                    <a:lstStyle/>
+                    <a:p>
+                      <a:pPr algn="r" fontAlgn="ctr"/>
+                      <a:r>
+                        <a:rPr lang="en-US" sz="1600" b="0" i="0" u="none" strike="noStrike" dirty="0">
+                          <a:solidFill>
+                            <a:srgbClr val="000000"/>
+                          </a:solidFill>
+                          <a:effectLst/>
+                          <a:latin typeface="Calibri" panose="020F0502020204030204" pitchFamily="34" charset="0"/>
+                        </a:rPr>
+                        <a:t>32</a:t>
+                      </a:r>
+                    </a:p>
+                  </a:txBody>
+                  <a:tcPr marL="7620" marR="7620" marT="7620" marB="0" anchor="ctr">
+                    <a:lnL>
+                      <a:noFill/>
+                    </a:lnL>
+                    <a:lnR>
+                      <a:noFill/>
+                    </a:lnR>
+                    <a:lnT>
+                      <a:noFill/>
+                    </a:lnT>
+                    <a:lnB>
+                      <a:noFill/>
+                    </a:lnB>
+                    <a:solidFill>
+                      <a:srgbClr val="A9D08E"/>
+                    </a:solidFill>
+                  </a:tcPr>
+                </a:tc>
+                <a:extLst>
+                  <a:ext uri="{0D108BD9-81ED-4DB2-BD59-A6C34878D82A}">
+                    <a16:rowId xmlns:a16="http://schemas.microsoft.com/office/drawing/2014/main" val="1888466839"/>
+                  </a:ext>
+                </a:extLst>
+              </a:tr>
+              <a:tr h="246063">
+                <a:tc>
+                  <a:txBody>
+                    <a:bodyPr/>
+                    <a:lstStyle/>
+                    <a:p>
+                      <a:pPr algn="l" fontAlgn="b"/>
+                      <a:endParaRPr lang="en-US" sz="1600" b="0" i="0" u="none" strike="noStrike">
+                        <a:solidFill>
+                          <a:srgbClr val="000000"/>
+                        </a:solidFill>
+                        <a:effectLst/>
+                        <a:latin typeface="Calibri" panose="020F0502020204030204" pitchFamily="34" charset="0"/>
+                      </a:endParaRPr>
+                    </a:p>
+                  </a:txBody>
+                  <a:tcPr marL="7620" marR="7620" marT="7620" marB="0" anchor="b">
+                    <a:lnL>
+                      <a:noFill/>
+                    </a:lnL>
+                    <a:lnR>
+                      <a:noFill/>
+                    </a:lnR>
+                    <a:lnT>
+                      <a:noFill/>
+                    </a:lnT>
+                    <a:lnB>
+                      <a:noFill/>
+                    </a:lnB>
+                  </a:tcPr>
+                </a:tc>
+                <a:tc>
+                  <a:txBody>
+                    <a:bodyPr/>
+                    <a:lstStyle/>
+                    <a:p>
+                      <a:pPr algn="l" fontAlgn="b"/>
+                      <a:endParaRPr lang="en-US" sz="1600" b="0" i="0" u="none" strike="noStrike">
+                        <a:solidFill>
+                          <a:srgbClr val="000000"/>
+                        </a:solidFill>
+                        <a:effectLst/>
+                        <a:latin typeface="Calibri" panose="020F0502020204030204" pitchFamily="34" charset="0"/>
+                      </a:endParaRPr>
+                    </a:p>
+                  </a:txBody>
+                  <a:tcPr marL="7620" marR="7620" marT="7620" marB="0" anchor="b">
+                    <a:lnL>
+                      <a:noFill/>
+                    </a:lnL>
+                    <a:lnR>
+                      <a:noFill/>
+                    </a:lnR>
+                    <a:lnT>
+                      <a:noFill/>
+                    </a:lnT>
+                    <a:lnB>
+                      <a:noFill/>
+                    </a:lnB>
+                  </a:tcPr>
+                </a:tc>
+                <a:tc>
+                  <a:txBody>
+                    <a:bodyPr/>
+                    <a:lstStyle/>
+                    <a:p>
+                      <a:pPr algn="l" fontAlgn="b"/>
+                      <a:endParaRPr lang="en-US" sz="1600" b="0" i="0" u="none" strike="noStrike">
+                        <a:solidFill>
+                          <a:srgbClr val="000000"/>
+                        </a:solidFill>
+                        <a:effectLst/>
+                        <a:latin typeface="Calibri" panose="020F0502020204030204" pitchFamily="34" charset="0"/>
+                      </a:endParaRPr>
+                    </a:p>
+                  </a:txBody>
+                  <a:tcPr marL="7620" marR="7620" marT="7620" marB="0" anchor="b">
+                    <a:lnL>
+                      <a:noFill/>
+                    </a:lnL>
+                    <a:lnR>
+                      <a:noFill/>
+                    </a:lnR>
+                    <a:lnT>
+                      <a:noFill/>
+                    </a:lnT>
+                    <a:lnB>
+                      <a:noFill/>
+                    </a:lnB>
+                  </a:tcPr>
+                </a:tc>
+                <a:tc>
+                  <a:txBody>
+                    <a:bodyPr/>
+                    <a:lstStyle/>
+                    <a:p>
+                      <a:pPr algn="l" fontAlgn="b"/>
+                      <a:endParaRPr lang="en-US" sz="1600" b="0" i="0" u="none" strike="noStrike">
+                        <a:solidFill>
+                          <a:srgbClr val="000000"/>
+                        </a:solidFill>
+                        <a:effectLst/>
+                        <a:latin typeface="Calibri" panose="020F0502020204030204" pitchFamily="34" charset="0"/>
+                      </a:endParaRPr>
+                    </a:p>
+                  </a:txBody>
+                  <a:tcPr marL="7620" marR="7620" marT="7620" marB="0" anchor="b">
+                    <a:lnL>
+                      <a:noFill/>
+                    </a:lnL>
+                    <a:lnR>
+                      <a:noFill/>
+                    </a:lnR>
+                    <a:lnT>
+                      <a:noFill/>
+                    </a:lnT>
+                    <a:lnB>
+                      <a:noFill/>
+                    </a:lnB>
+                  </a:tcPr>
+                </a:tc>
+                <a:tc>
+                  <a:txBody>
+                    <a:bodyPr/>
+                    <a:lstStyle/>
+                    <a:p>
+                      <a:pPr algn="l" fontAlgn="b"/>
+                      <a:endParaRPr lang="en-US" sz="1600" b="0" i="0" u="none" strike="noStrike">
+                        <a:solidFill>
+                          <a:srgbClr val="000000"/>
+                        </a:solidFill>
+                        <a:effectLst/>
+                        <a:latin typeface="Calibri" panose="020F0502020204030204" pitchFamily="34" charset="0"/>
+                      </a:endParaRPr>
+                    </a:p>
+                  </a:txBody>
+                  <a:tcPr marL="7620" marR="7620" marT="7620" marB="0" anchor="b">
+                    <a:lnL>
+                      <a:noFill/>
+                    </a:lnL>
+                    <a:lnR>
+                      <a:noFill/>
+                    </a:lnR>
+                    <a:lnT>
+                      <a:noFill/>
+                    </a:lnT>
+                    <a:lnB>
+                      <a:noFill/>
+                    </a:lnB>
+                  </a:tcPr>
+                </a:tc>
+                <a:tc>
+                  <a:txBody>
+                    <a:bodyPr/>
+                    <a:lstStyle/>
+                    <a:p>
+                      <a:pPr algn="l" fontAlgn="b"/>
+                      <a:endParaRPr lang="en-US" sz="1600" b="0" i="0" u="none" strike="noStrike">
+                        <a:solidFill>
+                          <a:srgbClr val="000000"/>
+                        </a:solidFill>
+                        <a:effectLst/>
+                        <a:latin typeface="Calibri" panose="020F0502020204030204" pitchFamily="34" charset="0"/>
+                      </a:endParaRPr>
+                    </a:p>
+                  </a:txBody>
+                  <a:tcPr marL="7620" marR="7620" marT="7620" marB="0" anchor="b">
+                    <a:lnL>
+                      <a:noFill/>
+                    </a:lnL>
+                    <a:lnR>
+                      <a:noFill/>
+                    </a:lnR>
+                    <a:lnT>
+                      <a:noFill/>
+                    </a:lnT>
+                    <a:lnB>
+                      <a:noFill/>
+                    </a:lnB>
+                  </a:tcPr>
+                </a:tc>
+                <a:tc>
+                  <a:txBody>
+                    <a:bodyPr/>
+                    <a:lstStyle/>
+                    <a:p>
+                      <a:pPr algn="l" fontAlgn="b"/>
+                      <a:endParaRPr lang="en-US" sz="1600" b="0" i="0" u="none" strike="noStrike" dirty="0">
+                        <a:solidFill>
+                          <a:srgbClr val="000000"/>
+                        </a:solidFill>
+                        <a:effectLst/>
+                        <a:latin typeface="Calibri" panose="020F0502020204030204" pitchFamily="34" charset="0"/>
+                      </a:endParaRPr>
+                    </a:p>
+                  </a:txBody>
+                  <a:tcPr marL="7620" marR="7620" marT="7620" marB="0" anchor="b">
+                    <a:lnL>
+                      <a:noFill/>
+                    </a:lnL>
+                    <a:lnR>
+                      <a:noFill/>
+                    </a:lnR>
+                    <a:lnT>
+                      <a:noFill/>
+                    </a:lnT>
+                    <a:lnB>
+                      <a:noFill/>
+                    </a:lnB>
+                  </a:tcPr>
+                </a:tc>
+                <a:extLst>
+                  <a:ext uri="{0D108BD9-81ED-4DB2-BD59-A6C34878D82A}">
+                    <a16:rowId xmlns:a16="http://schemas.microsoft.com/office/drawing/2014/main" val="3216604544"/>
+                  </a:ext>
+                </a:extLst>
+              </a:tr>
+              <a:tr h="287074">
+                <a:tc gridSpan="3">
+                  <a:txBody>
+                    <a:bodyPr/>
+                    <a:lstStyle/>
+                    <a:p>
+                      <a:pPr algn="ctr" fontAlgn="b"/>
+                      <a:r>
+                        <a:rPr lang="en-US" sz="1600" b="1" i="0" u="none" strike="noStrike">
+                          <a:solidFill>
+                            <a:srgbClr val="000000"/>
+                          </a:solidFill>
+                          <a:effectLst/>
+                          <a:latin typeface="Calibri" panose="020F0502020204030204" pitchFamily="34" charset="0"/>
+                        </a:rPr>
+                        <a:t>Random Forest</a:t>
+                      </a:r>
+                    </a:p>
+                  </a:txBody>
+                  <a:tcPr marL="7620" marR="7620" marT="7620" marB="0" anchor="b">
+                    <a:lnL>
+                      <a:noFill/>
+                    </a:lnL>
+                    <a:lnR>
+                      <a:noFill/>
+                    </a:lnR>
+                    <a:lnT>
+                      <a:noFill/>
+                    </a:lnT>
+                    <a:lnB>
+                      <a:noFill/>
+                    </a:lnB>
+                  </a:tcPr>
+                </a:tc>
+                <a:tc hMerge="1">
+                  <a:txBody>
+                    <a:bodyPr/>
+                    <a:lstStyle/>
+                    <a:p>
+                      <a:endParaRPr lang="en-US"/>
+                    </a:p>
+                  </a:txBody>
+                  <a:tcPr/>
+                </a:tc>
+                <a:tc hMerge="1">
+                  <a:txBody>
+                    <a:bodyPr/>
+                    <a:lstStyle/>
+                    <a:p>
+                      <a:endParaRPr lang="en-US"/>
+                    </a:p>
+                  </a:txBody>
+                  <a:tcPr/>
+                </a:tc>
+                <a:tc>
+                  <a:txBody>
+                    <a:bodyPr/>
+                    <a:lstStyle/>
+                    <a:p>
+                      <a:pPr algn="l" fontAlgn="b"/>
+                      <a:endParaRPr lang="en-US" sz="1400" b="1" i="0" u="none" strike="noStrike">
+                        <a:solidFill>
+                          <a:srgbClr val="000000"/>
+                        </a:solidFill>
+                        <a:effectLst/>
+                        <a:latin typeface="Calibri" panose="020F0502020204030204" pitchFamily="34" charset="0"/>
+                      </a:endParaRPr>
+                    </a:p>
+                  </a:txBody>
+                  <a:tcPr marL="7620" marR="7620" marT="7620" marB="0" anchor="b">
+                    <a:lnL>
+                      <a:noFill/>
+                    </a:lnL>
+                    <a:lnR>
+                      <a:noFill/>
+                    </a:lnR>
+                    <a:lnT>
+                      <a:noFill/>
+                    </a:lnT>
+                    <a:lnB>
+                      <a:noFill/>
+                    </a:lnB>
+                  </a:tcPr>
+                </a:tc>
+                <a:tc gridSpan="3">
+                  <a:txBody>
+                    <a:bodyPr/>
+                    <a:lstStyle/>
+                    <a:p>
+                      <a:pPr algn="ctr" fontAlgn="b"/>
+                      <a:r>
+                        <a:rPr lang="en-US" sz="1600" b="1" i="0" u="none" strike="noStrike" dirty="0">
+                          <a:solidFill>
+                            <a:srgbClr val="000000"/>
+                          </a:solidFill>
+                          <a:effectLst/>
+                          <a:latin typeface="Calibri" panose="020F0502020204030204" pitchFamily="34" charset="0"/>
+                        </a:rPr>
+                        <a:t>SVMs</a:t>
+                      </a:r>
+                    </a:p>
+                  </a:txBody>
+                  <a:tcPr marL="7620" marR="7620" marT="7620" marB="0" anchor="b">
+                    <a:lnL>
+                      <a:noFill/>
+                    </a:lnL>
+                    <a:lnR>
+                      <a:noFill/>
+                    </a:lnR>
+                    <a:lnT>
+                      <a:noFill/>
+                    </a:lnT>
+                    <a:lnB>
+                      <a:noFill/>
+                    </a:lnB>
+                  </a:tcPr>
+                </a:tc>
+                <a:tc hMerge="1">
+                  <a:txBody>
+                    <a:bodyPr/>
+                    <a:lstStyle/>
+                    <a:p>
+                      <a:endParaRPr lang="en-US"/>
+                    </a:p>
+                  </a:txBody>
+                  <a:tcPr/>
+                </a:tc>
+                <a:tc hMerge="1">
+                  <a:txBody>
+                    <a:bodyPr/>
+                    <a:lstStyle/>
+                    <a:p>
+                      <a:endParaRPr lang="en-US"/>
+                    </a:p>
+                  </a:txBody>
+                  <a:tcPr/>
+                </a:tc>
+                <a:extLst>
+                  <a:ext uri="{0D108BD9-81ED-4DB2-BD59-A6C34878D82A}">
+                    <a16:rowId xmlns:a16="http://schemas.microsoft.com/office/drawing/2014/main" val="1800463083"/>
+                  </a:ext>
+                </a:extLst>
+              </a:tr>
+            </a:tbl>
+          </a:graphicData>
+        </a:graphic>
+      </p:graphicFrame>
+      <p:sp>
+        <p:nvSpPr>
+          <p:cNvPr id="6" name="TextBox 5">
+            <a:extLst>
+              <a:ext uri="{FF2B5EF4-FFF2-40B4-BE49-F238E27FC236}">
+                <a16:creationId xmlns:a16="http://schemas.microsoft.com/office/drawing/2014/main" id="{A847CAE7-FBC7-4F5B-87B0-1A15873963CB}"/>
+              </a:ext>
+            </a:extLst>
+          </p:cNvPr>
+          <p:cNvSpPr txBox="1"/>
+          <p:nvPr/>
+        </p:nvSpPr>
+        <p:spPr>
+          <a:xfrm>
+            <a:off x="4038600" y="5257800"/>
+            <a:ext cx="923330" cy="1558290"/>
+          </a:xfrm>
+          <a:prstGeom prst="rect">
+            <a:avLst/>
+          </a:prstGeom>
+          <a:noFill/>
+        </p:spPr>
+        <p:txBody>
+          <a:bodyPr vert="vert270" wrap="square" rtlCol="0">
+            <a:spAutoFit/>
+          </a:bodyPr>
+          <a:lstStyle/>
+          <a:p>
+            <a:pPr algn="ctr"/>
+            <a:r>
+              <a:rPr lang="en-US" sz="2400" b="1" dirty="0"/>
+              <a:t>Confusion</a:t>
+            </a:r>
+          </a:p>
+          <a:p>
+            <a:pPr algn="ctr"/>
+            <a:r>
+              <a:rPr lang="en-US" sz="2400" b="1" dirty="0"/>
+              <a:t>Matrices</a:t>
+            </a:r>
+          </a:p>
+        </p:txBody>
+      </p:sp>
+    </p:spTree>
+    <p:extLst>
+      <p:ext uri="{BB962C8B-B14F-4D97-AF65-F5344CB8AC3E}">
+        <p14:creationId xmlns:p14="http://schemas.microsoft.com/office/powerpoint/2010/main" val="2014314798"/>
+      </p:ext>
+    </p:extLst>
+  </p:cSld>
+  <p:clrMapOvr>
+    <a:masterClrMapping/>
+  </p:clrMapOvr>
+</p:sld>
+</file>
+
+<file path=ppt/slides/slide58.xml><?xml version="1.0" encoding="utf-8"?>
 <p:sld xmlns:a="http://schemas.openxmlformats.org/drawingml/2006/main" xmlns:r="http://schemas.openxmlformats.org/officeDocument/2006/relationships" xmlns:p="http://schemas.openxmlformats.org/presentationml/2006/main">
   <p:cSld>
     <p:spTree>
@@ -38171,45 +40042,6 @@
       </p:sp>
       <p:pic>
         <p:nvPicPr>
-          <p:cNvPr id="5" name="Graphic 4" descr="Question mark">
-            <a:extLst>
-              <a:ext uri="{FF2B5EF4-FFF2-40B4-BE49-F238E27FC236}">
-                <a16:creationId xmlns:a16="http://schemas.microsoft.com/office/drawing/2014/main" id="{BAFD7E4B-5FB1-4072-AC98-BBDF23AE1459}"/>
-              </a:ext>
-            </a:extLst>
-          </p:cNvPr>
-          <p:cNvPicPr>
-            <a:picLocks noChangeAspect="1"/>
-          </p:cNvPicPr>
-          <p:nvPr/>
-        </p:nvPicPr>
-        <p:blipFill>
-          <a:blip r:embed="rId2">
-            <a:extLst>
-              <a:ext uri="{28A0092B-C50C-407E-A947-70E740481C1C}">
-                <a14:useLocalDpi xmlns:a14="http://schemas.microsoft.com/office/drawing/2010/main" val="0"/>
-              </a:ext>
-              <a:ext uri="{96DAC541-7B7A-43D3-8B79-37D633B846F1}">
-                <asvg:svgBlip xmlns:asvg="http://schemas.microsoft.com/office/drawing/2016/SVG/main" r:embed="rId3"/>
-              </a:ext>
-            </a:extLst>
-          </a:blip>
-          <a:stretch>
-            <a:fillRect/>
-          </a:stretch>
-        </p:blipFill>
-        <p:spPr>
-          <a:xfrm>
-            <a:off x="4114800" y="3619499"/>
-            <a:ext cx="914400" cy="914400"/>
-          </a:xfrm>
-          <a:prstGeom prst="rect">
-            <a:avLst/>
-          </a:prstGeom>
-        </p:spPr>
-      </p:pic>
-      <p:pic>
-        <p:nvPicPr>
           <p:cNvPr id="7" name="Graphic 6" descr="Exclamation mark">
             <a:extLst>
               <a:ext uri="{FF2B5EF4-FFF2-40B4-BE49-F238E27FC236}">
@@ -38223,13 +40055,13 @@
           <p:nvPr/>
         </p:nvPicPr>
         <p:blipFill>
-          <a:blip r:embed="rId4">
+          <a:blip r:embed="rId3">
             <a:extLst>
               <a:ext uri="{28A0092B-C50C-407E-A947-70E740481C1C}">
                 <a14:useLocalDpi xmlns:a14="http://schemas.microsoft.com/office/drawing/2010/main" val="0"/>
               </a:ext>
               <a:ext uri="{96DAC541-7B7A-43D3-8B79-37D633B846F1}">
-                <asvg:svgBlip xmlns:asvg="http://schemas.microsoft.com/office/drawing/2016/SVG/main" r:embed="rId5"/>
+                <asvg:svgBlip xmlns:asvg="http://schemas.microsoft.com/office/drawing/2016/SVG/main" r:embed="rId4"/>
               </a:ext>
             </a:extLst>
           </a:blip>
@@ -38239,8 +40071,8 @@
         </p:blipFill>
         <p:spPr>
           <a:xfrm>
-            <a:off x="3171724" y="5334000"/>
-            <a:ext cx="914400" cy="914400"/>
+            <a:off x="1371600" y="2730490"/>
+            <a:ext cx="1412985" cy="1412985"/>
           </a:xfrm>
           <a:prstGeom prst="rect">
             <a:avLst/>
@@ -38262,13 +40094,13 @@
           <p:nvPr/>
         </p:nvPicPr>
         <p:blipFill>
-          <a:blip r:embed="rId6">
+          <a:blip r:embed="rId5">
             <a:extLst>
               <a:ext uri="{28A0092B-C50C-407E-A947-70E740481C1C}">
                 <a14:useLocalDpi xmlns:a14="http://schemas.microsoft.com/office/drawing/2010/main" val="0"/>
               </a:ext>
               <a:ext uri="{96DAC541-7B7A-43D3-8B79-37D633B846F1}">
-                <asvg:svgBlip xmlns:asvg="http://schemas.microsoft.com/office/drawing/2016/SVG/main" r:embed="rId7"/>
+                <asvg:svgBlip xmlns:asvg="http://schemas.microsoft.com/office/drawing/2016/SVG/main" r:embed="rId6"/>
               </a:ext>
             </a:extLst>
           </a:blip>
@@ -38278,8 +40110,8 @@
         </p:blipFill>
         <p:spPr>
           <a:xfrm>
-            <a:off x="6934200" y="2660430"/>
-            <a:ext cx="914400" cy="914400"/>
+            <a:off x="6740415" y="2218995"/>
+            <a:ext cx="1301970" cy="1301970"/>
           </a:xfrm>
           <a:prstGeom prst="rect">
             <a:avLst/>
@@ -38301,13 +40133,13 @@
           <p:nvPr/>
         </p:nvPicPr>
         <p:blipFill>
-          <a:blip r:embed="rId8">
+          <a:blip r:embed="rId7">
             <a:extLst>
               <a:ext uri="{28A0092B-C50C-407E-A947-70E740481C1C}">
                 <a14:useLocalDpi xmlns:a14="http://schemas.microsoft.com/office/drawing/2010/main" val="0"/>
               </a:ext>
               <a:ext uri="{96DAC541-7B7A-43D3-8B79-37D633B846F1}">
-                <asvg:svgBlip xmlns:asvg="http://schemas.microsoft.com/office/drawing/2016/SVG/main" r:embed="rId9"/>
+                <asvg:svgBlip xmlns:asvg="http://schemas.microsoft.com/office/drawing/2016/SVG/main" r:embed="rId8"/>
               </a:ext>
             </a:extLst>
           </a:blip>
@@ -38317,8 +40149,8 @@
         </p:blipFill>
         <p:spPr>
           <a:xfrm>
-            <a:off x="1752600" y="3312299"/>
-            <a:ext cx="914400" cy="914400"/>
+            <a:off x="3448050" y="3200400"/>
+            <a:ext cx="2362200" cy="2362200"/>
           </a:xfrm>
           <a:prstGeom prst="rect">
             <a:avLst/>
@@ -38340,13 +40172,13 @@
           <p:nvPr/>
         </p:nvPicPr>
         <p:blipFill>
-          <a:blip r:embed="rId10">
+          <a:blip r:embed="rId9">
             <a:extLst>
               <a:ext uri="{28A0092B-C50C-407E-A947-70E740481C1C}">
                 <a14:useLocalDpi xmlns:a14="http://schemas.microsoft.com/office/drawing/2010/main" val="0"/>
               </a:ext>
               <a:ext uri="{96DAC541-7B7A-43D3-8B79-37D633B846F1}">
-                <asvg:svgBlip xmlns:asvg="http://schemas.microsoft.com/office/drawing/2016/SVG/main" r:embed="rId11"/>
+                <asvg:svgBlip xmlns:asvg="http://schemas.microsoft.com/office/drawing/2016/SVG/main" r:embed="rId10"/>
               </a:ext>
             </a:extLst>
           </a:blip>
@@ -38356,8 +40188,8 @@
         </p:blipFill>
         <p:spPr>
           <a:xfrm>
-            <a:off x="6781800" y="5143499"/>
-            <a:ext cx="914400" cy="914400"/>
+            <a:off x="6477000" y="5105400"/>
+            <a:ext cx="1606770" cy="1606770"/>
           </a:xfrm>
           <a:prstGeom prst="rect">
             <a:avLst/>

--- a/presentation/gtdb-final-presentation.pptx
+++ b/presentation/gtdb-final-presentation.pptx
@@ -8479,7 +8479,7 @@
           <a:graphicData uri="http://schemas.openxmlformats.org/presentationml/2006/ole">
             <mc:AlternateContent xmlns:mc="http://schemas.openxmlformats.org/markup-compatibility/2006">
               <mc:Choice xmlns:v="urn:schemas-microsoft-com:vml" Requires="v">
-                <p:oleObj spid="_x0000_s2375" name="Worksheet" r:id="rId4" imgW="1923884" imgH="933476" progId="Excel.Sheet.12">
+                <p:oleObj spid="_x0000_s2381" name="Worksheet" r:id="rId4" imgW="1923884" imgH="933476" progId="Excel.Sheet.12">
                   <p:embed/>
                 </p:oleObj>
               </mc:Choice>
@@ -8903,7 +8903,7 @@
           <a:graphicData uri="http://schemas.openxmlformats.org/presentationml/2006/ole">
             <mc:AlternateContent xmlns:mc="http://schemas.openxmlformats.org/markup-compatibility/2006">
               <mc:Choice xmlns:v="urn:schemas-microsoft-com:vml" Requires="v">
-                <p:oleObj spid="_x0000_s1682" name="Worksheet" r:id="rId3" imgW="1466857" imgH="771525" progId="Excel.Sheet.12">
+                <p:oleObj spid="_x0000_s1694" name="Worksheet" r:id="rId3" imgW="1466857" imgH="771525" progId="Excel.Sheet.12">
                   <p:embed/>
                 </p:oleObj>
               </mc:Choice>
@@ -8966,7 +8966,7 @@
           <a:graphicData uri="http://schemas.openxmlformats.org/presentationml/2006/ole">
             <mc:AlternateContent xmlns:mc="http://schemas.openxmlformats.org/markup-compatibility/2006">
               <mc:Choice xmlns:v="urn:schemas-microsoft-com:vml" Requires="v">
-                <p:oleObj spid="_x0000_s1683" name="Worksheet" r:id="rId5" imgW="1466857" imgH="771525" progId="Excel.Sheet.12">
+                <p:oleObj spid="_x0000_s1695" name="Worksheet" r:id="rId5" imgW="1466857" imgH="771525" progId="Excel.Sheet.12">
                   <p:embed/>
                 </p:oleObj>
               </mc:Choice>
@@ -9666,7 +9666,7 @@
           <a:graphicData uri="http://schemas.openxmlformats.org/presentationml/2006/ole">
             <mc:AlternateContent xmlns:mc="http://schemas.openxmlformats.org/markup-compatibility/2006">
               <mc:Choice xmlns:v="urn:schemas-microsoft-com:vml" Requires="v">
-                <p:oleObj spid="_x0000_s3396" name="Worksheet" r:id="rId5" imgW="1923884" imgH="933476" progId="Excel.Sheet.12">
+                <p:oleObj spid="_x0000_s3402" name="Worksheet" r:id="rId5" imgW="1923884" imgH="933476" progId="Excel.Sheet.12">
                   <p:embed/>
                 </p:oleObj>
               </mc:Choice>
@@ -10545,7 +10545,7 @@
         </p:spPr>
         <p:txBody>
           <a:bodyPr vert="horz" lIns="91440" tIns="45720" rIns="91440" bIns="45720" rtlCol="0">
-            <a:normAutofit/>
+            <a:normAutofit fontScale="92500" lnSpcReduction="20000"/>
           </a:bodyPr>
           <a:lstStyle>
             <a:lvl1pPr marL="384048" indent="-384048" algn="l" defTabSz="685800" rtl="0" eaLnBrk="1" latinLnBrk="0" hangingPunct="1">
@@ -10772,6 +10772,32 @@
                 </a:solidFill>
               </a:rPr>
               <a:t>”</a:t>
+            </a:r>
+          </a:p>
+          <a:p>
+            <a:r>
+              <a:rPr lang="en-US" i="1" dirty="0">
+                <a:solidFill>
+                  <a:schemeClr val="tx1"/>
+                </a:solidFill>
+              </a:rPr>
+              <a:t>Some variables are redundant (i.e. “</a:t>
+            </a:r>
+            <a:r>
+              <a:rPr lang="en-US" i="1" dirty="0" err="1">
+                <a:solidFill>
+                  <a:schemeClr val="tx1"/>
+                </a:solidFill>
+              </a:rPr>
+              <a:t>ishostkid</a:t>
+            </a:r>
+            <a:r>
+              <a:rPr lang="en-US" i="1" dirty="0">
+                <a:solidFill>
+                  <a:schemeClr val="tx1"/>
+                </a:solidFill>
+              </a:rPr>
+              <a:t>” and “attacktype1.6”)</a:t>
             </a:r>
           </a:p>
         </p:txBody>
@@ -13038,8 +13064,20 @@
             <a:pPr lvl="1"/>
             <a:r>
               <a:rPr lang="en-US" sz="1600" dirty="0"/>
-              <a:t>All entries without casualty data were removed</a:t>
-            </a:r>
+              <a:t>All entries without casualty data were removed </a:t>
+            </a:r>
+          </a:p>
+          <a:p>
+            <a:pPr lvl="1"/>
+            <a:r>
+              <a:rPr lang="en-US" sz="1600" dirty="0"/>
+              <a:t>All unsuccessful attacks were removed </a:t>
+            </a:r>
+            <a:r>
+              <a:rPr lang="en-US" sz="1600"/>
+              <a:t>as well</a:t>
+            </a:r>
+            <a:endParaRPr lang="en-US" sz="1600" dirty="0"/>
           </a:p>
           <a:p>
             <a:pPr lvl="1"/>
@@ -13180,8 +13218,8 @@
         </p:nvSpPr>
         <p:spPr>
           <a:xfrm>
-            <a:off x="752475" y="4944264"/>
-            <a:ext cx="7200900" cy="1485899"/>
+            <a:off x="752475" y="4495800"/>
+            <a:ext cx="7200900" cy="1934363"/>
           </a:xfrm>
           <a:prstGeom prst="rect">
             <a:avLst/>
@@ -13189,7 +13227,7 @@
         </p:spPr>
         <p:txBody>
           <a:bodyPr vert="horz" lIns="91440" tIns="45720" rIns="91440" bIns="45720" rtlCol="0">
-            <a:normAutofit fontScale="92500" lnSpcReduction="10000"/>
+            <a:normAutofit fontScale="92500" lnSpcReduction="20000"/>
           </a:bodyPr>
           <a:lstStyle>
             <a:lvl1pPr marL="384048" indent="-384048" algn="l" defTabSz="685800" rtl="0" eaLnBrk="1" latinLnBrk="0" hangingPunct="1">
@@ -13399,11 +13437,48 @@
               </a:rPr>
               <a:t>0.04402</a:t>
             </a:r>
-            <a:endParaRPr lang="en-US" sz="2200" dirty="0">
-              <a:solidFill>
-                <a:schemeClr val="tx1"/>
-              </a:solidFill>
-            </a:endParaRPr>
+          </a:p>
+          <a:p>
+            <a:r>
+              <a:rPr lang="en-US" sz="2200" dirty="0">
+                <a:solidFill>
+                  <a:schemeClr val="tx1"/>
+                </a:solidFill>
+              </a:rPr>
+              <a:t>Backward selection: (“</a:t>
+            </a:r>
+            <a:r>
+              <a:rPr lang="en-US" sz="2200" i="1" dirty="0" err="1">
+                <a:solidFill>
+                  <a:schemeClr val="tx1"/>
+                </a:solidFill>
+              </a:rPr>
+              <a:t>iyear</a:t>
+            </a:r>
+            <a:r>
+              <a:rPr lang="en-US" sz="2200" i="1" dirty="0">
+                <a:solidFill>
+                  <a:schemeClr val="tx1"/>
+                </a:solidFill>
+              </a:rPr>
+              <a:t>”, “region”, “</a:t>
+            </a:r>
+            <a:r>
+              <a:rPr lang="en-US" sz="2200" i="1" dirty="0" err="1">
+                <a:solidFill>
+                  <a:schemeClr val="tx1"/>
+                </a:solidFill>
+              </a:rPr>
+              <a:t>doubtterr</a:t>
+            </a:r>
+            <a:r>
+              <a:rPr lang="en-US" sz="2200" i="1" dirty="0">
+                <a:solidFill>
+                  <a:schemeClr val="tx1"/>
+                </a:solidFill>
+              </a:rPr>
+              <a:t>”, “suicide”, “attacktype1”, “weaptype1”)</a:t>
+            </a:r>
           </a:p>
           <a:p>
             <a:r>
@@ -14400,6 +14475,16 @@
           <a:lstStyle/>
           <a:p>
             <a:r>
+              <a:rPr lang="en-US" i="1" dirty="0"/>
+              <a:t>Radial</a:t>
+            </a:r>
+            <a:r>
+              <a:rPr lang="en-US" dirty="0"/>
+              <a:t> kernel used</a:t>
+            </a:r>
+          </a:p>
+          <a:p>
+            <a:r>
               <a:rPr lang="en-US" dirty="0"/>
               <a:t>Took 5+ hours to converge!</a:t>
             </a:r>
@@ -14453,7 +14538,7 @@
           <a:graphicData uri="http://schemas.openxmlformats.org/presentationml/2006/ole">
             <mc:AlternateContent xmlns:mc="http://schemas.openxmlformats.org/markup-compatibility/2006">
               <mc:Choice xmlns:v="urn:schemas-microsoft-com:vml" Requires="v">
-                <p:oleObj spid="_x0000_s5324" name="Worksheet" r:id="rId3" imgW="2505144" imgH="1219149" progId="Excel.Sheet.12">
+                <p:oleObj spid="_x0000_s5330" name="Worksheet" r:id="rId3" imgW="2505144" imgH="1219149" progId="Excel.Sheet.12">
                   <p:embed/>
                 </p:oleObj>
               </mc:Choice>
@@ -15078,8 +15163,8 @@
           </a:p>
         </p:txBody>
       </p:sp>
-      <mc:AlternateContent xmlns:mc="http://schemas.openxmlformats.org/markup-compatibility/2006">
-        <mc:Choice xmlns:a14="http://schemas.microsoft.com/office/drawing/2010/main" Requires="a14">
+      <mc:AlternateContent xmlns:mc="http://schemas.openxmlformats.org/markup-compatibility/2006" xmlns:a14="http://schemas.microsoft.com/office/drawing/2010/main">
+        <mc:Choice Requires="a14">
           <p:sp>
             <p:nvSpPr>
               <p:cNvPr id="3" name="Content Placeholder 2">
@@ -15217,7 +15302,7 @@
             </p:txBody>
           </p:sp>
         </mc:Choice>
-        <mc:Fallback>
+        <mc:Fallback xmlns="">
           <p:sp>
             <p:nvSpPr>
               <p:cNvPr id="3" name="Content Placeholder 2">

--- a/presentation/gtdb-final-presentation.pptx
+++ b/presentation/gtdb-final-presentation.pptx
@@ -660,7 +660,15 @@
             </a:pPr>
             <a:r>
               <a:rPr lang="en-US" dirty="0"/>
-              <a:t>Middle East &amp; North Africa (most incidents) followed closely by Southeast Asia (over half of all incidents combined)</a:t>
+              <a:t>Middle East &amp; North Africa (most incidents) followed closely </a:t>
+            </a:r>
+            <a:r>
+              <a:rPr lang="en-US"/>
+              <a:t>by South </a:t>
+            </a:r>
+            <a:r>
+              <a:rPr lang="en-US" dirty="0"/>
+              <a:t>Asia (over half of all incidents combined)</a:t>
             </a:r>
           </a:p>
           <a:p>
@@ -8479,7 +8487,7 @@
           <a:graphicData uri="http://schemas.openxmlformats.org/presentationml/2006/ole">
             <mc:AlternateContent xmlns:mc="http://schemas.openxmlformats.org/markup-compatibility/2006">
               <mc:Choice xmlns:v="urn:schemas-microsoft-com:vml" Requires="v">
-                <p:oleObj spid="_x0000_s2381" name="Worksheet" r:id="rId4" imgW="1923884" imgH="933476" progId="Excel.Sheet.12">
+                <p:oleObj spid="_x0000_s2384" name="Worksheet" r:id="rId4" imgW="1923884" imgH="933476" progId="Excel.Sheet.12">
                   <p:embed/>
                 </p:oleObj>
               </mc:Choice>
@@ -8903,7 +8911,7 @@
           <a:graphicData uri="http://schemas.openxmlformats.org/presentationml/2006/ole">
             <mc:AlternateContent xmlns:mc="http://schemas.openxmlformats.org/markup-compatibility/2006">
               <mc:Choice xmlns:v="urn:schemas-microsoft-com:vml" Requires="v">
-                <p:oleObj spid="_x0000_s1694" name="Worksheet" r:id="rId3" imgW="1466857" imgH="771525" progId="Excel.Sheet.12">
+                <p:oleObj spid="_x0000_s1700" name="Worksheet" r:id="rId3" imgW="1466857" imgH="771525" progId="Excel.Sheet.12">
                   <p:embed/>
                 </p:oleObj>
               </mc:Choice>
@@ -8966,7 +8974,7 @@
           <a:graphicData uri="http://schemas.openxmlformats.org/presentationml/2006/ole">
             <mc:AlternateContent xmlns:mc="http://schemas.openxmlformats.org/markup-compatibility/2006">
               <mc:Choice xmlns:v="urn:schemas-microsoft-com:vml" Requires="v">
-                <p:oleObj spid="_x0000_s1695" name="Worksheet" r:id="rId5" imgW="1466857" imgH="771525" progId="Excel.Sheet.12">
+                <p:oleObj spid="_x0000_s1701" name="Worksheet" r:id="rId5" imgW="1466857" imgH="771525" progId="Excel.Sheet.12">
                   <p:embed/>
                 </p:oleObj>
               </mc:Choice>
@@ -9666,7 +9674,7 @@
           <a:graphicData uri="http://schemas.openxmlformats.org/presentationml/2006/ole">
             <mc:AlternateContent xmlns:mc="http://schemas.openxmlformats.org/markup-compatibility/2006">
               <mc:Choice xmlns:v="urn:schemas-microsoft-com:vml" Requires="v">
-                <p:oleObj spid="_x0000_s3402" name="Worksheet" r:id="rId5" imgW="1923884" imgH="933476" progId="Excel.Sheet.12">
+                <p:oleObj spid="_x0000_s3405" name="Worksheet" r:id="rId5" imgW="1923884" imgH="933476" progId="Excel.Sheet.12">
                   <p:embed/>
                 </p:oleObj>
               </mc:Choice>
@@ -14538,7 +14546,7 @@
           <a:graphicData uri="http://schemas.openxmlformats.org/presentationml/2006/ole">
             <mc:AlternateContent xmlns:mc="http://schemas.openxmlformats.org/markup-compatibility/2006">
               <mc:Choice xmlns:v="urn:schemas-microsoft-com:vml" Requires="v">
-                <p:oleObj spid="_x0000_s5330" name="Worksheet" r:id="rId3" imgW="2505144" imgH="1219149" progId="Excel.Sheet.12">
+                <p:oleObj spid="_x0000_s5333" name="Worksheet" r:id="rId3" imgW="2505144" imgH="1219149" progId="Excel.Sheet.12">
                   <p:embed/>
                 </p:oleObj>
               </mc:Choice>
@@ -38809,7 +38817,7 @@
         <p:spPr>
           <a:xfrm>
             <a:off x="1028700" y="2286000"/>
-            <a:ext cx="7200900" cy="3242310"/>
+            <a:ext cx="7200900" cy="2286000"/>
           </a:xfrm>
         </p:spPr>
         <p:txBody>
@@ -38843,15 +38851,6 @@
               <a:rPr lang="en-US" dirty="0"/>
               <a:t>Most algorithms performed well (other than QDA), but Random Forest was the winner based on AUC</a:t>
             </a:r>
-          </a:p>
-          <a:p>
-            <a:r>
-              <a:rPr lang="en-US" dirty="0"/>
-              <a:t>Confusion matrices for Random Forest vs SVM suggest that SVM may be superior if we want to minimize misclassification of high-risk as low-risk</a:t>
-            </a:r>
-          </a:p>
-          <a:p>
-            <a:endParaRPr lang="en-US" dirty="0"/>
           </a:p>
           <a:p>
             <a:endParaRPr lang="en-US" dirty="0"/>
